--- a/StreamZ__P2.pptx
+++ b/StreamZ__P2.pptx
@@ -14930,10 +14930,10 @@
           <a:lstStyle/>
           <a:p>
             <a:r>
-              <a:rPr lang="pt-PT" sz="2000" dirty="0"/>
+              <a:rPr lang="pt-PT" sz="2000" u="sng" dirty="0"/>
               <a:t>Nº plvrs. título </a:t>
             </a:r>
-            <a:endParaRPr lang="en-GB" sz="2000" dirty="0"/>
+            <a:endParaRPr lang="en-GB" sz="2000" u="sng" dirty="0"/>
           </a:p>
         </p:txBody>
       </p:sp>

--- a/StreamZ__P2.pptx
+++ b/StreamZ__P2.pptx
@@ -4885,10 +4885,18 @@
           <a:lstStyle/>
           <a:p>
             <a:r>
-              <a:rPr lang="pt-PT" sz="1600" dirty="0"/>
+              <a:rPr lang="pt-PT" sz="1600" dirty="0">
+                <a:solidFill>
+                  <a:srgbClr val="FF0000"/>
+                </a:solidFill>
+              </a:rPr>
               <a:t>UserManager.cpp</a:t>
             </a:r>
-            <a:endParaRPr lang="en-GB" sz="1600" dirty="0"/>
+            <a:endParaRPr lang="en-GB" sz="1600" dirty="0">
+              <a:solidFill>
+                <a:srgbClr val="FF0000"/>
+              </a:solidFill>
+            </a:endParaRPr>
           </a:p>
         </p:txBody>
       </p:sp>
@@ -4921,10 +4929,18 @@
           <a:lstStyle/>
           <a:p>
             <a:r>
-              <a:rPr lang="pt-PT" sz="1600" dirty="0" err="1"/>
+              <a:rPr lang="pt-PT" sz="1600" dirty="0" err="1">
+                <a:solidFill>
+                  <a:srgbClr val="FF0000"/>
+                </a:solidFill>
+              </a:rPr>
               <a:t>Viewer.h</a:t>
             </a:r>
-            <a:endParaRPr lang="en-GB" sz="1600" dirty="0"/>
+            <a:endParaRPr lang="en-GB" sz="1600" dirty="0">
+              <a:solidFill>
+                <a:srgbClr val="FF0000"/>
+              </a:solidFill>
+            </a:endParaRPr>
           </a:p>
         </p:txBody>
       </p:sp>
@@ -5033,7 +5049,7 @@
         <p:spPr>
           <a:xfrm>
             <a:off x="1297720" y="1896645"/>
-            <a:ext cx="5689006" cy="1754326"/>
+            <a:ext cx="5689006" cy="2308324"/>
           </a:xfrm>
           <a:prstGeom prst="rect">
             <a:avLst/>
@@ -5055,8 +5071,13 @@
             </a:pPr>
             <a:r>
               <a:rPr lang="pt-PT" dirty="0"/>
-              <a:t>Argumentos das funções são os identificadores únicos.</a:t>
-            </a:r>
+              <a:t>Inserção e remoção de elementos na BST são feitos a partir dos métodos definidos em </a:t>
+            </a:r>
+            <a:r>
+              <a:rPr lang="pt-PT" dirty="0" err="1"/>
+              <a:t>BST.h</a:t>
+            </a:r>
+            <a:endParaRPr lang="pt-PT" dirty="0"/>
           </a:p>
           <a:p>
             <a:pPr marL="285750" indent="-285750">
@@ -5067,22 +5088,13 @@
               <a:buChar char="•"/>
             </a:pPr>
             <a:r>
-              <a:rPr lang="pt-PT" dirty="0"/>
-              <a:t>Remoção e criação feitas na classe UserManager e StreamManager. Ex: </a:t>
-            </a:r>
-            <a:r>
-              <a:rPr lang="pt-PT" dirty="0" err="1"/>
-              <a:t>UserManager</a:t>
-            </a:r>
-            <a:r>
-              <a:rPr lang="pt-PT" dirty="0"/>
-              <a:t>::</a:t>
-            </a:r>
-            <a:r>
-              <a:rPr lang="pt-PT" dirty="0" err="1"/>
-              <a:t>createStreamer</a:t>
-            </a:r>
-            <a:endParaRPr lang="pt-PT" dirty="0"/>
+              <a:rPr lang="pt-PT" dirty="0">
+                <a:solidFill>
+                  <a:srgbClr val="FF0000"/>
+                </a:solidFill>
+              </a:rPr>
+              <a:t>Argumentos das funções são os identificadores únicos.</a:t>
+            </a:r>
           </a:p>
           <a:p>
             <a:pPr marL="285750" indent="-285750">
@@ -5093,22 +5105,58 @@
               <a:buChar char="•"/>
             </a:pPr>
             <a:r>
-              <a:rPr lang="pt-PT" dirty="0"/>
-              <a:t>Alterações são feitas sobre apontadores.                          Ex: </a:t>
-            </a:r>
-            <a:r>
-              <a:rPr lang="pt-PT" dirty="0" err="1"/>
-              <a:t>Viewer</a:t>
-            </a:r>
-            <a:r>
-              <a:rPr lang="pt-PT" dirty="0"/>
+              <a:rPr lang="pt-PT" dirty="0">
+                <a:solidFill>
+                  <a:srgbClr val="FF0000"/>
+                </a:solidFill>
+              </a:rPr>
+              <a:t>Remoção e criação feitas na classe UserManager e </a:t>
+            </a:r>
+            <a:r>
+              <a:rPr lang="pt-PT" u="sng" dirty="0">
+                <a:solidFill>
+                  <a:srgbClr val="FF0000"/>
+                </a:solidFill>
+              </a:rPr>
+              <a:t>StreamManager</a:t>
+            </a:r>
+            <a:r>
+              <a:rPr lang="pt-PT" dirty="0">
+                <a:solidFill>
+                  <a:srgbClr val="FF0000"/>
+                </a:solidFill>
+              </a:rPr>
+              <a:t>. Ex: </a:t>
+            </a:r>
+            <a:r>
+              <a:rPr lang="pt-PT" dirty="0" err="1">
+                <a:solidFill>
+                  <a:srgbClr val="FF0000"/>
+                </a:solidFill>
+              </a:rPr>
+              <a:t>UserManager</a:t>
+            </a:r>
+            <a:r>
+              <a:rPr lang="pt-PT" dirty="0">
+                <a:solidFill>
+                  <a:srgbClr val="FF0000"/>
+                </a:solidFill>
+              </a:rPr>
               <a:t>::</a:t>
             </a:r>
             <a:r>
-              <a:rPr lang="pt-PT" dirty="0" err="1"/>
-              <a:t>giveFeedback</a:t>
-            </a:r>
-            <a:endParaRPr lang="pt-PT" dirty="0"/>
+              <a:rPr lang="pt-PT" dirty="0" err="1">
+                <a:solidFill>
+                  <a:srgbClr val="FF0000"/>
+                </a:solidFill>
+              </a:rPr>
+              <a:t>createStreamer</a:t>
+            </a:r>
+            <a:endParaRPr lang="pt-PT" dirty="0">
+              <a:solidFill>
+                <a:srgbClr val="FF0000"/>
+              </a:solidFill>
+            </a:endParaRPr>
           </a:p>
           <a:p>
             <a:pPr marL="285750" indent="-285750">
@@ -5118,103 +5166,57 @@
               <a:buFont typeface="Arial" panose="020B0604020202020204" pitchFamily="34" charset="0"/>
               <a:buChar char="•"/>
             </a:pPr>
-            <a:endParaRPr lang="pt-PT" dirty="0"/>
-          </a:p>
-        </p:txBody>
-      </p:sp>
-      <p:pic>
-        <p:nvPicPr>
-          <p:cNvPr id="4" name="Imagem 3">
-            <a:extLst>
-              <a:ext uri="{FF2B5EF4-FFF2-40B4-BE49-F238E27FC236}">
-                <a16:creationId xmlns:a16="http://schemas.microsoft.com/office/drawing/2014/main" id="{BB7D9041-B039-44CD-A730-47FA122D646C}"/>
-              </a:ext>
-            </a:extLst>
-          </p:cNvPr>
-          <p:cNvPicPr>
-            <a:picLocks noChangeAspect="1"/>
-          </p:cNvPicPr>
-          <p:nvPr/>
-        </p:nvPicPr>
-        <p:blipFill>
-          <a:blip r:embed="rId6"/>
-          <a:stretch>
-            <a:fillRect/>
-          </a:stretch>
-        </p:blipFill>
-        <p:spPr>
-          <a:xfrm>
-            <a:off x="1379139" y="3419843"/>
-            <a:ext cx="5446270" cy="387658"/>
-          </a:xfrm>
-          <a:prstGeom prst="rect">
-            <a:avLst/>
-          </a:prstGeom>
-        </p:spPr>
-      </p:pic>
-      <p:pic>
-        <p:nvPicPr>
-          <p:cNvPr id="7" name="Imagem 6">
-            <a:extLst>
-              <a:ext uri="{FF2B5EF4-FFF2-40B4-BE49-F238E27FC236}">
-                <a16:creationId xmlns:a16="http://schemas.microsoft.com/office/drawing/2014/main" id="{5AE11B17-3FF0-4AB1-B397-96F0B9B007D9}"/>
-              </a:ext>
-            </a:extLst>
-          </p:cNvPr>
-          <p:cNvPicPr>
-            <a:picLocks noChangeAspect="1"/>
-          </p:cNvPicPr>
-          <p:nvPr/>
-        </p:nvPicPr>
-        <p:blipFill>
-          <a:blip r:embed="rId7"/>
-          <a:stretch>
-            <a:fillRect/>
-          </a:stretch>
-        </p:blipFill>
-        <p:spPr>
-          <a:xfrm>
-            <a:off x="1379139" y="3785924"/>
-            <a:ext cx="2260706" cy="344429"/>
-          </a:xfrm>
-          <a:prstGeom prst="rect">
-            <a:avLst/>
-          </a:prstGeom>
-        </p:spPr>
-      </p:pic>
-      <p:sp>
-        <p:nvSpPr>
-          <p:cNvPr id="8" name="CaixaDeTexto 7">
-            <a:extLst>
-              <a:ext uri="{FF2B5EF4-FFF2-40B4-BE49-F238E27FC236}">
-                <a16:creationId xmlns:a16="http://schemas.microsoft.com/office/drawing/2014/main" id="{3BD1AE57-3A8C-4DA1-AB60-3EFC37C29259}"/>
-              </a:ext>
-            </a:extLst>
-          </p:cNvPr>
-          <p:cNvSpPr txBox="1"/>
-          <p:nvPr/>
-        </p:nvSpPr>
-        <p:spPr>
-          <a:xfrm>
-            <a:off x="4995749" y="3761436"/>
-            <a:ext cx="1857314" cy="338554"/>
-          </a:xfrm>
-          <a:prstGeom prst="rect">
-            <a:avLst/>
-          </a:prstGeom>
-          <a:noFill/>
-        </p:spPr>
-        <p:txBody>
-          <a:bodyPr wrap="square" rtlCol="0">
-            <a:spAutoFit/>
-          </a:bodyPr>
-          <a:lstStyle/>
-          <a:p>
-            <a:r>
-              <a:rPr lang="pt-PT" sz="1600" dirty="0"/>
-              <a:t>(excerto)Viewer.cpp</a:t>
-            </a:r>
-            <a:endParaRPr lang="en-GB" sz="1600" dirty="0"/>
+            <a:r>
+              <a:rPr lang="pt-PT" dirty="0">
+                <a:solidFill>
+                  <a:srgbClr val="FF0000"/>
+                </a:solidFill>
+              </a:rPr>
+              <a:t>Alterações são feitas sobre apontadores.                          Ex: </a:t>
+            </a:r>
+            <a:r>
+              <a:rPr lang="pt-PT" dirty="0" err="1">
+                <a:solidFill>
+                  <a:srgbClr val="FF0000"/>
+                </a:solidFill>
+              </a:rPr>
+              <a:t>Viewer</a:t>
+            </a:r>
+            <a:r>
+              <a:rPr lang="pt-PT" dirty="0">
+                <a:solidFill>
+                  <a:srgbClr val="FF0000"/>
+                </a:solidFill>
+              </a:rPr>
+              <a:t>::</a:t>
+            </a:r>
+            <a:r>
+              <a:rPr lang="pt-PT" dirty="0" err="1">
+                <a:solidFill>
+                  <a:srgbClr val="FF0000"/>
+                </a:solidFill>
+              </a:rPr>
+              <a:t>giveFeedback</a:t>
+            </a:r>
+            <a:endParaRPr lang="pt-PT" dirty="0">
+              <a:solidFill>
+                <a:srgbClr val="FF0000"/>
+              </a:solidFill>
+            </a:endParaRPr>
+          </a:p>
+          <a:p>
+            <a:pPr marL="285750" indent="-285750">
+              <a:buClr>
+                <a:srgbClr val="8C2D19"/>
+              </a:buClr>
+              <a:buFont typeface="Arial" panose="020B0604020202020204" pitchFamily="34" charset="0"/>
+              <a:buChar char="•"/>
+            </a:pPr>
+            <a:endParaRPr lang="pt-PT" dirty="0">
+              <a:solidFill>
+                <a:srgbClr val="FF0000"/>
+              </a:solidFill>
+            </a:endParaRPr>
           </a:p>
         </p:txBody>
       </p:sp>
@@ -5290,7 +5292,7 @@
           <p:nvPr/>
         </p:nvPicPr>
         <p:blipFill rotWithShape="1">
-          <a:blip r:embed="rId8">
+          <a:blip r:embed="rId6">
             <a:extLst>
               <a:ext uri="{28A0092B-C50C-407E-A947-70E740481C1C}">
                 <a14:useLocalDpi xmlns:a14="http://schemas.microsoft.com/office/drawing/2010/main" val="0"/>
@@ -5553,14 +5555,26 @@
           <a:lstStyle/>
           <a:p>
             <a:r>
-              <a:rPr lang="pt-PT" sz="1600" dirty="0" err="1"/>
+              <a:rPr lang="pt-PT" sz="1600" dirty="0" err="1">
+                <a:solidFill>
+                  <a:srgbClr val="FF0000"/>
+                </a:solidFill>
+              </a:rPr>
               <a:t>SortingManager</a:t>
             </a:r>
             <a:r>
-              <a:rPr lang="pt-PT" dirty="0" err="1"/>
+              <a:rPr lang="pt-PT" dirty="0" err="1">
+                <a:solidFill>
+                  <a:srgbClr val="FF0000"/>
+                </a:solidFill>
+              </a:rPr>
               <a:t>.h</a:t>
             </a:r>
-            <a:endParaRPr lang="en-GB" dirty="0"/>
+            <a:endParaRPr lang="en-GB" dirty="0">
+              <a:solidFill>
+                <a:srgbClr val="FF0000"/>
+              </a:solidFill>
+            </a:endParaRPr>
           </a:p>
         </p:txBody>
       </p:sp>
@@ -5623,10 +5637,18 @@
           <a:lstStyle/>
           <a:p>
             <a:r>
-              <a:rPr lang="pt-PT" sz="1600" dirty="0"/>
+              <a:rPr lang="pt-PT" sz="1600" dirty="0">
+                <a:solidFill>
+                  <a:srgbClr val="FF0000"/>
+                </a:solidFill>
+              </a:rPr>
               <a:t>SortingManager.cpp</a:t>
             </a:r>
-            <a:endParaRPr lang="en-GB" dirty="0"/>
+            <a:endParaRPr lang="en-GB" dirty="0">
+              <a:solidFill>
+                <a:srgbClr val="FF0000"/>
+              </a:solidFill>
+            </a:endParaRPr>
           </a:p>
         </p:txBody>
       </p:sp>
@@ -5666,7 +5688,11 @@
               <a:buChar char="•"/>
             </a:pPr>
             <a:r>
-              <a:rPr lang="pt-PT" dirty="0"/>
+              <a:rPr lang="pt-PT" dirty="0">
+                <a:solidFill>
+                  <a:srgbClr val="FF0000"/>
+                </a:solidFill>
+              </a:rPr>
               <a:t>Aplica algoritmo sort da stl a vetores pré-preenchidos</a:t>
             </a:r>
           </a:p>
@@ -5676,7 +5702,11 @@
                 <a:srgbClr val="8C2D19"/>
               </a:buClr>
             </a:pPr>
-            <a:endParaRPr lang="pt-PT" dirty="0"/>
+            <a:endParaRPr lang="pt-PT" dirty="0">
+              <a:solidFill>
+                <a:srgbClr val="FF0000"/>
+              </a:solidFill>
+            </a:endParaRPr>
           </a:p>
           <a:p>
             <a:pPr marL="285750" indent="-285750">
@@ -5687,7 +5717,11 @@
               <a:buChar char="•"/>
             </a:pPr>
             <a:r>
-              <a:rPr lang="pt-PT" dirty="0"/>
+              <a:rPr lang="pt-PT" dirty="0">
+                <a:solidFill>
+                  <a:srgbClr val="FF0000"/>
+                </a:solidFill>
+              </a:rPr>
               <a:t>Permite ordenar valores costumizadas enviando vetor com dados.</a:t>
             </a:r>
           </a:p>
@@ -5699,7 +5733,11 @@
               <a:buFont typeface="Arial" panose="020B0604020202020204" pitchFamily="34" charset="0"/>
               <a:buChar char="•"/>
             </a:pPr>
-            <a:endParaRPr lang="pt-PT" dirty="0"/>
+            <a:endParaRPr lang="pt-PT" dirty="0">
+              <a:solidFill>
+                <a:srgbClr val="FF0000"/>
+              </a:solidFill>
+            </a:endParaRPr>
           </a:p>
           <a:p>
             <a:pPr marL="285750" indent="-285750">
@@ -5710,7 +5748,11 @@
               <a:buChar char="•"/>
             </a:pPr>
             <a:r>
-              <a:rPr lang="pt-PT" dirty="0"/>
+              <a:rPr lang="pt-PT" dirty="0">
+                <a:solidFill>
+                  <a:srgbClr val="FF0000"/>
+                </a:solidFill>
+              </a:rPr>
               <a:t>Permite ordenar os dados mais recentes enviando vetor vazio.</a:t>
             </a:r>
           </a:p>
@@ -5868,10 +5910,7 @@
             <a:r>
               <a:rPr lang="pt-PT" sz="6600" dirty="0">
                 <a:solidFill>
-                  <a:schemeClr val="tx1">
-                    <a:lumMod val="85000"/>
-                    <a:lumOff val="15000"/>
-                  </a:schemeClr>
+                  <a:schemeClr val="tx1"/>
                 </a:solidFill>
                 <a:latin typeface="Bahnschrift SemiLight" panose="020B0502040204020203" pitchFamily="34" charset="0"/>
               </a:rPr>
@@ -5879,10 +5918,7 @@
             </a:r>
             <a:endParaRPr lang="en-GB" sz="6600" dirty="0">
               <a:solidFill>
-                <a:schemeClr val="tx1">
-                  <a:lumMod val="85000"/>
-                  <a:lumOff val="15000"/>
-                </a:schemeClr>
+                <a:schemeClr val="tx1"/>
               </a:solidFill>
               <a:latin typeface="Bahnschrift SemiLight" panose="020B0502040204020203" pitchFamily="34" charset="0"/>
             </a:endParaRPr>
@@ -5961,10 +5997,18 @@
           <a:lstStyle/>
           <a:p>
             <a:r>
-              <a:rPr lang="pt-PT" sz="1600" dirty="0"/>
+              <a:rPr lang="pt-PT" sz="1600" dirty="0">
+                <a:solidFill>
+                  <a:srgbClr val="FF0000"/>
+                </a:solidFill>
+              </a:rPr>
               <a:t>(excerto) SearchManager.cpp</a:t>
             </a:r>
-            <a:endParaRPr lang="en-GB" dirty="0"/>
+            <a:endParaRPr lang="en-GB" dirty="0">
+              <a:solidFill>
+                <a:srgbClr val="FF0000"/>
+              </a:solidFill>
+            </a:endParaRPr>
           </a:p>
         </p:txBody>
       </p:sp>
@@ -5982,8 +6026,8 @@
         </p:nvSpPr>
         <p:spPr>
           <a:xfrm>
-            <a:off x="9691534" y="3650827"/>
-            <a:ext cx="1403186" cy="338554"/>
+            <a:off x="9650027" y="2822714"/>
+            <a:ext cx="1811044" cy="338554"/>
           </a:xfrm>
           <a:prstGeom prst="rect">
             <a:avLst/>
@@ -5998,7 +6042,7 @@
           <a:p>
             <a:r>
               <a:rPr lang="pt-PT" sz="1600" dirty="0"/>
-              <a:t>AdminOps.cpp</a:t>
+              <a:t>SearchManager.cpp</a:t>
             </a:r>
             <a:endParaRPr lang="en-GB" dirty="0"/>
           </a:p>
@@ -6019,7 +6063,7 @@
         <p:spPr>
           <a:xfrm>
             <a:off x="1097279" y="1978514"/>
-            <a:ext cx="3758805" cy="1200329"/>
+            <a:ext cx="3980063" cy="1200329"/>
           </a:xfrm>
           <a:prstGeom prst="rect">
             <a:avLst/>
@@ -6031,6 +6075,27 @@
             <a:spAutoFit/>
           </a:bodyPr>
           <a:lstStyle/>
+          <a:p>
+            <a:pPr marL="285750" indent="-285750" algn="just">
+              <a:buClr>
+                <a:srgbClr val="8C2D19"/>
+              </a:buClr>
+              <a:buFont typeface="Arial" panose="020B0604020202020204" pitchFamily="34" charset="0"/>
+              <a:buChar char="•"/>
+            </a:pPr>
+            <a:r>
+              <a:rPr lang="pt-PT" dirty="0"/>
+              <a:t>Listagem das </a:t>
+            </a:r>
+            <a:r>
+              <a:rPr lang="pt-PT" dirty="0" err="1"/>
+              <a:t>Donations</a:t>
+            </a:r>
+            <a:r>
+              <a:rPr lang="pt-PT" dirty="0"/>
+              <a:t> admite vários parâmetros, portanto é possível filtrar a informação</a:t>
+            </a:r>
+          </a:p>
           <a:p>
             <a:pPr marL="285750" indent="-285750">
               <a:buClr>
@@ -6039,11 +6104,169 @@
               <a:buFont typeface="Arial" panose="020B0604020202020204" pitchFamily="34" charset="0"/>
               <a:buChar char="•"/>
             </a:pPr>
-            <a:r>
-              <a:rPr lang="pt-PT" dirty="0"/>
-              <a:t>Percorre a base de dados linearmente através de iteradores, filtrando os dados.</a:t>
-            </a:r>
-          </a:p>
+            <a:endParaRPr lang="pt-PT" dirty="0">
+              <a:solidFill>
+                <a:srgbClr val="FF0000"/>
+              </a:solidFill>
+            </a:endParaRPr>
+          </a:p>
+        </p:txBody>
+      </p:sp>
+      <p:sp>
+        <p:nvSpPr>
+          <p:cNvPr id="2" name="Marcador de Posição do Rodapé 1">
+            <a:extLst>
+              <a:ext uri="{FF2B5EF4-FFF2-40B4-BE49-F238E27FC236}">
+                <a16:creationId xmlns:a16="http://schemas.microsoft.com/office/drawing/2014/main" id="{32C833F7-18B6-4861-9CBC-F84DFD811E13}"/>
+              </a:ext>
+            </a:extLst>
+          </p:cNvPr>
+          <p:cNvSpPr>
+            <a:spLocks noGrp="1"/>
+          </p:cNvSpPr>
+          <p:nvPr>
+            <p:ph type="ftr" sz="quarter" idx="11"/>
+          </p:nvPr>
+        </p:nvSpPr>
+        <p:spPr/>
+        <p:txBody>
+          <a:bodyPr/>
+          <a:lstStyle/>
+          <a:p>
+            <a:r>
+              <a:rPr lang="en-GB" sz="2400" b="1" dirty="0"/>
+              <a:t>2MIEIC04_G1</a:t>
+            </a:r>
+          </a:p>
+        </p:txBody>
+      </p:sp>
+      <p:sp>
+        <p:nvSpPr>
+          <p:cNvPr id="3" name="Marcador de Posição do Número do Diapositivo 2">
+            <a:extLst>
+              <a:ext uri="{FF2B5EF4-FFF2-40B4-BE49-F238E27FC236}">
+                <a16:creationId xmlns:a16="http://schemas.microsoft.com/office/drawing/2014/main" id="{F84751A3-EB56-4B0A-B79B-89EF65EBF080}"/>
+              </a:ext>
+            </a:extLst>
+          </p:cNvPr>
+          <p:cNvSpPr>
+            <a:spLocks noGrp="1"/>
+          </p:cNvSpPr>
+          <p:nvPr>
+            <p:ph type="sldNum" sz="quarter" idx="12"/>
+          </p:nvPr>
+        </p:nvSpPr>
+        <p:spPr/>
+        <p:txBody>
+          <a:bodyPr/>
+          <a:lstStyle/>
+          <a:p>
+            <a:fld id="{75DB3F52-068C-4339-9FA6-06F9AAEB3337}" type="slidenum">
+              <a:rPr lang="en-GB" sz="2400"/>
+              <a:t>12</a:t>
+            </a:fld>
+            <a:endParaRPr lang="en-GB" sz="2400" dirty="0"/>
+          </a:p>
+        </p:txBody>
+      </p:sp>
+      <p:pic>
+        <p:nvPicPr>
+          <p:cNvPr id="7" name="Imagem 6">
+            <a:extLst>
+              <a:ext uri="{FF2B5EF4-FFF2-40B4-BE49-F238E27FC236}">
+                <a16:creationId xmlns:a16="http://schemas.microsoft.com/office/drawing/2014/main" id="{F792557B-E72C-4265-BC01-A8B90EA578C5}"/>
+              </a:ext>
+            </a:extLst>
+          </p:cNvPr>
+          <p:cNvPicPr>
+            <a:picLocks noChangeAspect="1"/>
+          </p:cNvPicPr>
+          <p:nvPr/>
+        </p:nvPicPr>
+        <p:blipFill rotWithShape="1">
+          <a:blip r:embed="rId2">
+            <a:extLst>
+              <a:ext uri="{28A0092B-C50C-407E-A947-70E740481C1C}">
+                <a14:useLocalDpi xmlns:a14="http://schemas.microsoft.com/office/drawing/2010/main" val="0"/>
+              </a:ext>
+            </a:extLst>
+          </a:blip>
+          <a:srcRect r="39904"/>
+          <a:stretch/>
+        </p:blipFill>
+        <p:spPr>
+          <a:xfrm>
+            <a:off x="1097280" y="6500189"/>
+            <a:ext cx="1406360" cy="312685"/>
+          </a:xfrm>
+          <a:prstGeom prst="rect">
+            <a:avLst/>
+          </a:prstGeom>
+        </p:spPr>
+      </p:pic>
+      <p:pic>
+        <p:nvPicPr>
+          <p:cNvPr id="10" name="Picture 9" descr="Text&#10;&#10;Description automatically generated">
+            <a:extLst>
+              <a:ext uri="{FF2B5EF4-FFF2-40B4-BE49-F238E27FC236}">
+                <a16:creationId xmlns:a16="http://schemas.microsoft.com/office/drawing/2014/main" id="{056DD240-8181-4ABF-B7DC-216833BC4DBF}"/>
+              </a:ext>
+            </a:extLst>
+          </p:cNvPr>
+          <p:cNvPicPr>
+            <a:picLocks noChangeAspect="1"/>
+          </p:cNvPicPr>
+          <p:nvPr/>
+        </p:nvPicPr>
+        <p:blipFill>
+          <a:blip r:embed="rId3">
+            <a:extLst>
+              <a:ext uri="{28A0092B-C50C-407E-A947-70E740481C1C}">
+                <a14:useLocalDpi xmlns:a14="http://schemas.microsoft.com/office/drawing/2010/main" val="0"/>
+              </a:ext>
+            </a:extLst>
+          </a:blip>
+          <a:stretch>
+            <a:fillRect/>
+          </a:stretch>
+        </p:blipFill>
+        <p:spPr>
+          <a:xfrm>
+            <a:off x="582990" y="3302500"/>
+            <a:ext cx="4899227" cy="2625689"/>
+          </a:xfrm>
+          <a:prstGeom prst="rect">
+            <a:avLst/>
+          </a:prstGeom>
+        </p:spPr>
+      </p:pic>
+      <p:sp>
+        <p:nvSpPr>
+          <p:cNvPr id="5" name="CaixaDeTexto 4">
+            <a:extLst>
+              <a:ext uri="{FF2B5EF4-FFF2-40B4-BE49-F238E27FC236}">
+                <a16:creationId xmlns:a16="http://schemas.microsoft.com/office/drawing/2014/main" id="{9E531B7B-DA41-4275-9E6B-DBF7E0134E40}"/>
+              </a:ext>
+            </a:extLst>
+          </p:cNvPr>
+          <p:cNvSpPr txBox="1"/>
+          <p:nvPr/>
+        </p:nvSpPr>
+        <p:spPr>
+          <a:xfrm>
+            <a:off x="6217032" y="4349254"/>
+            <a:ext cx="4278405" cy="1754326"/>
+          </a:xfrm>
+          <a:prstGeom prst="rect">
+            <a:avLst/>
+          </a:prstGeom>
+          <a:noFill/>
+        </p:spPr>
+        <p:txBody>
+          <a:bodyPr wrap="square" rtlCol="0">
+            <a:spAutoFit/>
+          </a:bodyPr>
+          <a:lstStyle/>
           <a:p>
             <a:pPr marL="285750" indent="-285750">
               <a:buClr>
@@ -6052,195 +6275,31 @@
               <a:buFont typeface="Arial" panose="020B0604020202020204" pitchFamily="34" charset="0"/>
               <a:buChar char="•"/>
             </a:pPr>
-            <a:endParaRPr lang="pt-PT" dirty="0"/>
-          </a:p>
-        </p:txBody>
-      </p:sp>
-      <p:sp>
-        <p:nvSpPr>
-          <p:cNvPr id="2" name="Marcador de Posição do Rodapé 1">
-            <a:extLst>
-              <a:ext uri="{FF2B5EF4-FFF2-40B4-BE49-F238E27FC236}">
-                <a16:creationId xmlns:a16="http://schemas.microsoft.com/office/drawing/2014/main" id="{32C833F7-18B6-4861-9CBC-F84DFD811E13}"/>
-              </a:ext>
-            </a:extLst>
-          </p:cNvPr>
-          <p:cNvSpPr>
-            <a:spLocks noGrp="1"/>
-          </p:cNvSpPr>
-          <p:nvPr>
-            <p:ph type="ftr" sz="quarter" idx="11"/>
-          </p:nvPr>
-        </p:nvSpPr>
-        <p:spPr/>
-        <p:txBody>
-          <a:bodyPr/>
-          <a:lstStyle/>
-          <a:p>
-            <a:r>
-              <a:rPr lang="en-GB" sz="2400" b="1" dirty="0"/>
-              <a:t>2MIEIC04_G1</a:t>
-            </a:r>
-          </a:p>
-        </p:txBody>
-      </p:sp>
-      <p:sp>
-        <p:nvSpPr>
-          <p:cNvPr id="3" name="Marcador de Posição do Número do Diapositivo 2">
-            <a:extLst>
-              <a:ext uri="{FF2B5EF4-FFF2-40B4-BE49-F238E27FC236}">
-                <a16:creationId xmlns:a16="http://schemas.microsoft.com/office/drawing/2014/main" id="{F84751A3-EB56-4B0A-B79B-89EF65EBF080}"/>
-              </a:ext>
-            </a:extLst>
-          </p:cNvPr>
-          <p:cNvSpPr>
-            <a:spLocks noGrp="1"/>
-          </p:cNvSpPr>
-          <p:nvPr>
-            <p:ph type="sldNum" sz="quarter" idx="12"/>
-          </p:nvPr>
-        </p:nvSpPr>
-        <p:spPr/>
-        <p:txBody>
-          <a:bodyPr/>
-          <a:lstStyle/>
-          <a:p>
-            <a:fld id="{75DB3F52-068C-4339-9FA6-06F9AAEB3337}" type="slidenum">
-              <a:rPr lang="en-GB" sz="2400"/>
-              <a:t>12</a:t>
-            </a:fld>
-            <a:endParaRPr lang="en-GB" sz="2400" dirty="0"/>
-          </a:p>
-        </p:txBody>
-      </p:sp>
-      <p:pic>
-        <p:nvPicPr>
-          <p:cNvPr id="7" name="Imagem 6">
-            <a:extLst>
-              <a:ext uri="{FF2B5EF4-FFF2-40B4-BE49-F238E27FC236}">
-                <a16:creationId xmlns:a16="http://schemas.microsoft.com/office/drawing/2014/main" id="{F792557B-E72C-4265-BC01-A8B90EA578C5}"/>
-              </a:ext>
-            </a:extLst>
-          </p:cNvPr>
-          <p:cNvPicPr>
-            <a:picLocks noChangeAspect="1"/>
-          </p:cNvPicPr>
-          <p:nvPr/>
-        </p:nvPicPr>
-        <p:blipFill rotWithShape="1">
-          <a:blip r:embed="rId2">
-            <a:extLst>
-              <a:ext uri="{28A0092B-C50C-407E-A947-70E740481C1C}">
-                <a14:useLocalDpi xmlns:a14="http://schemas.microsoft.com/office/drawing/2010/main" val="0"/>
-              </a:ext>
-            </a:extLst>
-          </a:blip>
-          <a:srcRect r="39904"/>
-          <a:stretch/>
-        </p:blipFill>
-        <p:spPr>
-          <a:xfrm>
-            <a:off x="1097280" y="6500189"/>
-            <a:ext cx="1406360" cy="312685"/>
-          </a:xfrm>
-          <a:prstGeom prst="rect">
-            <a:avLst/>
-          </a:prstGeom>
-        </p:spPr>
-      </p:pic>
-      <p:pic>
-        <p:nvPicPr>
-          <p:cNvPr id="9" name="Imagem 8">
-            <a:extLst>
-              <a:ext uri="{FF2B5EF4-FFF2-40B4-BE49-F238E27FC236}">
-                <a16:creationId xmlns:a16="http://schemas.microsoft.com/office/drawing/2014/main" id="{DCD2B57F-BB63-43A4-A7B8-C7033EFE0EAA}"/>
-              </a:ext>
-            </a:extLst>
-          </p:cNvPr>
-          <p:cNvPicPr>
-            <a:picLocks noChangeAspect="1"/>
-          </p:cNvPicPr>
-          <p:nvPr/>
-        </p:nvPicPr>
-        <p:blipFill>
-          <a:blip r:embed="rId3"/>
-          <a:stretch>
-            <a:fillRect/>
-          </a:stretch>
-        </p:blipFill>
-        <p:spPr>
-          <a:xfrm>
-            <a:off x="5672830" y="1900349"/>
-            <a:ext cx="5421889" cy="1815703"/>
-          </a:xfrm>
-          <a:prstGeom prst="rect">
-            <a:avLst/>
-          </a:prstGeom>
-        </p:spPr>
-      </p:pic>
-      <p:pic>
-        <p:nvPicPr>
-          <p:cNvPr id="10" name="Picture 9" descr="Text&#10;&#10;Description automatically generated">
-            <a:extLst>
-              <a:ext uri="{FF2B5EF4-FFF2-40B4-BE49-F238E27FC236}">
-                <a16:creationId xmlns:a16="http://schemas.microsoft.com/office/drawing/2014/main" id="{056DD240-8181-4ABF-B7DC-216833BC4DBF}"/>
-              </a:ext>
-            </a:extLst>
-          </p:cNvPr>
-          <p:cNvPicPr>
-            <a:picLocks noChangeAspect="1"/>
-          </p:cNvPicPr>
-          <p:nvPr/>
-        </p:nvPicPr>
-        <p:blipFill>
-          <a:blip r:embed="rId4">
-            <a:extLst>
-              <a:ext uri="{28A0092B-C50C-407E-A947-70E740481C1C}">
-                <a14:useLocalDpi xmlns:a14="http://schemas.microsoft.com/office/drawing/2010/main" val="0"/>
-              </a:ext>
-            </a:extLst>
-          </a:blip>
-          <a:stretch>
-            <a:fillRect/>
-          </a:stretch>
-        </p:blipFill>
-        <p:spPr>
-          <a:xfrm>
-            <a:off x="582990" y="3302500"/>
-            <a:ext cx="4899227" cy="2625689"/>
-          </a:xfrm>
-          <a:prstGeom prst="rect">
-            <a:avLst/>
-          </a:prstGeom>
-        </p:spPr>
-      </p:pic>
-      <p:sp>
-        <p:nvSpPr>
-          <p:cNvPr id="5" name="CaixaDeTexto 4">
-            <a:extLst>
-              <a:ext uri="{FF2B5EF4-FFF2-40B4-BE49-F238E27FC236}">
-                <a16:creationId xmlns:a16="http://schemas.microsoft.com/office/drawing/2014/main" id="{9E531B7B-DA41-4275-9E6B-DBF7E0134E40}"/>
-              </a:ext>
-            </a:extLst>
-          </p:cNvPr>
-          <p:cNvSpPr txBox="1"/>
-          <p:nvPr/>
-        </p:nvSpPr>
-        <p:spPr>
-          <a:xfrm>
-            <a:off x="6217032" y="4349254"/>
-            <a:ext cx="4278405" cy="1754326"/>
-          </a:xfrm>
-          <a:prstGeom prst="rect">
-            <a:avLst/>
-          </a:prstGeom>
-          <a:noFill/>
-        </p:spPr>
-        <p:txBody>
-          <a:bodyPr wrap="square" rtlCol="0">
-            <a:spAutoFit/>
-          </a:bodyPr>
-          <a:lstStyle/>
+            <a:r>
+              <a:rPr lang="pt-PT" dirty="0">
+                <a:solidFill>
+                  <a:srgbClr val="FF0000"/>
+                </a:solidFill>
+              </a:rPr>
+              <a:t>Permite listagens com diferentes </a:t>
+            </a:r>
+            <a:r>
+              <a:rPr lang="pt-PT" dirty="0" err="1">
+                <a:solidFill>
+                  <a:srgbClr val="FF0000"/>
+                </a:solidFill>
+              </a:rPr>
+              <a:t>parametros</a:t>
+            </a:r>
+            <a:r>
+              <a:rPr lang="pt-PT" dirty="0">
+                <a:solidFill>
+                  <a:srgbClr val="FF0000"/>
+                </a:solidFill>
+              </a:rPr>
+              <a:t>.</a:t>
+            </a:r>
+          </a:p>
           <a:p>
             <a:pPr marL="285750" indent="-285750">
               <a:buClr>
@@ -6249,18 +6308,11 @@
               <a:buFont typeface="Arial" panose="020B0604020202020204" pitchFamily="34" charset="0"/>
               <a:buChar char="•"/>
             </a:pPr>
-            <a:r>
-              <a:rPr lang="pt-PT" dirty="0"/>
-              <a:t>Permite listagens com diferentes </a:t>
-            </a:r>
-            <a:r>
-              <a:rPr lang="pt-PT" dirty="0" err="1"/>
-              <a:t>parametros</a:t>
-            </a:r>
-            <a:r>
-              <a:rPr lang="pt-PT" dirty="0"/>
-              <a:t>.</a:t>
-            </a:r>
+            <a:endParaRPr lang="pt-PT" dirty="0">
+              <a:solidFill>
+                <a:srgbClr val="FF0000"/>
+              </a:solidFill>
+            </a:endParaRPr>
           </a:p>
           <a:p>
             <a:pPr marL="285750" indent="-285750">
@@ -6270,42 +6322,86 @@
               <a:buFont typeface="Arial" panose="020B0604020202020204" pitchFamily="34" charset="0"/>
               <a:buChar char="•"/>
             </a:pPr>
-            <a:endParaRPr lang="pt-PT" dirty="0"/>
-          </a:p>
-          <a:p>
-            <a:pPr marL="285750" indent="-285750">
-              <a:buClr>
-                <a:srgbClr val="8C2D19"/>
-              </a:buClr>
-              <a:buFont typeface="Arial" panose="020B0604020202020204" pitchFamily="34" charset="0"/>
-              <a:buChar char="•"/>
-            </a:pPr>
-            <a:r>
-              <a:rPr lang="pt-PT" dirty="0"/>
+            <a:r>
+              <a:rPr lang="pt-PT" dirty="0">
+                <a:solidFill>
+                  <a:srgbClr val="FF0000"/>
+                </a:solidFill>
+              </a:rPr>
               <a:t>Contagens com auxilio do algoritmo </a:t>
             </a:r>
             <a:r>
-              <a:rPr lang="pt-PT" dirty="0" err="1"/>
+              <a:rPr lang="pt-PT" dirty="0" err="1">
+                <a:solidFill>
+                  <a:srgbClr val="FF0000"/>
+                </a:solidFill>
+              </a:rPr>
               <a:t>count</a:t>
             </a:r>
             <a:r>
-              <a:rPr lang="pt-PT" dirty="0"/>
+              <a:rPr lang="pt-PT" dirty="0">
+                <a:solidFill>
+                  <a:srgbClr val="FF0000"/>
+                </a:solidFill>
+              </a:rPr>
               <a:t> da </a:t>
             </a:r>
             <a:r>
-              <a:rPr lang="pt-PT" dirty="0" err="1"/>
+              <a:rPr lang="pt-PT" dirty="0" err="1">
+                <a:solidFill>
+                  <a:srgbClr val="FF0000"/>
+                </a:solidFill>
+              </a:rPr>
               <a:t>stl</a:t>
             </a:r>
             <a:r>
-              <a:rPr lang="pt-PT" dirty="0"/>
+              <a:rPr lang="pt-PT" dirty="0">
+                <a:solidFill>
+                  <a:srgbClr val="FF0000"/>
+                </a:solidFill>
+              </a:rPr>
               <a:t>.</a:t>
             </a:r>
           </a:p>
           <a:p>
-            <a:endParaRPr lang="en-GB" dirty="0"/>
-          </a:p>
-        </p:txBody>
-      </p:sp>
+            <a:endParaRPr lang="en-GB" dirty="0">
+              <a:solidFill>
+                <a:srgbClr val="FF0000"/>
+              </a:solidFill>
+            </a:endParaRPr>
+          </a:p>
+        </p:txBody>
+      </p:sp>
+      <p:pic>
+        <p:nvPicPr>
+          <p:cNvPr id="11" name="Imagem 10">
+            <a:extLst>
+              <a:ext uri="{FF2B5EF4-FFF2-40B4-BE49-F238E27FC236}">
+                <a16:creationId xmlns:a16="http://schemas.microsoft.com/office/drawing/2014/main" id="{831552EC-9C6F-48A3-8063-F2AA980FC078}"/>
+              </a:ext>
+            </a:extLst>
+          </p:cNvPr>
+          <p:cNvPicPr>
+            <a:picLocks noChangeAspect="1"/>
+          </p:cNvPicPr>
+          <p:nvPr/>
+        </p:nvPicPr>
+        <p:blipFill>
+          <a:blip r:embed="rId4"/>
+          <a:stretch>
+            <a:fillRect/>
+          </a:stretch>
+        </p:blipFill>
+        <p:spPr>
+          <a:xfrm>
+            <a:off x="5077342" y="2003842"/>
+            <a:ext cx="6383729" cy="819806"/>
+          </a:xfrm>
+          <a:prstGeom prst="rect">
+            <a:avLst/>
+          </a:prstGeom>
+        </p:spPr>
+      </p:pic>
     </p:spTree>
     <p:extLst>
       <p:ext uri="{BB962C8B-B14F-4D97-AF65-F5344CB8AC3E}">
@@ -6361,10 +6457,7 @@
             <a:r>
               <a:rPr lang="pt-PT" sz="6600" dirty="0">
                 <a:solidFill>
-                  <a:schemeClr val="tx1">
-                    <a:lumMod val="85000"/>
-                    <a:lumOff val="15000"/>
-                  </a:schemeClr>
+                  <a:srgbClr val="FF0000"/>
                 </a:solidFill>
                 <a:latin typeface="Bahnschrift SemiLight" panose="020B0502040204020203" pitchFamily="34" charset="0"/>
               </a:rPr>
@@ -6372,10 +6465,7 @@
             </a:r>
             <a:endParaRPr lang="en-GB" sz="6600" dirty="0">
               <a:solidFill>
-                <a:schemeClr val="tx1">
-                  <a:lumMod val="85000"/>
-                  <a:lumOff val="15000"/>
-                </a:schemeClr>
+                <a:srgbClr val="FF0000"/>
               </a:solidFill>
               <a:latin typeface="Bahnschrift SemiLight" panose="020B0502040204020203" pitchFamily="34" charset="0"/>
             </a:endParaRPr>
@@ -6609,7 +6699,11 @@
           <a:p>
             <a:pPr algn="ctr"/>
             <a:r>
-              <a:rPr lang="pt-PT" sz="1600" dirty="0"/>
+              <a:rPr lang="pt-PT" sz="1600" dirty="0">
+                <a:solidFill>
+                  <a:srgbClr val="FF0000"/>
+                </a:solidFill>
+              </a:rPr>
               <a:t>Login Page</a:t>
             </a:r>
           </a:p>
@@ -6619,7 +6713,11 @@
               <a:buChar char="•"/>
             </a:pPr>
             <a:r>
-              <a:rPr lang="pt-PT" sz="1600" dirty="0"/>
+              <a:rPr lang="pt-PT" sz="1600" dirty="0">
+                <a:solidFill>
+                  <a:srgbClr val="FF0000"/>
+                </a:solidFill>
+              </a:rPr>
               <a:t>Pode fazer login com usernick e password</a:t>
             </a:r>
           </a:p>
@@ -6629,10 +6727,18 @@
               <a:buChar char="•"/>
             </a:pPr>
             <a:r>
-              <a:rPr lang="pt-PT" sz="1600" dirty="0"/>
+              <a:rPr lang="pt-PT" sz="1600" dirty="0">
+                <a:solidFill>
+                  <a:srgbClr val="FF0000"/>
+                </a:solidFill>
+              </a:rPr>
               <a:t>Criar uma nova conta(admin – apenas uma vez, streamer ou viewer).</a:t>
             </a:r>
-            <a:endParaRPr lang="en-US" sz="1600" dirty="0"/>
+            <a:endParaRPr lang="en-US" sz="1600" dirty="0">
+              <a:solidFill>
+                <a:srgbClr val="FF0000"/>
+              </a:solidFill>
+            </a:endParaRPr>
           </a:p>
         </p:txBody>
       </p:sp>
@@ -6666,13 +6772,21 @@
           <a:p>
             <a:pPr algn="ctr"/>
             <a:r>
-              <a:rPr lang="pt-PT" dirty="0"/>
+              <a:rPr lang="pt-PT" dirty="0">
+                <a:solidFill>
+                  <a:srgbClr val="FF0000"/>
+                </a:solidFill>
+              </a:rPr>
               <a:t>Exemplo Viewer</a:t>
             </a:r>
           </a:p>
           <a:p>
             <a:r>
-              <a:rPr lang="pt-PT" dirty="0"/>
+              <a:rPr lang="pt-PT" dirty="0">
+                <a:solidFill>
+                  <a:srgbClr val="FF0000"/>
+                </a:solidFill>
+              </a:rPr>
               <a:t>Escolher a opção correspondente como é indicado no ecrã</a:t>
             </a:r>
           </a:p>
@@ -6738,7 +6852,11 @@
           <a:p>
             <a:pPr algn="ctr"/>
             <a:r>
-              <a:rPr lang="pt-PT" sz="1600" dirty="0"/>
+              <a:rPr lang="pt-PT" sz="1600" dirty="0">
+                <a:solidFill>
+                  <a:srgbClr val="FF0000"/>
+                </a:solidFill>
+              </a:rPr>
               <a:t>Exemplo conta admin</a:t>
             </a:r>
           </a:p>
@@ -6748,17 +6866,29 @@
               <a:buChar char="•"/>
             </a:pPr>
             <a:r>
-              <a:rPr lang="pt-PT" sz="1600" dirty="0"/>
+              <a:rPr lang="pt-PT" sz="1600" dirty="0">
+                <a:solidFill>
+                  <a:srgbClr val="FF0000"/>
+                </a:solidFill>
+              </a:rPr>
               <a:t>Várias estatísticas possiveis</a:t>
             </a:r>
           </a:p>
           <a:p>
-            <a:endParaRPr lang="pt-PT" sz="1600" dirty="0"/>
+            <a:endParaRPr lang="pt-PT" sz="1600" dirty="0">
+              <a:solidFill>
+                <a:srgbClr val="FF0000"/>
+              </a:solidFill>
+            </a:endParaRPr>
           </a:p>
           <a:p>
             <a:pPr algn="ctr"/>
             <a:r>
-              <a:rPr lang="pt-PT" sz="1600" dirty="0"/>
+              <a:rPr lang="pt-PT" sz="1600" dirty="0">
+                <a:solidFill>
+                  <a:srgbClr val="FF0000"/>
+                </a:solidFill>
+              </a:rPr>
               <a:t>Exemplo Streamer</a:t>
             </a:r>
           </a:p>
@@ -6848,10 +6978,7 @@
             <a:r>
               <a:rPr lang="pt-PT" sz="6600" dirty="0">
                 <a:solidFill>
-                  <a:schemeClr val="tx1">
-                    <a:lumMod val="85000"/>
-                    <a:lumOff val="15000"/>
-                  </a:schemeClr>
+                  <a:srgbClr val="FF0000"/>
                 </a:solidFill>
                 <a:latin typeface="Bahnschrift SemiLight" panose="020B0502040204020203" pitchFamily="34" charset="0"/>
               </a:rPr>
@@ -6859,10 +6986,7 @@
             </a:r>
             <a:endParaRPr lang="en-GB" sz="6600" dirty="0">
               <a:solidFill>
-                <a:schemeClr val="tx1">
-                  <a:lumMod val="85000"/>
-                  <a:lumOff val="15000"/>
-                </a:schemeClr>
+                <a:srgbClr val="FF0000"/>
               </a:solidFill>
               <a:latin typeface="Bahnschrift SemiLight" panose="020B0502040204020203" pitchFamily="34" charset="0"/>
             </a:endParaRPr>
@@ -7037,7 +7161,11 @@
               <a:buChar char="•"/>
             </a:pPr>
             <a:r>
-              <a:rPr lang="pt-PT" dirty="0"/>
+              <a:rPr lang="pt-PT" dirty="0">
+                <a:solidFill>
+                  <a:srgbClr val="FF0000"/>
+                </a:solidFill>
+              </a:rPr>
               <a:t>Escolher vários parametros</a:t>
             </a:r>
           </a:p>
@@ -7047,7 +7175,11 @@
               <a:buChar char="•"/>
             </a:pPr>
             <a:r>
-              <a:rPr lang="pt-PT" dirty="0"/>
+              <a:rPr lang="pt-PT" dirty="0">
+                <a:solidFill>
+                  <a:srgbClr val="FF0000"/>
+                </a:solidFill>
+              </a:rPr>
               <a:t>Não escolher nenhum género implica pesquisar por todos</a:t>
             </a:r>
           </a:p>
@@ -7057,7 +7189,11 @@
               <a:buChar char="•"/>
             </a:pPr>
             <a:r>
-              <a:rPr lang="pt-PT" dirty="0"/>
+              <a:rPr lang="pt-PT" dirty="0">
+                <a:solidFill>
+                  <a:srgbClr val="FF0000"/>
+                </a:solidFill>
+              </a:rPr>
               <a:t>Escolher 0 para parar de adicionar elementos à pesquisa</a:t>
             </a:r>
           </a:p>
@@ -7067,10 +7203,18 @@
               <a:buChar char="•"/>
             </a:pPr>
             <a:r>
-              <a:rPr lang="pt-PT" dirty="0"/>
+              <a:rPr lang="pt-PT" dirty="0">
+                <a:solidFill>
+                  <a:srgbClr val="FF0000"/>
+                </a:solidFill>
+              </a:rPr>
               <a:t>Ordenar à escolha se assim desejar</a:t>
             </a:r>
-            <a:endParaRPr lang="en-US" dirty="0"/>
+            <a:endParaRPr lang="en-US" dirty="0">
+              <a:solidFill>
+                <a:srgbClr val="FF0000"/>
+              </a:solidFill>
+            </a:endParaRPr>
           </a:p>
         </p:txBody>
       </p:sp>
@@ -7107,7 +7251,11 @@
               <a:buChar char="•"/>
             </a:pPr>
             <a:r>
-              <a:rPr lang="pt-PT" dirty="0"/>
+              <a:rPr lang="pt-PT" dirty="0">
+                <a:solidFill>
+                  <a:srgbClr val="FF0000"/>
+                </a:solidFill>
+              </a:rPr>
               <a:t>Sistema de páginas</a:t>
             </a:r>
           </a:p>
@@ -7117,10 +7265,18 @@
               <a:buChar char="•"/>
             </a:pPr>
             <a:r>
-              <a:rPr lang="pt-PT" dirty="0"/>
+              <a:rPr lang="pt-PT" dirty="0">
+                <a:solidFill>
+                  <a:srgbClr val="FF0000"/>
+                </a:solidFill>
+              </a:rPr>
               <a:t>Objetivo de não apresentar demasiadas entradas no ecrã de uma vez só.</a:t>
             </a:r>
-            <a:endParaRPr lang="en-US" dirty="0"/>
+            <a:endParaRPr lang="en-US" dirty="0">
+              <a:solidFill>
+                <a:srgbClr val="FF0000"/>
+              </a:solidFill>
+            </a:endParaRPr>
           </a:p>
         </p:txBody>
       </p:sp>
@@ -7328,7 +7484,7 @@
             <a:r>
               <a:rPr lang="pt-PT" dirty="0">
                 <a:solidFill>
-                  <a:schemeClr val="tx1"/>
+                  <a:srgbClr val="FF0000"/>
                 </a:solidFill>
               </a:rPr>
               <a:t>Pesquisas customizadas que juntam vários parâmetros através das funções definidas no SearchManager. Ex: linguagem(s), género(s), idade mínima.</a:t>
@@ -7344,7 +7500,7 @@
             </a:pPr>
             <a:endParaRPr lang="pt-PT" dirty="0">
               <a:solidFill>
-                <a:schemeClr val="tx1"/>
+                <a:srgbClr val="FF0000"/>
               </a:solidFill>
             </a:endParaRPr>
           </a:p>
@@ -7359,7 +7515,7 @@
             <a:r>
               <a:rPr lang="pt-PT" dirty="0">
                 <a:solidFill>
-                  <a:schemeClr val="tx1"/>
+                  <a:srgbClr val="FF0000"/>
                 </a:solidFill>
               </a:rPr>
               <a:t>Chama-se a função de pesquisa respetiva com vetores dos parametros correspondentes. Se for enviado vetor vazio, aceita todos. Ex:</a:t>
@@ -7376,7 +7532,7 @@
             <a:r>
               <a:rPr lang="pt-PT" dirty="0">
                 <a:solidFill>
-                  <a:schemeClr val="tx1"/>
+                  <a:srgbClr val="FF0000"/>
                 </a:solidFill>
               </a:rPr>
               <a:t>Enviar vetor de géneros com os valores gaming e cooking.</a:t>
@@ -7393,7 +7549,7 @@
             <a:r>
               <a:rPr lang="pt-PT" dirty="0">
                 <a:solidFill>
-                  <a:schemeClr val="tx1"/>
+                  <a:srgbClr val="FF0000"/>
                 </a:solidFill>
               </a:rPr>
               <a:t>Enviar vetor de linguagens vazio.</a:t>
@@ -7410,7 +7566,7 @@
             <a:r>
               <a:rPr lang="pt-PT" dirty="0">
                 <a:solidFill>
-                  <a:schemeClr val="tx1"/>
+                  <a:srgbClr val="FF0000"/>
                 </a:solidFill>
               </a:rPr>
               <a:t>Idade minima de 16 anos.</a:t>
@@ -7427,7 +7583,7 @@
             <a:r>
               <a:rPr lang="pt-PT" dirty="0">
                 <a:solidFill>
-                  <a:schemeClr val="tx1"/>
+                  <a:srgbClr val="FF0000"/>
                 </a:solidFill>
               </a:rPr>
               <a:t>Resultado: Retorna vetor com todas as streams de qualquer linguagem, cujos géneros sejam ou gaming ou cooking, cuja idade mínima da stream seja superior ou igual a 16 anos.</a:t>
@@ -7443,7 +7599,7 @@
             </a:pPr>
             <a:endParaRPr lang="pt-PT" dirty="0">
               <a:solidFill>
-                <a:schemeClr val="tx1"/>
+                <a:srgbClr val="FF0000"/>
               </a:solidFill>
             </a:endParaRPr>
           </a:p>
@@ -7458,12 +7614,11 @@
             <a:r>
               <a:rPr lang="pt-PT" dirty="0">
                 <a:solidFill>
-                  <a:schemeClr val="tx1"/>
+                  <a:srgbClr val="FF0000"/>
                 </a:solidFill>
               </a:rPr>
               <a:t>Algoritmos de ordenação podem ser aplicados a vetores obtidos pelo passo anterior, obtendo várias listagens possiveis, ordenadas de maneiras diferentes, crescentes ou decrescentes. Ex: Likes, Views.</a:t>
             </a:r>
-            <a:endParaRPr lang="pt-PT" dirty="0"/>
           </a:p>
         </p:txBody>
       </p:sp>
@@ -7719,7 +7874,23 @@
                   <a:schemeClr val="tx1"/>
                 </a:solidFill>
               </a:rPr>
-              <a:t>Funcionalidade extra: Um visualizador pode seguir streamers e pedir uma lista das streams ativas correspondente aos streamers que segue.</a:t>
+              <a:t>Gostaríamos de </a:t>
+            </a:r>
+            <a:r>
+              <a:rPr lang="pt-PT" dirty="0" err="1">
+                <a:solidFill>
+                  <a:schemeClr val="tx1"/>
+                </a:solidFill>
+              </a:rPr>
+              <a:t>resaltar</a:t>
+            </a:r>
+            <a:r>
+              <a:rPr lang="pt-PT" dirty="0">
+                <a:solidFill>
+                  <a:schemeClr val="tx1"/>
+                </a:solidFill>
+              </a:rPr>
+              <a:t> que esta parte 2 foi até fácil de implementar pois o trabalho realizado anteriormente estava bem estruturado.</a:t>
             </a:r>
           </a:p>
           <a:p>
@@ -8396,11 +8567,19 @@
               <a:buChar char="•"/>
             </a:pPr>
             <a:r>
-              <a:rPr lang="pt-PT" dirty="0"/>
+              <a:rPr lang="pt-PT" dirty="0">
+                <a:solidFill>
+                  <a:srgbClr val="FF0000"/>
+                </a:solidFill>
+              </a:rPr>
               <a:t>Guardar apontadores nos membros das classes para ter acesso direto às funções da classe associada. No entanto, como havia classes que dependiam umas das outras, carregar ficheiros seria bastante mais difícil pelo facto de certos objetos ainda não terem sido carregados para o programa.</a:t>
             </a:r>
             <a:r>
-              <a:rPr lang="pt-PT" sz="1800" dirty="0"/>
+              <a:rPr lang="pt-PT" sz="1800" dirty="0">
+                <a:solidFill>
+                  <a:srgbClr val="FF0000"/>
+                </a:solidFill>
+              </a:rPr>
               <a:t> Para isso usamos nicknames e ID’s das streams como identificadores únicos.</a:t>
             </a:r>
           </a:p>
@@ -8414,7 +8593,7 @@
             </a:pPr>
             <a:endParaRPr lang="pt-PT" dirty="0">
               <a:solidFill>
-                <a:schemeClr val="tx1"/>
+                <a:srgbClr val="FF0000"/>
               </a:solidFill>
             </a:endParaRPr>
           </a:p>
@@ -8429,7 +8608,7 @@
             <a:r>
               <a:rPr lang="pt-PT" dirty="0">
                 <a:solidFill>
-                  <a:schemeClr val="tx1"/>
+                  <a:srgbClr val="FF0000"/>
                 </a:solidFill>
               </a:rPr>
               <a:t>Ligação entre as diferentes classes em relação a chamada de métodos. Para tal usamos a classe StreamZ como interligação entre as várias classes.</a:t>
@@ -8444,7 +8623,7 @@
             </a:pPr>
             <a:endParaRPr lang="pt-PT" dirty="0">
               <a:solidFill>
-                <a:schemeClr val="tx1"/>
+                <a:srgbClr val="FF0000"/>
               </a:solidFill>
             </a:endParaRPr>
           </a:p>
@@ -8459,7 +8638,7 @@
             <a:r>
               <a:rPr lang="pt-PT" dirty="0">
                 <a:solidFill>
-                  <a:schemeClr val="tx1"/>
+                  <a:srgbClr val="FF0000"/>
                 </a:solidFill>
               </a:rPr>
               <a:t>Garantir que não ficaria nenhuma referencia quando algum objeto fosse apagado do sistema. Tal causaria chamar funções sobre apontadores nulos. Conseguido através da implementação de destrutores.</a:t>
@@ -10758,10 +10937,18 @@
           <a:lstStyle/>
           <a:p>
             <a:r>
-              <a:rPr lang="pt-PT" sz="2000" dirty="0"/>
+              <a:rPr lang="pt-PT" sz="2000" dirty="0">
+                <a:solidFill>
+                  <a:srgbClr val="FF0000"/>
+                </a:solidFill>
+              </a:rPr>
               <a:t>Tipo de User</a:t>
             </a:r>
-            <a:endParaRPr lang="en-GB" sz="2000" dirty="0"/>
+            <a:endParaRPr lang="en-GB" sz="2000" dirty="0">
+              <a:solidFill>
+                <a:srgbClr val="FF0000"/>
+              </a:solidFill>
+            </a:endParaRPr>
           </a:p>
         </p:txBody>
       </p:sp>
@@ -10840,10 +11027,18 @@
           <a:lstStyle/>
           <a:p>
             <a:r>
-              <a:rPr lang="pt-PT" sz="2000" dirty="0"/>
+              <a:rPr lang="pt-PT" sz="2000" dirty="0">
+                <a:solidFill>
+                  <a:srgbClr val="FF0000"/>
+                </a:solidFill>
+              </a:rPr>
               <a:t>Nome</a:t>
             </a:r>
-            <a:endParaRPr lang="en-GB" sz="2000" dirty="0"/>
+            <a:endParaRPr lang="en-GB" sz="2000" dirty="0">
+              <a:solidFill>
+                <a:srgbClr val="FF0000"/>
+              </a:solidFill>
+            </a:endParaRPr>
           </a:p>
         </p:txBody>
       </p:sp>
@@ -10876,10 +11071,18 @@
           <a:lstStyle/>
           <a:p>
             <a:r>
-              <a:rPr lang="pt-PT" sz="2000" dirty="0"/>
+              <a:rPr lang="pt-PT" sz="2000" dirty="0">
+                <a:solidFill>
+                  <a:srgbClr val="FF0000"/>
+                </a:solidFill>
+              </a:rPr>
               <a:t>Nº de nomes</a:t>
             </a:r>
-            <a:endParaRPr lang="en-GB" sz="2000" dirty="0"/>
+            <a:endParaRPr lang="en-GB" sz="2000" dirty="0">
+              <a:solidFill>
+                <a:srgbClr val="FF0000"/>
+              </a:solidFill>
+            </a:endParaRPr>
           </a:p>
         </p:txBody>
       </p:sp>
@@ -11003,10 +11206,18 @@
           <a:lstStyle/>
           <a:p>
             <a:r>
-              <a:rPr lang="pt-PT" sz="2000" dirty="0" err="1"/>
+              <a:rPr lang="pt-PT" sz="2000" dirty="0" err="1">
+                <a:solidFill>
+                  <a:srgbClr val="FF0000"/>
+                </a:solidFill>
+              </a:rPr>
               <a:t>Nickname</a:t>
             </a:r>
-            <a:endParaRPr lang="en-GB" sz="2000" dirty="0"/>
+            <a:endParaRPr lang="en-GB" sz="2000" dirty="0">
+              <a:solidFill>
+                <a:srgbClr val="FF0000"/>
+              </a:solidFill>
+            </a:endParaRPr>
           </a:p>
         </p:txBody>
       </p:sp>
@@ -11085,10 +11296,18 @@
           <a:lstStyle/>
           <a:p>
             <a:r>
-              <a:rPr lang="pt-PT" sz="2000" dirty="0"/>
+              <a:rPr lang="pt-PT" sz="2000" dirty="0">
+                <a:solidFill>
+                  <a:srgbClr val="FF0000"/>
+                </a:solidFill>
+              </a:rPr>
               <a:t>Password</a:t>
             </a:r>
-            <a:endParaRPr lang="en-GB" sz="2000" dirty="0"/>
+            <a:endParaRPr lang="en-GB" sz="2000" dirty="0">
+              <a:solidFill>
+                <a:srgbClr val="FF0000"/>
+              </a:solidFill>
+            </a:endParaRPr>
           </a:p>
         </p:txBody>
       </p:sp>
@@ -11168,10 +11387,18 @@
           <a:p>
             <a:pPr algn="ctr"/>
             <a:r>
-              <a:rPr lang="pt-PT" sz="2000" dirty="0"/>
+              <a:rPr lang="pt-PT" sz="2000" dirty="0">
+                <a:solidFill>
+                  <a:srgbClr val="FF0000"/>
+                </a:solidFill>
+              </a:rPr>
               <a:t>Data Nascimento</a:t>
             </a:r>
-            <a:endParaRPr lang="en-GB" sz="2000" dirty="0"/>
+            <a:endParaRPr lang="en-GB" sz="2000" dirty="0">
+              <a:solidFill>
+                <a:srgbClr val="FF0000"/>
+              </a:solidFill>
+            </a:endParaRPr>
           </a:p>
         </p:txBody>
       </p:sp>
@@ -11251,10 +11478,18 @@
           <a:p>
             <a:pPr algn="ctr"/>
             <a:r>
-              <a:rPr lang="pt-PT" sz="2000" dirty="0"/>
+              <a:rPr lang="pt-PT" sz="2000" dirty="0">
+                <a:solidFill>
+                  <a:srgbClr val="FF0000"/>
+                </a:solidFill>
+              </a:rPr>
               <a:t>Entrou na plataforma</a:t>
             </a:r>
-            <a:endParaRPr lang="en-GB" sz="2000" dirty="0"/>
+            <a:endParaRPr lang="en-GB" sz="2000" dirty="0">
+              <a:solidFill>
+                <a:srgbClr val="FF0000"/>
+              </a:solidFill>
+            </a:endParaRPr>
           </a:p>
         </p:txBody>
       </p:sp>
@@ -11332,16 +11567,28 @@
           <a:p>
             <a:pPr algn="ctr"/>
             <a:r>
-              <a:rPr lang="pt-PT" sz="1400" dirty="0"/>
+              <a:rPr lang="pt-PT" sz="1400" dirty="0">
+                <a:solidFill>
+                  <a:srgbClr val="FF0000"/>
+                </a:solidFill>
+              </a:rPr>
               <a:t>(Viewer)</a:t>
             </a:r>
           </a:p>
           <a:p>
             <a:r>
-              <a:rPr lang="pt-PT" sz="2000" dirty="0"/>
+              <a:rPr lang="pt-PT" sz="2000" dirty="0">
+                <a:solidFill>
+                  <a:srgbClr val="FF0000"/>
+                </a:solidFill>
+              </a:rPr>
               <a:t>ID da stream a ver</a:t>
             </a:r>
-            <a:endParaRPr lang="en-GB" sz="2000" dirty="0"/>
+            <a:endParaRPr lang="en-GB" sz="2000" dirty="0">
+              <a:solidFill>
+                <a:srgbClr val="FF0000"/>
+              </a:solidFill>
+            </a:endParaRPr>
           </a:p>
         </p:txBody>
       </p:sp>
@@ -11420,14 +11667,26 @@
           <a:p>
             <a:pPr algn="ctr"/>
             <a:r>
-              <a:rPr lang="pt-PT" dirty="0"/>
+              <a:rPr lang="pt-PT" dirty="0">
+                <a:solidFill>
+                  <a:srgbClr val="FF0000"/>
+                </a:solidFill>
+              </a:rPr>
               <a:t>Nº </a:t>
             </a:r>
             <a:r>
-              <a:rPr lang="pt-PT" sz="2000" dirty="0"/>
+              <a:rPr lang="pt-PT" sz="2000" dirty="0">
+                <a:solidFill>
+                  <a:srgbClr val="FF0000"/>
+                </a:solidFill>
+              </a:rPr>
               <a:t>Seguidores</a:t>
             </a:r>
-            <a:endParaRPr lang="en-GB" dirty="0"/>
+            <a:endParaRPr lang="en-GB" dirty="0">
+              <a:solidFill>
+                <a:srgbClr val="FF0000"/>
+              </a:solidFill>
+            </a:endParaRPr>
           </a:p>
         </p:txBody>
       </p:sp>
@@ -11506,10 +11765,18 @@
           <a:p>
             <a:pPr algn="ctr"/>
             <a:r>
-              <a:rPr lang="pt-PT" dirty="0"/>
+              <a:rPr lang="pt-PT" dirty="0">
+                <a:solidFill>
+                  <a:srgbClr val="FF0000"/>
+                </a:solidFill>
+              </a:rPr>
               <a:t>Nº streams no histórico</a:t>
             </a:r>
-            <a:endParaRPr lang="en-GB" sz="2000" dirty="0"/>
+            <a:endParaRPr lang="en-GB" sz="2000" dirty="0">
+              <a:solidFill>
+                <a:srgbClr val="FF0000"/>
+              </a:solidFill>
+            </a:endParaRPr>
           </a:p>
         </p:txBody>
       </p:sp>
@@ -11549,7 +11816,11 @@
               <a:buChar char="•"/>
             </a:pPr>
             <a:r>
-              <a:rPr lang="pt-PT" dirty="0"/>
+              <a:rPr lang="pt-PT" dirty="0">
+                <a:solidFill>
+                  <a:srgbClr val="FF0000"/>
+                </a:solidFill>
+              </a:rPr>
               <a:t>Após o número de elementos de um certo parâmetro surgem, separados por    “ , “ todos os elementos que lhe pertencem (se exisitrem).</a:t>
             </a:r>
           </a:p>
@@ -11562,10 +11833,18 @@
               <a:buChar char="•"/>
             </a:pPr>
             <a:r>
-              <a:rPr lang="pt-PT" dirty="0"/>
+              <a:rPr lang="pt-PT" dirty="0">
+                <a:solidFill>
+                  <a:srgbClr val="FF0000"/>
+                </a:solidFill>
+              </a:rPr>
               <a:t>Ex: Lista de seguidores.   2 , nick1 , nick2</a:t>
             </a:r>
-            <a:endParaRPr lang="en-GB" dirty="0"/>
+            <a:endParaRPr lang="en-GB" dirty="0">
+              <a:solidFill>
+                <a:srgbClr val="FF0000"/>
+              </a:solidFill>
+            </a:endParaRPr>
           </a:p>
         </p:txBody>
       </p:sp>
@@ -11642,37 +11921,69 @@
           <a:p>
             <a:pPr algn="ctr"/>
             <a:r>
-              <a:rPr lang="pt-PT" sz="1400" dirty="0"/>
+              <a:rPr lang="pt-PT" sz="1400" dirty="0">
+                <a:solidFill>
+                  <a:srgbClr val="FF0000"/>
+                </a:solidFill>
+              </a:rPr>
               <a:t>(</a:t>
             </a:r>
             <a:r>
-              <a:rPr lang="pt-PT" sz="1400" dirty="0" err="1"/>
+              <a:rPr lang="pt-PT" sz="1400" dirty="0" err="1">
+                <a:solidFill>
+                  <a:srgbClr val="FF0000"/>
+                </a:solidFill>
+              </a:rPr>
               <a:t>Streamer</a:t>
             </a:r>
             <a:r>
-              <a:rPr lang="pt-PT" sz="1400" dirty="0"/>
+              <a:rPr lang="pt-PT" sz="1400" dirty="0">
+                <a:solidFill>
+                  <a:srgbClr val="FF0000"/>
+                </a:solidFill>
+              </a:rPr>
               <a:t>)</a:t>
             </a:r>
           </a:p>
           <a:p>
             <a:pPr algn="ctr"/>
             <a:r>
-              <a:rPr lang="pt-PT" sz="1400" dirty="0"/>
+              <a:rPr lang="pt-PT" sz="1400" dirty="0">
+                <a:solidFill>
+                  <a:srgbClr val="FF0000"/>
+                </a:solidFill>
+              </a:rPr>
               <a:t>ID da </a:t>
             </a:r>
             <a:r>
-              <a:rPr lang="pt-PT" sz="1400" dirty="0" err="1"/>
+              <a:rPr lang="pt-PT" sz="1400" dirty="0" err="1">
+                <a:solidFill>
+                  <a:srgbClr val="FF0000"/>
+                </a:solidFill>
+              </a:rPr>
               <a:t>stream</a:t>
             </a:r>
             <a:r>
-              <a:rPr lang="pt-PT" sz="1400" dirty="0"/>
+              <a:rPr lang="pt-PT" sz="1400" dirty="0">
+                <a:solidFill>
+                  <a:srgbClr val="FF0000"/>
+                </a:solidFill>
+              </a:rPr>
               <a:t> a </a:t>
             </a:r>
             <a:r>
-              <a:rPr lang="pt-PT" sz="1400" dirty="0" err="1"/>
+              <a:rPr lang="pt-PT" sz="1400" dirty="0" err="1">
+                <a:solidFill>
+                  <a:srgbClr val="FF0000"/>
+                </a:solidFill>
+              </a:rPr>
               <a:t>streamar</a:t>
             </a:r>
-            <a:endParaRPr lang="en-GB" sz="1400" dirty="0"/>
+            <a:endParaRPr lang="en-GB" sz="1400" dirty="0">
+              <a:solidFill>
+                <a:srgbClr val="FF0000"/>
+              </a:solidFill>
+            </a:endParaRPr>
           </a:p>
         </p:txBody>
       </p:sp>
@@ -11750,10 +12061,18 @@
           <a:lstStyle/>
           <a:p>
             <a:r>
-              <a:rPr lang="pt-PT" dirty="0"/>
+              <a:rPr lang="pt-PT" dirty="0">
+                <a:solidFill>
+                  <a:srgbClr val="FF0000"/>
+                </a:solidFill>
+              </a:rPr>
               <a:t>=</a:t>
             </a:r>
-            <a:endParaRPr lang="en-GB" dirty="0"/>
+            <a:endParaRPr lang="en-GB" dirty="0">
+              <a:solidFill>
+                <a:srgbClr val="FF0000"/>
+              </a:solidFill>
+            </a:endParaRPr>
           </a:p>
         </p:txBody>
       </p:sp>
@@ -11899,7 +12218,11 @@
           <a:lstStyle/>
           <a:p>
             <a:pPr algn="ctr"/>
-            <a:endParaRPr lang="en-GB"/>
+            <a:endParaRPr lang="en-GB">
+              <a:solidFill>
+                <a:srgbClr val="FF0000"/>
+              </a:solidFill>
+            </a:endParaRPr>
           </a:p>
         </p:txBody>
       </p:sp>
@@ -11953,7 +12276,11 @@
           <a:lstStyle/>
           <a:p>
             <a:pPr algn="ctr"/>
-            <a:endParaRPr lang="en-GB" dirty="0"/>
+            <a:endParaRPr lang="en-GB" dirty="0">
+              <a:solidFill>
+                <a:srgbClr val="FF0000"/>
+              </a:solidFill>
+            </a:endParaRPr>
           </a:p>
         </p:txBody>
       </p:sp>
@@ -12007,7 +12334,11 @@
           <a:lstStyle/>
           <a:p>
             <a:pPr algn="ctr"/>
-            <a:endParaRPr lang="en-GB"/>
+            <a:endParaRPr lang="en-GB">
+              <a:solidFill>
+                <a:srgbClr val="FF0000"/>
+              </a:solidFill>
+            </a:endParaRPr>
           </a:p>
         </p:txBody>
       </p:sp>
@@ -12061,7 +12392,11 @@
           <a:lstStyle/>
           <a:p>
             <a:pPr algn="ctr"/>
-            <a:endParaRPr lang="en-GB"/>
+            <a:endParaRPr lang="en-GB">
+              <a:solidFill>
+                <a:srgbClr val="FF0000"/>
+              </a:solidFill>
+            </a:endParaRPr>
           </a:p>
         </p:txBody>
       </p:sp>
@@ -12115,7 +12450,11 @@
           <a:lstStyle/>
           <a:p>
             <a:pPr algn="ctr"/>
-            <a:endParaRPr lang="en-GB"/>
+            <a:endParaRPr lang="en-GB">
+              <a:solidFill>
+                <a:srgbClr val="FF0000"/>
+              </a:solidFill>
+            </a:endParaRPr>
           </a:p>
         </p:txBody>
       </p:sp>
@@ -12169,7 +12508,11 @@
           <a:lstStyle/>
           <a:p>
             <a:pPr algn="ctr"/>
-            <a:endParaRPr lang="en-GB"/>
+            <a:endParaRPr lang="en-GB">
+              <a:solidFill>
+                <a:srgbClr val="FF0000"/>
+              </a:solidFill>
+            </a:endParaRPr>
           </a:p>
         </p:txBody>
       </p:sp>
@@ -12223,7 +12566,11 @@
           <a:lstStyle/>
           <a:p>
             <a:pPr algn="ctr"/>
-            <a:endParaRPr lang="en-GB"/>
+            <a:endParaRPr lang="en-GB">
+              <a:solidFill>
+                <a:srgbClr val="FF0000"/>
+              </a:solidFill>
+            </a:endParaRPr>
           </a:p>
         </p:txBody>
       </p:sp>
@@ -12277,7 +12624,11 @@
           <a:lstStyle/>
           <a:p>
             <a:pPr algn="ctr"/>
-            <a:endParaRPr lang="en-GB"/>
+            <a:endParaRPr lang="en-GB">
+              <a:solidFill>
+                <a:srgbClr val="FF0000"/>
+              </a:solidFill>
+            </a:endParaRPr>
           </a:p>
         </p:txBody>
       </p:sp>
@@ -12331,7 +12682,11 @@
           <a:lstStyle/>
           <a:p>
             <a:pPr algn="ctr"/>
-            <a:endParaRPr lang="en-GB"/>
+            <a:endParaRPr lang="en-GB">
+              <a:solidFill>
+                <a:srgbClr val="FF0000"/>
+              </a:solidFill>
+            </a:endParaRPr>
           </a:p>
         </p:txBody>
       </p:sp>
@@ -12385,7 +12740,11 @@
           <a:lstStyle/>
           <a:p>
             <a:pPr algn="ctr"/>
-            <a:endParaRPr lang="en-GB"/>
+            <a:endParaRPr lang="en-GB">
+              <a:solidFill>
+                <a:srgbClr val="FF0000"/>
+              </a:solidFill>
+            </a:endParaRPr>
           </a:p>
         </p:txBody>
       </p:sp>
@@ -12569,14 +12928,26 @@
           <a:lstStyle/>
           <a:p>
             <a:r>
-              <a:rPr lang="pt-PT" sz="2000" dirty="0" err="1"/>
+              <a:rPr lang="pt-PT" sz="2000" dirty="0" err="1">
+                <a:solidFill>
+                  <a:srgbClr val="FF0000"/>
+                </a:solidFill>
+              </a:rPr>
               <a:t>Last</a:t>
             </a:r>
             <a:r>
-              <a:rPr lang="pt-PT" sz="2000" dirty="0"/>
+              <a:rPr lang="pt-PT" sz="2000" dirty="0">
+                <a:solidFill>
+                  <a:srgbClr val="FF0000"/>
+                </a:solidFill>
+              </a:rPr>
               <a:t> ID</a:t>
             </a:r>
-            <a:endParaRPr lang="en-GB" sz="2000" dirty="0"/>
+            <a:endParaRPr lang="en-GB" sz="2000" dirty="0">
+              <a:solidFill>
+                <a:srgbClr val="FF0000"/>
+              </a:solidFill>
+            </a:endParaRPr>
           </a:p>
         </p:txBody>
       </p:sp>
@@ -12653,10 +13024,18 @@
           <a:lstStyle/>
           <a:p>
             <a:r>
-              <a:rPr lang="pt-PT" sz="2000" dirty="0"/>
+              <a:rPr lang="pt-PT" sz="2000" dirty="0">
+                <a:solidFill>
+                  <a:srgbClr val="FF0000"/>
+                </a:solidFill>
+              </a:rPr>
               <a:t>ID</a:t>
             </a:r>
-            <a:endParaRPr lang="en-GB" sz="2000" dirty="0"/>
+            <a:endParaRPr lang="en-GB" sz="2000" dirty="0">
+              <a:solidFill>
+                <a:srgbClr val="FF0000"/>
+              </a:solidFill>
+            </a:endParaRPr>
           </a:p>
         </p:txBody>
       </p:sp>
@@ -12689,10 +13068,18 @@
           <a:lstStyle/>
           <a:p>
             <a:r>
-              <a:rPr lang="pt-PT" sz="2000" dirty="0"/>
+              <a:rPr lang="pt-PT" sz="2000" dirty="0">
+                <a:solidFill>
+                  <a:srgbClr val="FF0000"/>
+                </a:solidFill>
+              </a:rPr>
               <a:t>Tipo de Stream</a:t>
             </a:r>
-            <a:endParaRPr lang="en-GB" sz="2000" dirty="0"/>
+            <a:endParaRPr lang="en-GB" sz="2000" dirty="0">
+              <a:solidFill>
+                <a:srgbClr val="FF0000"/>
+              </a:solidFill>
+            </a:endParaRPr>
           </a:p>
         </p:txBody>
       </p:sp>
@@ -12816,10 +13203,18 @@
           <a:lstStyle/>
           <a:p>
             <a:r>
-              <a:rPr lang="pt-PT" sz="2000" dirty="0"/>
+              <a:rPr lang="pt-PT" sz="2000" dirty="0">
+                <a:solidFill>
+                  <a:srgbClr val="FF0000"/>
+                </a:solidFill>
+              </a:rPr>
               <a:t>Nº plvrs. título </a:t>
             </a:r>
-            <a:endParaRPr lang="en-GB" sz="2000" dirty="0"/>
+            <a:endParaRPr lang="en-GB" sz="2000" dirty="0">
+              <a:solidFill>
+                <a:srgbClr val="FF0000"/>
+              </a:solidFill>
+            </a:endParaRPr>
           </a:p>
         </p:txBody>
       </p:sp>
@@ -12899,10 +13294,18 @@
           <a:p>
             <a:pPr algn="ctr"/>
             <a:r>
-              <a:rPr lang="pt-PT" sz="2000" dirty="0"/>
+              <a:rPr lang="pt-PT" sz="2000" dirty="0">
+                <a:solidFill>
+                  <a:srgbClr val="FF0000"/>
+                </a:solidFill>
+              </a:rPr>
               <a:t>Data de Inicio</a:t>
             </a:r>
-            <a:endParaRPr lang="en-GB" sz="2000" dirty="0"/>
+            <a:endParaRPr lang="en-GB" sz="2000" dirty="0">
+              <a:solidFill>
+                <a:srgbClr val="FF0000"/>
+              </a:solidFill>
+            </a:endParaRPr>
           </a:p>
         </p:txBody>
       </p:sp>
@@ -12981,7 +13384,11 @@
           <a:p>
             <a:pPr algn="ctr"/>
             <a:r>
-              <a:rPr lang="pt-PT" sz="2000" dirty="0"/>
+              <a:rPr lang="pt-PT" sz="2000" dirty="0">
+                <a:solidFill>
+                  <a:srgbClr val="FF0000"/>
+                </a:solidFill>
+              </a:rPr>
               <a:t>Linguagem</a:t>
             </a:r>
           </a:p>
@@ -13062,10 +13469,18 @@
           <a:p>
             <a:pPr algn="ctr"/>
             <a:r>
-              <a:rPr lang="pt-PT" sz="2000" dirty="0"/>
+              <a:rPr lang="pt-PT" sz="2000" dirty="0">
+                <a:solidFill>
+                  <a:srgbClr val="FF0000"/>
+                </a:solidFill>
+              </a:rPr>
               <a:t>Genero</a:t>
             </a:r>
-            <a:endParaRPr lang="en-GB" sz="2000" dirty="0"/>
+            <a:endParaRPr lang="en-GB" sz="2000" dirty="0">
+              <a:solidFill>
+                <a:srgbClr val="FF0000"/>
+              </a:solidFill>
+            </a:endParaRPr>
           </a:p>
         </p:txBody>
       </p:sp>
@@ -13142,10 +13557,18 @@
           <a:lstStyle/>
           <a:p>
             <a:r>
-              <a:rPr lang="pt-PT" sz="2000" dirty="0" err="1"/>
+              <a:rPr lang="pt-PT" sz="2000" dirty="0" err="1">
+                <a:solidFill>
+                  <a:srgbClr val="FF0000"/>
+                </a:solidFill>
+              </a:rPr>
               <a:t>MinAge</a:t>
             </a:r>
-            <a:endParaRPr lang="en-GB" sz="2000" dirty="0"/>
+            <a:endParaRPr lang="en-GB" sz="2000" dirty="0">
+              <a:solidFill>
+                <a:srgbClr val="FF0000"/>
+              </a:solidFill>
+            </a:endParaRPr>
           </a:p>
         </p:txBody>
       </p:sp>
@@ -13224,10 +13647,18 @@
           <a:p>
             <a:pPr algn="ctr"/>
             <a:r>
-              <a:rPr lang="pt-PT" sz="2000" dirty="0" err="1"/>
+              <a:rPr lang="pt-PT" sz="2000" dirty="0" err="1">
+                <a:solidFill>
+                  <a:srgbClr val="FF0000"/>
+                </a:solidFill>
+              </a:rPr>
               <a:t>Streamer</a:t>
             </a:r>
-            <a:endParaRPr lang="en-GB" sz="2000" dirty="0"/>
+            <a:endParaRPr lang="en-GB" sz="2000" dirty="0">
+              <a:solidFill>
+                <a:srgbClr val="FF0000"/>
+              </a:solidFill>
+            </a:endParaRPr>
           </a:p>
         </p:txBody>
       </p:sp>
@@ -13305,14 +13736,26 @@
           <a:lstStyle/>
           <a:p>
             <a:r>
-              <a:rPr lang="pt-PT" dirty="0"/>
+              <a:rPr lang="pt-PT" dirty="0">
+                <a:solidFill>
+                  <a:srgbClr val="FF0000"/>
+                </a:solidFill>
+              </a:rPr>
               <a:t>Nº </a:t>
             </a:r>
             <a:r>
-              <a:rPr lang="pt-PT" dirty="0" err="1"/>
+              <a:rPr lang="pt-PT" dirty="0" err="1">
+                <a:solidFill>
+                  <a:srgbClr val="FF0000"/>
+                </a:solidFill>
+              </a:rPr>
               <a:t>Viewers</a:t>
             </a:r>
-            <a:endParaRPr lang="en-GB" sz="2000" dirty="0"/>
+            <a:endParaRPr lang="en-GB" sz="2000" dirty="0">
+              <a:solidFill>
+                <a:srgbClr val="FF0000"/>
+              </a:solidFill>
+            </a:endParaRPr>
           </a:p>
         </p:txBody>
       </p:sp>
@@ -13395,7 +13838,11 @@
               <a:buChar char="•"/>
             </a:pPr>
             <a:r>
-              <a:rPr lang="pt-PT" dirty="0"/>
+              <a:rPr lang="pt-PT" dirty="0">
+                <a:solidFill>
+                  <a:srgbClr val="FF0000"/>
+                </a:solidFill>
+              </a:rPr>
               <a:t>Após Nº Viewers surge, Nº FeedBack, lista dos nicks e feedback correspondente, Nº likes, Nº dislikes, </a:t>
             </a:r>
           </a:p>
@@ -13406,14 +13853,26 @@
               </a:buClr>
             </a:pPr>
             <a:r>
-              <a:rPr lang="pt-PT" sz="1600" dirty="0"/>
+              <a:rPr lang="pt-PT" sz="1600" dirty="0">
+                <a:solidFill>
+                  <a:srgbClr val="FF0000"/>
+                </a:solidFill>
+              </a:rPr>
               <a:t>(Se PrivateStream )   </a:t>
             </a:r>
             <a:r>
-              <a:rPr lang="pt-PT" dirty="0"/>
+              <a:rPr lang="pt-PT" dirty="0">
+                <a:solidFill>
+                  <a:srgbClr val="FF0000"/>
+                </a:solidFill>
+              </a:rPr>
               <a:t>Nº comments, lista dos comments, Nº whitelisted, lista nicks whitelisted ,</a:t>
             </a:r>
-            <a:endParaRPr lang="en-GB" dirty="0"/>
+            <a:endParaRPr lang="en-GB" dirty="0">
+              <a:solidFill>
+                <a:srgbClr val="FF0000"/>
+              </a:solidFill>
+            </a:endParaRPr>
           </a:p>
         </p:txBody>
       </p:sp>
@@ -13453,10 +13912,18 @@
               <a:buChar char="•"/>
             </a:pPr>
             <a:r>
-              <a:rPr lang="pt-PT" dirty="0"/>
+              <a:rPr lang="pt-PT" dirty="0">
+                <a:solidFill>
+                  <a:srgbClr val="FF0000"/>
+                </a:solidFill>
+              </a:rPr>
               <a:t> Comment: nick , Nº palavras do comment,  lista das palavras </a:t>
             </a:r>
-            <a:endParaRPr lang="en-GB" dirty="0"/>
+            <a:endParaRPr lang="en-GB" dirty="0">
+              <a:solidFill>
+                <a:srgbClr val="FF0000"/>
+              </a:solidFill>
+            </a:endParaRPr>
           </a:p>
         </p:txBody>
       </p:sp>
@@ -13490,17 +13957,29 @@
           <a:p>
             <a:pPr algn="ctr"/>
             <a:r>
-              <a:rPr lang="pt-PT" sz="1400" dirty="0"/>
+              <a:rPr lang="pt-PT" sz="1400" dirty="0">
+                <a:solidFill>
+                  <a:srgbClr val="FF0000"/>
+                </a:solidFill>
+              </a:rPr>
               <a:t>(Finished)</a:t>
             </a:r>
           </a:p>
           <a:p>
             <a:pPr algn="ctr"/>
             <a:r>
-              <a:rPr lang="pt-PT" sz="1400" dirty="0"/>
+              <a:rPr lang="pt-PT" sz="1400" dirty="0">
+                <a:solidFill>
+                  <a:srgbClr val="FF0000"/>
+                </a:solidFill>
+              </a:rPr>
               <a:t>Tipo de Stream </a:t>
             </a:r>
-            <a:endParaRPr lang="en-GB" sz="1400" dirty="0"/>
+            <a:endParaRPr lang="en-GB" sz="1400" dirty="0">
+              <a:solidFill>
+                <a:srgbClr val="FF0000"/>
+              </a:solidFill>
+            </a:endParaRPr>
           </a:p>
         </p:txBody>
       </p:sp>
@@ -13578,10 +14057,18 @@
           <a:lstStyle/>
           <a:p>
             <a:r>
-              <a:rPr lang="pt-PT" dirty="0"/>
+              <a:rPr lang="pt-PT" dirty="0">
+                <a:solidFill>
+                  <a:srgbClr val="FF0000"/>
+                </a:solidFill>
+              </a:rPr>
               <a:t>=</a:t>
             </a:r>
-            <a:endParaRPr lang="en-GB" dirty="0"/>
+            <a:endParaRPr lang="en-GB" dirty="0">
+              <a:solidFill>
+                <a:srgbClr val="FF0000"/>
+              </a:solidFill>
+            </a:endParaRPr>
           </a:p>
         </p:txBody>
       </p:sp>
@@ -13658,10 +14145,18 @@
           <a:lstStyle/>
           <a:p>
             <a:r>
-              <a:rPr lang="pt-PT" dirty="0"/>
+              <a:rPr lang="pt-PT" dirty="0">
+                <a:solidFill>
+                  <a:srgbClr val="FF0000"/>
+                </a:solidFill>
+              </a:rPr>
               <a:t>+</a:t>
             </a:r>
-            <a:endParaRPr lang="en-GB" dirty="0"/>
+            <a:endParaRPr lang="en-GB" dirty="0">
+              <a:solidFill>
+                <a:srgbClr val="FF0000"/>
+              </a:solidFill>
+            </a:endParaRPr>
           </a:p>
         </p:txBody>
       </p:sp>
@@ -13695,17 +14190,29 @@
           <a:p>
             <a:pPr algn="ctr"/>
             <a:r>
-              <a:rPr lang="pt-PT" sz="1400" dirty="0"/>
+              <a:rPr lang="pt-PT" sz="1400" dirty="0">
+                <a:solidFill>
+                  <a:srgbClr val="FF0000"/>
+                </a:solidFill>
+              </a:rPr>
               <a:t>(Finished)</a:t>
             </a:r>
           </a:p>
           <a:p>
             <a:pPr algn="ctr"/>
             <a:r>
-              <a:rPr lang="pt-PT" dirty="0"/>
+              <a:rPr lang="pt-PT" dirty="0">
+                <a:solidFill>
+                  <a:srgbClr val="FF0000"/>
+                </a:solidFill>
+              </a:rPr>
               <a:t>Data de fim</a:t>
             </a:r>
-            <a:endParaRPr lang="en-US" dirty="0"/>
+            <a:endParaRPr lang="en-US" dirty="0">
+              <a:solidFill>
+                <a:srgbClr val="FF0000"/>
+              </a:solidFill>
+            </a:endParaRPr>
           </a:p>
         </p:txBody>
       </p:sp>
@@ -13738,18 +14245,34 @@
           <a:lstStyle/>
           <a:p>
             <a:r>
-              <a:rPr lang="pt-PT" sz="1400" dirty="0"/>
+              <a:rPr lang="pt-PT" sz="1400" dirty="0">
+                <a:solidFill>
+                  <a:srgbClr val="FF0000"/>
+                </a:solidFill>
+              </a:rPr>
               <a:t>(</a:t>
             </a:r>
             <a:r>
-              <a:rPr lang="pt-PT" sz="1400" dirty="0" err="1"/>
+              <a:rPr lang="pt-PT" sz="1400" dirty="0" err="1">
+                <a:solidFill>
+                  <a:srgbClr val="FF0000"/>
+                </a:solidFill>
+              </a:rPr>
               <a:t>enum</a:t>
             </a:r>
             <a:r>
-              <a:rPr lang="pt-PT" sz="1400" dirty="0"/>
+              <a:rPr lang="pt-PT" sz="1400" dirty="0">
+                <a:solidFill>
+                  <a:srgbClr val="FF0000"/>
+                </a:solidFill>
+              </a:rPr>
               <a:t>)</a:t>
             </a:r>
-            <a:endParaRPr lang="en-GB" sz="1400" dirty="0"/>
+            <a:endParaRPr lang="en-GB" sz="1400" dirty="0">
+              <a:solidFill>
+                <a:srgbClr val="FF0000"/>
+              </a:solidFill>
+            </a:endParaRPr>
           </a:p>
         </p:txBody>
       </p:sp>
@@ -13782,18 +14305,34 @@
           <a:lstStyle/>
           <a:p>
             <a:r>
-              <a:rPr lang="pt-PT" sz="1400" dirty="0"/>
+              <a:rPr lang="pt-PT" sz="1400" dirty="0">
+                <a:solidFill>
+                  <a:srgbClr val="FF0000"/>
+                </a:solidFill>
+              </a:rPr>
               <a:t>(</a:t>
             </a:r>
             <a:r>
-              <a:rPr lang="pt-PT" sz="1400" dirty="0" err="1"/>
+              <a:rPr lang="pt-PT" sz="1400" dirty="0" err="1">
+                <a:solidFill>
+                  <a:srgbClr val="FF0000"/>
+                </a:solidFill>
+              </a:rPr>
               <a:t>enum</a:t>
             </a:r>
             <a:r>
-              <a:rPr lang="pt-PT" sz="1400" dirty="0"/>
+              <a:rPr lang="pt-PT" sz="1400" dirty="0">
+                <a:solidFill>
+                  <a:srgbClr val="FF0000"/>
+                </a:solidFill>
+              </a:rPr>
               <a:t>)</a:t>
             </a:r>
-            <a:endParaRPr lang="en-GB" sz="1400" dirty="0"/>
+            <a:endParaRPr lang="en-GB" sz="1400" dirty="0">
+              <a:solidFill>
+                <a:srgbClr val="FF0000"/>
+              </a:solidFill>
+            </a:endParaRPr>
           </a:p>
         </p:txBody>
       </p:sp>
@@ -13875,7 +14414,11 @@
           <a:lstStyle/>
           <a:p>
             <a:pPr algn="ctr"/>
-            <a:endParaRPr lang="en-GB"/>
+            <a:endParaRPr lang="en-GB">
+              <a:solidFill>
+                <a:srgbClr val="FF0000"/>
+              </a:solidFill>
+            </a:endParaRPr>
           </a:p>
         </p:txBody>
       </p:sp>
@@ -13993,7 +14536,11 @@
           <a:lstStyle/>
           <a:p>
             <a:pPr algn="ctr"/>
-            <a:endParaRPr lang="en-GB"/>
+            <a:endParaRPr lang="en-GB">
+              <a:solidFill>
+                <a:srgbClr val="FF0000"/>
+              </a:solidFill>
+            </a:endParaRPr>
           </a:p>
         </p:txBody>
       </p:sp>
@@ -14047,7 +14594,11 @@
           <a:lstStyle/>
           <a:p>
             <a:pPr algn="ctr"/>
-            <a:endParaRPr lang="en-GB"/>
+            <a:endParaRPr lang="en-GB">
+              <a:solidFill>
+                <a:srgbClr val="FF0000"/>
+              </a:solidFill>
+            </a:endParaRPr>
           </a:p>
         </p:txBody>
       </p:sp>
@@ -14101,7 +14652,11 @@
           <a:lstStyle/>
           <a:p>
             <a:pPr algn="ctr"/>
-            <a:endParaRPr lang="en-GB"/>
+            <a:endParaRPr lang="en-GB">
+              <a:solidFill>
+                <a:srgbClr val="FF0000"/>
+              </a:solidFill>
+            </a:endParaRPr>
           </a:p>
         </p:txBody>
       </p:sp>
@@ -14155,7 +14710,11 @@
           <a:lstStyle/>
           <a:p>
             <a:pPr algn="ctr"/>
-            <a:endParaRPr lang="en-GB"/>
+            <a:endParaRPr lang="en-GB">
+              <a:solidFill>
+                <a:srgbClr val="FF0000"/>
+              </a:solidFill>
+            </a:endParaRPr>
           </a:p>
         </p:txBody>
       </p:sp>
@@ -14209,7 +14768,11 @@
           <a:lstStyle/>
           <a:p>
             <a:pPr algn="ctr"/>
-            <a:endParaRPr lang="en-GB"/>
+            <a:endParaRPr lang="en-GB">
+              <a:solidFill>
+                <a:srgbClr val="FF0000"/>
+              </a:solidFill>
+            </a:endParaRPr>
           </a:p>
         </p:txBody>
       </p:sp>
@@ -14263,7 +14826,11 @@
           <a:lstStyle/>
           <a:p>
             <a:pPr algn="ctr"/>
-            <a:endParaRPr lang="en-GB"/>
+            <a:endParaRPr lang="en-GB">
+              <a:solidFill>
+                <a:srgbClr val="FF0000"/>
+              </a:solidFill>
+            </a:endParaRPr>
           </a:p>
         </p:txBody>
       </p:sp>
@@ -14317,7 +14884,11 @@
           <a:lstStyle/>
           <a:p>
             <a:pPr algn="ctr"/>
-            <a:endParaRPr lang="en-GB"/>
+            <a:endParaRPr lang="en-GB">
+              <a:solidFill>
+                <a:srgbClr val="FF0000"/>
+              </a:solidFill>
+            </a:endParaRPr>
           </a:p>
         </p:txBody>
       </p:sp>
@@ -14371,7 +14942,11 @@
           <a:lstStyle/>
           <a:p>
             <a:pPr algn="ctr"/>
-            <a:endParaRPr lang="en-GB"/>
+            <a:endParaRPr lang="en-GB">
+              <a:solidFill>
+                <a:srgbClr val="FF0000"/>
+              </a:solidFill>
+            </a:endParaRPr>
           </a:p>
         </p:txBody>
       </p:sp>
@@ -14425,7 +15000,11 @@
           <a:lstStyle/>
           <a:p>
             <a:pPr algn="ctr"/>
-            <a:endParaRPr lang="en-GB"/>
+            <a:endParaRPr lang="en-GB">
+              <a:solidFill>
+                <a:srgbClr val="FF0000"/>
+              </a:solidFill>
+            </a:endParaRPr>
           </a:p>
         </p:txBody>
       </p:sp>
@@ -14459,6 +15038,36 @@
           <a:chExt cx="0" cy="0"/>
         </a:xfrm>
       </p:grpSpPr>
+      <p:pic>
+        <p:nvPicPr>
+          <p:cNvPr id="3" name="Imagem 2">
+            <a:extLst>
+              <a:ext uri="{FF2B5EF4-FFF2-40B4-BE49-F238E27FC236}">
+                <a16:creationId xmlns:a16="http://schemas.microsoft.com/office/drawing/2014/main" id="{DD83F974-8F8D-4C83-94F4-34037815363D}"/>
+              </a:ext>
+            </a:extLst>
+          </p:cNvPr>
+          <p:cNvPicPr>
+            <a:picLocks noChangeAspect="1"/>
+          </p:cNvPicPr>
+          <p:nvPr/>
+        </p:nvPicPr>
+        <p:blipFill>
+          <a:blip r:embed="rId2"/>
+          <a:stretch>
+            <a:fillRect/>
+          </a:stretch>
+        </p:blipFill>
+        <p:spPr>
+          <a:xfrm>
+            <a:off x="4722388" y="3703197"/>
+            <a:ext cx="2339543" cy="1417443"/>
+          </a:xfrm>
+          <a:prstGeom prst="rect">
+            <a:avLst/>
+          </a:prstGeom>
+        </p:spPr>
+      </p:pic>
       <p:sp>
         <p:nvSpPr>
           <p:cNvPr id="4" name="Marcador de Posição do Rodapé 3">
@@ -14516,35 +15125,6 @@
           </a:p>
         </p:txBody>
       </p:sp>
-      <p:pic>
-        <p:nvPicPr>
-          <p:cNvPr id="6" name="Imagem 5">
-            <a:extLst>
-              <a:ext uri="{FF2B5EF4-FFF2-40B4-BE49-F238E27FC236}">
-                <a16:creationId xmlns:a16="http://schemas.microsoft.com/office/drawing/2014/main" id="{5139BD45-1682-46F5-8C13-7FD75A220384}"/>
-              </a:ext>
-            </a:extLst>
-          </p:cNvPr>
-          <p:cNvPicPr>
-            <a:picLocks noChangeAspect="1"/>
-          </p:cNvPicPr>
-          <p:nvPr/>
-        </p:nvPicPr>
-        <p:blipFill rotWithShape="1">
-          <a:blip r:embed="rId2"/>
-          <a:srcRect r="23428"/>
-          <a:stretch/>
-        </p:blipFill>
-        <p:spPr>
-          <a:xfrm>
-            <a:off x="1879609" y="3781981"/>
-            <a:ext cx="9020644" cy="1130235"/>
-          </a:xfrm>
-          <a:prstGeom prst="rect">
-            <a:avLst/>
-          </a:prstGeom>
-        </p:spPr>
-      </p:pic>
       <p:sp>
         <p:nvSpPr>
           <p:cNvPr id="7" name="Título 1">
@@ -14610,24 +15190,67 @@
       </p:sp>
       <p:cxnSp>
         <p:nvCxnSpPr>
-          <p:cNvPr id="9" name="Conexão reta unidirecional 8">
-            <a:extLst>
-              <a:ext uri="{FF2B5EF4-FFF2-40B4-BE49-F238E27FC236}">
-                <a16:creationId xmlns:a16="http://schemas.microsoft.com/office/drawing/2014/main" id="{694961F5-C1E4-4A1D-8E8C-F71719C45C66}"/>
+          <p:cNvPr id="29" name="Conexão reta 28">
+            <a:extLst>
+              <a:ext uri="{FF2B5EF4-FFF2-40B4-BE49-F238E27FC236}">
+                <a16:creationId xmlns:a16="http://schemas.microsoft.com/office/drawing/2014/main" id="{B89E7E41-9D92-43B4-AFD2-992CDB723359}"/>
               </a:ext>
             </a:extLst>
           </p:cNvPr>
           <p:cNvCxnSpPr>
             <a:cxnSpLocks/>
-            <a:stCxn id="49" idx="2"/>
-            <a:endCxn id="10" idx="2"/>
           </p:cNvCxnSpPr>
           <p:nvPr/>
         </p:nvCxnSpPr>
         <p:spPr>
           <a:xfrm flipH="1">
-            <a:off x="1197956" y="3844270"/>
-            <a:ext cx="702161" cy="14098"/>
+            <a:off x="1097280" y="1737360"/>
+            <a:ext cx="10239504" cy="0"/>
+          </a:xfrm>
+          <a:prstGeom prst="line">
+            <a:avLst/>
+          </a:prstGeom>
+          <a:ln>
+            <a:solidFill>
+              <a:srgbClr val="8C2D19"/>
+            </a:solidFill>
+          </a:ln>
+        </p:spPr>
+        <p:style>
+          <a:lnRef idx="1">
+            <a:schemeClr val="accent1"/>
+          </a:lnRef>
+          <a:fillRef idx="0">
+            <a:schemeClr val="accent1"/>
+          </a:fillRef>
+          <a:effectRef idx="0">
+            <a:schemeClr val="accent1"/>
+          </a:effectRef>
+          <a:fontRef idx="minor">
+            <a:schemeClr val="tx1"/>
+          </a:fontRef>
+        </p:style>
+      </p:cxnSp>
+      <p:cxnSp>
+        <p:nvCxnSpPr>
+          <p:cNvPr id="17" name="Conexão reta unidirecional 16">
+            <a:extLst>
+              <a:ext uri="{FF2B5EF4-FFF2-40B4-BE49-F238E27FC236}">
+                <a16:creationId xmlns:a16="http://schemas.microsoft.com/office/drawing/2014/main" id="{A591EA11-DC21-435D-9FB0-2D4DFAB26801}"/>
+              </a:ext>
+            </a:extLst>
+          </p:cNvPr>
+          <p:cNvCxnSpPr>
+            <a:cxnSpLocks/>
+            <a:stCxn id="40" idx="0"/>
+            <a:endCxn id="18" idx="2"/>
+          </p:cNvCxnSpPr>
+          <p:nvPr/>
+        </p:nvCxnSpPr>
+        <p:spPr>
+          <a:xfrm flipH="1" flipV="1">
+            <a:off x="3946200" y="2797214"/>
+            <a:ext cx="1156628" cy="911687"/>
           </a:xfrm>
           <a:prstGeom prst="straightConnector1">
             <a:avLst/>
@@ -14656,10 +15279,10 @@
       </p:cxnSp>
       <p:sp>
         <p:nvSpPr>
-          <p:cNvPr id="10" name="CaixaDeTexto 9">
-            <a:extLst>
-              <a:ext uri="{FF2B5EF4-FFF2-40B4-BE49-F238E27FC236}">
-                <a16:creationId xmlns:a16="http://schemas.microsoft.com/office/drawing/2014/main" id="{93654F50-6777-4EFA-B5AD-5ACA83CFA022}"/>
+          <p:cNvPr id="18" name="CaixaDeTexto 17">
+            <a:extLst>
+              <a:ext uri="{FF2B5EF4-FFF2-40B4-BE49-F238E27FC236}">
+                <a16:creationId xmlns:a16="http://schemas.microsoft.com/office/drawing/2014/main" id="{8972E605-3342-422C-9D2E-3BB60D6F8C14}"/>
               </a:ext>
             </a:extLst>
           </p:cNvPr>
@@ -14668,8 +15291,8 @@
         </p:nvSpPr>
         <p:spPr>
           <a:xfrm>
-            <a:off x="744309" y="3458258"/>
-            <a:ext cx="907294" cy="400110"/>
+            <a:off x="3062933" y="2397104"/>
+            <a:ext cx="1766533" cy="400110"/>
           </a:xfrm>
           <a:prstGeom prst="rect">
             <a:avLst/>
@@ -14682,13 +15305,18 @@
           </a:bodyPr>
           <a:lstStyle/>
           <a:p>
+            <a:pPr algn="ctr"/>
             <a:r>
               <a:rPr lang="pt-PT" sz="2000" dirty="0" err="1"/>
-              <a:t>Last</a:t>
+              <a:t>Streamer</a:t>
             </a:r>
             <a:r>
               <a:rPr lang="pt-PT" sz="2000" dirty="0"/>
-              <a:t> ID</a:t>
+              <a:t> </a:t>
+            </a:r>
+            <a:r>
+              <a:rPr lang="pt-PT" sz="2000" dirty="0" err="1"/>
+              <a:t>Nick</a:t>
             </a:r>
             <a:endParaRPr lang="en-GB" sz="2000" dirty="0"/>
           </a:p>
@@ -14696,22 +15324,24 @@
       </p:sp>
       <p:cxnSp>
         <p:nvCxnSpPr>
-          <p:cNvPr id="11" name="Conexão reta unidirecional 10">
-            <a:extLst>
-              <a:ext uri="{FF2B5EF4-FFF2-40B4-BE49-F238E27FC236}">
-                <a16:creationId xmlns:a16="http://schemas.microsoft.com/office/drawing/2014/main" id="{E881A19F-2F32-4BBC-949C-B8B5E6B081C5}"/>
+          <p:cNvPr id="23" name="Conexão reta unidirecional 22">
+            <a:extLst>
+              <a:ext uri="{FF2B5EF4-FFF2-40B4-BE49-F238E27FC236}">
+                <a16:creationId xmlns:a16="http://schemas.microsoft.com/office/drawing/2014/main" id="{3DC22C5C-7665-4461-91B1-E9AB07F69010}"/>
               </a:ext>
             </a:extLst>
           </p:cNvPr>
           <p:cNvCxnSpPr>
             <a:cxnSpLocks/>
+            <a:stCxn id="43" idx="0"/>
+            <a:endCxn id="24" idx="2"/>
           </p:cNvCxnSpPr>
           <p:nvPr/>
         </p:nvCxnSpPr>
         <p:spPr>
           <a:xfrm flipV="1">
-            <a:off x="2274907" y="3605203"/>
-            <a:ext cx="327035" cy="322859"/>
+            <a:off x="5787446" y="3032818"/>
+            <a:ext cx="0" cy="686165"/>
           </a:xfrm>
           <a:prstGeom prst="straightConnector1">
             <a:avLst/>
@@ -14740,10 +15370,10 @@
       </p:cxnSp>
       <p:sp>
         <p:nvSpPr>
-          <p:cNvPr id="12" name="CaixaDeTexto 11">
-            <a:extLst>
-              <a:ext uri="{FF2B5EF4-FFF2-40B4-BE49-F238E27FC236}">
-                <a16:creationId xmlns:a16="http://schemas.microsoft.com/office/drawing/2014/main" id="{C625700E-C2B8-4DD6-BD7B-C880D9109C16}"/>
+          <p:cNvPr id="24" name="CaixaDeTexto 23">
+            <a:extLst>
+              <a:ext uri="{FF2B5EF4-FFF2-40B4-BE49-F238E27FC236}">
+                <a16:creationId xmlns:a16="http://schemas.microsoft.com/office/drawing/2014/main" id="{0145D52C-E4D4-4B4E-8256-9ADC9CE4947C}"/>
               </a:ext>
             </a:extLst>
           </p:cNvPr>
@@ -14752,8 +15382,8 @@
         </p:nvSpPr>
         <p:spPr>
           <a:xfrm>
-            <a:off x="2486352" y="3269398"/>
-            <a:ext cx="418584" cy="400110"/>
+            <a:off x="5235187" y="2324932"/>
+            <a:ext cx="1104517" cy="707886"/>
           </a:xfrm>
           <a:prstGeom prst="rect">
             <a:avLst/>
@@ -14766,45 +15396,18 @@
           </a:bodyPr>
           <a:lstStyle/>
           <a:p>
+            <a:pPr algn="ctr"/>
+            <a:r>
+              <a:rPr lang="pt-PT" sz="2000" dirty="0" err="1"/>
+              <a:t>Amount</a:t>
+            </a:r>
             <a:r>
               <a:rPr lang="pt-PT" sz="2000" dirty="0"/>
-              <a:t>ID</a:t>
-            </a:r>
-            <a:endParaRPr lang="en-GB" sz="2000" dirty="0"/>
-          </a:p>
-        </p:txBody>
-      </p:sp>
-      <p:sp>
-        <p:nvSpPr>
-          <p:cNvPr id="13" name="CaixaDeTexto 12">
-            <a:extLst>
-              <a:ext uri="{FF2B5EF4-FFF2-40B4-BE49-F238E27FC236}">
-                <a16:creationId xmlns:a16="http://schemas.microsoft.com/office/drawing/2014/main" id="{95C253BD-575F-428F-AE21-2A306534BF11}"/>
-              </a:ext>
-            </a:extLst>
-          </p:cNvPr>
-          <p:cNvSpPr txBox="1"/>
-          <p:nvPr/>
-        </p:nvSpPr>
-        <p:spPr>
-          <a:xfrm>
-            <a:off x="1324568" y="2788007"/>
-            <a:ext cx="2177156" cy="400110"/>
-          </a:xfrm>
-          <a:prstGeom prst="rect">
-            <a:avLst/>
-          </a:prstGeom>
-          <a:noFill/>
-        </p:spPr>
-        <p:txBody>
-          <a:bodyPr wrap="square" rtlCol="0">
-            <a:spAutoFit/>
-          </a:bodyPr>
-          <a:lstStyle/>
-          <a:p>
-            <a:r>
-              <a:rPr lang="pt-PT" sz="2000" dirty="0"/>
-              <a:t>Tipo de Stream</a:t>
+              <a:t> </a:t>
+            </a:r>
+            <a:r>
+              <a:rPr lang="pt-PT" sz="2000" dirty="0" err="1"/>
+              <a:t>donated</a:t>
             </a:r>
             <a:endParaRPr lang="en-GB" sz="2000" dirty="0"/>
           </a:p>
@@ -14812,24 +15415,24 @@
       </p:sp>
       <p:cxnSp>
         <p:nvCxnSpPr>
-          <p:cNvPr id="14" name="Conexão reta unidirecional 13">
-            <a:extLst>
-              <a:ext uri="{FF2B5EF4-FFF2-40B4-BE49-F238E27FC236}">
-                <a16:creationId xmlns:a16="http://schemas.microsoft.com/office/drawing/2014/main" id="{2FFB5C5C-EE8C-4033-8E25-D11F1234DC80}"/>
+          <p:cNvPr id="27" name="Conexão reta unidirecional 26">
+            <a:extLst>
+              <a:ext uri="{FF2B5EF4-FFF2-40B4-BE49-F238E27FC236}">
+                <a16:creationId xmlns:a16="http://schemas.microsoft.com/office/drawing/2014/main" id="{9588C264-BC63-4960-BC57-E4A755C943D7}"/>
               </a:ext>
             </a:extLst>
           </p:cNvPr>
           <p:cNvCxnSpPr>
             <a:cxnSpLocks/>
-            <a:stCxn id="48" idx="6"/>
-            <a:endCxn id="13" idx="2"/>
+            <a:stCxn id="45" idx="0"/>
+            <a:endCxn id="28" idx="2"/>
           </p:cNvCxnSpPr>
           <p:nvPr/>
         </p:nvCxnSpPr>
         <p:spPr>
           <a:xfrm flipV="1">
-            <a:off x="2011370" y="3188117"/>
-            <a:ext cx="401776" cy="817196"/>
+            <a:off x="6161116" y="2803889"/>
+            <a:ext cx="1245489" cy="913890"/>
           </a:xfrm>
           <a:prstGeom prst="straightConnector1">
             <a:avLst/>
@@ -14856,57 +15459,12 @@
           </a:fontRef>
         </p:style>
       </p:cxnSp>
-      <p:cxnSp>
-        <p:nvCxnSpPr>
-          <p:cNvPr id="15" name="Conexão reta unidirecional 14">
-            <a:extLst>
-              <a:ext uri="{FF2B5EF4-FFF2-40B4-BE49-F238E27FC236}">
-                <a16:creationId xmlns:a16="http://schemas.microsoft.com/office/drawing/2014/main" id="{64E014DA-DBE2-438F-8E4A-E5841CEB7254}"/>
-              </a:ext>
-            </a:extLst>
-          </p:cNvPr>
-          <p:cNvCxnSpPr>
-            <a:cxnSpLocks/>
-            <a:endCxn id="16" idx="2"/>
-          </p:cNvCxnSpPr>
-          <p:nvPr/>
-        </p:nvCxnSpPr>
-        <p:spPr>
-          <a:xfrm flipV="1">
-            <a:off x="2540037" y="2882462"/>
-            <a:ext cx="1463915" cy="1045600"/>
-          </a:xfrm>
-          <a:prstGeom prst="straightConnector1">
-            <a:avLst/>
-          </a:prstGeom>
-          <a:ln>
-            <a:solidFill>
-              <a:srgbClr val="8C2D19"/>
-            </a:solidFill>
-            <a:tailEnd type="triangle"/>
-          </a:ln>
-        </p:spPr>
-        <p:style>
-          <a:lnRef idx="3">
-            <a:schemeClr val="dk1"/>
-          </a:lnRef>
-          <a:fillRef idx="0">
-            <a:schemeClr val="dk1"/>
-          </a:fillRef>
-          <a:effectRef idx="2">
-            <a:schemeClr val="dk1"/>
-          </a:effectRef>
-          <a:fontRef idx="minor">
-            <a:schemeClr val="tx1"/>
-          </a:fontRef>
-        </p:style>
-      </p:cxnSp>
-      <p:sp>
-        <p:nvSpPr>
-          <p:cNvPr id="16" name="CaixaDeTexto 15">
-            <a:extLst>
-              <a:ext uri="{FF2B5EF4-FFF2-40B4-BE49-F238E27FC236}">
-                <a16:creationId xmlns:a16="http://schemas.microsoft.com/office/drawing/2014/main" id="{2F63818D-46AC-4B6D-8BC9-8437BE969F57}"/>
+      <p:sp>
+        <p:nvSpPr>
+          <p:cNvPr id="28" name="CaixaDeTexto 27">
+            <a:extLst>
+              <a:ext uri="{FF2B5EF4-FFF2-40B4-BE49-F238E27FC236}">
+                <a16:creationId xmlns:a16="http://schemas.microsoft.com/office/drawing/2014/main" id="{E7B6A703-1309-402E-AA62-C4EED545794C}"/>
               </a:ext>
             </a:extLst>
           </p:cNvPr>
@@ -14915,8 +15473,8 @@
         </p:nvSpPr>
         <p:spPr>
           <a:xfrm>
-            <a:off x="3047330" y="2482352"/>
-            <a:ext cx="1913243" cy="400110"/>
+            <a:off x="6776325" y="2434557"/>
+            <a:ext cx="1260559" cy="369332"/>
           </a:xfrm>
           <a:prstGeom prst="rect">
             <a:avLst/>
@@ -14929,988 +15487,50 @@
           </a:bodyPr>
           <a:lstStyle/>
           <a:p>
-            <a:r>
-              <a:rPr lang="pt-PT" sz="2000" u="sng" dirty="0"/>
-              <a:t>Nº plvrs. título </a:t>
-            </a:r>
-            <a:endParaRPr lang="en-GB" sz="2000" u="sng" dirty="0"/>
-          </a:p>
-        </p:txBody>
-      </p:sp>
-      <p:cxnSp>
-        <p:nvCxnSpPr>
-          <p:cNvPr id="17" name="Conexão reta unidirecional 16">
-            <a:extLst>
-              <a:ext uri="{FF2B5EF4-FFF2-40B4-BE49-F238E27FC236}">
-                <a16:creationId xmlns:a16="http://schemas.microsoft.com/office/drawing/2014/main" id="{A591EA11-DC21-435D-9FB0-2D4DFAB26801}"/>
-              </a:ext>
-            </a:extLst>
-          </p:cNvPr>
-          <p:cNvCxnSpPr>
-            <a:cxnSpLocks/>
-            <a:stCxn id="40" idx="0"/>
-            <a:endCxn id="18" idx="2"/>
-          </p:cNvCxnSpPr>
-          <p:nvPr/>
-        </p:nvCxnSpPr>
-        <p:spPr>
-          <a:xfrm flipV="1">
-            <a:off x="4294245" y="2806386"/>
-            <a:ext cx="1294260" cy="1102938"/>
-          </a:xfrm>
-          <a:prstGeom prst="straightConnector1">
-            <a:avLst/>
-          </a:prstGeom>
-          <a:ln>
-            <a:solidFill>
-              <a:srgbClr val="8C2D19"/>
-            </a:solidFill>
-            <a:tailEnd type="triangle"/>
-          </a:ln>
-        </p:spPr>
-        <p:style>
-          <a:lnRef idx="3">
-            <a:schemeClr val="dk1"/>
-          </a:lnRef>
-          <a:fillRef idx="0">
-            <a:schemeClr val="dk1"/>
-          </a:fillRef>
-          <a:effectRef idx="2">
-            <a:schemeClr val="dk1"/>
-          </a:effectRef>
-          <a:fontRef idx="minor">
-            <a:schemeClr val="tx1"/>
-          </a:fontRef>
-        </p:style>
-      </p:cxnSp>
-      <p:sp>
-        <p:nvSpPr>
-          <p:cNvPr id="18" name="CaixaDeTexto 17">
-            <a:extLst>
-              <a:ext uri="{FF2B5EF4-FFF2-40B4-BE49-F238E27FC236}">
-                <a16:creationId xmlns:a16="http://schemas.microsoft.com/office/drawing/2014/main" id="{8972E605-3342-422C-9D2E-3BB60D6F8C14}"/>
-              </a:ext>
-            </a:extLst>
-          </p:cNvPr>
-          <p:cNvSpPr txBox="1"/>
-          <p:nvPr/>
-        </p:nvSpPr>
-        <p:spPr>
-          <a:xfrm>
-            <a:off x="4884523" y="2098500"/>
-            <a:ext cx="1407963" cy="707886"/>
+            <a:pPr algn="ctr"/>
+            <a:r>
+              <a:rPr lang="pt-PT" dirty="0" err="1"/>
+              <a:t>Evaluation</a:t>
+            </a:r>
+            <a:endParaRPr lang="en-GB" sz="2000" dirty="0"/>
+          </a:p>
+        </p:txBody>
+      </p:sp>
+      <p:pic>
+        <p:nvPicPr>
+          <p:cNvPr id="50" name="Imagem 49">
+            <a:extLst>
+              <a:ext uri="{FF2B5EF4-FFF2-40B4-BE49-F238E27FC236}">
+                <a16:creationId xmlns:a16="http://schemas.microsoft.com/office/drawing/2014/main" id="{C9CA462E-8E2A-4338-B5C5-71EE804670F2}"/>
+              </a:ext>
+            </a:extLst>
+          </p:cNvPr>
+          <p:cNvPicPr>
+            <a:picLocks noChangeAspect="1"/>
+          </p:cNvPicPr>
+          <p:nvPr/>
+        </p:nvPicPr>
+        <p:blipFill rotWithShape="1">
+          <a:blip r:embed="rId3">
+            <a:extLst>
+              <a:ext uri="{28A0092B-C50C-407E-A947-70E740481C1C}">
+                <a14:useLocalDpi xmlns:a14="http://schemas.microsoft.com/office/drawing/2010/main" val="0"/>
+              </a:ext>
+            </a:extLst>
+          </a:blip>
+          <a:srcRect r="39904"/>
+          <a:stretch/>
+        </p:blipFill>
+        <p:spPr>
+          <a:xfrm>
+            <a:off x="1097280" y="6500189"/>
+            <a:ext cx="1406360" cy="312685"/>
           </a:xfrm>
           <a:prstGeom prst="rect">
             <a:avLst/>
           </a:prstGeom>
-          <a:noFill/>
-        </p:spPr>
-        <p:txBody>
-          <a:bodyPr wrap="square" rtlCol="0">
-            <a:spAutoFit/>
-          </a:bodyPr>
-          <a:lstStyle/>
-          <a:p>
-            <a:pPr algn="ctr"/>
-            <a:r>
-              <a:rPr lang="pt-PT" sz="2000" dirty="0"/>
-              <a:t>Data de Inicio</a:t>
-            </a:r>
-            <a:endParaRPr lang="en-GB" sz="2000" dirty="0"/>
-          </a:p>
-        </p:txBody>
-      </p:sp>
-      <p:cxnSp>
-        <p:nvCxnSpPr>
-          <p:cNvPr id="19" name="Conexão reta unidirecional 18">
-            <a:extLst>
-              <a:ext uri="{FF2B5EF4-FFF2-40B4-BE49-F238E27FC236}">
-                <a16:creationId xmlns:a16="http://schemas.microsoft.com/office/drawing/2014/main" id="{94619D34-CC89-4EFC-8696-A281C3CDF39C}"/>
-              </a:ext>
-            </a:extLst>
-          </p:cNvPr>
-          <p:cNvCxnSpPr>
-            <a:cxnSpLocks/>
-            <a:endCxn id="20" idx="2"/>
-          </p:cNvCxnSpPr>
-          <p:nvPr/>
-        </p:nvCxnSpPr>
-        <p:spPr>
-          <a:xfrm flipV="1">
-            <a:off x="5031063" y="2327180"/>
-            <a:ext cx="1891606" cy="1582145"/>
-          </a:xfrm>
-          <a:prstGeom prst="straightConnector1">
-            <a:avLst/>
-          </a:prstGeom>
-          <a:ln>
-            <a:solidFill>
-              <a:srgbClr val="8C2D19"/>
-            </a:solidFill>
-            <a:tailEnd type="triangle"/>
-          </a:ln>
-        </p:spPr>
-        <p:style>
-          <a:lnRef idx="3">
-            <a:schemeClr val="dk1"/>
-          </a:lnRef>
-          <a:fillRef idx="0">
-            <a:schemeClr val="dk1"/>
-          </a:fillRef>
-          <a:effectRef idx="2">
-            <a:schemeClr val="dk1"/>
-          </a:effectRef>
-          <a:fontRef idx="minor">
-            <a:schemeClr val="tx1"/>
-          </a:fontRef>
-        </p:style>
-      </p:cxnSp>
-      <p:sp>
-        <p:nvSpPr>
-          <p:cNvPr id="20" name="CaixaDeTexto 19">
-            <a:extLst>
-              <a:ext uri="{FF2B5EF4-FFF2-40B4-BE49-F238E27FC236}">
-                <a16:creationId xmlns:a16="http://schemas.microsoft.com/office/drawing/2014/main" id="{95E7BCCC-BAB7-4A8C-817B-6F97AA64B410}"/>
-              </a:ext>
-            </a:extLst>
-          </p:cNvPr>
-          <p:cNvSpPr txBox="1"/>
-          <p:nvPr/>
-        </p:nvSpPr>
-        <p:spPr>
-          <a:xfrm>
-            <a:off x="6165334" y="1927070"/>
-            <a:ext cx="1514670" cy="400110"/>
-          </a:xfrm>
-          <a:prstGeom prst="rect">
-            <a:avLst/>
-          </a:prstGeom>
-          <a:noFill/>
-        </p:spPr>
-        <p:txBody>
-          <a:bodyPr wrap="square" rtlCol="0">
-            <a:spAutoFit/>
-          </a:bodyPr>
-          <a:lstStyle/>
-          <a:p>
-            <a:pPr algn="ctr"/>
-            <a:r>
-              <a:rPr lang="pt-PT" sz="2000" dirty="0"/>
-              <a:t>Linguagem</a:t>
-            </a:r>
-          </a:p>
-        </p:txBody>
-      </p:sp>
-      <p:cxnSp>
-        <p:nvCxnSpPr>
-          <p:cNvPr id="21" name="Conexão reta unidirecional 20">
-            <a:extLst>
-              <a:ext uri="{FF2B5EF4-FFF2-40B4-BE49-F238E27FC236}">
-                <a16:creationId xmlns:a16="http://schemas.microsoft.com/office/drawing/2014/main" id="{EA206B58-484E-4229-938A-8E336E27E299}"/>
-              </a:ext>
-            </a:extLst>
-          </p:cNvPr>
-          <p:cNvCxnSpPr>
-            <a:cxnSpLocks/>
-            <a:endCxn id="22" idx="2"/>
-          </p:cNvCxnSpPr>
-          <p:nvPr/>
-        </p:nvCxnSpPr>
-        <p:spPr>
-          <a:xfrm flipV="1">
-            <a:off x="5247726" y="2433054"/>
-            <a:ext cx="2893069" cy="1495008"/>
-          </a:xfrm>
-          <a:prstGeom prst="straightConnector1">
-            <a:avLst/>
-          </a:prstGeom>
-          <a:ln>
-            <a:solidFill>
-              <a:srgbClr val="8C2D19"/>
-            </a:solidFill>
-            <a:tailEnd type="triangle"/>
-          </a:ln>
-        </p:spPr>
-        <p:style>
-          <a:lnRef idx="3">
-            <a:schemeClr val="dk1"/>
-          </a:lnRef>
-          <a:fillRef idx="0">
-            <a:schemeClr val="dk1"/>
-          </a:fillRef>
-          <a:effectRef idx="2">
-            <a:schemeClr val="dk1"/>
-          </a:effectRef>
-          <a:fontRef idx="minor">
-            <a:schemeClr val="tx1"/>
-          </a:fontRef>
-        </p:style>
-      </p:cxnSp>
-      <p:sp>
-        <p:nvSpPr>
-          <p:cNvPr id="22" name="CaixaDeTexto 21">
-            <a:extLst>
-              <a:ext uri="{FF2B5EF4-FFF2-40B4-BE49-F238E27FC236}">
-                <a16:creationId xmlns:a16="http://schemas.microsoft.com/office/drawing/2014/main" id="{2AB0D264-9140-4DB4-B6E4-55C681E5362A}"/>
-              </a:ext>
-            </a:extLst>
-          </p:cNvPr>
-          <p:cNvSpPr txBox="1"/>
-          <p:nvPr/>
-        </p:nvSpPr>
-        <p:spPr>
-          <a:xfrm>
-            <a:off x="7577665" y="2032944"/>
-            <a:ext cx="1126259" cy="400110"/>
-          </a:xfrm>
-          <a:prstGeom prst="rect">
-            <a:avLst/>
-          </a:prstGeom>
-          <a:noFill/>
-        </p:spPr>
-        <p:txBody>
-          <a:bodyPr wrap="square" rtlCol="0">
-            <a:spAutoFit/>
-          </a:bodyPr>
-          <a:lstStyle/>
-          <a:p>
-            <a:pPr algn="ctr"/>
-            <a:r>
-              <a:rPr lang="pt-PT" sz="2000" dirty="0"/>
-              <a:t>Genero</a:t>
-            </a:r>
-            <a:endParaRPr lang="en-GB" sz="2000" dirty="0"/>
-          </a:p>
-        </p:txBody>
-      </p:sp>
-      <p:cxnSp>
-        <p:nvCxnSpPr>
-          <p:cNvPr id="23" name="Conexão reta unidirecional 22">
-            <a:extLst>
-              <a:ext uri="{FF2B5EF4-FFF2-40B4-BE49-F238E27FC236}">
-                <a16:creationId xmlns:a16="http://schemas.microsoft.com/office/drawing/2014/main" id="{3DC22C5C-7665-4461-91B1-E9AB07F69010}"/>
-              </a:ext>
-            </a:extLst>
-          </p:cNvPr>
-          <p:cNvCxnSpPr>
-            <a:cxnSpLocks/>
-          </p:cNvCxnSpPr>
-          <p:nvPr/>
-        </p:nvCxnSpPr>
-        <p:spPr>
-          <a:xfrm flipV="1">
-            <a:off x="5588505" y="2722501"/>
-            <a:ext cx="2813894" cy="1205561"/>
-          </a:xfrm>
-          <a:prstGeom prst="straightConnector1">
-            <a:avLst/>
-          </a:prstGeom>
-          <a:ln>
-            <a:solidFill>
-              <a:srgbClr val="8C2D19"/>
-            </a:solidFill>
-            <a:tailEnd type="triangle"/>
-          </a:ln>
-        </p:spPr>
-        <p:style>
-          <a:lnRef idx="3">
-            <a:schemeClr val="dk1"/>
-          </a:lnRef>
-          <a:fillRef idx="0">
-            <a:schemeClr val="dk1"/>
-          </a:fillRef>
-          <a:effectRef idx="2">
-            <a:schemeClr val="dk1"/>
-          </a:effectRef>
-          <a:fontRef idx="minor">
-            <a:schemeClr val="tx1"/>
-          </a:fontRef>
-        </p:style>
-      </p:cxnSp>
-      <p:sp>
-        <p:nvSpPr>
-          <p:cNvPr id="24" name="CaixaDeTexto 23">
-            <a:extLst>
-              <a:ext uri="{FF2B5EF4-FFF2-40B4-BE49-F238E27FC236}">
-                <a16:creationId xmlns:a16="http://schemas.microsoft.com/office/drawing/2014/main" id="{0145D52C-E4D4-4B4E-8256-9ADC9CE4947C}"/>
-              </a:ext>
-            </a:extLst>
-          </p:cNvPr>
-          <p:cNvSpPr txBox="1"/>
-          <p:nvPr/>
-        </p:nvSpPr>
-        <p:spPr>
-          <a:xfrm>
-            <a:off x="8402399" y="2377776"/>
-            <a:ext cx="1058861" cy="400110"/>
-          </a:xfrm>
-          <a:prstGeom prst="rect">
-            <a:avLst/>
-          </a:prstGeom>
-          <a:noFill/>
-        </p:spPr>
-        <p:txBody>
-          <a:bodyPr wrap="square" rtlCol="0">
-            <a:spAutoFit/>
-          </a:bodyPr>
-          <a:lstStyle/>
-          <a:p>
-            <a:r>
-              <a:rPr lang="pt-PT" sz="2000" dirty="0" err="1"/>
-              <a:t>MinAge</a:t>
-            </a:r>
-            <a:endParaRPr lang="en-GB" sz="2000" dirty="0"/>
-          </a:p>
-        </p:txBody>
-      </p:sp>
-      <p:cxnSp>
-        <p:nvCxnSpPr>
-          <p:cNvPr id="25" name="Conexão reta unidirecional 24">
-            <a:extLst>
-              <a:ext uri="{FF2B5EF4-FFF2-40B4-BE49-F238E27FC236}">
-                <a16:creationId xmlns:a16="http://schemas.microsoft.com/office/drawing/2014/main" id="{A0922140-8448-46C3-9303-238630649696}"/>
-              </a:ext>
-            </a:extLst>
-          </p:cNvPr>
-          <p:cNvCxnSpPr>
-            <a:cxnSpLocks/>
-            <a:endCxn id="26" idx="1"/>
-          </p:cNvCxnSpPr>
-          <p:nvPr/>
-        </p:nvCxnSpPr>
-        <p:spPr>
-          <a:xfrm flipV="1">
-            <a:off x="6117738" y="3009972"/>
-            <a:ext cx="2931047" cy="899353"/>
-          </a:xfrm>
-          <a:prstGeom prst="straightConnector1">
-            <a:avLst/>
-          </a:prstGeom>
-          <a:ln>
-            <a:solidFill>
-              <a:srgbClr val="8C2D19"/>
-            </a:solidFill>
-            <a:tailEnd type="triangle"/>
-          </a:ln>
-        </p:spPr>
-        <p:style>
-          <a:lnRef idx="3">
-            <a:schemeClr val="dk1"/>
-          </a:lnRef>
-          <a:fillRef idx="0">
-            <a:schemeClr val="dk1"/>
-          </a:fillRef>
-          <a:effectRef idx="2">
-            <a:schemeClr val="dk1"/>
-          </a:effectRef>
-          <a:fontRef idx="minor">
-            <a:schemeClr val="tx1"/>
-          </a:fontRef>
-        </p:style>
-      </p:cxnSp>
-      <p:sp>
-        <p:nvSpPr>
-          <p:cNvPr id="26" name="CaixaDeTexto 25">
-            <a:extLst>
-              <a:ext uri="{FF2B5EF4-FFF2-40B4-BE49-F238E27FC236}">
-                <a16:creationId xmlns:a16="http://schemas.microsoft.com/office/drawing/2014/main" id="{80832472-A1E2-415D-A19C-274811F1F1C7}"/>
-              </a:ext>
-            </a:extLst>
-          </p:cNvPr>
-          <p:cNvSpPr txBox="1"/>
-          <p:nvPr/>
-        </p:nvSpPr>
-        <p:spPr>
-          <a:xfrm>
-            <a:off x="9048785" y="2809917"/>
-            <a:ext cx="1183761" cy="400110"/>
-          </a:xfrm>
-          <a:prstGeom prst="rect">
-            <a:avLst/>
-          </a:prstGeom>
-          <a:noFill/>
-        </p:spPr>
-        <p:txBody>
-          <a:bodyPr wrap="square" rtlCol="0">
-            <a:spAutoFit/>
-          </a:bodyPr>
-          <a:lstStyle/>
-          <a:p>
-            <a:pPr algn="ctr"/>
-            <a:r>
-              <a:rPr lang="pt-PT" sz="2000" dirty="0" err="1"/>
-              <a:t>Streamer</a:t>
-            </a:r>
-            <a:endParaRPr lang="en-GB" sz="2000" dirty="0"/>
-          </a:p>
-        </p:txBody>
-      </p:sp>
-      <p:cxnSp>
-        <p:nvCxnSpPr>
-          <p:cNvPr id="27" name="Conexão reta unidirecional 26">
-            <a:extLst>
-              <a:ext uri="{FF2B5EF4-FFF2-40B4-BE49-F238E27FC236}">
-                <a16:creationId xmlns:a16="http://schemas.microsoft.com/office/drawing/2014/main" id="{9588C264-BC63-4960-BC57-E4A755C943D7}"/>
-              </a:ext>
-            </a:extLst>
-          </p:cNvPr>
-          <p:cNvCxnSpPr>
-            <a:cxnSpLocks/>
-            <a:endCxn id="28" idx="1"/>
-          </p:cNvCxnSpPr>
-          <p:nvPr/>
-        </p:nvCxnSpPr>
-        <p:spPr>
-          <a:xfrm flipV="1">
-            <a:off x="6533773" y="3605203"/>
-            <a:ext cx="2871689" cy="322860"/>
-          </a:xfrm>
-          <a:prstGeom prst="straightConnector1">
-            <a:avLst/>
-          </a:prstGeom>
-          <a:ln>
-            <a:solidFill>
-              <a:srgbClr val="8C2D19"/>
-            </a:solidFill>
-            <a:tailEnd type="triangle"/>
-          </a:ln>
-        </p:spPr>
-        <p:style>
-          <a:lnRef idx="3">
-            <a:schemeClr val="dk1"/>
-          </a:lnRef>
-          <a:fillRef idx="0">
-            <a:schemeClr val="dk1"/>
-          </a:fillRef>
-          <a:effectRef idx="2">
-            <a:schemeClr val="dk1"/>
-          </a:effectRef>
-          <a:fontRef idx="minor">
-            <a:schemeClr val="tx1"/>
-          </a:fontRef>
-        </p:style>
-      </p:cxnSp>
-      <p:sp>
-        <p:nvSpPr>
-          <p:cNvPr id="28" name="CaixaDeTexto 27">
-            <a:extLst>
-              <a:ext uri="{FF2B5EF4-FFF2-40B4-BE49-F238E27FC236}">
-                <a16:creationId xmlns:a16="http://schemas.microsoft.com/office/drawing/2014/main" id="{E7B6A703-1309-402E-AA62-C4EED545794C}"/>
-              </a:ext>
-            </a:extLst>
-          </p:cNvPr>
-          <p:cNvSpPr txBox="1"/>
-          <p:nvPr/>
-        </p:nvSpPr>
-        <p:spPr>
-          <a:xfrm>
-            <a:off x="9405462" y="3420537"/>
-            <a:ext cx="1260559" cy="369332"/>
-          </a:xfrm>
-          <a:prstGeom prst="rect">
-            <a:avLst/>
-          </a:prstGeom>
-          <a:noFill/>
-        </p:spPr>
-        <p:txBody>
-          <a:bodyPr wrap="square" rtlCol="0">
-            <a:spAutoFit/>
-          </a:bodyPr>
-          <a:lstStyle/>
-          <a:p>
-            <a:r>
-              <a:rPr lang="pt-PT" dirty="0"/>
-              <a:t>Nº </a:t>
-            </a:r>
-            <a:r>
-              <a:rPr lang="pt-PT" dirty="0" err="1"/>
-              <a:t>Viewers</a:t>
-            </a:r>
-            <a:endParaRPr lang="en-GB" sz="2000" dirty="0"/>
-          </a:p>
-        </p:txBody>
-      </p:sp>
-      <p:cxnSp>
-        <p:nvCxnSpPr>
-          <p:cNvPr id="29" name="Conexão reta 28">
-            <a:extLst>
-              <a:ext uri="{FF2B5EF4-FFF2-40B4-BE49-F238E27FC236}">
-                <a16:creationId xmlns:a16="http://schemas.microsoft.com/office/drawing/2014/main" id="{B89E7E41-9D92-43B4-AFD2-992CDB723359}"/>
-              </a:ext>
-            </a:extLst>
-          </p:cNvPr>
-          <p:cNvCxnSpPr>
-            <a:cxnSpLocks/>
-          </p:cNvCxnSpPr>
-          <p:nvPr/>
-        </p:nvCxnSpPr>
-        <p:spPr>
-          <a:xfrm flipH="1">
-            <a:off x="1097280" y="1737360"/>
-            <a:ext cx="10239504" cy="0"/>
-          </a:xfrm>
-          <a:prstGeom prst="line">
-            <a:avLst/>
-          </a:prstGeom>
-          <a:ln>
-            <a:solidFill>
-              <a:srgbClr val="8C2D19"/>
-            </a:solidFill>
-          </a:ln>
-        </p:spPr>
-        <p:style>
-          <a:lnRef idx="1">
-            <a:schemeClr val="accent1"/>
-          </a:lnRef>
-          <a:fillRef idx="0">
-            <a:schemeClr val="accent1"/>
-          </a:fillRef>
-          <a:effectRef idx="0">
-            <a:schemeClr val="accent1"/>
-          </a:effectRef>
-          <a:fontRef idx="minor">
-            <a:schemeClr val="tx1"/>
-          </a:fontRef>
-        </p:style>
-      </p:cxnSp>
-      <p:sp>
-        <p:nvSpPr>
-          <p:cNvPr id="30" name="CaixaDeTexto 29">
-            <a:extLst>
-              <a:ext uri="{FF2B5EF4-FFF2-40B4-BE49-F238E27FC236}">
-                <a16:creationId xmlns:a16="http://schemas.microsoft.com/office/drawing/2014/main" id="{BEDF082D-5265-46F2-968D-7E7DFE491C7B}"/>
-              </a:ext>
-            </a:extLst>
-          </p:cNvPr>
-          <p:cNvSpPr txBox="1"/>
-          <p:nvPr/>
-        </p:nvSpPr>
-        <p:spPr>
-          <a:xfrm>
-            <a:off x="1197954" y="4996370"/>
-            <a:ext cx="9841958" cy="646331"/>
-          </a:xfrm>
-          <a:prstGeom prst="rect">
-            <a:avLst/>
-          </a:prstGeom>
-          <a:noFill/>
-        </p:spPr>
-        <p:txBody>
-          <a:bodyPr wrap="square" rtlCol="0">
-            <a:spAutoFit/>
-          </a:bodyPr>
-          <a:lstStyle/>
-          <a:p>
-            <a:pPr marL="285750" indent="-285750">
-              <a:buClr>
-                <a:srgbClr val="C00000"/>
-              </a:buClr>
-              <a:buFont typeface="Arial" panose="020B0604020202020204" pitchFamily="34" charset="0"/>
-              <a:buChar char="•"/>
-            </a:pPr>
-            <a:r>
-              <a:rPr lang="pt-PT" dirty="0"/>
-              <a:t>Após Nº Viewers surge, Nº FeedBack, lista dos nicks e feedback correspondente, Nº likes, Nº dislikes, </a:t>
-            </a:r>
-          </a:p>
-          <a:p>
-            <a:pPr>
-              <a:buClr>
-                <a:srgbClr val="C00000"/>
-              </a:buClr>
-            </a:pPr>
-            <a:r>
-              <a:rPr lang="pt-PT" sz="1600" dirty="0"/>
-              <a:t>(Se PrivateStream )   </a:t>
-            </a:r>
-            <a:r>
-              <a:rPr lang="pt-PT" dirty="0"/>
-              <a:t>Nº comments, lista dos comments, Nº whitelisted, lista nicks whitelisted ,</a:t>
-            </a:r>
-            <a:endParaRPr lang="en-GB" dirty="0"/>
-          </a:p>
-        </p:txBody>
-      </p:sp>
-      <p:sp>
-        <p:nvSpPr>
-          <p:cNvPr id="31" name="CaixaDeTexto 30">
-            <a:extLst>
-              <a:ext uri="{FF2B5EF4-FFF2-40B4-BE49-F238E27FC236}">
-                <a16:creationId xmlns:a16="http://schemas.microsoft.com/office/drawing/2014/main" id="{B2C52E29-3628-4F08-BDC6-8BEF3C1539BD}"/>
-              </a:ext>
-            </a:extLst>
-          </p:cNvPr>
-          <p:cNvSpPr txBox="1"/>
-          <p:nvPr/>
-        </p:nvSpPr>
-        <p:spPr>
-          <a:xfrm>
-            <a:off x="1197954" y="5769279"/>
-            <a:ext cx="8263306" cy="369332"/>
-          </a:xfrm>
-          <a:prstGeom prst="rect">
-            <a:avLst/>
-          </a:prstGeom>
-          <a:noFill/>
-        </p:spPr>
-        <p:txBody>
-          <a:bodyPr wrap="square" rtlCol="0">
-            <a:spAutoFit/>
-          </a:bodyPr>
-          <a:lstStyle/>
-          <a:p>
-            <a:pPr marL="285750" indent="-285750">
-              <a:buClr>
-                <a:srgbClr val="C00000"/>
-              </a:buClr>
-              <a:buFont typeface="Arial" panose="020B0604020202020204" pitchFamily="34" charset="0"/>
-              <a:buChar char="•"/>
-            </a:pPr>
-            <a:r>
-              <a:rPr lang="pt-PT" dirty="0"/>
-              <a:t> Comment: nick , Nº palavras do comment,  lista das palavras </a:t>
-            </a:r>
-            <a:endParaRPr lang="en-GB" dirty="0"/>
-          </a:p>
-        </p:txBody>
-      </p:sp>
-      <p:sp>
-        <p:nvSpPr>
-          <p:cNvPr id="32" name="CaixaDeTexto 31">
-            <a:extLst>
-              <a:ext uri="{FF2B5EF4-FFF2-40B4-BE49-F238E27FC236}">
-                <a16:creationId xmlns:a16="http://schemas.microsoft.com/office/drawing/2014/main" id="{E0B77D0B-4F69-4684-BE8F-2C46EDF0E02B}"/>
-              </a:ext>
-            </a:extLst>
-          </p:cNvPr>
-          <p:cNvSpPr txBox="1"/>
-          <p:nvPr/>
-        </p:nvSpPr>
-        <p:spPr>
-          <a:xfrm>
-            <a:off x="9944901" y="1910043"/>
-            <a:ext cx="1677363" cy="523220"/>
-          </a:xfrm>
-          <a:prstGeom prst="rect">
-            <a:avLst/>
-          </a:prstGeom>
-          <a:noFill/>
-        </p:spPr>
-        <p:txBody>
-          <a:bodyPr wrap="square" rtlCol="0">
-            <a:spAutoFit/>
-          </a:bodyPr>
-          <a:lstStyle/>
-          <a:p>
-            <a:pPr algn="ctr"/>
-            <a:r>
-              <a:rPr lang="pt-PT" sz="1400" dirty="0"/>
-              <a:t>(Finished)</a:t>
-            </a:r>
-          </a:p>
-          <a:p>
-            <a:pPr algn="ctr"/>
-            <a:r>
-              <a:rPr lang="pt-PT" sz="1400" dirty="0"/>
-              <a:t>Tipo de Stream </a:t>
-            </a:r>
-            <a:endParaRPr lang="en-GB" sz="1400" dirty="0"/>
-          </a:p>
-        </p:txBody>
-      </p:sp>
-      <p:cxnSp>
-        <p:nvCxnSpPr>
-          <p:cNvPr id="33" name="Conexão reta unidirecional 32">
-            <a:extLst>
-              <a:ext uri="{FF2B5EF4-FFF2-40B4-BE49-F238E27FC236}">
-                <a16:creationId xmlns:a16="http://schemas.microsoft.com/office/drawing/2014/main" id="{60EE1B24-69BC-47B2-BB1C-DCD5934E472C}"/>
-              </a:ext>
-            </a:extLst>
-          </p:cNvPr>
-          <p:cNvCxnSpPr>
-            <a:cxnSpLocks/>
-            <a:stCxn id="24" idx="3"/>
-          </p:cNvCxnSpPr>
-          <p:nvPr/>
-        </p:nvCxnSpPr>
-        <p:spPr>
-          <a:xfrm flipV="1">
-            <a:off x="9461260" y="2401393"/>
-            <a:ext cx="677555" cy="176438"/>
-          </a:xfrm>
-          <a:prstGeom prst="straightConnector1">
-            <a:avLst/>
-          </a:prstGeom>
-          <a:ln>
-            <a:solidFill>
-              <a:srgbClr val="8C2D19"/>
-            </a:solidFill>
-            <a:tailEnd type="triangle"/>
-          </a:ln>
-        </p:spPr>
-        <p:style>
-          <a:lnRef idx="3">
-            <a:schemeClr val="dk1"/>
-          </a:lnRef>
-          <a:fillRef idx="0">
-            <a:schemeClr val="dk1"/>
-          </a:fillRef>
-          <a:effectRef idx="2">
-            <a:schemeClr val="dk1"/>
-          </a:effectRef>
-          <a:fontRef idx="minor">
-            <a:schemeClr val="tx1"/>
-          </a:fontRef>
-        </p:style>
-      </p:cxnSp>
-      <p:sp>
-        <p:nvSpPr>
-          <p:cNvPr id="34" name="CaixaDeTexto 33">
-            <a:extLst>
-              <a:ext uri="{FF2B5EF4-FFF2-40B4-BE49-F238E27FC236}">
-                <a16:creationId xmlns:a16="http://schemas.microsoft.com/office/drawing/2014/main" id="{BE0C12D2-632A-4676-B1EC-577B96B46135}"/>
-              </a:ext>
-            </a:extLst>
-          </p:cNvPr>
-          <p:cNvSpPr txBox="1"/>
-          <p:nvPr/>
-        </p:nvSpPr>
-        <p:spPr>
-          <a:xfrm rot="20753444">
-            <a:off x="9618705" y="2210629"/>
-            <a:ext cx="402225" cy="369332"/>
-          </a:xfrm>
-          <a:prstGeom prst="rect">
-            <a:avLst/>
-          </a:prstGeom>
-          <a:noFill/>
-        </p:spPr>
-        <p:txBody>
-          <a:bodyPr wrap="square" rtlCol="0">
-            <a:spAutoFit/>
-          </a:bodyPr>
-          <a:lstStyle/>
-          <a:p>
-            <a:r>
-              <a:rPr lang="pt-PT" dirty="0"/>
-              <a:t>=</a:t>
-            </a:r>
-            <a:endParaRPr lang="en-GB" dirty="0"/>
-          </a:p>
-        </p:txBody>
-      </p:sp>
-      <p:cxnSp>
-        <p:nvCxnSpPr>
-          <p:cNvPr id="35" name="Conexão reta unidirecional 34">
-            <a:extLst>
-              <a:ext uri="{FF2B5EF4-FFF2-40B4-BE49-F238E27FC236}">
-                <a16:creationId xmlns:a16="http://schemas.microsoft.com/office/drawing/2014/main" id="{6CA33FB3-51B6-46D8-88A5-EBFE04C5945C}"/>
-              </a:ext>
-            </a:extLst>
-          </p:cNvPr>
-          <p:cNvCxnSpPr>
-            <a:cxnSpLocks/>
-          </p:cNvCxnSpPr>
-          <p:nvPr/>
-        </p:nvCxnSpPr>
-        <p:spPr>
-          <a:xfrm flipV="1">
-            <a:off x="10035741" y="2997129"/>
-            <a:ext cx="630280" cy="325371"/>
-          </a:xfrm>
-          <a:prstGeom prst="straightConnector1">
-            <a:avLst/>
-          </a:prstGeom>
-          <a:ln>
-            <a:solidFill>
-              <a:srgbClr val="8C2D19"/>
-            </a:solidFill>
-            <a:tailEnd type="triangle"/>
-          </a:ln>
-        </p:spPr>
-        <p:style>
-          <a:lnRef idx="3">
-            <a:schemeClr val="dk1"/>
-          </a:lnRef>
-          <a:fillRef idx="0">
-            <a:schemeClr val="dk1"/>
-          </a:fillRef>
-          <a:effectRef idx="2">
-            <a:schemeClr val="dk1"/>
-          </a:effectRef>
-          <a:fontRef idx="minor">
-            <a:schemeClr val="tx1"/>
-          </a:fontRef>
-        </p:style>
-      </p:cxnSp>
-      <p:sp>
-        <p:nvSpPr>
-          <p:cNvPr id="36" name="CaixaDeTexto 35">
-            <a:extLst>
-              <a:ext uri="{FF2B5EF4-FFF2-40B4-BE49-F238E27FC236}">
-                <a16:creationId xmlns:a16="http://schemas.microsoft.com/office/drawing/2014/main" id="{200F8AAF-48E6-484B-8CE0-9FD8F5BC915F}"/>
-              </a:ext>
-            </a:extLst>
-          </p:cNvPr>
-          <p:cNvSpPr txBox="1"/>
-          <p:nvPr/>
-        </p:nvSpPr>
-        <p:spPr>
-          <a:xfrm rot="19872835">
-            <a:off x="10186932" y="2856495"/>
-            <a:ext cx="234232" cy="369332"/>
-          </a:xfrm>
-          <a:prstGeom prst="rect">
-            <a:avLst/>
-          </a:prstGeom>
-          <a:noFill/>
-        </p:spPr>
-        <p:txBody>
-          <a:bodyPr wrap="square" rtlCol="0">
-            <a:spAutoFit/>
-          </a:bodyPr>
-          <a:lstStyle/>
-          <a:p>
-            <a:r>
-              <a:rPr lang="pt-PT" dirty="0"/>
-              <a:t>+</a:t>
-            </a:r>
-            <a:endParaRPr lang="en-GB" dirty="0"/>
-          </a:p>
-        </p:txBody>
-      </p:sp>
-      <p:sp>
-        <p:nvSpPr>
-          <p:cNvPr id="37" name="TextBox 35">
-            <a:extLst>
-              <a:ext uri="{FF2B5EF4-FFF2-40B4-BE49-F238E27FC236}">
-                <a16:creationId xmlns:a16="http://schemas.microsoft.com/office/drawing/2014/main" id="{F8D9A7DB-99EA-47BC-A8A3-B2ED11FCA81A}"/>
-              </a:ext>
-            </a:extLst>
-          </p:cNvPr>
-          <p:cNvSpPr txBox="1"/>
-          <p:nvPr/>
-        </p:nvSpPr>
-        <p:spPr>
-          <a:xfrm>
-            <a:off x="10666021" y="2667079"/>
-            <a:ext cx="1260558" cy="584775"/>
-          </a:xfrm>
-          <a:prstGeom prst="rect">
-            <a:avLst/>
-          </a:prstGeom>
-          <a:noFill/>
-        </p:spPr>
-        <p:txBody>
-          <a:bodyPr wrap="square">
-            <a:spAutoFit/>
-          </a:bodyPr>
-          <a:lstStyle/>
-          <a:p>
-            <a:pPr algn="ctr"/>
-            <a:r>
-              <a:rPr lang="pt-PT" sz="1400" dirty="0"/>
-              <a:t>(Finished)</a:t>
-            </a:r>
-          </a:p>
-          <a:p>
-            <a:pPr algn="ctr"/>
-            <a:r>
-              <a:rPr lang="pt-PT" dirty="0"/>
-              <a:t>Data de fim</a:t>
-            </a:r>
-            <a:endParaRPr lang="en-US" dirty="0"/>
-          </a:p>
-        </p:txBody>
-      </p:sp>
-      <p:sp>
-        <p:nvSpPr>
-          <p:cNvPr id="38" name="CaixaDeTexto 37">
-            <a:extLst>
-              <a:ext uri="{FF2B5EF4-FFF2-40B4-BE49-F238E27FC236}">
-                <a16:creationId xmlns:a16="http://schemas.microsoft.com/office/drawing/2014/main" id="{0C701B81-64A1-44B6-89B0-A5455DA394B0}"/>
-              </a:ext>
-            </a:extLst>
-          </p:cNvPr>
-          <p:cNvSpPr txBox="1"/>
-          <p:nvPr/>
-        </p:nvSpPr>
-        <p:spPr>
-          <a:xfrm>
-            <a:off x="6502638" y="1768137"/>
-            <a:ext cx="747529" cy="307777"/>
-          </a:xfrm>
-          <a:prstGeom prst="rect">
-            <a:avLst/>
-          </a:prstGeom>
-          <a:noFill/>
-        </p:spPr>
-        <p:txBody>
-          <a:bodyPr wrap="square" rtlCol="0">
-            <a:spAutoFit/>
-          </a:bodyPr>
-          <a:lstStyle/>
-          <a:p>
-            <a:r>
-              <a:rPr lang="pt-PT" sz="1400" dirty="0"/>
-              <a:t>(</a:t>
-            </a:r>
-            <a:r>
-              <a:rPr lang="pt-PT" sz="1400" dirty="0" err="1"/>
-              <a:t>enum</a:t>
-            </a:r>
-            <a:r>
-              <a:rPr lang="pt-PT" sz="1400" dirty="0"/>
-              <a:t>)</a:t>
-            </a:r>
-            <a:endParaRPr lang="en-GB" sz="1400" dirty="0"/>
-          </a:p>
-        </p:txBody>
-      </p:sp>
-      <p:sp>
-        <p:nvSpPr>
-          <p:cNvPr id="39" name="CaixaDeTexto 38">
-            <a:extLst>
-              <a:ext uri="{FF2B5EF4-FFF2-40B4-BE49-F238E27FC236}">
-                <a16:creationId xmlns:a16="http://schemas.microsoft.com/office/drawing/2014/main" id="{4EA9B7FA-D1EE-466E-8E82-2847D0C4BB65}"/>
-              </a:ext>
-            </a:extLst>
-          </p:cNvPr>
-          <p:cNvSpPr txBox="1"/>
-          <p:nvPr/>
-        </p:nvSpPr>
-        <p:spPr>
-          <a:xfrm>
-            <a:off x="7809854" y="1829406"/>
-            <a:ext cx="747529" cy="307777"/>
-          </a:xfrm>
-          <a:prstGeom prst="rect">
-            <a:avLst/>
-          </a:prstGeom>
-          <a:noFill/>
-        </p:spPr>
-        <p:txBody>
-          <a:bodyPr wrap="square" rtlCol="0">
-            <a:spAutoFit/>
-          </a:bodyPr>
-          <a:lstStyle/>
-          <a:p>
-            <a:r>
-              <a:rPr lang="pt-PT" sz="1400" dirty="0"/>
-              <a:t>(</a:t>
-            </a:r>
-            <a:r>
-              <a:rPr lang="pt-PT" sz="1400" dirty="0" err="1"/>
-              <a:t>enum</a:t>
-            </a:r>
-            <a:r>
-              <a:rPr lang="pt-PT" sz="1400" dirty="0"/>
-              <a:t>)</a:t>
-            </a:r>
-            <a:endParaRPr lang="en-GB" sz="1400" dirty="0"/>
-          </a:p>
-        </p:txBody>
-      </p:sp>
+        </p:spPr>
+      </p:pic>
       <p:sp>
         <p:nvSpPr>
           <p:cNvPr id="40" name="Oval 39">
@@ -15925,8 +15545,8 @@
         </p:nvSpPr>
         <p:spPr>
           <a:xfrm>
-            <a:off x="3752935" y="3909324"/>
-            <a:ext cx="1082620" cy="195515"/>
+            <a:off x="4704243" y="3708901"/>
+            <a:ext cx="797169" cy="180425"/>
           </a:xfrm>
           <a:prstGeom prst="ellipse">
             <a:avLst/>
@@ -15967,10 +15587,10 @@
       </p:sp>
       <p:sp>
         <p:nvSpPr>
-          <p:cNvPr id="41" name="Oval 40">
-            <a:extLst>
-              <a:ext uri="{FF2B5EF4-FFF2-40B4-BE49-F238E27FC236}">
-                <a16:creationId xmlns:a16="http://schemas.microsoft.com/office/drawing/2014/main" id="{4EDF7B57-F44E-4978-8245-0C8EE4A0285E}"/>
+          <p:cNvPr id="43" name="Oval 42">
+            <a:extLst>
+              <a:ext uri="{FF2B5EF4-FFF2-40B4-BE49-F238E27FC236}">
+                <a16:creationId xmlns:a16="http://schemas.microsoft.com/office/drawing/2014/main" id="{B09F585C-2F70-42E6-88F7-345C3549CB9C}"/>
               </a:ext>
             </a:extLst>
           </p:cNvPr>
@@ -15979,8 +15599,8 @@
         </p:nvSpPr>
         <p:spPr>
           <a:xfrm>
-            <a:off x="4906046" y="3905678"/>
-            <a:ext cx="157516" cy="180425"/>
+            <a:off x="5650580" y="3718983"/>
+            <a:ext cx="273732" cy="180427"/>
           </a:xfrm>
           <a:prstGeom prst="ellipse">
             <a:avLst/>
@@ -16021,10 +15641,10 @@
       </p:sp>
       <p:sp>
         <p:nvSpPr>
-          <p:cNvPr id="42" name="Oval 41">
-            <a:extLst>
-              <a:ext uri="{FF2B5EF4-FFF2-40B4-BE49-F238E27FC236}">
-                <a16:creationId xmlns:a16="http://schemas.microsoft.com/office/drawing/2014/main" id="{9D3CD406-51F7-4204-87AC-216AFA928E0B}"/>
+          <p:cNvPr id="45" name="Oval 44">
+            <a:extLst>
+              <a:ext uri="{FF2B5EF4-FFF2-40B4-BE49-F238E27FC236}">
+                <a16:creationId xmlns:a16="http://schemas.microsoft.com/office/drawing/2014/main" id="{1945EDD6-3EFD-4F04-AEDD-D72ED1C8E57C}"/>
               </a:ext>
             </a:extLst>
           </p:cNvPr>
@@ -16033,7 +15653,7 @@
         </p:nvSpPr>
         <p:spPr>
           <a:xfrm>
-            <a:off x="5144214" y="3905678"/>
+            <a:off x="6082358" y="3717779"/>
             <a:ext cx="157516" cy="180425"/>
           </a:xfrm>
           <a:prstGeom prst="ellipse">
@@ -16073,419 +15693,6 @@
           </a:p>
         </p:txBody>
       </p:sp>
-      <p:sp>
-        <p:nvSpPr>
-          <p:cNvPr id="43" name="Oval 42">
-            <a:extLst>
-              <a:ext uri="{FF2B5EF4-FFF2-40B4-BE49-F238E27FC236}">
-                <a16:creationId xmlns:a16="http://schemas.microsoft.com/office/drawing/2014/main" id="{B09F585C-2F70-42E6-88F7-345C3549CB9C}"/>
-              </a:ext>
-            </a:extLst>
-          </p:cNvPr>
-          <p:cNvSpPr/>
-          <p:nvPr/>
-        </p:nvSpPr>
-        <p:spPr>
-          <a:xfrm>
-            <a:off x="5430988" y="3905678"/>
-            <a:ext cx="157516" cy="180425"/>
-          </a:xfrm>
-          <a:prstGeom prst="ellipse">
-            <a:avLst/>
-          </a:prstGeom>
-          <a:noFill/>
-          <a:ln w="9525" cap="flat" cmpd="sng" algn="ctr">
-            <a:solidFill>
-              <a:srgbClr val="8C2D19"/>
-            </a:solidFill>
-            <a:prstDash val="solid"/>
-            <a:round/>
-            <a:headEnd type="none" w="med" len="med"/>
-            <a:tailEnd type="none" w="med" len="med"/>
-          </a:ln>
-        </p:spPr>
-        <p:style>
-          <a:lnRef idx="0">
-            <a:scrgbClr r="0" g="0" b="0"/>
-          </a:lnRef>
-          <a:fillRef idx="0">
-            <a:scrgbClr r="0" g="0" b="0"/>
-          </a:fillRef>
-          <a:effectRef idx="0">
-            <a:scrgbClr r="0" g="0" b="0"/>
-          </a:effectRef>
-          <a:fontRef idx="minor">
-            <a:schemeClr val="dk1"/>
-          </a:fontRef>
-        </p:style>
-        <p:txBody>
-          <a:bodyPr rtlCol="0" anchor="ctr"/>
-          <a:lstStyle/>
-          <a:p>
-            <a:pPr algn="ctr"/>
-            <a:endParaRPr lang="en-GB"/>
-          </a:p>
-        </p:txBody>
-      </p:sp>
-      <p:sp>
-        <p:nvSpPr>
-          <p:cNvPr id="44" name="Oval 43">
-            <a:extLst>
-              <a:ext uri="{FF2B5EF4-FFF2-40B4-BE49-F238E27FC236}">
-                <a16:creationId xmlns:a16="http://schemas.microsoft.com/office/drawing/2014/main" id="{5D4B6F50-5753-47D5-87B9-7152581E19C3}"/>
-              </a:ext>
-            </a:extLst>
-          </p:cNvPr>
-          <p:cNvSpPr/>
-          <p:nvPr/>
-        </p:nvSpPr>
-        <p:spPr>
-          <a:xfrm>
-            <a:off x="5715405" y="3905678"/>
-            <a:ext cx="570836" cy="180425"/>
-          </a:xfrm>
-          <a:prstGeom prst="ellipse">
-            <a:avLst/>
-          </a:prstGeom>
-          <a:noFill/>
-          <a:ln w="9525" cap="flat" cmpd="sng" algn="ctr">
-            <a:solidFill>
-              <a:srgbClr val="8C2D19"/>
-            </a:solidFill>
-            <a:prstDash val="solid"/>
-            <a:round/>
-            <a:headEnd type="none" w="med" len="med"/>
-            <a:tailEnd type="none" w="med" len="med"/>
-          </a:ln>
-        </p:spPr>
-        <p:style>
-          <a:lnRef idx="0">
-            <a:scrgbClr r="0" g="0" b="0"/>
-          </a:lnRef>
-          <a:fillRef idx="0">
-            <a:scrgbClr r="0" g="0" b="0"/>
-          </a:fillRef>
-          <a:effectRef idx="0">
-            <a:scrgbClr r="0" g="0" b="0"/>
-          </a:effectRef>
-          <a:fontRef idx="minor">
-            <a:schemeClr val="dk1"/>
-          </a:fontRef>
-        </p:style>
-        <p:txBody>
-          <a:bodyPr rtlCol="0" anchor="ctr"/>
-          <a:lstStyle/>
-          <a:p>
-            <a:pPr algn="ctr"/>
-            <a:endParaRPr lang="en-GB"/>
-          </a:p>
-        </p:txBody>
-      </p:sp>
-      <p:sp>
-        <p:nvSpPr>
-          <p:cNvPr id="45" name="Oval 44">
-            <a:extLst>
-              <a:ext uri="{FF2B5EF4-FFF2-40B4-BE49-F238E27FC236}">
-                <a16:creationId xmlns:a16="http://schemas.microsoft.com/office/drawing/2014/main" id="{1945EDD6-3EFD-4F04-AEDD-D72ED1C8E57C}"/>
-              </a:ext>
-            </a:extLst>
-          </p:cNvPr>
-          <p:cNvSpPr/>
-          <p:nvPr/>
-        </p:nvSpPr>
-        <p:spPr>
-          <a:xfrm>
-            <a:off x="6423880" y="3905678"/>
-            <a:ext cx="157516" cy="180425"/>
-          </a:xfrm>
-          <a:prstGeom prst="ellipse">
-            <a:avLst/>
-          </a:prstGeom>
-          <a:noFill/>
-          <a:ln w="9525" cap="flat" cmpd="sng" algn="ctr">
-            <a:solidFill>
-              <a:srgbClr val="8C2D19"/>
-            </a:solidFill>
-            <a:prstDash val="solid"/>
-            <a:round/>
-            <a:headEnd type="none" w="med" len="med"/>
-            <a:tailEnd type="none" w="med" len="med"/>
-          </a:ln>
-        </p:spPr>
-        <p:style>
-          <a:lnRef idx="0">
-            <a:scrgbClr r="0" g="0" b="0"/>
-          </a:lnRef>
-          <a:fillRef idx="0">
-            <a:scrgbClr r="0" g="0" b="0"/>
-          </a:fillRef>
-          <a:effectRef idx="0">
-            <a:scrgbClr r="0" g="0" b="0"/>
-          </a:effectRef>
-          <a:fontRef idx="minor">
-            <a:schemeClr val="dk1"/>
-          </a:fontRef>
-        </p:style>
-        <p:txBody>
-          <a:bodyPr rtlCol="0" anchor="ctr"/>
-          <a:lstStyle/>
-          <a:p>
-            <a:pPr algn="ctr"/>
-            <a:endParaRPr lang="en-GB"/>
-          </a:p>
-        </p:txBody>
-      </p:sp>
-      <p:sp>
-        <p:nvSpPr>
-          <p:cNvPr id="46" name="Oval 45">
-            <a:extLst>
-              <a:ext uri="{FF2B5EF4-FFF2-40B4-BE49-F238E27FC236}">
-                <a16:creationId xmlns:a16="http://schemas.microsoft.com/office/drawing/2014/main" id="{0E707A7E-DF74-4B6D-A2E5-FBAF33B4CDB1}"/>
-              </a:ext>
-            </a:extLst>
-          </p:cNvPr>
-          <p:cNvSpPr/>
-          <p:nvPr/>
-        </p:nvSpPr>
-        <p:spPr>
-          <a:xfrm>
-            <a:off x="2420953" y="3915100"/>
-            <a:ext cx="157516" cy="180425"/>
-          </a:xfrm>
-          <a:prstGeom prst="ellipse">
-            <a:avLst/>
-          </a:prstGeom>
-          <a:noFill/>
-          <a:ln w="9525" cap="flat" cmpd="sng" algn="ctr">
-            <a:solidFill>
-              <a:srgbClr val="8C2D19"/>
-            </a:solidFill>
-            <a:prstDash val="solid"/>
-            <a:round/>
-            <a:headEnd type="none" w="med" len="med"/>
-            <a:tailEnd type="none" w="med" len="med"/>
-          </a:ln>
-        </p:spPr>
-        <p:style>
-          <a:lnRef idx="0">
-            <a:scrgbClr r="0" g="0" b="0"/>
-          </a:lnRef>
-          <a:fillRef idx="0">
-            <a:scrgbClr r="0" g="0" b="0"/>
-          </a:fillRef>
-          <a:effectRef idx="0">
-            <a:scrgbClr r="0" g="0" b="0"/>
-          </a:effectRef>
-          <a:fontRef idx="minor">
-            <a:schemeClr val="dk1"/>
-          </a:fontRef>
-        </p:style>
-        <p:txBody>
-          <a:bodyPr rtlCol="0" anchor="ctr"/>
-          <a:lstStyle/>
-          <a:p>
-            <a:pPr algn="ctr"/>
-            <a:endParaRPr lang="en-GB"/>
-          </a:p>
-        </p:txBody>
-      </p:sp>
-      <p:sp>
-        <p:nvSpPr>
-          <p:cNvPr id="47" name="Oval 46">
-            <a:extLst>
-              <a:ext uri="{FF2B5EF4-FFF2-40B4-BE49-F238E27FC236}">
-                <a16:creationId xmlns:a16="http://schemas.microsoft.com/office/drawing/2014/main" id="{0F4A2A2A-BBF1-4A50-92CB-DA7FDC54A7D5}"/>
-              </a:ext>
-            </a:extLst>
-          </p:cNvPr>
-          <p:cNvSpPr/>
-          <p:nvPr/>
-        </p:nvSpPr>
-        <p:spPr>
-          <a:xfrm>
-            <a:off x="2138285" y="3915748"/>
-            <a:ext cx="157516" cy="180425"/>
-          </a:xfrm>
-          <a:prstGeom prst="ellipse">
-            <a:avLst/>
-          </a:prstGeom>
-          <a:noFill/>
-          <a:ln w="9525" cap="flat" cmpd="sng" algn="ctr">
-            <a:solidFill>
-              <a:srgbClr val="8C2D19"/>
-            </a:solidFill>
-            <a:prstDash val="solid"/>
-            <a:round/>
-            <a:headEnd type="none" w="med" len="med"/>
-            <a:tailEnd type="none" w="med" len="med"/>
-          </a:ln>
-        </p:spPr>
-        <p:style>
-          <a:lnRef idx="0">
-            <a:scrgbClr r="0" g="0" b="0"/>
-          </a:lnRef>
-          <a:fillRef idx="0">
-            <a:scrgbClr r="0" g="0" b="0"/>
-          </a:fillRef>
-          <a:effectRef idx="0">
-            <a:scrgbClr r="0" g="0" b="0"/>
-          </a:effectRef>
-          <a:fontRef idx="minor">
-            <a:schemeClr val="dk1"/>
-          </a:fontRef>
-        </p:style>
-        <p:txBody>
-          <a:bodyPr rtlCol="0" anchor="ctr"/>
-          <a:lstStyle/>
-          <a:p>
-            <a:pPr algn="ctr"/>
-            <a:endParaRPr lang="en-GB"/>
-          </a:p>
-        </p:txBody>
-      </p:sp>
-      <p:sp>
-        <p:nvSpPr>
-          <p:cNvPr id="48" name="Oval 47">
-            <a:extLst>
-              <a:ext uri="{FF2B5EF4-FFF2-40B4-BE49-F238E27FC236}">
-                <a16:creationId xmlns:a16="http://schemas.microsoft.com/office/drawing/2014/main" id="{737BB73B-3B92-44BD-81EE-7667E900EBD1}"/>
-              </a:ext>
-            </a:extLst>
-          </p:cNvPr>
-          <p:cNvSpPr/>
-          <p:nvPr/>
-        </p:nvSpPr>
-        <p:spPr>
-          <a:xfrm>
-            <a:off x="1853854" y="3915100"/>
-            <a:ext cx="157516" cy="180425"/>
-          </a:xfrm>
-          <a:prstGeom prst="ellipse">
-            <a:avLst/>
-          </a:prstGeom>
-          <a:noFill/>
-          <a:ln w="9525" cap="flat" cmpd="sng" algn="ctr">
-            <a:solidFill>
-              <a:srgbClr val="8C2D19"/>
-            </a:solidFill>
-            <a:prstDash val="solid"/>
-            <a:round/>
-            <a:headEnd type="none" w="med" len="med"/>
-            <a:tailEnd type="none" w="med" len="med"/>
-          </a:ln>
-        </p:spPr>
-        <p:style>
-          <a:lnRef idx="0">
-            <a:scrgbClr r="0" g="0" b="0"/>
-          </a:lnRef>
-          <a:fillRef idx="0">
-            <a:scrgbClr r="0" g="0" b="0"/>
-          </a:fillRef>
-          <a:effectRef idx="0">
-            <a:scrgbClr r="0" g="0" b="0"/>
-          </a:effectRef>
-          <a:fontRef idx="minor">
-            <a:schemeClr val="dk1"/>
-          </a:fontRef>
-        </p:style>
-        <p:txBody>
-          <a:bodyPr rtlCol="0" anchor="ctr"/>
-          <a:lstStyle/>
-          <a:p>
-            <a:pPr algn="ctr"/>
-            <a:endParaRPr lang="en-GB"/>
-          </a:p>
-        </p:txBody>
-      </p:sp>
-      <p:sp>
-        <p:nvSpPr>
-          <p:cNvPr id="49" name="Oval 48">
-            <a:extLst>
-              <a:ext uri="{FF2B5EF4-FFF2-40B4-BE49-F238E27FC236}">
-                <a16:creationId xmlns:a16="http://schemas.microsoft.com/office/drawing/2014/main" id="{8310DE1C-57E2-47BE-B245-C6DCB85DAEAE}"/>
-              </a:ext>
-            </a:extLst>
-          </p:cNvPr>
-          <p:cNvSpPr/>
-          <p:nvPr/>
-        </p:nvSpPr>
-        <p:spPr>
-          <a:xfrm>
-            <a:off x="1900117" y="3754057"/>
-            <a:ext cx="157516" cy="180425"/>
-          </a:xfrm>
-          <a:prstGeom prst="ellipse">
-            <a:avLst/>
-          </a:prstGeom>
-          <a:noFill/>
-          <a:ln w="9525" cap="flat" cmpd="sng" algn="ctr">
-            <a:solidFill>
-              <a:srgbClr val="8C2D19"/>
-            </a:solidFill>
-            <a:prstDash val="solid"/>
-            <a:round/>
-            <a:headEnd type="none" w="med" len="med"/>
-            <a:tailEnd type="none" w="med" len="med"/>
-          </a:ln>
-        </p:spPr>
-        <p:style>
-          <a:lnRef idx="0">
-            <a:scrgbClr r="0" g="0" b="0"/>
-          </a:lnRef>
-          <a:fillRef idx="0">
-            <a:scrgbClr r="0" g="0" b="0"/>
-          </a:fillRef>
-          <a:effectRef idx="0">
-            <a:scrgbClr r="0" g="0" b="0"/>
-          </a:effectRef>
-          <a:fontRef idx="minor">
-            <a:schemeClr val="dk1"/>
-          </a:fontRef>
-        </p:style>
-        <p:txBody>
-          <a:bodyPr rtlCol="0" anchor="ctr"/>
-          <a:lstStyle/>
-          <a:p>
-            <a:pPr algn="ctr"/>
-            <a:endParaRPr lang="en-GB"/>
-          </a:p>
-        </p:txBody>
-      </p:sp>
-      <p:pic>
-        <p:nvPicPr>
-          <p:cNvPr id="50" name="Imagem 49">
-            <a:extLst>
-              <a:ext uri="{FF2B5EF4-FFF2-40B4-BE49-F238E27FC236}">
-                <a16:creationId xmlns:a16="http://schemas.microsoft.com/office/drawing/2014/main" id="{C9CA462E-8E2A-4338-B5C5-71EE804670F2}"/>
-              </a:ext>
-            </a:extLst>
-          </p:cNvPr>
-          <p:cNvPicPr>
-            <a:picLocks noChangeAspect="1"/>
-          </p:cNvPicPr>
-          <p:nvPr/>
-        </p:nvPicPr>
-        <p:blipFill rotWithShape="1">
-          <a:blip r:embed="rId3">
-            <a:extLst>
-              <a:ext uri="{28A0092B-C50C-407E-A947-70E740481C1C}">
-                <a14:useLocalDpi xmlns:a14="http://schemas.microsoft.com/office/drawing/2010/main" val="0"/>
-              </a:ext>
-            </a:extLst>
-          </a:blip>
-          <a:srcRect r="39904"/>
-          <a:stretch/>
-        </p:blipFill>
-        <p:spPr>
-          <a:xfrm>
-            <a:off x="1097280" y="6500189"/>
-            <a:ext cx="1406360" cy="312685"/>
-          </a:xfrm>
-          <a:prstGeom prst="rect">
-            <a:avLst/>
-          </a:prstGeom>
-        </p:spPr>
-      </p:pic>
     </p:spTree>
     <p:extLst>
       <p:ext uri="{BB962C8B-B14F-4D97-AF65-F5344CB8AC3E}">
@@ -17671,7 +16878,7 @@
         </p:blipFill>
         <p:spPr>
           <a:xfrm>
-            <a:off x="4739083" y="3603666"/>
+            <a:off x="4739083" y="3745709"/>
             <a:ext cx="6349127" cy="2118890"/>
           </a:xfrm>
           <a:prstGeom prst="rect">
@@ -17679,12 +16886,196 @@
           </a:prstGeom>
         </p:spPr>
       </p:pic>
+      <p:sp>
+        <p:nvSpPr>
+          <p:cNvPr id="13" name="CaixaDeTexto 12">
+            <a:extLst>
+              <a:ext uri="{FF2B5EF4-FFF2-40B4-BE49-F238E27FC236}">
+                <a16:creationId xmlns:a16="http://schemas.microsoft.com/office/drawing/2014/main" id="{7582186A-0E72-4556-B6E3-75E577AEAB3C}"/>
+              </a:ext>
+            </a:extLst>
+          </p:cNvPr>
+          <p:cNvSpPr txBox="1"/>
+          <p:nvPr/>
+        </p:nvSpPr>
+        <p:spPr>
+          <a:xfrm>
+            <a:off x="1189358" y="2012309"/>
+            <a:ext cx="5468893" cy="1754326"/>
+          </a:xfrm>
+          <a:prstGeom prst="rect">
+            <a:avLst/>
+          </a:prstGeom>
+          <a:noFill/>
+        </p:spPr>
+        <p:txBody>
+          <a:bodyPr wrap="square" rtlCol="0">
+            <a:spAutoFit/>
+          </a:bodyPr>
+          <a:lstStyle/>
+          <a:p>
+            <a:pPr marL="285750" indent="-285750">
+              <a:buClr>
+                <a:srgbClr val="8C2D19"/>
+              </a:buClr>
+              <a:buFont typeface="Arial" panose="020B0604020202020204" pitchFamily="34" charset="0"/>
+              <a:buChar char="•"/>
+            </a:pPr>
+            <a:r>
+              <a:rPr lang="pt-PT" dirty="0"/>
+              <a:t>Pesquisa da BST é feita através de </a:t>
+            </a:r>
+            <a:r>
+              <a:rPr lang="pt-PT" dirty="0" err="1"/>
+              <a:t>iteradores</a:t>
+            </a:r>
+            <a:r>
+              <a:rPr lang="pt-PT" dirty="0"/>
+              <a:t> em ordem, desta forma os elementos obtidos ficam devidamente organizados.</a:t>
+            </a:r>
+          </a:p>
+          <a:p>
+            <a:pPr marL="285750" indent="-285750">
+              <a:buClr>
+                <a:srgbClr val="8C2D19"/>
+              </a:buClr>
+              <a:buFont typeface="Arial" panose="020B0604020202020204" pitchFamily="34" charset="0"/>
+              <a:buChar char="•"/>
+            </a:pPr>
+            <a:r>
+              <a:rPr lang="pt-PT" dirty="0">
+                <a:solidFill>
+                  <a:srgbClr val="FF0000"/>
+                </a:solidFill>
+              </a:rPr>
+              <a:t>Permite obter apontador para um dado elemento sabendo apenas o seu identificador (stream ID ou nickname). Ex: </a:t>
+            </a:r>
+            <a:r>
+              <a:rPr lang="pt-PT" dirty="0" err="1">
+                <a:solidFill>
+                  <a:srgbClr val="FF0000"/>
+                </a:solidFill>
+              </a:rPr>
+              <a:t>SearchManager</a:t>
+            </a:r>
+            <a:r>
+              <a:rPr lang="pt-PT" dirty="0">
+                <a:solidFill>
+                  <a:srgbClr val="FF0000"/>
+                </a:solidFill>
+              </a:rPr>
+              <a:t>::</a:t>
+            </a:r>
+            <a:r>
+              <a:rPr lang="pt-PT" dirty="0" err="1">
+                <a:solidFill>
+                  <a:srgbClr val="FF0000"/>
+                </a:solidFill>
+              </a:rPr>
+              <a:t>getUser</a:t>
+            </a:r>
+            <a:r>
+              <a:rPr lang="pt-PT" dirty="0">
+                <a:solidFill>
+                  <a:srgbClr val="FF0000"/>
+                </a:solidFill>
+              </a:rPr>
+              <a:t>()</a:t>
+            </a:r>
+            <a:endParaRPr lang="en-GB" dirty="0">
+              <a:solidFill>
+                <a:srgbClr val="FF0000"/>
+              </a:solidFill>
+            </a:endParaRPr>
+          </a:p>
+        </p:txBody>
+      </p:sp>
+      <p:sp>
+        <p:nvSpPr>
+          <p:cNvPr id="15" name="CaixaDeTexto 14">
+            <a:extLst>
+              <a:ext uri="{FF2B5EF4-FFF2-40B4-BE49-F238E27FC236}">
+                <a16:creationId xmlns:a16="http://schemas.microsoft.com/office/drawing/2014/main" id="{A81839B1-9541-4C3D-90BF-31A386C176B7}"/>
+              </a:ext>
+            </a:extLst>
+          </p:cNvPr>
+          <p:cNvSpPr txBox="1"/>
+          <p:nvPr/>
+        </p:nvSpPr>
+        <p:spPr>
+          <a:xfrm>
+            <a:off x="10028464" y="2862896"/>
+            <a:ext cx="1127216" cy="338554"/>
+          </a:xfrm>
+          <a:prstGeom prst="rect">
+            <a:avLst/>
+          </a:prstGeom>
+          <a:noFill/>
+        </p:spPr>
+        <p:txBody>
+          <a:bodyPr wrap="square" rtlCol="0">
+            <a:spAutoFit/>
+          </a:bodyPr>
+          <a:lstStyle/>
+          <a:p>
+            <a:r>
+              <a:rPr lang="pt-PT" sz="1600" dirty="0" err="1"/>
+              <a:t>DataBase.h</a:t>
+            </a:r>
+            <a:endParaRPr lang="en-GB" sz="1600" dirty="0"/>
+          </a:p>
+        </p:txBody>
+      </p:sp>
+      <p:sp>
+        <p:nvSpPr>
+          <p:cNvPr id="17" name="CaixaDeTexto 16">
+            <a:extLst>
+              <a:ext uri="{FF2B5EF4-FFF2-40B4-BE49-F238E27FC236}">
+                <a16:creationId xmlns:a16="http://schemas.microsoft.com/office/drawing/2014/main" id="{81CB8B24-77F1-4D2B-AD3D-68F6F9D049FA}"/>
+              </a:ext>
+            </a:extLst>
+          </p:cNvPr>
+          <p:cNvSpPr txBox="1"/>
+          <p:nvPr/>
+        </p:nvSpPr>
+        <p:spPr>
+          <a:xfrm>
+            <a:off x="9323511" y="5807790"/>
+            <a:ext cx="1832169" cy="338554"/>
+          </a:xfrm>
+          <a:prstGeom prst="rect">
+            <a:avLst/>
+          </a:prstGeom>
+          <a:noFill/>
+        </p:spPr>
+        <p:txBody>
+          <a:bodyPr wrap="square" rtlCol="0">
+            <a:spAutoFit/>
+          </a:bodyPr>
+          <a:lstStyle/>
+          <a:p>
+            <a:r>
+              <a:rPr lang="pt-PT" sz="1600" dirty="0">
+                <a:solidFill>
+                  <a:srgbClr val="FF0000"/>
+                </a:solidFill>
+              </a:rPr>
+              <a:t>SearchManager.cpp</a:t>
+            </a:r>
+            <a:endParaRPr lang="en-GB" sz="1600" dirty="0">
+              <a:solidFill>
+                <a:srgbClr val="FF0000"/>
+              </a:solidFill>
+            </a:endParaRPr>
+          </a:p>
+        </p:txBody>
+      </p:sp>
       <p:pic>
         <p:nvPicPr>
-          <p:cNvPr id="11" name="Imagem 10">
-            <a:extLst>
-              <a:ext uri="{FF2B5EF4-FFF2-40B4-BE49-F238E27FC236}">
-                <a16:creationId xmlns:a16="http://schemas.microsoft.com/office/drawing/2014/main" id="{EE4E0661-B16E-41D0-861B-0B9184268C93}"/>
+          <p:cNvPr id="19" name="Imagem 18">
+            <a:extLst>
+              <a:ext uri="{FF2B5EF4-FFF2-40B4-BE49-F238E27FC236}">
+                <a16:creationId xmlns:a16="http://schemas.microsoft.com/office/drawing/2014/main" id="{1631380D-B88A-4215-BE0E-22F695C32C8B}"/>
               </a:ext>
             </a:extLst>
           </p:cNvPr>
@@ -17701,8 +17092,8 @@
         </p:blipFill>
         <p:spPr>
           <a:xfrm>
-            <a:off x="7192937" y="2110436"/>
-            <a:ext cx="3962743" cy="807790"/>
+            <a:off x="1189359" y="3745710"/>
+            <a:ext cx="3009530" cy="1976285"/>
           </a:xfrm>
           <a:prstGeom prst="rect">
             <a:avLst/>
@@ -17711,10 +17102,10 @@
       </p:pic>
       <p:sp>
         <p:nvSpPr>
-          <p:cNvPr id="13" name="CaixaDeTexto 12">
-            <a:extLst>
-              <a:ext uri="{FF2B5EF4-FFF2-40B4-BE49-F238E27FC236}">
-                <a16:creationId xmlns:a16="http://schemas.microsoft.com/office/drawing/2014/main" id="{7582186A-0E72-4556-B6E3-75E577AEAB3C}"/>
+          <p:cNvPr id="21" name="CaixaDeTexto 20">
+            <a:extLst>
+              <a:ext uri="{FF2B5EF4-FFF2-40B4-BE49-F238E27FC236}">
+                <a16:creationId xmlns:a16="http://schemas.microsoft.com/office/drawing/2014/main" id="{5F124F6A-0A21-4FD6-B5AE-F0E92890F0F9}"/>
               </a:ext>
             </a:extLst>
           </p:cNvPr>
@@ -17723,8 +17114,8 @@
         </p:nvSpPr>
         <p:spPr>
           <a:xfrm>
-            <a:off x="1189358" y="2012309"/>
-            <a:ext cx="5468893" cy="1477328"/>
+            <a:off x="3163651" y="5669947"/>
+            <a:ext cx="1035238" cy="338554"/>
           </a:xfrm>
           <a:prstGeom prst="rect">
             <a:avLst/>
@@ -17737,208 +17128,19 @@
           </a:bodyPr>
           <a:lstStyle/>
           <a:p>
-            <a:pPr marL="285750" indent="-285750">
-              <a:buClr>
-                <a:srgbClr val="8C2D19"/>
-              </a:buClr>
-              <a:buFont typeface="Arial" panose="020B0604020202020204" pitchFamily="34" charset="0"/>
-              <a:buChar char="•"/>
-            </a:pPr>
-            <a:r>
-              <a:rPr lang="pt-PT" dirty="0"/>
-              <a:t>Todos os dados são guardados em </a:t>
-            </a:r>
-            <a:r>
-              <a:rPr lang="pt-PT" dirty="0" err="1"/>
-              <a:t>unordered</a:t>
-            </a:r>
-            <a:r>
-              <a:rPr lang="pt-PT" dirty="0"/>
-              <a:t> </a:t>
-            </a:r>
-            <a:r>
-              <a:rPr lang="pt-PT" dirty="0" err="1"/>
-              <a:t>maps</a:t>
-            </a:r>
-            <a:endParaRPr lang="pt-PT" dirty="0"/>
-          </a:p>
-          <a:p>
-            <a:pPr marL="285750" indent="-285750">
-              <a:buClr>
-                <a:srgbClr val="8C2D19"/>
-              </a:buClr>
-              <a:buFont typeface="Arial" panose="020B0604020202020204" pitchFamily="34" charset="0"/>
-              <a:buChar char="•"/>
-            </a:pPr>
-            <a:endParaRPr lang="pt-PT" dirty="0"/>
-          </a:p>
-          <a:p>
-            <a:pPr marL="285750" indent="-285750">
-              <a:buClr>
-                <a:srgbClr val="8C2D19"/>
-              </a:buClr>
-              <a:buFont typeface="Arial" panose="020B0604020202020204" pitchFamily="34" charset="0"/>
-              <a:buChar char="•"/>
-            </a:pPr>
-            <a:r>
-              <a:rPr lang="pt-PT" dirty="0"/>
-              <a:t>Permite obter apontador para um dado elemento sabendo apenas o seu identificador (stream ID ou nickname). Ex: </a:t>
-            </a:r>
-            <a:r>
-              <a:rPr lang="pt-PT" dirty="0" err="1"/>
-              <a:t>SearchManager</a:t>
-            </a:r>
-            <a:r>
-              <a:rPr lang="pt-PT" dirty="0"/>
-              <a:t>::</a:t>
-            </a:r>
-            <a:r>
-              <a:rPr lang="pt-PT" dirty="0" err="1"/>
-              <a:t>getUser</a:t>
-            </a:r>
-            <a:r>
-              <a:rPr lang="pt-PT" dirty="0"/>
-              <a:t>()</a:t>
-            </a:r>
-            <a:endParaRPr lang="en-GB" dirty="0"/>
-          </a:p>
-        </p:txBody>
-      </p:sp>
-      <p:sp>
-        <p:nvSpPr>
-          <p:cNvPr id="15" name="CaixaDeTexto 14">
-            <a:extLst>
-              <a:ext uri="{FF2B5EF4-FFF2-40B4-BE49-F238E27FC236}">
-                <a16:creationId xmlns:a16="http://schemas.microsoft.com/office/drawing/2014/main" id="{A81839B1-9541-4C3D-90BF-31A386C176B7}"/>
-              </a:ext>
-            </a:extLst>
-          </p:cNvPr>
-          <p:cNvSpPr txBox="1"/>
-          <p:nvPr/>
-        </p:nvSpPr>
-        <p:spPr>
-          <a:xfrm>
-            <a:off x="10028464" y="2862896"/>
-            <a:ext cx="1127216" cy="338554"/>
-          </a:xfrm>
-          <a:prstGeom prst="rect">
-            <a:avLst/>
-          </a:prstGeom>
-          <a:noFill/>
-        </p:spPr>
-        <p:txBody>
-          <a:bodyPr wrap="square" rtlCol="0">
-            <a:spAutoFit/>
-          </a:bodyPr>
-          <a:lstStyle/>
-          <a:p>
-            <a:r>
-              <a:rPr lang="pt-PT" sz="1600" dirty="0" err="1"/>
-              <a:t>DataBase.h</a:t>
-            </a:r>
-            <a:endParaRPr lang="en-GB" sz="1600" dirty="0"/>
-          </a:p>
-        </p:txBody>
-      </p:sp>
-      <p:sp>
-        <p:nvSpPr>
-          <p:cNvPr id="17" name="CaixaDeTexto 16">
-            <a:extLst>
-              <a:ext uri="{FF2B5EF4-FFF2-40B4-BE49-F238E27FC236}">
-                <a16:creationId xmlns:a16="http://schemas.microsoft.com/office/drawing/2014/main" id="{81CB8B24-77F1-4D2B-AD3D-68F6F9D049FA}"/>
-              </a:ext>
-            </a:extLst>
-          </p:cNvPr>
-          <p:cNvSpPr txBox="1"/>
-          <p:nvPr/>
-        </p:nvSpPr>
-        <p:spPr>
-          <a:xfrm>
-            <a:off x="9323511" y="5665747"/>
-            <a:ext cx="1832169" cy="338554"/>
-          </a:xfrm>
-          <a:prstGeom prst="rect">
-            <a:avLst/>
-          </a:prstGeom>
-          <a:noFill/>
-        </p:spPr>
-        <p:txBody>
-          <a:bodyPr wrap="square" rtlCol="0">
-            <a:spAutoFit/>
-          </a:bodyPr>
-          <a:lstStyle/>
-          <a:p>
-            <a:r>
-              <a:rPr lang="pt-PT" sz="1600" dirty="0"/>
-              <a:t>SearchManager.cpp</a:t>
-            </a:r>
-            <a:endParaRPr lang="en-GB" sz="1600" dirty="0"/>
-          </a:p>
-        </p:txBody>
-      </p:sp>
-      <p:pic>
-        <p:nvPicPr>
-          <p:cNvPr id="19" name="Imagem 18">
-            <a:extLst>
-              <a:ext uri="{FF2B5EF4-FFF2-40B4-BE49-F238E27FC236}">
-                <a16:creationId xmlns:a16="http://schemas.microsoft.com/office/drawing/2014/main" id="{1631380D-B88A-4215-BE0E-22F695C32C8B}"/>
-              </a:ext>
-            </a:extLst>
-          </p:cNvPr>
-          <p:cNvPicPr>
-            <a:picLocks noChangeAspect="1"/>
-          </p:cNvPicPr>
-          <p:nvPr/>
-        </p:nvPicPr>
-        <p:blipFill>
-          <a:blip r:embed="rId4"/>
-          <a:stretch>
-            <a:fillRect/>
-          </a:stretch>
-        </p:blipFill>
-        <p:spPr>
-          <a:xfrm>
-            <a:off x="1189359" y="3603666"/>
-            <a:ext cx="3009530" cy="1976285"/>
-          </a:xfrm>
-          <a:prstGeom prst="rect">
-            <a:avLst/>
-          </a:prstGeom>
-        </p:spPr>
-      </p:pic>
-      <p:sp>
-        <p:nvSpPr>
-          <p:cNvPr id="21" name="CaixaDeTexto 20">
-            <a:extLst>
-              <a:ext uri="{FF2B5EF4-FFF2-40B4-BE49-F238E27FC236}">
-                <a16:creationId xmlns:a16="http://schemas.microsoft.com/office/drawing/2014/main" id="{5F124F6A-0A21-4FD6-B5AE-F0E92890F0F9}"/>
-              </a:ext>
-            </a:extLst>
-          </p:cNvPr>
-          <p:cNvSpPr txBox="1"/>
-          <p:nvPr/>
-        </p:nvSpPr>
-        <p:spPr>
-          <a:xfrm>
-            <a:off x="3163651" y="5527903"/>
-            <a:ext cx="1035238" cy="338554"/>
-          </a:xfrm>
-          <a:prstGeom prst="rect">
-            <a:avLst/>
-          </a:prstGeom>
-          <a:noFill/>
-        </p:spPr>
-        <p:txBody>
-          <a:bodyPr wrap="square" rtlCol="0">
-            <a:spAutoFit/>
-          </a:bodyPr>
-          <a:lstStyle/>
-          <a:p>
-            <a:r>
-              <a:rPr lang="pt-PT" sz="1600" dirty="0" err="1"/>
+            <a:r>
+              <a:rPr lang="pt-PT" sz="1600" dirty="0" err="1">
+                <a:solidFill>
+                  <a:srgbClr val="FF0000"/>
+                </a:solidFill>
+              </a:rPr>
               <a:t>StreamZ.h</a:t>
             </a:r>
-            <a:endParaRPr lang="en-GB" sz="1600" dirty="0"/>
+            <a:endParaRPr lang="en-GB" sz="1600" dirty="0">
+              <a:solidFill>
+                <a:srgbClr val="FF0000"/>
+              </a:solidFill>
+            </a:endParaRPr>
           </a:p>
         </p:txBody>
       </p:sp>
@@ -18014,7 +17216,7 @@
           <p:nvPr/>
         </p:nvPicPr>
         <p:blipFill rotWithShape="1">
-          <a:blip r:embed="rId5">
+          <a:blip r:embed="rId4">
             <a:extLst>
               <a:ext uri="{28A0092B-C50C-407E-A947-70E740481C1C}">
                 <a14:useLocalDpi xmlns:a14="http://schemas.microsoft.com/office/drawing/2010/main" val="0"/>
@@ -18028,6 +17230,36 @@
           <a:xfrm>
             <a:off x="1097280" y="6500189"/>
             <a:ext cx="1406360" cy="312685"/>
+          </a:xfrm>
+          <a:prstGeom prst="rect">
+            <a:avLst/>
+          </a:prstGeom>
+        </p:spPr>
+      </p:pic>
+      <p:pic>
+        <p:nvPicPr>
+          <p:cNvPr id="10" name="Imagem 9">
+            <a:extLst>
+              <a:ext uri="{FF2B5EF4-FFF2-40B4-BE49-F238E27FC236}">
+                <a16:creationId xmlns:a16="http://schemas.microsoft.com/office/drawing/2014/main" id="{01983A3F-4BB4-4B05-B2F2-8B9FB3D3EE53}"/>
+              </a:ext>
+            </a:extLst>
+          </p:cNvPr>
+          <p:cNvPicPr>
+            <a:picLocks noChangeAspect="1"/>
+          </p:cNvPicPr>
+          <p:nvPr/>
+        </p:nvPicPr>
+        <p:blipFill>
+          <a:blip r:embed="rId5"/>
+          <a:stretch>
+            <a:fillRect/>
+          </a:stretch>
+        </p:blipFill>
+        <p:spPr>
+          <a:xfrm>
+            <a:off x="6717741" y="1925499"/>
+            <a:ext cx="4370470" cy="979481"/>
           </a:xfrm>
           <a:prstGeom prst="rect">
             <a:avLst/>

--- a/StreamZ__P2.pptx
+++ b/StreamZ__P2.pptx
@@ -372,7 +372,7 @@
           <a:p>
             <a:fld id="{B3BE95CB-A87E-409C-9CB9-073D81AF8FD7}" type="slidenum">
               <a:rPr lang="en-GB" smtClean="0"/>
-              <a:t>‹nº›</a:t>
+              <a:t>‹#›</a:t>
             </a:fld>
             <a:endParaRPr lang="en-GB"/>
           </a:p>
@@ -754,7 +754,7 @@
           <a:p>
             <a:fld id="{75DB3F52-068C-4339-9FA6-06F9AAEB3337}" type="slidenum">
               <a:rPr lang="en-GB" smtClean="0"/>
-              <a:t>‹nº›</a:t>
+              <a:t>‹#›</a:t>
             </a:fld>
             <a:endParaRPr lang="en-GB"/>
           </a:p>
@@ -965,7 +965,7 @@
           <a:p>
             <a:fld id="{75DB3F52-068C-4339-9FA6-06F9AAEB3337}" type="slidenum">
               <a:rPr lang="en-GB" smtClean="0"/>
-              <a:t>‹nº›</a:t>
+              <a:t>‹#›</a:t>
             </a:fld>
             <a:endParaRPr lang="en-GB"/>
           </a:p>
@@ -1226,7 +1226,7 @@
           <a:p>
             <a:fld id="{75DB3F52-068C-4339-9FA6-06F9AAEB3337}" type="slidenum">
               <a:rPr lang="en-GB" smtClean="0"/>
-              <a:t>‹nº›</a:t>
+              <a:t>‹#›</a:t>
             </a:fld>
             <a:endParaRPr lang="en-GB"/>
           </a:p>
@@ -1399,7 +1399,7 @@
           <a:p>
             <a:fld id="{75DB3F52-068C-4339-9FA6-06F9AAEB3337}" type="slidenum">
               <a:rPr lang="en-GB" smtClean="0"/>
-              <a:t>‹nº›</a:t>
+              <a:t>‹#›</a:t>
             </a:fld>
             <a:endParaRPr lang="en-GB"/>
           </a:p>
@@ -1739,7 +1739,7 @@
           <a:p>
             <a:fld id="{75DB3F52-068C-4339-9FA6-06F9AAEB3337}" type="slidenum">
               <a:rPr lang="en-GB" smtClean="0"/>
-              <a:t>‹nº›</a:t>
+              <a:t>‹#›</a:t>
             </a:fld>
             <a:endParaRPr lang="en-GB"/>
           </a:p>
@@ -2017,7 +2017,7 @@
           <a:p>
             <a:fld id="{75DB3F52-068C-4339-9FA6-06F9AAEB3337}" type="slidenum">
               <a:rPr lang="en-GB" smtClean="0"/>
-              <a:t>‹nº›</a:t>
+              <a:t>‹#›</a:t>
             </a:fld>
             <a:endParaRPr lang="en-GB"/>
           </a:p>
@@ -2403,7 +2403,7 @@
           <a:p>
             <a:fld id="{75DB3F52-068C-4339-9FA6-06F9AAEB3337}" type="slidenum">
               <a:rPr lang="en-GB" smtClean="0"/>
-              <a:t>‹nº›</a:t>
+              <a:t>‹#›</a:t>
             </a:fld>
             <a:endParaRPr lang="en-GB"/>
           </a:p>
@@ -2524,7 +2524,7 @@
           <a:p>
             <a:fld id="{75DB3F52-068C-4339-9FA6-06F9AAEB3337}" type="slidenum">
               <a:rPr lang="en-GB" smtClean="0"/>
-              <a:t>‹nº›</a:t>
+              <a:t>‹#›</a:t>
             </a:fld>
             <a:endParaRPr lang="en-GB"/>
           </a:p>
@@ -2708,7 +2708,7 @@
           <a:p>
             <a:fld id="{75DB3F52-068C-4339-9FA6-06F9AAEB3337}" type="slidenum">
               <a:rPr lang="en-GB" smtClean="0"/>
-              <a:t>‹nº›</a:t>
+              <a:t>‹#›</a:t>
             </a:fld>
             <a:endParaRPr lang="en-GB"/>
           </a:p>
@@ -3080,7 +3080,7 @@
           <a:p>
             <a:fld id="{75DB3F52-068C-4339-9FA6-06F9AAEB3337}" type="slidenum">
               <a:rPr lang="en-GB" smtClean="0"/>
-              <a:t>‹nº›</a:t>
+              <a:t>‹#›</a:t>
             </a:fld>
             <a:endParaRPr lang="en-GB"/>
           </a:p>
@@ -3426,7 +3426,7 @@
           <a:p>
             <a:fld id="{75DB3F52-068C-4339-9FA6-06F9AAEB3337}" type="slidenum">
               <a:rPr lang="en-GB" smtClean="0"/>
-              <a:t>‹nº›</a:t>
+              <a:t>‹#›</a:t>
             </a:fld>
             <a:endParaRPr lang="en-GB"/>
           </a:p>
@@ -3756,7 +3756,7 @@
           <a:p>
             <a:fld id="{75DB3F52-068C-4339-9FA6-06F9AAEB3337}" type="slidenum">
               <a:rPr lang="en-GB" smtClean="0"/>
-              <a:t>‹nº›</a:t>
+              <a:t>‹#›</a:t>
             </a:fld>
             <a:endParaRPr lang="en-GB"/>
           </a:p>
@@ -4308,11 +4308,31 @@
           <a:p>
             <a:pPr algn="r"/>
             <a:r>
+              <a:rPr lang="en-US" sz="6600" dirty="0" err="1">
+                <a:latin typeface="Bahnschrift SemiLight" panose="020B0502040204020203" pitchFamily="34" charset="0"/>
+              </a:rPr>
+              <a:t>StreamZ</a:t>
+            </a:r>
+            <a:br>
               <a:rPr lang="en-US" sz="6600" dirty="0">
                 <a:latin typeface="Bahnschrift SemiLight" panose="020B0502040204020203" pitchFamily="34" charset="0"/>
               </a:rPr>
-              <a:t>StreamZ_P2</a:t>
-            </a:r>
+            </a:br>
+            <a:r>
+              <a:rPr lang="en-US" sz="4000" dirty="0" err="1">
+                <a:latin typeface="Bahnschrift SemiLight" panose="020B0502040204020203" pitchFamily="34" charset="0"/>
+              </a:rPr>
+              <a:t>Parte</a:t>
+            </a:r>
+            <a:r>
+              <a:rPr lang="en-US" sz="4000" dirty="0">
+                <a:latin typeface="Bahnschrift SemiLight" panose="020B0502040204020203" pitchFamily="34" charset="0"/>
+              </a:rPr>
+              <a:t> 2</a:t>
+            </a:r>
+            <a:endParaRPr lang="en-US" sz="6600" dirty="0">
+              <a:latin typeface="Bahnschrift SemiLight" panose="020B0502040204020203" pitchFamily="34" charset="0"/>
+            </a:endParaRPr>
           </a:p>
         </p:txBody>
       </p:sp>
@@ -5997,18 +6017,10 @@
           <a:lstStyle/>
           <a:p>
             <a:r>
-              <a:rPr lang="pt-PT" sz="1600" dirty="0">
-                <a:solidFill>
-                  <a:srgbClr val="FF0000"/>
-                </a:solidFill>
-              </a:rPr>
+              <a:rPr lang="pt-PT" sz="1600" dirty="0"/>
               <a:t>(excerto) SearchManager.cpp</a:t>
             </a:r>
-            <a:endParaRPr lang="en-GB" dirty="0">
-              <a:solidFill>
-                <a:srgbClr val="FF0000"/>
-              </a:solidFill>
-            </a:endParaRPr>
+            <a:endParaRPr lang="en-GB" dirty="0"/>
           </a:p>
         </p:txBody>
       </p:sp>
@@ -6076,7 +6088,7 @@
           </a:bodyPr>
           <a:lstStyle/>
           <a:p>
-            <a:pPr marL="285750" indent="-285750" algn="just">
+            <a:pPr marL="285750" indent="-285750">
               <a:buClr>
                 <a:srgbClr val="8C2D19"/>
               </a:buClr>
@@ -6093,7 +6105,7 @@
             </a:r>
             <a:r>
               <a:rPr lang="pt-PT" dirty="0"/>
-              <a:t> admite vários parâmetros, portanto é possível filtrar a informação</a:t>
+              <a:t> admite vários parâmetros, portanto é possível filtrar a informação.</a:t>
             </a:r>
           </a:p>
           <a:p>
@@ -6204,42 +6216,6 @@
           </a:prstGeom>
         </p:spPr>
       </p:pic>
-      <p:pic>
-        <p:nvPicPr>
-          <p:cNvPr id="10" name="Picture 9" descr="Text&#10;&#10;Description automatically generated">
-            <a:extLst>
-              <a:ext uri="{FF2B5EF4-FFF2-40B4-BE49-F238E27FC236}">
-                <a16:creationId xmlns:a16="http://schemas.microsoft.com/office/drawing/2014/main" id="{056DD240-8181-4ABF-B7DC-216833BC4DBF}"/>
-              </a:ext>
-            </a:extLst>
-          </p:cNvPr>
-          <p:cNvPicPr>
-            <a:picLocks noChangeAspect="1"/>
-          </p:cNvPicPr>
-          <p:nvPr/>
-        </p:nvPicPr>
-        <p:blipFill>
-          <a:blip r:embed="rId3">
-            <a:extLst>
-              <a:ext uri="{28A0092B-C50C-407E-A947-70E740481C1C}">
-                <a14:useLocalDpi xmlns:a14="http://schemas.microsoft.com/office/drawing/2010/main" val="0"/>
-              </a:ext>
-            </a:extLst>
-          </a:blip>
-          <a:stretch>
-            <a:fillRect/>
-          </a:stretch>
-        </p:blipFill>
-        <p:spPr>
-          <a:xfrm>
-            <a:off x="582990" y="3302500"/>
-            <a:ext cx="4899227" cy="2625689"/>
-          </a:xfrm>
-          <a:prstGeom prst="rect">
-            <a:avLst/>
-          </a:prstGeom>
-        </p:spPr>
-      </p:pic>
       <p:sp>
         <p:nvSpPr>
           <p:cNvPr id="5" name="CaixaDeTexto 4">
@@ -6255,7 +6231,7 @@
         <p:spPr>
           <a:xfrm>
             <a:off x="6217032" y="4349254"/>
-            <a:ext cx="4278405" cy="1754326"/>
+            <a:ext cx="4278405" cy="923330"/>
           </a:xfrm>
           <a:prstGeom prst="rect">
             <a:avLst/>
@@ -6276,37 +6252,23 @@
               <a:buChar char="•"/>
             </a:pPr>
             <a:r>
-              <a:rPr lang="pt-PT" dirty="0">
-                <a:solidFill>
-                  <a:srgbClr val="FF0000"/>
-                </a:solidFill>
-              </a:rPr>
+              <a:rPr lang="pt-PT" dirty="0"/>
               <a:t>Permite listagens com diferentes </a:t>
             </a:r>
             <a:r>
-              <a:rPr lang="pt-PT" dirty="0" err="1">
-                <a:solidFill>
-                  <a:srgbClr val="FF0000"/>
-                </a:solidFill>
-              </a:rPr>
+              <a:rPr lang="pt-PT" dirty="0" err="1"/>
               <a:t>parametros</a:t>
             </a:r>
             <a:r>
-              <a:rPr lang="pt-PT" dirty="0">
-                <a:solidFill>
-                  <a:srgbClr val="FF0000"/>
-                </a:solidFill>
-              </a:rPr>
+              <a:rPr lang="pt-PT" dirty="0"/>
               <a:t>.</a:t>
             </a:r>
           </a:p>
           <a:p>
-            <a:pPr marL="285750" indent="-285750">
+            <a:pPr>
               <a:buClr>
                 <a:srgbClr val="8C2D19"/>
               </a:buClr>
-              <a:buFont typeface="Arial" panose="020B0604020202020204" pitchFamily="34" charset="0"/>
-              <a:buChar char="•"/>
             </a:pPr>
             <a:endParaRPr lang="pt-PT" dirty="0">
               <a:solidFill>
@@ -6314,62 +6276,6 @@
               </a:solidFill>
             </a:endParaRPr>
           </a:p>
-          <a:p>
-            <a:pPr marL="285750" indent="-285750">
-              <a:buClr>
-                <a:srgbClr val="8C2D19"/>
-              </a:buClr>
-              <a:buFont typeface="Arial" panose="020B0604020202020204" pitchFamily="34" charset="0"/>
-              <a:buChar char="•"/>
-            </a:pPr>
-            <a:r>
-              <a:rPr lang="pt-PT" dirty="0">
-                <a:solidFill>
-                  <a:srgbClr val="FF0000"/>
-                </a:solidFill>
-              </a:rPr>
-              <a:t>Contagens com auxilio do algoritmo </a:t>
-            </a:r>
-            <a:r>
-              <a:rPr lang="pt-PT" dirty="0" err="1">
-                <a:solidFill>
-                  <a:srgbClr val="FF0000"/>
-                </a:solidFill>
-              </a:rPr>
-              <a:t>count</a:t>
-            </a:r>
-            <a:r>
-              <a:rPr lang="pt-PT" dirty="0">
-                <a:solidFill>
-                  <a:srgbClr val="FF0000"/>
-                </a:solidFill>
-              </a:rPr>
-              <a:t> da </a:t>
-            </a:r>
-            <a:r>
-              <a:rPr lang="pt-PT" dirty="0" err="1">
-                <a:solidFill>
-                  <a:srgbClr val="FF0000"/>
-                </a:solidFill>
-              </a:rPr>
-              <a:t>stl</a:t>
-            </a:r>
-            <a:r>
-              <a:rPr lang="pt-PT" dirty="0">
-                <a:solidFill>
-                  <a:srgbClr val="FF0000"/>
-                </a:solidFill>
-              </a:rPr>
-              <a:t>.</a:t>
-            </a:r>
-          </a:p>
-          <a:p>
-            <a:endParaRPr lang="en-GB" dirty="0">
-              <a:solidFill>
-                <a:srgbClr val="FF0000"/>
-              </a:solidFill>
-            </a:endParaRPr>
-          </a:p>
         </p:txBody>
       </p:sp>
       <p:pic>
@@ -6378,6 +6284,36 @@
             <a:extLst>
               <a:ext uri="{FF2B5EF4-FFF2-40B4-BE49-F238E27FC236}">
                 <a16:creationId xmlns:a16="http://schemas.microsoft.com/office/drawing/2014/main" id="{831552EC-9C6F-48A3-8063-F2AA980FC078}"/>
+              </a:ext>
+            </a:extLst>
+          </p:cNvPr>
+          <p:cNvPicPr>
+            <a:picLocks noChangeAspect="1"/>
+          </p:cNvPicPr>
+          <p:nvPr/>
+        </p:nvPicPr>
+        <p:blipFill>
+          <a:blip r:embed="rId3"/>
+          <a:stretch>
+            <a:fillRect/>
+          </a:stretch>
+        </p:blipFill>
+        <p:spPr>
+          <a:xfrm>
+            <a:off x="5077342" y="2003842"/>
+            <a:ext cx="6383729" cy="819806"/>
+          </a:xfrm>
+          <a:prstGeom prst="rect">
+            <a:avLst/>
+          </a:prstGeom>
+        </p:spPr>
+      </p:pic>
+      <p:pic>
+        <p:nvPicPr>
+          <p:cNvPr id="9" name="Picture 8">
+            <a:extLst>
+              <a:ext uri="{FF2B5EF4-FFF2-40B4-BE49-F238E27FC236}">
+                <a16:creationId xmlns:a16="http://schemas.microsoft.com/office/drawing/2014/main" id="{3CF502A1-BF52-4B4C-B129-75313872CB84}"/>
               </a:ext>
             </a:extLst>
           </p:cNvPr>
@@ -6394,8 +6330,8 @@
         </p:blipFill>
         <p:spPr>
           <a:xfrm>
-            <a:off x="5077342" y="2003842"/>
-            <a:ext cx="6383729" cy="819806"/>
+            <a:off x="1097279" y="3162843"/>
+            <a:ext cx="4730080" cy="2659000"/>
           </a:xfrm>
           <a:prstGeom prst="rect">
             <a:avLst/>
@@ -7874,23 +7810,7 @@
                   <a:schemeClr val="tx1"/>
                 </a:solidFill>
               </a:rPr>
-              <a:t>Gostaríamos de </a:t>
-            </a:r>
-            <a:r>
-              <a:rPr lang="pt-PT" dirty="0" err="1">
-                <a:solidFill>
-                  <a:schemeClr val="tx1"/>
-                </a:solidFill>
-              </a:rPr>
-              <a:t>resaltar</a:t>
-            </a:r>
-            <a:r>
-              <a:rPr lang="pt-PT" dirty="0">
-                <a:solidFill>
-                  <a:schemeClr val="tx1"/>
-                </a:solidFill>
-              </a:rPr>
-              <a:t> que esta parte 2 foi até fácil de implementar pois o trabalho realizado anteriormente estava bem estruturado.</a:t>
+              <a:t>Gostaríamos de realçar que a segunda parte to trabalho foi relativamente simples de implementar visto que o trabalho realizado anteriormente estava bastante bem estruturado.</a:t>
             </a:r>
           </a:p>
           <a:p>
@@ -16856,12 +16776,227 @@
           </a:fontRef>
         </p:style>
       </p:cxnSp>
+      <p:sp>
+        <p:nvSpPr>
+          <p:cNvPr id="13" name="CaixaDeTexto 12">
+            <a:extLst>
+              <a:ext uri="{FF2B5EF4-FFF2-40B4-BE49-F238E27FC236}">
+                <a16:creationId xmlns:a16="http://schemas.microsoft.com/office/drawing/2014/main" id="{7582186A-0E72-4556-B6E3-75E577AEAB3C}"/>
+              </a:ext>
+            </a:extLst>
+          </p:cNvPr>
+          <p:cNvSpPr txBox="1"/>
+          <p:nvPr/>
+        </p:nvSpPr>
+        <p:spPr>
+          <a:xfrm>
+            <a:off x="1189358" y="2012309"/>
+            <a:ext cx="5468893" cy="1754326"/>
+          </a:xfrm>
+          <a:prstGeom prst="rect">
+            <a:avLst/>
+          </a:prstGeom>
+          <a:noFill/>
+        </p:spPr>
+        <p:txBody>
+          <a:bodyPr wrap="square" rtlCol="0">
+            <a:spAutoFit/>
+          </a:bodyPr>
+          <a:lstStyle/>
+          <a:p>
+            <a:pPr marL="285750" indent="-285750">
+              <a:buClr>
+                <a:srgbClr val="8C2D19"/>
+              </a:buClr>
+              <a:buFont typeface="Arial" panose="020B0604020202020204" pitchFamily="34" charset="0"/>
+              <a:buChar char="•"/>
+            </a:pPr>
+            <a:r>
+              <a:rPr lang="pt-PT" dirty="0"/>
+              <a:t>Pesquisa da BST é feita através de </a:t>
+            </a:r>
+            <a:r>
+              <a:rPr lang="pt-PT" dirty="0" err="1"/>
+              <a:t>iteradores</a:t>
+            </a:r>
+            <a:r>
+              <a:rPr lang="pt-PT" dirty="0"/>
+              <a:t> em ordem, desta forma os elementos obtidos ficam devidamente organizados.</a:t>
+            </a:r>
+          </a:p>
+          <a:p>
+            <a:pPr marL="285750" indent="-285750">
+              <a:buClr>
+                <a:srgbClr val="8C2D19"/>
+              </a:buClr>
+              <a:buFont typeface="Arial" panose="020B0604020202020204" pitchFamily="34" charset="0"/>
+              <a:buChar char="•"/>
+            </a:pPr>
+            <a:r>
+              <a:rPr lang="en-GB" dirty="0"/>
+              <a:t>A </a:t>
+            </a:r>
+            <a:r>
+              <a:rPr lang="en-GB" dirty="0" err="1"/>
+              <a:t>informação</a:t>
+            </a:r>
+            <a:r>
+              <a:rPr lang="en-GB" dirty="0"/>
+              <a:t> </a:t>
+            </a:r>
+            <a:r>
+              <a:rPr lang="en-GB" dirty="0" err="1"/>
+              <a:t>relevante</a:t>
+            </a:r>
+            <a:r>
+              <a:rPr lang="en-GB" dirty="0"/>
+              <a:t> </a:t>
+            </a:r>
+            <a:r>
+              <a:rPr lang="en-GB" dirty="0" err="1"/>
+              <a:t>aos</a:t>
+            </a:r>
+            <a:r>
+              <a:rPr lang="en-GB" dirty="0"/>
+              <a:t> streamers </a:t>
+            </a:r>
+            <a:r>
+              <a:rPr lang="en-GB" dirty="0" err="1"/>
+              <a:t>foi</a:t>
+            </a:r>
+            <a:r>
+              <a:rPr lang="en-GB" dirty="0"/>
+              <a:t> </a:t>
+            </a:r>
+            <a:r>
+              <a:rPr lang="en-GB" dirty="0" err="1"/>
+              <a:t>movida</a:t>
+            </a:r>
+            <a:r>
+              <a:rPr lang="en-GB" dirty="0"/>
+              <a:t> para um </a:t>
+            </a:r>
+            <a:r>
+              <a:rPr lang="en-GB" dirty="0" err="1"/>
+              <a:t>unordered_set</a:t>
+            </a:r>
+            <a:r>
+              <a:rPr lang="en-GB" dirty="0"/>
+              <a:t>. </a:t>
+            </a:r>
+            <a:r>
+              <a:rPr lang="en-GB" dirty="0" err="1"/>
+              <a:t>Teve</a:t>
+            </a:r>
+            <a:r>
+              <a:rPr lang="en-GB" dirty="0"/>
+              <a:t> de se </a:t>
+            </a:r>
+            <a:r>
+              <a:rPr lang="en-GB" dirty="0" err="1"/>
+              <a:t>modificar</a:t>
+            </a:r>
+            <a:r>
+              <a:rPr lang="en-GB" dirty="0"/>
+              <a:t> a </a:t>
+            </a:r>
+            <a:r>
+              <a:rPr lang="en-GB" dirty="0" err="1"/>
+              <a:t>função</a:t>
+            </a:r>
+            <a:r>
+              <a:rPr lang="en-GB" dirty="0"/>
+              <a:t> </a:t>
+            </a:r>
+            <a:r>
+              <a:rPr lang="en-GB" dirty="0" err="1"/>
+              <a:t>getUser</a:t>
+            </a:r>
+            <a:r>
+              <a:rPr lang="en-GB" dirty="0"/>
+              <a:t>.</a:t>
+            </a:r>
+          </a:p>
+        </p:txBody>
+      </p:sp>
+      <p:sp>
+        <p:nvSpPr>
+          <p:cNvPr id="15" name="CaixaDeTexto 14">
+            <a:extLst>
+              <a:ext uri="{FF2B5EF4-FFF2-40B4-BE49-F238E27FC236}">
+                <a16:creationId xmlns:a16="http://schemas.microsoft.com/office/drawing/2014/main" id="{A81839B1-9541-4C3D-90BF-31A386C176B7}"/>
+              </a:ext>
+            </a:extLst>
+          </p:cNvPr>
+          <p:cNvSpPr txBox="1"/>
+          <p:nvPr/>
+        </p:nvSpPr>
+        <p:spPr>
+          <a:xfrm>
+            <a:off x="10028464" y="2862896"/>
+            <a:ext cx="1127216" cy="338554"/>
+          </a:xfrm>
+          <a:prstGeom prst="rect">
+            <a:avLst/>
+          </a:prstGeom>
+          <a:noFill/>
+        </p:spPr>
+        <p:txBody>
+          <a:bodyPr wrap="square" rtlCol="0">
+            <a:spAutoFit/>
+          </a:bodyPr>
+          <a:lstStyle/>
+          <a:p>
+            <a:r>
+              <a:rPr lang="pt-PT" sz="1600" dirty="0" err="1"/>
+              <a:t>DataBase.h</a:t>
+            </a:r>
+            <a:endParaRPr lang="en-GB" sz="1600" dirty="0"/>
+          </a:p>
+        </p:txBody>
+      </p:sp>
+      <p:sp>
+        <p:nvSpPr>
+          <p:cNvPr id="17" name="CaixaDeTexto 16">
+            <a:extLst>
+              <a:ext uri="{FF2B5EF4-FFF2-40B4-BE49-F238E27FC236}">
+                <a16:creationId xmlns:a16="http://schemas.microsoft.com/office/drawing/2014/main" id="{81CB8B24-77F1-4D2B-AD3D-68F6F9D049FA}"/>
+              </a:ext>
+            </a:extLst>
+          </p:cNvPr>
+          <p:cNvSpPr txBox="1"/>
+          <p:nvPr/>
+        </p:nvSpPr>
+        <p:spPr>
+          <a:xfrm>
+            <a:off x="9323511" y="5807790"/>
+            <a:ext cx="1832169" cy="338554"/>
+          </a:xfrm>
+          <a:prstGeom prst="rect">
+            <a:avLst/>
+          </a:prstGeom>
+          <a:noFill/>
+        </p:spPr>
+        <p:txBody>
+          <a:bodyPr wrap="square" rtlCol="0">
+            <a:spAutoFit/>
+          </a:bodyPr>
+          <a:lstStyle/>
+          <a:p>
+            <a:r>
+              <a:rPr lang="pt-PT" sz="1600" dirty="0"/>
+              <a:t>SearchManager.cpp</a:t>
+            </a:r>
+            <a:endParaRPr lang="en-GB" sz="1600" dirty="0"/>
+          </a:p>
+        </p:txBody>
+      </p:sp>
       <p:pic>
         <p:nvPicPr>
-          <p:cNvPr id="9" name="Imagem 8">
-            <a:extLst>
-              <a:ext uri="{FF2B5EF4-FFF2-40B4-BE49-F238E27FC236}">
-                <a16:creationId xmlns:a16="http://schemas.microsoft.com/office/drawing/2014/main" id="{2074C564-1A08-4866-B2B7-02307995EC4F}"/>
+          <p:cNvPr id="19" name="Imagem 18">
+            <a:extLst>
+              <a:ext uri="{FF2B5EF4-FFF2-40B4-BE49-F238E27FC236}">
+                <a16:creationId xmlns:a16="http://schemas.microsoft.com/office/drawing/2014/main" id="{1631380D-B88A-4215-BE0E-22F695C32C8B}"/>
               </a:ext>
             </a:extLst>
           </p:cNvPr>
@@ -16878,220 +17013,6 @@
         </p:blipFill>
         <p:spPr>
           <a:xfrm>
-            <a:off x="4739083" y="3745709"/>
-            <a:ext cx="6349127" cy="2118890"/>
-          </a:xfrm>
-          <a:prstGeom prst="rect">
-            <a:avLst/>
-          </a:prstGeom>
-        </p:spPr>
-      </p:pic>
-      <p:sp>
-        <p:nvSpPr>
-          <p:cNvPr id="13" name="CaixaDeTexto 12">
-            <a:extLst>
-              <a:ext uri="{FF2B5EF4-FFF2-40B4-BE49-F238E27FC236}">
-                <a16:creationId xmlns:a16="http://schemas.microsoft.com/office/drawing/2014/main" id="{7582186A-0E72-4556-B6E3-75E577AEAB3C}"/>
-              </a:ext>
-            </a:extLst>
-          </p:cNvPr>
-          <p:cNvSpPr txBox="1"/>
-          <p:nvPr/>
-        </p:nvSpPr>
-        <p:spPr>
-          <a:xfrm>
-            <a:off x="1189358" y="2012309"/>
-            <a:ext cx="5468893" cy="1754326"/>
-          </a:xfrm>
-          <a:prstGeom prst="rect">
-            <a:avLst/>
-          </a:prstGeom>
-          <a:noFill/>
-        </p:spPr>
-        <p:txBody>
-          <a:bodyPr wrap="square" rtlCol="0">
-            <a:spAutoFit/>
-          </a:bodyPr>
-          <a:lstStyle/>
-          <a:p>
-            <a:pPr marL="285750" indent="-285750">
-              <a:buClr>
-                <a:srgbClr val="8C2D19"/>
-              </a:buClr>
-              <a:buFont typeface="Arial" panose="020B0604020202020204" pitchFamily="34" charset="0"/>
-              <a:buChar char="•"/>
-            </a:pPr>
-            <a:r>
-              <a:rPr lang="pt-PT" dirty="0"/>
-              <a:t>Pesquisa da BST é feita através de </a:t>
-            </a:r>
-            <a:r>
-              <a:rPr lang="pt-PT" dirty="0" err="1"/>
-              <a:t>iteradores</a:t>
-            </a:r>
-            <a:r>
-              <a:rPr lang="pt-PT" dirty="0"/>
-              <a:t> em ordem, desta forma os elementos obtidos ficam devidamente organizados.</a:t>
-            </a:r>
-          </a:p>
-          <a:p>
-            <a:pPr marL="285750" indent="-285750">
-              <a:buClr>
-                <a:srgbClr val="8C2D19"/>
-              </a:buClr>
-              <a:buFont typeface="Arial" panose="020B0604020202020204" pitchFamily="34" charset="0"/>
-              <a:buChar char="•"/>
-            </a:pPr>
-            <a:r>
-              <a:rPr lang="pt-PT" dirty="0">
-                <a:solidFill>
-                  <a:srgbClr val="FF0000"/>
-                </a:solidFill>
-              </a:rPr>
-              <a:t>Permite obter apontador para um dado elemento sabendo apenas o seu identificador (stream ID ou nickname). Ex: </a:t>
-            </a:r>
-            <a:r>
-              <a:rPr lang="pt-PT" dirty="0" err="1">
-                <a:solidFill>
-                  <a:srgbClr val="FF0000"/>
-                </a:solidFill>
-              </a:rPr>
-              <a:t>SearchManager</a:t>
-            </a:r>
-            <a:r>
-              <a:rPr lang="pt-PT" dirty="0">
-                <a:solidFill>
-                  <a:srgbClr val="FF0000"/>
-                </a:solidFill>
-              </a:rPr>
-              <a:t>::</a:t>
-            </a:r>
-            <a:r>
-              <a:rPr lang="pt-PT" dirty="0" err="1">
-                <a:solidFill>
-                  <a:srgbClr val="FF0000"/>
-                </a:solidFill>
-              </a:rPr>
-              <a:t>getUser</a:t>
-            </a:r>
-            <a:r>
-              <a:rPr lang="pt-PT" dirty="0">
-                <a:solidFill>
-                  <a:srgbClr val="FF0000"/>
-                </a:solidFill>
-              </a:rPr>
-              <a:t>()</a:t>
-            </a:r>
-            <a:endParaRPr lang="en-GB" dirty="0">
-              <a:solidFill>
-                <a:srgbClr val="FF0000"/>
-              </a:solidFill>
-            </a:endParaRPr>
-          </a:p>
-        </p:txBody>
-      </p:sp>
-      <p:sp>
-        <p:nvSpPr>
-          <p:cNvPr id="15" name="CaixaDeTexto 14">
-            <a:extLst>
-              <a:ext uri="{FF2B5EF4-FFF2-40B4-BE49-F238E27FC236}">
-                <a16:creationId xmlns:a16="http://schemas.microsoft.com/office/drawing/2014/main" id="{A81839B1-9541-4C3D-90BF-31A386C176B7}"/>
-              </a:ext>
-            </a:extLst>
-          </p:cNvPr>
-          <p:cNvSpPr txBox="1"/>
-          <p:nvPr/>
-        </p:nvSpPr>
-        <p:spPr>
-          <a:xfrm>
-            <a:off x="10028464" y="2862896"/>
-            <a:ext cx="1127216" cy="338554"/>
-          </a:xfrm>
-          <a:prstGeom prst="rect">
-            <a:avLst/>
-          </a:prstGeom>
-          <a:noFill/>
-        </p:spPr>
-        <p:txBody>
-          <a:bodyPr wrap="square" rtlCol="0">
-            <a:spAutoFit/>
-          </a:bodyPr>
-          <a:lstStyle/>
-          <a:p>
-            <a:r>
-              <a:rPr lang="pt-PT" sz="1600" dirty="0" err="1"/>
-              <a:t>DataBase.h</a:t>
-            </a:r>
-            <a:endParaRPr lang="en-GB" sz="1600" dirty="0"/>
-          </a:p>
-        </p:txBody>
-      </p:sp>
-      <p:sp>
-        <p:nvSpPr>
-          <p:cNvPr id="17" name="CaixaDeTexto 16">
-            <a:extLst>
-              <a:ext uri="{FF2B5EF4-FFF2-40B4-BE49-F238E27FC236}">
-                <a16:creationId xmlns:a16="http://schemas.microsoft.com/office/drawing/2014/main" id="{81CB8B24-77F1-4D2B-AD3D-68F6F9D049FA}"/>
-              </a:ext>
-            </a:extLst>
-          </p:cNvPr>
-          <p:cNvSpPr txBox="1"/>
-          <p:nvPr/>
-        </p:nvSpPr>
-        <p:spPr>
-          <a:xfrm>
-            <a:off x="9323511" y="5807790"/>
-            <a:ext cx="1832169" cy="338554"/>
-          </a:xfrm>
-          <a:prstGeom prst="rect">
-            <a:avLst/>
-          </a:prstGeom>
-          <a:noFill/>
-        </p:spPr>
-        <p:txBody>
-          <a:bodyPr wrap="square" rtlCol="0">
-            <a:spAutoFit/>
-          </a:bodyPr>
-          <a:lstStyle/>
-          <a:p>
-            <a:r>
-              <a:rPr lang="pt-PT" sz="1600" dirty="0">
-                <a:solidFill>
-                  <a:srgbClr val="FF0000"/>
-                </a:solidFill>
-              </a:rPr>
-              <a:t>SearchManager.cpp</a:t>
-            </a:r>
-            <a:endParaRPr lang="en-GB" sz="1600" dirty="0">
-              <a:solidFill>
-                <a:srgbClr val="FF0000"/>
-              </a:solidFill>
-            </a:endParaRPr>
-          </a:p>
-        </p:txBody>
-      </p:sp>
-      <p:pic>
-        <p:nvPicPr>
-          <p:cNvPr id="19" name="Imagem 18">
-            <a:extLst>
-              <a:ext uri="{FF2B5EF4-FFF2-40B4-BE49-F238E27FC236}">
-                <a16:creationId xmlns:a16="http://schemas.microsoft.com/office/drawing/2014/main" id="{1631380D-B88A-4215-BE0E-22F695C32C8B}"/>
-              </a:ext>
-            </a:extLst>
-          </p:cNvPr>
-          <p:cNvPicPr>
-            <a:picLocks noChangeAspect="1"/>
-          </p:cNvPicPr>
-          <p:nvPr/>
-        </p:nvPicPr>
-        <p:blipFill>
-          <a:blip r:embed="rId3"/>
-          <a:stretch>
-            <a:fillRect/>
-          </a:stretch>
-        </p:blipFill>
-        <p:spPr>
-          <a:xfrm>
             <a:off x="1189359" y="3745710"/>
             <a:ext cx="3009530" cy="1976285"/>
           </a:xfrm>
@@ -17216,7 +17137,7 @@
           <p:nvPr/>
         </p:nvPicPr>
         <p:blipFill rotWithShape="1">
-          <a:blip r:embed="rId4">
+          <a:blip r:embed="rId3">
             <a:extLst>
               <a:ext uri="{28A0092B-C50C-407E-A947-70E740481C1C}">
                 <a14:useLocalDpi xmlns:a14="http://schemas.microsoft.com/office/drawing/2010/main" val="0"/>
@@ -17242,6 +17163,36 @@
             <a:extLst>
               <a:ext uri="{FF2B5EF4-FFF2-40B4-BE49-F238E27FC236}">
                 <a16:creationId xmlns:a16="http://schemas.microsoft.com/office/drawing/2014/main" id="{01983A3F-4BB4-4B05-B2F2-8B9FB3D3EE53}"/>
+              </a:ext>
+            </a:extLst>
+          </p:cNvPr>
+          <p:cNvPicPr>
+            <a:picLocks noChangeAspect="1"/>
+          </p:cNvPicPr>
+          <p:nvPr/>
+        </p:nvPicPr>
+        <p:blipFill>
+          <a:blip r:embed="rId4"/>
+          <a:stretch>
+            <a:fillRect/>
+          </a:stretch>
+        </p:blipFill>
+        <p:spPr>
+          <a:xfrm>
+            <a:off x="6717741" y="1925499"/>
+            <a:ext cx="4370470" cy="979481"/>
+          </a:xfrm>
+          <a:prstGeom prst="rect">
+            <a:avLst/>
+          </a:prstGeom>
+        </p:spPr>
+      </p:pic>
+      <p:pic>
+        <p:nvPicPr>
+          <p:cNvPr id="6" name="Picture 5">
+            <a:extLst>
+              <a:ext uri="{FF2B5EF4-FFF2-40B4-BE49-F238E27FC236}">
+                <a16:creationId xmlns:a16="http://schemas.microsoft.com/office/drawing/2014/main" id="{734732CE-8093-4C2C-9310-00531976E575}"/>
               </a:ext>
             </a:extLst>
           </p:cNvPr>
@@ -17258,8 +17209,8 @@
         </p:blipFill>
         <p:spPr>
           <a:xfrm>
-            <a:off x="6717741" y="1925499"/>
-            <a:ext cx="4370470" cy="979481"/>
+            <a:off x="5552891" y="3594945"/>
+            <a:ext cx="5535320" cy="2231140"/>
           </a:xfrm>
           <a:prstGeom prst="rect">
             <a:avLst/>

--- a/StreamZ__P2.pptx
+++ b/StreamZ__P2.pptx
@@ -5,7 +5,7 @@
     <p:sldMasterId id="2147483803" r:id="rId1"/>
   </p:sldMasterIdLst>
   <p:notesMasterIdLst>
-    <p:notesMasterId r:id="rId19"/>
+    <p:notesMasterId r:id="rId18"/>
   </p:notesMasterIdLst>
   <p:sldIdLst>
     <p:sldId id="256" r:id="rId2"/>
@@ -18,13 +18,12 @@
     <p:sldId id="261" r:id="rId9"/>
     <p:sldId id="269" r:id="rId10"/>
     <p:sldId id="266" r:id="rId11"/>
-    <p:sldId id="270" r:id="rId12"/>
-    <p:sldId id="271" r:id="rId13"/>
-    <p:sldId id="278" r:id="rId14"/>
-    <p:sldId id="279" r:id="rId15"/>
-    <p:sldId id="262" r:id="rId16"/>
-    <p:sldId id="280" r:id="rId17"/>
-    <p:sldId id="263" r:id="rId18"/>
+    <p:sldId id="271" r:id="rId12"/>
+    <p:sldId id="278" r:id="rId13"/>
+    <p:sldId id="279" r:id="rId14"/>
+    <p:sldId id="262" r:id="rId15"/>
+    <p:sldId id="280" r:id="rId16"/>
+    <p:sldId id="263" r:id="rId17"/>
   </p:sldIdLst>
   <p:sldSz cx="12192000" cy="6858000"/>
   <p:notesSz cx="6858000" cy="9144000"/>
@@ -4846,12 +4845,100 @@
           </a:fontRef>
         </p:style>
       </p:cxnSp>
+      <p:sp>
+        <p:nvSpPr>
+          <p:cNvPr id="23" name="CaixaDeTexto 22">
+            <a:extLst>
+              <a:ext uri="{FF2B5EF4-FFF2-40B4-BE49-F238E27FC236}">
+                <a16:creationId xmlns:a16="http://schemas.microsoft.com/office/drawing/2014/main" id="{3EDE5F5A-9157-40C4-9894-CDA1F597E236}"/>
+              </a:ext>
+            </a:extLst>
+          </p:cNvPr>
+          <p:cNvSpPr txBox="1"/>
+          <p:nvPr/>
+        </p:nvSpPr>
+        <p:spPr>
+          <a:xfrm>
+            <a:off x="9374819" y="5910467"/>
+            <a:ext cx="1659697" cy="338554"/>
+          </a:xfrm>
+          <a:prstGeom prst="rect">
+            <a:avLst/>
+          </a:prstGeom>
+          <a:noFill/>
+        </p:spPr>
+        <p:txBody>
+          <a:bodyPr wrap="square" rtlCol="0">
+            <a:spAutoFit/>
+          </a:bodyPr>
+          <a:lstStyle/>
+          <a:p>
+            <a:r>
+              <a:rPr lang="pt-PT" sz="1600" dirty="0">
+                <a:solidFill>
+                  <a:srgbClr val="FF0000"/>
+                </a:solidFill>
+              </a:rPr>
+              <a:t>UserManager.cpp</a:t>
+            </a:r>
+            <a:endParaRPr lang="en-GB" sz="1600" dirty="0">
+              <a:solidFill>
+                <a:srgbClr val="FF0000"/>
+              </a:solidFill>
+            </a:endParaRPr>
+          </a:p>
+        </p:txBody>
+      </p:sp>
+      <p:sp>
+        <p:nvSpPr>
+          <p:cNvPr id="29" name="CaixaDeTexto 28">
+            <a:extLst>
+              <a:ext uri="{FF2B5EF4-FFF2-40B4-BE49-F238E27FC236}">
+                <a16:creationId xmlns:a16="http://schemas.microsoft.com/office/drawing/2014/main" id="{DE3766CB-8AD1-425D-85B3-6F68364D4BD1}"/>
+              </a:ext>
+            </a:extLst>
+          </p:cNvPr>
+          <p:cNvSpPr txBox="1"/>
+          <p:nvPr/>
+        </p:nvSpPr>
+        <p:spPr>
+          <a:xfrm>
+            <a:off x="10331952" y="3615979"/>
+            <a:ext cx="959293" cy="338554"/>
+          </a:xfrm>
+          <a:prstGeom prst="rect">
+            <a:avLst/>
+          </a:prstGeom>
+          <a:noFill/>
+        </p:spPr>
+        <p:txBody>
+          <a:bodyPr wrap="square" rtlCol="0">
+            <a:spAutoFit/>
+          </a:bodyPr>
+          <a:lstStyle/>
+          <a:p>
+            <a:r>
+              <a:rPr lang="pt-PT" sz="1600" dirty="0" err="1">
+                <a:solidFill>
+                  <a:srgbClr val="FF0000"/>
+                </a:solidFill>
+              </a:rPr>
+              <a:t>Viewer.h</a:t>
+            </a:r>
+            <a:endParaRPr lang="en-GB" sz="1600" dirty="0">
+              <a:solidFill>
+                <a:srgbClr val="FF0000"/>
+              </a:solidFill>
+            </a:endParaRPr>
+          </a:p>
+        </p:txBody>
+      </p:sp>
       <p:pic>
         <p:nvPicPr>
-          <p:cNvPr id="10" name="Imagem 9">
-            <a:extLst>
-              <a:ext uri="{FF2B5EF4-FFF2-40B4-BE49-F238E27FC236}">
-                <a16:creationId xmlns:a16="http://schemas.microsoft.com/office/drawing/2014/main" id="{45605DAB-606D-46E6-BABC-35BF392AEB1B}"/>
+          <p:cNvPr id="36" name="Imagem 35">
+            <a:extLst>
+              <a:ext uri="{FF2B5EF4-FFF2-40B4-BE49-F238E27FC236}">
+                <a16:creationId xmlns:a16="http://schemas.microsoft.com/office/drawing/2014/main" id="{7F0F9A73-114E-4E6C-8A5F-BC76BF08F4BF}"/>
               </a:ext>
             </a:extLst>
           </p:cNvPr>
@@ -4868,108 +4955,20 @@
         </p:blipFill>
         <p:spPr>
           <a:xfrm>
-            <a:off x="1379139" y="4335428"/>
-            <a:ext cx="9655377" cy="1646063"/>
+            <a:off x="8290312" y="2639077"/>
+            <a:ext cx="2865368" cy="541067"/>
           </a:xfrm>
           <a:prstGeom prst="rect">
             <a:avLst/>
           </a:prstGeom>
         </p:spPr>
       </p:pic>
-      <p:sp>
-        <p:nvSpPr>
-          <p:cNvPr id="23" name="CaixaDeTexto 22">
-            <a:extLst>
-              <a:ext uri="{FF2B5EF4-FFF2-40B4-BE49-F238E27FC236}">
-                <a16:creationId xmlns:a16="http://schemas.microsoft.com/office/drawing/2014/main" id="{3EDE5F5A-9157-40C4-9894-CDA1F597E236}"/>
-              </a:ext>
-            </a:extLst>
-          </p:cNvPr>
-          <p:cNvSpPr txBox="1"/>
-          <p:nvPr/>
-        </p:nvSpPr>
-        <p:spPr>
-          <a:xfrm>
-            <a:off x="9374819" y="5910467"/>
-            <a:ext cx="1659697" cy="338554"/>
-          </a:xfrm>
-          <a:prstGeom prst="rect">
-            <a:avLst/>
-          </a:prstGeom>
-          <a:noFill/>
-        </p:spPr>
-        <p:txBody>
-          <a:bodyPr wrap="square" rtlCol="0">
-            <a:spAutoFit/>
-          </a:bodyPr>
-          <a:lstStyle/>
-          <a:p>
-            <a:r>
-              <a:rPr lang="pt-PT" sz="1600" dirty="0">
-                <a:solidFill>
-                  <a:srgbClr val="FF0000"/>
-                </a:solidFill>
-              </a:rPr>
-              <a:t>UserManager.cpp</a:t>
-            </a:r>
-            <a:endParaRPr lang="en-GB" sz="1600" dirty="0">
-              <a:solidFill>
-                <a:srgbClr val="FF0000"/>
-              </a:solidFill>
-            </a:endParaRPr>
-          </a:p>
-        </p:txBody>
-      </p:sp>
-      <p:sp>
-        <p:nvSpPr>
-          <p:cNvPr id="29" name="CaixaDeTexto 28">
-            <a:extLst>
-              <a:ext uri="{FF2B5EF4-FFF2-40B4-BE49-F238E27FC236}">
-                <a16:creationId xmlns:a16="http://schemas.microsoft.com/office/drawing/2014/main" id="{DE3766CB-8AD1-425D-85B3-6F68364D4BD1}"/>
-              </a:ext>
-            </a:extLst>
-          </p:cNvPr>
-          <p:cNvSpPr txBox="1"/>
-          <p:nvPr/>
-        </p:nvSpPr>
-        <p:spPr>
-          <a:xfrm>
-            <a:off x="10331952" y="3615979"/>
-            <a:ext cx="959293" cy="338554"/>
-          </a:xfrm>
-          <a:prstGeom prst="rect">
-            <a:avLst/>
-          </a:prstGeom>
-          <a:noFill/>
-        </p:spPr>
-        <p:txBody>
-          <a:bodyPr wrap="square" rtlCol="0">
-            <a:spAutoFit/>
-          </a:bodyPr>
-          <a:lstStyle/>
-          <a:p>
-            <a:r>
-              <a:rPr lang="pt-PT" sz="1600" dirty="0" err="1">
-                <a:solidFill>
-                  <a:srgbClr val="FF0000"/>
-                </a:solidFill>
-              </a:rPr>
-              <a:t>Viewer.h</a:t>
-            </a:r>
-            <a:endParaRPr lang="en-GB" sz="1600" dirty="0">
-              <a:solidFill>
-                <a:srgbClr val="FF0000"/>
-              </a:solidFill>
-            </a:endParaRPr>
-          </a:p>
-        </p:txBody>
-      </p:sp>
       <p:pic>
         <p:nvPicPr>
-          <p:cNvPr id="36" name="Imagem 35">
-            <a:extLst>
-              <a:ext uri="{FF2B5EF4-FFF2-40B4-BE49-F238E27FC236}">
-                <a16:creationId xmlns:a16="http://schemas.microsoft.com/office/drawing/2014/main" id="{7F0F9A73-114E-4E6C-8A5F-BC76BF08F4BF}"/>
+          <p:cNvPr id="38" name="Imagem 37">
+            <a:extLst>
+              <a:ext uri="{FF2B5EF4-FFF2-40B4-BE49-F238E27FC236}">
+                <a16:creationId xmlns:a16="http://schemas.microsoft.com/office/drawing/2014/main" id="{20BD432F-393B-4D03-85B2-E8E9F407DF10}"/>
               </a:ext>
             </a:extLst>
           </p:cNvPr>
@@ -4986,8 +4985,8 @@
         </p:blipFill>
         <p:spPr>
           <a:xfrm>
-            <a:off x="8290312" y="2639077"/>
-            <a:ext cx="2865368" cy="541067"/>
+            <a:off x="8899965" y="2173788"/>
+            <a:ext cx="2255715" cy="472481"/>
           </a:xfrm>
           <a:prstGeom prst="rect">
             <a:avLst/>
@@ -4996,10 +4995,10 @@
       </p:pic>
       <p:pic>
         <p:nvPicPr>
-          <p:cNvPr id="38" name="Imagem 37">
-            <a:extLst>
-              <a:ext uri="{FF2B5EF4-FFF2-40B4-BE49-F238E27FC236}">
-                <a16:creationId xmlns:a16="http://schemas.microsoft.com/office/drawing/2014/main" id="{20BD432F-393B-4D03-85B2-E8E9F407DF10}"/>
+          <p:cNvPr id="40" name="Imagem 39">
+            <a:extLst>
+              <a:ext uri="{FF2B5EF4-FFF2-40B4-BE49-F238E27FC236}">
+                <a16:creationId xmlns:a16="http://schemas.microsoft.com/office/drawing/2014/main" id="{9BC08A33-DC37-41F1-8AEA-3D9E6636145F}"/>
               </a:ext>
             </a:extLst>
           </p:cNvPr>
@@ -5016,36 +5015,6 @@
         </p:blipFill>
         <p:spPr>
           <a:xfrm>
-            <a:off x="8899965" y="2173788"/>
-            <a:ext cx="2255715" cy="472481"/>
-          </a:xfrm>
-          <a:prstGeom prst="rect">
-            <a:avLst/>
-          </a:prstGeom>
-        </p:spPr>
-      </p:pic>
-      <p:pic>
-        <p:nvPicPr>
-          <p:cNvPr id="40" name="Imagem 39">
-            <a:extLst>
-              <a:ext uri="{FF2B5EF4-FFF2-40B4-BE49-F238E27FC236}">
-                <a16:creationId xmlns:a16="http://schemas.microsoft.com/office/drawing/2014/main" id="{9BC08A33-DC37-41F1-8AEA-3D9E6636145F}"/>
-              </a:ext>
-            </a:extLst>
-          </p:cNvPr>
-          <p:cNvPicPr>
-            <a:picLocks noChangeAspect="1"/>
-          </p:cNvPicPr>
-          <p:nvPr/>
-        </p:nvPicPr>
-        <p:blipFill>
-          <a:blip r:embed="rId5"/>
-          <a:stretch>
-            <a:fillRect/>
-          </a:stretch>
-        </p:blipFill>
-        <p:spPr>
-          <a:xfrm>
             <a:off x="7375832" y="3156517"/>
             <a:ext cx="3779848" cy="510584"/>
           </a:xfrm>
@@ -5069,7 +5038,7 @@
         <p:spPr>
           <a:xfrm>
             <a:off x="1297720" y="1896645"/>
-            <a:ext cx="5689006" cy="2308324"/>
+            <a:ext cx="5689006" cy="1754326"/>
           </a:xfrm>
           <a:prstGeom prst="rect">
             <a:avLst/>
@@ -5097,7 +5066,10 @@
               <a:rPr lang="pt-PT" dirty="0" err="1"/>
               <a:t>BST.h</a:t>
             </a:r>
-            <a:endParaRPr lang="pt-PT" dirty="0"/>
+            <a:r>
+              <a:rPr lang="pt-PT" dirty="0"/>
+              <a:t>.</a:t>
+            </a:r>
           </a:p>
           <a:p>
             <a:pPr marL="285750" indent="-285750">
@@ -5108,135 +5080,17 @@
               <a:buChar char="•"/>
             </a:pPr>
             <a:r>
-              <a:rPr lang="pt-PT" dirty="0">
-                <a:solidFill>
-                  <a:srgbClr val="FF0000"/>
-                </a:solidFill>
-              </a:rPr>
-              <a:t>Argumentos das funções são os identificadores únicos.</a:t>
-            </a:r>
-          </a:p>
-          <a:p>
-            <a:pPr marL="285750" indent="-285750">
-              <a:buClr>
-                <a:srgbClr val="8C2D19"/>
-              </a:buClr>
-              <a:buFont typeface="Arial" panose="020B0604020202020204" pitchFamily="34" charset="0"/>
-              <a:buChar char="•"/>
-            </a:pPr>
-            <a:r>
-              <a:rPr lang="pt-PT" dirty="0">
-                <a:solidFill>
-                  <a:srgbClr val="FF0000"/>
-                </a:solidFill>
-              </a:rPr>
-              <a:t>Remoção e criação feitas na classe UserManager e </a:t>
-            </a:r>
-            <a:r>
-              <a:rPr lang="pt-PT" u="sng" dirty="0">
-                <a:solidFill>
-                  <a:srgbClr val="FF0000"/>
-                </a:solidFill>
-              </a:rPr>
-              <a:t>StreamManager</a:t>
-            </a:r>
-            <a:r>
-              <a:rPr lang="pt-PT" dirty="0">
-                <a:solidFill>
-                  <a:srgbClr val="FF0000"/>
-                </a:solidFill>
-              </a:rPr>
-              <a:t>. Ex: </a:t>
-            </a:r>
-            <a:r>
-              <a:rPr lang="pt-PT" dirty="0" err="1">
-                <a:solidFill>
-                  <a:srgbClr val="FF0000"/>
-                </a:solidFill>
-              </a:rPr>
-              <a:t>UserManager</a:t>
-            </a:r>
-            <a:r>
-              <a:rPr lang="pt-PT" dirty="0">
-                <a:solidFill>
-                  <a:srgbClr val="FF0000"/>
-                </a:solidFill>
-              </a:rPr>
-              <a:t>::</a:t>
-            </a:r>
-            <a:r>
-              <a:rPr lang="pt-PT" dirty="0" err="1">
-                <a:solidFill>
-                  <a:srgbClr val="FF0000"/>
-                </a:solidFill>
-              </a:rPr>
-              <a:t>createStreamer</a:t>
-            </a:r>
-            <a:endParaRPr lang="pt-PT" dirty="0">
-              <a:solidFill>
-                <a:srgbClr val="FF0000"/>
-              </a:solidFill>
-            </a:endParaRPr>
-          </a:p>
-          <a:p>
-            <a:pPr marL="285750" indent="-285750">
-              <a:buClr>
-                <a:srgbClr val="8C2D19"/>
-              </a:buClr>
-              <a:buFont typeface="Arial" panose="020B0604020202020204" pitchFamily="34" charset="0"/>
-              <a:buChar char="•"/>
-            </a:pPr>
-            <a:r>
-              <a:rPr lang="pt-PT" dirty="0">
-                <a:solidFill>
-                  <a:srgbClr val="FF0000"/>
-                </a:solidFill>
-              </a:rPr>
-              <a:t>Alterações são feitas sobre apontadores.                          Ex: </a:t>
-            </a:r>
-            <a:r>
-              <a:rPr lang="pt-PT" dirty="0" err="1">
-                <a:solidFill>
-                  <a:srgbClr val="FF0000"/>
-                </a:solidFill>
-              </a:rPr>
-              <a:t>Viewer</a:t>
-            </a:r>
-            <a:r>
-              <a:rPr lang="pt-PT" dirty="0">
-                <a:solidFill>
-                  <a:srgbClr val="FF0000"/>
-                </a:solidFill>
-              </a:rPr>
-              <a:t>::</a:t>
-            </a:r>
-            <a:r>
-              <a:rPr lang="pt-PT" dirty="0" err="1">
-                <a:solidFill>
-                  <a:srgbClr val="FF0000"/>
-                </a:solidFill>
-              </a:rPr>
-              <a:t>giveFeedback</a:t>
-            </a:r>
-            <a:endParaRPr lang="pt-PT" dirty="0">
-              <a:solidFill>
-                <a:srgbClr val="FF0000"/>
-              </a:solidFill>
-            </a:endParaRPr>
-          </a:p>
-          <a:p>
-            <a:pPr marL="285750" indent="-285750">
-              <a:buClr>
-                <a:srgbClr val="8C2D19"/>
-              </a:buClr>
-              <a:buFont typeface="Arial" panose="020B0604020202020204" pitchFamily="34" charset="0"/>
-              <a:buChar char="•"/>
-            </a:pPr>
-            <a:endParaRPr lang="pt-PT" dirty="0">
-              <a:solidFill>
-                <a:srgbClr val="FF0000"/>
-              </a:solidFill>
-            </a:endParaRPr>
+              <a:rPr lang="pt-PT" dirty="0"/>
+              <a:t>A conta de </a:t>
+            </a:r>
+            <a:r>
+              <a:rPr lang="pt-PT" dirty="0" err="1"/>
+              <a:t>streamer</a:t>
+            </a:r>
+            <a:r>
+              <a:rPr lang="pt-PT" dirty="0"/>
+              <a:t> tem a opção de desativar a conta e também adicionamos a opção de apagar permanentemente. Também pode ser alterado o seu nome e a sua password.</a:t>
+            </a:r>
           </a:p>
         </p:txBody>
       </p:sp>
@@ -5312,7 +5166,7 @@
           <p:nvPr/>
         </p:nvPicPr>
         <p:blipFill rotWithShape="1">
-          <a:blip r:embed="rId6">
+          <a:blip r:embed="rId5">
             <a:extLst>
               <a:ext uri="{28A0092B-C50C-407E-A947-70E740481C1C}">
                 <a14:useLocalDpi xmlns:a14="http://schemas.microsoft.com/office/drawing/2010/main" val="0"/>
@@ -5326,6 +5180,36 @@
           <a:xfrm>
             <a:off x="1097280" y="6500189"/>
             <a:ext cx="1406360" cy="312685"/>
+          </a:xfrm>
+          <a:prstGeom prst="rect">
+            <a:avLst/>
+          </a:prstGeom>
+        </p:spPr>
+      </p:pic>
+      <p:pic>
+        <p:nvPicPr>
+          <p:cNvPr id="7" name="Picture 6">
+            <a:extLst>
+              <a:ext uri="{FF2B5EF4-FFF2-40B4-BE49-F238E27FC236}">
+                <a16:creationId xmlns:a16="http://schemas.microsoft.com/office/drawing/2014/main" id="{F3A67BFC-D4F7-426E-A3B5-DB0849F5C01A}"/>
+              </a:ext>
+            </a:extLst>
+          </p:cNvPr>
+          <p:cNvPicPr>
+            <a:picLocks noChangeAspect="1"/>
+          </p:cNvPicPr>
+          <p:nvPr/>
+        </p:nvPicPr>
+        <p:blipFill>
+          <a:blip r:embed="rId6"/>
+          <a:stretch>
+            <a:fillRect/>
+          </a:stretch>
+        </p:blipFill>
+        <p:spPr>
+          <a:xfrm>
+            <a:off x="1741207" y="4368008"/>
+            <a:ext cx="8951649" cy="1505263"/>
           </a:xfrm>
           <a:prstGeom prst="rect">
             <a:avLst/>
@@ -5392,21 +5276,15 @@
             <a:r>
               <a:rPr lang="pt-PT" sz="6600" dirty="0">
                 <a:solidFill>
-                  <a:schemeClr val="tx1">
-                    <a:lumMod val="85000"/>
-                    <a:lumOff val="15000"/>
-                  </a:schemeClr>
+                  <a:schemeClr val="tx1"/>
                 </a:solidFill>
                 <a:latin typeface="Bahnschrift SemiLight" panose="020B0502040204020203" pitchFamily="34" charset="0"/>
               </a:rPr>
-              <a:t>Ordenação</a:t>
+              <a:t>Listagem</a:t>
             </a:r>
             <a:endParaRPr lang="en-GB" sz="6600" dirty="0">
               <a:solidFill>
-                <a:schemeClr val="tx1">
-                  <a:lumMod val="85000"/>
-                  <a:lumOff val="15000"/>
-                </a:schemeClr>
+                <a:schemeClr val="tx1"/>
               </a:solidFill>
               <a:latin typeface="Bahnschrift SemiLight" panose="020B0502040204020203" pitchFamily="34" charset="0"/>
             </a:endParaRPr>
@@ -5456,96 +5334,6 @@
           </a:fontRef>
         </p:style>
       </p:cxnSp>
-      <p:pic>
-        <p:nvPicPr>
-          <p:cNvPr id="8" name="Imagem 7">
-            <a:extLst>
-              <a:ext uri="{FF2B5EF4-FFF2-40B4-BE49-F238E27FC236}">
-                <a16:creationId xmlns:a16="http://schemas.microsoft.com/office/drawing/2014/main" id="{99CA5A4D-12FC-4E08-A732-CF3F53232022}"/>
-              </a:ext>
-            </a:extLst>
-          </p:cNvPr>
-          <p:cNvPicPr>
-            <a:picLocks noChangeAspect="1"/>
-          </p:cNvPicPr>
-          <p:nvPr/>
-        </p:nvPicPr>
-        <p:blipFill>
-          <a:blip r:embed="rId2"/>
-          <a:stretch>
-            <a:fillRect/>
-          </a:stretch>
-        </p:blipFill>
-        <p:spPr>
-          <a:xfrm>
-            <a:off x="5347905" y="2002369"/>
-            <a:ext cx="5814713" cy="464899"/>
-          </a:xfrm>
-          <a:prstGeom prst="rect">
-            <a:avLst/>
-          </a:prstGeom>
-        </p:spPr>
-      </p:pic>
-      <p:pic>
-        <p:nvPicPr>
-          <p:cNvPr id="10" name="Imagem 9">
-            <a:extLst>
-              <a:ext uri="{FF2B5EF4-FFF2-40B4-BE49-F238E27FC236}">
-                <a16:creationId xmlns:a16="http://schemas.microsoft.com/office/drawing/2014/main" id="{AA57D2AD-8C8A-46E6-BC05-89CDE15BD91F}"/>
-              </a:ext>
-            </a:extLst>
-          </p:cNvPr>
-          <p:cNvPicPr>
-            <a:picLocks noChangeAspect="1"/>
-          </p:cNvPicPr>
-          <p:nvPr/>
-        </p:nvPicPr>
-        <p:blipFill>
-          <a:blip r:embed="rId3"/>
-          <a:stretch>
-            <a:fillRect/>
-          </a:stretch>
-        </p:blipFill>
-        <p:spPr>
-          <a:xfrm>
-            <a:off x="5347905" y="2444368"/>
-            <a:ext cx="5807775" cy="534288"/>
-          </a:xfrm>
-          <a:prstGeom prst="rect">
-            <a:avLst/>
-          </a:prstGeom>
-        </p:spPr>
-      </p:pic>
-      <p:pic>
-        <p:nvPicPr>
-          <p:cNvPr id="12" name="Imagem 11">
-            <a:extLst>
-              <a:ext uri="{FF2B5EF4-FFF2-40B4-BE49-F238E27FC236}">
-                <a16:creationId xmlns:a16="http://schemas.microsoft.com/office/drawing/2014/main" id="{04A2F07E-B5B3-4DD0-8172-CDDED14393EC}"/>
-              </a:ext>
-            </a:extLst>
-          </p:cNvPr>
-          <p:cNvPicPr>
-            <a:picLocks noChangeAspect="1"/>
-          </p:cNvPicPr>
-          <p:nvPr/>
-        </p:nvPicPr>
-        <p:blipFill>
-          <a:blip r:embed="rId4"/>
-          <a:stretch>
-            <a:fillRect/>
-          </a:stretch>
-        </p:blipFill>
-        <p:spPr>
-          <a:xfrm>
-            <a:off x="4952393" y="2973751"/>
-            <a:ext cx="6210225" cy="471838"/>
-          </a:xfrm>
-          <a:prstGeom prst="rect">
-            <a:avLst/>
-          </a:prstGeom>
-        </p:spPr>
-      </p:pic>
       <p:sp>
         <p:nvSpPr>
           <p:cNvPr id="13" name="CaixaDeTexto 12">
@@ -5560,8 +5348,8 @@
         </p:nvSpPr>
         <p:spPr>
           <a:xfrm>
-            <a:off x="9515696" y="3363178"/>
-            <a:ext cx="1758944" cy="369332"/>
+            <a:off x="2823175" y="5894605"/>
+            <a:ext cx="2775713" cy="338554"/>
           </a:xfrm>
           <a:prstGeom prst="rect">
             <a:avLst/>
@@ -5575,59 +5363,13 @@
           <a:lstStyle/>
           <a:p>
             <a:r>
-              <a:rPr lang="pt-PT" sz="1600" dirty="0" err="1">
-                <a:solidFill>
-                  <a:srgbClr val="FF0000"/>
-                </a:solidFill>
-              </a:rPr>
-              <a:t>SortingManager</a:t>
-            </a:r>
-            <a:r>
-              <a:rPr lang="pt-PT" dirty="0" err="1">
-                <a:solidFill>
-                  <a:srgbClr val="FF0000"/>
-                </a:solidFill>
-              </a:rPr>
-              <a:t>.h</a:t>
-            </a:r>
-            <a:endParaRPr lang="en-GB" dirty="0">
-              <a:solidFill>
-                <a:srgbClr val="FF0000"/>
-              </a:solidFill>
-            </a:endParaRPr>
-          </a:p>
-        </p:txBody>
-      </p:sp>
-      <p:pic>
-        <p:nvPicPr>
-          <p:cNvPr id="15" name="Imagem 14">
-            <a:extLst>
-              <a:ext uri="{FF2B5EF4-FFF2-40B4-BE49-F238E27FC236}">
-                <a16:creationId xmlns:a16="http://schemas.microsoft.com/office/drawing/2014/main" id="{FB86D1BF-C6DD-4DAB-8ACF-67AD0323E212}"/>
-              </a:ext>
-            </a:extLst>
-          </p:cNvPr>
-          <p:cNvPicPr>
-            <a:picLocks noChangeAspect="1"/>
-          </p:cNvPicPr>
-          <p:nvPr/>
-        </p:nvPicPr>
-        <p:blipFill>
-          <a:blip r:embed="rId5"/>
-          <a:stretch>
-            <a:fillRect/>
-          </a:stretch>
-        </p:blipFill>
-        <p:spPr>
-          <a:xfrm>
-            <a:off x="4211032" y="3830111"/>
-            <a:ext cx="6951586" cy="2110303"/>
-          </a:xfrm>
-          <a:prstGeom prst="rect">
-            <a:avLst/>
-          </a:prstGeom>
-        </p:spPr>
-      </p:pic>
+              <a:rPr lang="pt-PT" sz="1600" dirty="0"/>
+              <a:t>(excerto) SearchManager.cpp</a:t>
+            </a:r>
+            <a:endParaRPr lang="en-GB" dirty="0"/>
+          </a:p>
+        </p:txBody>
+      </p:sp>
       <p:sp>
         <p:nvSpPr>
           <p:cNvPr id="17" name="CaixaDeTexto 16">
@@ -5642,8 +5384,8 @@
         </p:nvSpPr>
         <p:spPr>
           <a:xfrm>
-            <a:off x="9330432" y="5869390"/>
-            <a:ext cx="1867861" cy="338554"/>
+            <a:off x="9650027" y="2822714"/>
+            <a:ext cx="1811044" cy="338554"/>
           </a:xfrm>
           <a:prstGeom prst="rect">
             <a:avLst/>
@@ -5657,18 +5399,10 @@
           <a:lstStyle/>
           <a:p>
             <a:r>
-              <a:rPr lang="pt-PT" sz="1600" dirty="0">
-                <a:solidFill>
-                  <a:srgbClr val="FF0000"/>
-                </a:solidFill>
-              </a:rPr>
-              <a:t>SortingManager.cpp</a:t>
-            </a:r>
-            <a:endParaRPr lang="en-GB" dirty="0">
-              <a:solidFill>
-                <a:srgbClr val="FF0000"/>
-              </a:solidFill>
-            </a:endParaRPr>
+              <a:rPr lang="pt-PT" sz="1600" dirty="0"/>
+              <a:t>SearchManager.cpp</a:t>
+            </a:r>
+            <a:endParaRPr lang="en-GB" dirty="0"/>
           </a:p>
         </p:txBody>
       </p:sp>
@@ -5686,8 +5420,8 @@
         </p:nvSpPr>
         <p:spPr>
           <a:xfrm>
-            <a:off x="1089140" y="2002369"/>
-            <a:ext cx="3121892" cy="2862322"/>
+            <a:off x="1097279" y="1978514"/>
+            <a:ext cx="3980063" cy="1200329"/>
           </a:xfrm>
           <a:prstGeom prst="rect">
             <a:avLst/>
@@ -5708,41 +5442,16 @@
               <a:buChar char="•"/>
             </a:pPr>
             <a:r>
-              <a:rPr lang="pt-PT" dirty="0">
-                <a:solidFill>
-                  <a:srgbClr val="FF0000"/>
-                </a:solidFill>
-              </a:rPr>
-              <a:t>Aplica algoritmo sort da stl a vetores pré-preenchidos</a:t>
-            </a:r>
-          </a:p>
-          <a:p>
-            <a:pPr>
-              <a:buClr>
-                <a:srgbClr val="8C2D19"/>
-              </a:buClr>
-            </a:pPr>
-            <a:endParaRPr lang="pt-PT" dirty="0">
-              <a:solidFill>
-                <a:srgbClr val="FF0000"/>
-              </a:solidFill>
-            </a:endParaRPr>
-          </a:p>
-          <a:p>
-            <a:pPr marL="285750" indent="-285750">
-              <a:buClr>
-                <a:srgbClr val="8C2D19"/>
-              </a:buClr>
-              <a:buFont typeface="Arial" panose="020B0604020202020204" pitchFamily="34" charset="0"/>
-              <a:buChar char="•"/>
-            </a:pPr>
-            <a:r>
-              <a:rPr lang="pt-PT" dirty="0">
-                <a:solidFill>
-                  <a:srgbClr val="FF0000"/>
-                </a:solidFill>
-              </a:rPr>
-              <a:t>Permite ordenar valores costumizadas enviando vetor com dados.</a:t>
+              <a:rPr lang="pt-PT" dirty="0"/>
+              <a:t>Listagem das </a:t>
+            </a:r>
+            <a:r>
+              <a:rPr lang="pt-PT" dirty="0" err="1"/>
+              <a:t>Donations</a:t>
+            </a:r>
+            <a:r>
+              <a:rPr lang="pt-PT" dirty="0"/>
+              <a:t> admite vários parâmetros, portanto é possível filtrar a informação.</a:t>
             </a:r>
           </a:p>
           <a:p>
@@ -5759,6 +5468,127 @@
               </a:solidFill>
             </a:endParaRPr>
           </a:p>
+        </p:txBody>
+      </p:sp>
+      <p:sp>
+        <p:nvSpPr>
+          <p:cNvPr id="2" name="Marcador de Posição do Rodapé 1">
+            <a:extLst>
+              <a:ext uri="{FF2B5EF4-FFF2-40B4-BE49-F238E27FC236}">
+                <a16:creationId xmlns:a16="http://schemas.microsoft.com/office/drawing/2014/main" id="{32C833F7-18B6-4861-9CBC-F84DFD811E13}"/>
+              </a:ext>
+            </a:extLst>
+          </p:cNvPr>
+          <p:cNvSpPr>
+            <a:spLocks noGrp="1"/>
+          </p:cNvSpPr>
+          <p:nvPr>
+            <p:ph type="ftr" sz="quarter" idx="11"/>
+          </p:nvPr>
+        </p:nvSpPr>
+        <p:spPr/>
+        <p:txBody>
+          <a:bodyPr/>
+          <a:lstStyle/>
+          <a:p>
+            <a:r>
+              <a:rPr lang="en-GB" sz="2400" b="1" dirty="0"/>
+              <a:t>2MIEIC04_G1</a:t>
+            </a:r>
+          </a:p>
+        </p:txBody>
+      </p:sp>
+      <p:sp>
+        <p:nvSpPr>
+          <p:cNvPr id="3" name="Marcador de Posição do Número do Diapositivo 2">
+            <a:extLst>
+              <a:ext uri="{FF2B5EF4-FFF2-40B4-BE49-F238E27FC236}">
+                <a16:creationId xmlns:a16="http://schemas.microsoft.com/office/drawing/2014/main" id="{F84751A3-EB56-4B0A-B79B-89EF65EBF080}"/>
+              </a:ext>
+            </a:extLst>
+          </p:cNvPr>
+          <p:cNvSpPr>
+            <a:spLocks noGrp="1"/>
+          </p:cNvSpPr>
+          <p:nvPr>
+            <p:ph type="sldNum" sz="quarter" idx="12"/>
+          </p:nvPr>
+        </p:nvSpPr>
+        <p:spPr/>
+        <p:txBody>
+          <a:bodyPr/>
+          <a:lstStyle/>
+          <a:p>
+            <a:fld id="{75DB3F52-068C-4339-9FA6-06F9AAEB3337}" type="slidenum">
+              <a:rPr lang="en-GB" sz="2400"/>
+              <a:t>11</a:t>
+            </a:fld>
+            <a:endParaRPr lang="en-GB" sz="2400" dirty="0"/>
+          </a:p>
+        </p:txBody>
+      </p:sp>
+      <p:pic>
+        <p:nvPicPr>
+          <p:cNvPr id="7" name="Imagem 6">
+            <a:extLst>
+              <a:ext uri="{FF2B5EF4-FFF2-40B4-BE49-F238E27FC236}">
+                <a16:creationId xmlns:a16="http://schemas.microsoft.com/office/drawing/2014/main" id="{F792557B-E72C-4265-BC01-A8B90EA578C5}"/>
+              </a:ext>
+            </a:extLst>
+          </p:cNvPr>
+          <p:cNvPicPr>
+            <a:picLocks noChangeAspect="1"/>
+          </p:cNvPicPr>
+          <p:nvPr/>
+        </p:nvPicPr>
+        <p:blipFill rotWithShape="1">
+          <a:blip r:embed="rId2">
+            <a:extLst>
+              <a:ext uri="{28A0092B-C50C-407E-A947-70E740481C1C}">
+                <a14:useLocalDpi xmlns:a14="http://schemas.microsoft.com/office/drawing/2010/main" val="0"/>
+              </a:ext>
+            </a:extLst>
+          </a:blip>
+          <a:srcRect r="39904"/>
+          <a:stretch/>
+        </p:blipFill>
+        <p:spPr>
+          <a:xfrm>
+            <a:off x="1097280" y="6500189"/>
+            <a:ext cx="1406360" cy="312685"/>
+          </a:xfrm>
+          <a:prstGeom prst="rect">
+            <a:avLst/>
+          </a:prstGeom>
+        </p:spPr>
+      </p:pic>
+      <p:sp>
+        <p:nvSpPr>
+          <p:cNvPr id="5" name="CaixaDeTexto 4">
+            <a:extLst>
+              <a:ext uri="{FF2B5EF4-FFF2-40B4-BE49-F238E27FC236}">
+                <a16:creationId xmlns:a16="http://schemas.microsoft.com/office/drawing/2014/main" id="{9E531B7B-DA41-4275-9E6B-DBF7E0134E40}"/>
+              </a:ext>
+            </a:extLst>
+          </p:cNvPr>
+          <p:cNvSpPr txBox="1"/>
+          <p:nvPr/>
+        </p:nvSpPr>
+        <p:spPr>
+          <a:xfrm>
+            <a:off x="6217032" y="4349254"/>
+            <a:ext cx="4278405" cy="923330"/>
+          </a:xfrm>
+          <a:prstGeom prst="rect">
+            <a:avLst/>
+          </a:prstGeom>
+          <a:noFill/>
+        </p:spPr>
+        <p:txBody>
+          <a:bodyPr wrap="square" rtlCol="0">
+            <a:spAutoFit/>
+          </a:bodyPr>
+          <a:lstStyle/>
           <a:p>
             <a:pPr marL="285750" indent="-285750">
               <a:buClr>
@@ -5768,79 +5598,38 @@
               <a:buChar char="•"/>
             </a:pPr>
             <a:r>
-              <a:rPr lang="pt-PT" dirty="0">
-                <a:solidFill>
-                  <a:srgbClr val="FF0000"/>
-                </a:solidFill>
-              </a:rPr>
-              <a:t>Permite ordenar os dados mais recentes enviando vetor vazio.</a:t>
-            </a:r>
-          </a:p>
-        </p:txBody>
-      </p:sp>
-      <p:sp>
-        <p:nvSpPr>
-          <p:cNvPr id="2" name="Marcador de Posição do Rodapé 1">
-            <a:extLst>
-              <a:ext uri="{FF2B5EF4-FFF2-40B4-BE49-F238E27FC236}">
-                <a16:creationId xmlns:a16="http://schemas.microsoft.com/office/drawing/2014/main" id="{A85FBCF2-CC75-4EA0-9AA5-A5ABA7A897C8}"/>
-              </a:ext>
-            </a:extLst>
-          </p:cNvPr>
-          <p:cNvSpPr>
-            <a:spLocks noGrp="1"/>
-          </p:cNvSpPr>
-          <p:nvPr>
-            <p:ph type="ftr" sz="quarter" idx="11"/>
-          </p:nvPr>
-        </p:nvSpPr>
-        <p:spPr/>
-        <p:txBody>
-          <a:bodyPr/>
-          <a:lstStyle/>
-          <a:p>
-            <a:r>
-              <a:rPr lang="en-GB" sz="2400" b="1" dirty="0"/>
-              <a:t>2MIEIC04_G1</a:t>
-            </a:r>
-          </a:p>
-        </p:txBody>
-      </p:sp>
-      <p:sp>
-        <p:nvSpPr>
-          <p:cNvPr id="3" name="Marcador de Posição do Número do Diapositivo 2">
-            <a:extLst>
-              <a:ext uri="{FF2B5EF4-FFF2-40B4-BE49-F238E27FC236}">
-                <a16:creationId xmlns:a16="http://schemas.microsoft.com/office/drawing/2014/main" id="{78F10CCF-6C37-46E6-9F52-B7D5AC4DD5DF}"/>
-              </a:ext>
-            </a:extLst>
-          </p:cNvPr>
-          <p:cNvSpPr>
-            <a:spLocks noGrp="1"/>
-          </p:cNvSpPr>
-          <p:nvPr>
-            <p:ph type="sldNum" sz="quarter" idx="12"/>
-          </p:nvPr>
-        </p:nvSpPr>
-        <p:spPr/>
-        <p:txBody>
-          <a:bodyPr/>
-          <a:lstStyle/>
-          <a:p>
-            <a:fld id="{75DB3F52-068C-4339-9FA6-06F9AAEB3337}" type="slidenum">
-              <a:rPr lang="en-GB" sz="2400"/>
-              <a:t>11</a:t>
-            </a:fld>
-            <a:endParaRPr lang="en-GB" sz="2400" dirty="0"/>
+              <a:rPr lang="pt-PT" dirty="0"/>
+              <a:t>Permite listagens com diferentes </a:t>
+            </a:r>
+            <a:r>
+              <a:rPr lang="pt-PT" dirty="0" err="1"/>
+              <a:t>parametros</a:t>
+            </a:r>
+            <a:r>
+              <a:rPr lang="pt-PT" dirty="0"/>
+              <a:t>.</a:t>
+            </a:r>
+          </a:p>
+          <a:p>
+            <a:pPr>
+              <a:buClr>
+                <a:srgbClr val="8C2D19"/>
+              </a:buClr>
+            </a:pPr>
+            <a:endParaRPr lang="pt-PT" dirty="0">
+              <a:solidFill>
+                <a:srgbClr val="FF0000"/>
+              </a:solidFill>
+            </a:endParaRPr>
           </a:p>
         </p:txBody>
       </p:sp>
       <p:pic>
         <p:nvPicPr>
-          <p:cNvPr id="14" name="Imagem 13">
-            <a:extLst>
-              <a:ext uri="{FF2B5EF4-FFF2-40B4-BE49-F238E27FC236}">
-                <a16:creationId xmlns:a16="http://schemas.microsoft.com/office/drawing/2014/main" id="{193E46F9-80BD-4FDE-B3A9-BF9A8166FD8B}"/>
+          <p:cNvPr id="11" name="Imagem 10">
+            <a:extLst>
+              <a:ext uri="{FF2B5EF4-FFF2-40B4-BE49-F238E27FC236}">
+                <a16:creationId xmlns:a16="http://schemas.microsoft.com/office/drawing/2014/main" id="{831552EC-9C6F-48A3-8063-F2AA980FC078}"/>
               </a:ext>
             </a:extLst>
           </p:cNvPr>
@@ -5849,21 +5638,46 @@
           </p:cNvPicPr>
           <p:nvPr/>
         </p:nvPicPr>
-        <p:blipFill rotWithShape="1">
-          <a:blip r:embed="rId6">
-            <a:extLst>
-              <a:ext uri="{28A0092B-C50C-407E-A947-70E740481C1C}">
-                <a14:useLocalDpi xmlns:a14="http://schemas.microsoft.com/office/drawing/2010/main" val="0"/>
-              </a:ext>
-            </a:extLst>
-          </a:blip>
-          <a:srcRect r="39904"/>
-          <a:stretch/>
+        <p:blipFill>
+          <a:blip r:embed="rId3"/>
+          <a:stretch>
+            <a:fillRect/>
+          </a:stretch>
         </p:blipFill>
         <p:spPr>
           <a:xfrm>
-            <a:off x="1097280" y="6500189"/>
-            <a:ext cx="1406360" cy="312685"/>
+            <a:off x="5077342" y="2003842"/>
+            <a:ext cx="6383729" cy="819806"/>
+          </a:xfrm>
+          <a:prstGeom prst="rect">
+            <a:avLst/>
+          </a:prstGeom>
+        </p:spPr>
+      </p:pic>
+      <p:pic>
+        <p:nvPicPr>
+          <p:cNvPr id="9" name="Picture 8">
+            <a:extLst>
+              <a:ext uri="{FF2B5EF4-FFF2-40B4-BE49-F238E27FC236}">
+                <a16:creationId xmlns:a16="http://schemas.microsoft.com/office/drawing/2014/main" id="{3CF502A1-BF52-4B4C-B129-75313872CB84}"/>
+              </a:ext>
+            </a:extLst>
+          </p:cNvPr>
+          <p:cNvPicPr>
+            <a:picLocks noChangeAspect="1"/>
+          </p:cNvPicPr>
+          <p:nvPr/>
+        </p:nvPicPr>
+        <p:blipFill>
+          <a:blip r:embed="rId4"/>
+          <a:stretch>
+            <a:fillRect/>
+          </a:stretch>
+        </p:blipFill>
+        <p:spPr>
+          <a:xfrm>
+            <a:off x="1097279" y="3162843"/>
+            <a:ext cx="4730080" cy="2659000"/>
           </a:xfrm>
           <a:prstGeom prst="rect">
             <a:avLst/>
@@ -5873,7 +5687,7 @@
     </p:spTree>
     <p:extLst>
       <p:ext uri="{BB962C8B-B14F-4D97-AF65-F5344CB8AC3E}">
-        <p14:creationId xmlns:p14="http://schemas.microsoft.com/office/powerpoint/2010/main" val="4129779156"/>
+        <p14:creationId xmlns:p14="http://schemas.microsoft.com/office/powerpoint/2010/main" val="2427753014"/>
       </p:ext>
     </p:extLst>
   </p:cSld>
@@ -5902,10 +5716,10 @@
       </p:grpSpPr>
       <p:sp>
         <p:nvSpPr>
-          <p:cNvPr id="4" name="Título 1">
-            <a:extLst>
-              <a:ext uri="{FF2B5EF4-FFF2-40B4-BE49-F238E27FC236}">
-                <a16:creationId xmlns:a16="http://schemas.microsoft.com/office/drawing/2014/main" id="{267B6764-42C3-4081-8C20-2DD12E1BA125}"/>
+          <p:cNvPr id="2" name="Título 1">
+            <a:extLst>
+              <a:ext uri="{FF2B5EF4-FFF2-40B4-BE49-F238E27FC236}">
+                <a16:creationId xmlns:a16="http://schemas.microsoft.com/office/drawing/2014/main" id="{B6E269CC-F3EC-43ED-BC98-FCEA20CEA90D}"/>
               </a:ext>
             </a:extLst>
           </p:cNvPr>
@@ -5916,12 +5730,7 @@
             <p:ph type="title"/>
           </p:nvPr>
         </p:nvSpPr>
-        <p:spPr>
-          <a:xfrm>
-            <a:off x="1097280" y="286603"/>
-            <a:ext cx="10058400" cy="1450757"/>
-          </a:xfrm>
-        </p:spPr>
+        <p:spPr/>
         <p:txBody>
           <a:bodyPr/>
           <a:lstStyle/>
@@ -5930,27 +5739,59 @@
             <a:r>
               <a:rPr lang="pt-PT" sz="6600" dirty="0">
                 <a:solidFill>
-                  <a:schemeClr val="tx1"/>
+                  <a:srgbClr val="FF0000"/>
                 </a:solidFill>
                 <a:latin typeface="Bahnschrift SemiLight" panose="020B0502040204020203" pitchFamily="34" charset="0"/>
               </a:rPr>
-              <a:t>Listagem</a:t>
+              <a:t>UI</a:t>
             </a:r>
             <a:endParaRPr lang="en-GB" sz="6600" dirty="0">
               <a:solidFill>
-                <a:schemeClr val="tx1"/>
+                <a:srgbClr val="FF0000"/>
               </a:solidFill>
               <a:latin typeface="Bahnschrift SemiLight" panose="020B0502040204020203" pitchFamily="34" charset="0"/>
             </a:endParaRPr>
           </a:p>
         </p:txBody>
       </p:sp>
+      <p:pic>
+        <p:nvPicPr>
+          <p:cNvPr id="9" name="Content Placeholder 8" descr="Graphical user interface">
+            <a:extLst>
+              <a:ext uri="{FF2B5EF4-FFF2-40B4-BE49-F238E27FC236}">
+                <a16:creationId xmlns:a16="http://schemas.microsoft.com/office/drawing/2014/main" id="{0C393F47-35C0-45C1-8E28-5EDA08BB0706}"/>
+              </a:ext>
+              <a:ext uri="{C183D7F6-B498-43B3-948B-1728B52AA6E4}">
+                <adec:decorative xmlns:adec="http://schemas.microsoft.com/office/drawing/2017/decorative" val="0"/>
+              </a:ext>
+            </a:extLst>
+          </p:cNvPr>
+          <p:cNvPicPr>
+            <a:picLocks noGrp="1" noChangeAspect="1"/>
+          </p:cNvPicPr>
+          <p:nvPr>
+            <p:ph idx="1"/>
+          </p:nvPr>
+        </p:nvPicPr>
+        <p:blipFill>
+          <a:blip r:embed="rId2"/>
+          <a:stretch>
+            <a:fillRect/>
+          </a:stretch>
+        </p:blipFill>
+        <p:spPr>
+          <a:xfrm>
+            <a:off x="667012" y="2073942"/>
+            <a:ext cx="3287852" cy="1396817"/>
+          </a:xfrm>
+        </p:spPr>
+      </p:pic>
       <p:cxnSp>
         <p:nvCxnSpPr>
-          <p:cNvPr id="6" name="Conexão reta 5">
-            <a:extLst>
-              <a:ext uri="{FF2B5EF4-FFF2-40B4-BE49-F238E27FC236}">
-                <a16:creationId xmlns:a16="http://schemas.microsoft.com/office/drawing/2014/main" id="{BFE60422-34C0-420F-8356-E4816D80A3CF}"/>
+          <p:cNvPr id="5" name="Conexão reta 4">
+            <a:extLst>
+              <a:ext uri="{FF2B5EF4-FFF2-40B4-BE49-F238E27FC236}">
+                <a16:creationId xmlns:a16="http://schemas.microsoft.com/office/drawing/2014/main" id="{D1B427FC-FECB-4AD9-947A-AE1CD8E8E0E9}"/>
               </a:ext>
             </a:extLst>
           </p:cNvPr>
@@ -5990,146 +5831,10 @@
       </p:cxnSp>
       <p:sp>
         <p:nvSpPr>
-          <p:cNvPr id="13" name="CaixaDeTexto 12">
-            <a:extLst>
-              <a:ext uri="{FF2B5EF4-FFF2-40B4-BE49-F238E27FC236}">
-                <a16:creationId xmlns:a16="http://schemas.microsoft.com/office/drawing/2014/main" id="{EFB421BC-8709-45BA-865E-783BEE9AA4A4}"/>
-              </a:ext>
-            </a:extLst>
-          </p:cNvPr>
-          <p:cNvSpPr txBox="1"/>
-          <p:nvPr/>
-        </p:nvSpPr>
-        <p:spPr>
-          <a:xfrm>
-            <a:off x="2823175" y="5894605"/>
-            <a:ext cx="2775713" cy="338554"/>
-          </a:xfrm>
-          <a:prstGeom prst="rect">
-            <a:avLst/>
-          </a:prstGeom>
-          <a:noFill/>
-        </p:spPr>
-        <p:txBody>
-          <a:bodyPr wrap="square" rtlCol="0">
-            <a:spAutoFit/>
-          </a:bodyPr>
-          <a:lstStyle/>
-          <a:p>
-            <a:r>
-              <a:rPr lang="pt-PT" sz="1600" dirty="0"/>
-              <a:t>(excerto) SearchManager.cpp</a:t>
-            </a:r>
-            <a:endParaRPr lang="en-GB" dirty="0"/>
-          </a:p>
-        </p:txBody>
-      </p:sp>
-      <p:sp>
-        <p:nvSpPr>
-          <p:cNvPr id="17" name="CaixaDeTexto 16">
-            <a:extLst>
-              <a:ext uri="{FF2B5EF4-FFF2-40B4-BE49-F238E27FC236}">
-                <a16:creationId xmlns:a16="http://schemas.microsoft.com/office/drawing/2014/main" id="{8228F99D-3C22-472E-8DFE-B7B038D11935}"/>
-              </a:ext>
-            </a:extLst>
-          </p:cNvPr>
-          <p:cNvSpPr txBox="1"/>
-          <p:nvPr/>
-        </p:nvSpPr>
-        <p:spPr>
-          <a:xfrm>
-            <a:off x="9650027" y="2822714"/>
-            <a:ext cx="1811044" cy="338554"/>
-          </a:xfrm>
-          <a:prstGeom prst="rect">
-            <a:avLst/>
-          </a:prstGeom>
-          <a:noFill/>
-        </p:spPr>
-        <p:txBody>
-          <a:bodyPr wrap="square" rtlCol="0">
-            <a:spAutoFit/>
-          </a:bodyPr>
-          <a:lstStyle/>
-          <a:p>
-            <a:r>
-              <a:rPr lang="pt-PT" sz="1600" dirty="0"/>
-              <a:t>SearchManager.cpp</a:t>
-            </a:r>
-            <a:endParaRPr lang="en-GB" dirty="0"/>
-          </a:p>
-        </p:txBody>
-      </p:sp>
-      <p:sp>
-        <p:nvSpPr>
-          <p:cNvPr id="18" name="CaixaDeTexto 17">
-            <a:extLst>
-              <a:ext uri="{FF2B5EF4-FFF2-40B4-BE49-F238E27FC236}">
-                <a16:creationId xmlns:a16="http://schemas.microsoft.com/office/drawing/2014/main" id="{11FA7A83-279B-4A8E-9636-AFF140E12238}"/>
-              </a:ext>
-            </a:extLst>
-          </p:cNvPr>
-          <p:cNvSpPr txBox="1"/>
-          <p:nvPr/>
-        </p:nvSpPr>
-        <p:spPr>
-          <a:xfrm>
-            <a:off x="1097279" y="1978514"/>
-            <a:ext cx="3980063" cy="1200329"/>
-          </a:xfrm>
-          <a:prstGeom prst="rect">
-            <a:avLst/>
-          </a:prstGeom>
-          <a:noFill/>
-        </p:spPr>
-        <p:txBody>
-          <a:bodyPr wrap="square" rtlCol="0">
-            <a:spAutoFit/>
-          </a:bodyPr>
-          <a:lstStyle/>
-          <a:p>
-            <a:pPr marL="285750" indent="-285750">
-              <a:buClr>
-                <a:srgbClr val="8C2D19"/>
-              </a:buClr>
-              <a:buFont typeface="Arial" panose="020B0604020202020204" pitchFamily="34" charset="0"/>
-              <a:buChar char="•"/>
-            </a:pPr>
-            <a:r>
-              <a:rPr lang="pt-PT" dirty="0"/>
-              <a:t>Listagem das </a:t>
-            </a:r>
-            <a:r>
-              <a:rPr lang="pt-PT" dirty="0" err="1"/>
-              <a:t>Donations</a:t>
-            </a:r>
-            <a:r>
-              <a:rPr lang="pt-PT" dirty="0"/>
-              <a:t> admite vários parâmetros, portanto é possível filtrar a informação.</a:t>
-            </a:r>
-          </a:p>
-          <a:p>
-            <a:pPr marL="285750" indent="-285750">
-              <a:buClr>
-                <a:srgbClr val="8C2D19"/>
-              </a:buClr>
-              <a:buFont typeface="Arial" panose="020B0604020202020204" pitchFamily="34" charset="0"/>
-              <a:buChar char="•"/>
-            </a:pPr>
-            <a:endParaRPr lang="pt-PT" dirty="0">
-              <a:solidFill>
-                <a:srgbClr val="FF0000"/>
-              </a:solidFill>
-            </a:endParaRPr>
-          </a:p>
-        </p:txBody>
-      </p:sp>
-      <p:sp>
-        <p:nvSpPr>
-          <p:cNvPr id="2" name="Marcador de Posição do Rodapé 1">
-            <a:extLst>
-              <a:ext uri="{FF2B5EF4-FFF2-40B4-BE49-F238E27FC236}">
-                <a16:creationId xmlns:a16="http://schemas.microsoft.com/office/drawing/2014/main" id="{32C833F7-18B6-4861-9CBC-F84DFD811E13}"/>
+          <p:cNvPr id="4" name="Marcador de Posição do Rodapé 3">
+            <a:extLst>
+              <a:ext uri="{FF2B5EF4-FFF2-40B4-BE49-F238E27FC236}">
+                <a16:creationId xmlns:a16="http://schemas.microsoft.com/office/drawing/2014/main" id="{2E6D09DD-1E47-4A67-AB57-535BA57CB1EF}"/>
               </a:ext>
             </a:extLst>
           </p:cNvPr>
@@ -6154,10 +5859,10 @@
       </p:sp>
       <p:sp>
         <p:nvSpPr>
-          <p:cNvPr id="3" name="Marcador de Posição do Número do Diapositivo 2">
-            <a:extLst>
-              <a:ext uri="{FF2B5EF4-FFF2-40B4-BE49-F238E27FC236}">
-                <a16:creationId xmlns:a16="http://schemas.microsoft.com/office/drawing/2014/main" id="{F84751A3-EB56-4B0A-B79B-89EF65EBF080}"/>
+          <p:cNvPr id="6" name="Marcador de Posição do Número do Diapositivo 5">
+            <a:extLst>
+              <a:ext uri="{FF2B5EF4-FFF2-40B4-BE49-F238E27FC236}">
+                <a16:creationId xmlns:a16="http://schemas.microsoft.com/office/drawing/2014/main" id="{A6038915-9563-428D-88A8-7720015CFAC0}"/>
               </a:ext>
             </a:extLst>
           </p:cNvPr>
@@ -6186,7 +5891,7 @@
           <p:cNvPr id="7" name="Imagem 6">
             <a:extLst>
               <a:ext uri="{FF2B5EF4-FFF2-40B4-BE49-F238E27FC236}">
-                <a16:creationId xmlns:a16="http://schemas.microsoft.com/office/drawing/2014/main" id="{F792557B-E72C-4265-BC01-A8B90EA578C5}"/>
+                <a16:creationId xmlns:a16="http://schemas.microsoft.com/office/drawing/2014/main" id="{95C51A54-AF96-43E2-9C50-EFB3428A2FB4}"/>
               </a:ext>
             </a:extLst>
           </p:cNvPr>
@@ -6196,7 +5901,7 @@
           <p:nvPr/>
         </p:nvPicPr>
         <p:blipFill rotWithShape="1">
-          <a:blip r:embed="rId2">
+          <a:blip r:embed="rId3">
             <a:extLst>
               <a:ext uri="{28A0092B-C50C-407E-A947-70E740481C1C}">
                 <a14:useLocalDpi xmlns:a14="http://schemas.microsoft.com/office/drawing/2010/main" val="0"/>
@@ -6216,104 +5921,12 @@
           </a:prstGeom>
         </p:spPr>
       </p:pic>
-      <p:sp>
-        <p:nvSpPr>
-          <p:cNvPr id="5" name="CaixaDeTexto 4">
-            <a:extLst>
-              <a:ext uri="{FF2B5EF4-FFF2-40B4-BE49-F238E27FC236}">
-                <a16:creationId xmlns:a16="http://schemas.microsoft.com/office/drawing/2014/main" id="{9E531B7B-DA41-4275-9E6B-DBF7E0134E40}"/>
-              </a:ext>
-            </a:extLst>
-          </p:cNvPr>
-          <p:cNvSpPr txBox="1"/>
-          <p:nvPr/>
-        </p:nvSpPr>
-        <p:spPr>
-          <a:xfrm>
-            <a:off x="6217032" y="4349254"/>
-            <a:ext cx="4278405" cy="923330"/>
-          </a:xfrm>
-          <a:prstGeom prst="rect">
-            <a:avLst/>
-          </a:prstGeom>
-          <a:noFill/>
-        </p:spPr>
-        <p:txBody>
-          <a:bodyPr wrap="square" rtlCol="0">
-            <a:spAutoFit/>
-          </a:bodyPr>
-          <a:lstStyle/>
-          <a:p>
-            <a:pPr marL="285750" indent="-285750">
-              <a:buClr>
-                <a:srgbClr val="8C2D19"/>
-              </a:buClr>
-              <a:buFont typeface="Arial" panose="020B0604020202020204" pitchFamily="34" charset="0"/>
-              <a:buChar char="•"/>
-            </a:pPr>
-            <a:r>
-              <a:rPr lang="pt-PT" dirty="0"/>
-              <a:t>Permite listagens com diferentes </a:t>
-            </a:r>
-            <a:r>
-              <a:rPr lang="pt-PT" dirty="0" err="1"/>
-              <a:t>parametros</a:t>
-            </a:r>
-            <a:r>
-              <a:rPr lang="pt-PT" dirty="0"/>
-              <a:t>.</a:t>
-            </a:r>
-          </a:p>
-          <a:p>
-            <a:pPr>
-              <a:buClr>
-                <a:srgbClr val="8C2D19"/>
-              </a:buClr>
-            </a:pPr>
-            <a:endParaRPr lang="pt-PT" dirty="0">
-              <a:solidFill>
-                <a:srgbClr val="FF0000"/>
-              </a:solidFill>
-            </a:endParaRPr>
-          </a:p>
-        </p:txBody>
-      </p:sp>
       <p:pic>
         <p:nvPicPr>
-          <p:cNvPr id="11" name="Imagem 10">
-            <a:extLst>
-              <a:ext uri="{FF2B5EF4-FFF2-40B4-BE49-F238E27FC236}">
-                <a16:creationId xmlns:a16="http://schemas.microsoft.com/office/drawing/2014/main" id="{831552EC-9C6F-48A3-8063-F2AA980FC078}"/>
-              </a:ext>
-            </a:extLst>
-          </p:cNvPr>
-          <p:cNvPicPr>
-            <a:picLocks noChangeAspect="1"/>
-          </p:cNvPicPr>
-          <p:nvPr/>
-        </p:nvPicPr>
-        <p:blipFill>
-          <a:blip r:embed="rId3"/>
-          <a:stretch>
-            <a:fillRect/>
-          </a:stretch>
-        </p:blipFill>
-        <p:spPr>
-          <a:xfrm>
-            <a:off x="5077342" y="2003842"/>
-            <a:ext cx="6383729" cy="819806"/>
-          </a:xfrm>
-          <a:prstGeom prst="rect">
-            <a:avLst/>
-          </a:prstGeom>
-        </p:spPr>
-      </p:pic>
-      <p:pic>
-        <p:nvPicPr>
-          <p:cNvPr id="9" name="Picture 8">
-            <a:extLst>
-              <a:ext uri="{FF2B5EF4-FFF2-40B4-BE49-F238E27FC236}">
-                <a16:creationId xmlns:a16="http://schemas.microsoft.com/office/drawing/2014/main" id="{3CF502A1-BF52-4B4C-B129-75313872CB84}"/>
+          <p:cNvPr id="11" name="Picture 10">
+            <a:extLst>
+              <a:ext uri="{FF2B5EF4-FFF2-40B4-BE49-F238E27FC236}">
+                <a16:creationId xmlns:a16="http://schemas.microsoft.com/office/drawing/2014/main" id="{5C6A5538-AFEF-4512-8299-77E88507393A}"/>
               </a:ext>
             </a:extLst>
           </p:cNvPr>
@@ -6330,8 +5943,262 @@
         </p:blipFill>
         <p:spPr>
           <a:xfrm>
-            <a:off x="1097279" y="3162843"/>
-            <a:ext cx="4730080" cy="2659000"/>
+            <a:off x="4542283" y="3669726"/>
+            <a:ext cx="3107432" cy="2443651"/>
+          </a:xfrm>
+          <a:prstGeom prst="rect">
+            <a:avLst/>
+          </a:prstGeom>
+        </p:spPr>
+      </p:pic>
+      <p:sp>
+        <p:nvSpPr>
+          <p:cNvPr id="12" name="TextBox 11">
+            <a:extLst>
+              <a:ext uri="{FF2B5EF4-FFF2-40B4-BE49-F238E27FC236}">
+                <a16:creationId xmlns:a16="http://schemas.microsoft.com/office/drawing/2014/main" id="{B5D78712-70F3-4C81-AE5C-F3E20EFC6ABC}"/>
+              </a:ext>
+            </a:extLst>
+          </p:cNvPr>
+          <p:cNvSpPr txBox="1"/>
+          <p:nvPr/>
+        </p:nvSpPr>
+        <p:spPr>
+          <a:xfrm>
+            <a:off x="207699" y="3543505"/>
+            <a:ext cx="4206477" cy="1077218"/>
+          </a:xfrm>
+          <a:prstGeom prst="rect">
+            <a:avLst/>
+          </a:prstGeom>
+          <a:noFill/>
+        </p:spPr>
+        <p:txBody>
+          <a:bodyPr wrap="square" rtlCol="0">
+            <a:spAutoFit/>
+          </a:bodyPr>
+          <a:lstStyle/>
+          <a:p>
+            <a:pPr algn="ctr"/>
+            <a:r>
+              <a:rPr lang="pt-PT" sz="1600" dirty="0">
+                <a:solidFill>
+                  <a:srgbClr val="FF0000"/>
+                </a:solidFill>
+              </a:rPr>
+              <a:t>Login Page</a:t>
+            </a:r>
+          </a:p>
+          <a:p>
+            <a:pPr marL="285750" indent="-285750">
+              <a:buFont typeface="Arial" panose="020B0604020202020204" pitchFamily="34" charset="0"/>
+              <a:buChar char="•"/>
+            </a:pPr>
+            <a:r>
+              <a:rPr lang="pt-PT" sz="1600" dirty="0">
+                <a:solidFill>
+                  <a:srgbClr val="FF0000"/>
+                </a:solidFill>
+              </a:rPr>
+              <a:t>Pode fazer login com usernick e password</a:t>
+            </a:r>
+          </a:p>
+          <a:p>
+            <a:pPr marL="285750" indent="-285750">
+              <a:buFont typeface="Arial" panose="020B0604020202020204" pitchFamily="34" charset="0"/>
+              <a:buChar char="•"/>
+            </a:pPr>
+            <a:r>
+              <a:rPr lang="pt-PT" sz="1600" dirty="0">
+                <a:solidFill>
+                  <a:srgbClr val="FF0000"/>
+                </a:solidFill>
+              </a:rPr>
+              <a:t>Criar uma nova conta(admin – apenas uma vez, streamer ou viewer).</a:t>
+            </a:r>
+            <a:endParaRPr lang="en-US" sz="1600" dirty="0">
+              <a:solidFill>
+                <a:srgbClr val="FF0000"/>
+              </a:solidFill>
+            </a:endParaRPr>
+          </a:p>
+        </p:txBody>
+      </p:sp>
+      <p:sp>
+        <p:nvSpPr>
+          <p:cNvPr id="13" name="TextBox 12">
+            <a:extLst>
+              <a:ext uri="{FF2B5EF4-FFF2-40B4-BE49-F238E27FC236}">
+                <a16:creationId xmlns:a16="http://schemas.microsoft.com/office/drawing/2014/main" id="{3918F24A-B858-4DAC-8BB2-AA8C55D4EF93}"/>
+              </a:ext>
+            </a:extLst>
+          </p:cNvPr>
+          <p:cNvSpPr txBox="1"/>
+          <p:nvPr/>
+        </p:nvSpPr>
+        <p:spPr>
+          <a:xfrm>
+            <a:off x="4257198" y="2620174"/>
+            <a:ext cx="3738563" cy="923330"/>
+          </a:xfrm>
+          <a:prstGeom prst="rect">
+            <a:avLst/>
+          </a:prstGeom>
+          <a:noFill/>
+        </p:spPr>
+        <p:txBody>
+          <a:bodyPr wrap="square" rtlCol="0">
+            <a:spAutoFit/>
+          </a:bodyPr>
+          <a:lstStyle/>
+          <a:p>
+            <a:pPr algn="ctr"/>
+            <a:r>
+              <a:rPr lang="pt-PT" dirty="0">
+                <a:solidFill>
+                  <a:srgbClr val="FF0000"/>
+                </a:solidFill>
+              </a:rPr>
+              <a:t>Exemplo Viewer</a:t>
+            </a:r>
+          </a:p>
+          <a:p>
+            <a:r>
+              <a:rPr lang="pt-PT" dirty="0">
+                <a:solidFill>
+                  <a:srgbClr val="FF0000"/>
+                </a:solidFill>
+              </a:rPr>
+              <a:t>Escolher a opção correspondente como é indicado no ecrã</a:t>
+            </a:r>
+          </a:p>
+        </p:txBody>
+      </p:sp>
+      <p:pic>
+        <p:nvPicPr>
+          <p:cNvPr id="8" name="Picture 7">
+            <a:extLst>
+              <a:ext uri="{FF2B5EF4-FFF2-40B4-BE49-F238E27FC236}">
+                <a16:creationId xmlns:a16="http://schemas.microsoft.com/office/drawing/2014/main" id="{A726BF86-8CE4-4BF4-93DA-AF586AFAAA7C}"/>
+              </a:ext>
+            </a:extLst>
+          </p:cNvPr>
+          <p:cNvPicPr>
+            <a:picLocks noChangeAspect="1"/>
+          </p:cNvPicPr>
+          <p:nvPr/>
+        </p:nvPicPr>
+        <p:blipFill>
+          <a:blip r:embed="rId5"/>
+          <a:stretch>
+            <a:fillRect/>
+          </a:stretch>
+        </p:blipFill>
+        <p:spPr>
+          <a:xfrm>
+            <a:off x="7965281" y="2001196"/>
+            <a:ext cx="3743065" cy="1542309"/>
+          </a:xfrm>
+          <a:prstGeom prst="rect">
+            <a:avLst/>
+          </a:prstGeom>
+        </p:spPr>
+      </p:pic>
+      <p:sp>
+        <p:nvSpPr>
+          <p:cNvPr id="14" name="TextBox 13">
+            <a:extLst>
+              <a:ext uri="{FF2B5EF4-FFF2-40B4-BE49-F238E27FC236}">
+                <a16:creationId xmlns:a16="http://schemas.microsoft.com/office/drawing/2014/main" id="{6414C627-DEA0-48B7-9714-952D213E0CBA}"/>
+              </a:ext>
+            </a:extLst>
+          </p:cNvPr>
+          <p:cNvSpPr txBox="1"/>
+          <p:nvPr/>
+        </p:nvSpPr>
+        <p:spPr>
+          <a:xfrm>
+            <a:off x="7797219" y="3715409"/>
+            <a:ext cx="4206477" cy="1077218"/>
+          </a:xfrm>
+          <a:prstGeom prst="rect">
+            <a:avLst/>
+          </a:prstGeom>
+          <a:noFill/>
+        </p:spPr>
+        <p:txBody>
+          <a:bodyPr wrap="square" rtlCol="0">
+            <a:spAutoFit/>
+          </a:bodyPr>
+          <a:lstStyle/>
+          <a:p>
+            <a:pPr algn="ctr"/>
+            <a:r>
+              <a:rPr lang="pt-PT" sz="1600" dirty="0">
+                <a:solidFill>
+                  <a:srgbClr val="FF0000"/>
+                </a:solidFill>
+              </a:rPr>
+              <a:t>Exemplo conta admin</a:t>
+            </a:r>
+          </a:p>
+          <a:p>
+            <a:pPr marL="285750" indent="-285750">
+              <a:buFont typeface="Arial" panose="020B0604020202020204" pitchFamily="34" charset="0"/>
+              <a:buChar char="•"/>
+            </a:pPr>
+            <a:r>
+              <a:rPr lang="pt-PT" sz="1600" dirty="0">
+                <a:solidFill>
+                  <a:srgbClr val="FF0000"/>
+                </a:solidFill>
+              </a:rPr>
+              <a:t>Várias estatísticas possiveis</a:t>
+            </a:r>
+          </a:p>
+          <a:p>
+            <a:endParaRPr lang="pt-PT" sz="1600" dirty="0">
+              <a:solidFill>
+                <a:srgbClr val="FF0000"/>
+              </a:solidFill>
+            </a:endParaRPr>
+          </a:p>
+          <a:p>
+            <a:pPr algn="ctr"/>
+            <a:r>
+              <a:rPr lang="pt-PT" sz="1600" dirty="0">
+                <a:solidFill>
+                  <a:srgbClr val="FF0000"/>
+                </a:solidFill>
+              </a:rPr>
+              <a:t>Exemplo Streamer</a:t>
+            </a:r>
+          </a:p>
+        </p:txBody>
+      </p:sp>
+      <p:pic>
+        <p:nvPicPr>
+          <p:cNvPr id="15" name="Picture 14">
+            <a:extLst>
+              <a:ext uri="{FF2B5EF4-FFF2-40B4-BE49-F238E27FC236}">
+                <a16:creationId xmlns:a16="http://schemas.microsoft.com/office/drawing/2014/main" id="{C4891DB0-F247-4E84-ADBF-FC44AEA05A68}"/>
+              </a:ext>
+            </a:extLst>
+          </p:cNvPr>
+          <p:cNvPicPr>
+            <a:picLocks noChangeAspect="1"/>
+          </p:cNvPicPr>
+          <p:nvPr/>
+        </p:nvPicPr>
+        <p:blipFill rotWithShape="1">
+          <a:blip r:embed="rId6"/>
+          <a:srcRect b="31281"/>
+          <a:stretch/>
+        </p:blipFill>
+        <p:spPr>
+          <a:xfrm>
+            <a:off x="8796845" y="4939812"/>
+            <a:ext cx="2079936" cy="1242874"/>
           </a:xfrm>
           <a:prstGeom prst="rect">
             <a:avLst/>
@@ -6341,7 +6208,7 @@
     </p:spTree>
     <p:extLst>
       <p:ext uri="{BB962C8B-B14F-4D97-AF65-F5344CB8AC3E}">
-        <p14:creationId xmlns:p14="http://schemas.microsoft.com/office/powerpoint/2010/main" val="2427753014"/>
+        <p14:creationId xmlns:p14="http://schemas.microsoft.com/office/powerpoint/2010/main" val="3138427854"/>
       </p:ext>
     </p:extLst>
   </p:cSld>
@@ -6397,7 +6264,7 @@
                 </a:solidFill>
                 <a:latin typeface="Bahnschrift SemiLight" panose="020B0502040204020203" pitchFamily="34" charset="0"/>
               </a:rPr>
-              <a:t>UI</a:t>
+              <a:t>UI – Pesquisas</a:t>
             </a:r>
             <a:endParaRPr lang="en-GB" sz="6600" dirty="0">
               <a:solidFill>
@@ -6408,38 +6275,6 @@
           </a:p>
         </p:txBody>
       </p:sp>
-      <p:pic>
-        <p:nvPicPr>
-          <p:cNvPr id="9" name="Content Placeholder 8" descr="Graphical user interface">
-            <a:extLst>
-              <a:ext uri="{FF2B5EF4-FFF2-40B4-BE49-F238E27FC236}">
-                <a16:creationId xmlns:a16="http://schemas.microsoft.com/office/drawing/2014/main" id="{0C393F47-35C0-45C1-8E28-5EDA08BB0706}"/>
-              </a:ext>
-              <a:ext uri="{C183D7F6-B498-43B3-948B-1728B52AA6E4}">
-                <adec:decorative xmlns:adec="http://schemas.microsoft.com/office/drawing/2017/decorative" val="0"/>
-              </a:ext>
-            </a:extLst>
-          </p:cNvPr>
-          <p:cNvPicPr>
-            <a:picLocks noGrp="1" noChangeAspect="1"/>
-          </p:cNvPicPr>
-          <p:nvPr>
-            <p:ph idx="1"/>
-          </p:nvPr>
-        </p:nvPicPr>
-        <p:blipFill>
-          <a:blip r:embed="rId2"/>
-          <a:stretch>
-            <a:fillRect/>
-          </a:stretch>
-        </p:blipFill>
-        <p:spPr>
-          <a:xfrm>
-            <a:off x="667012" y="2073942"/>
-            <a:ext cx="3287852" cy="1396817"/>
-          </a:xfrm>
-        </p:spPr>
-      </p:pic>
       <p:cxnSp>
         <p:nvCxnSpPr>
           <p:cNvPr id="5" name="Conexão reta 4">
@@ -6555,7 +6390,7 @@
           <p:nvPr/>
         </p:nvPicPr>
         <p:blipFill rotWithShape="1">
-          <a:blip r:embed="rId3">
+          <a:blip r:embed="rId2">
             <a:extLst>
               <a:ext uri="{28A0092B-C50C-407E-A947-70E740481C1C}">
                 <a14:useLocalDpi xmlns:a14="http://schemas.microsoft.com/office/drawing/2010/main" val="0"/>
@@ -6575,12 +6410,194 @@
           </a:prstGeom>
         </p:spPr>
       </p:pic>
+      <p:sp>
+        <p:nvSpPr>
+          <p:cNvPr id="12" name="TextBox 11">
+            <a:extLst>
+              <a:ext uri="{FF2B5EF4-FFF2-40B4-BE49-F238E27FC236}">
+                <a16:creationId xmlns:a16="http://schemas.microsoft.com/office/drawing/2014/main" id="{B5D78712-70F3-4C81-AE5C-F3E20EFC6ABC}"/>
+              </a:ext>
+            </a:extLst>
+          </p:cNvPr>
+          <p:cNvSpPr txBox="1"/>
+          <p:nvPr/>
+        </p:nvSpPr>
+        <p:spPr>
+          <a:xfrm>
+            <a:off x="861379" y="4381999"/>
+            <a:ext cx="5649612" cy="1754326"/>
+          </a:xfrm>
+          <a:prstGeom prst="rect">
+            <a:avLst/>
+          </a:prstGeom>
+          <a:noFill/>
+        </p:spPr>
+        <p:txBody>
+          <a:bodyPr wrap="square" rtlCol="0">
+            <a:spAutoFit/>
+          </a:bodyPr>
+          <a:lstStyle/>
+          <a:p>
+            <a:pPr marL="285750" indent="-285750">
+              <a:buFont typeface="Arial" panose="020B0604020202020204" pitchFamily="34" charset="0"/>
+              <a:buChar char="•"/>
+            </a:pPr>
+            <a:r>
+              <a:rPr lang="pt-PT" dirty="0">
+                <a:solidFill>
+                  <a:srgbClr val="FF0000"/>
+                </a:solidFill>
+              </a:rPr>
+              <a:t>Escolher vários parametros</a:t>
+            </a:r>
+          </a:p>
+          <a:p>
+            <a:pPr marL="285750" indent="-285750">
+              <a:buFont typeface="Arial" panose="020B0604020202020204" pitchFamily="34" charset="0"/>
+              <a:buChar char="•"/>
+            </a:pPr>
+            <a:r>
+              <a:rPr lang="pt-PT" dirty="0">
+                <a:solidFill>
+                  <a:srgbClr val="FF0000"/>
+                </a:solidFill>
+              </a:rPr>
+              <a:t>Não escolher nenhum género implica pesquisar por todos</a:t>
+            </a:r>
+          </a:p>
+          <a:p>
+            <a:pPr marL="285750" indent="-285750">
+              <a:buFont typeface="Arial" panose="020B0604020202020204" pitchFamily="34" charset="0"/>
+              <a:buChar char="•"/>
+            </a:pPr>
+            <a:r>
+              <a:rPr lang="pt-PT" dirty="0">
+                <a:solidFill>
+                  <a:srgbClr val="FF0000"/>
+                </a:solidFill>
+              </a:rPr>
+              <a:t>Escolher 0 para parar de adicionar elementos à pesquisa</a:t>
+            </a:r>
+          </a:p>
+          <a:p>
+            <a:pPr marL="285750" indent="-285750">
+              <a:buFont typeface="Arial" panose="020B0604020202020204" pitchFamily="34" charset="0"/>
+              <a:buChar char="•"/>
+            </a:pPr>
+            <a:r>
+              <a:rPr lang="pt-PT" dirty="0">
+                <a:solidFill>
+                  <a:srgbClr val="FF0000"/>
+                </a:solidFill>
+              </a:rPr>
+              <a:t>Ordenar à escolha se assim desejar</a:t>
+            </a:r>
+            <a:endParaRPr lang="en-US" dirty="0">
+              <a:solidFill>
+                <a:srgbClr val="FF0000"/>
+              </a:solidFill>
+            </a:endParaRPr>
+          </a:p>
+        </p:txBody>
+      </p:sp>
+      <p:sp>
+        <p:nvSpPr>
+          <p:cNvPr id="13" name="TextBox 12">
+            <a:extLst>
+              <a:ext uri="{FF2B5EF4-FFF2-40B4-BE49-F238E27FC236}">
+                <a16:creationId xmlns:a16="http://schemas.microsoft.com/office/drawing/2014/main" id="{3918F24A-B858-4DAC-8BB2-AA8C55D4EF93}"/>
+              </a:ext>
+            </a:extLst>
+          </p:cNvPr>
+          <p:cNvSpPr txBox="1"/>
+          <p:nvPr/>
+        </p:nvSpPr>
+        <p:spPr>
+          <a:xfrm>
+            <a:off x="7097164" y="5259162"/>
+            <a:ext cx="4426052" cy="923330"/>
+          </a:xfrm>
+          <a:prstGeom prst="rect">
+            <a:avLst/>
+          </a:prstGeom>
+          <a:noFill/>
+        </p:spPr>
+        <p:txBody>
+          <a:bodyPr wrap="square" rtlCol="0">
+            <a:spAutoFit/>
+          </a:bodyPr>
+          <a:lstStyle/>
+          <a:p>
+            <a:pPr marL="285750" indent="-285750">
+              <a:buFont typeface="Arial" panose="020B0604020202020204" pitchFamily="34" charset="0"/>
+              <a:buChar char="•"/>
+            </a:pPr>
+            <a:r>
+              <a:rPr lang="pt-PT" dirty="0">
+                <a:solidFill>
+                  <a:srgbClr val="FF0000"/>
+                </a:solidFill>
+              </a:rPr>
+              <a:t>Sistema de páginas</a:t>
+            </a:r>
+          </a:p>
+          <a:p>
+            <a:pPr marL="285750" indent="-285750">
+              <a:buFont typeface="Arial" panose="020B0604020202020204" pitchFamily="34" charset="0"/>
+              <a:buChar char="•"/>
+            </a:pPr>
+            <a:r>
+              <a:rPr lang="pt-PT" dirty="0">
+                <a:solidFill>
+                  <a:srgbClr val="FF0000"/>
+                </a:solidFill>
+              </a:rPr>
+              <a:t>Objetivo de não apresentar demasiadas entradas no ecrã de uma vez só.</a:t>
+            </a:r>
+            <a:endParaRPr lang="en-US" dirty="0">
+              <a:solidFill>
+                <a:srgbClr val="FF0000"/>
+              </a:solidFill>
+            </a:endParaRPr>
+          </a:p>
+        </p:txBody>
+      </p:sp>
       <p:pic>
         <p:nvPicPr>
-          <p:cNvPr id="11" name="Picture 10">
-            <a:extLst>
-              <a:ext uri="{FF2B5EF4-FFF2-40B4-BE49-F238E27FC236}">
-                <a16:creationId xmlns:a16="http://schemas.microsoft.com/office/drawing/2014/main" id="{5C6A5538-AFEF-4512-8299-77E88507393A}"/>
+          <p:cNvPr id="8" name="Picture 7">
+            <a:extLst>
+              <a:ext uri="{FF2B5EF4-FFF2-40B4-BE49-F238E27FC236}">
+                <a16:creationId xmlns:a16="http://schemas.microsoft.com/office/drawing/2014/main" id="{59DFA416-8478-4302-A4BD-FD4A0E85E958}"/>
+              </a:ext>
+            </a:extLst>
+          </p:cNvPr>
+          <p:cNvPicPr>
+            <a:picLocks noChangeAspect="1"/>
+          </p:cNvPicPr>
+          <p:nvPr/>
+        </p:nvPicPr>
+        <p:blipFill>
+          <a:blip r:embed="rId3"/>
+          <a:stretch>
+            <a:fillRect/>
+          </a:stretch>
+        </p:blipFill>
+        <p:spPr>
+          <a:xfrm>
+            <a:off x="861379" y="2324472"/>
+            <a:ext cx="2600430" cy="1824981"/>
+          </a:xfrm>
+          <a:prstGeom prst="rect">
+            <a:avLst/>
+          </a:prstGeom>
+        </p:spPr>
+      </p:pic>
+      <p:pic>
+        <p:nvPicPr>
+          <p:cNvPr id="16" name="Picture 15">
+            <a:extLst>
+              <a:ext uri="{FF2B5EF4-FFF2-40B4-BE49-F238E27FC236}">
+                <a16:creationId xmlns:a16="http://schemas.microsoft.com/office/drawing/2014/main" id="{24CC2751-1A2A-4FFC-BCBC-90AE321EF4B7}"/>
               </a:ext>
             </a:extLst>
           </p:cNvPr>
@@ -6597,143 +6614,20 @@
         </p:blipFill>
         <p:spPr>
           <a:xfrm>
-            <a:off x="4542283" y="3669726"/>
-            <a:ext cx="3107432" cy="2443651"/>
+            <a:off x="7783230" y="1832514"/>
+            <a:ext cx="3053920" cy="3149355"/>
           </a:xfrm>
           <a:prstGeom prst="rect">
             <a:avLst/>
           </a:prstGeom>
         </p:spPr>
       </p:pic>
-      <p:sp>
-        <p:nvSpPr>
-          <p:cNvPr id="12" name="TextBox 11">
-            <a:extLst>
-              <a:ext uri="{FF2B5EF4-FFF2-40B4-BE49-F238E27FC236}">
-                <a16:creationId xmlns:a16="http://schemas.microsoft.com/office/drawing/2014/main" id="{B5D78712-70F3-4C81-AE5C-F3E20EFC6ABC}"/>
-              </a:ext>
-            </a:extLst>
-          </p:cNvPr>
-          <p:cNvSpPr txBox="1"/>
-          <p:nvPr/>
-        </p:nvSpPr>
-        <p:spPr>
-          <a:xfrm>
-            <a:off x="207699" y="3543505"/>
-            <a:ext cx="4206477" cy="1077218"/>
-          </a:xfrm>
-          <a:prstGeom prst="rect">
-            <a:avLst/>
-          </a:prstGeom>
-          <a:noFill/>
-        </p:spPr>
-        <p:txBody>
-          <a:bodyPr wrap="square" rtlCol="0">
-            <a:spAutoFit/>
-          </a:bodyPr>
-          <a:lstStyle/>
-          <a:p>
-            <a:pPr algn="ctr"/>
-            <a:r>
-              <a:rPr lang="pt-PT" sz="1600" dirty="0">
-                <a:solidFill>
-                  <a:srgbClr val="FF0000"/>
-                </a:solidFill>
-              </a:rPr>
-              <a:t>Login Page</a:t>
-            </a:r>
-          </a:p>
-          <a:p>
-            <a:pPr marL="285750" indent="-285750">
-              <a:buFont typeface="Arial" panose="020B0604020202020204" pitchFamily="34" charset="0"/>
-              <a:buChar char="•"/>
-            </a:pPr>
-            <a:r>
-              <a:rPr lang="pt-PT" sz="1600" dirty="0">
-                <a:solidFill>
-                  <a:srgbClr val="FF0000"/>
-                </a:solidFill>
-              </a:rPr>
-              <a:t>Pode fazer login com usernick e password</a:t>
-            </a:r>
-          </a:p>
-          <a:p>
-            <a:pPr marL="285750" indent="-285750">
-              <a:buFont typeface="Arial" panose="020B0604020202020204" pitchFamily="34" charset="0"/>
-              <a:buChar char="•"/>
-            </a:pPr>
-            <a:r>
-              <a:rPr lang="pt-PT" sz="1600" dirty="0">
-                <a:solidFill>
-                  <a:srgbClr val="FF0000"/>
-                </a:solidFill>
-              </a:rPr>
-              <a:t>Criar uma nova conta(admin – apenas uma vez, streamer ou viewer).</a:t>
-            </a:r>
-            <a:endParaRPr lang="en-US" sz="1600" dirty="0">
-              <a:solidFill>
-                <a:srgbClr val="FF0000"/>
-              </a:solidFill>
-            </a:endParaRPr>
-          </a:p>
-        </p:txBody>
-      </p:sp>
-      <p:sp>
-        <p:nvSpPr>
-          <p:cNvPr id="13" name="TextBox 12">
-            <a:extLst>
-              <a:ext uri="{FF2B5EF4-FFF2-40B4-BE49-F238E27FC236}">
-                <a16:creationId xmlns:a16="http://schemas.microsoft.com/office/drawing/2014/main" id="{3918F24A-B858-4DAC-8BB2-AA8C55D4EF93}"/>
-              </a:ext>
-            </a:extLst>
-          </p:cNvPr>
-          <p:cNvSpPr txBox="1"/>
-          <p:nvPr/>
-        </p:nvSpPr>
-        <p:spPr>
-          <a:xfrm>
-            <a:off x="4257198" y="2620174"/>
-            <a:ext cx="3738563" cy="923330"/>
-          </a:xfrm>
-          <a:prstGeom prst="rect">
-            <a:avLst/>
-          </a:prstGeom>
-          <a:noFill/>
-        </p:spPr>
-        <p:txBody>
-          <a:bodyPr wrap="square" rtlCol="0">
-            <a:spAutoFit/>
-          </a:bodyPr>
-          <a:lstStyle/>
-          <a:p>
-            <a:pPr algn="ctr"/>
-            <a:r>
-              <a:rPr lang="pt-PT" dirty="0">
-                <a:solidFill>
-                  <a:srgbClr val="FF0000"/>
-                </a:solidFill>
-              </a:rPr>
-              <a:t>Exemplo Viewer</a:t>
-            </a:r>
-          </a:p>
-          <a:p>
-            <a:r>
-              <a:rPr lang="pt-PT" dirty="0">
-                <a:solidFill>
-                  <a:srgbClr val="FF0000"/>
-                </a:solidFill>
-              </a:rPr>
-              <a:t>Escolher a opção correspondente como é indicado no ecrã</a:t>
-            </a:r>
-          </a:p>
-        </p:txBody>
-      </p:sp>
       <p:pic>
         <p:nvPicPr>
-          <p:cNvPr id="8" name="Picture 7">
-            <a:extLst>
-              <a:ext uri="{FF2B5EF4-FFF2-40B4-BE49-F238E27FC236}">
-                <a16:creationId xmlns:a16="http://schemas.microsoft.com/office/drawing/2014/main" id="{A726BF86-8CE4-4BF4-93DA-AF586AFAAA7C}"/>
+          <p:cNvPr id="9" name="Picture 8">
+            <a:extLst>
+              <a:ext uri="{FF2B5EF4-FFF2-40B4-BE49-F238E27FC236}">
+                <a16:creationId xmlns:a16="http://schemas.microsoft.com/office/drawing/2014/main" id="{609E53D3-C469-4E0F-82E7-9857FA4173D9}"/>
               </a:ext>
             </a:extLst>
           </p:cNvPr>
@@ -6750,109 +6644,8 @@
         </p:blipFill>
         <p:spPr>
           <a:xfrm>
-            <a:off x="7965281" y="2001196"/>
-            <a:ext cx="3743065" cy="1542309"/>
-          </a:xfrm>
-          <a:prstGeom prst="rect">
-            <a:avLst/>
-          </a:prstGeom>
-        </p:spPr>
-      </p:pic>
-      <p:sp>
-        <p:nvSpPr>
-          <p:cNvPr id="14" name="TextBox 13">
-            <a:extLst>
-              <a:ext uri="{FF2B5EF4-FFF2-40B4-BE49-F238E27FC236}">
-                <a16:creationId xmlns:a16="http://schemas.microsoft.com/office/drawing/2014/main" id="{6414C627-DEA0-48B7-9714-952D213E0CBA}"/>
-              </a:ext>
-            </a:extLst>
-          </p:cNvPr>
-          <p:cNvSpPr txBox="1"/>
-          <p:nvPr/>
-        </p:nvSpPr>
-        <p:spPr>
-          <a:xfrm>
-            <a:off x="7797219" y="3715409"/>
-            <a:ext cx="4206477" cy="1077218"/>
-          </a:xfrm>
-          <a:prstGeom prst="rect">
-            <a:avLst/>
-          </a:prstGeom>
-          <a:noFill/>
-        </p:spPr>
-        <p:txBody>
-          <a:bodyPr wrap="square" rtlCol="0">
-            <a:spAutoFit/>
-          </a:bodyPr>
-          <a:lstStyle/>
-          <a:p>
-            <a:pPr algn="ctr"/>
-            <a:r>
-              <a:rPr lang="pt-PT" sz="1600" dirty="0">
-                <a:solidFill>
-                  <a:srgbClr val="FF0000"/>
-                </a:solidFill>
-              </a:rPr>
-              <a:t>Exemplo conta admin</a:t>
-            </a:r>
-          </a:p>
-          <a:p>
-            <a:pPr marL="285750" indent="-285750">
-              <a:buFont typeface="Arial" panose="020B0604020202020204" pitchFamily="34" charset="0"/>
-              <a:buChar char="•"/>
-            </a:pPr>
-            <a:r>
-              <a:rPr lang="pt-PT" sz="1600" dirty="0">
-                <a:solidFill>
-                  <a:srgbClr val="FF0000"/>
-                </a:solidFill>
-              </a:rPr>
-              <a:t>Várias estatísticas possiveis</a:t>
-            </a:r>
-          </a:p>
-          <a:p>
-            <a:endParaRPr lang="pt-PT" sz="1600" dirty="0">
-              <a:solidFill>
-                <a:srgbClr val="FF0000"/>
-              </a:solidFill>
-            </a:endParaRPr>
-          </a:p>
-          <a:p>
-            <a:pPr algn="ctr"/>
-            <a:r>
-              <a:rPr lang="pt-PT" sz="1600" dirty="0">
-                <a:solidFill>
-                  <a:srgbClr val="FF0000"/>
-                </a:solidFill>
-              </a:rPr>
-              <a:t>Exemplo Streamer</a:t>
-            </a:r>
-          </a:p>
-        </p:txBody>
-      </p:sp>
-      <p:pic>
-        <p:nvPicPr>
-          <p:cNvPr id="15" name="Picture 14">
-            <a:extLst>
-              <a:ext uri="{FF2B5EF4-FFF2-40B4-BE49-F238E27FC236}">
-                <a16:creationId xmlns:a16="http://schemas.microsoft.com/office/drawing/2014/main" id="{C4891DB0-F247-4E84-ADBF-FC44AEA05A68}"/>
-              </a:ext>
-            </a:extLst>
-          </p:cNvPr>
-          <p:cNvPicPr>
-            <a:picLocks noChangeAspect="1"/>
-          </p:cNvPicPr>
-          <p:nvPr/>
-        </p:nvPicPr>
-        <p:blipFill rotWithShape="1">
-          <a:blip r:embed="rId6"/>
-          <a:srcRect b="31281"/>
-          <a:stretch/>
-        </p:blipFill>
-        <p:spPr>
-          <a:xfrm>
-            <a:off x="8796845" y="4939812"/>
-            <a:ext cx="2079936" cy="1242874"/>
+            <a:off x="3612605" y="2230575"/>
+            <a:ext cx="2768404" cy="2012777"/>
           </a:xfrm>
           <a:prstGeom prst="rect">
             <a:avLst/>
@@ -6862,7 +6655,7 @@
     </p:spTree>
     <p:extLst>
       <p:ext uri="{BB962C8B-B14F-4D97-AF65-F5344CB8AC3E}">
-        <p14:creationId xmlns:p14="http://schemas.microsoft.com/office/powerpoint/2010/main" val="3138427854"/>
+        <p14:creationId xmlns:p14="http://schemas.microsoft.com/office/powerpoint/2010/main" val="465885420"/>
       </p:ext>
     </p:extLst>
   </p:cSld>
@@ -6914,18 +6707,247 @@
             <a:r>
               <a:rPr lang="pt-PT" sz="6600" dirty="0">
                 <a:solidFill>
-                  <a:srgbClr val="FF0000"/>
+                  <a:schemeClr val="tx1">
+                    <a:lumMod val="85000"/>
+                    <a:lumOff val="15000"/>
+                  </a:schemeClr>
                 </a:solidFill>
                 <a:latin typeface="Bahnschrift SemiLight" panose="020B0502040204020203" pitchFamily="34" charset="0"/>
               </a:rPr>
-              <a:t>UI – Pesquisas</a:t>
+              <a:t>Destaque - Listagem</a:t>
             </a:r>
             <a:endParaRPr lang="en-GB" sz="6600" dirty="0">
               <a:solidFill>
-                <a:srgbClr val="FF0000"/>
+                <a:schemeClr val="tx1">
+                  <a:lumMod val="85000"/>
+                  <a:lumOff val="15000"/>
+                </a:schemeClr>
               </a:solidFill>
               <a:latin typeface="Bahnschrift SemiLight" panose="020B0502040204020203" pitchFamily="34" charset="0"/>
             </a:endParaRPr>
+          </a:p>
+        </p:txBody>
+      </p:sp>
+      <p:sp>
+        <p:nvSpPr>
+          <p:cNvPr id="3" name="Marcador de Posição de Conteúdo 2">
+            <a:extLst>
+              <a:ext uri="{FF2B5EF4-FFF2-40B4-BE49-F238E27FC236}">
+                <a16:creationId xmlns:a16="http://schemas.microsoft.com/office/drawing/2014/main" id="{B3B74F31-20FC-4247-9C66-D428333967A4}"/>
+              </a:ext>
+            </a:extLst>
+          </p:cNvPr>
+          <p:cNvSpPr>
+            <a:spLocks noGrp="1"/>
+          </p:cNvSpPr>
+          <p:nvPr>
+            <p:ph idx="1"/>
+          </p:nvPr>
+        </p:nvSpPr>
+        <p:spPr>
+          <a:xfrm>
+            <a:off x="1097280" y="2116449"/>
+            <a:ext cx="10058400" cy="4004649"/>
+          </a:xfrm>
+        </p:spPr>
+        <p:txBody>
+          <a:bodyPr>
+            <a:normAutofit/>
+          </a:bodyPr>
+          <a:lstStyle/>
+          <a:p>
+            <a:pPr lvl="1">
+              <a:buClr>
+                <a:srgbClr val="8C2D19"/>
+              </a:buClr>
+              <a:buFont typeface="Arial" panose="020B0604020202020204" pitchFamily="34" charset="0"/>
+              <a:buChar char="•"/>
+            </a:pPr>
+            <a:r>
+              <a:rPr lang="pt-PT" dirty="0">
+                <a:solidFill>
+                  <a:schemeClr val="tx1"/>
+                </a:solidFill>
+              </a:rPr>
+              <a:t>Foi alargada a </a:t>
+            </a:r>
+            <a:r>
+              <a:rPr lang="pt-PT" dirty="0" err="1">
+                <a:solidFill>
+                  <a:schemeClr val="tx1"/>
+                </a:solidFill>
+              </a:rPr>
+              <a:t>feature</a:t>
+            </a:r>
+            <a:r>
+              <a:rPr lang="pt-PT" dirty="0">
+                <a:solidFill>
+                  <a:schemeClr val="tx1"/>
+                </a:solidFill>
+              </a:rPr>
+              <a:t> de pesquisas </a:t>
+            </a:r>
+            <a:r>
+              <a:rPr lang="pt-PT" dirty="0" err="1">
+                <a:solidFill>
+                  <a:schemeClr val="tx1"/>
+                </a:solidFill>
+              </a:rPr>
+              <a:t>costumizadas</a:t>
+            </a:r>
+            <a:r>
+              <a:rPr lang="pt-PT" dirty="0">
+                <a:solidFill>
+                  <a:schemeClr val="tx1"/>
+                </a:solidFill>
+              </a:rPr>
+              <a:t> às doações.</a:t>
+            </a:r>
+          </a:p>
+          <a:p>
+            <a:pPr lvl="1">
+              <a:buClr>
+                <a:srgbClr val="8C2D19"/>
+              </a:buClr>
+              <a:buFont typeface="Arial" panose="020B0604020202020204" pitchFamily="34" charset="0"/>
+              <a:buChar char="•"/>
+            </a:pPr>
+            <a:endParaRPr lang="pt-PT" dirty="0">
+              <a:solidFill>
+                <a:schemeClr val="tx1"/>
+              </a:solidFill>
+            </a:endParaRPr>
+          </a:p>
+          <a:p>
+            <a:pPr lvl="1">
+              <a:buClr>
+                <a:srgbClr val="8C2D19"/>
+              </a:buClr>
+              <a:buFont typeface="Arial" panose="020B0604020202020204" pitchFamily="34" charset="0"/>
+              <a:buChar char="•"/>
+            </a:pPr>
+            <a:r>
+              <a:rPr lang="pt-PT" dirty="0">
+                <a:solidFill>
+                  <a:schemeClr val="tx1"/>
+                </a:solidFill>
+              </a:rPr>
+              <a:t>Chama-se a função de pesquisa respetiva com vetores dos </a:t>
+            </a:r>
+            <a:r>
+              <a:rPr lang="pt-PT" dirty="0" err="1">
+                <a:solidFill>
+                  <a:schemeClr val="tx1"/>
+                </a:solidFill>
+              </a:rPr>
+              <a:t>parametros</a:t>
+            </a:r>
+            <a:r>
+              <a:rPr lang="pt-PT" dirty="0">
+                <a:solidFill>
+                  <a:schemeClr val="tx1"/>
+                </a:solidFill>
+              </a:rPr>
+              <a:t> correspondentes. Se for enviado vetor vazio, aceita todos. Ex:</a:t>
+            </a:r>
+          </a:p>
+          <a:p>
+            <a:pPr lvl="2">
+              <a:buClr>
+                <a:srgbClr val="8C2D19"/>
+              </a:buClr>
+              <a:buFont typeface="Arial" panose="020B0604020202020204" pitchFamily="34" charset="0"/>
+              <a:buChar char="•"/>
+            </a:pPr>
+            <a:r>
+              <a:rPr lang="pt-PT" dirty="0">
+                <a:solidFill>
+                  <a:schemeClr val="tx1"/>
+                </a:solidFill>
+              </a:rPr>
+              <a:t>Enviar vetor com os valores de avaliação.</a:t>
+            </a:r>
+          </a:p>
+          <a:p>
+            <a:pPr lvl="2">
+              <a:buClr>
+                <a:srgbClr val="8C2D19"/>
+              </a:buClr>
+              <a:buFont typeface="Arial" panose="020B0604020202020204" pitchFamily="34" charset="0"/>
+              <a:buChar char="•"/>
+            </a:pPr>
+            <a:r>
+              <a:rPr lang="pt-PT" dirty="0">
+                <a:solidFill>
+                  <a:schemeClr val="tx1"/>
+                </a:solidFill>
+              </a:rPr>
+              <a:t>Enviar valor </a:t>
+            </a:r>
+            <a:r>
+              <a:rPr lang="pt-PT" dirty="0" err="1">
+                <a:solidFill>
+                  <a:schemeClr val="tx1"/>
+                </a:solidFill>
+              </a:rPr>
+              <a:t>minimo</a:t>
+            </a:r>
+            <a:r>
+              <a:rPr lang="pt-PT" dirty="0">
+                <a:solidFill>
+                  <a:schemeClr val="tx1"/>
+                </a:solidFill>
+              </a:rPr>
+              <a:t>.</a:t>
+            </a:r>
+          </a:p>
+          <a:p>
+            <a:pPr lvl="2">
+              <a:buClr>
+                <a:srgbClr val="8C2D19"/>
+              </a:buClr>
+              <a:buFont typeface="Arial" panose="020B0604020202020204" pitchFamily="34" charset="0"/>
+              <a:buChar char="•"/>
+            </a:pPr>
+            <a:r>
+              <a:rPr lang="pt-PT" dirty="0">
+                <a:solidFill>
+                  <a:schemeClr val="tx1"/>
+                </a:solidFill>
+              </a:rPr>
+              <a:t>Enviar valor máximo.</a:t>
+            </a:r>
+          </a:p>
+          <a:p>
+            <a:pPr lvl="1">
+              <a:buClr>
+                <a:srgbClr val="8C2D19"/>
+              </a:buClr>
+              <a:buFont typeface="Arial" panose="020B0604020202020204" pitchFamily="34" charset="0"/>
+              <a:buChar char="•"/>
+            </a:pPr>
+            <a:endParaRPr lang="pt-PT" dirty="0">
+              <a:solidFill>
+                <a:schemeClr val="tx1"/>
+              </a:solidFill>
+            </a:endParaRPr>
+          </a:p>
+          <a:p>
+            <a:pPr lvl="1">
+              <a:buClr>
+                <a:srgbClr val="8C2D19"/>
+              </a:buClr>
+              <a:buFont typeface="Arial" panose="020B0604020202020204" pitchFamily="34" charset="0"/>
+              <a:buChar char="•"/>
+            </a:pPr>
+            <a:r>
+              <a:rPr lang="pt-PT" dirty="0">
+                <a:solidFill>
+                  <a:schemeClr val="tx1"/>
+                </a:solidFill>
+              </a:rPr>
+              <a:t>Neste caso, por se tratar de uma BST não faria sentido alterar a ordenação que esta impõe no seu conjunto de dados, por isso permanece ordenada pelo montante e pela avaliação.</a:t>
+            </a:r>
           </a:p>
         </p:txBody>
       </p:sp>
@@ -7064,252 +7086,10 @@
           </a:prstGeom>
         </p:spPr>
       </p:pic>
-      <p:sp>
-        <p:nvSpPr>
-          <p:cNvPr id="12" name="TextBox 11">
-            <a:extLst>
-              <a:ext uri="{FF2B5EF4-FFF2-40B4-BE49-F238E27FC236}">
-                <a16:creationId xmlns:a16="http://schemas.microsoft.com/office/drawing/2014/main" id="{B5D78712-70F3-4C81-AE5C-F3E20EFC6ABC}"/>
-              </a:ext>
-            </a:extLst>
-          </p:cNvPr>
-          <p:cNvSpPr txBox="1"/>
-          <p:nvPr/>
-        </p:nvSpPr>
-        <p:spPr>
-          <a:xfrm>
-            <a:off x="861379" y="4381999"/>
-            <a:ext cx="5649612" cy="1754326"/>
-          </a:xfrm>
-          <a:prstGeom prst="rect">
-            <a:avLst/>
-          </a:prstGeom>
-          <a:noFill/>
-        </p:spPr>
-        <p:txBody>
-          <a:bodyPr wrap="square" rtlCol="0">
-            <a:spAutoFit/>
-          </a:bodyPr>
-          <a:lstStyle/>
-          <a:p>
-            <a:pPr marL="285750" indent="-285750">
-              <a:buFont typeface="Arial" panose="020B0604020202020204" pitchFamily="34" charset="0"/>
-              <a:buChar char="•"/>
-            </a:pPr>
-            <a:r>
-              <a:rPr lang="pt-PT" dirty="0">
-                <a:solidFill>
-                  <a:srgbClr val="FF0000"/>
-                </a:solidFill>
-              </a:rPr>
-              <a:t>Escolher vários parametros</a:t>
-            </a:r>
-          </a:p>
-          <a:p>
-            <a:pPr marL="285750" indent="-285750">
-              <a:buFont typeface="Arial" panose="020B0604020202020204" pitchFamily="34" charset="0"/>
-              <a:buChar char="•"/>
-            </a:pPr>
-            <a:r>
-              <a:rPr lang="pt-PT" dirty="0">
-                <a:solidFill>
-                  <a:srgbClr val="FF0000"/>
-                </a:solidFill>
-              </a:rPr>
-              <a:t>Não escolher nenhum género implica pesquisar por todos</a:t>
-            </a:r>
-          </a:p>
-          <a:p>
-            <a:pPr marL="285750" indent="-285750">
-              <a:buFont typeface="Arial" panose="020B0604020202020204" pitchFamily="34" charset="0"/>
-              <a:buChar char="•"/>
-            </a:pPr>
-            <a:r>
-              <a:rPr lang="pt-PT" dirty="0">
-                <a:solidFill>
-                  <a:srgbClr val="FF0000"/>
-                </a:solidFill>
-              </a:rPr>
-              <a:t>Escolher 0 para parar de adicionar elementos à pesquisa</a:t>
-            </a:r>
-          </a:p>
-          <a:p>
-            <a:pPr marL="285750" indent="-285750">
-              <a:buFont typeface="Arial" panose="020B0604020202020204" pitchFamily="34" charset="0"/>
-              <a:buChar char="•"/>
-            </a:pPr>
-            <a:r>
-              <a:rPr lang="pt-PT" dirty="0">
-                <a:solidFill>
-                  <a:srgbClr val="FF0000"/>
-                </a:solidFill>
-              </a:rPr>
-              <a:t>Ordenar à escolha se assim desejar</a:t>
-            </a:r>
-            <a:endParaRPr lang="en-US" dirty="0">
-              <a:solidFill>
-                <a:srgbClr val="FF0000"/>
-              </a:solidFill>
-            </a:endParaRPr>
-          </a:p>
-        </p:txBody>
-      </p:sp>
-      <p:sp>
-        <p:nvSpPr>
-          <p:cNvPr id="13" name="TextBox 12">
-            <a:extLst>
-              <a:ext uri="{FF2B5EF4-FFF2-40B4-BE49-F238E27FC236}">
-                <a16:creationId xmlns:a16="http://schemas.microsoft.com/office/drawing/2014/main" id="{3918F24A-B858-4DAC-8BB2-AA8C55D4EF93}"/>
-              </a:ext>
-            </a:extLst>
-          </p:cNvPr>
-          <p:cNvSpPr txBox="1"/>
-          <p:nvPr/>
-        </p:nvSpPr>
-        <p:spPr>
-          <a:xfrm>
-            <a:off x="7097164" y="5259162"/>
-            <a:ext cx="4426052" cy="923330"/>
-          </a:xfrm>
-          <a:prstGeom prst="rect">
-            <a:avLst/>
-          </a:prstGeom>
-          <a:noFill/>
-        </p:spPr>
-        <p:txBody>
-          <a:bodyPr wrap="square" rtlCol="0">
-            <a:spAutoFit/>
-          </a:bodyPr>
-          <a:lstStyle/>
-          <a:p>
-            <a:pPr marL="285750" indent="-285750">
-              <a:buFont typeface="Arial" panose="020B0604020202020204" pitchFamily="34" charset="0"/>
-              <a:buChar char="•"/>
-            </a:pPr>
-            <a:r>
-              <a:rPr lang="pt-PT" dirty="0">
-                <a:solidFill>
-                  <a:srgbClr val="FF0000"/>
-                </a:solidFill>
-              </a:rPr>
-              <a:t>Sistema de páginas</a:t>
-            </a:r>
-          </a:p>
-          <a:p>
-            <a:pPr marL="285750" indent="-285750">
-              <a:buFont typeface="Arial" panose="020B0604020202020204" pitchFamily="34" charset="0"/>
-              <a:buChar char="•"/>
-            </a:pPr>
-            <a:r>
-              <a:rPr lang="pt-PT" dirty="0">
-                <a:solidFill>
-                  <a:srgbClr val="FF0000"/>
-                </a:solidFill>
-              </a:rPr>
-              <a:t>Objetivo de não apresentar demasiadas entradas no ecrã de uma vez só.</a:t>
-            </a:r>
-            <a:endParaRPr lang="en-US" dirty="0">
-              <a:solidFill>
-                <a:srgbClr val="FF0000"/>
-              </a:solidFill>
-            </a:endParaRPr>
-          </a:p>
-        </p:txBody>
-      </p:sp>
-      <p:pic>
-        <p:nvPicPr>
-          <p:cNvPr id="8" name="Picture 7">
-            <a:extLst>
-              <a:ext uri="{FF2B5EF4-FFF2-40B4-BE49-F238E27FC236}">
-                <a16:creationId xmlns:a16="http://schemas.microsoft.com/office/drawing/2014/main" id="{59DFA416-8478-4302-A4BD-FD4A0E85E958}"/>
-              </a:ext>
-            </a:extLst>
-          </p:cNvPr>
-          <p:cNvPicPr>
-            <a:picLocks noChangeAspect="1"/>
-          </p:cNvPicPr>
-          <p:nvPr/>
-        </p:nvPicPr>
-        <p:blipFill>
-          <a:blip r:embed="rId3"/>
-          <a:stretch>
-            <a:fillRect/>
-          </a:stretch>
-        </p:blipFill>
-        <p:spPr>
-          <a:xfrm>
-            <a:off x="861379" y="2324472"/>
-            <a:ext cx="2600430" cy="1824981"/>
-          </a:xfrm>
-          <a:prstGeom prst="rect">
-            <a:avLst/>
-          </a:prstGeom>
-        </p:spPr>
-      </p:pic>
-      <p:pic>
-        <p:nvPicPr>
-          <p:cNvPr id="16" name="Picture 15">
-            <a:extLst>
-              <a:ext uri="{FF2B5EF4-FFF2-40B4-BE49-F238E27FC236}">
-                <a16:creationId xmlns:a16="http://schemas.microsoft.com/office/drawing/2014/main" id="{24CC2751-1A2A-4FFC-BCBC-90AE321EF4B7}"/>
-              </a:ext>
-            </a:extLst>
-          </p:cNvPr>
-          <p:cNvPicPr>
-            <a:picLocks noChangeAspect="1"/>
-          </p:cNvPicPr>
-          <p:nvPr/>
-        </p:nvPicPr>
-        <p:blipFill>
-          <a:blip r:embed="rId4"/>
-          <a:stretch>
-            <a:fillRect/>
-          </a:stretch>
-        </p:blipFill>
-        <p:spPr>
-          <a:xfrm>
-            <a:off x="7783230" y="1832514"/>
-            <a:ext cx="3053920" cy="3149355"/>
-          </a:xfrm>
-          <a:prstGeom prst="rect">
-            <a:avLst/>
-          </a:prstGeom>
-        </p:spPr>
-      </p:pic>
-      <p:pic>
-        <p:nvPicPr>
-          <p:cNvPr id="9" name="Picture 8">
-            <a:extLst>
-              <a:ext uri="{FF2B5EF4-FFF2-40B4-BE49-F238E27FC236}">
-                <a16:creationId xmlns:a16="http://schemas.microsoft.com/office/drawing/2014/main" id="{609E53D3-C469-4E0F-82E7-9857FA4173D9}"/>
-              </a:ext>
-            </a:extLst>
-          </p:cNvPr>
-          <p:cNvPicPr>
-            <a:picLocks noChangeAspect="1"/>
-          </p:cNvPicPr>
-          <p:nvPr/>
-        </p:nvPicPr>
-        <p:blipFill>
-          <a:blip r:embed="rId5"/>
-          <a:stretch>
-            <a:fillRect/>
-          </a:stretch>
-        </p:blipFill>
-        <p:spPr>
-          <a:xfrm>
-            <a:off x="3612605" y="2230575"/>
-            <a:ext cx="2768404" cy="2012777"/>
-          </a:xfrm>
-          <a:prstGeom prst="rect">
-            <a:avLst/>
-          </a:prstGeom>
-        </p:spPr>
-      </p:pic>
     </p:spTree>
     <p:extLst>
       <p:ext uri="{BB962C8B-B14F-4D97-AF65-F5344CB8AC3E}">
-        <p14:creationId xmlns:p14="http://schemas.microsoft.com/office/powerpoint/2010/main" val="465885420"/>
+        <p14:creationId xmlns:p14="http://schemas.microsoft.com/office/powerpoint/2010/main" val="516750047"/>
       </p:ext>
     </p:extLst>
   </p:cSld>
@@ -7368,7 +7148,7 @@
                 </a:solidFill>
                 <a:latin typeface="Bahnschrift SemiLight" panose="020B0502040204020203" pitchFamily="34" charset="0"/>
               </a:rPr>
-              <a:t>Destaque - Listagem</a:t>
+              <a:t>Observações</a:t>
             </a:r>
             <a:endParaRPr lang="en-GB" sz="6600" dirty="0">
               <a:solidFill>
@@ -7420,10 +7200,10 @@
             <a:r>
               <a:rPr lang="pt-PT" dirty="0">
                 <a:solidFill>
-                  <a:srgbClr val="FF0000"/>
+                  <a:schemeClr val="tx1"/>
                 </a:solidFill>
               </a:rPr>
-              <a:t>Pesquisas customizadas que juntam vários parâmetros através das funções definidas no SearchManager. Ex: linguagem(s), género(s), idade mínima.</a:t>
+              <a:t>Gostaríamos de realçar que a segunda parte to trabalho foi relativamente simples de implementar visto que o trabalho realizado anteriormente estava bastante bem estruturado.</a:t>
             </a:r>
           </a:p>
           <a:p>
@@ -7436,7 +7216,7 @@
             </a:pPr>
             <a:endParaRPr lang="pt-PT" dirty="0">
               <a:solidFill>
-                <a:srgbClr val="FF0000"/>
+                <a:schemeClr val="tx1"/>
               </a:solidFill>
             </a:endParaRPr>
           </a:p>
@@ -7451,78 +7231,106 @@
             <a:r>
               <a:rPr lang="pt-PT" dirty="0">
                 <a:solidFill>
-                  <a:srgbClr val="FF0000"/>
+                  <a:schemeClr val="tx1"/>
                 </a:solidFill>
               </a:rPr>
-              <a:t>Chama-se a função de pesquisa respetiva com vetores dos parametros correspondentes. Se for enviado vetor vazio, aceita todos. Ex:</a:t>
-            </a:r>
-          </a:p>
-          <a:p>
-            <a:pPr lvl="2">
-              <a:buClr>
-                <a:srgbClr val="8C2D19"/>
-              </a:buClr>
-              <a:buFont typeface="Arial" panose="020B0604020202020204" pitchFamily="34" charset="0"/>
-              <a:buChar char="•"/>
-            </a:pPr>
+              <a:t>A conta de </a:t>
+            </a:r>
+            <a:r>
+              <a:rPr lang="pt-PT" dirty="0" err="1">
+                <a:solidFill>
+                  <a:schemeClr val="tx1"/>
+                </a:solidFill>
+              </a:rPr>
+              <a:t>streamer</a:t>
+            </a:r>
             <a:r>
               <a:rPr lang="pt-PT" dirty="0">
                 <a:solidFill>
-                  <a:srgbClr val="FF0000"/>
+                  <a:schemeClr val="tx1"/>
                 </a:solidFill>
               </a:rPr>
-              <a:t>Enviar vetor de géneros com os valores gaming e cooking.</a:t>
-            </a:r>
-          </a:p>
-          <a:p>
-            <a:pPr lvl="2">
-              <a:buClr>
-                <a:srgbClr val="8C2D19"/>
-              </a:buClr>
-              <a:buFont typeface="Arial" panose="020B0604020202020204" pitchFamily="34" charset="0"/>
-              <a:buChar char="•"/>
-            </a:pPr>
+              <a:t> tem agora um código associado. Caso tenho o código de estado a 1, deve receber </a:t>
+            </a:r>
+            <a:r>
+              <a:rPr lang="pt-PT" dirty="0" err="1">
+                <a:solidFill>
+                  <a:schemeClr val="tx1"/>
+                </a:solidFill>
+              </a:rPr>
+              <a:t>likes</a:t>
+            </a:r>
             <a:r>
               <a:rPr lang="pt-PT" dirty="0">
                 <a:solidFill>
-                  <a:srgbClr val="FF0000"/>
+                  <a:schemeClr val="tx1"/>
                 </a:solidFill>
               </a:rPr>
-              <a:t>Enviar vetor de linguagens vazio.</a:t>
-            </a:r>
-          </a:p>
-          <a:p>
-            <a:pPr lvl="2">
-              <a:buClr>
-                <a:srgbClr val="8C2D19"/>
-              </a:buClr>
-              <a:buFont typeface="Arial" panose="020B0604020202020204" pitchFamily="34" charset="0"/>
-              <a:buChar char="•"/>
-            </a:pPr>
+              <a:t> na próxima </a:t>
+            </a:r>
+            <a:r>
+              <a:rPr lang="pt-PT" dirty="0" err="1">
+                <a:solidFill>
+                  <a:schemeClr val="tx1"/>
+                </a:solidFill>
+              </a:rPr>
+              <a:t>stream</a:t>
+            </a:r>
             <a:r>
               <a:rPr lang="pt-PT" dirty="0">
                 <a:solidFill>
-                  <a:srgbClr val="FF0000"/>
+                  <a:schemeClr val="tx1"/>
                 </a:solidFill>
               </a:rPr>
-              <a:t>Idade minima de 16 anos.</a:t>
-            </a:r>
-          </a:p>
-          <a:p>
-            <a:pPr lvl="2">
-              <a:buClr>
-                <a:srgbClr val="8C2D19"/>
-              </a:buClr>
-              <a:buFont typeface="Arial" panose="020B0604020202020204" pitchFamily="34" charset="0"/>
-              <a:buChar char="•"/>
-            </a:pPr>
+              <a:t> iniciada. Caso esteja a 2 este já usufruiu do seu bónus de reativação. Implementamos esta </a:t>
+            </a:r>
+            <a:r>
+              <a:rPr lang="pt-PT" dirty="0" err="1">
+                <a:solidFill>
+                  <a:schemeClr val="tx1"/>
+                </a:solidFill>
+              </a:rPr>
+              <a:t>feature</a:t>
+            </a:r>
             <a:r>
               <a:rPr lang="pt-PT" dirty="0">
                 <a:solidFill>
-                  <a:srgbClr val="FF0000"/>
+                  <a:schemeClr val="tx1"/>
                 </a:solidFill>
               </a:rPr>
-              <a:t>Resultado: Retorna vetor com todas as streams de qualquer linguagem, cujos géneros sejam ou gaming ou cooking, cuja idade mínima da stream seja superior ou igual a 16 anos.</a:t>
+              <a:t> desta maneira para prevenir o abuso de utilizadores de forma a obter </a:t>
+            </a:r>
+            <a:r>
+              <a:rPr lang="pt-PT" dirty="0" err="1">
+                <a:solidFill>
+                  <a:schemeClr val="tx1"/>
+                </a:solidFill>
+              </a:rPr>
+              <a:t>likes</a:t>
+            </a:r>
+            <a:r>
+              <a:rPr lang="pt-PT" dirty="0">
+                <a:solidFill>
+                  <a:schemeClr val="tx1"/>
+                </a:solidFill>
+              </a:rPr>
+              <a:t> de forma </a:t>
+            </a:r>
+            <a:r>
+              <a:rPr lang="pt-PT" dirty="0" err="1">
+                <a:solidFill>
+                  <a:schemeClr val="tx1"/>
+                </a:solidFill>
+              </a:rPr>
+              <a:t>insjusta</a:t>
+            </a:r>
+            <a:r>
+              <a:rPr lang="pt-PT" dirty="0">
+                <a:solidFill>
+                  <a:schemeClr val="tx1"/>
+                </a:solidFill>
+              </a:rPr>
+              <a:t>.</a:t>
             </a:r>
           </a:p>
           <a:p>
@@ -7535,7 +7343,7 @@
             </a:pPr>
             <a:endParaRPr lang="pt-PT" dirty="0">
               <a:solidFill>
-                <a:srgbClr val="FF0000"/>
+                <a:schemeClr val="tx1"/>
               </a:solidFill>
             </a:endParaRPr>
           </a:p>
@@ -7550,11 +7358,59 @@
             <a:r>
               <a:rPr lang="pt-PT" dirty="0">
                 <a:solidFill>
-                  <a:srgbClr val="FF0000"/>
+                  <a:schemeClr val="tx1"/>
                 </a:solidFill>
               </a:rPr>
-              <a:t>Algoritmos de ordenação podem ser aplicados a vetores obtidos pelo passo anterior, obtendo várias listagens possiveis, ordenadas de maneiras diferentes, crescentes ou decrescentes. Ex: Likes, Views.</a:t>
-            </a:r>
+              <a:t>Testes com auxilio à </a:t>
+            </a:r>
+            <a:r>
+              <a:rPr lang="pt-PT" dirty="0" err="1">
+                <a:solidFill>
+                  <a:schemeClr val="tx1"/>
+                </a:solidFill>
+              </a:rPr>
+              <a:t>library</a:t>
+            </a:r>
+            <a:r>
+              <a:rPr lang="pt-PT" dirty="0">
+                <a:solidFill>
+                  <a:schemeClr val="tx1"/>
+                </a:solidFill>
+              </a:rPr>
+              <a:t> Google </a:t>
+            </a:r>
+            <a:r>
+              <a:rPr lang="pt-PT" dirty="0" err="1">
+                <a:solidFill>
+                  <a:schemeClr val="tx1"/>
+                </a:solidFill>
+              </a:rPr>
+              <a:t>Tests</a:t>
+            </a:r>
+            <a:r>
+              <a:rPr lang="pt-PT" dirty="0">
+                <a:solidFill>
+                  <a:schemeClr val="tx1"/>
+                </a:solidFill>
+              </a:rPr>
+              <a:t> para assegurar a qualidade e a robustez do código.</a:t>
+            </a:r>
+          </a:p>
+          <a:p>
+            <a:pPr marL="0" indent="0">
+              <a:buNone/>
+            </a:pPr>
+            <a:endParaRPr lang="pt-PT" dirty="0"/>
+          </a:p>
+          <a:p>
+            <a:pPr marL="0" indent="0">
+              <a:buNone/>
+            </a:pPr>
+            <a:r>
+              <a:rPr lang="pt-PT" dirty="0"/>
+              <a:t> </a:t>
+            </a:r>
+            <a:endParaRPr lang="en-GB" dirty="0"/>
           </a:p>
         </p:txBody>
       </p:sp>
@@ -7696,7 +7552,7 @@
     </p:spTree>
     <p:extLst>
       <p:ext uri="{BB962C8B-B14F-4D97-AF65-F5344CB8AC3E}">
-        <p14:creationId xmlns:p14="http://schemas.microsoft.com/office/powerpoint/2010/main" val="516750047"/>
+        <p14:creationId xmlns:p14="http://schemas.microsoft.com/office/powerpoint/2010/main" val="1899299684"/>
       </p:ext>
     </p:extLst>
   </p:cSld>
@@ -7728,7 +7584,7 @@
           <p:cNvPr id="2" name="Título 1">
             <a:extLst>
               <a:ext uri="{FF2B5EF4-FFF2-40B4-BE49-F238E27FC236}">
-                <a16:creationId xmlns:a16="http://schemas.microsoft.com/office/drawing/2014/main" id="{B6E269CC-F3EC-43ED-BC98-FCEA20CEA90D}"/>
+                <a16:creationId xmlns:a16="http://schemas.microsoft.com/office/drawing/2014/main" id="{946B05BC-BE14-4CEB-A649-38C2D6E132C4}"/>
               </a:ext>
             </a:extLst>
           </p:cNvPr>
@@ -7755,7 +7611,7 @@
                 </a:solidFill>
                 <a:latin typeface="Bahnschrift SemiLight" panose="020B0502040204020203" pitchFamily="34" charset="0"/>
               </a:rPr>
-              <a:t>Observações</a:t>
+              <a:t>Dificuldades</a:t>
             </a:r>
             <a:endParaRPr lang="en-GB" sz="6600" dirty="0">
               <a:solidFill>
@@ -7769,137 +7625,12 @@
           </a:p>
         </p:txBody>
       </p:sp>
-      <p:sp>
-        <p:nvSpPr>
-          <p:cNvPr id="3" name="Marcador de Posição de Conteúdo 2">
-            <a:extLst>
-              <a:ext uri="{FF2B5EF4-FFF2-40B4-BE49-F238E27FC236}">
-                <a16:creationId xmlns:a16="http://schemas.microsoft.com/office/drawing/2014/main" id="{B3B74F31-20FC-4247-9C66-D428333967A4}"/>
-              </a:ext>
-            </a:extLst>
-          </p:cNvPr>
-          <p:cNvSpPr>
-            <a:spLocks noGrp="1"/>
-          </p:cNvSpPr>
-          <p:nvPr>
-            <p:ph idx="1"/>
-          </p:nvPr>
-        </p:nvSpPr>
-        <p:spPr>
-          <a:xfrm>
-            <a:off x="1097280" y="2116449"/>
-            <a:ext cx="10058400" cy="4004649"/>
-          </a:xfrm>
-        </p:spPr>
-        <p:txBody>
-          <a:bodyPr>
-            <a:normAutofit/>
-          </a:bodyPr>
-          <a:lstStyle/>
-          <a:p>
-            <a:pPr lvl="1">
-              <a:buClr>
-                <a:srgbClr val="8C2D19"/>
-              </a:buClr>
-              <a:buFont typeface="Arial" panose="020B0604020202020204" pitchFamily="34" charset="0"/>
-              <a:buChar char="•"/>
-            </a:pPr>
-            <a:r>
-              <a:rPr lang="pt-PT" dirty="0">
-                <a:solidFill>
-                  <a:schemeClr val="tx1"/>
-                </a:solidFill>
-              </a:rPr>
-              <a:t>Gostaríamos de realçar que a segunda parte to trabalho foi relativamente simples de implementar visto que o trabalho realizado anteriormente estava bastante bem estruturado.</a:t>
-            </a:r>
-          </a:p>
-          <a:p>
-            <a:pPr lvl="1">
-              <a:buClr>
-                <a:srgbClr val="8C2D19"/>
-              </a:buClr>
-              <a:buFont typeface="Arial" panose="020B0604020202020204" pitchFamily="34" charset="0"/>
-              <a:buChar char="•"/>
-            </a:pPr>
-            <a:endParaRPr lang="pt-PT" dirty="0">
-              <a:solidFill>
-                <a:schemeClr val="tx1"/>
-              </a:solidFill>
-            </a:endParaRPr>
-          </a:p>
-          <a:p>
-            <a:pPr lvl="1">
-              <a:buClr>
-                <a:srgbClr val="8C2D19"/>
-              </a:buClr>
-              <a:buFont typeface="Arial" panose="020B0604020202020204" pitchFamily="34" charset="0"/>
-              <a:buChar char="•"/>
-            </a:pPr>
-            <a:r>
-              <a:rPr lang="pt-PT" dirty="0">
-                <a:solidFill>
-                  <a:schemeClr val="tx1"/>
-                </a:solidFill>
-              </a:rPr>
-              <a:t>Testes com auxilio à </a:t>
-            </a:r>
-            <a:r>
-              <a:rPr lang="pt-PT" dirty="0" err="1">
-                <a:solidFill>
-                  <a:schemeClr val="tx1"/>
-                </a:solidFill>
-              </a:rPr>
-              <a:t>library</a:t>
-            </a:r>
-            <a:r>
-              <a:rPr lang="pt-PT" dirty="0">
-                <a:solidFill>
-                  <a:schemeClr val="tx1"/>
-                </a:solidFill>
-              </a:rPr>
-              <a:t> Google </a:t>
-            </a:r>
-            <a:r>
-              <a:rPr lang="pt-PT" dirty="0" err="1">
-                <a:solidFill>
-                  <a:schemeClr val="tx1"/>
-                </a:solidFill>
-              </a:rPr>
-              <a:t>Tests</a:t>
-            </a:r>
-            <a:r>
-              <a:rPr lang="pt-PT" dirty="0">
-                <a:solidFill>
-                  <a:schemeClr val="tx1"/>
-                </a:solidFill>
-              </a:rPr>
-              <a:t> para assegurar a qualidade e a robustez do código.</a:t>
-            </a:r>
-          </a:p>
-          <a:p>
-            <a:pPr marL="0" indent="0">
-              <a:buNone/>
-            </a:pPr>
-            <a:endParaRPr lang="pt-PT" dirty="0"/>
-          </a:p>
-          <a:p>
-            <a:pPr marL="0" indent="0">
-              <a:buNone/>
-            </a:pPr>
-            <a:r>
-              <a:rPr lang="pt-PT" dirty="0"/>
-              <a:t> </a:t>
-            </a:r>
-            <a:endParaRPr lang="en-GB" dirty="0"/>
-          </a:p>
-        </p:txBody>
-      </p:sp>
       <p:cxnSp>
         <p:nvCxnSpPr>
           <p:cNvPr id="5" name="Conexão reta 4">
             <a:extLst>
               <a:ext uri="{FF2B5EF4-FFF2-40B4-BE49-F238E27FC236}">
-                <a16:creationId xmlns:a16="http://schemas.microsoft.com/office/drawing/2014/main" id="{D1B427FC-FECB-4AD9-947A-AE1CD8E8E0E9}"/>
+                <a16:creationId xmlns:a16="http://schemas.microsoft.com/office/drawing/2014/main" id="{16A9EEAE-A5F8-447C-BF75-DBD85C985356}"/>
               </a:ext>
             </a:extLst>
           </p:cNvPr>
@@ -7942,7 +7673,7 @@
           <p:cNvPr id="4" name="Marcador de Posição do Rodapé 3">
             <a:extLst>
               <a:ext uri="{FF2B5EF4-FFF2-40B4-BE49-F238E27FC236}">
-                <a16:creationId xmlns:a16="http://schemas.microsoft.com/office/drawing/2014/main" id="{2E6D09DD-1E47-4A67-AB57-535BA57CB1EF}"/>
+                <a16:creationId xmlns:a16="http://schemas.microsoft.com/office/drawing/2014/main" id="{24CC6F16-34DD-4EDA-ADE0-808E5F2B8EED}"/>
               </a:ext>
             </a:extLst>
           </p:cNvPr>
@@ -7970,7 +7701,7 @@
           <p:cNvPr id="6" name="Marcador de Posição do Número do Diapositivo 5">
             <a:extLst>
               <a:ext uri="{FF2B5EF4-FFF2-40B4-BE49-F238E27FC236}">
-                <a16:creationId xmlns:a16="http://schemas.microsoft.com/office/drawing/2014/main" id="{A6038915-9563-428D-88A8-7720015CFAC0}"/>
+                <a16:creationId xmlns:a16="http://schemas.microsoft.com/office/drawing/2014/main" id="{98D93093-7413-457A-B787-19C4B19AA2B9}"/>
               </a:ext>
             </a:extLst>
           </p:cNvPr>
@@ -7989,217 +7720,6 @@
             <a:fld id="{75DB3F52-068C-4339-9FA6-06F9AAEB3337}" type="slidenum">
               <a:rPr lang="en-GB" sz="2400"/>
               <a:t>16</a:t>
-            </a:fld>
-            <a:endParaRPr lang="en-GB" sz="2400" dirty="0"/>
-          </a:p>
-        </p:txBody>
-      </p:sp>
-      <p:pic>
-        <p:nvPicPr>
-          <p:cNvPr id="7" name="Imagem 6">
-            <a:extLst>
-              <a:ext uri="{FF2B5EF4-FFF2-40B4-BE49-F238E27FC236}">
-                <a16:creationId xmlns:a16="http://schemas.microsoft.com/office/drawing/2014/main" id="{95C51A54-AF96-43E2-9C50-EFB3428A2FB4}"/>
-              </a:ext>
-            </a:extLst>
-          </p:cNvPr>
-          <p:cNvPicPr>
-            <a:picLocks noChangeAspect="1"/>
-          </p:cNvPicPr>
-          <p:nvPr/>
-        </p:nvPicPr>
-        <p:blipFill rotWithShape="1">
-          <a:blip r:embed="rId2">
-            <a:extLst>
-              <a:ext uri="{28A0092B-C50C-407E-A947-70E740481C1C}">
-                <a14:useLocalDpi xmlns:a14="http://schemas.microsoft.com/office/drawing/2010/main" val="0"/>
-              </a:ext>
-            </a:extLst>
-          </a:blip>
-          <a:srcRect r="39904"/>
-          <a:stretch/>
-        </p:blipFill>
-        <p:spPr>
-          <a:xfrm>
-            <a:off x="1097280" y="6500189"/>
-            <a:ext cx="1406360" cy="312685"/>
-          </a:xfrm>
-          <a:prstGeom prst="rect">
-            <a:avLst/>
-          </a:prstGeom>
-        </p:spPr>
-      </p:pic>
-    </p:spTree>
-    <p:extLst>
-      <p:ext uri="{BB962C8B-B14F-4D97-AF65-F5344CB8AC3E}">
-        <p14:creationId xmlns:p14="http://schemas.microsoft.com/office/powerpoint/2010/main" val="1899299684"/>
-      </p:ext>
-    </p:extLst>
-  </p:cSld>
-  <p:clrMapOvr>
-    <a:masterClrMapping/>
-  </p:clrMapOvr>
-</p:sld>
-</file>
-
-<file path=ppt/slides/slide17.xml><?xml version="1.0" encoding="utf-8"?>
-<p:sld xmlns:a="http://schemas.openxmlformats.org/drawingml/2006/main" xmlns:r="http://schemas.openxmlformats.org/officeDocument/2006/relationships" xmlns:p="http://schemas.openxmlformats.org/presentationml/2006/main">
-  <p:cSld>
-    <p:spTree>
-      <p:nvGrpSpPr>
-        <p:cNvPr id="1" name=""/>
-        <p:cNvGrpSpPr/>
-        <p:nvPr/>
-      </p:nvGrpSpPr>
-      <p:grpSpPr>
-        <a:xfrm>
-          <a:off x="0" y="0"/>
-          <a:ext cx="0" cy="0"/>
-          <a:chOff x="0" y="0"/>
-          <a:chExt cx="0" cy="0"/>
-        </a:xfrm>
-      </p:grpSpPr>
-      <p:sp>
-        <p:nvSpPr>
-          <p:cNvPr id="2" name="Título 1">
-            <a:extLst>
-              <a:ext uri="{FF2B5EF4-FFF2-40B4-BE49-F238E27FC236}">
-                <a16:creationId xmlns:a16="http://schemas.microsoft.com/office/drawing/2014/main" id="{946B05BC-BE14-4CEB-A649-38C2D6E132C4}"/>
-              </a:ext>
-            </a:extLst>
-          </p:cNvPr>
-          <p:cNvSpPr>
-            <a:spLocks noGrp="1"/>
-          </p:cNvSpPr>
-          <p:nvPr>
-            <p:ph type="title"/>
-          </p:nvPr>
-        </p:nvSpPr>
-        <p:spPr/>
-        <p:txBody>
-          <a:bodyPr/>
-          <a:lstStyle/>
-          <a:p>
-            <a:pPr algn="ctr"/>
-            <a:r>
-              <a:rPr lang="pt-PT" sz="6600" dirty="0">
-                <a:solidFill>
-                  <a:schemeClr val="tx1">
-                    <a:lumMod val="85000"/>
-                    <a:lumOff val="15000"/>
-                  </a:schemeClr>
-                </a:solidFill>
-                <a:latin typeface="Bahnschrift SemiLight" panose="020B0502040204020203" pitchFamily="34" charset="0"/>
-              </a:rPr>
-              <a:t>Dificuldades</a:t>
-            </a:r>
-            <a:endParaRPr lang="en-GB" sz="6600" dirty="0">
-              <a:solidFill>
-                <a:schemeClr val="tx1">
-                  <a:lumMod val="85000"/>
-                  <a:lumOff val="15000"/>
-                </a:schemeClr>
-              </a:solidFill>
-              <a:latin typeface="Bahnschrift SemiLight" panose="020B0502040204020203" pitchFamily="34" charset="0"/>
-            </a:endParaRPr>
-          </a:p>
-        </p:txBody>
-      </p:sp>
-      <p:cxnSp>
-        <p:nvCxnSpPr>
-          <p:cNvPr id="5" name="Conexão reta 4">
-            <a:extLst>
-              <a:ext uri="{FF2B5EF4-FFF2-40B4-BE49-F238E27FC236}">
-                <a16:creationId xmlns:a16="http://schemas.microsoft.com/office/drawing/2014/main" id="{16A9EEAE-A5F8-447C-BF75-DBD85C985356}"/>
-              </a:ext>
-            </a:extLst>
-          </p:cNvPr>
-          <p:cNvCxnSpPr>
-            <a:cxnSpLocks/>
-          </p:cNvCxnSpPr>
-          <p:nvPr/>
-        </p:nvCxnSpPr>
-        <p:spPr>
-          <a:xfrm flipH="1">
-            <a:off x="1097280" y="1737360"/>
-            <a:ext cx="10239504" cy="0"/>
-          </a:xfrm>
-          <a:prstGeom prst="line">
-            <a:avLst/>
-          </a:prstGeom>
-          <a:ln>
-            <a:solidFill>
-              <a:srgbClr val="8C2D19"/>
-            </a:solidFill>
-          </a:ln>
-        </p:spPr>
-        <p:style>
-          <a:lnRef idx="1">
-            <a:schemeClr val="accent1"/>
-          </a:lnRef>
-          <a:fillRef idx="0">
-            <a:schemeClr val="accent1"/>
-          </a:fillRef>
-          <a:effectRef idx="0">
-            <a:schemeClr val="accent1"/>
-          </a:effectRef>
-          <a:fontRef idx="minor">
-            <a:schemeClr val="tx1"/>
-          </a:fontRef>
-        </p:style>
-      </p:cxnSp>
-      <p:sp>
-        <p:nvSpPr>
-          <p:cNvPr id="4" name="Marcador de Posição do Rodapé 3">
-            <a:extLst>
-              <a:ext uri="{FF2B5EF4-FFF2-40B4-BE49-F238E27FC236}">
-                <a16:creationId xmlns:a16="http://schemas.microsoft.com/office/drawing/2014/main" id="{24CC6F16-34DD-4EDA-ADE0-808E5F2B8EED}"/>
-              </a:ext>
-            </a:extLst>
-          </p:cNvPr>
-          <p:cNvSpPr>
-            <a:spLocks noGrp="1"/>
-          </p:cNvSpPr>
-          <p:nvPr>
-            <p:ph type="ftr" sz="quarter" idx="11"/>
-          </p:nvPr>
-        </p:nvSpPr>
-        <p:spPr/>
-        <p:txBody>
-          <a:bodyPr/>
-          <a:lstStyle/>
-          <a:p>
-            <a:r>
-              <a:rPr lang="en-GB" sz="2400" b="1" dirty="0"/>
-              <a:t>2MIEIC04_G1</a:t>
-            </a:r>
-          </a:p>
-        </p:txBody>
-      </p:sp>
-      <p:sp>
-        <p:nvSpPr>
-          <p:cNvPr id="6" name="Marcador de Posição do Número do Diapositivo 5">
-            <a:extLst>
-              <a:ext uri="{FF2B5EF4-FFF2-40B4-BE49-F238E27FC236}">
-                <a16:creationId xmlns:a16="http://schemas.microsoft.com/office/drawing/2014/main" id="{98D93093-7413-457A-B787-19C4B19AA2B9}"/>
-              </a:ext>
-            </a:extLst>
-          </p:cNvPr>
-          <p:cNvSpPr>
-            <a:spLocks noGrp="1"/>
-          </p:cNvSpPr>
-          <p:nvPr>
-            <p:ph type="sldNum" sz="quarter" idx="12"/>
-          </p:nvPr>
-        </p:nvSpPr>
-        <p:spPr/>
-        <p:txBody>
-          <a:bodyPr/>
-          <a:lstStyle/>
-          <a:p>
-            <a:fld id="{75DB3F52-068C-4339-9FA6-06F9AAEB3337}" type="slidenum">
-              <a:rPr lang="en-GB" sz="2400"/>
-              <a:t>17</a:t>
             </a:fld>
             <a:endParaRPr lang="en-GB" sz="2400" dirty="0"/>
           </a:p>
@@ -9592,7 +9112,7 @@
         <p:spPr>
           <a:xfrm>
             <a:off x="1190495" y="1841033"/>
-            <a:ext cx="9871969" cy="3554819"/>
+            <a:ext cx="9871969" cy="2308324"/>
           </a:xfrm>
           <a:prstGeom prst="rect">
             <a:avLst/>
@@ -9629,35 +9149,6 @@
               <a:t>DonationItem</a:t>
             </a:r>
             <a:endParaRPr lang="pt-PT" dirty="0"/>
-          </a:p>
-          <a:p>
-            <a:pPr marL="285750" indent="-285750">
-              <a:buClr>
-                <a:srgbClr val="C00000"/>
-              </a:buClr>
-              <a:buFont typeface="Arial" panose="020B0604020202020204" pitchFamily="34" charset="0"/>
-              <a:buChar char="•"/>
-            </a:pPr>
-            <a:r>
-              <a:rPr lang="pt-PT" dirty="0"/>
-              <a:t>Adicionada BST&lt;</a:t>
-            </a:r>
-            <a:r>
-              <a:rPr lang="pt-PT" dirty="0" err="1"/>
-              <a:t>DonationItem</a:t>
-            </a:r>
-            <a:r>
-              <a:rPr lang="pt-PT" dirty="0"/>
-              <a:t>&gt; á </a:t>
-            </a:r>
-            <a:r>
-              <a:rPr lang="pt-PT" dirty="0" err="1"/>
-              <a:t>dataBase</a:t>
-            </a:r>
-            <a:r>
-              <a:rPr lang="pt-PT" dirty="0"/>
-              <a:t> e novo manager para a alterar</a:t>
-            </a:r>
           </a:p>
           <a:p>
             <a:pPr marL="285750" indent="-285750">
@@ -9678,115 +9169,24 @@
               <a:buChar char="•"/>
             </a:pPr>
             <a:r>
-              <a:rPr lang="pt-PT" dirty="0">
-                <a:solidFill>
-                  <a:srgbClr val="FF0000"/>
-                </a:solidFill>
-              </a:rPr>
-              <a:t>Plataforma que aloca várias classes</a:t>
-            </a:r>
-          </a:p>
-          <a:p>
-            <a:pPr marL="742950" lvl="1" indent="-285750">
-              <a:buClr>
-                <a:srgbClr val="C00000"/>
-              </a:buClr>
-              <a:buFont typeface="Arial" panose="020B0604020202020204" pitchFamily="34" charset="0"/>
-              <a:buChar char="•"/>
-            </a:pPr>
-            <a:r>
-              <a:rPr lang="pt-PT" dirty="0">
-                <a:solidFill>
-                  <a:srgbClr val="FF0000"/>
-                </a:solidFill>
-              </a:rPr>
-              <a:t>User, com classes derivadas Streamer, Viewer e Admin</a:t>
-            </a:r>
-            <a:endParaRPr lang="en-US" dirty="0">
-              <a:solidFill>
-                <a:srgbClr val="FF0000"/>
-              </a:solidFill>
-            </a:endParaRPr>
-          </a:p>
-          <a:p>
-            <a:pPr marL="742950" lvl="1" indent="-285750">
-              <a:buClr>
-                <a:srgbClr val="C00000"/>
-              </a:buClr>
-              <a:buFont typeface="Arial" panose="020B0604020202020204" pitchFamily="34" charset="0"/>
-              <a:buChar char="•"/>
-            </a:pPr>
-            <a:r>
-              <a:rPr lang="en-US" dirty="0">
-                <a:solidFill>
-                  <a:srgbClr val="FF0000"/>
-                </a:solidFill>
-              </a:rPr>
-              <a:t>Stream, com classes </a:t>
-            </a:r>
-            <a:r>
-              <a:rPr lang="en-US" dirty="0" err="1">
-                <a:solidFill>
-                  <a:srgbClr val="FF0000"/>
-                </a:solidFill>
-              </a:rPr>
-              <a:t>derivadas</a:t>
-            </a:r>
-            <a:r>
-              <a:rPr lang="en-US" dirty="0">
-                <a:solidFill>
-                  <a:srgbClr val="FF0000"/>
-                </a:solidFill>
-              </a:rPr>
-              <a:t>, </a:t>
-            </a:r>
-            <a:r>
-              <a:rPr lang="en-US" dirty="0" err="1">
-                <a:solidFill>
-                  <a:srgbClr val="FF0000"/>
-                </a:solidFill>
-              </a:rPr>
-              <a:t>FinishedStream</a:t>
-            </a:r>
-            <a:r>
-              <a:rPr lang="en-US" dirty="0">
-                <a:solidFill>
-                  <a:srgbClr val="FF0000"/>
-                </a:solidFill>
-              </a:rPr>
-              <a:t>, </a:t>
-            </a:r>
-            <a:r>
-              <a:rPr lang="en-US" dirty="0" err="1">
-                <a:solidFill>
-                  <a:srgbClr val="FF0000"/>
-                </a:solidFill>
-              </a:rPr>
-              <a:t>LiveStream</a:t>
-            </a:r>
-            <a:r>
-              <a:rPr lang="en-US" dirty="0">
-                <a:solidFill>
-                  <a:srgbClr val="FF0000"/>
-                </a:solidFill>
-              </a:rPr>
-              <a:t>( com classes </a:t>
-            </a:r>
-            <a:r>
-              <a:rPr lang="en-US" dirty="0" err="1">
-                <a:solidFill>
-                  <a:srgbClr val="FF0000"/>
-                </a:solidFill>
-              </a:rPr>
-              <a:t>derivadas</a:t>
-            </a:r>
-            <a:r>
-              <a:rPr lang="en-US" dirty="0">
-                <a:solidFill>
-                  <a:srgbClr val="FF0000"/>
-                </a:solidFill>
-              </a:rPr>
-              <a:t> Public e Private Streams</a:t>
+              <a:rPr lang="pt-PT" dirty="0"/>
+              <a:t>Adicionada BST&lt;</a:t>
+            </a:r>
+            <a:r>
+              <a:rPr lang="pt-PT" dirty="0" err="1"/>
+              <a:t>DonationItem</a:t>
+            </a:r>
+            <a:r>
+              <a:rPr lang="pt-PT" dirty="0"/>
+              <a:t>&gt; á </a:t>
+            </a:r>
+            <a:r>
+              <a:rPr lang="pt-PT" dirty="0" err="1"/>
+              <a:t>dataBase</a:t>
+            </a:r>
+            <a:r>
+              <a:rPr lang="pt-PT" dirty="0"/>
+              <a:t> e novo manager para a alterar</a:t>
             </a:r>
           </a:p>
           <a:p>
@@ -9797,242 +9197,7 @@
               <a:buFont typeface="Arial" panose="020B0604020202020204" pitchFamily="34" charset="0"/>
               <a:buChar char="•"/>
             </a:pPr>
-            <a:r>
-              <a:rPr lang="en-US" dirty="0">
-                <a:solidFill>
-                  <a:srgbClr val="FF0000"/>
-                </a:solidFill>
-              </a:rPr>
-              <a:t>Sistema de likes e dislikes, </a:t>
-            </a:r>
-            <a:r>
-              <a:rPr lang="en-US" dirty="0" err="1">
-                <a:solidFill>
-                  <a:srgbClr val="FF0000"/>
-                </a:solidFill>
-              </a:rPr>
-              <a:t>usando</a:t>
-            </a:r>
-            <a:r>
-              <a:rPr lang="en-US" dirty="0">
-                <a:solidFill>
-                  <a:srgbClr val="FF0000"/>
-                </a:solidFill>
-              </a:rPr>
-              <a:t> um </a:t>
-            </a:r>
-            <a:r>
-              <a:rPr lang="en-US" dirty="0" err="1">
-                <a:solidFill>
-                  <a:srgbClr val="FF0000"/>
-                </a:solidFill>
-              </a:rPr>
-              <a:t>mapa</a:t>
-            </a:r>
-            <a:r>
-              <a:rPr lang="en-US" dirty="0">
-                <a:solidFill>
-                  <a:srgbClr val="FF0000"/>
-                </a:solidFill>
-              </a:rPr>
-              <a:t> </a:t>
-            </a:r>
-            <a:r>
-              <a:rPr lang="en-US" dirty="0" err="1">
-                <a:solidFill>
-                  <a:srgbClr val="FF0000"/>
-                </a:solidFill>
-              </a:rPr>
-              <a:t>em</a:t>
-            </a:r>
-            <a:r>
-              <a:rPr lang="en-US" dirty="0">
-                <a:solidFill>
-                  <a:srgbClr val="FF0000"/>
-                </a:solidFill>
-              </a:rPr>
-              <a:t> </a:t>
-            </a:r>
-            <a:r>
-              <a:rPr lang="en-US" dirty="0" err="1">
-                <a:solidFill>
-                  <a:srgbClr val="FF0000"/>
-                </a:solidFill>
-              </a:rPr>
-              <a:t>cada</a:t>
-            </a:r>
-            <a:r>
-              <a:rPr lang="en-US" dirty="0">
-                <a:solidFill>
-                  <a:srgbClr val="FF0000"/>
-                </a:solidFill>
-              </a:rPr>
-              <a:t> stream para </a:t>
-            </a:r>
-            <a:r>
-              <a:rPr lang="en-US" dirty="0" err="1">
-                <a:solidFill>
-                  <a:srgbClr val="FF0000"/>
-                </a:solidFill>
-              </a:rPr>
-              <a:t>verificar</a:t>
-            </a:r>
-            <a:r>
-              <a:rPr lang="en-US" dirty="0">
-                <a:solidFill>
-                  <a:srgbClr val="FF0000"/>
-                </a:solidFill>
-              </a:rPr>
-              <a:t> que </a:t>
-            </a:r>
-            <a:r>
-              <a:rPr lang="en-US" dirty="0" err="1">
-                <a:solidFill>
-                  <a:srgbClr val="FF0000"/>
-                </a:solidFill>
-              </a:rPr>
-              <a:t>cada</a:t>
-            </a:r>
-            <a:r>
-              <a:rPr lang="en-US" dirty="0">
-                <a:solidFill>
-                  <a:srgbClr val="FF0000"/>
-                </a:solidFill>
-              </a:rPr>
-              <a:t> user </a:t>
-            </a:r>
-            <a:r>
-              <a:rPr lang="en-US" dirty="0" err="1">
-                <a:solidFill>
-                  <a:srgbClr val="FF0000"/>
-                </a:solidFill>
-              </a:rPr>
-              <a:t>apenas</a:t>
-            </a:r>
-            <a:r>
-              <a:rPr lang="en-US" dirty="0">
-                <a:solidFill>
-                  <a:srgbClr val="FF0000"/>
-                </a:solidFill>
-              </a:rPr>
-              <a:t> </a:t>
-            </a:r>
-            <a:r>
-              <a:rPr lang="en-US" dirty="0" err="1">
-                <a:solidFill>
-                  <a:srgbClr val="FF0000"/>
-                </a:solidFill>
-              </a:rPr>
-              <a:t>interage</a:t>
-            </a:r>
-            <a:r>
-              <a:rPr lang="en-US" dirty="0">
-                <a:solidFill>
-                  <a:srgbClr val="FF0000"/>
-                </a:solidFill>
-              </a:rPr>
-              <a:t> </a:t>
-            </a:r>
-            <a:r>
-              <a:rPr lang="en-US" dirty="0" err="1">
-                <a:solidFill>
-                  <a:srgbClr val="FF0000"/>
-                </a:solidFill>
-              </a:rPr>
-              <a:t>uma</a:t>
-            </a:r>
-            <a:r>
-              <a:rPr lang="en-US" dirty="0">
-                <a:solidFill>
-                  <a:srgbClr val="FF0000"/>
-                </a:solidFill>
-              </a:rPr>
-              <a:t> </a:t>
-            </a:r>
-            <a:r>
-              <a:rPr lang="en-US" dirty="0" err="1">
-                <a:solidFill>
-                  <a:srgbClr val="FF0000"/>
-                </a:solidFill>
-              </a:rPr>
-              <a:t>vez</a:t>
-            </a:r>
-            <a:r>
-              <a:rPr lang="en-US" dirty="0">
-                <a:solidFill>
-                  <a:srgbClr val="FF0000"/>
-                </a:solidFill>
-              </a:rPr>
-              <a:t> (</a:t>
-            </a:r>
-            <a:r>
-              <a:rPr lang="en-US" dirty="0" err="1">
-                <a:solidFill>
-                  <a:srgbClr val="FF0000"/>
-                </a:solidFill>
-              </a:rPr>
-              <a:t>ou</a:t>
-            </a:r>
-            <a:r>
-              <a:rPr lang="en-US" dirty="0">
-                <a:solidFill>
-                  <a:srgbClr val="FF0000"/>
-                </a:solidFill>
-              </a:rPr>
-              <a:t> </a:t>
-            </a:r>
-            <a:r>
-              <a:rPr lang="en-US" dirty="0" err="1">
-                <a:solidFill>
-                  <a:srgbClr val="FF0000"/>
-                </a:solidFill>
-              </a:rPr>
-              <a:t>várias</a:t>
-            </a:r>
-            <a:r>
-              <a:rPr lang="en-US" dirty="0">
-                <a:solidFill>
-                  <a:srgbClr val="FF0000"/>
-                </a:solidFill>
-              </a:rPr>
-              <a:t> se trocar de like para dislike e vice versa).</a:t>
-            </a:r>
-          </a:p>
-          <a:p>
-            <a:pPr marL="285750" indent="-285750">
-              <a:lnSpc>
-                <a:spcPct val="150000"/>
-              </a:lnSpc>
-              <a:buClr>
-                <a:srgbClr val="C00000"/>
-              </a:buClr>
-              <a:buFont typeface="Arial" panose="020B0604020202020204" pitchFamily="34" charset="0"/>
-              <a:buChar char="•"/>
-            </a:pPr>
-            <a:r>
-              <a:rPr lang="en-US" dirty="0">
-                <a:solidFill>
-                  <a:srgbClr val="FF0000"/>
-                </a:solidFill>
-              </a:rPr>
-              <a:t>Sistema de </a:t>
-            </a:r>
-            <a:r>
-              <a:rPr lang="en-US" dirty="0" err="1">
-                <a:solidFill>
-                  <a:srgbClr val="FF0000"/>
-                </a:solidFill>
-              </a:rPr>
-              <a:t>Comentários</a:t>
-            </a:r>
-            <a:r>
-              <a:rPr lang="en-US" dirty="0">
-                <a:solidFill>
-                  <a:srgbClr val="FF0000"/>
-                </a:solidFill>
-              </a:rPr>
-              <a:t> para as Private Streams.</a:t>
-            </a:r>
+            <a:endParaRPr lang="pt-PT" dirty="0"/>
           </a:p>
           <a:p>
             <a:pPr marL="285750" indent="-285750">
@@ -10043,100 +9208,89 @@
               <a:buChar char="•"/>
             </a:pPr>
             <a:r>
-              <a:rPr lang="en-US" dirty="0">
-                <a:solidFill>
-                  <a:srgbClr val="FF0000"/>
-                </a:solidFill>
-              </a:rPr>
-              <a:t>Sistema de </a:t>
-            </a:r>
-            <a:r>
-              <a:rPr lang="en-US" dirty="0" err="1">
-                <a:solidFill>
-                  <a:srgbClr val="FF0000"/>
-                </a:solidFill>
-              </a:rPr>
-              <a:t>seguidores</a:t>
-            </a:r>
-            <a:r>
-              <a:rPr lang="en-US" dirty="0">
-                <a:solidFill>
-                  <a:srgbClr val="FF0000"/>
-                </a:solidFill>
-              </a:rPr>
-              <a:t>, que </a:t>
-            </a:r>
-            <a:r>
-              <a:rPr lang="en-US" dirty="0" err="1">
-                <a:solidFill>
-                  <a:srgbClr val="FF0000"/>
-                </a:solidFill>
-              </a:rPr>
-              <a:t>mostra</a:t>
-            </a:r>
-            <a:r>
-              <a:rPr lang="en-US" dirty="0">
-                <a:solidFill>
-                  <a:srgbClr val="FF0000"/>
-                </a:solidFill>
-              </a:rPr>
-              <a:t> </a:t>
-            </a:r>
-            <a:r>
-              <a:rPr lang="en-US" dirty="0" err="1">
-                <a:solidFill>
-                  <a:srgbClr val="FF0000"/>
-                </a:solidFill>
-              </a:rPr>
-              <a:t>ao</a:t>
-            </a:r>
-            <a:r>
-              <a:rPr lang="en-US" dirty="0">
-                <a:solidFill>
-                  <a:srgbClr val="FF0000"/>
-                </a:solidFill>
-              </a:rPr>
-              <a:t> Viewer streams </a:t>
-            </a:r>
-            <a:r>
-              <a:rPr lang="en-US" dirty="0" err="1">
-                <a:solidFill>
-                  <a:srgbClr val="FF0000"/>
-                </a:solidFill>
-              </a:rPr>
-              <a:t>ativas</a:t>
-            </a:r>
-            <a:r>
-              <a:rPr lang="en-US" dirty="0">
-                <a:solidFill>
-                  <a:srgbClr val="FF0000"/>
-                </a:solidFill>
-              </a:rPr>
-              <a:t> dos, Streamers que </a:t>
-            </a:r>
-            <a:r>
-              <a:rPr lang="en-US" dirty="0" err="1">
-                <a:solidFill>
-                  <a:srgbClr val="FF0000"/>
-                </a:solidFill>
-              </a:rPr>
-              <a:t>ele</a:t>
-            </a:r>
-            <a:r>
-              <a:rPr lang="en-US" dirty="0">
-                <a:solidFill>
-                  <a:srgbClr val="FF0000"/>
-                </a:solidFill>
-              </a:rPr>
-              <a:t> segue.</a:t>
-            </a:r>
-          </a:p>
-          <a:p>
-            <a:pPr marL="285750" indent="-285750">
-              <a:buFont typeface="Arial" panose="020B0604020202020204" pitchFamily="34" charset="0"/>
-              <a:buChar char="•"/>
-            </a:pPr>
-            <a:endParaRPr lang="pt-PT" dirty="0"/>
+              <a:rPr lang="pt-PT" dirty="0"/>
+              <a:t>Modificou-se a maneira como se guardam os </a:t>
+            </a:r>
+            <a:r>
+              <a:rPr lang="pt-PT" dirty="0" err="1"/>
+              <a:t>streamers</a:t>
+            </a:r>
+            <a:r>
+              <a:rPr lang="pt-PT" dirty="0"/>
+              <a:t>. Os </a:t>
+            </a:r>
+            <a:r>
+              <a:rPr lang="pt-PT" dirty="0" err="1"/>
+              <a:t>viewers</a:t>
+            </a:r>
+            <a:r>
+              <a:rPr lang="pt-PT" dirty="0"/>
+              <a:t> e </a:t>
+            </a:r>
+            <a:r>
+              <a:rPr lang="pt-PT" dirty="0" err="1"/>
+              <a:t>admins</a:t>
+            </a:r>
+            <a:r>
+              <a:rPr lang="pt-PT" dirty="0"/>
+              <a:t> permaneceram no mapa e os </a:t>
+            </a:r>
+            <a:r>
+              <a:rPr lang="pt-PT" dirty="0" err="1"/>
+              <a:t>streamers</a:t>
+            </a:r>
+            <a:r>
+              <a:rPr lang="pt-PT" dirty="0"/>
+              <a:t> foram movidos para um </a:t>
+            </a:r>
+            <a:r>
+              <a:rPr lang="pt-PT" dirty="0" err="1"/>
+              <a:t>unordered_set</a:t>
+            </a:r>
+            <a:r>
+              <a:rPr lang="pt-PT" dirty="0"/>
+              <a:t>. Para ir buscar informação de um </a:t>
+            </a:r>
+            <a:r>
+              <a:rPr lang="pt-PT" dirty="0" err="1"/>
+              <a:t>streamer</a:t>
+            </a:r>
+            <a:r>
+              <a:rPr lang="pt-PT" dirty="0"/>
+              <a:t>, basta saber o </a:t>
+            </a:r>
+            <a:r>
+              <a:rPr lang="pt-PT" dirty="0" err="1"/>
+              <a:t>nick</a:t>
+            </a:r>
+            <a:r>
+              <a:rPr lang="pt-PT" dirty="0"/>
+              <a:t>, visto que a sua função de </a:t>
+            </a:r>
+            <a:r>
+              <a:rPr lang="pt-PT" dirty="0" err="1"/>
+              <a:t>hash</a:t>
+            </a:r>
+            <a:r>
+              <a:rPr lang="pt-PT" dirty="0"/>
+              <a:t> incide apenas sobre o </a:t>
+            </a:r>
+            <a:r>
+              <a:rPr lang="pt-PT" dirty="0" err="1"/>
+              <a:t>nickname</a:t>
+            </a:r>
+            <a:r>
+              <a:rPr lang="pt-PT" dirty="0"/>
+              <a:t>. Foi usada esta maneira visto que todos as relações entre classes já estava baseada nesse </a:t>
+            </a:r>
+            <a:r>
+              <a:rPr lang="pt-PT" dirty="0" err="1"/>
+              <a:t>nickname</a:t>
+            </a:r>
+            <a:r>
+              <a:rPr lang="pt-PT" dirty="0"/>
+              <a:t>.</a:t>
+            </a:r>
           </a:p>
         </p:txBody>
       </p:sp>
@@ -10650,7 +9804,7 @@
         <p:spPr>
           <a:xfrm>
             <a:off x="1097279" y="4984311"/>
-            <a:ext cx="10115203" cy="369332"/>
+            <a:ext cx="10115203" cy="646331"/>
           </a:xfrm>
           <a:prstGeom prst="rect">
             <a:avLst/>
@@ -10671,8 +9825,36 @@
               <a:buChar char="•"/>
             </a:pPr>
             <a:r>
+              <a:rPr lang="pt-PT" dirty="0" err="1"/>
+              <a:t>Streamers</a:t>
+            </a:r>
+            <a:r>
               <a:rPr lang="pt-PT" dirty="0"/>
-              <a:t>Streamers2.0:</a:t>
+              <a:t> 2.0: Foi alterada a função de </a:t>
+            </a:r>
+            <a:r>
+              <a:rPr lang="pt-PT" dirty="0" err="1"/>
+              <a:t>getUser</a:t>
+            </a:r>
+            <a:r>
+              <a:rPr lang="pt-PT" dirty="0"/>
+              <a:t>. Caso o tipo de utilizador fosse um </a:t>
+            </a:r>
+            <a:r>
+              <a:rPr lang="pt-PT" dirty="0" err="1"/>
+              <a:t>streamer</a:t>
+            </a:r>
+            <a:r>
+              <a:rPr lang="pt-PT" dirty="0"/>
+              <a:t>, ia procurar no </a:t>
+            </a:r>
+            <a:r>
+              <a:rPr lang="pt-PT" dirty="0" err="1"/>
+              <a:t>unordered_set</a:t>
+            </a:r>
+            <a:r>
+              <a:rPr lang="pt-PT" dirty="0"/>
+              <a:t>.</a:t>
             </a:r>
             <a:endParaRPr lang="en-GB" dirty="0"/>
           </a:p>

--- a/StreamZ__P2.pptx
+++ b/StreamZ__P2.pptx
@@ -212,7 +212,7 @@
           <a:p>
             <a:fld id="{E0A7CBE6-96C2-44FB-8052-677FD7523F77}" type="datetimeFigureOut">
               <a:rPr lang="en-GB" smtClean="0"/>
-              <a:t>01/01/2021</a:t>
+              <a:t>02/01/2021</a:t>
             </a:fld>
             <a:endParaRPr lang="en-GB"/>
           </a:p>
@@ -371,7 +371,7 @@
           <a:p>
             <a:fld id="{B3BE95CB-A87E-409C-9CB9-073D81AF8FD7}" type="slidenum">
               <a:rPr lang="en-GB" smtClean="0"/>
-              <a:t>‹#›</a:t>
+              <a:t>‹nº›</a:t>
             </a:fld>
             <a:endParaRPr lang="en-GB"/>
           </a:p>
@@ -708,7 +708,7 @@
           <a:p>
             <a:fld id="{10287FE5-40AA-4482-862A-C1DBDA53E4E0}" type="datetime1">
               <a:rPr lang="en-GB" smtClean="0"/>
-              <a:t>01/01/2021</a:t>
+              <a:t>02/01/2021</a:t>
             </a:fld>
             <a:endParaRPr lang="en-GB"/>
           </a:p>
@@ -753,7 +753,7 @@
           <a:p>
             <a:fld id="{75DB3F52-068C-4339-9FA6-06F9AAEB3337}" type="slidenum">
               <a:rPr lang="en-GB" smtClean="0"/>
-              <a:t>‹#›</a:t>
+              <a:t>‹nº›</a:t>
             </a:fld>
             <a:endParaRPr lang="en-GB"/>
           </a:p>
@@ -919,7 +919,7 @@
           <a:p>
             <a:fld id="{B4B3331D-DB21-4154-BBFE-4E811E37EE62}" type="datetime1">
               <a:rPr lang="en-GB" smtClean="0"/>
-              <a:t>01/01/2021</a:t>
+              <a:t>02/01/2021</a:t>
             </a:fld>
             <a:endParaRPr lang="en-GB"/>
           </a:p>
@@ -964,7 +964,7 @@
           <a:p>
             <a:fld id="{75DB3F52-068C-4339-9FA6-06F9AAEB3337}" type="slidenum">
               <a:rPr lang="en-GB" smtClean="0"/>
-              <a:t>‹#›</a:t>
+              <a:t>‹nº›</a:t>
             </a:fld>
             <a:endParaRPr lang="en-GB"/>
           </a:p>
@@ -1180,7 +1180,7 @@
           <a:p>
             <a:fld id="{08D02E9F-C75D-4742-90A9-B7466D809442}" type="datetime1">
               <a:rPr lang="en-GB" smtClean="0"/>
-              <a:t>01/01/2021</a:t>
+              <a:t>02/01/2021</a:t>
             </a:fld>
             <a:endParaRPr lang="en-GB"/>
           </a:p>
@@ -1225,7 +1225,7 @@
           <a:p>
             <a:fld id="{75DB3F52-068C-4339-9FA6-06F9AAEB3337}" type="slidenum">
               <a:rPr lang="en-GB" smtClean="0"/>
-              <a:t>‹#›</a:t>
+              <a:t>‹nº›</a:t>
             </a:fld>
             <a:endParaRPr lang="en-GB"/>
           </a:p>
@@ -1353,7 +1353,7 @@
           <a:p>
             <a:fld id="{920885B9-C1B1-456C-9050-D5E6D8F0D28D}" type="datetime1">
               <a:rPr lang="en-GB" smtClean="0"/>
-              <a:t>01/01/2021</a:t>
+              <a:t>02/01/2021</a:t>
             </a:fld>
             <a:endParaRPr lang="en-GB"/>
           </a:p>
@@ -1398,7 +1398,7 @@
           <a:p>
             <a:fld id="{75DB3F52-068C-4339-9FA6-06F9AAEB3337}" type="slidenum">
               <a:rPr lang="en-GB" smtClean="0"/>
-              <a:t>‹#›</a:t>
+              <a:t>‹nº›</a:t>
             </a:fld>
             <a:endParaRPr lang="en-GB"/>
           </a:p>
@@ -1693,7 +1693,7 @@
           <a:p>
             <a:fld id="{00A595AE-22AA-4908-81B6-1CCC07139A73}" type="datetime1">
               <a:rPr lang="en-GB" smtClean="0"/>
-              <a:t>01/01/2021</a:t>
+              <a:t>02/01/2021</a:t>
             </a:fld>
             <a:endParaRPr lang="en-GB"/>
           </a:p>
@@ -1738,7 +1738,7 @@
           <a:p>
             <a:fld id="{75DB3F52-068C-4339-9FA6-06F9AAEB3337}" type="slidenum">
               <a:rPr lang="en-GB" smtClean="0"/>
-              <a:t>‹#›</a:t>
+              <a:t>‹nº›</a:t>
             </a:fld>
             <a:endParaRPr lang="en-GB"/>
           </a:p>
@@ -1971,7 +1971,7 @@
           <a:p>
             <a:fld id="{B4C3DA1B-F861-49FD-A800-BA36AE08DFBD}" type="datetime1">
               <a:rPr lang="en-GB" smtClean="0"/>
-              <a:t>01/01/2021</a:t>
+              <a:t>02/01/2021</a:t>
             </a:fld>
             <a:endParaRPr lang="en-GB"/>
           </a:p>
@@ -2016,7 +2016,7 @@
           <a:p>
             <a:fld id="{75DB3F52-068C-4339-9FA6-06F9AAEB3337}" type="slidenum">
               <a:rPr lang="en-GB" smtClean="0"/>
-              <a:t>‹#›</a:t>
+              <a:t>‹nº›</a:t>
             </a:fld>
             <a:endParaRPr lang="en-GB"/>
           </a:p>
@@ -2357,7 +2357,7 @@
           <a:p>
             <a:fld id="{C5ADF251-40F2-471A-AC82-FC97D6FBDD81}" type="datetime1">
               <a:rPr lang="en-GB" smtClean="0"/>
-              <a:t>01/01/2021</a:t>
+              <a:t>02/01/2021</a:t>
             </a:fld>
             <a:endParaRPr lang="en-GB"/>
           </a:p>
@@ -2402,7 +2402,7 @@
           <a:p>
             <a:fld id="{75DB3F52-068C-4339-9FA6-06F9AAEB3337}" type="slidenum">
               <a:rPr lang="en-GB" smtClean="0"/>
-              <a:t>‹#›</a:t>
+              <a:t>‹nº›</a:t>
             </a:fld>
             <a:endParaRPr lang="en-GB"/>
           </a:p>
@@ -2478,7 +2478,7 @@
           <a:p>
             <a:fld id="{6D90297F-D12C-4C8F-8D15-2CC18862152E}" type="datetime1">
               <a:rPr lang="en-GB" smtClean="0"/>
-              <a:t>01/01/2021</a:t>
+              <a:t>02/01/2021</a:t>
             </a:fld>
             <a:endParaRPr lang="en-GB"/>
           </a:p>
@@ -2523,7 +2523,7 @@
           <a:p>
             <a:fld id="{75DB3F52-068C-4339-9FA6-06F9AAEB3337}" type="slidenum">
               <a:rPr lang="en-GB" smtClean="0"/>
-              <a:t>‹#›</a:t>
+              <a:t>‹nº›</a:t>
             </a:fld>
             <a:endParaRPr lang="en-GB"/>
           </a:p>
@@ -2654,7 +2654,7 @@
           <a:p>
             <a:fld id="{09972094-D239-466E-84C0-23BFB54CA7A6}" type="datetime1">
               <a:rPr lang="en-GB" smtClean="0"/>
-              <a:t>01/01/2021</a:t>
+              <a:t>02/01/2021</a:t>
             </a:fld>
             <a:endParaRPr lang="en-GB"/>
           </a:p>
@@ -2707,7 +2707,7 @@
           <a:p>
             <a:fld id="{75DB3F52-068C-4339-9FA6-06F9AAEB3337}" type="slidenum">
               <a:rPr lang="en-GB" smtClean="0"/>
-              <a:t>‹#›</a:t>
+              <a:t>‹nº›</a:t>
             </a:fld>
             <a:endParaRPr lang="en-GB"/>
           </a:p>
@@ -3013,7 +3013,7 @@
           <a:p>
             <a:fld id="{EBB9E4AA-ED31-45C4-9F34-3AB82CB7D4F7}" type="datetime1">
               <a:rPr lang="en-GB" smtClean="0"/>
-              <a:t>01/01/2021</a:t>
+              <a:t>02/01/2021</a:t>
             </a:fld>
             <a:endParaRPr lang="en-GB"/>
           </a:p>
@@ -3079,7 +3079,7 @@
           <a:p>
             <a:fld id="{75DB3F52-068C-4339-9FA6-06F9AAEB3337}" type="slidenum">
               <a:rPr lang="en-GB" smtClean="0"/>
-              <a:t>‹#›</a:t>
+              <a:t>‹nº›</a:t>
             </a:fld>
             <a:endParaRPr lang="en-GB"/>
           </a:p>
@@ -3364,7 +3364,7 @@
           <a:p>
             <a:fld id="{54D93744-9260-4C18-B07B-A5DCD93AF253}" type="datetime1">
               <a:rPr lang="en-GB" smtClean="0"/>
-              <a:t>01/01/2021</a:t>
+              <a:t>02/01/2021</a:t>
             </a:fld>
             <a:endParaRPr lang="en-GB"/>
           </a:p>
@@ -3425,7 +3425,7 @@
           <a:p>
             <a:fld id="{75DB3F52-068C-4339-9FA6-06F9AAEB3337}" type="slidenum">
               <a:rPr lang="en-GB" smtClean="0"/>
-              <a:t>‹#›</a:t>
+              <a:t>‹nº›</a:t>
             </a:fld>
             <a:endParaRPr lang="en-GB"/>
           </a:p>
@@ -3678,7 +3678,7 @@
           <a:p>
             <a:fld id="{F31837DA-AB38-49C7-AF2F-DE9986A9C5A0}" type="datetime1">
               <a:rPr lang="en-GB" smtClean="0"/>
-              <a:t>01/01/2021</a:t>
+              <a:t>02/01/2021</a:t>
             </a:fld>
             <a:endParaRPr lang="en-GB"/>
           </a:p>
@@ -3755,7 +3755,7 @@
           <a:p>
             <a:fld id="{75DB3F52-068C-4339-9FA6-06F9AAEB3337}" type="slidenum">
               <a:rPr lang="en-GB" smtClean="0"/>
-              <a:t>‹#›</a:t>
+              <a:t>‹nº›</a:t>
             </a:fld>
             <a:endParaRPr lang="en-GB"/>
           </a:p>
@@ -8378,8 +8378,8 @@
         </p:nvSpPr>
         <p:spPr>
           <a:xfrm>
-            <a:off x="6961132" y="3018701"/>
-            <a:ext cx="1230548" cy="369332"/>
+            <a:off x="6933439" y="3024100"/>
+            <a:ext cx="1547857" cy="369332"/>
           </a:xfrm>
           <a:prstGeom prst="rect">
             <a:avLst/>
@@ -8396,6 +8396,10 @@
             <a:r>
               <a:rPr lang="pt-PT" dirty="0" err="1"/>
               <a:t>Streamers</a:t>
+            </a:r>
+            <a:r>
+              <a:rPr lang="pt-PT" dirty="0"/>
+              <a:t> 2.0</a:t>
             </a:r>
             <a:endParaRPr lang="en-GB" dirty="0"/>
           </a:p>

--- a/StreamZ__P2.pptx
+++ b/StreamZ__P2.pptx
@@ -5,7 +5,7 @@
     <p:sldMasterId id="2147483803" r:id="rId1"/>
   </p:sldMasterIdLst>
   <p:notesMasterIdLst>
-    <p:notesMasterId r:id="rId18"/>
+    <p:notesMasterId r:id="rId19"/>
   </p:notesMasterIdLst>
   <p:sldIdLst>
     <p:sldId id="256" r:id="rId2"/>
@@ -15,15 +15,16 @@
     <p:sldId id="260" r:id="rId6"/>
     <p:sldId id="268" r:id="rId7"/>
     <p:sldId id="281" r:id="rId8"/>
-    <p:sldId id="261" r:id="rId9"/>
-    <p:sldId id="269" r:id="rId10"/>
-    <p:sldId id="266" r:id="rId11"/>
-    <p:sldId id="271" r:id="rId12"/>
-    <p:sldId id="278" r:id="rId13"/>
-    <p:sldId id="279" r:id="rId14"/>
-    <p:sldId id="262" r:id="rId15"/>
-    <p:sldId id="280" r:id="rId16"/>
-    <p:sldId id="263" r:id="rId17"/>
+    <p:sldId id="282" r:id="rId9"/>
+    <p:sldId id="261" r:id="rId10"/>
+    <p:sldId id="269" r:id="rId11"/>
+    <p:sldId id="266" r:id="rId12"/>
+    <p:sldId id="271" r:id="rId13"/>
+    <p:sldId id="278" r:id="rId14"/>
+    <p:sldId id="279" r:id="rId15"/>
+    <p:sldId id="262" r:id="rId16"/>
+    <p:sldId id="280" r:id="rId17"/>
+    <p:sldId id="263" r:id="rId18"/>
   </p:sldIdLst>
   <p:sldSz cx="12192000" cy="6858000"/>
   <p:notesSz cx="6858000" cy="9144000"/>
@@ -371,7 +372,7 @@
           <a:p>
             <a:fld id="{B3BE95CB-A87E-409C-9CB9-073D81AF8FD7}" type="slidenum">
               <a:rPr lang="en-GB" smtClean="0"/>
-              <a:t>‹nº›</a:t>
+              <a:t>‹#›</a:t>
             </a:fld>
             <a:endParaRPr lang="en-GB"/>
           </a:p>
@@ -753,7 +754,7 @@
           <a:p>
             <a:fld id="{75DB3F52-068C-4339-9FA6-06F9AAEB3337}" type="slidenum">
               <a:rPr lang="en-GB" smtClean="0"/>
-              <a:t>‹nº›</a:t>
+              <a:t>‹#›</a:t>
             </a:fld>
             <a:endParaRPr lang="en-GB"/>
           </a:p>
@@ -964,7 +965,7 @@
           <a:p>
             <a:fld id="{75DB3F52-068C-4339-9FA6-06F9AAEB3337}" type="slidenum">
               <a:rPr lang="en-GB" smtClean="0"/>
-              <a:t>‹nº›</a:t>
+              <a:t>‹#›</a:t>
             </a:fld>
             <a:endParaRPr lang="en-GB"/>
           </a:p>
@@ -1225,7 +1226,7 @@
           <a:p>
             <a:fld id="{75DB3F52-068C-4339-9FA6-06F9AAEB3337}" type="slidenum">
               <a:rPr lang="en-GB" smtClean="0"/>
-              <a:t>‹nº›</a:t>
+              <a:t>‹#›</a:t>
             </a:fld>
             <a:endParaRPr lang="en-GB"/>
           </a:p>
@@ -1398,7 +1399,7 @@
           <a:p>
             <a:fld id="{75DB3F52-068C-4339-9FA6-06F9AAEB3337}" type="slidenum">
               <a:rPr lang="en-GB" smtClean="0"/>
-              <a:t>‹nº›</a:t>
+              <a:t>‹#›</a:t>
             </a:fld>
             <a:endParaRPr lang="en-GB"/>
           </a:p>
@@ -1738,7 +1739,7 @@
           <a:p>
             <a:fld id="{75DB3F52-068C-4339-9FA6-06F9AAEB3337}" type="slidenum">
               <a:rPr lang="en-GB" smtClean="0"/>
-              <a:t>‹nº›</a:t>
+              <a:t>‹#›</a:t>
             </a:fld>
             <a:endParaRPr lang="en-GB"/>
           </a:p>
@@ -2016,7 +2017,7 @@
           <a:p>
             <a:fld id="{75DB3F52-068C-4339-9FA6-06F9AAEB3337}" type="slidenum">
               <a:rPr lang="en-GB" smtClean="0"/>
-              <a:t>‹nº›</a:t>
+              <a:t>‹#›</a:t>
             </a:fld>
             <a:endParaRPr lang="en-GB"/>
           </a:p>
@@ -2402,7 +2403,7 @@
           <a:p>
             <a:fld id="{75DB3F52-068C-4339-9FA6-06F9AAEB3337}" type="slidenum">
               <a:rPr lang="en-GB" smtClean="0"/>
-              <a:t>‹nº›</a:t>
+              <a:t>‹#›</a:t>
             </a:fld>
             <a:endParaRPr lang="en-GB"/>
           </a:p>
@@ -2523,7 +2524,7 @@
           <a:p>
             <a:fld id="{75DB3F52-068C-4339-9FA6-06F9AAEB3337}" type="slidenum">
               <a:rPr lang="en-GB" smtClean="0"/>
-              <a:t>‹nº›</a:t>
+              <a:t>‹#›</a:t>
             </a:fld>
             <a:endParaRPr lang="en-GB"/>
           </a:p>
@@ -2707,7 +2708,7 @@
           <a:p>
             <a:fld id="{75DB3F52-068C-4339-9FA6-06F9AAEB3337}" type="slidenum">
               <a:rPr lang="en-GB" smtClean="0"/>
-              <a:t>‹nº›</a:t>
+              <a:t>‹#›</a:t>
             </a:fld>
             <a:endParaRPr lang="en-GB"/>
           </a:p>
@@ -3079,7 +3080,7 @@
           <a:p>
             <a:fld id="{75DB3F52-068C-4339-9FA6-06F9AAEB3337}" type="slidenum">
               <a:rPr lang="en-GB" smtClean="0"/>
-              <a:t>‹nº›</a:t>
+              <a:t>‹#›</a:t>
             </a:fld>
             <a:endParaRPr lang="en-GB"/>
           </a:p>
@@ -3425,7 +3426,7 @@
           <a:p>
             <a:fld id="{75DB3F52-068C-4339-9FA6-06F9AAEB3337}" type="slidenum">
               <a:rPr lang="en-GB" smtClean="0"/>
-              <a:t>‹nº›</a:t>
+              <a:t>‹#›</a:t>
             </a:fld>
             <a:endParaRPr lang="en-GB"/>
           </a:p>
@@ -3755,7 +3756,7 @@
           <a:p>
             <a:fld id="{75DB3F52-068C-4339-9FA6-06F9AAEB3337}" type="slidenum">
               <a:rPr lang="en-GB" smtClean="0"/>
-              <a:t>‹nº›</a:t>
+              <a:t>‹#›</a:t>
             </a:fld>
             <a:endParaRPr lang="en-GB"/>
           </a:p>
@@ -4717,10 +4718,10 @@
       </p:grpSpPr>
       <p:sp>
         <p:nvSpPr>
-          <p:cNvPr id="2" name="Título 1">
-            <a:extLst>
-              <a:ext uri="{FF2B5EF4-FFF2-40B4-BE49-F238E27FC236}">
-                <a16:creationId xmlns:a16="http://schemas.microsoft.com/office/drawing/2014/main" id="{94156D41-8965-4403-A98B-D1E242421D46}"/>
+          <p:cNvPr id="5" name="Título 1">
+            <a:extLst>
+              <a:ext uri="{FF2B5EF4-FFF2-40B4-BE49-F238E27FC236}">
+                <a16:creationId xmlns:a16="http://schemas.microsoft.com/office/drawing/2014/main" id="{898F1F90-3438-44BB-BDC7-B70CFDD04994}"/>
               </a:ext>
             </a:extLst>
           </p:cNvPr>
@@ -4731,19 +4732,19 @@
             <p:ph type="title"/>
           </p:nvPr>
         </p:nvSpPr>
-        <p:spPr/>
-        <p:txBody>
-          <a:bodyPr>
-            <a:normAutofit fontScale="90000"/>
-          </a:bodyPr>
+        <p:spPr>
+          <a:xfrm>
+            <a:off x="1097280" y="286603"/>
+            <a:ext cx="10058400" cy="1450757"/>
+          </a:xfrm>
+        </p:spPr>
+        <p:txBody>
+          <a:bodyPr/>
           <a:lstStyle/>
           <a:p>
             <a:pPr algn="ctr"/>
-            <a:br>
-              <a:rPr lang="en-GB" sz="3600" dirty="0"/>
-            </a:br>
-            <a:r>
-              <a:rPr lang="en-GB" sz="7300" dirty="0" err="1">
+            <a:r>
+              <a:rPr lang="pt-PT" sz="6600" dirty="0">
                 <a:solidFill>
                   <a:schemeClr val="tx1">
                     <a:lumMod val="85000"/>
@@ -4752,45 +4753,9 @@
                 </a:solidFill>
                 <a:latin typeface="Bahnschrift SemiLight" panose="020B0502040204020203" pitchFamily="34" charset="0"/>
               </a:rPr>
-              <a:t>Criar</a:t>
-            </a:r>
-            <a:r>
-              <a:rPr lang="en-GB" sz="7300" dirty="0">
-                <a:solidFill>
-                  <a:schemeClr val="tx1">
-                    <a:lumMod val="85000"/>
-                    <a:lumOff val="15000"/>
-                  </a:schemeClr>
-                </a:solidFill>
-                <a:latin typeface="Bahnschrift SemiLight" panose="020B0502040204020203" pitchFamily="34" charset="0"/>
-              </a:rPr>
-              <a:t>/</a:t>
-            </a:r>
-            <a:r>
-              <a:rPr lang="en-GB" sz="7300" dirty="0" err="1">
-                <a:solidFill>
-                  <a:schemeClr val="tx1">
-                    <a:lumMod val="85000"/>
-                    <a:lumOff val="15000"/>
-                  </a:schemeClr>
-                </a:solidFill>
-                <a:latin typeface="Bahnschrift SemiLight" panose="020B0502040204020203" pitchFamily="34" charset="0"/>
-              </a:rPr>
-              <a:t>Atualizar</a:t>
-            </a:r>
-            <a:r>
-              <a:rPr lang="en-GB" sz="7300" dirty="0">
-                <a:solidFill>
-                  <a:schemeClr val="tx1">
-                    <a:lumMod val="85000"/>
-                    <a:lumOff val="15000"/>
-                  </a:schemeClr>
-                </a:solidFill>
-                <a:latin typeface="Bahnschrift SemiLight" panose="020B0502040204020203" pitchFamily="34" charset="0"/>
-              </a:rPr>
-              <a:t>/ Remover</a:t>
-            </a:r>
-            <a:endParaRPr lang="pt-PT" sz="7300" dirty="0">
+              <a:t>Pesquisa</a:t>
+            </a:r>
+            <a:endParaRPr lang="en-GB" sz="6600" dirty="0">
               <a:solidFill>
                 <a:schemeClr val="tx1">
                   <a:lumMod val="85000"/>
@@ -4804,10 +4769,10 @@
       </p:sp>
       <p:cxnSp>
         <p:nvCxnSpPr>
-          <p:cNvPr id="5" name="Conexão reta 4">
-            <a:extLst>
-              <a:ext uri="{FF2B5EF4-FFF2-40B4-BE49-F238E27FC236}">
-                <a16:creationId xmlns:a16="http://schemas.microsoft.com/office/drawing/2014/main" id="{CB2239A8-67DE-444E-AC2F-873CA9F188C9}"/>
+          <p:cNvPr id="7" name="Conexão reta 6">
+            <a:extLst>
+              <a:ext uri="{FF2B5EF4-FFF2-40B4-BE49-F238E27FC236}">
+                <a16:creationId xmlns:a16="http://schemas.microsoft.com/office/drawing/2014/main" id="{C2E4CA01-F82D-4D76-AE17-74CEFAFD29FF}"/>
               </a:ext>
             </a:extLst>
           </p:cNvPr>
@@ -4847,10 +4812,10 @@
       </p:cxnSp>
       <p:sp>
         <p:nvSpPr>
-          <p:cNvPr id="23" name="CaixaDeTexto 22">
-            <a:extLst>
-              <a:ext uri="{FF2B5EF4-FFF2-40B4-BE49-F238E27FC236}">
-                <a16:creationId xmlns:a16="http://schemas.microsoft.com/office/drawing/2014/main" id="{3EDE5F5A-9157-40C4-9894-CDA1F597E236}"/>
+          <p:cNvPr id="13" name="CaixaDeTexto 12">
+            <a:extLst>
+              <a:ext uri="{FF2B5EF4-FFF2-40B4-BE49-F238E27FC236}">
+                <a16:creationId xmlns:a16="http://schemas.microsoft.com/office/drawing/2014/main" id="{7582186A-0E72-4556-B6E3-75E577AEAB3C}"/>
               </a:ext>
             </a:extLst>
           </p:cNvPr>
@@ -4859,8 +4824,8 @@
         </p:nvSpPr>
         <p:spPr>
           <a:xfrm>
-            <a:off x="9374819" y="5910467"/>
-            <a:ext cx="1659697" cy="338554"/>
+            <a:off x="1189358" y="2012309"/>
+            <a:ext cx="5468893" cy="1754326"/>
           </a:xfrm>
           <a:prstGeom prst="rect">
             <a:avLst/>
@@ -4873,28 +4838,127 @@
           </a:bodyPr>
           <a:lstStyle/>
           <a:p>
-            <a:r>
-              <a:rPr lang="pt-PT" sz="1600" dirty="0">
-                <a:solidFill>
-                  <a:srgbClr val="FF0000"/>
-                </a:solidFill>
-              </a:rPr>
-              <a:t>UserManager.cpp</a:t>
-            </a:r>
-            <a:endParaRPr lang="en-GB" sz="1600" dirty="0">
-              <a:solidFill>
-                <a:srgbClr val="FF0000"/>
-              </a:solidFill>
-            </a:endParaRPr>
-          </a:p>
-        </p:txBody>
-      </p:sp>
-      <p:sp>
-        <p:nvSpPr>
-          <p:cNvPr id="29" name="CaixaDeTexto 28">
-            <a:extLst>
-              <a:ext uri="{FF2B5EF4-FFF2-40B4-BE49-F238E27FC236}">
-                <a16:creationId xmlns:a16="http://schemas.microsoft.com/office/drawing/2014/main" id="{DE3766CB-8AD1-425D-85B3-6F68364D4BD1}"/>
+            <a:pPr marL="285750" indent="-285750">
+              <a:buClr>
+                <a:srgbClr val="8C2D19"/>
+              </a:buClr>
+              <a:buFont typeface="Arial" panose="020B0604020202020204" pitchFamily="34" charset="0"/>
+              <a:buChar char="•"/>
+            </a:pPr>
+            <a:r>
+              <a:rPr lang="pt-PT" dirty="0"/>
+              <a:t>Pesquisa da BST é feita através de </a:t>
+            </a:r>
+            <a:r>
+              <a:rPr lang="pt-PT" dirty="0" err="1"/>
+              <a:t>iteradores</a:t>
+            </a:r>
+            <a:r>
+              <a:rPr lang="pt-PT" dirty="0"/>
+              <a:t> em ordem, desta forma os elementos obtidos ficam devidamente organizados.</a:t>
+            </a:r>
+          </a:p>
+          <a:p>
+            <a:pPr marL="285750" indent="-285750">
+              <a:buClr>
+                <a:srgbClr val="8C2D19"/>
+              </a:buClr>
+              <a:buFont typeface="Arial" panose="020B0604020202020204" pitchFamily="34" charset="0"/>
+              <a:buChar char="•"/>
+            </a:pPr>
+            <a:r>
+              <a:rPr lang="en-GB" dirty="0"/>
+              <a:t>A </a:t>
+            </a:r>
+            <a:r>
+              <a:rPr lang="en-GB" dirty="0" err="1"/>
+              <a:t>informação</a:t>
+            </a:r>
+            <a:r>
+              <a:rPr lang="en-GB" dirty="0"/>
+              <a:t> </a:t>
+            </a:r>
+            <a:r>
+              <a:rPr lang="en-GB" dirty="0" err="1"/>
+              <a:t>relevante</a:t>
+            </a:r>
+            <a:r>
+              <a:rPr lang="en-GB" dirty="0"/>
+              <a:t> </a:t>
+            </a:r>
+            <a:r>
+              <a:rPr lang="en-GB" dirty="0" err="1"/>
+              <a:t>aos</a:t>
+            </a:r>
+            <a:r>
+              <a:rPr lang="en-GB" dirty="0"/>
+              <a:t> streamers </a:t>
+            </a:r>
+            <a:r>
+              <a:rPr lang="en-GB" dirty="0" err="1"/>
+              <a:t>foi</a:t>
+            </a:r>
+            <a:r>
+              <a:rPr lang="en-GB" dirty="0"/>
+              <a:t> </a:t>
+            </a:r>
+            <a:r>
+              <a:rPr lang="en-GB" dirty="0" err="1"/>
+              <a:t>movida</a:t>
+            </a:r>
+            <a:r>
+              <a:rPr lang="en-GB" dirty="0"/>
+              <a:t> para um </a:t>
+            </a:r>
+            <a:r>
+              <a:rPr lang="en-GB" dirty="0" err="1"/>
+              <a:t>unordered_set</a:t>
+            </a:r>
+            <a:r>
+              <a:rPr lang="en-GB" dirty="0"/>
+              <a:t>. </a:t>
+            </a:r>
+            <a:r>
+              <a:rPr lang="en-GB" dirty="0" err="1"/>
+              <a:t>Teve</a:t>
+            </a:r>
+            <a:r>
+              <a:rPr lang="en-GB" dirty="0"/>
+              <a:t> de se </a:t>
+            </a:r>
+            <a:r>
+              <a:rPr lang="en-GB" dirty="0" err="1"/>
+              <a:t>modificar</a:t>
+            </a:r>
+            <a:r>
+              <a:rPr lang="en-GB" dirty="0"/>
+              <a:t> a </a:t>
+            </a:r>
+            <a:r>
+              <a:rPr lang="en-GB" dirty="0" err="1"/>
+              <a:t>função</a:t>
+            </a:r>
+            <a:r>
+              <a:rPr lang="en-GB" dirty="0"/>
+              <a:t> </a:t>
+            </a:r>
+            <a:r>
+              <a:rPr lang="en-GB" dirty="0" err="1"/>
+              <a:t>getUser</a:t>
+            </a:r>
+            <a:r>
+              <a:rPr lang="en-GB" dirty="0"/>
+              <a:t>.</a:t>
+            </a:r>
+          </a:p>
+        </p:txBody>
+      </p:sp>
+      <p:sp>
+        <p:nvSpPr>
+          <p:cNvPr id="15" name="CaixaDeTexto 14">
+            <a:extLst>
+              <a:ext uri="{FF2B5EF4-FFF2-40B4-BE49-F238E27FC236}">
+                <a16:creationId xmlns:a16="http://schemas.microsoft.com/office/drawing/2014/main" id="{A81839B1-9541-4C3D-90BF-31A386C176B7}"/>
               </a:ext>
             </a:extLst>
           </p:cNvPr>
@@ -4903,8 +4967,8 @@
         </p:nvSpPr>
         <p:spPr>
           <a:xfrm>
-            <a:off x="10331952" y="3615979"/>
-            <a:ext cx="959293" cy="338554"/>
+            <a:off x="10028464" y="2862896"/>
+            <a:ext cx="1127216" cy="338554"/>
           </a:xfrm>
           <a:prstGeom prst="rect">
             <a:avLst/>
@@ -4918,27 +4982,55 @@
           <a:lstStyle/>
           <a:p>
             <a:r>
-              <a:rPr lang="pt-PT" sz="1600" dirty="0" err="1">
-                <a:solidFill>
-                  <a:srgbClr val="FF0000"/>
-                </a:solidFill>
-              </a:rPr>
-              <a:t>Viewer.h</a:t>
-            </a:r>
-            <a:endParaRPr lang="en-GB" sz="1600" dirty="0">
-              <a:solidFill>
-                <a:srgbClr val="FF0000"/>
-              </a:solidFill>
-            </a:endParaRPr>
+              <a:rPr lang="pt-PT" sz="1600" dirty="0" err="1"/>
+              <a:t>DataBase.h</a:t>
+            </a:r>
+            <a:endParaRPr lang="en-GB" sz="1600" dirty="0"/>
+          </a:p>
+        </p:txBody>
+      </p:sp>
+      <p:sp>
+        <p:nvSpPr>
+          <p:cNvPr id="17" name="CaixaDeTexto 16">
+            <a:extLst>
+              <a:ext uri="{FF2B5EF4-FFF2-40B4-BE49-F238E27FC236}">
+                <a16:creationId xmlns:a16="http://schemas.microsoft.com/office/drawing/2014/main" id="{81CB8B24-77F1-4D2B-AD3D-68F6F9D049FA}"/>
+              </a:ext>
+            </a:extLst>
+          </p:cNvPr>
+          <p:cNvSpPr txBox="1"/>
+          <p:nvPr/>
+        </p:nvSpPr>
+        <p:spPr>
+          <a:xfrm>
+            <a:off x="9323511" y="5807790"/>
+            <a:ext cx="1832169" cy="338554"/>
+          </a:xfrm>
+          <a:prstGeom prst="rect">
+            <a:avLst/>
+          </a:prstGeom>
+          <a:noFill/>
+        </p:spPr>
+        <p:txBody>
+          <a:bodyPr wrap="square" rtlCol="0">
+            <a:spAutoFit/>
+          </a:bodyPr>
+          <a:lstStyle/>
+          <a:p>
+            <a:r>
+              <a:rPr lang="pt-PT" sz="1600" dirty="0"/>
+              <a:t>SearchManager.cpp</a:t>
+            </a:r>
+            <a:endParaRPr lang="en-GB" sz="1600" dirty="0"/>
           </a:p>
         </p:txBody>
       </p:sp>
       <p:pic>
         <p:nvPicPr>
-          <p:cNvPr id="36" name="Imagem 35">
-            <a:extLst>
-              <a:ext uri="{FF2B5EF4-FFF2-40B4-BE49-F238E27FC236}">
-                <a16:creationId xmlns:a16="http://schemas.microsoft.com/office/drawing/2014/main" id="{7F0F9A73-114E-4E6C-8A5F-BC76BF08F4BF}"/>
+          <p:cNvPr id="19" name="Imagem 18">
+            <a:extLst>
+              <a:ext uri="{FF2B5EF4-FFF2-40B4-BE49-F238E27FC236}">
+                <a16:creationId xmlns:a16="http://schemas.microsoft.com/office/drawing/2014/main" id="{1631380D-B88A-4215-BE0E-22F695C32C8B}"/>
               </a:ext>
             </a:extLst>
           </p:cNvPr>
@@ -4955,8 +5047,144 @@
         </p:blipFill>
         <p:spPr>
           <a:xfrm>
-            <a:off x="8290312" y="2639077"/>
-            <a:ext cx="2865368" cy="541067"/>
+            <a:off x="1189359" y="3745710"/>
+            <a:ext cx="3009530" cy="1976285"/>
+          </a:xfrm>
+          <a:prstGeom prst="rect">
+            <a:avLst/>
+          </a:prstGeom>
+        </p:spPr>
+      </p:pic>
+      <p:sp>
+        <p:nvSpPr>
+          <p:cNvPr id="21" name="CaixaDeTexto 20">
+            <a:extLst>
+              <a:ext uri="{FF2B5EF4-FFF2-40B4-BE49-F238E27FC236}">
+                <a16:creationId xmlns:a16="http://schemas.microsoft.com/office/drawing/2014/main" id="{5F124F6A-0A21-4FD6-B5AE-F0E92890F0F9}"/>
+              </a:ext>
+            </a:extLst>
+          </p:cNvPr>
+          <p:cNvSpPr txBox="1"/>
+          <p:nvPr/>
+        </p:nvSpPr>
+        <p:spPr>
+          <a:xfrm>
+            <a:off x="3163651" y="5669947"/>
+            <a:ext cx="1035238" cy="338554"/>
+          </a:xfrm>
+          <a:prstGeom prst="rect">
+            <a:avLst/>
+          </a:prstGeom>
+          <a:noFill/>
+        </p:spPr>
+        <p:txBody>
+          <a:bodyPr wrap="square" rtlCol="0">
+            <a:spAutoFit/>
+          </a:bodyPr>
+          <a:lstStyle/>
+          <a:p>
+            <a:r>
+              <a:rPr lang="pt-PT" sz="1600" dirty="0" err="1">
+                <a:solidFill>
+                  <a:srgbClr val="FF0000"/>
+                </a:solidFill>
+              </a:rPr>
+              <a:t>StreamZ.h</a:t>
+            </a:r>
+            <a:endParaRPr lang="en-GB" sz="1600" dirty="0">
+              <a:solidFill>
+                <a:srgbClr val="FF0000"/>
+              </a:solidFill>
+            </a:endParaRPr>
+          </a:p>
+        </p:txBody>
+      </p:sp>
+      <p:sp>
+        <p:nvSpPr>
+          <p:cNvPr id="2" name="Marcador de Posição do Rodapé 1">
+            <a:extLst>
+              <a:ext uri="{FF2B5EF4-FFF2-40B4-BE49-F238E27FC236}">
+                <a16:creationId xmlns:a16="http://schemas.microsoft.com/office/drawing/2014/main" id="{AC9C9DC4-4A5E-473D-B162-15858523817F}"/>
+              </a:ext>
+            </a:extLst>
+          </p:cNvPr>
+          <p:cNvSpPr>
+            <a:spLocks noGrp="1"/>
+          </p:cNvSpPr>
+          <p:nvPr>
+            <p:ph type="ftr" sz="quarter" idx="11"/>
+          </p:nvPr>
+        </p:nvSpPr>
+        <p:spPr/>
+        <p:txBody>
+          <a:bodyPr/>
+          <a:lstStyle/>
+          <a:p>
+            <a:r>
+              <a:rPr lang="en-GB" sz="2400" b="1" dirty="0"/>
+              <a:t>2MIEIC04_G1</a:t>
+            </a:r>
+          </a:p>
+        </p:txBody>
+      </p:sp>
+      <p:sp>
+        <p:nvSpPr>
+          <p:cNvPr id="3" name="Marcador de Posição do Número do Diapositivo 2">
+            <a:extLst>
+              <a:ext uri="{FF2B5EF4-FFF2-40B4-BE49-F238E27FC236}">
+                <a16:creationId xmlns:a16="http://schemas.microsoft.com/office/drawing/2014/main" id="{59E940EF-7100-4753-B4D6-8317706B5F39}"/>
+              </a:ext>
+            </a:extLst>
+          </p:cNvPr>
+          <p:cNvSpPr>
+            <a:spLocks noGrp="1"/>
+          </p:cNvSpPr>
+          <p:nvPr>
+            <p:ph type="sldNum" sz="quarter" idx="12"/>
+          </p:nvPr>
+        </p:nvSpPr>
+        <p:spPr/>
+        <p:txBody>
+          <a:bodyPr/>
+          <a:lstStyle/>
+          <a:p>
+            <a:fld id="{75DB3F52-068C-4339-9FA6-06F9AAEB3337}" type="slidenum">
+              <a:rPr lang="en-GB" sz="2400"/>
+              <a:t>10</a:t>
+            </a:fld>
+            <a:endParaRPr lang="en-GB" sz="2400" dirty="0"/>
+          </a:p>
+        </p:txBody>
+      </p:sp>
+      <p:pic>
+        <p:nvPicPr>
+          <p:cNvPr id="14" name="Imagem 13">
+            <a:extLst>
+              <a:ext uri="{FF2B5EF4-FFF2-40B4-BE49-F238E27FC236}">
+                <a16:creationId xmlns:a16="http://schemas.microsoft.com/office/drawing/2014/main" id="{C71CCF36-FC3F-4EBC-8464-434B110BC0A4}"/>
+              </a:ext>
+            </a:extLst>
+          </p:cNvPr>
+          <p:cNvPicPr>
+            <a:picLocks noChangeAspect="1"/>
+          </p:cNvPicPr>
+          <p:nvPr/>
+        </p:nvPicPr>
+        <p:blipFill rotWithShape="1">
+          <a:blip r:embed="rId3">
+            <a:extLst>
+              <a:ext uri="{28A0092B-C50C-407E-A947-70E740481C1C}">
+                <a14:useLocalDpi xmlns:a14="http://schemas.microsoft.com/office/drawing/2010/main" val="0"/>
+              </a:ext>
+            </a:extLst>
+          </a:blip>
+          <a:srcRect r="39904"/>
+          <a:stretch/>
+        </p:blipFill>
+        <p:spPr>
+          <a:xfrm>
+            <a:off x="1097280" y="6500189"/>
+            <a:ext cx="1406360" cy="312685"/>
           </a:xfrm>
           <a:prstGeom prst="rect">
             <a:avLst/>
@@ -4965,40 +5193,10 @@
       </p:pic>
       <p:pic>
         <p:nvPicPr>
-          <p:cNvPr id="38" name="Imagem 37">
-            <a:extLst>
-              <a:ext uri="{FF2B5EF4-FFF2-40B4-BE49-F238E27FC236}">
-                <a16:creationId xmlns:a16="http://schemas.microsoft.com/office/drawing/2014/main" id="{20BD432F-393B-4D03-85B2-E8E9F407DF10}"/>
-              </a:ext>
-            </a:extLst>
-          </p:cNvPr>
-          <p:cNvPicPr>
-            <a:picLocks noChangeAspect="1"/>
-          </p:cNvPicPr>
-          <p:nvPr/>
-        </p:nvPicPr>
-        <p:blipFill>
-          <a:blip r:embed="rId3"/>
-          <a:stretch>
-            <a:fillRect/>
-          </a:stretch>
-        </p:blipFill>
-        <p:spPr>
-          <a:xfrm>
-            <a:off x="8899965" y="2173788"/>
-            <a:ext cx="2255715" cy="472481"/>
-          </a:xfrm>
-          <a:prstGeom prst="rect">
-            <a:avLst/>
-          </a:prstGeom>
-        </p:spPr>
-      </p:pic>
-      <p:pic>
-        <p:nvPicPr>
-          <p:cNvPr id="40" name="Imagem 39">
-            <a:extLst>
-              <a:ext uri="{FF2B5EF4-FFF2-40B4-BE49-F238E27FC236}">
-                <a16:creationId xmlns:a16="http://schemas.microsoft.com/office/drawing/2014/main" id="{9BC08A33-DC37-41F1-8AEA-3D9E6636145F}"/>
+          <p:cNvPr id="10" name="Imagem 9">
+            <a:extLst>
+              <a:ext uri="{FF2B5EF4-FFF2-40B4-BE49-F238E27FC236}">
+                <a16:creationId xmlns:a16="http://schemas.microsoft.com/office/drawing/2014/main" id="{01983A3F-4BB4-4B05-B2F2-8B9FB3D3EE53}"/>
               </a:ext>
             </a:extLst>
           </p:cNvPr>
@@ -5015,148 +5213,20 @@
         </p:blipFill>
         <p:spPr>
           <a:xfrm>
-            <a:off x="7375832" y="3156517"/>
-            <a:ext cx="3779848" cy="510584"/>
+            <a:off x="6717741" y="1925499"/>
+            <a:ext cx="4370470" cy="979481"/>
           </a:xfrm>
           <a:prstGeom prst="rect">
             <a:avLst/>
           </a:prstGeom>
         </p:spPr>
       </p:pic>
-      <p:sp>
-        <p:nvSpPr>
-          <p:cNvPr id="41" name="CaixaDeTexto 40">
-            <a:extLst>
-              <a:ext uri="{FF2B5EF4-FFF2-40B4-BE49-F238E27FC236}">
-                <a16:creationId xmlns:a16="http://schemas.microsoft.com/office/drawing/2014/main" id="{53A78830-F1D5-4288-A9BC-8C76AEB8D97D}"/>
-              </a:ext>
-            </a:extLst>
-          </p:cNvPr>
-          <p:cNvSpPr txBox="1"/>
-          <p:nvPr/>
-        </p:nvSpPr>
-        <p:spPr>
-          <a:xfrm>
-            <a:off x="1297720" y="1896645"/>
-            <a:ext cx="5689006" cy="1754326"/>
-          </a:xfrm>
-          <a:prstGeom prst="rect">
-            <a:avLst/>
-          </a:prstGeom>
-          <a:noFill/>
-        </p:spPr>
-        <p:txBody>
-          <a:bodyPr wrap="square" rtlCol="0">
-            <a:spAutoFit/>
-          </a:bodyPr>
-          <a:lstStyle/>
-          <a:p>
-            <a:pPr marL="285750" indent="-285750">
-              <a:buClr>
-                <a:srgbClr val="8C2D19"/>
-              </a:buClr>
-              <a:buFont typeface="Arial" panose="020B0604020202020204" pitchFamily="34" charset="0"/>
-              <a:buChar char="•"/>
-            </a:pPr>
-            <a:r>
-              <a:rPr lang="pt-PT" dirty="0"/>
-              <a:t>Inserção e remoção de elementos na BST são feitos a partir dos métodos definidos em </a:t>
-            </a:r>
-            <a:r>
-              <a:rPr lang="pt-PT" dirty="0" err="1"/>
-              <a:t>BST.h</a:t>
-            </a:r>
-            <a:r>
-              <a:rPr lang="pt-PT" dirty="0"/>
-              <a:t>.</a:t>
-            </a:r>
-          </a:p>
-          <a:p>
-            <a:pPr marL="285750" indent="-285750">
-              <a:buClr>
-                <a:srgbClr val="8C2D19"/>
-              </a:buClr>
-              <a:buFont typeface="Arial" panose="020B0604020202020204" pitchFamily="34" charset="0"/>
-              <a:buChar char="•"/>
-            </a:pPr>
-            <a:r>
-              <a:rPr lang="pt-PT" dirty="0"/>
-              <a:t>A conta de </a:t>
-            </a:r>
-            <a:r>
-              <a:rPr lang="pt-PT" dirty="0" err="1"/>
-              <a:t>streamer</a:t>
-            </a:r>
-            <a:r>
-              <a:rPr lang="pt-PT" dirty="0"/>
-              <a:t> tem a opção de desativar a conta e também adicionamos a opção de apagar permanentemente. Também pode ser alterado o seu nome e a sua password.</a:t>
-            </a:r>
-          </a:p>
-        </p:txBody>
-      </p:sp>
-      <p:sp>
-        <p:nvSpPr>
-          <p:cNvPr id="3" name="Marcador de Posição do Rodapé 2">
-            <a:extLst>
-              <a:ext uri="{FF2B5EF4-FFF2-40B4-BE49-F238E27FC236}">
-                <a16:creationId xmlns:a16="http://schemas.microsoft.com/office/drawing/2014/main" id="{46E07225-AC96-4BE3-BF46-5D4E1E904945}"/>
-              </a:ext>
-            </a:extLst>
-          </p:cNvPr>
-          <p:cNvSpPr>
-            <a:spLocks noGrp="1"/>
-          </p:cNvSpPr>
-          <p:nvPr>
-            <p:ph type="ftr" sz="quarter" idx="11"/>
-          </p:nvPr>
-        </p:nvSpPr>
-        <p:spPr/>
-        <p:txBody>
-          <a:bodyPr/>
-          <a:lstStyle/>
-          <a:p>
-            <a:r>
-              <a:rPr lang="en-GB" sz="2400" b="1" dirty="0"/>
-              <a:t>2MIEIC04_G1</a:t>
-            </a:r>
-          </a:p>
-        </p:txBody>
-      </p:sp>
-      <p:sp>
-        <p:nvSpPr>
-          <p:cNvPr id="6" name="Marcador de Posição do Número do Diapositivo 5">
-            <a:extLst>
-              <a:ext uri="{FF2B5EF4-FFF2-40B4-BE49-F238E27FC236}">
-                <a16:creationId xmlns:a16="http://schemas.microsoft.com/office/drawing/2014/main" id="{C2560148-6F83-4804-9A82-C924B2C63501}"/>
-              </a:ext>
-            </a:extLst>
-          </p:cNvPr>
-          <p:cNvSpPr>
-            <a:spLocks noGrp="1"/>
-          </p:cNvSpPr>
-          <p:nvPr>
-            <p:ph type="sldNum" sz="quarter" idx="12"/>
-          </p:nvPr>
-        </p:nvSpPr>
-        <p:spPr/>
-        <p:txBody>
-          <a:bodyPr/>
-          <a:lstStyle/>
-          <a:p>
-            <a:fld id="{75DB3F52-068C-4339-9FA6-06F9AAEB3337}" type="slidenum">
-              <a:rPr lang="en-GB" sz="2400"/>
-              <a:t>10</a:t>
-            </a:fld>
-            <a:endParaRPr lang="en-GB" sz="2400" dirty="0"/>
-          </a:p>
-        </p:txBody>
-      </p:sp>
       <p:pic>
         <p:nvPicPr>
-          <p:cNvPr id="16" name="Imagem 15">
-            <a:extLst>
-              <a:ext uri="{FF2B5EF4-FFF2-40B4-BE49-F238E27FC236}">
-                <a16:creationId xmlns:a16="http://schemas.microsoft.com/office/drawing/2014/main" id="{5C7ABC6E-E6AE-4BFA-9C4B-2A3113750E53}"/>
+          <p:cNvPr id="6" name="Picture 5">
+            <a:extLst>
+              <a:ext uri="{FF2B5EF4-FFF2-40B4-BE49-F238E27FC236}">
+                <a16:creationId xmlns:a16="http://schemas.microsoft.com/office/drawing/2014/main" id="{734732CE-8093-4C2C-9310-00531976E575}"/>
               </a:ext>
             </a:extLst>
           </p:cNvPr>
@@ -5165,51 +5235,16 @@
           </p:cNvPicPr>
           <p:nvPr/>
         </p:nvPicPr>
-        <p:blipFill rotWithShape="1">
-          <a:blip r:embed="rId5">
-            <a:extLst>
-              <a:ext uri="{28A0092B-C50C-407E-A947-70E740481C1C}">
-                <a14:useLocalDpi xmlns:a14="http://schemas.microsoft.com/office/drawing/2010/main" val="0"/>
-              </a:ext>
-            </a:extLst>
-          </a:blip>
-          <a:srcRect r="39904"/>
-          <a:stretch/>
-        </p:blipFill>
-        <p:spPr>
-          <a:xfrm>
-            <a:off x="1097280" y="6500189"/>
-            <a:ext cx="1406360" cy="312685"/>
-          </a:xfrm>
-          <a:prstGeom prst="rect">
-            <a:avLst/>
-          </a:prstGeom>
-        </p:spPr>
-      </p:pic>
-      <p:pic>
-        <p:nvPicPr>
-          <p:cNvPr id="7" name="Picture 6">
-            <a:extLst>
-              <a:ext uri="{FF2B5EF4-FFF2-40B4-BE49-F238E27FC236}">
-                <a16:creationId xmlns:a16="http://schemas.microsoft.com/office/drawing/2014/main" id="{F3A67BFC-D4F7-426E-A3B5-DB0849F5C01A}"/>
-              </a:ext>
-            </a:extLst>
-          </p:cNvPr>
-          <p:cNvPicPr>
-            <a:picLocks noChangeAspect="1"/>
-          </p:cNvPicPr>
-          <p:nvPr/>
-        </p:nvPicPr>
         <p:blipFill>
-          <a:blip r:embed="rId6"/>
+          <a:blip r:embed="rId5"/>
           <a:stretch>
             <a:fillRect/>
           </a:stretch>
         </p:blipFill>
         <p:spPr>
           <a:xfrm>
-            <a:off x="1741207" y="4368008"/>
-            <a:ext cx="8951649" cy="1505263"/>
+            <a:off x="5552891" y="3594945"/>
+            <a:ext cx="5535320" cy="2231140"/>
           </a:xfrm>
           <a:prstGeom prst="rect">
             <a:avLst/>
@@ -5219,7 +5254,7 @@
     </p:spTree>
     <p:extLst>
       <p:ext uri="{BB962C8B-B14F-4D97-AF65-F5344CB8AC3E}">
-        <p14:creationId xmlns:p14="http://schemas.microsoft.com/office/powerpoint/2010/main" val="1811745654"/>
+        <p14:creationId xmlns:p14="http://schemas.microsoft.com/office/powerpoint/2010/main" val="1154785579"/>
       </p:ext>
     </p:extLst>
   </p:cSld>
@@ -5248,10 +5283,10 @@
       </p:grpSpPr>
       <p:sp>
         <p:nvSpPr>
-          <p:cNvPr id="4" name="Título 1">
-            <a:extLst>
-              <a:ext uri="{FF2B5EF4-FFF2-40B4-BE49-F238E27FC236}">
-                <a16:creationId xmlns:a16="http://schemas.microsoft.com/office/drawing/2014/main" id="{267B6764-42C3-4081-8C20-2DD12E1BA125}"/>
+          <p:cNvPr id="2" name="Título 1">
+            <a:extLst>
+              <a:ext uri="{FF2B5EF4-FFF2-40B4-BE49-F238E27FC236}">
+                <a16:creationId xmlns:a16="http://schemas.microsoft.com/office/drawing/2014/main" id="{94156D41-8965-4403-A98B-D1E242421D46}"/>
               </a:ext>
             </a:extLst>
           </p:cNvPr>
@@ -5262,29 +5297,71 @@
             <p:ph type="title"/>
           </p:nvPr>
         </p:nvSpPr>
-        <p:spPr>
-          <a:xfrm>
-            <a:off x="1097280" y="286603"/>
-            <a:ext cx="10058400" cy="1450757"/>
-          </a:xfrm>
-        </p:spPr>
-        <p:txBody>
-          <a:bodyPr/>
+        <p:spPr/>
+        <p:txBody>
+          <a:bodyPr>
+            <a:normAutofit fontScale="90000"/>
+          </a:bodyPr>
           <a:lstStyle/>
           <a:p>
             <a:pPr algn="ctr"/>
-            <a:r>
-              <a:rPr lang="pt-PT" sz="6600" dirty="0">
-                <a:solidFill>
-                  <a:schemeClr val="tx1"/>
+            <a:br>
+              <a:rPr lang="en-GB" sz="3600" dirty="0"/>
+            </a:br>
+            <a:r>
+              <a:rPr lang="en-GB" sz="7300" dirty="0" err="1">
+                <a:solidFill>
+                  <a:schemeClr val="tx1">
+                    <a:lumMod val="85000"/>
+                    <a:lumOff val="15000"/>
+                  </a:schemeClr>
                 </a:solidFill>
                 <a:latin typeface="Bahnschrift SemiLight" panose="020B0502040204020203" pitchFamily="34" charset="0"/>
               </a:rPr>
-              <a:t>Listagem</a:t>
-            </a:r>
-            <a:endParaRPr lang="en-GB" sz="6600" dirty="0">
+              <a:t>Criar</a:t>
+            </a:r>
+            <a:r>
+              <a:rPr lang="en-GB" sz="7300" dirty="0">
+                <a:solidFill>
+                  <a:schemeClr val="tx1">
+                    <a:lumMod val="85000"/>
+                    <a:lumOff val="15000"/>
+                  </a:schemeClr>
+                </a:solidFill>
+                <a:latin typeface="Bahnschrift SemiLight" panose="020B0502040204020203" pitchFamily="34" charset="0"/>
+              </a:rPr>
+              <a:t>/</a:t>
+            </a:r>
+            <a:r>
+              <a:rPr lang="en-GB" sz="7300" dirty="0" err="1">
+                <a:solidFill>
+                  <a:schemeClr val="tx1">
+                    <a:lumMod val="85000"/>
+                    <a:lumOff val="15000"/>
+                  </a:schemeClr>
+                </a:solidFill>
+                <a:latin typeface="Bahnschrift SemiLight" panose="020B0502040204020203" pitchFamily="34" charset="0"/>
+              </a:rPr>
+              <a:t>Atualizar</a:t>
+            </a:r>
+            <a:r>
+              <a:rPr lang="en-GB" sz="7300" dirty="0">
+                <a:solidFill>
+                  <a:schemeClr val="tx1">
+                    <a:lumMod val="85000"/>
+                    <a:lumOff val="15000"/>
+                  </a:schemeClr>
+                </a:solidFill>
+                <a:latin typeface="Bahnschrift SemiLight" panose="020B0502040204020203" pitchFamily="34" charset="0"/>
+              </a:rPr>
+              <a:t>/ Remover</a:t>
+            </a:r>
+            <a:endParaRPr lang="pt-PT" sz="7300" dirty="0">
               <a:solidFill>
-                <a:schemeClr val="tx1"/>
+                <a:schemeClr val="tx1">
+                  <a:lumMod val="85000"/>
+                  <a:lumOff val="15000"/>
+                </a:schemeClr>
               </a:solidFill>
               <a:latin typeface="Bahnschrift SemiLight" panose="020B0502040204020203" pitchFamily="34" charset="0"/>
             </a:endParaRPr>
@@ -5293,10 +5370,10 @@
       </p:sp>
       <p:cxnSp>
         <p:nvCxnSpPr>
-          <p:cNvPr id="6" name="Conexão reta 5">
-            <a:extLst>
-              <a:ext uri="{FF2B5EF4-FFF2-40B4-BE49-F238E27FC236}">
-                <a16:creationId xmlns:a16="http://schemas.microsoft.com/office/drawing/2014/main" id="{BFE60422-34C0-420F-8356-E4816D80A3CF}"/>
+          <p:cNvPr id="5" name="Conexão reta 4">
+            <a:extLst>
+              <a:ext uri="{FF2B5EF4-FFF2-40B4-BE49-F238E27FC236}">
+                <a16:creationId xmlns:a16="http://schemas.microsoft.com/office/drawing/2014/main" id="{CB2239A8-67DE-444E-AC2F-873CA9F188C9}"/>
               </a:ext>
             </a:extLst>
           </p:cNvPr>
@@ -5336,10 +5413,10 @@
       </p:cxnSp>
       <p:sp>
         <p:nvSpPr>
-          <p:cNvPr id="13" name="CaixaDeTexto 12">
-            <a:extLst>
-              <a:ext uri="{FF2B5EF4-FFF2-40B4-BE49-F238E27FC236}">
-                <a16:creationId xmlns:a16="http://schemas.microsoft.com/office/drawing/2014/main" id="{EFB421BC-8709-45BA-865E-783BEE9AA4A4}"/>
+          <p:cNvPr id="23" name="CaixaDeTexto 22">
+            <a:extLst>
+              <a:ext uri="{FF2B5EF4-FFF2-40B4-BE49-F238E27FC236}">
+                <a16:creationId xmlns:a16="http://schemas.microsoft.com/office/drawing/2014/main" id="{3EDE5F5A-9157-40C4-9894-CDA1F597E236}"/>
               </a:ext>
             </a:extLst>
           </p:cNvPr>
@@ -5348,8 +5425,8 @@
         </p:nvSpPr>
         <p:spPr>
           <a:xfrm>
-            <a:off x="2823175" y="5894605"/>
-            <a:ext cx="2775713" cy="338554"/>
+            <a:off x="9374819" y="5910467"/>
+            <a:ext cx="1659697" cy="338554"/>
           </a:xfrm>
           <a:prstGeom prst="rect">
             <a:avLst/>
@@ -5363,19 +5440,27 @@
           <a:lstStyle/>
           <a:p>
             <a:r>
-              <a:rPr lang="pt-PT" sz="1600" dirty="0"/>
-              <a:t>(excerto) SearchManager.cpp</a:t>
-            </a:r>
-            <a:endParaRPr lang="en-GB" dirty="0"/>
-          </a:p>
-        </p:txBody>
-      </p:sp>
-      <p:sp>
-        <p:nvSpPr>
-          <p:cNvPr id="17" name="CaixaDeTexto 16">
-            <a:extLst>
-              <a:ext uri="{FF2B5EF4-FFF2-40B4-BE49-F238E27FC236}">
-                <a16:creationId xmlns:a16="http://schemas.microsoft.com/office/drawing/2014/main" id="{8228F99D-3C22-472E-8DFE-B7B038D11935}"/>
+              <a:rPr lang="pt-PT" sz="1600" dirty="0">
+                <a:solidFill>
+                  <a:srgbClr val="FF0000"/>
+                </a:solidFill>
+              </a:rPr>
+              <a:t>UserManager.cpp</a:t>
+            </a:r>
+            <a:endParaRPr lang="en-GB" sz="1600" dirty="0">
+              <a:solidFill>
+                <a:srgbClr val="FF0000"/>
+              </a:solidFill>
+            </a:endParaRPr>
+          </a:p>
+        </p:txBody>
+      </p:sp>
+      <p:sp>
+        <p:nvSpPr>
+          <p:cNvPr id="29" name="CaixaDeTexto 28">
+            <a:extLst>
+              <a:ext uri="{FF2B5EF4-FFF2-40B4-BE49-F238E27FC236}">
+                <a16:creationId xmlns:a16="http://schemas.microsoft.com/office/drawing/2014/main" id="{DE3766CB-8AD1-425D-85B3-6F68364D4BD1}"/>
               </a:ext>
             </a:extLst>
           </p:cNvPr>
@@ -5384,8 +5469,8 @@
         </p:nvSpPr>
         <p:spPr>
           <a:xfrm>
-            <a:off x="9650027" y="2822714"/>
-            <a:ext cx="1811044" cy="338554"/>
+            <a:off x="10331952" y="3615979"/>
+            <a:ext cx="959293" cy="338554"/>
           </a:xfrm>
           <a:prstGeom prst="rect">
             <a:avLst/>
@@ -5399,19 +5484,117 @@
           <a:lstStyle/>
           <a:p>
             <a:r>
-              <a:rPr lang="pt-PT" sz="1600" dirty="0"/>
-              <a:t>SearchManager.cpp</a:t>
-            </a:r>
-            <a:endParaRPr lang="en-GB" dirty="0"/>
-          </a:p>
-        </p:txBody>
-      </p:sp>
-      <p:sp>
-        <p:nvSpPr>
-          <p:cNvPr id="18" name="CaixaDeTexto 17">
-            <a:extLst>
-              <a:ext uri="{FF2B5EF4-FFF2-40B4-BE49-F238E27FC236}">
-                <a16:creationId xmlns:a16="http://schemas.microsoft.com/office/drawing/2014/main" id="{11FA7A83-279B-4A8E-9636-AFF140E12238}"/>
+              <a:rPr lang="pt-PT" sz="1600" dirty="0" err="1">
+                <a:solidFill>
+                  <a:srgbClr val="FF0000"/>
+                </a:solidFill>
+              </a:rPr>
+              <a:t>Viewer.h</a:t>
+            </a:r>
+            <a:endParaRPr lang="en-GB" sz="1600" dirty="0">
+              <a:solidFill>
+                <a:srgbClr val="FF0000"/>
+              </a:solidFill>
+            </a:endParaRPr>
+          </a:p>
+        </p:txBody>
+      </p:sp>
+      <p:pic>
+        <p:nvPicPr>
+          <p:cNvPr id="36" name="Imagem 35">
+            <a:extLst>
+              <a:ext uri="{FF2B5EF4-FFF2-40B4-BE49-F238E27FC236}">
+                <a16:creationId xmlns:a16="http://schemas.microsoft.com/office/drawing/2014/main" id="{7F0F9A73-114E-4E6C-8A5F-BC76BF08F4BF}"/>
+              </a:ext>
+            </a:extLst>
+          </p:cNvPr>
+          <p:cNvPicPr>
+            <a:picLocks noChangeAspect="1"/>
+          </p:cNvPicPr>
+          <p:nvPr/>
+        </p:nvPicPr>
+        <p:blipFill>
+          <a:blip r:embed="rId2"/>
+          <a:stretch>
+            <a:fillRect/>
+          </a:stretch>
+        </p:blipFill>
+        <p:spPr>
+          <a:xfrm>
+            <a:off x="8290312" y="2639077"/>
+            <a:ext cx="2865368" cy="541067"/>
+          </a:xfrm>
+          <a:prstGeom prst="rect">
+            <a:avLst/>
+          </a:prstGeom>
+        </p:spPr>
+      </p:pic>
+      <p:pic>
+        <p:nvPicPr>
+          <p:cNvPr id="38" name="Imagem 37">
+            <a:extLst>
+              <a:ext uri="{FF2B5EF4-FFF2-40B4-BE49-F238E27FC236}">
+                <a16:creationId xmlns:a16="http://schemas.microsoft.com/office/drawing/2014/main" id="{20BD432F-393B-4D03-85B2-E8E9F407DF10}"/>
+              </a:ext>
+            </a:extLst>
+          </p:cNvPr>
+          <p:cNvPicPr>
+            <a:picLocks noChangeAspect="1"/>
+          </p:cNvPicPr>
+          <p:nvPr/>
+        </p:nvPicPr>
+        <p:blipFill>
+          <a:blip r:embed="rId3"/>
+          <a:stretch>
+            <a:fillRect/>
+          </a:stretch>
+        </p:blipFill>
+        <p:spPr>
+          <a:xfrm>
+            <a:off x="8899965" y="2173788"/>
+            <a:ext cx="2255715" cy="472481"/>
+          </a:xfrm>
+          <a:prstGeom prst="rect">
+            <a:avLst/>
+          </a:prstGeom>
+        </p:spPr>
+      </p:pic>
+      <p:pic>
+        <p:nvPicPr>
+          <p:cNvPr id="40" name="Imagem 39">
+            <a:extLst>
+              <a:ext uri="{FF2B5EF4-FFF2-40B4-BE49-F238E27FC236}">
+                <a16:creationId xmlns:a16="http://schemas.microsoft.com/office/drawing/2014/main" id="{9BC08A33-DC37-41F1-8AEA-3D9E6636145F}"/>
+              </a:ext>
+            </a:extLst>
+          </p:cNvPr>
+          <p:cNvPicPr>
+            <a:picLocks noChangeAspect="1"/>
+          </p:cNvPicPr>
+          <p:nvPr/>
+        </p:nvPicPr>
+        <p:blipFill>
+          <a:blip r:embed="rId4"/>
+          <a:stretch>
+            <a:fillRect/>
+          </a:stretch>
+        </p:blipFill>
+        <p:spPr>
+          <a:xfrm>
+            <a:off x="7375832" y="3156517"/>
+            <a:ext cx="3779848" cy="510584"/>
+          </a:xfrm>
+          <a:prstGeom prst="rect">
+            <a:avLst/>
+          </a:prstGeom>
+        </p:spPr>
+      </p:pic>
+      <p:sp>
+        <p:nvSpPr>
+          <p:cNvPr id="41" name="CaixaDeTexto 40">
+            <a:extLst>
+              <a:ext uri="{FF2B5EF4-FFF2-40B4-BE49-F238E27FC236}">
+                <a16:creationId xmlns:a16="http://schemas.microsoft.com/office/drawing/2014/main" id="{53A78830-F1D5-4288-A9BC-8C76AEB8D97D}"/>
               </a:ext>
             </a:extLst>
           </p:cNvPr>
@@ -5420,8 +5603,8 @@
         </p:nvSpPr>
         <p:spPr>
           <a:xfrm>
-            <a:off x="1097279" y="1978514"/>
-            <a:ext cx="3980063" cy="1200329"/>
+            <a:off x="1297720" y="1896645"/>
+            <a:ext cx="5689006" cy="1754326"/>
           </a:xfrm>
           <a:prstGeom prst="rect">
             <a:avLst/>
@@ -5443,15 +5626,15 @@
             </a:pPr>
             <a:r>
               <a:rPr lang="pt-PT" dirty="0"/>
-              <a:t>Listagem das </a:t>
+              <a:t>Inserção e remoção de elementos na BST são feitos a partir dos métodos definidos em </a:t>
             </a:r>
             <a:r>
               <a:rPr lang="pt-PT" dirty="0" err="1"/>
-              <a:t>Donations</a:t>
+              <a:t>BST.h</a:t>
             </a:r>
             <a:r>
               <a:rPr lang="pt-PT" dirty="0"/>
-              <a:t> admite vários parâmetros, portanto é possível filtrar a informação.</a:t>
+              <a:t>.</a:t>
             </a:r>
           </a:p>
           <a:p>
@@ -5462,20 +5645,27 @@
               <a:buFont typeface="Arial" panose="020B0604020202020204" pitchFamily="34" charset="0"/>
               <a:buChar char="•"/>
             </a:pPr>
-            <a:endParaRPr lang="pt-PT" dirty="0">
-              <a:solidFill>
-                <a:srgbClr val="FF0000"/>
-              </a:solidFill>
-            </a:endParaRPr>
-          </a:p>
-        </p:txBody>
-      </p:sp>
-      <p:sp>
-        <p:nvSpPr>
-          <p:cNvPr id="2" name="Marcador de Posição do Rodapé 1">
-            <a:extLst>
-              <a:ext uri="{FF2B5EF4-FFF2-40B4-BE49-F238E27FC236}">
-                <a16:creationId xmlns:a16="http://schemas.microsoft.com/office/drawing/2014/main" id="{32C833F7-18B6-4861-9CBC-F84DFD811E13}"/>
+            <a:r>
+              <a:rPr lang="pt-PT" dirty="0"/>
+              <a:t>A conta de </a:t>
+            </a:r>
+            <a:r>
+              <a:rPr lang="pt-PT" dirty="0" err="1"/>
+              <a:t>streamer</a:t>
+            </a:r>
+            <a:r>
+              <a:rPr lang="pt-PT" dirty="0"/>
+              <a:t> tem a opção de desativar a conta e também adicionamos a opção de apagar permanentemente. Também pode ser alterado o seu nome e a sua password.</a:t>
+            </a:r>
+          </a:p>
+        </p:txBody>
+      </p:sp>
+      <p:sp>
+        <p:nvSpPr>
+          <p:cNvPr id="3" name="Marcador de Posição do Rodapé 2">
+            <a:extLst>
+              <a:ext uri="{FF2B5EF4-FFF2-40B4-BE49-F238E27FC236}">
+                <a16:creationId xmlns:a16="http://schemas.microsoft.com/office/drawing/2014/main" id="{46E07225-AC96-4BE3-BF46-5D4E1E904945}"/>
               </a:ext>
             </a:extLst>
           </p:cNvPr>
@@ -5500,10 +5690,10 @@
       </p:sp>
       <p:sp>
         <p:nvSpPr>
-          <p:cNvPr id="3" name="Marcador de Posição do Número do Diapositivo 2">
-            <a:extLst>
-              <a:ext uri="{FF2B5EF4-FFF2-40B4-BE49-F238E27FC236}">
-                <a16:creationId xmlns:a16="http://schemas.microsoft.com/office/drawing/2014/main" id="{F84751A3-EB56-4B0A-B79B-89EF65EBF080}"/>
+          <p:cNvPr id="6" name="Marcador de Posição do Número do Diapositivo 5">
+            <a:extLst>
+              <a:ext uri="{FF2B5EF4-FFF2-40B4-BE49-F238E27FC236}">
+                <a16:creationId xmlns:a16="http://schemas.microsoft.com/office/drawing/2014/main" id="{C2560148-6F83-4804-9A82-C924B2C63501}"/>
               </a:ext>
             </a:extLst>
           </p:cNvPr>
@@ -5529,10 +5719,10 @@
       </p:sp>
       <p:pic>
         <p:nvPicPr>
-          <p:cNvPr id="7" name="Imagem 6">
-            <a:extLst>
-              <a:ext uri="{FF2B5EF4-FFF2-40B4-BE49-F238E27FC236}">
-                <a16:creationId xmlns:a16="http://schemas.microsoft.com/office/drawing/2014/main" id="{F792557B-E72C-4265-BC01-A8B90EA578C5}"/>
+          <p:cNvPr id="16" name="Imagem 15">
+            <a:extLst>
+              <a:ext uri="{FF2B5EF4-FFF2-40B4-BE49-F238E27FC236}">
+                <a16:creationId xmlns:a16="http://schemas.microsoft.com/office/drawing/2014/main" id="{5C7ABC6E-E6AE-4BFA-9C4B-2A3113750E53}"/>
               </a:ext>
             </a:extLst>
           </p:cNvPr>
@@ -5542,7 +5732,7 @@
           <p:nvPr/>
         </p:nvPicPr>
         <p:blipFill rotWithShape="1">
-          <a:blip r:embed="rId2">
+          <a:blip r:embed="rId5">
             <a:extLst>
               <a:ext uri="{28A0092B-C50C-407E-A947-70E740481C1C}">
                 <a14:useLocalDpi xmlns:a14="http://schemas.microsoft.com/office/drawing/2010/main" val="0"/>
@@ -5562,74 +5752,12 @@
           </a:prstGeom>
         </p:spPr>
       </p:pic>
-      <p:sp>
-        <p:nvSpPr>
-          <p:cNvPr id="5" name="CaixaDeTexto 4">
-            <a:extLst>
-              <a:ext uri="{FF2B5EF4-FFF2-40B4-BE49-F238E27FC236}">
-                <a16:creationId xmlns:a16="http://schemas.microsoft.com/office/drawing/2014/main" id="{9E531B7B-DA41-4275-9E6B-DBF7E0134E40}"/>
-              </a:ext>
-            </a:extLst>
-          </p:cNvPr>
-          <p:cNvSpPr txBox="1"/>
-          <p:nvPr/>
-        </p:nvSpPr>
-        <p:spPr>
-          <a:xfrm>
-            <a:off x="6217032" y="4349254"/>
-            <a:ext cx="4278405" cy="923330"/>
-          </a:xfrm>
-          <a:prstGeom prst="rect">
-            <a:avLst/>
-          </a:prstGeom>
-          <a:noFill/>
-        </p:spPr>
-        <p:txBody>
-          <a:bodyPr wrap="square" rtlCol="0">
-            <a:spAutoFit/>
-          </a:bodyPr>
-          <a:lstStyle/>
-          <a:p>
-            <a:pPr marL="285750" indent="-285750">
-              <a:buClr>
-                <a:srgbClr val="8C2D19"/>
-              </a:buClr>
-              <a:buFont typeface="Arial" panose="020B0604020202020204" pitchFamily="34" charset="0"/>
-              <a:buChar char="•"/>
-            </a:pPr>
-            <a:r>
-              <a:rPr lang="pt-PT" dirty="0"/>
-              <a:t>Permite listagens com diferentes </a:t>
-            </a:r>
-            <a:r>
-              <a:rPr lang="pt-PT" dirty="0" err="1"/>
-              <a:t>parametros</a:t>
-            </a:r>
-            <a:r>
-              <a:rPr lang="pt-PT" dirty="0"/>
-              <a:t>.</a:t>
-            </a:r>
-          </a:p>
-          <a:p>
-            <a:pPr>
-              <a:buClr>
-                <a:srgbClr val="8C2D19"/>
-              </a:buClr>
-            </a:pPr>
-            <a:endParaRPr lang="pt-PT" dirty="0">
-              <a:solidFill>
-                <a:srgbClr val="FF0000"/>
-              </a:solidFill>
-            </a:endParaRPr>
-          </a:p>
-        </p:txBody>
-      </p:sp>
       <p:pic>
         <p:nvPicPr>
-          <p:cNvPr id="11" name="Imagem 10">
-            <a:extLst>
-              <a:ext uri="{FF2B5EF4-FFF2-40B4-BE49-F238E27FC236}">
-                <a16:creationId xmlns:a16="http://schemas.microsoft.com/office/drawing/2014/main" id="{831552EC-9C6F-48A3-8063-F2AA980FC078}"/>
+          <p:cNvPr id="7" name="Picture 6">
+            <a:extLst>
+              <a:ext uri="{FF2B5EF4-FFF2-40B4-BE49-F238E27FC236}">
+                <a16:creationId xmlns:a16="http://schemas.microsoft.com/office/drawing/2014/main" id="{F3A67BFC-D4F7-426E-A3B5-DB0849F5C01A}"/>
               </a:ext>
             </a:extLst>
           </p:cNvPr>
@@ -5639,45 +5767,15 @@
           <p:nvPr/>
         </p:nvPicPr>
         <p:blipFill>
-          <a:blip r:embed="rId3"/>
+          <a:blip r:embed="rId6"/>
           <a:stretch>
             <a:fillRect/>
           </a:stretch>
         </p:blipFill>
         <p:spPr>
           <a:xfrm>
-            <a:off x="5077342" y="2003842"/>
-            <a:ext cx="6383729" cy="819806"/>
-          </a:xfrm>
-          <a:prstGeom prst="rect">
-            <a:avLst/>
-          </a:prstGeom>
-        </p:spPr>
-      </p:pic>
-      <p:pic>
-        <p:nvPicPr>
-          <p:cNvPr id="9" name="Picture 8">
-            <a:extLst>
-              <a:ext uri="{FF2B5EF4-FFF2-40B4-BE49-F238E27FC236}">
-                <a16:creationId xmlns:a16="http://schemas.microsoft.com/office/drawing/2014/main" id="{3CF502A1-BF52-4B4C-B129-75313872CB84}"/>
-              </a:ext>
-            </a:extLst>
-          </p:cNvPr>
-          <p:cNvPicPr>
-            <a:picLocks noChangeAspect="1"/>
-          </p:cNvPicPr>
-          <p:nvPr/>
-        </p:nvPicPr>
-        <p:blipFill>
-          <a:blip r:embed="rId4"/>
-          <a:stretch>
-            <a:fillRect/>
-          </a:stretch>
-        </p:blipFill>
-        <p:spPr>
-          <a:xfrm>
-            <a:off x="1097279" y="3162843"/>
-            <a:ext cx="4730080" cy="2659000"/>
+            <a:off x="1741207" y="4368008"/>
+            <a:ext cx="8951649" cy="1505263"/>
           </a:xfrm>
           <a:prstGeom prst="rect">
             <a:avLst/>
@@ -5687,7 +5785,7 @@
     </p:spTree>
     <p:extLst>
       <p:ext uri="{BB962C8B-B14F-4D97-AF65-F5344CB8AC3E}">
-        <p14:creationId xmlns:p14="http://schemas.microsoft.com/office/powerpoint/2010/main" val="2427753014"/>
+        <p14:creationId xmlns:p14="http://schemas.microsoft.com/office/powerpoint/2010/main" val="1811745654"/>
       </p:ext>
     </p:extLst>
   </p:cSld>
@@ -5716,10 +5814,10 @@
       </p:grpSpPr>
       <p:sp>
         <p:nvSpPr>
-          <p:cNvPr id="2" name="Título 1">
-            <a:extLst>
-              <a:ext uri="{FF2B5EF4-FFF2-40B4-BE49-F238E27FC236}">
-                <a16:creationId xmlns:a16="http://schemas.microsoft.com/office/drawing/2014/main" id="{B6E269CC-F3EC-43ED-BC98-FCEA20CEA90D}"/>
+          <p:cNvPr id="4" name="Título 1">
+            <a:extLst>
+              <a:ext uri="{FF2B5EF4-FFF2-40B4-BE49-F238E27FC236}">
+                <a16:creationId xmlns:a16="http://schemas.microsoft.com/office/drawing/2014/main" id="{267B6764-42C3-4081-8C20-2DD12E1BA125}"/>
               </a:ext>
             </a:extLst>
           </p:cNvPr>
@@ -5730,7 +5828,12 @@
             <p:ph type="title"/>
           </p:nvPr>
         </p:nvSpPr>
-        <p:spPr/>
+        <p:spPr>
+          <a:xfrm>
+            <a:off x="1097280" y="286603"/>
+            <a:ext cx="10058400" cy="1450757"/>
+          </a:xfrm>
+        </p:spPr>
         <p:txBody>
           <a:bodyPr/>
           <a:lstStyle/>
@@ -5739,59 +5842,27 @@
             <a:r>
               <a:rPr lang="pt-PT" sz="6600" dirty="0">
                 <a:solidFill>
-                  <a:srgbClr val="FF0000"/>
+                  <a:schemeClr val="tx1"/>
                 </a:solidFill>
                 <a:latin typeface="Bahnschrift SemiLight" panose="020B0502040204020203" pitchFamily="34" charset="0"/>
               </a:rPr>
-              <a:t>UI</a:t>
+              <a:t>Listagem</a:t>
             </a:r>
             <a:endParaRPr lang="en-GB" sz="6600" dirty="0">
               <a:solidFill>
-                <a:srgbClr val="FF0000"/>
+                <a:schemeClr val="tx1"/>
               </a:solidFill>
               <a:latin typeface="Bahnschrift SemiLight" panose="020B0502040204020203" pitchFamily="34" charset="0"/>
             </a:endParaRPr>
           </a:p>
         </p:txBody>
       </p:sp>
-      <p:pic>
-        <p:nvPicPr>
-          <p:cNvPr id="9" name="Content Placeholder 8" descr="Graphical user interface">
-            <a:extLst>
-              <a:ext uri="{FF2B5EF4-FFF2-40B4-BE49-F238E27FC236}">
-                <a16:creationId xmlns:a16="http://schemas.microsoft.com/office/drawing/2014/main" id="{0C393F47-35C0-45C1-8E28-5EDA08BB0706}"/>
-              </a:ext>
-              <a:ext uri="{C183D7F6-B498-43B3-948B-1728B52AA6E4}">
-                <adec:decorative xmlns:adec="http://schemas.microsoft.com/office/drawing/2017/decorative" val="0"/>
-              </a:ext>
-            </a:extLst>
-          </p:cNvPr>
-          <p:cNvPicPr>
-            <a:picLocks noGrp="1" noChangeAspect="1"/>
-          </p:cNvPicPr>
-          <p:nvPr>
-            <p:ph idx="1"/>
-          </p:nvPr>
-        </p:nvPicPr>
-        <p:blipFill>
-          <a:blip r:embed="rId2"/>
-          <a:stretch>
-            <a:fillRect/>
-          </a:stretch>
-        </p:blipFill>
-        <p:spPr>
-          <a:xfrm>
-            <a:off x="667012" y="2073942"/>
-            <a:ext cx="3287852" cy="1396817"/>
-          </a:xfrm>
-        </p:spPr>
-      </p:pic>
       <p:cxnSp>
         <p:nvCxnSpPr>
-          <p:cNvPr id="5" name="Conexão reta 4">
-            <a:extLst>
-              <a:ext uri="{FF2B5EF4-FFF2-40B4-BE49-F238E27FC236}">
-                <a16:creationId xmlns:a16="http://schemas.microsoft.com/office/drawing/2014/main" id="{D1B427FC-FECB-4AD9-947A-AE1CD8E8E0E9}"/>
+          <p:cNvPr id="6" name="Conexão reta 5">
+            <a:extLst>
+              <a:ext uri="{FF2B5EF4-FFF2-40B4-BE49-F238E27FC236}">
+                <a16:creationId xmlns:a16="http://schemas.microsoft.com/office/drawing/2014/main" id="{BFE60422-34C0-420F-8356-E4816D80A3CF}"/>
               </a:ext>
             </a:extLst>
           </p:cNvPr>
@@ -5831,10 +5902,146 @@
       </p:cxnSp>
       <p:sp>
         <p:nvSpPr>
-          <p:cNvPr id="4" name="Marcador de Posição do Rodapé 3">
-            <a:extLst>
-              <a:ext uri="{FF2B5EF4-FFF2-40B4-BE49-F238E27FC236}">
-                <a16:creationId xmlns:a16="http://schemas.microsoft.com/office/drawing/2014/main" id="{2E6D09DD-1E47-4A67-AB57-535BA57CB1EF}"/>
+          <p:cNvPr id="13" name="CaixaDeTexto 12">
+            <a:extLst>
+              <a:ext uri="{FF2B5EF4-FFF2-40B4-BE49-F238E27FC236}">
+                <a16:creationId xmlns:a16="http://schemas.microsoft.com/office/drawing/2014/main" id="{EFB421BC-8709-45BA-865E-783BEE9AA4A4}"/>
+              </a:ext>
+            </a:extLst>
+          </p:cNvPr>
+          <p:cNvSpPr txBox="1"/>
+          <p:nvPr/>
+        </p:nvSpPr>
+        <p:spPr>
+          <a:xfrm>
+            <a:off x="2823175" y="5894605"/>
+            <a:ext cx="2775713" cy="338554"/>
+          </a:xfrm>
+          <a:prstGeom prst="rect">
+            <a:avLst/>
+          </a:prstGeom>
+          <a:noFill/>
+        </p:spPr>
+        <p:txBody>
+          <a:bodyPr wrap="square" rtlCol="0">
+            <a:spAutoFit/>
+          </a:bodyPr>
+          <a:lstStyle/>
+          <a:p>
+            <a:r>
+              <a:rPr lang="pt-PT" sz="1600" dirty="0"/>
+              <a:t>(excerto) SearchManager.cpp</a:t>
+            </a:r>
+            <a:endParaRPr lang="en-GB" dirty="0"/>
+          </a:p>
+        </p:txBody>
+      </p:sp>
+      <p:sp>
+        <p:nvSpPr>
+          <p:cNvPr id="17" name="CaixaDeTexto 16">
+            <a:extLst>
+              <a:ext uri="{FF2B5EF4-FFF2-40B4-BE49-F238E27FC236}">
+                <a16:creationId xmlns:a16="http://schemas.microsoft.com/office/drawing/2014/main" id="{8228F99D-3C22-472E-8DFE-B7B038D11935}"/>
+              </a:ext>
+            </a:extLst>
+          </p:cNvPr>
+          <p:cNvSpPr txBox="1"/>
+          <p:nvPr/>
+        </p:nvSpPr>
+        <p:spPr>
+          <a:xfrm>
+            <a:off x="9650027" y="2822714"/>
+            <a:ext cx="1811044" cy="338554"/>
+          </a:xfrm>
+          <a:prstGeom prst="rect">
+            <a:avLst/>
+          </a:prstGeom>
+          <a:noFill/>
+        </p:spPr>
+        <p:txBody>
+          <a:bodyPr wrap="square" rtlCol="0">
+            <a:spAutoFit/>
+          </a:bodyPr>
+          <a:lstStyle/>
+          <a:p>
+            <a:r>
+              <a:rPr lang="pt-PT" sz="1600" dirty="0"/>
+              <a:t>SearchManager.cpp</a:t>
+            </a:r>
+            <a:endParaRPr lang="en-GB" dirty="0"/>
+          </a:p>
+        </p:txBody>
+      </p:sp>
+      <p:sp>
+        <p:nvSpPr>
+          <p:cNvPr id="18" name="CaixaDeTexto 17">
+            <a:extLst>
+              <a:ext uri="{FF2B5EF4-FFF2-40B4-BE49-F238E27FC236}">
+                <a16:creationId xmlns:a16="http://schemas.microsoft.com/office/drawing/2014/main" id="{11FA7A83-279B-4A8E-9636-AFF140E12238}"/>
+              </a:ext>
+            </a:extLst>
+          </p:cNvPr>
+          <p:cNvSpPr txBox="1"/>
+          <p:nvPr/>
+        </p:nvSpPr>
+        <p:spPr>
+          <a:xfrm>
+            <a:off x="1097279" y="1978514"/>
+            <a:ext cx="3980063" cy="1200329"/>
+          </a:xfrm>
+          <a:prstGeom prst="rect">
+            <a:avLst/>
+          </a:prstGeom>
+          <a:noFill/>
+        </p:spPr>
+        <p:txBody>
+          <a:bodyPr wrap="square" rtlCol="0">
+            <a:spAutoFit/>
+          </a:bodyPr>
+          <a:lstStyle/>
+          <a:p>
+            <a:pPr marL="285750" indent="-285750">
+              <a:buClr>
+                <a:srgbClr val="8C2D19"/>
+              </a:buClr>
+              <a:buFont typeface="Arial" panose="020B0604020202020204" pitchFamily="34" charset="0"/>
+              <a:buChar char="•"/>
+            </a:pPr>
+            <a:r>
+              <a:rPr lang="pt-PT" dirty="0"/>
+              <a:t>Listagem das </a:t>
+            </a:r>
+            <a:r>
+              <a:rPr lang="pt-PT" dirty="0" err="1"/>
+              <a:t>Donations</a:t>
+            </a:r>
+            <a:r>
+              <a:rPr lang="pt-PT" dirty="0"/>
+              <a:t> admite vários parâmetros, portanto é possível filtrar a informação.</a:t>
+            </a:r>
+          </a:p>
+          <a:p>
+            <a:pPr marL="285750" indent="-285750">
+              <a:buClr>
+                <a:srgbClr val="8C2D19"/>
+              </a:buClr>
+              <a:buFont typeface="Arial" panose="020B0604020202020204" pitchFamily="34" charset="0"/>
+              <a:buChar char="•"/>
+            </a:pPr>
+            <a:endParaRPr lang="pt-PT" dirty="0">
+              <a:solidFill>
+                <a:srgbClr val="FF0000"/>
+              </a:solidFill>
+            </a:endParaRPr>
+          </a:p>
+        </p:txBody>
+      </p:sp>
+      <p:sp>
+        <p:nvSpPr>
+          <p:cNvPr id="2" name="Marcador de Posição do Rodapé 1">
+            <a:extLst>
+              <a:ext uri="{FF2B5EF4-FFF2-40B4-BE49-F238E27FC236}">
+                <a16:creationId xmlns:a16="http://schemas.microsoft.com/office/drawing/2014/main" id="{32C833F7-18B6-4861-9CBC-F84DFD811E13}"/>
               </a:ext>
             </a:extLst>
           </p:cNvPr>
@@ -5859,10 +6066,10 @@
       </p:sp>
       <p:sp>
         <p:nvSpPr>
-          <p:cNvPr id="6" name="Marcador de Posição do Número do Diapositivo 5">
-            <a:extLst>
-              <a:ext uri="{FF2B5EF4-FFF2-40B4-BE49-F238E27FC236}">
-                <a16:creationId xmlns:a16="http://schemas.microsoft.com/office/drawing/2014/main" id="{A6038915-9563-428D-88A8-7720015CFAC0}"/>
+          <p:cNvPr id="3" name="Marcador de Posição do Número do Diapositivo 2">
+            <a:extLst>
+              <a:ext uri="{FF2B5EF4-FFF2-40B4-BE49-F238E27FC236}">
+                <a16:creationId xmlns:a16="http://schemas.microsoft.com/office/drawing/2014/main" id="{F84751A3-EB56-4B0A-B79B-89EF65EBF080}"/>
               </a:ext>
             </a:extLst>
           </p:cNvPr>
@@ -5891,7 +6098,7 @@
           <p:cNvPr id="7" name="Imagem 6">
             <a:extLst>
               <a:ext uri="{FF2B5EF4-FFF2-40B4-BE49-F238E27FC236}">
-                <a16:creationId xmlns:a16="http://schemas.microsoft.com/office/drawing/2014/main" id="{95C51A54-AF96-43E2-9C50-EFB3428A2FB4}"/>
+                <a16:creationId xmlns:a16="http://schemas.microsoft.com/office/drawing/2014/main" id="{F792557B-E72C-4265-BC01-A8B90EA578C5}"/>
               </a:ext>
             </a:extLst>
           </p:cNvPr>
@@ -5901,7 +6108,7 @@
           <p:nvPr/>
         </p:nvPicPr>
         <p:blipFill rotWithShape="1">
-          <a:blip r:embed="rId3">
+          <a:blip r:embed="rId2">
             <a:extLst>
               <a:ext uri="{28A0092B-C50C-407E-A947-70E740481C1C}">
                 <a14:useLocalDpi xmlns:a14="http://schemas.microsoft.com/office/drawing/2010/main" val="0"/>
@@ -5921,12 +6128,104 @@
           </a:prstGeom>
         </p:spPr>
       </p:pic>
+      <p:sp>
+        <p:nvSpPr>
+          <p:cNvPr id="5" name="CaixaDeTexto 4">
+            <a:extLst>
+              <a:ext uri="{FF2B5EF4-FFF2-40B4-BE49-F238E27FC236}">
+                <a16:creationId xmlns:a16="http://schemas.microsoft.com/office/drawing/2014/main" id="{9E531B7B-DA41-4275-9E6B-DBF7E0134E40}"/>
+              </a:ext>
+            </a:extLst>
+          </p:cNvPr>
+          <p:cNvSpPr txBox="1"/>
+          <p:nvPr/>
+        </p:nvSpPr>
+        <p:spPr>
+          <a:xfrm>
+            <a:off x="6217032" y="4349254"/>
+            <a:ext cx="4278405" cy="923330"/>
+          </a:xfrm>
+          <a:prstGeom prst="rect">
+            <a:avLst/>
+          </a:prstGeom>
+          <a:noFill/>
+        </p:spPr>
+        <p:txBody>
+          <a:bodyPr wrap="square" rtlCol="0">
+            <a:spAutoFit/>
+          </a:bodyPr>
+          <a:lstStyle/>
+          <a:p>
+            <a:pPr marL="285750" indent="-285750">
+              <a:buClr>
+                <a:srgbClr val="8C2D19"/>
+              </a:buClr>
+              <a:buFont typeface="Arial" panose="020B0604020202020204" pitchFamily="34" charset="0"/>
+              <a:buChar char="•"/>
+            </a:pPr>
+            <a:r>
+              <a:rPr lang="pt-PT" dirty="0"/>
+              <a:t>Permite listagens com diferentes </a:t>
+            </a:r>
+            <a:r>
+              <a:rPr lang="pt-PT" dirty="0" err="1"/>
+              <a:t>parametros</a:t>
+            </a:r>
+            <a:r>
+              <a:rPr lang="pt-PT" dirty="0"/>
+              <a:t>.</a:t>
+            </a:r>
+          </a:p>
+          <a:p>
+            <a:pPr>
+              <a:buClr>
+                <a:srgbClr val="8C2D19"/>
+              </a:buClr>
+            </a:pPr>
+            <a:endParaRPr lang="pt-PT" dirty="0">
+              <a:solidFill>
+                <a:srgbClr val="FF0000"/>
+              </a:solidFill>
+            </a:endParaRPr>
+          </a:p>
+        </p:txBody>
+      </p:sp>
       <p:pic>
         <p:nvPicPr>
-          <p:cNvPr id="11" name="Picture 10">
-            <a:extLst>
-              <a:ext uri="{FF2B5EF4-FFF2-40B4-BE49-F238E27FC236}">
-                <a16:creationId xmlns:a16="http://schemas.microsoft.com/office/drawing/2014/main" id="{5C6A5538-AFEF-4512-8299-77E88507393A}"/>
+          <p:cNvPr id="11" name="Imagem 10">
+            <a:extLst>
+              <a:ext uri="{FF2B5EF4-FFF2-40B4-BE49-F238E27FC236}">
+                <a16:creationId xmlns:a16="http://schemas.microsoft.com/office/drawing/2014/main" id="{831552EC-9C6F-48A3-8063-F2AA980FC078}"/>
+              </a:ext>
+            </a:extLst>
+          </p:cNvPr>
+          <p:cNvPicPr>
+            <a:picLocks noChangeAspect="1"/>
+          </p:cNvPicPr>
+          <p:nvPr/>
+        </p:nvPicPr>
+        <p:blipFill>
+          <a:blip r:embed="rId3"/>
+          <a:stretch>
+            <a:fillRect/>
+          </a:stretch>
+        </p:blipFill>
+        <p:spPr>
+          <a:xfrm>
+            <a:off x="5077342" y="2003842"/>
+            <a:ext cx="6383729" cy="819806"/>
+          </a:xfrm>
+          <a:prstGeom prst="rect">
+            <a:avLst/>
+          </a:prstGeom>
+        </p:spPr>
+      </p:pic>
+      <p:pic>
+        <p:nvPicPr>
+          <p:cNvPr id="9" name="Picture 8">
+            <a:extLst>
+              <a:ext uri="{FF2B5EF4-FFF2-40B4-BE49-F238E27FC236}">
+                <a16:creationId xmlns:a16="http://schemas.microsoft.com/office/drawing/2014/main" id="{3CF502A1-BF52-4B4C-B129-75313872CB84}"/>
               </a:ext>
             </a:extLst>
           </p:cNvPr>
@@ -5943,262 +6242,8 @@
         </p:blipFill>
         <p:spPr>
           <a:xfrm>
-            <a:off x="4542283" y="3669726"/>
-            <a:ext cx="3107432" cy="2443651"/>
-          </a:xfrm>
-          <a:prstGeom prst="rect">
-            <a:avLst/>
-          </a:prstGeom>
-        </p:spPr>
-      </p:pic>
-      <p:sp>
-        <p:nvSpPr>
-          <p:cNvPr id="12" name="TextBox 11">
-            <a:extLst>
-              <a:ext uri="{FF2B5EF4-FFF2-40B4-BE49-F238E27FC236}">
-                <a16:creationId xmlns:a16="http://schemas.microsoft.com/office/drawing/2014/main" id="{B5D78712-70F3-4C81-AE5C-F3E20EFC6ABC}"/>
-              </a:ext>
-            </a:extLst>
-          </p:cNvPr>
-          <p:cNvSpPr txBox="1"/>
-          <p:nvPr/>
-        </p:nvSpPr>
-        <p:spPr>
-          <a:xfrm>
-            <a:off x="207699" y="3543505"/>
-            <a:ext cx="4206477" cy="1077218"/>
-          </a:xfrm>
-          <a:prstGeom prst="rect">
-            <a:avLst/>
-          </a:prstGeom>
-          <a:noFill/>
-        </p:spPr>
-        <p:txBody>
-          <a:bodyPr wrap="square" rtlCol="0">
-            <a:spAutoFit/>
-          </a:bodyPr>
-          <a:lstStyle/>
-          <a:p>
-            <a:pPr algn="ctr"/>
-            <a:r>
-              <a:rPr lang="pt-PT" sz="1600" dirty="0">
-                <a:solidFill>
-                  <a:srgbClr val="FF0000"/>
-                </a:solidFill>
-              </a:rPr>
-              <a:t>Login Page</a:t>
-            </a:r>
-          </a:p>
-          <a:p>
-            <a:pPr marL="285750" indent="-285750">
-              <a:buFont typeface="Arial" panose="020B0604020202020204" pitchFamily="34" charset="0"/>
-              <a:buChar char="•"/>
-            </a:pPr>
-            <a:r>
-              <a:rPr lang="pt-PT" sz="1600" dirty="0">
-                <a:solidFill>
-                  <a:srgbClr val="FF0000"/>
-                </a:solidFill>
-              </a:rPr>
-              <a:t>Pode fazer login com usernick e password</a:t>
-            </a:r>
-          </a:p>
-          <a:p>
-            <a:pPr marL="285750" indent="-285750">
-              <a:buFont typeface="Arial" panose="020B0604020202020204" pitchFamily="34" charset="0"/>
-              <a:buChar char="•"/>
-            </a:pPr>
-            <a:r>
-              <a:rPr lang="pt-PT" sz="1600" dirty="0">
-                <a:solidFill>
-                  <a:srgbClr val="FF0000"/>
-                </a:solidFill>
-              </a:rPr>
-              <a:t>Criar uma nova conta(admin – apenas uma vez, streamer ou viewer).</a:t>
-            </a:r>
-            <a:endParaRPr lang="en-US" sz="1600" dirty="0">
-              <a:solidFill>
-                <a:srgbClr val="FF0000"/>
-              </a:solidFill>
-            </a:endParaRPr>
-          </a:p>
-        </p:txBody>
-      </p:sp>
-      <p:sp>
-        <p:nvSpPr>
-          <p:cNvPr id="13" name="TextBox 12">
-            <a:extLst>
-              <a:ext uri="{FF2B5EF4-FFF2-40B4-BE49-F238E27FC236}">
-                <a16:creationId xmlns:a16="http://schemas.microsoft.com/office/drawing/2014/main" id="{3918F24A-B858-4DAC-8BB2-AA8C55D4EF93}"/>
-              </a:ext>
-            </a:extLst>
-          </p:cNvPr>
-          <p:cNvSpPr txBox="1"/>
-          <p:nvPr/>
-        </p:nvSpPr>
-        <p:spPr>
-          <a:xfrm>
-            <a:off x="4257198" y="2620174"/>
-            <a:ext cx="3738563" cy="923330"/>
-          </a:xfrm>
-          <a:prstGeom prst="rect">
-            <a:avLst/>
-          </a:prstGeom>
-          <a:noFill/>
-        </p:spPr>
-        <p:txBody>
-          <a:bodyPr wrap="square" rtlCol="0">
-            <a:spAutoFit/>
-          </a:bodyPr>
-          <a:lstStyle/>
-          <a:p>
-            <a:pPr algn="ctr"/>
-            <a:r>
-              <a:rPr lang="pt-PT" dirty="0">
-                <a:solidFill>
-                  <a:srgbClr val="FF0000"/>
-                </a:solidFill>
-              </a:rPr>
-              <a:t>Exemplo Viewer</a:t>
-            </a:r>
-          </a:p>
-          <a:p>
-            <a:r>
-              <a:rPr lang="pt-PT" dirty="0">
-                <a:solidFill>
-                  <a:srgbClr val="FF0000"/>
-                </a:solidFill>
-              </a:rPr>
-              <a:t>Escolher a opção correspondente como é indicado no ecrã</a:t>
-            </a:r>
-          </a:p>
-        </p:txBody>
-      </p:sp>
-      <p:pic>
-        <p:nvPicPr>
-          <p:cNvPr id="8" name="Picture 7">
-            <a:extLst>
-              <a:ext uri="{FF2B5EF4-FFF2-40B4-BE49-F238E27FC236}">
-                <a16:creationId xmlns:a16="http://schemas.microsoft.com/office/drawing/2014/main" id="{A726BF86-8CE4-4BF4-93DA-AF586AFAAA7C}"/>
-              </a:ext>
-            </a:extLst>
-          </p:cNvPr>
-          <p:cNvPicPr>
-            <a:picLocks noChangeAspect="1"/>
-          </p:cNvPicPr>
-          <p:nvPr/>
-        </p:nvPicPr>
-        <p:blipFill>
-          <a:blip r:embed="rId5"/>
-          <a:stretch>
-            <a:fillRect/>
-          </a:stretch>
-        </p:blipFill>
-        <p:spPr>
-          <a:xfrm>
-            <a:off x="7965281" y="2001196"/>
-            <a:ext cx="3743065" cy="1542309"/>
-          </a:xfrm>
-          <a:prstGeom prst="rect">
-            <a:avLst/>
-          </a:prstGeom>
-        </p:spPr>
-      </p:pic>
-      <p:sp>
-        <p:nvSpPr>
-          <p:cNvPr id="14" name="TextBox 13">
-            <a:extLst>
-              <a:ext uri="{FF2B5EF4-FFF2-40B4-BE49-F238E27FC236}">
-                <a16:creationId xmlns:a16="http://schemas.microsoft.com/office/drawing/2014/main" id="{6414C627-DEA0-48B7-9714-952D213E0CBA}"/>
-              </a:ext>
-            </a:extLst>
-          </p:cNvPr>
-          <p:cNvSpPr txBox="1"/>
-          <p:nvPr/>
-        </p:nvSpPr>
-        <p:spPr>
-          <a:xfrm>
-            <a:off x="7797219" y="3715409"/>
-            <a:ext cx="4206477" cy="1077218"/>
-          </a:xfrm>
-          <a:prstGeom prst="rect">
-            <a:avLst/>
-          </a:prstGeom>
-          <a:noFill/>
-        </p:spPr>
-        <p:txBody>
-          <a:bodyPr wrap="square" rtlCol="0">
-            <a:spAutoFit/>
-          </a:bodyPr>
-          <a:lstStyle/>
-          <a:p>
-            <a:pPr algn="ctr"/>
-            <a:r>
-              <a:rPr lang="pt-PT" sz="1600" dirty="0">
-                <a:solidFill>
-                  <a:srgbClr val="FF0000"/>
-                </a:solidFill>
-              </a:rPr>
-              <a:t>Exemplo conta admin</a:t>
-            </a:r>
-          </a:p>
-          <a:p>
-            <a:pPr marL="285750" indent="-285750">
-              <a:buFont typeface="Arial" panose="020B0604020202020204" pitchFamily="34" charset="0"/>
-              <a:buChar char="•"/>
-            </a:pPr>
-            <a:r>
-              <a:rPr lang="pt-PT" sz="1600" dirty="0">
-                <a:solidFill>
-                  <a:srgbClr val="FF0000"/>
-                </a:solidFill>
-              </a:rPr>
-              <a:t>Várias estatísticas possiveis</a:t>
-            </a:r>
-          </a:p>
-          <a:p>
-            <a:endParaRPr lang="pt-PT" sz="1600" dirty="0">
-              <a:solidFill>
-                <a:srgbClr val="FF0000"/>
-              </a:solidFill>
-            </a:endParaRPr>
-          </a:p>
-          <a:p>
-            <a:pPr algn="ctr"/>
-            <a:r>
-              <a:rPr lang="pt-PT" sz="1600" dirty="0">
-                <a:solidFill>
-                  <a:srgbClr val="FF0000"/>
-                </a:solidFill>
-              </a:rPr>
-              <a:t>Exemplo Streamer</a:t>
-            </a:r>
-          </a:p>
-        </p:txBody>
-      </p:sp>
-      <p:pic>
-        <p:nvPicPr>
-          <p:cNvPr id="15" name="Picture 14">
-            <a:extLst>
-              <a:ext uri="{FF2B5EF4-FFF2-40B4-BE49-F238E27FC236}">
-                <a16:creationId xmlns:a16="http://schemas.microsoft.com/office/drawing/2014/main" id="{C4891DB0-F247-4E84-ADBF-FC44AEA05A68}"/>
-              </a:ext>
-            </a:extLst>
-          </p:cNvPr>
-          <p:cNvPicPr>
-            <a:picLocks noChangeAspect="1"/>
-          </p:cNvPicPr>
-          <p:nvPr/>
-        </p:nvPicPr>
-        <p:blipFill rotWithShape="1">
-          <a:blip r:embed="rId6"/>
-          <a:srcRect b="31281"/>
-          <a:stretch/>
-        </p:blipFill>
-        <p:spPr>
-          <a:xfrm>
-            <a:off x="8796845" y="4939812"/>
-            <a:ext cx="2079936" cy="1242874"/>
+            <a:off x="1097279" y="3162843"/>
+            <a:ext cx="4730080" cy="2659000"/>
           </a:xfrm>
           <a:prstGeom prst="rect">
             <a:avLst/>
@@ -6208,7 +6253,7 @@
     </p:spTree>
     <p:extLst>
       <p:ext uri="{BB962C8B-B14F-4D97-AF65-F5344CB8AC3E}">
-        <p14:creationId xmlns:p14="http://schemas.microsoft.com/office/powerpoint/2010/main" val="3138427854"/>
+        <p14:creationId xmlns:p14="http://schemas.microsoft.com/office/powerpoint/2010/main" val="2427753014"/>
       </p:ext>
     </p:extLst>
   </p:cSld>
@@ -6264,7 +6309,7 @@
                 </a:solidFill>
                 <a:latin typeface="Bahnschrift SemiLight" panose="020B0502040204020203" pitchFamily="34" charset="0"/>
               </a:rPr>
-              <a:t>UI – Pesquisas</a:t>
+              <a:t>UI</a:t>
             </a:r>
             <a:endParaRPr lang="en-GB" sz="6600" dirty="0">
               <a:solidFill>
@@ -6275,6 +6320,38 @@
           </a:p>
         </p:txBody>
       </p:sp>
+      <p:pic>
+        <p:nvPicPr>
+          <p:cNvPr id="9" name="Content Placeholder 8" descr="Graphical user interface">
+            <a:extLst>
+              <a:ext uri="{FF2B5EF4-FFF2-40B4-BE49-F238E27FC236}">
+                <a16:creationId xmlns:a16="http://schemas.microsoft.com/office/drawing/2014/main" id="{0C393F47-35C0-45C1-8E28-5EDA08BB0706}"/>
+              </a:ext>
+              <a:ext uri="{C183D7F6-B498-43B3-948B-1728B52AA6E4}">
+                <adec:decorative xmlns:adec="http://schemas.microsoft.com/office/drawing/2017/decorative" val="0"/>
+              </a:ext>
+            </a:extLst>
+          </p:cNvPr>
+          <p:cNvPicPr>
+            <a:picLocks noGrp="1" noChangeAspect="1"/>
+          </p:cNvPicPr>
+          <p:nvPr>
+            <p:ph idx="1"/>
+          </p:nvPr>
+        </p:nvPicPr>
+        <p:blipFill>
+          <a:blip r:embed="rId2"/>
+          <a:stretch>
+            <a:fillRect/>
+          </a:stretch>
+        </p:blipFill>
+        <p:spPr>
+          <a:xfrm>
+            <a:off x="667012" y="2073942"/>
+            <a:ext cx="3287852" cy="1396817"/>
+          </a:xfrm>
+        </p:spPr>
+      </p:pic>
       <p:cxnSp>
         <p:nvCxnSpPr>
           <p:cNvPr id="5" name="Conexão reta 4">
@@ -6390,7 +6467,7 @@
           <p:nvPr/>
         </p:nvPicPr>
         <p:blipFill rotWithShape="1">
-          <a:blip r:embed="rId2">
+          <a:blip r:embed="rId3">
             <a:extLst>
               <a:ext uri="{28A0092B-C50C-407E-A947-70E740481C1C}">
                 <a14:useLocalDpi xmlns:a14="http://schemas.microsoft.com/office/drawing/2010/main" val="0"/>
@@ -6410,194 +6487,12 @@
           </a:prstGeom>
         </p:spPr>
       </p:pic>
-      <p:sp>
-        <p:nvSpPr>
-          <p:cNvPr id="12" name="TextBox 11">
-            <a:extLst>
-              <a:ext uri="{FF2B5EF4-FFF2-40B4-BE49-F238E27FC236}">
-                <a16:creationId xmlns:a16="http://schemas.microsoft.com/office/drawing/2014/main" id="{B5D78712-70F3-4C81-AE5C-F3E20EFC6ABC}"/>
-              </a:ext>
-            </a:extLst>
-          </p:cNvPr>
-          <p:cNvSpPr txBox="1"/>
-          <p:nvPr/>
-        </p:nvSpPr>
-        <p:spPr>
-          <a:xfrm>
-            <a:off x="861379" y="4381999"/>
-            <a:ext cx="5649612" cy="1754326"/>
-          </a:xfrm>
-          <a:prstGeom prst="rect">
-            <a:avLst/>
-          </a:prstGeom>
-          <a:noFill/>
-        </p:spPr>
-        <p:txBody>
-          <a:bodyPr wrap="square" rtlCol="0">
-            <a:spAutoFit/>
-          </a:bodyPr>
-          <a:lstStyle/>
-          <a:p>
-            <a:pPr marL="285750" indent="-285750">
-              <a:buFont typeface="Arial" panose="020B0604020202020204" pitchFamily="34" charset="0"/>
-              <a:buChar char="•"/>
-            </a:pPr>
-            <a:r>
-              <a:rPr lang="pt-PT" dirty="0">
-                <a:solidFill>
-                  <a:srgbClr val="FF0000"/>
-                </a:solidFill>
-              </a:rPr>
-              <a:t>Escolher vários parametros</a:t>
-            </a:r>
-          </a:p>
-          <a:p>
-            <a:pPr marL="285750" indent="-285750">
-              <a:buFont typeface="Arial" panose="020B0604020202020204" pitchFamily="34" charset="0"/>
-              <a:buChar char="•"/>
-            </a:pPr>
-            <a:r>
-              <a:rPr lang="pt-PT" dirty="0">
-                <a:solidFill>
-                  <a:srgbClr val="FF0000"/>
-                </a:solidFill>
-              </a:rPr>
-              <a:t>Não escolher nenhum género implica pesquisar por todos</a:t>
-            </a:r>
-          </a:p>
-          <a:p>
-            <a:pPr marL="285750" indent="-285750">
-              <a:buFont typeface="Arial" panose="020B0604020202020204" pitchFamily="34" charset="0"/>
-              <a:buChar char="•"/>
-            </a:pPr>
-            <a:r>
-              <a:rPr lang="pt-PT" dirty="0">
-                <a:solidFill>
-                  <a:srgbClr val="FF0000"/>
-                </a:solidFill>
-              </a:rPr>
-              <a:t>Escolher 0 para parar de adicionar elementos à pesquisa</a:t>
-            </a:r>
-          </a:p>
-          <a:p>
-            <a:pPr marL="285750" indent="-285750">
-              <a:buFont typeface="Arial" panose="020B0604020202020204" pitchFamily="34" charset="0"/>
-              <a:buChar char="•"/>
-            </a:pPr>
-            <a:r>
-              <a:rPr lang="pt-PT" dirty="0">
-                <a:solidFill>
-                  <a:srgbClr val="FF0000"/>
-                </a:solidFill>
-              </a:rPr>
-              <a:t>Ordenar à escolha se assim desejar</a:t>
-            </a:r>
-            <a:endParaRPr lang="en-US" dirty="0">
-              <a:solidFill>
-                <a:srgbClr val="FF0000"/>
-              </a:solidFill>
-            </a:endParaRPr>
-          </a:p>
-        </p:txBody>
-      </p:sp>
-      <p:sp>
-        <p:nvSpPr>
-          <p:cNvPr id="13" name="TextBox 12">
-            <a:extLst>
-              <a:ext uri="{FF2B5EF4-FFF2-40B4-BE49-F238E27FC236}">
-                <a16:creationId xmlns:a16="http://schemas.microsoft.com/office/drawing/2014/main" id="{3918F24A-B858-4DAC-8BB2-AA8C55D4EF93}"/>
-              </a:ext>
-            </a:extLst>
-          </p:cNvPr>
-          <p:cNvSpPr txBox="1"/>
-          <p:nvPr/>
-        </p:nvSpPr>
-        <p:spPr>
-          <a:xfrm>
-            <a:off x="7097164" y="5259162"/>
-            <a:ext cx="4426052" cy="923330"/>
-          </a:xfrm>
-          <a:prstGeom prst="rect">
-            <a:avLst/>
-          </a:prstGeom>
-          <a:noFill/>
-        </p:spPr>
-        <p:txBody>
-          <a:bodyPr wrap="square" rtlCol="0">
-            <a:spAutoFit/>
-          </a:bodyPr>
-          <a:lstStyle/>
-          <a:p>
-            <a:pPr marL="285750" indent="-285750">
-              <a:buFont typeface="Arial" panose="020B0604020202020204" pitchFamily="34" charset="0"/>
-              <a:buChar char="•"/>
-            </a:pPr>
-            <a:r>
-              <a:rPr lang="pt-PT" dirty="0">
-                <a:solidFill>
-                  <a:srgbClr val="FF0000"/>
-                </a:solidFill>
-              </a:rPr>
-              <a:t>Sistema de páginas</a:t>
-            </a:r>
-          </a:p>
-          <a:p>
-            <a:pPr marL="285750" indent="-285750">
-              <a:buFont typeface="Arial" panose="020B0604020202020204" pitchFamily="34" charset="0"/>
-              <a:buChar char="•"/>
-            </a:pPr>
-            <a:r>
-              <a:rPr lang="pt-PT" dirty="0">
-                <a:solidFill>
-                  <a:srgbClr val="FF0000"/>
-                </a:solidFill>
-              </a:rPr>
-              <a:t>Objetivo de não apresentar demasiadas entradas no ecrã de uma vez só.</a:t>
-            </a:r>
-            <a:endParaRPr lang="en-US" dirty="0">
-              <a:solidFill>
-                <a:srgbClr val="FF0000"/>
-              </a:solidFill>
-            </a:endParaRPr>
-          </a:p>
-        </p:txBody>
-      </p:sp>
       <p:pic>
         <p:nvPicPr>
-          <p:cNvPr id="8" name="Picture 7">
-            <a:extLst>
-              <a:ext uri="{FF2B5EF4-FFF2-40B4-BE49-F238E27FC236}">
-                <a16:creationId xmlns:a16="http://schemas.microsoft.com/office/drawing/2014/main" id="{59DFA416-8478-4302-A4BD-FD4A0E85E958}"/>
-              </a:ext>
-            </a:extLst>
-          </p:cNvPr>
-          <p:cNvPicPr>
-            <a:picLocks noChangeAspect="1"/>
-          </p:cNvPicPr>
-          <p:nvPr/>
-        </p:nvPicPr>
-        <p:blipFill>
-          <a:blip r:embed="rId3"/>
-          <a:stretch>
-            <a:fillRect/>
-          </a:stretch>
-        </p:blipFill>
-        <p:spPr>
-          <a:xfrm>
-            <a:off x="861379" y="2324472"/>
-            <a:ext cx="2600430" cy="1824981"/>
-          </a:xfrm>
-          <a:prstGeom prst="rect">
-            <a:avLst/>
-          </a:prstGeom>
-        </p:spPr>
-      </p:pic>
-      <p:pic>
-        <p:nvPicPr>
-          <p:cNvPr id="16" name="Picture 15">
-            <a:extLst>
-              <a:ext uri="{FF2B5EF4-FFF2-40B4-BE49-F238E27FC236}">
-                <a16:creationId xmlns:a16="http://schemas.microsoft.com/office/drawing/2014/main" id="{24CC2751-1A2A-4FFC-BCBC-90AE321EF4B7}"/>
+          <p:cNvPr id="11" name="Picture 10">
+            <a:extLst>
+              <a:ext uri="{FF2B5EF4-FFF2-40B4-BE49-F238E27FC236}">
+                <a16:creationId xmlns:a16="http://schemas.microsoft.com/office/drawing/2014/main" id="{5C6A5538-AFEF-4512-8299-77E88507393A}"/>
               </a:ext>
             </a:extLst>
           </p:cNvPr>
@@ -6614,20 +6509,143 @@
         </p:blipFill>
         <p:spPr>
           <a:xfrm>
-            <a:off x="7783230" y="1832514"/>
-            <a:ext cx="3053920" cy="3149355"/>
+            <a:off x="4542283" y="3669726"/>
+            <a:ext cx="3107432" cy="2443651"/>
           </a:xfrm>
           <a:prstGeom prst="rect">
             <a:avLst/>
           </a:prstGeom>
         </p:spPr>
       </p:pic>
+      <p:sp>
+        <p:nvSpPr>
+          <p:cNvPr id="12" name="TextBox 11">
+            <a:extLst>
+              <a:ext uri="{FF2B5EF4-FFF2-40B4-BE49-F238E27FC236}">
+                <a16:creationId xmlns:a16="http://schemas.microsoft.com/office/drawing/2014/main" id="{B5D78712-70F3-4C81-AE5C-F3E20EFC6ABC}"/>
+              </a:ext>
+            </a:extLst>
+          </p:cNvPr>
+          <p:cNvSpPr txBox="1"/>
+          <p:nvPr/>
+        </p:nvSpPr>
+        <p:spPr>
+          <a:xfrm>
+            <a:off x="207699" y="3543505"/>
+            <a:ext cx="4206477" cy="1077218"/>
+          </a:xfrm>
+          <a:prstGeom prst="rect">
+            <a:avLst/>
+          </a:prstGeom>
+          <a:noFill/>
+        </p:spPr>
+        <p:txBody>
+          <a:bodyPr wrap="square" rtlCol="0">
+            <a:spAutoFit/>
+          </a:bodyPr>
+          <a:lstStyle/>
+          <a:p>
+            <a:pPr algn="ctr"/>
+            <a:r>
+              <a:rPr lang="pt-PT" sz="1600" dirty="0">
+                <a:solidFill>
+                  <a:srgbClr val="FF0000"/>
+                </a:solidFill>
+              </a:rPr>
+              <a:t>Login Page</a:t>
+            </a:r>
+          </a:p>
+          <a:p>
+            <a:pPr marL="285750" indent="-285750">
+              <a:buFont typeface="Arial" panose="020B0604020202020204" pitchFamily="34" charset="0"/>
+              <a:buChar char="•"/>
+            </a:pPr>
+            <a:r>
+              <a:rPr lang="pt-PT" sz="1600" dirty="0">
+                <a:solidFill>
+                  <a:srgbClr val="FF0000"/>
+                </a:solidFill>
+              </a:rPr>
+              <a:t>Pode fazer login com usernick e password</a:t>
+            </a:r>
+          </a:p>
+          <a:p>
+            <a:pPr marL="285750" indent="-285750">
+              <a:buFont typeface="Arial" panose="020B0604020202020204" pitchFamily="34" charset="0"/>
+              <a:buChar char="•"/>
+            </a:pPr>
+            <a:r>
+              <a:rPr lang="pt-PT" sz="1600" dirty="0">
+                <a:solidFill>
+                  <a:srgbClr val="FF0000"/>
+                </a:solidFill>
+              </a:rPr>
+              <a:t>Criar uma nova conta(admin – apenas uma vez, streamer ou viewer).</a:t>
+            </a:r>
+            <a:endParaRPr lang="en-US" sz="1600" dirty="0">
+              <a:solidFill>
+                <a:srgbClr val="FF0000"/>
+              </a:solidFill>
+            </a:endParaRPr>
+          </a:p>
+        </p:txBody>
+      </p:sp>
+      <p:sp>
+        <p:nvSpPr>
+          <p:cNvPr id="13" name="TextBox 12">
+            <a:extLst>
+              <a:ext uri="{FF2B5EF4-FFF2-40B4-BE49-F238E27FC236}">
+                <a16:creationId xmlns:a16="http://schemas.microsoft.com/office/drawing/2014/main" id="{3918F24A-B858-4DAC-8BB2-AA8C55D4EF93}"/>
+              </a:ext>
+            </a:extLst>
+          </p:cNvPr>
+          <p:cNvSpPr txBox="1"/>
+          <p:nvPr/>
+        </p:nvSpPr>
+        <p:spPr>
+          <a:xfrm>
+            <a:off x="4257198" y="2620174"/>
+            <a:ext cx="3738563" cy="923330"/>
+          </a:xfrm>
+          <a:prstGeom prst="rect">
+            <a:avLst/>
+          </a:prstGeom>
+          <a:noFill/>
+        </p:spPr>
+        <p:txBody>
+          <a:bodyPr wrap="square" rtlCol="0">
+            <a:spAutoFit/>
+          </a:bodyPr>
+          <a:lstStyle/>
+          <a:p>
+            <a:pPr algn="ctr"/>
+            <a:r>
+              <a:rPr lang="pt-PT" dirty="0">
+                <a:solidFill>
+                  <a:srgbClr val="FF0000"/>
+                </a:solidFill>
+              </a:rPr>
+              <a:t>Exemplo Viewer</a:t>
+            </a:r>
+          </a:p>
+          <a:p>
+            <a:r>
+              <a:rPr lang="pt-PT" dirty="0">
+                <a:solidFill>
+                  <a:srgbClr val="FF0000"/>
+                </a:solidFill>
+              </a:rPr>
+              <a:t>Escolher a opção correspondente como é indicado no ecrã</a:t>
+            </a:r>
+          </a:p>
+        </p:txBody>
+      </p:sp>
       <p:pic>
         <p:nvPicPr>
-          <p:cNvPr id="9" name="Picture 8">
-            <a:extLst>
-              <a:ext uri="{FF2B5EF4-FFF2-40B4-BE49-F238E27FC236}">
-                <a16:creationId xmlns:a16="http://schemas.microsoft.com/office/drawing/2014/main" id="{609E53D3-C469-4E0F-82E7-9857FA4173D9}"/>
+          <p:cNvPr id="8" name="Picture 7">
+            <a:extLst>
+              <a:ext uri="{FF2B5EF4-FFF2-40B4-BE49-F238E27FC236}">
+                <a16:creationId xmlns:a16="http://schemas.microsoft.com/office/drawing/2014/main" id="{A726BF86-8CE4-4BF4-93DA-AF586AFAAA7C}"/>
               </a:ext>
             </a:extLst>
           </p:cNvPr>
@@ -6644,8 +6662,109 @@
         </p:blipFill>
         <p:spPr>
           <a:xfrm>
-            <a:off x="3612605" y="2230575"/>
-            <a:ext cx="2768404" cy="2012777"/>
+            <a:off x="7965281" y="2001196"/>
+            <a:ext cx="3743065" cy="1542309"/>
+          </a:xfrm>
+          <a:prstGeom prst="rect">
+            <a:avLst/>
+          </a:prstGeom>
+        </p:spPr>
+      </p:pic>
+      <p:sp>
+        <p:nvSpPr>
+          <p:cNvPr id="14" name="TextBox 13">
+            <a:extLst>
+              <a:ext uri="{FF2B5EF4-FFF2-40B4-BE49-F238E27FC236}">
+                <a16:creationId xmlns:a16="http://schemas.microsoft.com/office/drawing/2014/main" id="{6414C627-DEA0-48B7-9714-952D213E0CBA}"/>
+              </a:ext>
+            </a:extLst>
+          </p:cNvPr>
+          <p:cNvSpPr txBox="1"/>
+          <p:nvPr/>
+        </p:nvSpPr>
+        <p:spPr>
+          <a:xfrm>
+            <a:off x="7797219" y="3715409"/>
+            <a:ext cx="4206477" cy="1077218"/>
+          </a:xfrm>
+          <a:prstGeom prst="rect">
+            <a:avLst/>
+          </a:prstGeom>
+          <a:noFill/>
+        </p:spPr>
+        <p:txBody>
+          <a:bodyPr wrap="square" rtlCol="0">
+            <a:spAutoFit/>
+          </a:bodyPr>
+          <a:lstStyle/>
+          <a:p>
+            <a:pPr algn="ctr"/>
+            <a:r>
+              <a:rPr lang="pt-PT" sz="1600" dirty="0">
+                <a:solidFill>
+                  <a:srgbClr val="FF0000"/>
+                </a:solidFill>
+              </a:rPr>
+              <a:t>Exemplo conta admin</a:t>
+            </a:r>
+          </a:p>
+          <a:p>
+            <a:pPr marL="285750" indent="-285750">
+              <a:buFont typeface="Arial" panose="020B0604020202020204" pitchFamily="34" charset="0"/>
+              <a:buChar char="•"/>
+            </a:pPr>
+            <a:r>
+              <a:rPr lang="pt-PT" sz="1600" dirty="0">
+                <a:solidFill>
+                  <a:srgbClr val="FF0000"/>
+                </a:solidFill>
+              </a:rPr>
+              <a:t>Várias estatísticas possiveis</a:t>
+            </a:r>
+          </a:p>
+          <a:p>
+            <a:endParaRPr lang="pt-PT" sz="1600" dirty="0">
+              <a:solidFill>
+                <a:srgbClr val="FF0000"/>
+              </a:solidFill>
+            </a:endParaRPr>
+          </a:p>
+          <a:p>
+            <a:pPr algn="ctr"/>
+            <a:r>
+              <a:rPr lang="pt-PT" sz="1600" dirty="0">
+                <a:solidFill>
+                  <a:srgbClr val="FF0000"/>
+                </a:solidFill>
+              </a:rPr>
+              <a:t>Exemplo Streamer</a:t>
+            </a:r>
+          </a:p>
+        </p:txBody>
+      </p:sp>
+      <p:pic>
+        <p:nvPicPr>
+          <p:cNvPr id="15" name="Picture 14">
+            <a:extLst>
+              <a:ext uri="{FF2B5EF4-FFF2-40B4-BE49-F238E27FC236}">
+                <a16:creationId xmlns:a16="http://schemas.microsoft.com/office/drawing/2014/main" id="{C4891DB0-F247-4E84-ADBF-FC44AEA05A68}"/>
+              </a:ext>
+            </a:extLst>
+          </p:cNvPr>
+          <p:cNvPicPr>
+            <a:picLocks noChangeAspect="1"/>
+          </p:cNvPicPr>
+          <p:nvPr/>
+        </p:nvPicPr>
+        <p:blipFill rotWithShape="1">
+          <a:blip r:embed="rId6"/>
+          <a:srcRect b="31281"/>
+          <a:stretch/>
+        </p:blipFill>
+        <p:spPr>
+          <a:xfrm>
+            <a:off x="8796845" y="4939812"/>
+            <a:ext cx="2079936" cy="1242874"/>
           </a:xfrm>
           <a:prstGeom prst="rect">
             <a:avLst/>
@@ -6655,7 +6774,7 @@
     </p:spTree>
     <p:extLst>
       <p:ext uri="{BB962C8B-B14F-4D97-AF65-F5344CB8AC3E}">
-        <p14:creationId xmlns:p14="http://schemas.microsoft.com/office/powerpoint/2010/main" val="465885420"/>
+        <p14:creationId xmlns:p14="http://schemas.microsoft.com/office/powerpoint/2010/main" val="3138427854"/>
       </p:ext>
     </p:extLst>
   </p:cSld>
@@ -6707,247 +6826,18 @@
             <a:r>
               <a:rPr lang="pt-PT" sz="6600" dirty="0">
                 <a:solidFill>
-                  <a:schemeClr val="tx1">
-                    <a:lumMod val="85000"/>
-                    <a:lumOff val="15000"/>
-                  </a:schemeClr>
+                  <a:srgbClr val="FF0000"/>
                 </a:solidFill>
                 <a:latin typeface="Bahnschrift SemiLight" panose="020B0502040204020203" pitchFamily="34" charset="0"/>
               </a:rPr>
-              <a:t>Destaque - Listagem</a:t>
+              <a:t>UI – Pesquisas</a:t>
             </a:r>
             <a:endParaRPr lang="en-GB" sz="6600" dirty="0">
               <a:solidFill>
-                <a:schemeClr val="tx1">
-                  <a:lumMod val="85000"/>
-                  <a:lumOff val="15000"/>
-                </a:schemeClr>
+                <a:srgbClr val="FF0000"/>
               </a:solidFill>
               <a:latin typeface="Bahnschrift SemiLight" panose="020B0502040204020203" pitchFamily="34" charset="0"/>
             </a:endParaRPr>
-          </a:p>
-        </p:txBody>
-      </p:sp>
-      <p:sp>
-        <p:nvSpPr>
-          <p:cNvPr id="3" name="Marcador de Posição de Conteúdo 2">
-            <a:extLst>
-              <a:ext uri="{FF2B5EF4-FFF2-40B4-BE49-F238E27FC236}">
-                <a16:creationId xmlns:a16="http://schemas.microsoft.com/office/drawing/2014/main" id="{B3B74F31-20FC-4247-9C66-D428333967A4}"/>
-              </a:ext>
-            </a:extLst>
-          </p:cNvPr>
-          <p:cNvSpPr>
-            <a:spLocks noGrp="1"/>
-          </p:cNvSpPr>
-          <p:nvPr>
-            <p:ph idx="1"/>
-          </p:nvPr>
-        </p:nvSpPr>
-        <p:spPr>
-          <a:xfrm>
-            <a:off x="1097280" y="2116449"/>
-            <a:ext cx="10058400" cy="4004649"/>
-          </a:xfrm>
-        </p:spPr>
-        <p:txBody>
-          <a:bodyPr>
-            <a:normAutofit/>
-          </a:bodyPr>
-          <a:lstStyle/>
-          <a:p>
-            <a:pPr lvl="1">
-              <a:buClr>
-                <a:srgbClr val="8C2D19"/>
-              </a:buClr>
-              <a:buFont typeface="Arial" panose="020B0604020202020204" pitchFamily="34" charset="0"/>
-              <a:buChar char="•"/>
-            </a:pPr>
-            <a:r>
-              <a:rPr lang="pt-PT" dirty="0">
-                <a:solidFill>
-                  <a:schemeClr val="tx1"/>
-                </a:solidFill>
-              </a:rPr>
-              <a:t>Foi alargada a </a:t>
-            </a:r>
-            <a:r>
-              <a:rPr lang="pt-PT" dirty="0" err="1">
-                <a:solidFill>
-                  <a:schemeClr val="tx1"/>
-                </a:solidFill>
-              </a:rPr>
-              <a:t>feature</a:t>
-            </a:r>
-            <a:r>
-              <a:rPr lang="pt-PT" dirty="0">
-                <a:solidFill>
-                  <a:schemeClr val="tx1"/>
-                </a:solidFill>
-              </a:rPr>
-              <a:t> de pesquisas </a:t>
-            </a:r>
-            <a:r>
-              <a:rPr lang="pt-PT" dirty="0" err="1">
-                <a:solidFill>
-                  <a:schemeClr val="tx1"/>
-                </a:solidFill>
-              </a:rPr>
-              <a:t>costumizadas</a:t>
-            </a:r>
-            <a:r>
-              <a:rPr lang="pt-PT" dirty="0">
-                <a:solidFill>
-                  <a:schemeClr val="tx1"/>
-                </a:solidFill>
-              </a:rPr>
-              <a:t> às doações.</a:t>
-            </a:r>
-          </a:p>
-          <a:p>
-            <a:pPr lvl="1">
-              <a:buClr>
-                <a:srgbClr val="8C2D19"/>
-              </a:buClr>
-              <a:buFont typeface="Arial" panose="020B0604020202020204" pitchFamily="34" charset="0"/>
-              <a:buChar char="•"/>
-            </a:pPr>
-            <a:endParaRPr lang="pt-PT" dirty="0">
-              <a:solidFill>
-                <a:schemeClr val="tx1"/>
-              </a:solidFill>
-            </a:endParaRPr>
-          </a:p>
-          <a:p>
-            <a:pPr lvl="1">
-              <a:buClr>
-                <a:srgbClr val="8C2D19"/>
-              </a:buClr>
-              <a:buFont typeface="Arial" panose="020B0604020202020204" pitchFamily="34" charset="0"/>
-              <a:buChar char="•"/>
-            </a:pPr>
-            <a:r>
-              <a:rPr lang="pt-PT" dirty="0">
-                <a:solidFill>
-                  <a:schemeClr val="tx1"/>
-                </a:solidFill>
-              </a:rPr>
-              <a:t>Chama-se a função de pesquisa respetiva com vetores dos </a:t>
-            </a:r>
-            <a:r>
-              <a:rPr lang="pt-PT" dirty="0" err="1">
-                <a:solidFill>
-                  <a:schemeClr val="tx1"/>
-                </a:solidFill>
-              </a:rPr>
-              <a:t>parametros</a:t>
-            </a:r>
-            <a:r>
-              <a:rPr lang="pt-PT" dirty="0">
-                <a:solidFill>
-                  <a:schemeClr val="tx1"/>
-                </a:solidFill>
-              </a:rPr>
-              <a:t> correspondentes. Se for enviado vetor vazio, aceita todos. Ex:</a:t>
-            </a:r>
-          </a:p>
-          <a:p>
-            <a:pPr lvl="2">
-              <a:buClr>
-                <a:srgbClr val="8C2D19"/>
-              </a:buClr>
-              <a:buFont typeface="Arial" panose="020B0604020202020204" pitchFamily="34" charset="0"/>
-              <a:buChar char="•"/>
-            </a:pPr>
-            <a:r>
-              <a:rPr lang="pt-PT" dirty="0">
-                <a:solidFill>
-                  <a:schemeClr val="tx1"/>
-                </a:solidFill>
-              </a:rPr>
-              <a:t>Enviar vetor com os valores de avaliação.</a:t>
-            </a:r>
-          </a:p>
-          <a:p>
-            <a:pPr lvl="2">
-              <a:buClr>
-                <a:srgbClr val="8C2D19"/>
-              </a:buClr>
-              <a:buFont typeface="Arial" panose="020B0604020202020204" pitchFamily="34" charset="0"/>
-              <a:buChar char="•"/>
-            </a:pPr>
-            <a:r>
-              <a:rPr lang="pt-PT" dirty="0">
-                <a:solidFill>
-                  <a:schemeClr val="tx1"/>
-                </a:solidFill>
-              </a:rPr>
-              <a:t>Enviar valor </a:t>
-            </a:r>
-            <a:r>
-              <a:rPr lang="pt-PT" dirty="0" err="1">
-                <a:solidFill>
-                  <a:schemeClr val="tx1"/>
-                </a:solidFill>
-              </a:rPr>
-              <a:t>minimo</a:t>
-            </a:r>
-            <a:r>
-              <a:rPr lang="pt-PT" dirty="0">
-                <a:solidFill>
-                  <a:schemeClr val="tx1"/>
-                </a:solidFill>
-              </a:rPr>
-              <a:t>.</a:t>
-            </a:r>
-          </a:p>
-          <a:p>
-            <a:pPr lvl="2">
-              <a:buClr>
-                <a:srgbClr val="8C2D19"/>
-              </a:buClr>
-              <a:buFont typeface="Arial" panose="020B0604020202020204" pitchFamily="34" charset="0"/>
-              <a:buChar char="•"/>
-            </a:pPr>
-            <a:r>
-              <a:rPr lang="pt-PT" dirty="0">
-                <a:solidFill>
-                  <a:schemeClr val="tx1"/>
-                </a:solidFill>
-              </a:rPr>
-              <a:t>Enviar valor máximo.</a:t>
-            </a:r>
-          </a:p>
-          <a:p>
-            <a:pPr lvl="1">
-              <a:buClr>
-                <a:srgbClr val="8C2D19"/>
-              </a:buClr>
-              <a:buFont typeface="Arial" panose="020B0604020202020204" pitchFamily="34" charset="0"/>
-              <a:buChar char="•"/>
-            </a:pPr>
-            <a:endParaRPr lang="pt-PT" dirty="0">
-              <a:solidFill>
-                <a:schemeClr val="tx1"/>
-              </a:solidFill>
-            </a:endParaRPr>
-          </a:p>
-          <a:p>
-            <a:pPr lvl="1">
-              <a:buClr>
-                <a:srgbClr val="8C2D19"/>
-              </a:buClr>
-              <a:buFont typeface="Arial" panose="020B0604020202020204" pitchFamily="34" charset="0"/>
-              <a:buChar char="•"/>
-            </a:pPr>
-            <a:r>
-              <a:rPr lang="pt-PT" dirty="0">
-                <a:solidFill>
-                  <a:schemeClr val="tx1"/>
-                </a:solidFill>
-              </a:rPr>
-              <a:t>Neste caso, por se tratar de uma BST não faria sentido alterar a ordenação que esta impõe no seu conjunto de dados, por isso permanece ordenada pelo montante e pela avaliação.</a:t>
-            </a:r>
           </a:p>
         </p:txBody>
       </p:sp>
@@ -7086,10 +6976,252 @@
           </a:prstGeom>
         </p:spPr>
       </p:pic>
+      <p:sp>
+        <p:nvSpPr>
+          <p:cNvPr id="12" name="TextBox 11">
+            <a:extLst>
+              <a:ext uri="{FF2B5EF4-FFF2-40B4-BE49-F238E27FC236}">
+                <a16:creationId xmlns:a16="http://schemas.microsoft.com/office/drawing/2014/main" id="{B5D78712-70F3-4C81-AE5C-F3E20EFC6ABC}"/>
+              </a:ext>
+            </a:extLst>
+          </p:cNvPr>
+          <p:cNvSpPr txBox="1"/>
+          <p:nvPr/>
+        </p:nvSpPr>
+        <p:spPr>
+          <a:xfrm>
+            <a:off x="861379" y="4381999"/>
+            <a:ext cx="5649612" cy="1754326"/>
+          </a:xfrm>
+          <a:prstGeom prst="rect">
+            <a:avLst/>
+          </a:prstGeom>
+          <a:noFill/>
+        </p:spPr>
+        <p:txBody>
+          <a:bodyPr wrap="square" rtlCol="0">
+            <a:spAutoFit/>
+          </a:bodyPr>
+          <a:lstStyle/>
+          <a:p>
+            <a:pPr marL="285750" indent="-285750">
+              <a:buFont typeface="Arial" panose="020B0604020202020204" pitchFamily="34" charset="0"/>
+              <a:buChar char="•"/>
+            </a:pPr>
+            <a:r>
+              <a:rPr lang="pt-PT" dirty="0">
+                <a:solidFill>
+                  <a:srgbClr val="FF0000"/>
+                </a:solidFill>
+              </a:rPr>
+              <a:t>Escolher vários parametros</a:t>
+            </a:r>
+          </a:p>
+          <a:p>
+            <a:pPr marL="285750" indent="-285750">
+              <a:buFont typeface="Arial" panose="020B0604020202020204" pitchFamily="34" charset="0"/>
+              <a:buChar char="•"/>
+            </a:pPr>
+            <a:r>
+              <a:rPr lang="pt-PT" dirty="0">
+                <a:solidFill>
+                  <a:srgbClr val="FF0000"/>
+                </a:solidFill>
+              </a:rPr>
+              <a:t>Não escolher nenhum género implica pesquisar por todos</a:t>
+            </a:r>
+          </a:p>
+          <a:p>
+            <a:pPr marL="285750" indent="-285750">
+              <a:buFont typeface="Arial" panose="020B0604020202020204" pitchFamily="34" charset="0"/>
+              <a:buChar char="•"/>
+            </a:pPr>
+            <a:r>
+              <a:rPr lang="pt-PT" dirty="0">
+                <a:solidFill>
+                  <a:srgbClr val="FF0000"/>
+                </a:solidFill>
+              </a:rPr>
+              <a:t>Escolher 0 para parar de adicionar elementos à pesquisa</a:t>
+            </a:r>
+          </a:p>
+          <a:p>
+            <a:pPr marL="285750" indent="-285750">
+              <a:buFont typeface="Arial" panose="020B0604020202020204" pitchFamily="34" charset="0"/>
+              <a:buChar char="•"/>
+            </a:pPr>
+            <a:r>
+              <a:rPr lang="pt-PT" dirty="0">
+                <a:solidFill>
+                  <a:srgbClr val="FF0000"/>
+                </a:solidFill>
+              </a:rPr>
+              <a:t>Ordenar à escolha se assim desejar</a:t>
+            </a:r>
+            <a:endParaRPr lang="en-US" dirty="0">
+              <a:solidFill>
+                <a:srgbClr val="FF0000"/>
+              </a:solidFill>
+            </a:endParaRPr>
+          </a:p>
+        </p:txBody>
+      </p:sp>
+      <p:sp>
+        <p:nvSpPr>
+          <p:cNvPr id="13" name="TextBox 12">
+            <a:extLst>
+              <a:ext uri="{FF2B5EF4-FFF2-40B4-BE49-F238E27FC236}">
+                <a16:creationId xmlns:a16="http://schemas.microsoft.com/office/drawing/2014/main" id="{3918F24A-B858-4DAC-8BB2-AA8C55D4EF93}"/>
+              </a:ext>
+            </a:extLst>
+          </p:cNvPr>
+          <p:cNvSpPr txBox="1"/>
+          <p:nvPr/>
+        </p:nvSpPr>
+        <p:spPr>
+          <a:xfrm>
+            <a:off x="7097164" y="5259162"/>
+            <a:ext cx="4426052" cy="923330"/>
+          </a:xfrm>
+          <a:prstGeom prst="rect">
+            <a:avLst/>
+          </a:prstGeom>
+          <a:noFill/>
+        </p:spPr>
+        <p:txBody>
+          <a:bodyPr wrap="square" rtlCol="0">
+            <a:spAutoFit/>
+          </a:bodyPr>
+          <a:lstStyle/>
+          <a:p>
+            <a:pPr marL="285750" indent="-285750">
+              <a:buFont typeface="Arial" panose="020B0604020202020204" pitchFamily="34" charset="0"/>
+              <a:buChar char="•"/>
+            </a:pPr>
+            <a:r>
+              <a:rPr lang="pt-PT" dirty="0">
+                <a:solidFill>
+                  <a:srgbClr val="FF0000"/>
+                </a:solidFill>
+              </a:rPr>
+              <a:t>Sistema de páginas</a:t>
+            </a:r>
+          </a:p>
+          <a:p>
+            <a:pPr marL="285750" indent="-285750">
+              <a:buFont typeface="Arial" panose="020B0604020202020204" pitchFamily="34" charset="0"/>
+              <a:buChar char="•"/>
+            </a:pPr>
+            <a:r>
+              <a:rPr lang="pt-PT" dirty="0">
+                <a:solidFill>
+                  <a:srgbClr val="FF0000"/>
+                </a:solidFill>
+              </a:rPr>
+              <a:t>Objetivo de não apresentar demasiadas entradas no ecrã de uma vez só.</a:t>
+            </a:r>
+            <a:endParaRPr lang="en-US" dirty="0">
+              <a:solidFill>
+                <a:srgbClr val="FF0000"/>
+              </a:solidFill>
+            </a:endParaRPr>
+          </a:p>
+        </p:txBody>
+      </p:sp>
+      <p:pic>
+        <p:nvPicPr>
+          <p:cNvPr id="8" name="Picture 7">
+            <a:extLst>
+              <a:ext uri="{FF2B5EF4-FFF2-40B4-BE49-F238E27FC236}">
+                <a16:creationId xmlns:a16="http://schemas.microsoft.com/office/drawing/2014/main" id="{59DFA416-8478-4302-A4BD-FD4A0E85E958}"/>
+              </a:ext>
+            </a:extLst>
+          </p:cNvPr>
+          <p:cNvPicPr>
+            <a:picLocks noChangeAspect="1"/>
+          </p:cNvPicPr>
+          <p:nvPr/>
+        </p:nvPicPr>
+        <p:blipFill>
+          <a:blip r:embed="rId3"/>
+          <a:stretch>
+            <a:fillRect/>
+          </a:stretch>
+        </p:blipFill>
+        <p:spPr>
+          <a:xfrm>
+            <a:off x="861379" y="2324472"/>
+            <a:ext cx="2600430" cy="1824981"/>
+          </a:xfrm>
+          <a:prstGeom prst="rect">
+            <a:avLst/>
+          </a:prstGeom>
+        </p:spPr>
+      </p:pic>
+      <p:pic>
+        <p:nvPicPr>
+          <p:cNvPr id="16" name="Picture 15">
+            <a:extLst>
+              <a:ext uri="{FF2B5EF4-FFF2-40B4-BE49-F238E27FC236}">
+                <a16:creationId xmlns:a16="http://schemas.microsoft.com/office/drawing/2014/main" id="{24CC2751-1A2A-4FFC-BCBC-90AE321EF4B7}"/>
+              </a:ext>
+            </a:extLst>
+          </p:cNvPr>
+          <p:cNvPicPr>
+            <a:picLocks noChangeAspect="1"/>
+          </p:cNvPicPr>
+          <p:nvPr/>
+        </p:nvPicPr>
+        <p:blipFill>
+          <a:blip r:embed="rId4"/>
+          <a:stretch>
+            <a:fillRect/>
+          </a:stretch>
+        </p:blipFill>
+        <p:spPr>
+          <a:xfrm>
+            <a:off x="7783230" y="1832514"/>
+            <a:ext cx="3053920" cy="3149355"/>
+          </a:xfrm>
+          <a:prstGeom prst="rect">
+            <a:avLst/>
+          </a:prstGeom>
+        </p:spPr>
+      </p:pic>
+      <p:pic>
+        <p:nvPicPr>
+          <p:cNvPr id="9" name="Picture 8">
+            <a:extLst>
+              <a:ext uri="{FF2B5EF4-FFF2-40B4-BE49-F238E27FC236}">
+                <a16:creationId xmlns:a16="http://schemas.microsoft.com/office/drawing/2014/main" id="{609E53D3-C469-4E0F-82E7-9857FA4173D9}"/>
+              </a:ext>
+            </a:extLst>
+          </p:cNvPr>
+          <p:cNvPicPr>
+            <a:picLocks noChangeAspect="1"/>
+          </p:cNvPicPr>
+          <p:nvPr/>
+        </p:nvPicPr>
+        <p:blipFill>
+          <a:blip r:embed="rId5"/>
+          <a:stretch>
+            <a:fillRect/>
+          </a:stretch>
+        </p:blipFill>
+        <p:spPr>
+          <a:xfrm>
+            <a:off x="3612605" y="2230575"/>
+            <a:ext cx="2768404" cy="2012777"/>
+          </a:xfrm>
+          <a:prstGeom prst="rect">
+            <a:avLst/>
+          </a:prstGeom>
+        </p:spPr>
+      </p:pic>
     </p:spTree>
     <p:extLst>
       <p:ext uri="{BB962C8B-B14F-4D97-AF65-F5344CB8AC3E}">
-        <p14:creationId xmlns:p14="http://schemas.microsoft.com/office/powerpoint/2010/main" val="516750047"/>
+        <p14:creationId xmlns:p14="http://schemas.microsoft.com/office/powerpoint/2010/main" val="465885420"/>
       </p:ext>
     </p:extLst>
   </p:cSld>
@@ -7148,7 +7280,7 @@
                 </a:solidFill>
                 <a:latin typeface="Bahnschrift SemiLight" panose="020B0502040204020203" pitchFamily="34" charset="0"/>
               </a:rPr>
-              <a:t>Observações</a:t>
+              <a:t>Destaque - Listagem</a:t>
             </a:r>
             <a:endParaRPr lang="en-GB" sz="6600" dirty="0">
               <a:solidFill>
@@ -7203,7 +7335,39 @@
                   <a:schemeClr val="tx1"/>
                 </a:solidFill>
               </a:rPr>
-              <a:t>Gostaríamos de realçar que a segunda parte to trabalho foi relativamente simples de implementar visto que o trabalho realizado anteriormente estava bastante bem estruturado.</a:t>
+              <a:t>Foi alargada a </a:t>
+            </a:r>
+            <a:r>
+              <a:rPr lang="pt-PT" dirty="0" err="1">
+                <a:solidFill>
+                  <a:schemeClr val="tx1"/>
+                </a:solidFill>
+              </a:rPr>
+              <a:t>feature</a:t>
+            </a:r>
+            <a:r>
+              <a:rPr lang="pt-PT" dirty="0">
+                <a:solidFill>
+                  <a:schemeClr val="tx1"/>
+                </a:solidFill>
+              </a:rPr>
+              <a:t> de pesquisas </a:t>
+            </a:r>
+            <a:r>
+              <a:rPr lang="pt-PT" dirty="0" err="1">
+                <a:solidFill>
+                  <a:schemeClr val="tx1"/>
+                </a:solidFill>
+              </a:rPr>
+              <a:t>costumizadas</a:t>
+            </a:r>
+            <a:r>
+              <a:rPr lang="pt-PT" dirty="0">
+                <a:solidFill>
+                  <a:schemeClr val="tx1"/>
+                </a:solidFill>
+              </a:rPr>
+              <a:t> às doações.</a:t>
             </a:r>
           </a:p>
           <a:p>
@@ -7234,7 +7398,7 @@
                   <a:schemeClr val="tx1"/>
                 </a:solidFill>
               </a:rPr>
-              <a:t>A conta de </a:t>
+              <a:t>Chama-se a função de pesquisa respetiva com vetores dos </a:t>
             </a:r>
             <a:r>
               <a:rPr lang="pt-PT" dirty="0" err="1">
@@ -7242,7 +7406,7 @@
                   <a:schemeClr val="tx1"/>
                 </a:solidFill>
               </a:rPr>
-              <a:t>streamer</a:t>
+              <a:t>parametros</a:t>
             </a:r>
             <a:r>
               <a:rPr lang="pt-PT" dirty="0">
@@ -7250,7 +7414,41 @@
                   <a:schemeClr val="tx1"/>
                 </a:solidFill>
               </a:rPr>
-              <a:t> tem agora um código associado. Caso tenho o código de estado a 1, deve receber </a:t>
+              <a:t> correspondentes. Se for enviado vetor vazio, aceita todos. Ex:</a:t>
+            </a:r>
+          </a:p>
+          <a:p>
+            <a:pPr lvl="2">
+              <a:buClr>
+                <a:srgbClr val="8C2D19"/>
+              </a:buClr>
+              <a:buFont typeface="Arial" panose="020B0604020202020204" pitchFamily="34" charset="0"/>
+              <a:buChar char="•"/>
+            </a:pPr>
+            <a:r>
+              <a:rPr lang="pt-PT" dirty="0">
+                <a:solidFill>
+                  <a:schemeClr val="tx1"/>
+                </a:solidFill>
+              </a:rPr>
+              <a:t>Enviar vetor com os valores de avaliação.</a:t>
+            </a:r>
+          </a:p>
+          <a:p>
+            <a:pPr lvl="2">
+              <a:buClr>
+                <a:srgbClr val="8C2D19"/>
+              </a:buClr>
+              <a:buFont typeface="Arial" panose="020B0604020202020204" pitchFamily="34" charset="0"/>
+              <a:buChar char="•"/>
+            </a:pPr>
+            <a:r>
+              <a:rPr lang="pt-PT" dirty="0">
+                <a:solidFill>
+                  <a:schemeClr val="tx1"/>
+                </a:solidFill>
+              </a:rPr>
+              <a:t>Enviar valor </a:t>
             </a:r>
             <a:r>
               <a:rPr lang="pt-PT" dirty="0" err="1">
@@ -7258,71 +7456,7 @@
                   <a:schemeClr val="tx1"/>
                 </a:solidFill>
               </a:rPr>
-              <a:t>likes</a:t>
-            </a:r>
-            <a:r>
-              <a:rPr lang="pt-PT" dirty="0">
-                <a:solidFill>
-                  <a:schemeClr val="tx1"/>
-                </a:solidFill>
-              </a:rPr>
-              <a:t> na próxima </a:t>
-            </a:r>
-            <a:r>
-              <a:rPr lang="pt-PT" dirty="0" err="1">
-                <a:solidFill>
-                  <a:schemeClr val="tx1"/>
-                </a:solidFill>
-              </a:rPr>
-              <a:t>stream</a:t>
-            </a:r>
-            <a:r>
-              <a:rPr lang="pt-PT" dirty="0">
-                <a:solidFill>
-                  <a:schemeClr val="tx1"/>
-                </a:solidFill>
-              </a:rPr>
-              <a:t> iniciada. Caso esteja a 2 este já usufruiu do seu bónus de reativação. Implementamos esta </a:t>
-            </a:r>
-            <a:r>
-              <a:rPr lang="pt-PT" dirty="0" err="1">
-                <a:solidFill>
-                  <a:schemeClr val="tx1"/>
-                </a:solidFill>
-              </a:rPr>
-              <a:t>feature</a:t>
-            </a:r>
-            <a:r>
-              <a:rPr lang="pt-PT" dirty="0">
-                <a:solidFill>
-                  <a:schemeClr val="tx1"/>
-                </a:solidFill>
-              </a:rPr>
-              <a:t> desta maneira para prevenir o abuso de utilizadores de forma a obter </a:t>
-            </a:r>
-            <a:r>
-              <a:rPr lang="pt-PT" dirty="0" err="1">
-                <a:solidFill>
-                  <a:schemeClr val="tx1"/>
-                </a:solidFill>
-              </a:rPr>
-              <a:t>likes</a:t>
-            </a:r>
-            <a:r>
-              <a:rPr lang="pt-PT" dirty="0">
-                <a:solidFill>
-                  <a:schemeClr val="tx1"/>
-                </a:solidFill>
-              </a:rPr>
-              <a:t> de forma </a:t>
-            </a:r>
-            <a:r>
-              <a:rPr lang="pt-PT" dirty="0" err="1">
-                <a:solidFill>
-                  <a:schemeClr val="tx1"/>
-                </a:solidFill>
-              </a:rPr>
-              <a:t>insjusta</a:t>
+              <a:t>minimo</a:t>
             </a:r>
             <a:r>
               <a:rPr lang="pt-PT" dirty="0">
@@ -7331,6 +7465,23 @@
                 </a:solidFill>
               </a:rPr>
               <a:t>.</a:t>
+            </a:r>
+          </a:p>
+          <a:p>
+            <a:pPr lvl="2">
+              <a:buClr>
+                <a:srgbClr val="8C2D19"/>
+              </a:buClr>
+              <a:buFont typeface="Arial" panose="020B0604020202020204" pitchFamily="34" charset="0"/>
+              <a:buChar char="•"/>
+            </a:pPr>
+            <a:r>
+              <a:rPr lang="pt-PT" dirty="0">
+                <a:solidFill>
+                  <a:schemeClr val="tx1"/>
+                </a:solidFill>
+              </a:rPr>
+              <a:t>Enviar valor máximo.</a:t>
             </a:r>
           </a:p>
           <a:p>
@@ -7361,56 +7512,8 @@
                   <a:schemeClr val="tx1"/>
                 </a:solidFill>
               </a:rPr>
-              <a:t>Testes com auxilio à </a:t>
-            </a:r>
-            <a:r>
-              <a:rPr lang="pt-PT" dirty="0" err="1">
-                <a:solidFill>
-                  <a:schemeClr val="tx1"/>
-                </a:solidFill>
-              </a:rPr>
-              <a:t>library</a:t>
-            </a:r>
-            <a:r>
-              <a:rPr lang="pt-PT" dirty="0">
-                <a:solidFill>
-                  <a:schemeClr val="tx1"/>
-                </a:solidFill>
-              </a:rPr>
-              <a:t> Google </a:t>
-            </a:r>
-            <a:r>
-              <a:rPr lang="pt-PT" dirty="0" err="1">
-                <a:solidFill>
-                  <a:schemeClr val="tx1"/>
-                </a:solidFill>
-              </a:rPr>
-              <a:t>Tests</a:t>
-            </a:r>
-            <a:r>
-              <a:rPr lang="pt-PT" dirty="0">
-                <a:solidFill>
-                  <a:schemeClr val="tx1"/>
-                </a:solidFill>
-              </a:rPr>
-              <a:t> para assegurar a qualidade e a robustez do código.</a:t>
-            </a:r>
-          </a:p>
-          <a:p>
-            <a:pPr marL="0" indent="0">
-              <a:buNone/>
-            </a:pPr>
-            <a:endParaRPr lang="pt-PT" dirty="0"/>
-          </a:p>
-          <a:p>
-            <a:pPr marL="0" indent="0">
-              <a:buNone/>
-            </a:pPr>
-            <a:r>
-              <a:rPr lang="pt-PT" dirty="0"/>
-              <a:t> </a:t>
-            </a:r>
-            <a:endParaRPr lang="en-GB" dirty="0"/>
+              <a:t>Neste caso, por se tratar de uma BST não faria sentido alterar a ordenação que esta impõe no seu conjunto de dados, por isso permanece ordenada pelo montante e pela avaliação.</a:t>
+            </a:r>
           </a:p>
         </p:txBody>
       </p:sp>
@@ -7552,7 +7655,7 @@
     </p:spTree>
     <p:extLst>
       <p:ext uri="{BB962C8B-B14F-4D97-AF65-F5344CB8AC3E}">
-        <p14:creationId xmlns:p14="http://schemas.microsoft.com/office/powerpoint/2010/main" val="1899299684"/>
+        <p14:creationId xmlns:p14="http://schemas.microsoft.com/office/powerpoint/2010/main" val="516750047"/>
       </p:ext>
     </p:extLst>
   </p:cSld>
@@ -7584,7 +7687,7 @@
           <p:cNvPr id="2" name="Título 1">
             <a:extLst>
               <a:ext uri="{FF2B5EF4-FFF2-40B4-BE49-F238E27FC236}">
-                <a16:creationId xmlns:a16="http://schemas.microsoft.com/office/drawing/2014/main" id="{946B05BC-BE14-4CEB-A649-38C2D6E132C4}"/>
+                <a16:creationId xmlns:a16="http://schemas.microsoft.com/office/drawing/2014/main" id="{B6E269CC-F3EC-43ED-BC98-FCEA20CEA90D}"/>
               </a:ext>
             </a:extLst>
           </p:cNvPr>
@@ -7611,7 +7714,7 @@
                 </a:solidFill>
                 <a:latin typeface="Bahnschrift SemiLight" panose="020B0502040204020203" pitchFamily="34" charset="0"/>
               </a:rPr>
-              <a:t>Dificuldades</a:t>
+              <a:t>Observações</a:t>
             </a:r>
             <a:endParaRPr lang="en-GB" sz="6600" dirty="0">
               <a:solidFill>
@@ -7625,12 +7728,248 @@
           </a:p>
         </p:txBody>
       </p:sp>
+      <p:sp>
+        <p:nvSpPr>
+          <p:cNvPr id="3" name="Marcador de Posição de Conteúdo 2">
+            <a:extLst>
+              <a:ext uri="{FF2B5EF4-FFF2-40B4-BE49-F238E27FC236}">
+                <a16:creationId xmlns:a16="http://schemas.microsoft.com/office/drawing/2014/main" id="{B3B74F31-20FC-4247-9C66-D428333967A4}"/>
+              </a:ext>
+            </a:extLst>
+          </p:cNvPr>
+          <p:cNvSpPr>
+            <a:spLocks noGrp="1"/>
+          </p:cNvSpPr>
+          <p:nvPr>
+            <p:ph idx="1"/>
+          </p:nvPr>
+        </p:nvSpPr>
+        <p:spPr>
+          <a:xfrm>
+            <a:off x="1097280" y="2116449"/>
+            <a:ext cx="10058400" cy="4004649"/>
+          </a:xfrm>
+        </p:spPr>
+        <p:txBody>
+          <a:bodyPr>
+            <a:normAutofit/>
+          </a:bodyPr>
+          <a:lstStyle/>
+          <a:p>
+            <a:pPr lvl="1">
+              <a:buClr>
+                <a:srgbClr val="8C2D19"/>
+              </a:buClr>
+              <a:buFont typeface="Arial" panose="020B0604020202020204" pitchFamily="34" charset="0"/>
+              <a:buChar char="•"/>
+            </a:pPr>
+            <a:r>
+              <a:rPr lang="pt-PT" dirty="0">
+                <a:solidFill>
+                  <a:schemeClr val="tx1"/>
+                </a:solidFill>
+              </a:rPr>
+              <a:t>Gostaríamos de realçar que a segunda parte to trabalho foi relativamente simples de implementar visto que o trabalho realizado anteriormente estava bastante bem estruturado.</a:t>
+            </a:r>
+          </a:p>
+          <a:p>
+            <a:pPr lvl="1">
+              <a:buClr>
+                <a:srgbClr val="8C2D19"/>
+              </a:buClr>
+              <a:buFont typeface="Arial" panose="020B0604020202020204" pitchFamily="34" charset="0"/>
+              <a:buChar char="•"/>
+            </a:pPr>
+            <a:endParaRPr lang="pt-PT" dirty="0">
+              <a:solidFill>
+                <a:schemeClr val="tx1"/>
+              </a:solidFill>
+            </a:endParaRPr>
+          </a:p>
+          <a:p>
+            <a:pPr lvl="1">
+              <a:buClr>
+                <a:srgbClr val="8C2D19"/>
+              </a:buClr>
+              <a:buFont typeface="Arial" panose="020B0604020202020204" pitchFamily="34" charset="0"/>
+              <a:buChar char="•"/>
+            </a:pPr>
+            <a:r>
+              <a:rPr lang="pt-PT" dirty="0">
+                <a:solidFill>
+                  <a:schemeClr val="tx1"/>
+                </a:solidFill>
+              </a:rPr>
+              <a:t>A conta de </a:t>
+            </a:r>
+            <a:r>
+              <a:rPr lang="pt-PT" dirty="0" err="1">
+                <a:solidFill>
+                  <a:schemeClr val="tx1"/>
+                </a:solidFill>
+              </a:rPr>
+              <a:t>streamer</a:t>
+            </a:r>
+            <a:r>
+              <a:rPr lang="pt-PT" dirty="0">
+                <a:solidFill>
+                  <a:schemeClr val="tx1"/>
+                </a:solidFill>
+              </a:rPr>
+              <a:t> tem agora um código associado. Caso tenho o código de estado a 1, deve receber </a:t>
+            </a:r>
+            <a:r>
+              <a:rPr lang="pt-PT" dirty="0" err="1">
+                <a:solidFill>
+                  <a:schemeClr val="tx1"/>
+                </a:solidFill>
+              </a:rPr>
+              <a:t>likes</a:t>
+            </a:r>
+            <a:r>
+              <a:rPr lang="pt-PT" dirty="0">
+                <a:solidFill>
+                  <a:schemeClr val="tx1"/>
+                </a:solidFill>
+              </a:rPr>
+              <a:t> na próxima </a:t>
+            </a:r>
+            <a:r>
+              <a:rPr lang="pt-PT" dirty="0" err="1">
+                <a:solidFill>
+                  <a:schemeClr val="tx1"/>
+                </a:solidFill>
+              </a:rPr>
+              <a:t>stream</a:t>
+            </a:r>
+            <a:r>
+              <a:rPr lang="pt-PT" dirty="0">
+                <a:solidFill>
+                  <a:schemeClr val="tx1"/>
+                </a:solidFill>
+              </a:rPr>
+              <a:t> iniciada. Caso esteja a 2 este já usufruiu do seu bónus de reativação. Implementamos esta </a:t>
+            </a:r>
+            <a:r>
+              <a:rPr lang="pt-PT" dirty="0" err="1">
+                <a:solidFill>
+                  <a:schemeClr val="tx1"/>
+                </a:solidFill>
+              </a:rPr>
+              <a:t>feature</a:t>
+            </a:r>
+            <a:r>
+              <a:rPr lang="pt-PT" dirty="0">
+                <a:solidFill>
+                  <a:schemeClr val="tx1"/>
+                </a:solidFill>
+              </a:rPr>
+              <a:t> desta maneira para prevenir o abuso de utilizadores de forma a obter </a:t>
+            </a:r>
+            <a:r>
+              <a:rPr lang="pt-PT" dirty="0" err="1">
+                <a:solidFill>
+                  <a:schemeClr val="tx1"/>
+                </a:solidFill>
+              </a:rPr>
+              <a:t>likes</a:t>
+            </a:r>
+            <a:r>
+              <a:rPr lang="pt-PT" dirty="0">
+                <a:solidFill>
+                  <a:schemeClr val="tx1"/>
+                </a:solidFill>
+              </a:rPr>
+              <a:t> de forma injusta.</a:t>
+            </a:r>
+          </a:p>
+          <a:p>
+            <a:pPr lvl="1">
+              <a:buClr>
+                <a:srgbClr val="8C2D19"/>
+              </a:buClr>
+              <a:buFont typeface="Arial" panose="020B0604020202020204" pitchFamily="34" charset="0"/>
+              <a:buChar char="•"/>
+            </a:pPr>
+            <a:endParaRPr lang="pt-PT" dirty="0">
+              <a:solidFill>
+                <a:schemeClr val="tx1"/>
+              </a:solidFill>
+            </a:endParaRPr>
+          </a:p>
+          <a:p>
+            <a:pPr lvl="1">
+              <a:buClr>
+                <a:srgbClr val="8C2D19"/>
+              </a:buClr>
+              <a:buFont typeface="Arial" panose="020B0604020202020204" pitchFamily="34" charset="0"/>
+              <a:buChar char="•"/>
+            </a:pPr>
+            <a:r>
+              <a:rPr lang="pt-PT" dirty="0">
+                <a:solidFill>
+                  <a:schemeClr val="tx1"/>
+                </a:solidFill>
+              </a:rPr>
+              <a:t>Testes com auxilio à </a:t>
+            </a:r>
+            <a:r>
+              <a:rPr lang="pt-PT" dirty="0" err="1">
+                <a:solidFill>
+                  <a:schemeClr val="tx1"/>
+                </a:solidFill>
+              </a:rPr>
+              <a:t>library</a:t>
+            </a:r>
+            <a:r>
+              <a:rPr lang="pt-PT" dirty="0">
+                <a:solidFill>
+                  <a:schemeClr val="tx1"/>
+                </a:solidFill>
+              </a:rPr>
+              <a:t> Google </a:t>
+            </a:r>
+            <a:r>
+              <a:rPr lang="pt-PT" dirty="0" err="1">
+                <a:solidFill>
+                  <a:schemeClr val="tx1"/>
+                </a:solidFill>
+              </a:rPr>
+              <a:t>Tests</a:t>
+            </a:r>
+            <a:r>
+              <a:rPr lang="pt-PT" dirty="0">
+                <a:solidFill>
+                  <a:schemeClr val="tx1"/>
+                </a:solidFill>
+              </a:rPr>
+              <a:t> para assegurar a qualidade e a robustez do código.</a:t>
+            </a:r>
+          </a:p>
+          <a:p>
+            <a:pPr marL="0" indent="0">
+              <a:buNone/>
+            </a:pPr>
+            <a:endParaRPr lang="pt-PT" dirty="0"/>
+          </a:p>
+          <a:p>
+            <a:pPr marL="0" indent="0">
+              <a:buNone/>
+            </a:pPr>
+            <a:r>
+              <a:rPr lang="pt-PT" dirty="0"/>
+              <a:t> </a:t>
+            </a:r>
+            <a:endParaRPr lang="en-GB" dirty="0"/>
+          </a:p>
+        </p:txBody>
+      </p:sp>
       <p:cxnSp>
         <p:nvCxnSpPr>
           <p:cNvPr id="5" name="Conexão reta 4">
             <a:extLst>
               <a:ext uri="{FF2B5EF4-FFF2-40B4-BE49-F238E27FC236}">
-                <a16:creationId xmlns:a16="http://schemas.microsoft.com/office/drawing/2014/main" id="{16A9EEAE-A5F8-447C-BF75-DBD85C985356}"/>
+                <a16:creationId xmlns:a16="http://schemas.microsoft.com/office/drawing/2014/main" id="{D1B427FC-FECB-4AD9-947A-AE1CD8E8E0E9}"/>
               </a:ext>
             </a:extLst>
           </p:cNvPr>
@@ -7673,7 +8012,7 @@
           <p:cNvPr id="4" name="Marcador de Posição do Rodapé 3">
             <a:extLst>
               <a:ext uri="{FF2B5EF4-FFF2-40B4-BE49-F238E27FC236}">
-                <a16:creationId xmlns:a16="http://schemas.microsoft.com/office/drawing/2014/main" id="{24CC6F16-34DD-4EDA-ADE0-808E5F2B8EED}"/>
+                <a16:creationId xmlns:a16="http://schemas.microsoft.com/office/drawing/2014/main" id="{2E6D09DD-1E47-4A67-AB57-535BA57CB1EF}"/>
               </a:ext>
             </a:extLst>
           </p:cNvPr>
@@ -7701,7 +8040,7 @@
           <p:cNvPr id="6" name="Marcador de Posição do Número do Diapositivo 5">
             <a:extLst>
               <a:ext uri="{FF2B5EF4-FFF2-40B4-BE49-F238E27FC236}">
-                <a16:creationId xmlns:a16="http://schemas.microsoft.com/office/drawing/2014/main" id="{98D93093-7413-457A-B787-19C4B19AA2B9}"/>
+                <a16:creationId xmlns:a16="http://schemas.microsoft.com/office/drawing/2014/main" id="{A6038915-9563-428D-88A8-7720015CFAC0}"/>
               </a:ext>
             </a:extLst>
           </p:cNvPr>
@@ -7720,6 +8059,217 @@
             <a:fld id="{75DB3F52-068C-4339-9FA6-06F9AAEB3337}" type="slidenum">
               <a:rPr lang="en-GB" sz="2400"/>
               <a:t>16</a:t>
+            </a:fld>
+            <a:endParaRPr lang="en-GB" sz="2400" dirty="0"/>
+          </a:p>
+        </p:txBody>
+      </p:sp>
+      <p:pic>
+        <p:nvPicPr>
+          <p:cNvPr id="7" name="Imagem 6">
+            <a:extLst>
+              <a:ext uri="{FF2B5EF4-FFF2-40B4-BE49-F238E27FC236}">
+                <a16:creationId xmlns:a16="http://schemas.microsoft.com/office/drawing/2014/main" id="{95C51A54-AF96-43E2-9C50-EFB3428A2FB4}"/>
+              </a:ext>
+            </a:extLst>
+          </p:cNvPr>
+          <p:cNvPicPr>
+            <a:picLocks noChangeAspect="1"/>
+          </p:cNvPicPr>
+          <p:nvPr/>
+        </p:nvPicPr>
+        <p:blipFill rotWithShape="1">
+          <a:blip r:embed="rId2">
+            <a:extLst>
+              <a:ext uri="{28A0092B-C50C-407E-A947-70E740481C1C}">
+                <a14:useLocalDpi xmlns:a14="http://schemas.microsoft.com/office/drawing/2010/main" val="0"/>
+              </a:ext>
+            </a:extLst>
+          </a:blip>
+          <a:srcRect r="39904"/>
+          <a:stretch/>
+        </p:blipFill>
+        <p:spPr>
+          <a:xfrm>
+            <a:off x="1097280" y="6500189"/>
+            <a:ext cx="1406360" cy="312685"/>
+          </a:xfrm>
+          <a:prstGeom prst="rect">
+            <a:avLst/>
+          </a:prstGeom>
+        </p:spPr>
+      </p:pic>
+    </p:spTree>
+    <p:extLst>
+      <p:ext uri="{BB962C8B-B14F-4D97-AF65-F5344CB8AC3E}">
+        <p14:creationId xmlns:p14="http://schemas.microsoft.com/office/powerpoint/2010/main" val="1899299684"/>
+      </p:ext>
+    </p:extLst>
+  </p:cSld>
+  <p:clrMapOvr>
+    <a:masterClrMapping/>
+  </p:clrMapOvr>
+</p:sld>
+</file>
+
+<file path=ppt/slides/slide17.xml><?xml version="1.0" encoding="utf-8"?>
+<p:sld xmlns:a="http://schemas.openxmlformats.org/drawingml/2006/main" xmlns:r="http://schemas.openxmlformats.org/officeDocument/2006/relationships" xmlns:p="http://schemas.openxmlformats.org/presentationml/2006/main">
+  <p:cSld>
+    <p:spTree>
+      <p:nvGrpSpPr>
+        <p:cNvPr id="1" name=""/>
+        <p:cNvGrpSpPr/>
+        <p:nvPr/>
+      </p:nvGrpSpPr>
+      <p:grpSpPr>
+        <a:xfrm>
+          <a:off x="0" y="0"/>
+          <a:ext cx="0" cy="0"/>
+          <a:chOff x="0" y="0"/>
+          <a:chExt cx="0" cy="0"/>
+        </a:xfrm>
+      </p:grpSpPr>
+      <p:sp>
+        <p:nvSpPr>
+          <p:cNvPr id="2" name="Título 1">
+            <a:extLst>
+              <a:ext uri="{FF2B5EF4-FFF2-40B4-BE49-F238E27FC236}">
+                <a16:creationId xmlns:a16="http://schemas.microsoft.com/office/drawing/2014/main" id="{946B05BC-BE14-4CEB-A649-38C2D6E132C4}"/>
+              </a:ext>
+            </a:extLst>
+          </p:cNvPr>
+          <p:cNvSpPr>
+            <a:spLocks noGrp="1"/>
+          </p:cNvSpPr>
+          <p:nvPr>
+            <p:ph type="title"/>
+          </p:nvPr>
+        </p:nvSpPr>
+        <p:spPr/>
+        <p:txBody>
+          <a:bodyPr/>
+          <a:lstStyle/>
+          <a:p>
+            <a:pPr algn="ctr"/>
+            <a:r>
+              <a:rPr lang="pt-PT" sz="6600" dirty="0">
+                <a:solidFill>
+                  <a:schemeClr val="tx1">
+                    <a:lumMod val="85000"/>
+                    <a:lumOff val="15000"/>
+                  </a:schemeClr>
+                </a:solidFill>
+                <a:latin typeface="Bahnschrift SemiLight" panose="020B0502040204020203" pitchFamily="34" charset="0"/>
+              </a:rPr>
+              <a:t>Dificuldades</a:t>
+            </a:r>
+            <a:endParaRPr lang="en-GB" sz="6600" dirty="0">
+              <a:solidFill>
+                <a:schemeClr val="tx1">
+                  <a:lumMod val="85000"/>
+                  <a:lumOff val="15000"/>
+                </a:schemeClr>
+              </a:solidFill>
+              <a:latin typeface="Bahnschrift SemiLight" panose="020B0502040204020203" pitchFamily="34" charset="0"/>
+            </a:endParaRPr>
+          </a:p>
+        </p:txBody>
+      </p:sp>
+      <p:cxnSp>
+        <p:nvCxnSpPr>
+          <p:cNvPr id="5" name="Conexão reta 4">
+            <a:extLst>
+              <a:ext uri="{FF2B5EF4-FFF2-40B4-BE49-F238E27FC236}">
+                <a16:creationId xmlns:a16="http://schemas.microsoft.com/office/drawing/2014/main" id="{16A9EEAE-A5F8-447C-BF75-DBD85C985356}"/>
+              </a:ext>
+            </a:extLst>
+          </p:cNvPr>
+          <p:cNvCxnSpPr>
+            <a:cxnSpLocks/>
+          </p:cNvCxnSpPr>
+          <p:nvPr/>
+        </p:nvCxnSpPr>
+        <p:spPr>
+          <a:xfrm flipH="1">
+            <a:off x="1097280" y="1737360"/>
+            <a:ext cx="10239504" cy="0"/>
+          </a:xfrm>
+          <a:prstGeom prst="line">
+            <a:avLst/>
+          </a:prstGeom>
+          <a:ln>
+            <a:solidFill>
+              <a:srgbClr val="8C2D19"/>
+            </a:solidFill>
+          </a:ln>
+        </p:spPr>
+        <p:style>
+          <a:lnRef idx="1">
+            <a:schemeClr val="accent1"/>
+          </a:lnRef>
+          <a:fillRef idx="0">
+            <a:schemeClr val="accent1"/>
+          </a:fillRef>
+          <a:effectRef idx="0">
+            <a:schemeClr val="accent1"/>
+          </a:effectRef>
+          <a:fontRef idx="minor">
+            <a:schemeClr val="tx1"/>
+          </a:fontRef>
+        </p:style>
+      </p:cxnSp>
+      <p:sp>
+        <p:nvSpPr>
+          <p:cNvPr id="4" name="Marcador de Posição do Rodapé 3">
+            <a:extLst>
+              <a:ext uri="{FF2B5EF4-FFF2-40B4-BE49-F238E27FC236}">
+                <a16:creationId xmlns:a16="http://schemas.microsoft.com/office/drawing/2014/main" id="{24CC6F16-34DD-4EDA-ADE0-808E5F2B8EED}"/>
+              </a:ext>
+            </a:extLst>
+          </p:cNvPr>
+          <p:cNvSpPr>
+            <a:spLocks noGrp="1"/>
+          </p:cNvSpPr>
+          <p:nvPr>
+            <p:ph type="ftr" sz="quarter" idx="11"/>
+          </p:nvPr>
+        </p:nvSpPr>
+        <p:spPr/>
+        <p:txBody>
+          <a:bodyPr/>
+          <a:lstStyle/>
+          <a:p>
+            <a:r>
+              <a:rPr lang="en-GB" sz="2400" b="1" dirty="0"/>
+              <a:t>2MIEIC04_G1</a:t>
+            </a:r>
+          </a:p>
+        </p:txBody>
+      </p:sp>
+      <p:sp>
+        <p:nvSpPr>
+          <p:cNvPr id="6" name="Marcador de Posição do Número do Diapositivo 5">
+            <a:extLst>
+              <a:ext uri="{FF2B5EF4-FFF2-40B4-BE49-F238E27FC236}">
+                <a16:creationId xmlns:a16="http://schemas.microsoft.com/office/drawing/2014/main" id="{98D93093-7413-457A-B787-19C4B19AA2B9}"/>
+              </a:ext>
+            </a:extLst>
+          </p:cNvPr>
+          <p:cNvSpPr>
+            <a:spLocks noGrp="1"/>
+          </p:cNvSpPr>
+          <p:nvPr>
+            <p:ph type="sldNum" sz="quarter" idx="12"/>
+          </p:nvPr>
+        </p:nvSpPr>
+        <p:spPr/>
+        <p:txBody>
+          <a:bodyPr/>
+          <a:lstStyle/>
+          <a:p>
+            <a:fld id="{75DB3F52-068C-4339-9FA6-06F9AAEB3337}" type="slidenum">
+              <a:rPr lang="en-GB" sz="2400"/>
+              <a:t>17</a:t>
             </a:fld>
             <a:endParaRPr lang="en-GB" sz="2400" dirty="0"/>
           </a:p>
@@ -9457,27 +10007,11 @@
             </a:r>
             <a:r>
               <a:rPr lang="pt-PT" sz="2000" dirty="0"/>
-              <a:t>: Foram </a:t>
-            </a:r>
-            <a:r>
-              <a:rPr lang="pt-PT" sz="2000" dirty="0" err="1"/>
-              <a:t>defenidos</a:t>
-            </a:r>
-            <a:r>
-              <a:rPr lang="pt-PT" sz="2000" dirty="0"/>
-              <a:t> os operadores e a l</a:t>
+              <a:t>: Foram definidos os operadores e a l</a:t>
             </a:r>
             <a:r>
               <a:rPr lang="pt-PT" dirty="0"/>
-              <a:t>istagem é feita através de  </a:t>
-            </a:r>
-            <a:r>
-              <a:rPr lang="pt-PT" dirty="0" err="1"/>
-              <a:t>iteradores</a:t>
-            </a:r>
-            <a:r>
-              <a:rPr lang="pt-PT" dirty="0"/>
-              <a:t> para manter ordenação </a:t>
+              <a:t>istagem é feita através de  iteradores para manter ordenação </a:t>
             </a:r>
             <a:endParaRPr lang="en-GB" dirty="0"/>
           </a:p>
@@ -14447,7 +14981,7 @@
         <p:spPr>
           <a:xfrm flipV="1">
             <a:off x="5787446" y="3032818"/>
-            <a:ext cx="0" cy="686165"/>
+            <a:ext cx="128202" cy="686165"/>
           </a:xfrm>
           <a:prstGeom prst="straightConnector1">
             <a:avLst/>
@@ -14489,7 +15023,7 @@
         <p:spPr>
           <a:xfrm>
             <a:off x="5235187" y="2324932"/>
-            <a:ext cx="1104517" cy="707886"/>
+            <a:ext cx="1360922" cy="707886"/>
           </a:xfrm>
           <a:prstGeom prst="rect">
             <a:avLst/>
@@ -14505,7 +15039,7 @@
             <a:pPr algn="ctr"/>
             <a:r>
               <a:rPr lang="pt-PT" sz="2000" dirty="0" err="1"/>
-              <a:t>Amount</a:t>
+              <a:t>Ammount</a:t>
             </a:r>
             <a:r>
               <a:rPr lang="pt-PT" sz="2000" dirty="0"/>
@@ -14829,12 +15363,104 @@
           <a:chExt cx="0" cy="0"/>
         </a:xfrm>
       </p:grpSpPr>
-      <p:sp>
-        <p:nvSpPr>
-          <p:cNvPr id="2" name="Título 1">
-            <a:extLst>
-              <a:ext uri="{FF2B5EF4-FFF2-40B4-BE49-F238E27FC236}">
-                <a16:creationId xmlns:a16="http://schemas.microsoft.com/office/drawing/2014/main" id="{E5F50155-6736-4DD4-81CA-AAC2F3DC7F40}"/>
+      <p:pic>
+        <p:nvPicPr>
+          <p:cNvPr id="3" name="Imagem 2">
+            <a:extLst>
+              <a:ext uri="{FF2B5EF4-FFF2-40B4-BE49-F238E27FC236}">
+                <a16:creationId xmlns:a16="http://schemas.microsoft.com/office/drawing/2014/main" id="{DD83F974-8F8D-4C83-94F4-34037815363D}"/>
+              </a:ext>
+            </a:extLst>
+          </p:cNvPr>
+          <p:cNvPicPr>
+            <a:picLocks noChangeAspect="1"/>
+          </p:cNvPicPr>
+          <p:nvPr/>
+        </p:nvPicPr>
+        <p:blipFill>
+          <a:blip r:embed="rId2">
+            <a:extLst>
+              <a:ext uri="{28A0092B-C50C-407E-A947-70E740481C1C}">
+                <a14:useLocalDpi xmlns:a14="http://schemas.microsoft.com/office/drawing/2010/main" val="0"/>
+              </a:ext>
+            </a:extLst>
+          </a:blip>
+          <a:srcRect/>
+          <a:stretch/>
+        </p:blipFill>
+        <p:spPr>
+          <a:xfrm>
+            <a:off x="4722388" y="4099740"/>
+            <a:ext cx="2339543" cy="624356"/>
+          </a:xfrm>
+          <a:prstGeom prst="rect">
+            <a:avLst/>
+          </a:prstGeom>
+        </p:spPr>
+      </p:pic>
+      <p:sp>
+        <p:nvSpPr>
+          <p:cNvPr id="4" name="Marcador de Posição do Rodapé 3">
+            <a:extLst>
+              <a:ext uri="{FF2B5EF4-FFF2-40B4-BE49-F238E27FC236}">
+                <a16:creationId xmlns:a16="http://schemas.microsoft.com/office/drawing/2014/main" id="{CD041F31-1926-4481-9649-5381C4152000}"/>
+              </a:ext>
+            </a:extLst>
+          </p:cNvPr>
+          <p:cNvSpPr>
+            <a:spLocks noGrp="1"/>
+          </p:cNvSpPr>
+          <p:nvPr>
+            <p:ph type="ftr" sz="quarter" idx="11"/>
+          </p:nvPr>
+        </p:nvSpPr>
+        <p:spPr/>
+        <p:txBody>
+          <a:bodyPr/>
+          <a:lstStyle/>
+          <a:p>
+            <a:r>
+              <a:rPr lang="en-GB" sz="2400" b="1" dirty="0"/>
+              <a:t>2MIEIC04_G1</a:t>
+            </a:r>
+          </a:p>
+        </p:txBody>
+      </p:sp>
+      <p:sp>
+        <p:nvSpPr>
+          <p:cNvPr id="5" name="Marcador de Posição do Número do Diapositivo 4">
+            <a:extLst>
+              <a:ext uri="{FF2B5EF4-FFF2-40B4-BE49-F238E27FC236}">
+                <a16:creationId xmlns:a16="http://schemas.microsoft.com/office/drawing/2014/main" id="{8B9BD288-16AA-4430-99EE-EC8CA98C718B}"/>
+              </a:ext>
+            </a:extLst>
+          </p:cNvPr>
+          <p:cNvSpPr>
+            <a:spLocks noGrp="1"/>
+          </p:cNvSpPr>
+          <p:nvPr>
+            <p:ph type="sldNum" sz="quarter" idx="12"/>
+          </p:nvPr>
+        </p:nvSpPr>
+        <p:spPr/>
+        <p:txBody>
+          <a:bodyPr/>
+          <a:lstStyle/>
+          <a:p>
+            <a:fld id="{75DB3F52-068C-4339-9FA6-06F9AAEB3337}" type="slidenum">
+              <a:rPr lang="en-GB" sz="2400" smtClean="0"/>
+              <a:t>8</a:t>
+            </a:fld>
+            <a:endParaRPr lang="en-GB" sz="2400" dirty="0"/>
+          </a:p>
+        </p:txBody>
+      </p:sp>
+      <p:sp>
+        <p:nvSpPr>
+          <p:cNvPr id="7" name="Título 1">
+            <a:extLst>
+              <a:ext uri="{FF2B5EF4-FFF2-40B4-BE49-F238E27FC236}">
+                <a16:creationId xmlns:a16="http://schemas.microsoft.com/office/drawing/2014/main" id="{5F639702-E15B-442E-B6E8-202B80E9D05D}"/>
               </a:ext>
             </a:extLst>
           </p:cNvPr>
@@ -14845,14 +15471,19 @@
             <p:ph type="title"/>
           </p:nvPr>
         </p:nvSpPr>
-        <p:spPr/>
+        <p:spPr>
+          <a:xfrm>
+            <a:off x="1097280" y="286603"/>
+            <a:ext cx="10058400" cy="1450757"/>
+          </a:xfrm>
+        </p:spPr>
         <p:txBody>
           <a:bodyPr/>
           <a:lstStyle/>
           <a:p>
             <a:pPr algn="ctr"/>
             <a:r>
-              <a:rPr lang="pt-PT" sz="6600" dirty="0" err="1">
+              <a:rPr lang="pt-PT" sz="6600" dirty="0">
                 <a:solidFill>
                   <a:schemeClr val="tx1">
                     <a:lumMod val="85000"/>
@@ -14861,7 +15492,19 @@
                 </a:solidFill>
                 <a:latin typeface="Bahnschrift SemiLight" panose="020B0502040204020203" pitchFamily="34" charset="0"/>
               </a:rPr>
-              <a:t>Excepções</a:t>
+              <a:t>Ficheiros - </a:t>
+            </a:r>
+            <a:r>
+              <a:rPr lang="pt-PT" sz="6600" dirty="0" err="1">
+                <a:solidFill>
+                  <a:schemeClr val="tx1">
+                    <a:lumMod val="85000"/>
+                    <a:lumOff val="15000"/>
+                  </a:schemeClr>
+                </a:solidFill>
+                <a:latin typeface="Bahnschrift SemiLight" panose="020B0502040204020203" pitchFamily="34" charset="0"/>
+              </a:rPr>
+              <a:t>Orders</a:t>
             </a:r>
             <a:endParaRPr lang="en-GB" sz="6600" dirty="0">
               <a:solidFill>
@@ -14877,10 +15520,10 @@
       </p:sp>
       <p:cxnSp>
         <p:nvCxnSpPr>
-          <p:cNvPr id="5" name="Conexão reta 4">
-            <a:extLst>
-              <a:ext uri="{FF2B5EF4-FFF2-40B4-BE49-F238E27FC236}">
-                <a16:creationId xmlns:a16="http://schemas.microsoft.com/office/drawing/2014/main" id="{B58EAD8D-3885-47BC-929A-D0E531F5DFA6}"/>
+          <p:cNvPr id="29" name="Conexão reta 28">
+            <a:extLst>
+              <a:ext uri="{FF2B5EF4-FFF2-40B4-BE49-F238E27FC236}">
+                <a16:creationId xmlns:a16="http://schemas.microsoft.com/office/drawing/2014/main" id="{B89E7E41-9D92-43B4-AFD2-992CDB723359}"/>
               </a:ext>
             </a:extLst>
           </p:cNvPr>
@@ -14918,12 +15561,57 @@
           </a:fontRef>
         </p:style>
       </p:cxnSp>
-      <p:sp>
-        <p:nvSpPr>
-          <p:cNvPr id="9" name="CaixaDeTexto 8">
-            <a:extLst>
-              <a:ext uri="{FF2B5EF4-FFF2-40B4-BE49-F238E27FC236}">
-                <a16:creationId xmlns:a16="http://schemas.microsoft.com/office/drawing/2014/main" id="{09A43886-A11B-4642-8430-534BA39D9336}"/>
+      <p:cxnSp>
+        <p:nvCxnSpPr>
+          <p:cNvPr id="17" name="Conexão reta unidirecional 16">
+            <a:extLst>
+              <a:ext uri="{FF2B5EF4-FFF2-40B4-BE49-F238E27FC236}">
+                <a16:creationId xmlns:a16="http://schemas.microsoft.com/office/drawing/2014/main" id="{A591EA11-DC21-435D-9FB0-2D4DFAB26801}"/>
+              </a:ext>
+            </a:extLst>
+          </p:cNvPr>
+          <p:cNvCxnSpPr>
+            <a:cxnSpLocks/>
+            <a:endCxn id="18" idx="2"/>
+          </p:cNvCxnSpPr>
+          <p:nvPr/>
+        </p:nvCxnSpPr>
+        <p:spPr>
+          <a:xfrm flipH="1" flipV="1">
+            <a:off x="3666554" y="3104990"/>
+            <a:ext cx="1055834" cy="955800"/>
+          </a:xfrm>
+          <a:prstGeom prst="straightConnector1">
+            <a:avLst/>
+          </a:prstGeom>
+          <a:ln>
+            <a:solidFill>
+              <a:srgbClr val="8C2D19"/>
+            </a:solidFill>
+            <a:tailEnd type="triangle"/>
+          </a:ln>
+        </p:spPr>
+        <p:style>
+          <a:lnRef idx="3">
+            <a:schemeClr val="dk1"/>
+          </a:lnRef>
+          <a:fillRef idx="0">
+            <a:schemeClr val="dk1"/>
+          </a:fillRef>
+          <a:effectRef idx="2">
+            <a:schemeClr val="dk1"/>
+          </a:effectRef>
+          <a:fontRef idx="minor">
+            <a:schemeClr val="tx1"/>
+          </a:fontRef>
+        </p:style>
+      </p:cxnSp>
+      <p:sp>
+        <p:nvSpPr>
+          <p:cNvPr id="18" name="CaixaDeTexto 17">
+            <a:extLst>
+              <a:ext uri="{FF2B5EF4-FFF2-40B4-BE49-F238E27FC236}">
+                <a16:creationId xmlns:a16="http://schemas.microsoft.com/office/drawing/2014/main" id="{8972E605-3342-422C-9D2E-3BB60D6F8C14}"/>
               </a:ext>
             </a:extLst>
           </p:cNvPr>
@@ -14932,8 +15620,8 @@
         </p:nvSpPr>
         <p:spPr>
           <a:xfrm>
-            <a:off x="6752083" y="2126282"/>
-            <a:ext cx="911121" cy="461665"/>
+            <a:off x="2503641" y="2397104"/>
+            <a:ext cx="2325826" cy="707886"/>
           </a:xfrm>
           <a:prstGeom prst="rect">
             <a:avLst/>
@@ -14946,28 +15634,66 @@
           </a:bodyPr>
           <a:lstStyle/>
           <a:p>
-            <a:r>
-              <a:rPr lang="pt-PT" sz="2400" dirty="0" err="1">
-                <a:solidFill>
-                  <a:srgbClr val="FF0000"/>
-                </a:solidFill>
-              </a:rPr>
-              <a:t>Users</a:t>
-            </a:r>
-            <a:endParaRPr lang="en-GB" sz="2400" dirty="0">
-              <a:solidFill>
-                <a:srgbClr val="FF0000"/>
-              </a:solidFill>
-            </a:endParaRPr>
-          </a:p>
-        </p:txBody>
-      </p:sp>
-      <p:sp>
-        <p:nvSpPr>
-          <p:cNvPr id="11" name="CaixaDeTexto 10">
-            <a:extLst>
-              <a:ext uri="{FF2B5EF4-FFF2-40B4-BE49-F238E27FC236}">
-                <a16:creationId xmlns:a16="http://schemas.microsoft.com/office/drawing/2014/main" id="{8F037062-52B7-45AA-88D9-AE35C37EE999}"/>
+            <a:pPr algn="ctr"/>
+            <a:r>
+              <a:rPr lang="pt-PT" sz="2000" dirty="0"/>
+              <a:t>Máximo de ordens por streamer</a:t>
+            </a:r>
+            <a:endParaRPr lang="en-GB" sz="2000" dirty="0"/>
+          </a:p>
+        </p:txBody>
+      </p:sp>
+      <p:cxnSp>
+        <p:nvCxnSpPr>
+          <p:cNvPr id="23" name="Conexão reta unidirecional 22">
+            <a:extLst>
+              <a:ext uri="{FF2B5EF4-FFF2-40B4-BE49-F238E27FC236}">
+                <a16:creationId xmlns:a16="http://schemas.microsoft.com/office/drawing/2014/main" id="{3DC22C5C-7665-4461-91B1-E9AB07F69010}"/>
+              </a:ext>
+            </a:extLst>
+          </p:cNvPr>
+          <p:cNvCxnSpPr>
+            <a:cxnSpLocks/>
+            <a:endCxn id="24" idx="2"/>
+          </p:cNvCxnSpPr>
+          <p:nvPr/>
+        </p:nvCxnSpPr>
+        <p:spPr>
+          <a:xfrm flipH="1" flipV="1">
+            <a:off x="5655600" y="3032818"/>
+            <a:ext cx="131846" cy="1201836"/>
+          </a:xfrm>
+          <a:prstGeom prst="straightConnector1">
+            <a:avLst/>
+          </a:prstGeom>
+          <a:ln>
+            <a:solidFill>
+              <a:srgbClr val="8C2D19"/>
+            </a:solidFill>
+            <a:tailEnd type="triangle"/>
+          </a:ln>
+        </p:spPr>
+        <p:style>
+          <a:lnRef idx="3">
+            <a:schemeClr val="dk1"/>
+          </a:lnRef>
+          <a:fillRef idx="0">
+            <a:schemeClr val="dk1"/>
+          </a:fillRef>
+          <a:effectRef idx="2">
+            <a:schemeClr val="dk1"/>
+          </a:effectRef>
+          <a:fontRef idx="minor">
+            <a:schemeClr val="tx1"/>
+          </a:fontRef>
+        </p:style>
+      </p:cxnSp>
+      <p:sp>
+        <p:nvSpPr>
+          <p:cNvPr id="24" name="CaixaDeTexto 23">
+            <a:extLst>
+              <a:ext uri="{FF2B5EF4-FFF2-40B4-BE49-F238E27FC236}">
+                <a16:creationId xmlns:a16="http://schemas.microsoft.com/office/drawing/2014/main" id="{0145D52C-E4D4-4B4E-8256-9ADC9CE4947C}"/>
               </a:ext>
             </a:extLst>
           </p:cNvPr>
@@ -14976,8 +15702,8 @@
         </p:nvSpPr>
         <p:spPr>
           <a:xfrm>
-            <a:off x="9863528" y="2132416"/>
-            <a:ext cx="1222316" cy="461665"/>
+            <a:off x="4971495" y="2324932"/>
+            <a:ext cx="1368209" cy="707886"/>
           </a:xfrm>
           <a:prstGeom prst="rect">
             <a:avLst/>
@@ -14990,28 +15716,70 @@
           </a:bodyPr>
           <a:lstStyle/>
           <a:p>
-            <a:r>
-              <a:rPr lang="pt-PT" sz="2400" dirty="0" err="1">
-                <a:solidFill>
-                  <a:srgbClr val="FF0000"/>
-                </a:solidFill>
-              </a:rPr>
-              <a:t>Streams</a:t>
-            </a:r>
-            <a:endParaRPr lang="en-GB" sz="2400" dirty="0">
-              <a:solidFill>
-                <a:srgbClr val="FF0000"/>
-              </a:solidFill>
-            </a:endParaRPr>
-          </a:p>
-        </p:txBody>
-      </p:sp>
-      <p:sp>
-        <p:nvSpPr>
-          <p:cNvPr id="15" name="CaixaDeTexto 14">
-            <a:extLst>
-              <a:ext uri="{FF2B5EF4-FFF2-40B4-BE49-F238E27FC236}">
-                <a16:creationId xmlns:a16="http://schemas.microsoft.com/office/drawing/2014/main" id="{55E6260D-0BC2-455E-86DA-B59F03493E91}"/>
+            <a:pPr algn="ctr"/>
+            <a:r>
+              <a:rPr lang="pt-PT" sz="2000" dirty="0"/>
+              <a:t>Nome do </a:t>
+            </a:r>
+            <a:r>
+              <a:rPr lang="en-GB" sz="2000" dirty="0"/>
+              <a:t>viewer</a:t>
+            </a:r>
+            <a:endParaRPr lang="pt-PT" sz="2000" dirty="0"/>
+          </a:p>
+        </p:txBody>
+      </p:sp>
+      <p:cxnSp>
+        <p:nvCxnSpPr>
+          <p:cNvPr id="27" name="Conexão reta unidirecional 26">
+            <a:extLst>
+              <a:ext uri="{FF2B5EF4-FFF2-40B4-BE49-F238E27FC236}">
+                <a16:creationId xmlns:a16="http://schemas.microsoft.com/office/drawing/2014/main" id="{9588C264-BC63-4960-BC57-E4A755C943D7}"/>
+              </a:ext>
+            </a:extLst>
+          </p:cNvPr>
+          <p:cNvCxnSpPr>
+            <a:cxnSpLocks/>
+            <a:endCxn id="28" idx="2"/>
+          </p:cNvCxnSpPr>
+          <p:nvPr/>
+        </p:nvCxnSpPr>
+        <p:spPr>
+          <a:xfrm flipV="1">
+            <a:off x="6339704" y="3142443"/>
+            <a:ext cx="1302953" cy="1032452"/>
+          </a:xfrm>
+          <a:prstGeom prst="straightConnector1">
+            <a:avLst/>
+          </a:prstGeom>
+          <a:ln>
+            <a:solidFill>
+              <a:srgbClr val="8C2D19"/>
+            </a:solidFill>
+            <a:tailEnd type="triangle"/>
+          </a:ln>
+        </p:spPr>
+        <p:style>
+          <a:lnRef idx="3">
+            <a:schemeClr val="dk1"/>
+          </a:lnRef>
+          <a:fillRef idx="0">
+            <a:schemeClr val="dk1"/>
+          </a:fillRef>
+          <a:effectRef idx="2">
+            <a:schemeClr val="dk1"/>
+          </a:effectRef>
+          <a:fontRef idx="minor">
+            <a:schemeClr val="tx1"/>
+          </a:fontRef>
+        </p:style>
+      </p:cxnSp>
+      <p:sp>
+        <p:nvSpPr>
+          <p:cNvPr id="28" name="CaixaDeTexto 27">
+            <a:extLst>
+              <a:ext uri="{FF2B5EF4-FFF2-40B4-BE49-F238E27FC236}">
+                <a16:creationId xmlns:a16="http://schemas.microsoft.com/office/drawing/2014/main" id="{E7B6A703-1309-402E-AA62-C4EED545794C}"/>
               </a:ext>
             </a:extLst>
           </p:cNvPr>
@@ -15020,8 +15788,8 @@
         </p:nvSpPr>
         <p:spPr>
           <a:xfrm>
-            <a:off x="1427674" y="2132416"/>
-            <a:ext cx="1030808" cy="461665"/>
+            <a:off x="6776325" y="2434557"/>
+            <a:ext cx="1732664" cy="707886"/>
           </a:xfrm>
           <a:prstGeom prst="rect">
             <a:avLst/>
@@ -15034,745 +15802,29 @@
           </a:bodyPr>
           <a:lstStyle/>
           <a:p>
-            <a:r>
-              <a:rPr lang="pt-PT" sz="2400" dirty="0">
-                <a:solidFill>
-                  <a:srgbClr val="FF0000"/>
-                </a:solidFill>
-              </a:rPr>
-              <a:t>Global</a:t>
-            </a:r>
-            <a:endParaRPr lang="en-GB" sz="2400" dirty="0">
-              <a:solidFill>
-                <a:srgbClr val="FF0000"/>
-              </a:solidFill>
-            </a:endParaRPr>
-          </a:p>
-        </p:txBody>
-      </p:sp>
-      <p:sp>
-        <p:nvSpPr>
-          <p:cNvPr id="23" name="CaixaDeTexto 22">
-            <a:extLst>
-              <a:ext uri="{FF2B5EF4-FFF2-40B4-BE49-F238E27FC236}">
-                <a16:creationId xmlns:a16="http://schemas.microsoft.com/office/drawing/2014/main" id="{2977D07C-75D5-45C7-BAD9-147122E87D1D}"/>
-              </a:ext>
-            </a:extLst>
-          </p:cNvPr>
-          <p:cNvSpPr txBox="1"/>
-          <p:nvPr/>
-        </p:nvSpPr>
-        <p:spPr>
-          <a:xfrm>
-            <a:off x="4446821" y="2160849"/>
-            <a:ext cx="784786" cy="461665"/>
-          </a:xfrm>
-          <a:prstGeom prst="rect">
-            <a:avLst/>
-          </a:prstGeom>
-          <a:noFill/>
-        </p:spPr>
-        <p:txBody>
-          <a:bodyPr wrap="square" rtlCol="0">
-            <a:spAutoFit/>
-          </a:bodyPr>
-          <a:lstStyle/>
-          <a:p>
-            <a:r>
-              <a:rPr lang="pt-PT" sz="2400" dirty="0">
-                <a:solidFill>
-                  <a:srgbClr val="FF0000"/>
-                </a:solidFill>
-              </a:rPr>
-              <a:t>Date</a:t>
-            </a:r>
-            <a:endParaRPr lang="en-GB" sz="2400" dirty="0">
-              <a:solidFill>
-                <a:srgbClr val="FF0000"/>
-              </a:solidFill>
-            </a:endParaRPr>
-          </a:p>
-        </p:txBody>
-      </p:sp>
-      <p:sp>
-        <p:nvSpPr>
-          <p:cNvPr id="25" name="CaixaDeTexto 24">
-            <a:extLst>
-              <a:ext uri="{FF2B5EF4-FFF2-40B4-BE49-F238E27FC236}">
-                <a16:creationId xmlns:a16="http://schemas.microsoft.com/office/drawing/2014/main" id="{1A06179C-D5BD-4E82-A664-8CB57351DC9A}"/>
-              </a:ext>
-            </a:extLst>
-          </p:cNvPr>
-          <p:cNvSpPr txBox="1"/>
-          <p:nvPr/>
-        </p:nvSpPr>
-        <p:spPr>
-          <a:xfrm>
-            <a:off x="4004216" y="2597779"/>
-            <a:ext cx="1672553" cy="369332"/>
-          </a:xfrm>
-          <a:prstGeom prst="rect">
-            <a:avLst/>
-          </a:prstGeom>
-          <a:noFill/>
-        </p:spPr>
-        <p:txBody>
-          <a:bodyPr wrap="square" rtlCol="0">
-            <a:spAutoFit/>
-          </a:bodyPr>
-          <a:lstStyle/>
-          <a:p>
-            <a:r>
-              <a:rPr lang="pt-PT" dirty="0" err="1">
-                <a:solidFill>
-                  <a:srgbClr val="FF0000"/>
-                </a:solidFill>
-              </a:rPr>
-              <a:t>BadDateFormat</a:t>
-            </a:r>
-            <a:endParaRPr lang="en-GB" dirty="0">
-              <a:solidFill>
-                <a:srgbClr val="FF0000"/>
-              </a:solidFill>
-            </a:endParaRPr>
-          </a:p>
-        </p:txBody>
-      </p:sp>
-      <p:sp>
-        <p:nvSpPr>
-          <p:cNvPr id="29" name="CaixaDeTexto 28">
-            <a:extLst>
-              <a:ext uri="{FF2B5EF4-FFF2-40B4-BE49-F238E27FC236}">
-                <a16:creationId xmlns:a16="http://schemas.microsoft.com/office/drawing/2014/main" id="{CE94DF33-642F-4396-A189-A5BCCA43225A}"/>
-              </a:ext>
-            </a:extLst>
-          </p:cNvPr>
-          <p:cNvSpPr txBox="1"/>
-          <p:nvPr/>
-        </p:nvSpPr>
-        <p:spPr>
-          <a:xfrm>
-            <a:off x="4004215" y="2967111"/>
-            <a:ext cx="1672553" cy="369332"/>
-          </a:xfrm>
-          <a:prstGeom prst="rect">
-            <a:avLst/>
-          </a:prstGeom>
-          <a:noFill/>
-        </p:spPr>
-        <p:txBody>
-          <a:bodyPr wrap="square" rtlCol="0">
-            <a:spAutoFit/>
-          </a:bodyPr>
-          <a:lstStyle/>
-          <a:p>
-            <a:r>
-              <a:rPr lang="pt-PT" dirty="0" err="1">
-                <a:solidFill>
-                  <a:srgbClr val="FF0000"/>
-                </a:solidFill>
-              </a:rPr>
-              <a:t>InvalidDate</a:t>
-            </a:r>
-            <a:endParaRPr lang="en-GB" dirty="0">
-              <a:solidFill>
-                <a:srgbClr val="FF0000"/>
-              </a:solidFill>
-            </a:endParaRPr>
-          </a:p>
-        </p:txBody>
-      </p:sp>
-      <p:sp>
-        <p:nvSpPr>
-          <p:cNvPr id="35" name="CaixaDeTexto 34">
-            <a:extLst>
-              <a:ext uri="{FF2B5EF4-FFF2-40B4-BE49-F238E27FC236}">
-                <a16:creationId xmlns:a16="http://schemas.microsoft.com/office/drawing/2014/main" id="{18ADC5AE-01D1-4051-BAF4-D0B1F365545E}"/>
-              </a:ext>
-            </a:extLst>
-          </p:cNvPr>
-          <p:cNvSpPr txBox="1"/>
-          <p:nvPr/>
-        </p:nvSpPr>
-        <p:spPr>
-          <a:xfrm>
-            <a:off x="9152369" y="2594081"/>
-            <a:ext cx="2697897" cy="369332"/>
-          </a:xfrm>
-          <a:prstGeom prst="rect">
-            <a:avLst/>
-          </a:prstGeom>
-          <a:noFill/>
-        </p:spPr>
-        <p:txBody>
-          <a:bodyPr wrap="square" rtlCol="0">
-            <a:spAutoFit/>
-          </a:bodyPr>
-          <a:lstStyle/>
-          <a:p>
-            <a:r>
-              <a:rPr lang="pt-PT" dirty="0" err="1">
-                <a:solidFill>
-                  <a:srgbClr val="FF0000"/>
-                </a:solidFill>
-              </a:rPr>
-              <a:t>AlreadyInStreamException</a:t>
-            </a:r>
-            <a:endParaRPr lang="en-GB" dirty="0">
-              <a:solidFill>
-                <a:srgbClr val="FF0000"/>
-              </a:solidFill>
-            </a:endParaRPr>
-          </a:p>
-        </p:txBody>
-      </p:sp>
-      <p:sp>
-        <p:nvSpPr>
-          <p:cNvPr id="37" name="CaixaDeTexto 36">
-            <a:extLst>
-              <a:ext uri="{FF2B5EF4-FFF2-40B4-BE49-F238E27FC236}">
-                <a16:creationId xmlns:a16="http://schemas.microsoft.com/office/drawing/2014/main" id="{38D46D9C-1A99-4C5F-B018-ED01B9A90CA6}"/>
-              </a:ext>
-            </a:extLst>
-          </p:cNvPr>
-          <p:cNvSpPr txBox="1"/>
-          <p:nvPr/>
-        </p:nvSpPr>
-        <p:spPr>
-          <a:xfrm>
-            <a:off x="9152369" y="2963413"/>
-            <a:ext cx="2897454" cy="369332"/>
-          </a:xfrm>
-          <a:prstGeom prst="rect">
-            <a:avLst/>
-          </a:prstGeom>
-          <a:noFill/>
-        </p:spPr>
-        <p:txBody>
-          <a:bodyPr wrap="square" rtlCol="0">
-            <a:spAutoFit/>
-          </a:bodyPr>
-          <a:lstStyle/>
-          <a:p>
-            <a:r>
-              <a:rPr lang="pt-PT" dirty="0" err="1">
-                <a:solidFill>
-                  <a:srgbClr val="FF0000"/>
-                </a:solidFill>
-              </a:rPr>
-              <a:t>AlreadyInWhiteListException</a:t>
-            </a:r>
-            <a:endParaRPr lang="en-GB" dirty="0">
-              <a:solidFill>
-                <a:srgbClr val="FF0000"/>
-              </a:solidFill>
-            </a:endParaRPr>
-          </a:p>
-        </p:txBody>
-      </p:sp>
-      <p:sp>
-        <p:nvSpPr>
-          <p:cNvPr id="39" name="CaixaDeTexto 38">
-            <a:extLst>
-              <a:ext uri="{FF2B5EF4-FFF2-40B4-BE49-F238E27FC236}">
-                <a16:creationId xmlns:a16="http://schemas.microsoft.com/office/drawing/2014/main" id="{D320604A-E2F7-405E-95FC-3CA1B0B3AA32}"/>
-              </a:ext>
-            </a:extLst>
-          </p:cNvPr>
-          <p:cNvSpPr txBox="1"/>
-          <p:nvPr/>
-        </p:nvSpPr>
-        <p:spPr>
-          <a:xfrm>
-            <a:off x="9152368" y="3327692"/>
-            <a:ext cx="2119544" cy="369332"/>
-          </a:xfrm>
-          <a:prstGeom prst="rect">
-            <a:avLst/>
-          </a:prstGeom>
-          <a:noFill/>
-        </p:spPr>
-        <p:txBody>
-          <a:bodyPr wrap="square">
-            <a:spAutoFit/>
-          </a:bodyPr>
-          <a:lstStyle/>
-          <a:p>
-            <a:r>
-              <a:rPr lang="pt-PT" dirty="0" err="1">
-                <a:solidFill>
-                  <a:srgbClr val="FF0000"/>
-                </a:solidFill>
-              </a:rPr>
-              <a:t>MaxViewersReach</a:t>
-            </a:r>
-            <a:endParaRPr lang="en-GB" dirty="0">
-              <a:solidFill>
-                <a:srgbClr val="FF0000"/>
-              </a:solidFill>
-            </a:endParaRPr>
-          </a:p>
-        </p:txBody>
-      </p:sp>
-      <p:sp>
-        <p:nvSpPr>
-          <p:cNvPr id="41" name="CaixaDeTexto 40">
-            <a:extLst>
-              <a:ext uri="{FF2B5EF4-FFF2-40B4-BE49-F238E27FC236}">
-                <a16:creationId xmlns:a16="http://schemas.microsoft.com/office/drawing/2014/main" id="{79CF14DC-15EE-4046-9BF9-8CC1D9995237}"/>
-              </a:ext>
-            </a:extLst>
-          </p:cNvPr>
-          <p:cNvSpPr txBox="1"/>
-          <p:nvPr/>
-        </p:nvSpPr>
-        <p:spPr>
-          <a:xfrm>
-            <a:off x="9152369" y="3683787"/>
-            <a:ext cx="2330763" cy="369332"/>
-          </a:xfrm>
-          <a:prstGeom prst="rect">
-            <a:avLst/>
-          </a:prstGeom>
-          <a:noFill/>
-        </p:spPr>
-        <p:txBody>
-          <a:bodyPr wrap="square">
-            <a:spAutoFit/>
-          </a:bodyPr>
-          <a:lstStyle/>
-          <a:p>
-            <a:r>
-              <a:rPr lang="pt-PT" dirty="0" err="1">
-                <a:solidFill>
-                  <a:srgbClr val="FF0000"/>
-                </a:solidFill>
-              </a:rPr>
-              <a:t>NotInStreamException</a:t>
-            </a:r>
-            <a:endParaRPr lang="en-GB" dirty="0">
-              <a:solidFill>
-                <a:srgbClr val="FF0000"/>
-              </a:solidFill>
-            </a:endParaRPr>
-          </a:p>
-        </p:txBody>
-      </p:sp>
-      <p:sp>
-        <p:nvSpPr>
-          <p:cNvPr id="43" name="CaixaDeTexto 42">
-            <a:extLst>
-              <a:ext uri="{FF2B5EF4-FFF2-40B4-BE49-F238E27FC236}">
-                <a16:creationId xmlns:a16="http://schemas.microsoft.com/office/drawing/2014/main" id="{8073E767-8AFC-4371-AD35-306EE48AF6D1}"/>
-              </a:ext>
-            </a:extLst>
-          </p:cNvPr>
-          <p:cNvSpPr txBox="1"/>
-          <p:nvPr/>
-        </p:nvSpPr>
-        <p:spPr>
-          <a:xfrm>
-            <a:off x="9152369" y="3990215"/>
-            <a:ext cx="2558614" cy="369332"/>
-          </a:xfrm>
-          <a:prstGeom prst="rect">
-            <a:avLst/>
-          </a:prstGeom>
-          <a:noFill/>
-        </p:spPr>
-        <p:txBody>
-          <a:bodyPr wrap="square">
-            <a:spAutoFit/>
-          </a:bodyPr>
-          <a:lstStyle/>
-          <a:p>
-            <a:r>
-              <a:rPr lang="pt-PT" dirty="0" err="1">
-                <a:solidFill>
-                  <a:srgbClr val="FF0000"/>
-                </a:solidFill>
-              </a:rPr>
-              <a:t>NotInWhiteListException</a:t>
-            </a:r>
-            <a:endParaRPr lang="en-GB" dirty="0">
-              <a:solidFill>
-                <a:srgbClr val="FF0000"/>
-              </a:solidFill>
-            </a:endParaRPr>
-          </a:p>
-        </p:txBody>
-      </p:sp>
-      <p:sp>
-        <p:nvSpPr>
-          <p:cNvPr id="45" name="CaixaDeTexto 44">
-            <a:extLst>
-              <a:ext uri="{FF2B5EF4-FFF2-40B4-BE49-F238E27FC236}">
-                <a16:creationId xmlns:a16="http://schemas.microsoft.com/office/drawing/2014/main" id="{CB0C591E-4249-44D0-8F0E-51DDE4CD8605}"/>
-              </a:ext>
-            </a:extLst>
-          </p:cNvPr>
-          <p:cNvSpPr txBox="1"/>
-          <p:nvPr/>
-        </p:nvSpPr>
-        <p:spPr>
-          <a:xfrm>
-            <a:off x="9152369" y="4356178"/>
-            <a:ext cx="2767614" cy="369332"/>
-          </a:xfrm>
-          <a:prstGeom prst="rect">
-            <a:avLst/>
-          </a:prstGeom>
-          <a:noFill/>
-        </p:spPr>
-        <p:txBody>
-          <a:bodyPr wrap="square">
-            <a:spAutoFit/>
-          </a:bodyPr>
-          <a:lstStyle/>
-          <a:p>
-            <a:r>
-              <a:rPr lang="pt-PT" dirty="0" err="1">
-                <a:solidFill>
-                  <a:srgbClr val="FF0000"/>
-                </a:solidFill>
-              </a:rPr>
-              <a:t>NotPrivateStreamException</a:t>
-            </a:r>
-            <a:endParaRPr lang="en-GB" dirty="0">
-              <a:solidFill>
-                <a:srgbClr val="FF0000"/>
-              </a:solidFill>
-            </a:endParaRPr>
-          </a:p>
-        </p:txBody>
-      </p:sp>
-      <p:sp>
-        <p:nvSpPr>
-          <p:cNvPr id="47" name="CaixaDeTexto 46">
-            <a:extLst>
-              <a:ext uri="{FF2B5EF4-FFF2-40B4-BE49-F238E27FC236}">
-                <a16:creationId xmlns:a16="http://schemas.microsoft.com/office/drawing/2014/main" id="{5A637420-5B35-4C07-B522-DC6A021660F4}"/>
-              </a:ext>
-            </a:extLst>
-          </p:cNvPr>
-          <p:cNvSpPr txBox="1"/>
-          <p:nvPr/>
-        </p:nvSpPr>
-        <p:spPr>
-          <a:xfrm>
-            <a:off x="9152368" y="4707220"/>
-            <a:ext cx="2697897" cy="369332"/>
-          </a:xfrm>
-          <a:prstGeom prst="rect">
-            <a:avLst/>
-          </a:prstGeom>
-          <a:noFill/>
-        </p:spPr>
-        <p:txBody>
-          <a:bodyPr wrap="square">
-            <a:spAutoFit/>
-          </a:bodyPr>
-          <a:lstStyle/>
-          <a:p>
-            <a:r>
-              <a:rPr lang="pt-PT" dirty="0" err="1">
-                <a:solidFill>
-                  <a:srgbClr val="FF0000"/>
-                </a:solidFill>
-              </a:rPr>
-              <a:t>RestrictedStreamException</a:t>
-            </a:r>
-            <a:endParaRPr lang="en-GB" dirty="0">
-              <a:solidFill>
-                <a:srgbClr val="FF0000"/>
-              </a:solidFill>
-            </a:endParaRPr>
-          </a:p>
-        </p:txBody>
-      </p:sp>
-      <p:sp>
-        <p:nvSpPr>
-          <p:cNvPr id="49" name="CaixaDeTexto 48">
-            <a:extLst>
-              <a:ext uri="{FF2B5EF4-FFF2-40B4-BE49-F238E27FC236}">
-                <a16:creationId xmlns:a16="http://schemas.microsoft.com/office/drawing/2014/main" id="{4BBA540B-35F5-4D98-A9F2-7BD8D3D98EB7}"/>
-              </a:ext>
-            </a:extLst>
-          </p:cNvPr>
-          <p:cNvSpPr txBox="1"/>
-          <p:nvPr/>
-        </p:nvSpPr>
-        <p:spPr>
-          <a:xfrm>
-            <a:off x="6229178" y="2521572"/>
-            <a:ext cx="1434026" cy="369332"/>
-          </a:xfrm>
-          <a:prstGeom prst="rect">
-            <a:avLst/>
-          </a:prstGeom>
-          <a:noFill/>
-        </p:spPr>
-        <p:txBody>
-          <a:bodyPr wrap="square">
-            <a:spAutoFit/>
-          </a:bodyPr>
-          <a:lstStyle/>
-          <a:p>
-            <a:r>
-              <a:rPr lang="pt-PT" dirty="0" err="1">
-                <a:solidFill>
-                  <a:srgbClr val="FF0000"/>
-                </a:solidFill>
-              </a:rPr>
-              <a:t>AlreadyExists</a:t>
-            </a:r>
-            <a:endParaRPr lang="en-GB" dirty="0">
-              <a:solidFill>
-                <a:srgbClr val="FF0000"/>
-              </a:solidFill>
-            </a:endParaRPr>
-          </a:p>
-        </p:txBody>
-      </p:sp>
-      <p:sp>
-        <p:nvSpPr>
-          <p:cNvPr id="51" name="CaixaDeTexto 50">
-            <a:extLst>
-              <a:ext uri="{FF2B5EF4-FFF2-40B4-BE49-F238E27FC236}">
-                <a16:creationId xmlns:a16="http://schemas.microsoft.com/office/drawing/2014/main" id="{76D082E1-9818-410A-A993-47CF0F0F5FFE}"/>
-              </a:ext>
-            </a:extLst>
-          </p:cNvPr>
-          <p:cNvSpPr txBox="1"/>
-          <p:nvPr/>
-        </p:nvSpPr>
-        <p:spPr>
-          <a:xfrm>
-            <a:off x="6229178" y="2885851"/>
-            <a:ext cx="2558614" cy="369332"/>
-          </a:xfrm>
-          <a:prstGeom prst="rect">
-            <a:avLst/>
-          </a:prstGeom>
-          <a:noFill/>
-        </p:spPr>
-        <p:txBody>
-          <a:bodyPr wrap="square">
-            <a:spAutoFit/>
-          </a:bodyPr>
-          <a:lstStyle/>
-          <a:p>
-            <a:r>
-              <a:rPr lang="pt-PT" dirty="0" err="1">
-                <a:solidFill>
-                  <a:srgbClr val="FF0000"/>
-                </a:solidFill>
-              </a:rPr>
-              <a:t>FollowStreamerException</a:t>
-            </a:r>
-            <a:endParaRPr lang="en-GB" dirty="0">
-              <a:solidFill>
-                <a:srgbClr val="FF0000"/>
-              </a:solidFill>
-            </a:endParaRPr>
-          </a:p>
-        </p:txBody>
-      </p:sp>
-      <p:sp>
-        <p:nvSpPr>
-          <p:cNvPr id="53" name="CaixaDeTexto 52">
-            <a:extLst>
-              <a:ext uri="{FF2B5EF4-FFF2-40B4-BE49-F238E27FC236}">
-                <a16:creationId xmlns:a16="http://schemas.microsoft.com/office/drawing/2014/main" id="{E4DB8A9B-85EE-45D3-ACED-90766B6ABAC9}"/>
-              </a:ext>
-            </a:extLst>
-          </p:cNvPr>
-          <p:cNvSpPr txBox="1"/>
-          <p:nvPr/>
-        </p:nvSpPr>
-        <p:spPr>
-          <a:xfrm>
-            <a:off x="6229178" y="3262737"/>
-            <a:ext cx="2439140" cy="369332"/>
-          </a:xfrm>
-          <a:prstGeom prst="rect">
-            <a:avLst/>
-          </a:prstGeom>
-          <a:noFill/>
-        </p:spPr>
-        <p:txBody>
-          <a:bodyPr wrap="square">
-            <a:spAutoFit/>
-          </a:bodyPr>
-          <a:lstStyle/>
-          <a:p>
-            <a:r>
-              <a:rPr lang="pt-PT" dirty="0" err="1">
-                <a:solidFill>
-                  <a:srgbClr val="FF0000"/>
-                </a:solidFill>
-              </a:rPr>
-              <a:t>RestrictedAgeException</a:t>
-            </a:r>
-            <a:endParaRPr lang="en-GB" dirty="0">
-              <a:solidFill>
-                <a:srgbClr val="FF0000"/>
-              </a:solidFill>
-            </a:endParaRPr>
-          </a:p>
-        </p:txBody>
-      </p:sp>
-      <p:sp>
-        <p:nvSpPr>
-          <p:cNvPr id="55" name="CaixaDeTexto 54">
-            <a:extLst>
-              <a:ext uri="{FF2B5EF4-FFF2-40B4-BE49-F238E27FC236}">
-                <a16:creationId xmlns:a16="http://schemas.microsoft.com/office/drawing/2014/main" id="{F8EFE28E-BBF5-4FCC-B526-73B8DDC525A1}"/>
-              </a:ext>
-            </a:extLst>
-          </p:cNvPr>
-          <p:cNvSpPr txBox="1"/>
-          <p:nvPr/>
-        </p:nvSpPr>
-        <p:spPr>
-          <a:xfrm>
-            <a:off x="1044545" y="2568239"/>
-            <a:ext cx="1797067" cy="369332"/>
-          </a:xfrm>
-          <a:prstGeom prst="rect">
-            <a:avLst/>
-          </a:prstGeom>
-          <a:noFill/>
-        </p:spPr>
-        <p:txBody>
-          <a:bodyPr wrap="square">
-            <a:spAutoFit/>
-          </a:bodyPr>
-          <a:lstStyle/>
-          <a:p>
-            <a:r>
-              <a:rPr lang="pt-PT" dirty="0">
-                <a:solidFill>
-                  <a:srgbClr val="FF0000"/>
-                </a:solidFill>
-              </a:rPr>
-              <a:t>DoesNotExist</a:t>
-            </a:r>
-            <a:endParaRPr lang="en-GB" dirty="0">
-              <a:solidFill>
-                <a:srgbClr val="FF0000"/>
-              </a:solidFill>
-            </a:endParaRPr>
-          </a:p>
-        </p:txBody>
-      </p:sp>
-      <p:sp>
-        <p:nvSpPr>
-          <p:cNvPr id="57" name="CaixaDeTexto 56">
-            <a:extLst>
-              <a:ext uri="{FF2B5EF4-FFF2-40B4-BE49-F238E27FC236}">
-                <a16:creationId xmlns:a16="http://schemas.microsoft.com/office/drawing/2014/main" id="{2093895B-1362-4430-82DE-DD18815C55B0}"/>
-              </a:ext>
-            </a:extLst>
-          </p:cNvPr>
-          <p:cNvSpPr txBox="1"/>
-          <p:nvPr/>
-        </p:nvSpPr>
-        <p:spPr>
-          <a:xfrm>
-            <a:off x="1044545" y="2937571"/>
-            <a:ext cx="2697897" cy="369332"/>
-          </a:xfrm>
-          <a:prstGeom prst="rect">
-            <a:avLst/>
-          </a:prstGeom>
-          <a:noFill/>
-        </p:spPr>
-        <p:txBody>
-          <a:bodyPr wrap="square">
-            <a:spAutoFit/>
-          </a:bodyPr>
-          <a:lstStyle/>
-          <a:p>
-            <a:r>
-              <a:rPr lang="pt-PT" dirty="0" err="1">
-                <a:solidFill>
-                  <a:srgbClr val="FF0000"/>
-                </a:solidFill>
-              </a:rPr>
-              <a:t>EmptyDataBaseException</a:t>
-            </a:r>
-            <a:endParaRPr lang="en-GB" dirty="0">
-              <a:solidFill>
-                <a:srgbClr val="FF0000"/>
-              </a:solidFill>
-            </a:endParaRPr>
-          </a:p>
-        </p:txBody>
-      </p:sp>
-      <p:sp>
-        <p:nvSpPr>
-          <p:cNvPr id="3" name="Marcador de Posição do Rodapé 2">
-            <a:extLst>
-              <a:ext uri="{FF2B5EF4-FFF2-40B4-BE49-F238E27FC236}">
-                <a16:creationId xmlns:a16="http://schemas.microsoft.com/office/drawing/2014/main" id="{BDC108CA-1009-4F33-BA90-654A55918ED3}"/>
-              </a:ext>
-            </a:extLst>
-          </p:cNvPr>
-          <p:cNvSpPr>
-            <a:spLocks noGrp="1"/>
-          </p:cNvSpPr>
-          <p:nvPr>
-            <p:ph type="ftr" sz="quarter" idx="11"/>
-          </p:nvPr>
-        </p:nvSpPr>
-        <p:spPr/>
-        <p:txBody>
-          <a:bodyPr/>
-          <a:lstStyle/>
-          <a:p>
-            <a:r>
-              <a:rPr lang="en-GB" sz="2400" b="1" dirty="0"/>
-              <a:t>2MIEIC04_G1</a:t>
-            </a:r>
-          </a:p>
-        </p:txBody>
-      </p:sp>
-      <p:sp>
-        <p:nvSpPr>
-          <p:cNvPr id="4" name="Marcador de Posição do Número do Diapositivo 3">
-            <a:extLst>
-              <a:ext uri="{FF2B5EF4-FFF2-40B4-BE49-F238E27FC236}">
-                <a16:creationId xmlns:a16="http://schemas.microsoft.com/office/drawing/2014/main" id="{D3BE8DBB-2681-4EDA-A70E-FDD3F50D1646}"/>
-              </a:ext>
-            </a:extLst>
-          </p:cNvPr>
-          <p:cNvSpPr>
-            <a:spLocks noGrp="1"/>
-          </p:cNvSpPr>
-          <p:nvPr>
-            <p:ph type="sldNum" sz="quarter" idx="12"/>
-          </p:nvPr>
-        </p:nvSpPr>
-        <p:spPr/>
-        <p:txBody>
-          <a:bodyPr/>
-          <a:lstStyle/>
-          <a:p>
-            <a:fld id="{75DB3F52-068C-4339-9FA6-06F9AAEB3337}" type="slidenum">
-              <a:rPr lang="en-GB" sz="2400" smtClean="0"/>
-              <a:t>8</a:t>
-            </a:fld>
-            <a:endParaRPr lang="en-GB" sz="2400" dirty="0"/>
+            <a:pPr algn="ctr"/>
+            <a:r>
+              <a:rPr lang="en-GB" sz="2000" dirty="0" err="1"/>
+              <a:t>Quantidade</a:t>
+            </a:r>
+            <a:r>
+              <a:rPr lang="en-GB" sz="2000" dirty="0"/>
+              <a:t> </a:t>
+            </a:r>
+            <a:r>
+              <a:rPr lang="en-GB" sz="2000" dirty="0" err="1"/>
+              <a:t>comprada</a:t>
+            </a:r>
+            <a:endParaRPr lang="en-GB" sz="2000" dirty="0"/>
           </a:p>
         </p:txBody>
       </p:sp>
       <p:pic>
         <p:nvPicPr>
-          <p:cNvPr id="27" name="Imagem 26">
-            <a:extLst>
-              <a:ext uri="{FF2B5EF4-FFF2-40B4-BE49-F238E27FC236}">
-                <a16:creationId xmlns:a16="http://schemas.microsoft.com/office/drawing/2014/main" id="{4B81C26A-46A2-487E-A5EE-7F6366169040}"/>
+          <p:cNvPr id="50" name="Imagem 49">
+            <a:extLst>
+              <a:ext uri="{FF2B5EF4-FFF2-40B4-BE49-F238E27FC236}">
+                <a16:creationId xmlns:a16="http://schemas.microsoft.com/office/drawing/2014/main" id="{C9CA462E-8E2A-4338-B5C5-71EE804670F2}"/>
               </a:ext>
             </a:extLst>
           </p:cNvPr>
@@ -15782,7 +15834,7 @@
           <p:nvPr/>
         </p:nvPicPr>
         <p:blipFill rotWithShape="1">
-          <a:blip r:embed="rId2">
+          <a:blip r:embed="rId3">
             <a:extLst>
               <a:ext uri="{28A0092B-C50C-407E-A947-70E740481C1C}">
                 <a14:useLocalDpi xmlns:a14="http://schemas.microsoft.com/office/drawing/2010/main" val="0"/>
@@ -15802,12 +15854,58 @@
           </a:prstGeom>
         </p:spPr>
       </p:pic>
-      <p:sp>
-        <p:nvSpPr>
-          <p:cNvPr id="8" name="CaixaDeTexto 7">
-            <a:extLst>
-              <a:ext uri="{FF2B5EF4-FFF2-40B4-BE49-F238E27FC236}">
-                <a16:creationId xmlns:a16="http://schemas.microsoft.com/office/drawing/2014/main" id="{1B2E72D2-65CE-4EB1-9F50-0B9D09B5F392}"/>
+      <p:cxnSp>
+        <p:nvCxnSpPr>
+          <p:cNvPr id="21" name="Conexão reta unidirecional 22">
+            <a:extLst>
+              <a:ext uri="{FF2B5EF4-FFF2-40B4-BE49-F238E27FC236}">
+                <a16:creationId xmlns:a16="http://schemas.microsoft.com/office/drawing/2014/main" id="{B4D7D707-FF46-4962-ADE3-54ED346EDF87}"/>
+              </a:ext>
+            </a:extLst>
+          </p:cNvPr>
+          <p:cNvCxnSpPr>
+            <a:cxnSpLocks/>
+            <a:stCxn id="3" idx="1"/>
+            <a:endCxn id="22" idx="2"/>
+          </p:cNvCxnSpPr>
+          <p:nvPr/>
+        </p:nvCxnSpPr>
+        <p:spPr>
+          <a:xfrm flipH="1" flipV="1">
+            <a:off x="2640397" y="3812876"/>
+            <a:ext cx="2081991" cy="599042"/>
+          </a:xfrm>
+          <a:prstGeom prst="straightConnector1">
+            <a:avLst/>
+          </a:prstGeom>
+          <a:ln>
+            <a:solidFill>
+              <a:srgbClr val="8C2D19"/>
+            </a:solidFill>
+            <a:tailEnd type="triangle"/>
+          </a:ln>
+        </p:spPr>
+        <p:style>
+          <a:lnRef idx="3">
+            <a:schemeClr val="dk1"/>
+          </a:lnRef>
+          <a:fillRef idx="0">
+            <a:schemeClr val="dk1"/>
+          </a:fillRef>
+          <a:effectRef idx="2">
+            <a:schemeClr val="dk1"/>
+          </a:effectRef>
+          <a:fontRef idx="minor">
+            <a:schemeClr val="tx1"/>
+          </a:fontRef>
+        </p:style>
+      </p:cxnSp>
+      <p:sp>
+        <p:nvSpPr>
+          <p:cNvPr id="22" name="CaixaDeTexto 23">
+            <a:extLst>
+              <a:ext uri="{FF2B5EF4-FFF2-40B4-BE49-F238E27FC236}">
+                <a16:creationId xmlns:a16="http://schemas.microsoft.com/office/drawing/2014/main" id="{F2BAEB89-7383-416E-8DB2-042D906C6687}"/>
               </a:ext>
             </a:extLst>
           </p:cNvPr>
@@ -15816,8 +15914,8 @@
         </p:nvSpPr>
         <p:spPr>
           <a:xfrm>
-            <a:off x="1873188" y="4053119"/>
-            <a:ext cx="5548544" cy="369332"/>
+            <a:off x="1956292" y="3104990"/>
+            <a:ext cx="1368209" cy="707886"/>
           </a:xfrm>
           <a:prstGeom prst="rect">
             <a:avLst/>
@@ -15830,18 +15928,113 @@
           </a:bodyPr>
           <a:lstStyle/>
           <a:p>
-            <a:r>
-              <a:rPr lang="pt-PT" dirty="0"/>
-              <a:t>TROCAR POR EXEPÇÕES NOVAS</a:t>
-            </a:r>
-            <a:endParaRPr lang="en-GB" dirty="0"/>
+            <a:pPr algn="ctr"/>
+            <a:r>
+              <a:rPr lang="pt-PT" sz="2000" dirty="0"/>
+              <a:t>Nome do </a:t>
+            </a:r>
+            <a:r>
+              <a:rPr lang="en-GB" sz="2000" dirty="0"/>
+              <a:t>streamer</a:t>
+            </a:r>
+            <a:endParaRPr lang="pt-PT" sz="2000" dirty="0"/>
+          </a:p>
+        </p:txBody>
+      </p:sp>
+      <p:cxnSp>
+        <p:nvCxnSpPr>
+          <p:cNvPr id="26" name="Conexão reta unidirecional 26">
+            <a:extLst>
+              <a:ext uri="{FF2B5EF4-FFF2-40B4-BE49-F238E27FC236}">
+                <a16:creationId xmlns:a16="http://schemas.microsoft.com/office/drawing/2014/main" id="{4F970484-B1DB-4781-8671-094455196B47}"/>
+              </a:ext>
+            </a:extLst>
+          </p:cNvPr>
+          <p:cNvCxnSpPr>
+            <a:cxnSpLocks/>
+            <a:endCxn id="30" idx="1"/>
+          </p:cNvCxnSpPr>
+          <p:nvPr/>
+        </p:nvCxnSpPr>
+        <p:spPr>
+          <a:xfrm flipV="1">
+            <a:off x="6776325" y="4093228"/>
+            <a:ext cx="1003962" cy="191292"/>
+          </a:xfrm>
+          <a:prstGeom prst="straightConnector1">
+            <a:avLst/>
+          </a:prstGeom>
+          <a:ln>
+            <a:solidFill>
+              <a:srgbClr val="8C2D19"/>
+            </a:solidFill>
+            <a:tailEnd type="triangle"/>
+          </a:ln>
+        </p:spPr>
+        <p:style>
+          <a:lnRef idx="3">
+            <a:schemeClr val="dk1"/>
+          </a:lnRef>
+          <a:fillRef idx="0">
+            <a:schemeClr val="dk1"/>
+          </a:fillRef>
+          <a:effectRef idx="2">
+            <a:schemeClr val="dk1"/>
+          </a:effectRef>
+          <a:fontRef idx="minor">
+            <a:schemeClr val="tx1"/>
+          </a:fontRef>
+        </p:style>
+      </p:cxnSp>
+      <p:sp>
+        <p:nvSpPr>
+          <p:cNvPr id="30" name="CaixaDeTexto 27">
+            <a:extLst>
+              <a:ext uri="{FF2B5EF4-FFF2-40B4-BE49-F238E27FC236}">
+                <a16:creationId xmlns:a16="http://schemas.microsoft.com/office/drawing/2014/main" id="{9648D665-33F2-44AC-B477-82A307357F5F}"/>
+              </a:ext>
+            </a:extLst>
+          </p:cNvPr>
+          <p:cNvSpPr txBox="1"/>
+          <p:nvPr/>
+        </p:nvSpPr>
+        <p:spPr>
+          <a:xfrm>
+            <a:off x="7780287" y="3739285"/>
+            <a:ext cx="2038416" cy="707886"/>
+          </a:xfrm>
+          <a:prstGeom prst="rect">
+            <a:avLst/>
+          </a:prstGeom>
+          <a:noFill/>
+        </p:spPr>
+        <p:txBody>
+          <a:bodyPr wrap="square" rtlCol="0">
+            <a:spAutoFit/>
+          </a:bodyPr>
+          <a:lstStyle/>
+          <a:p>
+            <a:pPr algn="ctr"/>
+            <a:r>
+              <a:rPr lang="en-GB" sz="2000" dirty="0" err="1"/>
+              <a:t>Disponibilidade</a:t>
+            </a:r>
+            <a:r>
+              <a:rPr lang="en-GB" sz="2000" dirty="0"/>
+              <a:t> de </a:t>
+            </a:r>
+            <a:r>
+              <a:rPr lang="en-GB" sz="2000" dirty="0" err="1"/>
+              <a:t>compra</a:t>
+            </a:r>
+            <a:endParaRPr lang="en-GB" sz="2000" dirty="0"/>
           </a:p>
         </p:txBody>
       </p:sp>
     </p:spTree>
     <p:extLst>
       <p:ext uri="{BB962C8B-B14F-4D97-AF65-F5344CB8AC3E}">
-        <p14:creationId xmlns:p14="http://schemas.microsoft.com/office/powerpoint/2010/main" val="3082102471"/>
+        <p14:creationId xmlns:p14="http://schemas.microsoft.com/office/powerpoint/2010/main" val="625000950"/>
       </p:ext>
     </p:extLst>
   </p:cSld>
@@ -15870,10 +16063,10 @@
       </p:grpSpPr>
       <p:sp>
         <p:nvSpPr>
-          <p:cNvPr id="5" name="Título 1">
-            <a:extLst>
-              <a:ext uri="{FF2B5EF4-FFF2-40B4-BE49-F238E27FC236}">
-                <a16:creationId xmlns:a16="http://schemas.microsoft.com/office/drawing/2014/main" id="{898F1F90-3438-44BB-BDC7-B70CFDD04994}"/>
+          <p:cNvPr id="2" name="Título 1">
+            <a:extLst>
+              <a:ext uri="{FF2B5EF4-FFF2-40B4-BE49-F238E27FC236}">
+                <a16:creationId xmlns:a16="http://schemas.microsoft.com/office/drawing/2014/main" id="{E5F50155-6736-4DD4-81CA-AAC2F3DC7F40}"/>
               </a:ext>
             </a:extLst>
           </p:cNvPr>
@@ -15884,19 +16077,14 @@
             <p:ph type="title"/>
           </p:nvPr>
         </p:nvSpPr>
-        <p:spPr>
-          <a:xfrm>
-            <a:off x="1097280" y="286603"/>
-            <a:ext cx="10058400" cy="1450757"/>
-          </a:xfrm>
-        </p:spPr>
+        <p:spPr/>
         <p:txBody>
           <a:bodyPr/>
           <a:lstStyle/>
           <a:p>
             <a:pPr algn="ctr"/>
             <a:r>
-              <a:rPr lang="pt-PT" sz="6600" dirty="0">
+              <a:rPr lang="pt-PT" sz="6600" dirty="0" err="1">
                 <a:solidFill>
                   <a:schemeClr val="tx1">
                     <a:lumMod val="85000"/>
@@ -15905,7 +16093,7 @@
                 </a:solidFill>
                 <a:latin typeface="Bahnschrift SemiLight" panose="020B0502040204020203" pitchFamily="34" charset="0"/>
               </a:rPr>
-              <a:t>Pesquisa</a:t>
+              <a:t>Excepções</a:t>
             </a:r>
             <a:endParaRPr lang="en-GB" sz="6600" dirty="0">
               <a:solidFill>
@@ -15921,10 +16109,10 @@
       </p:sp>
       <p:cxnSp>
         <p:nvCxnSpPr>
-          <p:cNvPr id="7" name="Conexão reta 6">
-            <a:extLst>
-              <a:ext uri="{FF2B5EF4-FFF2-40B4-BE49-F238E27FC236}">
-                <a16:creationId xmlns:a16="http://schemas.microsoft.com/office/drawing/2014/main" id="{C2E4CA01-F82D-4D76-AE17-74CEFAFD29FF}"/>
+          <p:cNvPr id="5" name="Conexão reta 4">
+            <a:extLst>
+              <a:ext uri="{FF2B5EF4-FFF2-40B4-BE49-F238E27FC236}">
+                <a16:creationId xmlns:a16="http://schemas.microsoft.com/office/drawing/2014/main" id="{B58EAD8D-3885-47BC-929A-D0E531F5DFA6}"/>
               </a:ext>
             </a:extLst>
           </p:cNvPr>
@@ -15964,10 +16152,10 @@
       </p:cxnSp>
       <p:sp>
         <p:nvSpPr>
-          <p:cNvPr id="13" name="CaixaDeTexto 12">
-            <a:extLst>
-              <a:ext uri="{FF2B5EF4-FFF2-40B4-BE49-F238E27FC236}">
-                <a16:creationId xmlns:a16="http://schemas.microsoft.com/office/drawing/2014/main" id="{7582186A-0E72-4556-B6E3-75E577AEAB3C}"/>
+          <p:cNvPr id="9" name="CaixaDeTexto 8">
+            <a:extLst>
+              <a:ext uri="{FF2B5EF4-FFF2-40B4-BE49-F238E27FC236}">
+                <a16:creationId xmlns:a16="http://schemas.microsoft.com/office/drawing/2014/main" id="{09A43886-A11B-4642-8430-534BA39D9336}"/>
               </a:ext>
             </a:extLst>
           </p:cNvPr>
@@ -15976,8 +16164,8 @@
         </p:nvSpPr>
         <p:spPr>
           <a:xfrm>
-            <a:off x="1189358" y="2012309"/>
-            <a:ext cx="5468893" cy="1754326"/>
+            <a:off x="6752083" y="2126282"/>
+            <a:ext cx="911121" cy="461665"/>
           </a:xfrm>
           <a:prstGeom prst="rect">
             <a:avLst/>
@@ -15990,260 +16178,15 @@
           </a:bodyPr>
           <a:lstStyle/>
           <a:p>
-            <a:pPr marL="285750" indent="-285750">
-              <a:buClr>
-                <a:srgbClr val="8C2D19"/>
-              </a:buClr>
-              <a:buFont typeface="Arial" panose="020B0604020202020204" pitchFamily="34" charset="0"/>
-              <a:buChar char="•"/>
-            </a:pPr>
-            <a:r>
-              <a:rPr lang="pt-PT" dirty="0"/>
-              <a:t>Pesquisa da BST é feita através de </a:t>
-            </a:r>
-            <a:r>
-              <a:rPr lang="pt-PT" dirty="0" err="1"/>
-              <a:t>iteradores</a:t>
-            </a:r>
-            <a:r>
-              <a:rPr lang="pt-PT" dirty="0"/>
-              <a:t> em ordem, desta forma os elementos obtidos ficam devidamente organizados.</a:t>
-            </a:r>
-          </a:p>
-          <a:p>
-            <a:pPr marL="285750" indent="-285750">
-              <a:buClr>
-                <a:srgbClr val="8C2D19"/>
-              </a:buClr>
-              <a:buFont typeface="Arial" panose="020B0604020202020204" pitchFamily="34" charset="0"/>
-              <a:buChar char="•"/>
-            </a:pPr>
-            <a:r>
-              <a:rPr lang="en-GB" dirty="0"/>
-              <a:t>A </a:t>
-            </a:r>
-            <a:r>
-              <a:rPr lang="en-GB" dirty="0" err="1"/>
-              <a:t>informação</a:t>
-            </a:r>
-            <a:r>
-              <a:rPr lang="en-GB" dirty="0"/>
-              <a:t> </a:t>
-            </a:r>
-            <a:r>
-              <a:rPr lang="en-GB" dirty="0" err="1"/>
-              <a:t>relevante</a:t>
-            </a:r>
-            <a:r>
-              <a:rPr lang="en-GB" dirty="0"/>
-              <a:t> </a:t>
-            </a:r>
-            <a:r>
-              <a:rPr lang="en-GB" dirty="0" err="1"/>
-              <a:t>aos</a:t>
-            </a:r>
-            <a:r>
-              <a:rPr lang="en-GB" dirty="0"/>
-              <a:t> streamers </a:t>
-            </a:r>
-            <a:r>
-              <a:rPr lang="en-GB" dirty="0" err="1"/>
-              <a:t>foi</a:t>
-            </a:r>
-            <a:r>
-              <a:rPr lang="en-GB" dirty="0"/>
-              <a:t> </a:t>
-            </a:r>
-            <a:r>
-              <a:rPr lang="en-GB" dirty="0" err="1"/>
-              <a:t>movida</a:t>
-            </a:r>
-            <a:r>
-              <a:rPr lang="en-GB" dirty="0"/>
-              <a:t> para um </a:t>
-            </a:r>
-            <a:r>
-              <a:rPr lang="en-GB" dirty="0" err="1"/>
-              <a:t>unordered_set</a:t>
-            </a:r>
-            <a:r>
-              <a:rPr lang="en-GB" dirty="0"/>
-              <a:t>. </a:t>
-            </a:r>
-            <a:r>
-              <a:rPr lang="en-GB" dirty="0" err="1"/>
-              <a:t>Teve</a:t>
-            </a:r>
-            <a:r>
-              <a:rPr lang="en-GB" dirty="0"/>
-              <a:t> de se </a:t>
-            </a:r>
-            <a:r>
-              <a:rPr lang="en-GB" dirty="0" err="1"/>
-              <a:t>modificar</a:t>
-            </a:r>
-            <a:r>
-              <a:rPr lang="en-GB" dirty="0"/>
-              <a:t> a </a:t>
-            </a:r>
-            <a:r>
-              <a:rPr lang="en-GB" dirty="0" err="1"/>
-              <a:t>função</a:t>
-            </a:r>
-            <a:r>
-              <a:rPr lang="en-GB" dirty="0"/>
-              <a:t> </a:t>
-            </a:r>
-            <a:r>
-              <a:rPr lang="en-GB" dirty="0" err="1"/>
-              <a:t>getUser</a:t>
-            </a:r>
-            <a:r>
-              <a:rPr lang="en-GB" dirty="0"/>
-              <a:t>.</a:t>
-            </a:r>
-          </a:p>
-        </p:txBody>
-      </p:sp>
-      <p:sp>
-        <p:nvSpPr>
-          <p:cNvPr id="15" name="CaixaDeTexto 14">
-            <a:extLst>
-              <a:ext uri="{FF2B5EF4-FFF2-40B4-BE49-F238E27FC236}">
-                <a16:creationId xmlns:a16="http://schemas.microsoft.com/office/drawing/2014/main" id="{A81839B1-9541-4C3D-90BF-31A386C176B7}"/>
-              </a:ext>
-            </a:extLst>
-          </p:cNvPr>
-          <p:cNvSpPr txBox="1"/>
-          <p:nvPr/>
-        </p:nvSpPr>
-        <p:spPr>
-          <a:xfrm>
-            <a:off x="10028464" y="2862896"/>
-            <a:ext cx="1127216" cy="338554"/>
-          </a:xfrm>
-          <a:prstGeom prst="rect">
-            <a:avLst/>
-          </a:prstGeom>
-          <a:noFill/>
-        </p:spPr>
-        <p:txBody>
-          <a:bodyPr wrap="square" rtlCol="0">
-            <a:spAutoFit/>
-          </a:bodyPr>
-          <a:lstStyle/>
-          <a:p>
-            <a:r>
-              <a:rPr lang="pt-PT" sz="1600" dirty="0" err="1"/>
-              <a:t>DataBase.h</a:t>
-            </a:r>
-            <a:endParaRPr lang="en-GB" sz="1600" dirty="0"/>
-          </a:p>
-        </p:txBody>
-      </p:sp>
-      <p:sp>
-        <p:nvSpPr>
-          <p:cNvPr id="17" name="CaixaDeTexto 16">
-            <a:extLst>
-              <a:ext uri="{FF2B5EF4-FFF2-40B4-BE49-F238E27FC236}">
-                <a16:creationId xmlns:a16="http://schemas.microsoft.com/office/drawing/2014/main" id="{81CB8B24-77F1-4D2B-AD3D-68F6F9D049FA}"/>
-              </a:ext>
-            </a:extLst>
-          </p:cNvPr>
-          <p:cNvSpPr txBox="1"/>
-          <p:nvPr/>
-        </p:nvSpPr>
-        <p:spPr>
-          <a:xfrm>
-            <a:off x="9323511" y="5807790"/>
-            <a:ext cx="1832169" cy="338554"/>
-          </a:xfrm>
-          <a:prstGeom prst="rect">
-            <a:avLst/>
-          </a:prstGeom>
-          <a:noFill/>
-        </p:spPr>
-        <p:txBody>
-          <a:bodyPr wrap="square" rtlCol="0">
-            <a:spAutoFit/>
-          </a:bodyPr>
-          <a:lstStyle/>
-          <a:p>
-            <a:r>
-              <a:rPr lang="pt-PT" sz="1600" dirty="0"/>
-              <a:t>SearchManager.cpp</a:t>
-            </a:r>
-            <a:endParaRPr lang="en-GB" sz="1600" dirty="0"/>
-          </a:p>
-        </p:txBody>
-      </p:sp>
-      <p:pic>
-        <p:nvPicPr>
-          <p:cNvPr id="19" name="Imagem 18">
-            <a:extLst>
-              <a:ext uri="{FF2B5EF4-FFF2-40B4-BE49-F238E27FC236}">
-                <a16:creationId xmlns:a16="http://schemas.microsoft.com/office/drawing/2014/main" id="{1631380D-B88A-4215-BE0E-22F695C32C8B}"/>
-              </a:ext>
-            </a:extLst>
-          </p:cNvPr>
-          <p:cNvPicPr>
-            <a:picLocks noChangeAspect="1"/>
-          </p:cNvPicPr>
-          <p:nvPr/>
-        </p:nvPicPr>
-        <p:blipFill>
-          <a:blip r:embed="rId2"/>
-          <a:stretch>
-            <a:fillRect/>
-          </a:stretch>
-        </p:blipFill>
-        <p:spPr>
-          <a:xfrm>
-            <a:off x="1189359" y="3745710"/>
-            <a:ext cx="3009530" cy="1976285"/>
-          </a:xfrm>
-          <a:prstGeom prst="rect">
-            <a:avLst/>
-          </a:prstGeom>
-        </p:spPr>
-      </p:pic>
-      <p:sp>
-        <p:nvSpPr>
-          <p:cNvPr id="21" name="CaixaDeTexto 20">
-            <a:extLst>
-              <a:ext uri="{FF2B5EF4-FFF2-40B4-BE49-F238E27FC236}">
-                <a16:creationId xmlns:a16="http://schemas.microsoft.com/office/drawing/2014/main" id="{5F124F6A-0A21-4FD6-B5AE-F0E92890F0F9}"/>
-              </a:ext>
-            </a:extLst>
-          </p:cNvPr>
-          <p:cNvSpPr txBox="1"/>
-          <p:nvPr/>
-        </p:nvSpPr>
-        <p:spPr>
-          <a:xfrm>
-            <a:off x="3163651" y="5669947"/>
-            <a:ext cx="1035238" cy="338554"/>
-          </a:xfrm>
-          <a:prstGeom prst="rect">
-            <a:avLst/>
-          </a:prstGeom>
-          <a:noFill/>
-        </p:spPr>
-        <p:txBody>
-          <a:bodyPr wrap="square" rtlCol="0">
-            <a:spAutoFit/>
-          </a:bodyPr>
-          <a:lstStyle/>
-          <a:p>
-            <a:r>
-              <a:rPr lang="pt-PT" sz="1600" dirty="0" err="1">
+            <a:r>
+              <a:rPr lang="pt-PT" sz="2400" dirty="0" err="1">
                 <a:solidFill>
                   <a:srgbClr val="FF0000"/>
                 </a:solidFill>
               </a:rPr>
-              <a:t>StreamZ.h</a:t>
-            </a:r>
-            <a:endParaRPr lang="en-GB" sz="1600" dirty="0">
+              <a:t>Users</a:t>
+            </a:r>
+            <a:endParaRPr lang="en-GB" sz="2400" dirty="0">
               <a:solidFill>
                 <a:srgbClr val="FF0000"/>
               </a:solidFill>
@@ -16253,10 +16196,758 @@
       </p:sp>
       <p:sp>
         <p:nvSpPr>
-          <p:cNvPr id="2" name="Marcador de Posição do Rodapé 1">
-            <a:extLst>
-              <a:ext uri="{FF2B5EF4-FFF2-40B4-BE49-F238E27FC236}">
-                <a16:creationId xmlns:a16="http://schemas.microsoft.com/office/drawing/2014/main" id="{AC9C9DC4-4A5E-473D-B162-15858523817F}"/>
+          <p:cNvPr id="11" name="CaixaDeTexto 10">
+            <a:extLst>
+              <a:ext uri="{FF2B5EF4-FFF2-40B4-BE49-F238E27FC236}">
+                <a16:creationId xmlns:a16="http://schemas.microsoft.com/office/drawing/2014/main" id="{8F037062-52B7-45AA-88D9-AE35C37EE999}"/>
+              </a:ext>
+            </a:extLst>
+          </p:cNvPr>
+          <p:cNvSpPr txBox="1"/>
+          <p:nvPr/>
+        </p:nvSpPr>
+        <p:spPr>
+          <a:xfrm>
+            <a:off x="9863528" y="2132416"/>
+            <a:ext cx="1222316" cy="461665"/>
+          </a:xfrm>
+          <a:prstGeom prst="rect">
+            <a:avLst/>
+          </a:prstGeom>
+          <a:noFill/>
+        </p:spPr>
+        <p:txBody>
+          <a:bodyPr wrap="square" rtlCol="0">
+            <a:spAutoFit/>
+          </a:bodyPr>
+          <a:lstStyle/>
+          <a:p>
+            <a:r>
+              <a:rPr lang="pt-PT" sz="2400" dirty="0" err="1">
+                <a:solidFill>
+                  <a:srgbClr val="FF0000"/>
+                </a:solidFill>
+              </a:rPr>
+              <a:t>Streams</a:t>
+            </a:r>
+            <a:endParaRPr lang="en-GB" sz="2400" dirty="0">
+              <a:solidFill>
+                <a:srgbClr val="FF0000"/>
+              </a:solidFill>
+            </a:endParaRPr>
+          </a:p>
+        </p:txBody>
+      </p:sp>
+      <p:sp>
+        <p:nvSpPr>
+          <p:cNvPr id="15" name="CaixaDeTexto 14">
+            <a:extLst>
+              <a:ext uri="{FF2B5EF4-FFF2-40B4-BE49-F238E27FC236}">
+                <a16:creationId xmlns:a16="http://schemas.microsoft.com/office/drawing/2014/main" id="{55E6260D-0BC2-455E-86DA-B59F03493E91}"/>
+              </a:ext>
+            </a:extLst>
+          </p:cNvPr>
+          <p:cNvSpPr txBox="1"/>
+          <p:nvPr/>
+        </p:nvSpPr>
+        <p:spPr>
+          <a:xfrm>
+            <a:off x="1427674" y="2132416"/>
+            <a:ext cx="1030808" cy="461665"/>
+          </a:xfrm>
+          <a:prstGeom prst="rect">
+            <a:avLst/>
+          </a:prstGeom>
+          <a:noFill/>
+        </p:spPr>
+        <p:txBody>
+          <a:bodyPr wrap="square" rtlCol="0">
+            <a:spAutoFit/>
+          </a:bodyPr>
+          <a:lstStyle/>
+          <a:p>
+            <a:r>
+              <a:rPr lang="pt-PT" sz="2400" dirty="0">
+                <a:solidFill>
+                  <a:srgbClr val="FF0000"/>
+                </a:solidFill>
+              </a:rPr>
+              <a:t>Global</a:t>
+            </a:r>
+            <a:endParaRPr lang="en-GB" sz="2400" dirty="0">
+              <a:solidFill>
+                <a:srgbClr val="FF0000"/>
+              </a:solidFill>
+            </a:endParaRPr>
+          </a:p>
+        </p:txBody>
+      </p:sp>
+      <p:sp>
+        <p:nvSpPr>
+          <p:cNvPr id="23" name="CaixaDeTexto 22">
+            <a:extLst>
+              <a:ext uri="{FF2B5EF4-FFF2-40B4-BE49-F238E27FC236}">
+                <a16:creationId xmlns:a16="http://schemas.microsoft.com/office/drawing/2014/main" id="{2977D07C-75D5-45C7-BAD9-147122E87D1D}"/>
+              </a:ext>
+            </a:extLst>
+          </p:cNvPr>
+          <p:cNvSpPr txBox="1"/>
+          <p:nvPr/>
+        </p:nvSpPr>
+        <p:spPr>
+          <a:xfrm>
+            <a:off x="4446821" y="2160849"/>
+            <a:ext cx="784786" cy="461665"/>
+          </a:xfrm>
+          <a:prstGeom prst="rect">
+            <a:avLst/>
+          </a:prstGeom>
+          <a:noFill/>
+        </p:spPr>
+        <p:txBody>
+          <a:bodyPr wrap="square" rtlCol="0">
+            <a:spAutoFit/>
+          </a:bodyPr>
+          <a:lstStyle/>
+          <a:p>
+            <a:r>
+              <a:rPr lang="pt-PT" sz="2400" dirty="0">
+                <a:solidFill>
+                  <a:srgbClr val="FF0000"/>
+                </a:solidFill>
+              </a:rPr>
+              <a:t>Date</a:t>
+            </a:r>
+            <a:endParaRPr lang="en-GB" sz="2400" dirty="0">
+              <a:solidFill>
+                <a:srgbClr val="FF0000"/>
+              </a:solidFill>
+            </a:endParaRPr>
+          </a:p>
+        </p:txBody>
+      </p:sp>
+      <p:sp>
+        <p:nvSpPr>
+          <p:cNvPr id="25" name="CaixaDeTexto 24">
+            <a:extLst>
+              <a:ext uri="{FF2B5EF4-FFF2-40B4-BE49-F238E27FC236}">
+                <a16:creationId xmlns:a16="http://schemas.microsoft.com/office/drawing/2014/main" id="{1A06179C-D5BD-4E82-A664-8CB57351DC9A}"/>
+              </a:ext>
+            </a:extLst>
+          </p:cNvPr>
+          <p:cNvSpPr txBox="1"/>
+          <p:nvPr/>
+        </p:nvSpPr>
+        <p:spPr>
+          <a:xfrm>
+            <a:off x="4004216" y="2597779"/>
+            <a:ext cx="1672553" cy="369332"/>
+          </a:xfrm>
+          <a:prstGeom prst="rect">
+            <a:avLst/>
+          </a:prstGeom>
+          <a:noFill/>
+        </p:spPr>
+        <p:txBody>
+          <a:bodyPr wrap="square" rtlCol="0">
+            <a:spAutoFit/>
+          </a:bodyPr>
+          <a:lstStyle/>
+          <a:p>
+            <a:r>
+              <a:rPr lang="pt-PT" dirty="0" err="1">
+                <a:solidFill>
+                  <a:srgbClr val="FF0000"/>
+                </a:solidFill>
+              </a:rPr>
+              <a:t>BadDateFormat</a:t>
+            </a:r>
+            <a:endParaRPr lang="en-GB" dirty="0">
+              <a:solidFill>
+                <a:srgbClr val="FF0000"/>
+              </a:solidFill>
+            </a:endParaRPr>
+          </a:p>
+        </p:txBody>
+      </p:sp>
+      <p:sp>
+        <p:nvSpPr>
+          <p:cNvPr id="29" name="CaixaDeTexto 28">
+            <a:extLst>
+              <a:ext uri="{FF2B5EF4-FFF2-40B4-BE49-F238E27FC236}">
+                <a16:creationId xmlns:a16="http://schemas.microsoft.com/office/drawing/2014/main" id="{CE94DF33-642F-4396-A189-A5BCCA43225A}"/>
+              </a:ext>
+            </a:extLst>
+          </p:cNvPr>
+          <p:cNvSpPr txBox="1"/>
+          <p:nvPr/>
+        </p:nvSpPr>
+        <p:spPr>
+          <a:xfrm>
+            <a:off x="4004215" y="2967111"/>
+            <a:ext cx="1672553" cy="369332"/>
+          </a:xfrm>
+          <a:prstGeom prst="rect">
+            <a:avLst/>
+          </a:prstGeom>
+          <a:noFill/>
+        </p:spPr>
+        <p:txBody>
+          <a:bodyPr wrap="square" rtlCol="0">
+            <a:spAutoFit/>
+          </a:bodyPr>
+          <a:lstStyle/>
+          <a:p>
+            <a:r>
+              <a:rPr lang="pt-PT" dirty="0" err="1">
+                <a:solidFill>
+                  <a:srgbClr val="FF0000"/>
+                </a:solidFill>
+              </a:rPr>
+              <a:t>InvalidDate</a:t>
+            </a:r>
+            <a:endParaRPr lang="en-GB" dirty="0">
+              <a:solidFill>
+                <a:srgbClr val="FF0000"/>
+              </a:solidFill>
+            </a:endParaRPr>
+          </a:p>
+        </p:txBody>
+      </p:sp>
+      <p:sp>
+        <p:nvSpPr>
+          <p:cNvPr id="35" name="CaixaDeTexto 34">
+            <a:extLst>
+              <a:ext uri="{FF2B5EF4-FFF2-40B4-BE49-F238E27FC236}">
+                <a16:creationId xmlns:a16="http://schemas.microsoft.com/office/drawing/2014/main" id="{18ADC5AE-01D1-4051-BAF4-D0B1F365545E}"/>
+              </a:ext>
+            </a:extLst>
+          </p:cNvPr>
+          <p:cNvSpPr txBox="1"/>
+          <p:nvPr/>
+        </p:nvSpPr>
+        <p:spPr>
+          <a:xfrm>
+            <a:off x="9152369" y="2594081"/>
+            <a:ext cx="2697897" cy="369332"/>
+          </a:xfrm>
+          <a:prstGeom prst="rect">
+            <a:avLst/>
+          </a:prstGeom>
+          <a:noFill/>
+        </p:spPr>
+        <p:txBody>
+          <a:bodyPr wrap="square" rtlCol="0">
+            <a:spAutoFit/>
+          </a:bodyPr>
+          <a:lstStyle/>
+          <a:p>
+            <a:r>
+              <a:rPr lang="pt-PT" dirty="0" err="1">
+                <a:solidFill>
+                  <a:srgbClr val="FF0000"/>
+                </a:solidFill>
+              </a:rPr>
+              <a:t>AlreadyInStreamException</a:t>
+            </a:r>
+            <a:endParaRPr lang="en-GB" dirty="0">
+              <a:solidFill>
+                <a:srgbClr val="FF0000"/>
+              </a:solidFill>
+            </a:endParaRPr>
+          </a:p>
+        </p:txBody>
+      </p:sp>
+      <p:sp>
+        <p:nvSpPr>
+          <p:cNvPr id="37" name="CaixaDeTexto 36">
+            <a:extLst>
+              <a:ext uri="{FF2B5EF4-FFF2-40B4-BE49-F238E27FC236}">
+                <a16:creationId xmlns:a16="http://schemas.microsoft.com/office/drawing/2014/main" id="{38D46D9C-1A99-4C5F-B018-ED01B9A90CA6}"/>
+              </a:ext>
+            </a:extLst>
+          </p:cNvPr>
+          <p:cNvSpPr txBox="1"/>
+          <p:nvPr/>
+        </p:nvSpPr>
+        <p:spPr>
+          <a:xfrm>
+            <a:off x="9152369" y="2963413"/>
+            <a:ext cx="2897454" cy="369332"/>
+          </a:xfrm>
+          <a:prstGeom prst="rect">
+            <a:avLst/>
+          </a:prstGeom>
+          <a:noFill/>
+        </p:spPr>
+        <p:txBody>
+          <a:bodyPr wrap="square" rtlCol="0">
+            <a:spAutoFit/>
+          </a:bodyPr>
+          <a:lstStyle/>
+          <a:p>
+            <a:r>
+              <a:rPr lang="pt-PT" dirty="0" err="1">
+                <a:solidFill>
+                  <a:srgbClr val="FF0000"/>
+                </a:solidFill>
+              </a:rPr>
+              <a:t>AlreadyInWhiteListException</a:t>
+            </a:r>
+            <a:endParaRPr lang="en-GB" dirty="0">
+              <a:solidFill>
+                <a:srgbClr val="FF0000"/>
+              </a:solidFill>
+            </a:endParaRPr>
+          </a:p>
+        </p:txBody>
+      </p:sp>
+      <p:sp>
+        <p:nvSpPr>
+          <p:cNvPr id="39" name="CaixaDeTexto 38">
+            <a:extLst>
+              <a:ext uri="{FF2B5EF4-FFF2-40B4-BE49-F238E27FC236}">
+                <a16:creationId xmlns:a16="http://schemas.microsoft.com/office/drawing/2014/main" id="{D320604A-E2F7-405E-95FC-3CA1B0B3AA32}"/>
+              </a:ext>
+            </a:extLst>
+          </p:cNvPr>
+          <p:cNvSpPr txBox="1"/>
+          <p:nvPr/>
+        </p:nvSpPr>
+        <p:spPr>
+          <a:xfrm>
+            <a:off x="9152368" y="3327692"/>
+            <a:ext cx="2119544" cy="369332"/>
+          </a:xfrm>
+          <a:prstGeom prst="rect">
+            <a:avLst/>
+          </a:prstGeom>
+          <a:noFill/>
+        </p:spPr>
+        <p:txBody>
+          <a:bodyPr wrap="square">
+            <a:spAutoFit/>
+          </a:bodyPr>
+          <a:lstStyle/>
+          <a:p>
+            <a:r>
+              <a:rPr lang="pt-PT" dirty="0" err="1">
+                <a:solidFill>
+                  <a:srgbClr val="FF0000"/>
+                </a:solidFill>
+              </a:rPr>
+              <a:t>MaxViewersReach</a:t>
+            </a:r>
+            <a:endParaRPr lang="en-GB" dirty="0">
+              <a:solidFill>
+                <a:srgbClr val="FF0000"/>
+              </a:solidFill>
+            </a:endParaRPr>
+          </a:p>
+        </p:txBody>
+      </p:sp>
+      <p:sp>
+        <p:nvSpPr>
+          <p:cNvPr id="41" name="CaixaDeTexto 40">
+            <a:extLst>
+              <a:ext uri="{FF2B5EF4-FFF2-40B4-BE49-F238E27FC236}">
+                <a16:creationId xmlns:a16="http://schemas.microsoft.com/office/drawing/2014/main" id="{79CF14DC-15EE-4046-9BF9-8CC1D9995237}"/>
+              </a:ext>
+            </a:extLst>
+          </p:cNvPr>
+          <p:cNvSpPr txBox="1"/>
+          <p:nvPr/>
+        </p:nvSpPr>
+        <p:spPr>
+          <a:xfrm>
+            <a:off x="9152369" y="3683787"/>
+            <a:ext cx="2330763" cy="369332"/>
+          </a:xfrm>
+          <a:prstGeom prst="rect">
+            <a:avLst/>
+          </a:prstGeom>
+          <a:noFill/>
+        </p:spPr>
+        <p:txBody>
+          <a:bodyPr wrap="square">
+            <a:spAutoFit/>
+          </a:bodyPr>
+          <a:lstStyle/>
+          <a:p>
+            <a:r>
+              <a:rPr lang="pt-PT" dirty="0" err="1">
+                <a:solidFill>
+                  <a:srgbClr val="FF0000"/>
+                </a:solidFill>
+              </a:rPr>
+              <a:t>NotInStreamException</a:t>
+            </a:r>
+            <a:endParaRPr lang="en-GB" dirty="0">
+              <a:solidFill>
+                <a:srgbClr val="FF0000"/>
+              </a:solidFill>
+            </a:endParaRPr>
+          </a:p>
+        </p:txBody>
+      </p:sp>
+      <p:sp>
+        <p:nvSpPr>
+          <p:cNvPr id="43" name="CaixaDeTexto 42">
+            <a:extLst>
+              <a:ext uri="{FF2B5EF4-FFF2-40B4-BE49-F238E27FC236}">
+                <a16:creationId xmlns:a16="http://schemas.microsoft.com/office/drawing/2014/main" id="{8073E767-8AFC-4371-AD35-306EE48AF6D1}"/>
+              </a:ext>
+            </a:extLst>
+          </p:cNvPr>
+          <p:cNvSpPr txBox="1"/>
+          <p:nvPr/>
+        </p:nvSpPr>
+        <p:spPr>
+          <a:xfrm>
+            <a:off x="9152369" y="3990215"/>
+            <a:ext cx="2558614" cy="369332"/>
+          </a:xfrm>
+          <a:prstGeom prst="rect">
+            <a:avLst/>
+          </a:prstGeom>
+          <a:noFill/>
+        </p:spPr>
+        <p:txBody>
+          <a:bodyPr wrap="square">
+            <a:spAutoFit/>
+          </a:bodyPr>
+          <a:lstStyle/>
+          <a:p>
+            <a:r>
+              <a:rPr lang="pt-PT" dirty="0" err="1">
+                <a:solidFill>
+                  <a:srgbClr val="FF0000"/>
+                </a:solidFill>
+              </a:rPr>
+              <a:t>NotInWhiteListException</a:t>
+            </a:r>
+            <a:endParaRPr lang="en-GB" dirty="0">
+              <a:solidFill>
+                <a:srgbClr val="FF0000"/>
+              </a:solidFill>
+            </a:endParaRPr>
+          </a:p>
+        </p:txBody>
+      </p:sp>
+      <p:sp>
+        <p:nvSpPr>
+          <p:cNvPr id="45" name="CaixaDeTexto 44">
+            <a:extLst>
+              <a:ext uri="{FF2B5EF4-FFF2-40B4-BE49-F238E27FC236}">
+                <a16:creationId xmlns:a16="http://schemas.microsoft.com/office/drawing/2014/main" id="{CB0C591E-4249-44D0-8F0E-51DDE4CD8605}"/>
+              </a:ext>
+            </a:extLst>
+          </p:cNvPr>
+          <p:cNvSpPr txBox="1"/>
+          <p:nvPr/>
+        </p:nvSpPr>
+        <p:spPr>
+          <a:xfrm>
+            <a:off x="9152369" y="4356178"/>
+            <a:ext cx="2767614" cy="369332"/>
+          </a:xfrm>
+          <a:prstGeom prst="rect">
+            <a:avLst/>
+          </a:prstGeom>
+          <a:noFill/>
+        </p:spPr>
+        <p:txBody>
+          <a:bodyPr wrap="square">
+            <a:spAutoFit/>
+          </a:bodyPr>
+          <a:lstStyle/>
+          <a:p>
+            <a:r>
+              <a:rPr lang="pt-PT" dirty="0" err="1">
+                <a:solidFill>
+                  <a:srgbClr val="FF0000"/>
+                </a:solidFill>
+              </a:rPr>
+              <a:t>NotPrivateStreamException</a:t>
+            </a:r>
+            <a:endParaRPr lang="en-GB" dirty="0">
+              <a:solidFill>
+                <a:srgbClr val="FF0000"/>
+              </a:solidFill>
+            </a:endParaRPr>
+          </a:p>
+        </p:txBody>
+      </p:sp>
+      <p:sp>
+        <p:nvSpPr>
+          <p:cNvPr id="47" name="CaixaDeTexto 46">
+            <a:extLst>
+              <a:ext uri="{FF2B5EF4-FFF2-40B4-BE49-F238E27FC236}">
+                <a16:creationId xmlns:a16="http://schemas.microsoft.com/office/drawing/2014/main" id="{5A637420-5B35-4C07-B522-DC6A021660F4}"/>
+              </a:ext>
+            </a:extLst>
+          </p:cNvPr>
+          <p:cNvSpPr txBox="1"/>
+          <p:nvPr/>
+        </p:nvSpPr>
+        <p:spPr>
+          <a:xfrm>
+            <a:off x="9152368" y="4707220"/>
+            <a:ext cx="2697897" cy="369332"/>
+          </a:xfrm>
+          <a:prstGeom prst="rect">
+            <a:avLst/>
+          </a:prstGeom>
+          <a:noFill/>
+        </p:spPr>
+        <p:txBody>
+          <a:bodyPr wrap="square">
+            <a:spAutoFit/>
+          </a:bodyPr>
+          <a:lstStyle/>
+          <a:p>
+            <a:r>
+              <a:rPr lang="pt-PT" dirty="0" err="1">
+                <a:solidFill>
+                  <a:srgbClr val="FF0000"/>
+                </a:solidFill>
+              </a:rPr>
+              <a:t>RestrictedStreamException</a:t>
+            </a:r>
+            <a:endParaRPr lang="en-GB" dirty="0">
+              <a:solidFill>
+                <a:srgbClr val="FF0000"/>
+              </a:solidFill>
+            </a:endParaRPr>
+          </a:p>
+        </p:txBody>
+      </p:sp>
+      <p:sp>
+        <p:nvSpPr>
+          <p:cNvPr id="49" name="CaixaDeTexto 48">
+            <a:extLst>
+              <a:ext uri="{FF2B5EF4-FFF2-40B4-BE49-F238E27FC236}">
+                <a16:creationId xmlns:a16="http://schemas.microsoft.com/office/drawing/2014/main" id="{4BBA540B-35F5-4D98-A9F2-7BD8D3D98EB7}"/>
+              </a:ext>
+            </a:extLst>
+          </p:cNvPr>
+          <p:cNvSpPr txBox="1"/>
+          <p:nvPr/>
+        </p:nvSpPr>
+        <p:spPr>
+          <a:xfrm>
+            <a:off x="6229178" y="2521572"/>
+            <a:ext cx="1434026" cy="369332"/>
+          </a:xfrm>
+          <a:prstGeom prst="rect">
+            <a:avLst/>
+          </a:prstGeom>
+          <a:noFill/>
+        </p:spPr>
+        <p:txBody>
+          <a:bodyPr wrap="square">
+            <a:spAutoFit/>
+          </a:bodyPr>
+          <a:lstStyle/>
+          <a:p>
+            <a:r>
+              <a:rPr lang="pt-PT" dirty="0" err="1">
+                <a:solidFill>
+                  <a:srgbClr val="FF0000"/>
+                </a:solidFill>
+              </a:rPr>
+              <a:t>AlreadyExists</a:t>
+            </a:r>
+            <a:endParaRPr lang="en-GB" dirty="0">
+              <a:solidFill>
+                <a:srgbClr val="FF0000"/>
+              </a:solidFill>
+            </a:endParaRPr>
+          </a:p>
+        </p:txBody>
+      </p:sp>
+      <p:sp>
+        <p:nvSpPr>
+          <p:cNvPr id="51" name="CaixaDeTexto 50">
+            <a:extLst>
+              <a:ext uri="{FF2B5EF4-FFF2-40B4-BE49-F238E27FC236}">
+                <a16:creationId xmlns:a16="http://schemas.microsoft.com/office/drawing/2014/main" id="{76D082E1-9818-410A-A993-47CF0F0F5FFE}"/>
+              </a:ext>
+            </a:extLst>
+          </p:cNvPr>
+          <p:cNvSpPr txBox="1"/>
+          <p:nvPr/>
+        </p:nvSpPr>
+        <p:spPr>
+          <a:xfrm>
+            <a:off x="6229178" y="2885851"/>
+            <a:ext cx="2558614" cy="369332"/>
+          </a:xfrm>
+          <a:prstGeom prst="rect">
+            <a:avLst/>
+          </a:prstGeom>
+          <a:noFill/>
+        </p:spPr>
+        <p:txBody>
+          <a:bodyPr wrap="square">
+            <a:spAutoFit/>
+          </a:bodyPr>
+          <a:lstStyle/>
+          <a:p>
+            <a:r>
+              <a:rPr lang="pt-PT" dirty="0" err="1">
+                <a:solidFill>
+                  <a:srgbClr val="FF0000"/>
+                </a:solidFill>
+              </a:rPr>
+              <a:t>FollowStreamerException</a:t>
+            </a:r>
+            <a:endParaRPr lang="en-GB" dirty="0">
+              <a:solidFill>
+                <a:srgbClr val="FF0000"/>
+              </a:solidFill>
+            </a:endParaRPr>
+          </a:p>
+        </p:txBody>
+      </p:sp>
+      <p:sp>
+        <p:nvSpPr>
+          <p:cNvPr id="53" name="CaixaDeTexto 52">
+            <a:extLst>
+              <a:ext uri="{FF2B5EF4-FFF2-40B4-BE49-F238E27FC236}">
+                <a16:creationId xmlns:a16="http://schemas.microsoft.com/office/drawing/2014/main" id="{E4DB8A9B-85EE-45D3-ACED-90766B6ABAC9}"/>
+              </a:ext>
+            </a:extLst>
+          </p:cNvPr>
+          <p:cNvSpPr txBox="1"/>
+          <p:nvPr/>
+        </p:nvSpPr>
+        <p:spPr>
+          <a:xfrm>
+            <a:off x="6229178" y="3262737"/>
+            <a:ext cx="2439140" cy="369332"/>
+          </a:xfrm>
+          <a:prstGeom prst="rect">
+            <a:avLst/>
+          </a:prstGeom>
+          <a:noFill/>
+        </p:spPr>
+        <p:txBody>
+          <a:bodyPr wrap="square">
+            <a:spAutoFit/>
+          </a:bodyPr>
+          <a:lstStyle/>
+          <a:p>
+            <a:r>
+              <a:rPr lang="pt-PT" dirty="0" err="1">
+                <a:solidFill>
+                  <a:srgbClr val="FF0000"/>
+                </a:solidFill>
+              </a:rPr>
+              <a:t>RestrictedAgeException</a:t>
+            </a:r>
+            <a:endParaRPr lang="en-GB" dirty="0">
+              <a:solidFill>
+                <a:srgbClr val="FF0000"/>
+              </a:solidFill>
+            </a:endParaRPr>
+          </a:p>
+        </p:txBody>
+      </p:sp>
+      <p:sp>
+        <p:nvSpPr>
+          <p:cNvPr id="55" name="CaixaDeTexto 54">
+            <a:extLst>
+              <a:ext uri="{FF2B5EF4-FFF2-40B4-BE49-F238E27FC236}">
+                <a16:creationId xmlns:a16="http://schemas.microsoft.com/office/drawing/2014/main" id="{F8EFE28E-BBF5-4FCC-B526-73B8DDC525A1}"/>
+              </a:ext>
+            </a:extLst>
+          </p:cNvPr>
+          <p:cNvSpPr txBox="1"/>
+          <p:nvPr/>
+        </p:nvSpPr>
+        <p:spPr>
+          <a:xfrm>
+            <a:off x="1044545" y="2568239"/>
+            <a:ext cx="1797067" cy="369332"/>
+          </a:xfrm>
+          <a:prstGeom prst="rect">
+            <a:avLst/>
+          </a:prstGeom>
+          <a:noFill/>
+        </p:spPr>
+        <p:txBody>
+          <a:bodyPr wrap="square">
+            <a:spAutoFit/>
+          </a:bodyPr>
+          <a:lstStyle/>
+          <a:p>
+            <a:r>
+              <a:rPr lang="pt-PT" dirty="0">
+                <a:solidFill>
+                  <a:srgbClr val="FF0000"/>
+                </a:solidFill>
+              </a:rPr>
+              <a:t>DoesNotExist</a:t>
+            </a:r>
+            <a:endParaRPr lang="en-GB" dirty="0">
+              <a:solidFill>
+                <a:srgbClr val="FF0000"/>
+              </a:solidFill>
+            </a:endParaRPr>
+          </a:p>
+        </p:txBody>
+      </p:sp>
+      <p:sp>
+        <p:nvSpPr>
+          <p:cNvPr id="57" name="CaixaDeTexto 56">
+            <a:extLst>
+              <a:ext uri="{FF2B5EF4-FFF2-40B4-BE49-F238E27FC236}">
+                <a16:creationId xmlns:a16="http://schemas.microsoft.com/office/drawing/2014/main" id="{2093895B-1362-4430-82DE-DD18815C55B0}"/>
+              </a:ext>
+            </a:extLst>
+          </p:cNvPr>
+          <p:cNvSpPr txBox="1"/>
+          <p:nvPr/>
+        </p:nvSpPr>
+        <p:spPr>
+          <a:xfrm>
+            <a:off x="1044545" y="2937571"/>
+            <a:ext cx="2697897" cy="369332"/>
+          </a:xfrm>
+          <a:prstGeom prst="rect">
+            <a:avLst/>
+          </a:prstGeom>
+          <a:noFill/>
+        </p:spPr>
+        <p:txBody>
+          <a:bodyPr wrap="square">
+            <a:spAutoFit/>
+          </a:bodyPr>
+          <a:lstStyle/>
+          <a:p>
+            <a:r>
+              <a:rPr lang="pt-PT" dirty="0" err="1">
+                <a:solidFill>
+                  <a:srgbClr val="FF0000"/>
+                </a:solidFill>
+              </a:rPr>
+              <a:t>EmptyDataBaseException</a:t>
+            </a:r>
+            <a:endParaRPr lang="en-GB" dirty="0">
+              <a:solidFill>
+                <a:srgbClr val="FF0000"/>
+              </a:solidFill>
+            </a:endParaRPr>
+          </a:p>
+        </p:txBody>
+      </p:sp>
+      <p:sp>
+        <p:nvSpPr>
+          <p:cNvPr id="3" name="Marcador de Posição do Rodapé 2">
+            <a:extLst>
+              <a:ext uri="{FF2B5EF4-FFF2-40B4-BE49-F238E27FC236}">
+                <a16:creationId xmlns:a16="http://schemas.microsoft.com/office/drawing/2014/main" id="{BDC108CA-1009-4F33-BA90-654A55918ED3}"/>
               </a:ext>
             </a:extLst>
           </p:cNvPr>
@@ -16281,10 +16972,10 @@
       </p:sp>
       <p:sp>
         <p:nvSpPr>
-          <p:cNvPr id="3" name="Marcador de Posição do Número do Diapositivo 2">
-            <a:extLst>
-              <a:ext uri="{FF2B5EF4-FFF2-40B4-BE49-F238E27FC236}">
-                <a16:creationId xmlns:a16="http://schemas.microsoft.com/office/drawing/2014/main" id="{59E940EF-7100-4753-B4D6-8317706B5F39}"/>
+          <p:cNvPr id="4" name="Marcador de Posição do Número do Diapositivo 3">
+            <a:extLst>
+              <a:ext uri="{FF2B5EF4-FFF2-40B4-BE49-F238E27FC236}">
+                <a16:creationId xmlns:a16="http://schemas.microsoft.com/office/drawing/2014/main" id="{D3BE8DBB-2681-4EDA-A70E-FDD3F50D1646}"/>
               </a:ext>
             </a:extLst>
           </p:cNvPr>
@@ -16301,7 +16992,7 @@
           <a:lstStyle/>
           <a:p>
             <a:fld id="{75DB3F52-068C-4339-9FA6-06F9AAEB3337}" type="slidenum">
-              <a:rPr lang="en-GB" sz="2400"/>
+              <a:rPr lang="en-GB" sz="2400" smtClean="0"/>
               <a:t>9</a:t>
             </a:fld>
             <a:endParaRPr lang="en-GB" sz="2400" dirty="0"/>
@@ -16310,10 +17001,10 @@
       </p:sp>
       <p:pic>
         <p:nvPicPr>
-          <p:cNvPr id="14" name="Imagem 13">
-            <a:extLst>
-              <a:ext uri="{FF2B5EF4-FFF2-40B4-BE49-F238E27FC236}">
-                <a16:creationId xmlns:a16="http://schemas.microsoft.com/office/drawing/2014/main" id="{C71CCF36-FC3F-4EBC-8464-434B110BC0A4}"/>
+          <p:cNvPr id="27" name="Imagem 26">
+            <a:extLst>
+              <a:ext uri="{FF2B5EF4-FFF2-40B4-BE49-F238E27FC236}">
+                <a16:creationId xmlns:a16="http://schemas.microsoft.com/office/drawing/2014/main" id="{4B81C26A-46A2-487E-A5EE-7F6366169040}"/>
               </a:ext>
             </a:extLst>
           </p:cNvPr>
@@ -16323,7 +17014,7 @@
           <p:nvPr/>
         </p:nvPicPr>
         <p:blipFill rotWithShape="1">
-          <a:blip r:embed="rId3">
+          <a:blip r:embed="rId2">
             <a:extLst>
               <a:ext uri="{28A0092B-C50C-407E-A947-70E740481C1C}">
                 <a14:useLocalDpi xmlns:a14="http://schemas.microsoft.com/office/drawing/2010/main" val="0"/>
@@ -16343,70 +17034,46 @@
           </a:prstGeom>
         </p:spPr>
       </p:pic>
-      <p:pic>
-        <p:nvPicPr>
-          <p:cNvPr id="10" name="Imagem 9">
-            <a:extLst>
-              <a:ext uri="{FF2B5EF4-FFF2-40B4-BE49-F238E27FC236}">
-                <a16:creationId xmlns:a16="http://schemas.microsoft.com/office/drawing/2014/main" id="{01983A3F-4BB4-4B05-B2F2-8B9FB3D3EE53}"/>
-              </a:ext>
-            </a:extLst>
-          </p:cNvPr>
-          <p:cNvPicPr>
-            <a:picLocks noChangeAspect="1"/>
-          </p:cNvPicPr>
-          <p:nvPr/>
-        </p:nvPicPr>
-        <p:blipFill>
-          <a:blip r:embed="rId4"/>
-          <a:stretch>
-            <a:fillRect/>
-          </a:stretch>
-        </p:blipFill>
-        <p:spPr>
-          <a:xfrm>
-            <a:off x="6717741" y="1925499"/>
-            <a:ext cx="4370470" cy="979481"/>
+      <p:sp>
+        <p:nvSpPr>
+          <p:cNvPr id="8" name="CaixaDeTexto 7">
+            <a:extLst>
+              <a:ext uri="{FF2B5EF4-FFF2-40B4-BE49-F238E27FC236}">
+                <a16:creationId xmlns:a16="http://schemas.microsoft.com/office/drawing/2014/main" id="{1B2E72D2-65CE-4EB1-9F50-0B9D09B5F392}"/>
+              </a:ext>
+            </a:extLst>
+          </p:cNvPr>
+          <p:cNvSpPr txBox="1"/>
+          <p:nvPr/>
+        </p:nvSpPr>
+        <p:spPr>
+          <a:xfrm>
+            <a:off x="1873188" y="4053119"/>
+            <a:ext cx="5548544" cy="369332"/>
           </a:xfrm>
           <a:prstGeom prst="rect">
             <a:avLst/>
           </a:prstGeom>
-        </p:spPr>
-      </p:pic>
-      <p:pic>
-        <p:nvPicPr>
-          <p:cNvPr id="6" name="Picture 5">
-            <a:extLst>
-              <a:ext uri="{FF2B5EF4-FFF2-40B4-BE49-F238E27FC236}">
-                <a16:creationId xmlns:a16="http://schemas.microsoft.com/office/drawing/2014/main" id="{734732CE-8093-4C2C-9310-00531976E575}"/>
-              </a:ext>
-            </a:extLst>
-          </p:cNvPr>
-          <p:cNvPicPr>
-            <a:picLocks noChangeAspect="1"/>
-          </p:cNvPicPr>
-          <p:nvPr/>
-        </p:nvPicPr>
-        <p:blipFill>
-          <a:blip r:embed="rId5"/>
-          <a:stretch>
-            <a:fillRect/>
-          </a:stretch>
-        </p:blipFill>
-        <p:spPr>
-          <a:xfrm>
-            <a:off x="5552891" y="3594945"/>
-            <a:ext cx="5535320" cy="2231140"/>
-          </a:xfrm>
-          <a:prstGeom prst="rect">
-            <a:avLst/>
-          </a:prstGeom>
-        </p:spPr>
-      </p:pic>
+          <a:noFill/>
+        </p:spPr>
+        <p:txBody>
+          <a:bodyPr wrap="square" rtlCol="0">
+            <a:spAutoFit/>
+          </a:bodyPr>
+          <a:lstStyle/>
+          <a:p>
+            <a:r>
+              <a:rPr lang="pt-PT" dirty="0"/>
+              <a:t>TROCAR POR EXEPÇÕES NOVAS</a:t>
+            </a:r>
+            <a:endParaRPr lang="en-GB" dirty="0"/>
+          </a:p>
+        </p:txBody>
+      </p:sp>
     </p:spTree>
     <p:extLst>
       <p:ext uri="{BB962C8B-B14F-4D97-AF65-F5344CB8AC3E}">
-        <p14:creationId xmlns:p14="http://schemas.microsoft.com/office/powerpoint/2010/main" val="1154785579"/>
+        <p14:creationId xmlns:p14="http://schemas.microsoft.com/office/powerpoint/2010/main" val="3082102471"/>
       </p:ext>
     </p:extLst>
   </p:cSld>

--- a/StreamZ__P2.pptx
+++ b/StreamZ__P2.pptx
@@ -15039,7 +15039,7 @@
             <a:pPr algn="ctr"/>
             <a:r>
               <a:rPr lang="pt-PT" sz="2000" dirty="0" err="1"/>
-              <a:t>Ammount</a:t>
+              <a:t>Amount</a:t>
             </a:r>
             <a:r>
               <a:rPr lang="pt-PT" sz="2000" dirty="0"/>

--- a/StreamZ__P2.pptx
+++ b/StreamZ__P2.pptx
@@ -372,7 +372,7 @@
           <a:p>
             <a:fld id="{B3BE95CB-A87E-409C-9CB9-073D81AF8FD7}" type="slidenum">
               <a:rPr lang="en-GB" smtClean="0"/>
-              <a:t>‹#›</a:t>
+              <a:t>‹nº›</a:t>
             </a:fld>
             <a:endParaRPr lang="en-GB"/>
           </a:p>
@@ -754,7 +754,7 @@
           <a:p>
             <a:fld id="{75DB3F52-068C-4339-9FA6-06F9AAEB3337}" type="slidenum">
               <a:rPr lang="en-GB" smtClean="0"/>
-              <a:t>‹#›</a:t>
+              <a:t>‹nº›</a:t>
             </a:fld>
             <a:endParaRPr lang="en-GB"/>
           </a:p>
@@ -965,7 +965,7 @@
           <a:p>
             <a:fld id="{75DB3F52-068C-4339-9FA6-06F9AAEB3337}" type="slidenum">
               <a:rPr lang="en-GB" smtClean="0"/>
-              <a:t>‹#›</a:t>
+              <a:t>‹nº›</a:t>
             </a:fld>
             <a:endParaRPr lang="en-GB"/>
           </a:p>
@@ -1226,7 +1226,7 @@
           <a:p>
             <a:fld id="{75DB3F52-068C-4339-9FA6-06F9AAEB3337}" type="slidenum">
               <a:rPr lang="en-GB" smtClean="0"/>
-              <a:t>‹#›</a:t>
+              <a:t>‹nº›</a:t>
             </a:fld>
             <a:endParaRPr lang="en-GB"/>
           </a:p>
@@ -1399,7 +1399,7 @@
           <a:p>
             <a:fld id="{75DB3F52-068C-4339-9FA6-06F9AAEB3337}" type="slidenum">
               <a:rPr lang="en-GB" smtClean="0"/>
-              <a:t>‹#›</a:t>
+              <a:t>‹nº›</a:t>
             </a:fld>
             <a:endParaRPr lang="en-GB"/>
           </a:p>
@@ -1739,7 +1739,7 @@
           <a:p>
             <a:fld id="{75DB3F52-068C-4339-9FA6-06F9AAEB3337}" type="slidenum">
               <a:rPr lang="en-GB" smtClean="0"/>
-              <a:t>‹#›</a:t>
+              <a:t>‹nº›</a:t>
             </a:fld>
             <a:endParaRPr lang="en-GB"/>
           </a:p>
@@ -2017,7 +2017,7 @@
           <a:p>
             <a:fld id="{75DB3F52-068C-4339-9FA6-06F9AAEB3337}" type="slidenum">
               <a:rPr lang="en-GB" smtClean="0"/>
-              <a:t>‹#›</a:t>
+              <a:t>‹nº›</a:t>
             </a:fld>
             <a:endParaRPr lang="en-GB"/>
           </a:p>
@@ -2403,7 +2403,7 @@
           <a:p>
             <a:fld id="{75DB3F52-068C-4339-9FA6-06F9AAEB3337}" type="slidenum">
               <a:rPr lang="en-GB" smtClean="0"/>
-              <a:t>‹#›</a:t>
+              <a:t>‹nº›</a:t>
             </a:fld>
             <a:endParaRPr lang="en-GB"/>
           </a:p>
@@ -2524,7 +2524,7 @@
           <a:p>
             <a:fld id="{75DB3F52-068C-4339-9FA6-06F9AAEB3337}" type="slidenum">
               <a:rPr lang="en-GB" smtClean="0"/>
-              <a:t>‹#›</a:t>
+              <a:t>‹nº›</a:t>
             </a:fld>
             <a:endParaRPr lang="en-GB"/>
           </a:p>
@@ -2708,7 +2708,7 @@
           <a:p>
             <a:fld id="{75DB3F52-068C-4339-9FA6-06F9AAEB3337}" type="slidenum">
               <a:rPr lang="en-GB" smtClean="0"/>
-              <a:t>‹#›</a:t>
+              <a:t>‹nº›</a:t>
             </a:fld>
             <a:endParaRPr lang="en-GB"/>
           </a:p>
@@ -3080,7 +3080,7 @@
           <a:p>
             <a:fld id="{75DB3F52-068C-4339-9FA6-06F9AAEB3337}" type="slidenum">
               <a:rPr lang="en-GB" smtClean="0"/>
-              <a:t>‹#›</a:t>
+              <a:t>‹nº›</a:t>
             </a:fld>
             <a:endParaRPr lang="en-GB"/>
           </a:p>
@@ -3426,7 +3426,7 @@
           <a:p>
             <a:fld id="{75DB3F52-068C-4339-9FA6-06F9AAEB3337}" type="slidenum">
               <a:rPr lang="en-GB" smtClean="0"/>
-              <a:t>‹#›</a:t>
+              <a:t>‹nº›</a:t>
             </a:fld>
             <a:endParaRPr lang="en-GB"/>
           </a:p>
@@ -3756,7 +3756,7 @@
           <a:p>
             <a:fld id="{75DB3F52-068C-4339-9FA6-06F9AAEB3337}" type="slidenum">
               <a:rPr lang="en-GB" smtClean="0"/>
-              <a:t>‹#›</a:t>
+              <a:t>‹nº›</a:t>
             </a:fld>
             <a:endParaRPr lang="en-GB"/>
           </a:p>
@@ -15572,6 +15572,7 @@
           </p:cNvPr>
           <p:cNvCxnSpPr>
             <a:cxnSpLocks/>
+            <a:stCxn id="19" idx="0"/>
             <a:endCxn id="18" idx="2"/>
           </p:cNvCxnSpPr>
           <p:nvPr/>
@@ -15579,7 +15580,7 @@
         <p:spPr>
           <a:xfrm flipH="1" flipV="1">
             <a:off x="3666554" y="3104990"/>
-            <a:ext cx="1055834" cy="955800"/>
+            <a:ext cx="1121415" cy="994749"/>
           </a:xfrm>
           <a:prstGeom prst="straightConnector1">
             <a:avLst/>
@@ -15654,6 +15655,7 @@
           </p:cNvPr>
           <p:cNvCxnSpPr>
             <a:cxnSpLocks/>
+            <a:stCxn id="25" idx="0"/>
             <a:endCxn id="24" idx="2"/>
           </p:cNvCxnSpPr>
           <p:nvPr/>
@@ -15661,7 +15663,7 @@
         <p:spPr>
           <a:xfrm flipH="1" flipV="1">
             <a:off x="5655600" y="3032818"/>
-            <a:ext cx="131846" cy="1201836"/>
+            <a:ext cx="177871" cy="1226281"/>
           </a:xfrm>
           <a:prstGeom prst="straightConnector1">
             <a:avLst/>
@@ -15740,14 +15742,15 @@
           </p:cNvPr>
           <p:cNvCxnSpPr>
             <a:cxnSpLocks/>
+            <a:stCxn id="31" idx="0"/>
             <a:endCxn id="28" idx="2"/>
           </p:cNvCxnSpPr>
           <p:nvPr/>
         </p:nvCxnSpPr>
         <p:spPr>
           <a:xfrm flipV="1">
-            <a:off x="6339704" y="3142443"/>
-            <a:ext cx="1302953" cy="1032452"/>
+            <a:off x="6324463" y="3142443"/>
+            <a:ext cx="1318194" cy="1097925"/>
           </a:xfrm>
           <a:prstGeom prst="straightConnector1">
             <a:avLst/>
@@ -15865,7 +15868,7 @@
           </p:cNvPr>
           <p:cNvCxnSpPr>
             <a:cxnSpLocks/>
-            <a:stCxn id="3" idx="1"/>
+            <a:stCxn id="20" idx="2"/>
             <a:endCxn id="22" idx="2"/>
           </p:cNvCxnSpPr>
           <p:nvPr/>
@@ -15873,7 +15876,7 @@
         <p:spPr>
           <a:xfrm flipH="1" flipV="1">
             <a:off x="2640397" y="3812876"/>
-            <a:ext cx="2081991" cy="599042"/>
+            <a:ext cx="1978110" cy="526327"/>
           </a:xfrm>
           <a:prstGeom prst="straightConnector1">
             <a:avLst/>
@@ -15952,14 +15955,15 @@
           </p:cNvPr>
           <p:cNvCxnSpPr>
             <a:cxnSpLocks/>
+            <a:stCxn id="32" idx="7"/>
             <a:endCxn id="30" idx="1"/>
           </p:cNvCxnSpPr>
           <p:nvPr/>
         </p:nvCxnSpPr>
         <p:spPr>
           <a:xfrm flipV="1">
-            <a:off x="6776325" y="4093228"/>
-            <a:ext cx="1003962" cy="191292"/>
+            <a:off x="6691746" y="3857942"/>
+            <a:ext cx="1043595" cy="434565"/>
           </a:xfrm>
           <a:prstGeom prst="straightConnector1">
             <a:avLst/>
@@ -16000,7 +16004,7 @@
         </p:nvSpPr>
         <p:spPr>
           <a:xfrm>
-            <a:off x="7780287" y="3739285"/>
+            <a:off x="7735341" y="3503999"/>
             <a:ext cx="2038416" cy="707886"/>
           </a:xfrm>
           <a:prstGeom prst="rect">
@@ -16028,6 +16032,276 @@
               <a:t>compra</a:t>
             </a:r>
             <a:endParaRPr lang="en-GB" sz="2000" dirty="0"/>
+          </a:p>
+        </p:txBody>
+      </p:sp>
+      <p:sp>
+        <p:nvSpPr>
+          <p:cNvPr id="19" name="Oval 18">
+            <a:extLst>
+              <a:ext uri="{FF2B5EF4-FFF2-40B4-BE49-F238E27FC236}">
+                <a16:creationId xmlns:a16="http://schemas.microsoft.com/office/drawing/2014/main" id="{8E82B84A-90DD-40FB-8AC3-D787CEF2CEC8}"/>
+              </a:ext>
+            </a:extLst>
+          </p:cNvPr>
+          <p:cNvSpPr/>
+          <p:nvPr/>
+        </p:nvSpPr>
+        <p:spPr>
+          <a:xfrm>
+            <a:off x="4692956" y="4099739"/>
+            <a:ext cx="190026" cy="191292"/>
+          </a:xfrm>
+          <a:prstGeom prst="ellipse">
+            <a:avLst/>
+          </a:prstGeom>
+          <a:noFill/>
+          <a:ln w="9525" cap="flat" cmpd="sng" algn="ctr">
+            <a:solidFill>
+              <a:srgbClr val="8C2D19"/>
+            </a:solidFill>
+            <a:prstDash val="solid"/>
+            <a:round/>
+            <a:headEnd type="none" w="med" len="med"/>
+            <a:tailEnd type="none" w="med" len="med"/>
+          </a:ln>
+        </p:spPr>
+        <p:style>
+          <a:lnRef idx="0">
+            <a:scrgbClr r="0" g="0" b="0"/>
+          </a:lnRef>
+          <a:fillRef idx="0">
+            <a:scrgbClr r="0" g="0" b="0"/>
+          </a:fillRef>
+          <a:effectRef idx="0">
+            <a:scrgbClr r="0" g="0" b="0"/>
+          </a:effectRef>
+          <a:fontRef idx="minor">
+            <a:schemeClr val="dk1"/>
+          </a:fontRef>
+        </p:style>
+        <p:txBody>
+          <a:bodyPr rtlCol="0" anchor="ctr"/>
+          <a:lstStyle/>
+          <a:p>
+            <a:pPr algn="ctr"/>
+            <a:endParaRPr lang="en-GB"/>
+          </a:p>
+        </p:txBody>
+      </p:sp>
+      <p:sp>
+        <p:nvSpPr>
+          <p:cNvPr id="20" name="Oval 19">
+            <a:extLst>
+              <a:ext uri="{FF2B5EF4-FFF2-40B4-BE49-F238E27FC236}">
+                <a16:creationId xmlns:a16="http://schemas.microsoft.com/office/drawing/2014/main" id="{121739CC-D0E9-4C85-B09C-0D94360D8FEF}"/>
+              </a:ext>
+            </a:extLst>
+          </p:cNvPr>
+          <p:cNvSpPr/>
+          <p:nvPr/>
+        </p:nvSpPr>
+        <p:spPr>
+          <a:xfrm>
+            <a:off x="4618507" y="4248990"/>
+            <a:ext cx="797169" cy="180425"/>
+          </a:xfrm>
+          <a:prstGeom prst="ellipse">
+            <a:avLst/>
+          </a:prstGeom>
+          <a:noFill/>
+          <a:ln w="9525" cap="flat" cmpd="sng" algn="ctr">
+            <a:solidFill>
+              <a:srgbClr val="8C2D19"/>
+            </a:solidFill>
+            <a:prstDash val="solid"/>
+            <a:round/>
+            <a:headEnd type="none" w="med" len="med"/>
+            <a:tailEnd type="none" w="med" len="med"/>
+          </a:ln>
+        </p:spPr>
+        <p:style>
+          <a:lnRef idx="0">
+            <a:scrgbClr r="0" g="0" b="0"/>
+          </a:lnRef>
+          <a:fillRef idx="0">
+            <a:scrgbClr r="0" g="0" b="0"/>
+          </a:fillRef>
+          <a:effectRef idx="0">
+            <a:scrgbClr r="0" g="0" b="0"/>
+          </a:effectRef>
+          <a:fontRef idx="minor">
+            <a:schemeClr val="dk1"/>
+          </a:fontRef>
+        </p:style>
+        <p:txBody>
+          <a:bodyPr rtlCol="0" anchor="ctr"/>
+          <a:lstStyle/>
+          <a:p>
+            <a:pPr algn="ctr"/>
+            <a:endParaRPr lang="en-GB"/>
+          </a:p>
+        </p:txBody>
+      </p:sp>
+      <p:sp>
+        <p:nvSpPr>
+          <p:cNvPr id="25" name="Oval 24">
+            <a:extLst>
+              <a:ext uri="{FF2B5EF4-FFF2-40B4-BE49-F238E27FC236}">
+                <a16:creationId xmlns:a16="http://schemas.microsoft.com/office/drawing/2014/main" id="{76AABEA6-AF0F-42C7-8A7A-31CB3C4E4891}"/>
+              </a:ext>
+            </a:extLst>
+          </p:cNvPr>
+          <p:cNvSpPr/>
+          <p:nvPr/>
+        </p:nvSpPr>
+        <p:spPr>
+          <a:xfrm>
+            <a:off x="5502440" y="4259099"/>
+            <a:ext cx="662061" cy="176828"/>
+          </a:xfrm>
+          <a:prstGeom prst="ellipse">
+            <a:avLst/>
+          </a:prstGeom>
+          <a:noFill/>
+          <a:ln w="9525" cap="flat" cmpd="sng" algn="ctr">
+            <a:solidFill>
+              <a:srgbClr val="8C2D19"/>
+            </a:solidFill>
+            <a:prstDash val="solid"/>
+            <a:round/>
+            <a:headEnd type="none" w="med" len="med"/>
+            <a:tailEnd type="none" w="med" len="med"/>
+          </a:ln>
+        </p:spPr>
+        <p:style>
+          <a:lnRef idx="0">
+            <a:scrgbClr r="0" g="0" b="0"/>
+          </a:lnRef>
+          <a:fillRef idx="0">
+            <a:scrgbClr r="0" g="0" b="0"/>
+          </a:fillRef>
+          <a:effectRef idx="0">
+            <a:scrgbClr r="0" g="0" b="0"/>
+          </a:effectRef>
+          <a:fontRef idx="minor">
+            <a:schemeClr val="dk1"/>
+          </a:fontRef>
+        </p:style>
+        <p:txBody>
+          <a:bodyPr rtlCol="0" anchor="ctr"/>
+          <a:lstStyle/>
+          <a:p>
+            <a:pPr algn="ctr"/>
+            <a:endParaRPr lang="en-GB"/>
+          </a:p>
+        </p:txBody>
+      </p:sp>
+      <p:sp>
+        <p:nvSpPr>
+          <p:cNvPr id="31" name="Oval 30">
+            <a:extLst>
+              <a:ext uri="{FF2B5EF4-FFF2-40B4-BE49-F238E27FC236}">
+                <a16:creationId xmlns:a16="http://schemas.microsoft.com/office/drawing/2014/main" id="{0215B8AF-C946-44E1-B6E0-B1EE9D547446}"/>
+              </a:ext>
+            </a:extLst>
+          </p:cNvPr>
+          <p:cNvSpPr/>
+          <p:nvPr/>
+        </p:nvSpPr>
+        <p:spPr>
+          <a:xfrm>
+            <a:off x="6231779" y="4240368"/>
+            <a:ext cx="185368" cy="214289"/>
+          </a:xfrm>
+          <a:prstGeom prst="ellipse">
+            <a:avLst/>
+          </a:prstGeom>
+          <a:noFill/>
+          <a:ln w="9525" cap="flat" cmpd="sng" algn="ctr">
+            <a:solidFill>
+              <a:srgbClr val="8C2D19"/>
+            </a:solidFill>
+            <a:prstDash val="solid"/>
+            <a:round/>
+            <a:headEnd type="none" w="med" len="med"/>
+            <a:tailEnd type="none" w="med" len="med"/>
+          </a:ln>
+        </p:spPr>
+        <p:style>
+          <a:lnRef idx="0">
+            <a:scrgbClr r="0" g="0" b="0"/>
+          </a:lnRef>
+          <a:fillRef idx="0">
+            <a:scrgbClr r="0" g="0" b="0"/>
+          </a:fillRef>
+          <a:effectRef idx="0">
+            <a:scrgbClr r="0" g="0" b="0"/>
+          </a:effectRef>
+          <a:fontRef idx="minor">
+            <a:schemeClr val="dk1"/>
+          </a:fontRef>
+        </p:style>
+        <p:txBody>
+          <a:bodyPr rtlCol="0" anchor="ctr"/>
+          <a:lstStyle/>
+          <a:p>
+            <a:pPr algn="ctr"/>
+            <a:endParaRPr lang="en-GB"/>
+          </a:p>
+        </p:txBody>
+      </p:sp>
+      <p:sp>
+        <p:nvSpPr>
+          <p:cNvPr id="32" name="Oval 31">
+            <a:extLst>
+              <a:ext uri="{FF2B5EF4-FFF2-40B4-BE49-F238E27FC236}">
+                <a16:creationId xmlns:a16="http://schemas.microsoft.com/office/drawing/2014/main" id="{5BC33D09-B4BD-4B57-AE33-48DA9AA78D39}"/>
+              </a:ext>
+            </a:extLst>
+          </p:cNvPr>
+          <p:cNvSpPr/>
+          <p:nvPr/>
+        </p:nvSpPr>
+        <p:spPr>
+          <a:xfrm>
+            <a:off x="6509754" y="4264687"/>
+            <a:ext cx="213217" cy="189970"/>
+          </a:xfrm>
+          <a:prstGeom prst="ellipse">
+            <a:avLst/>
+          </a:prstGeom>
+          <a:noFill/>
+          <a:ln w="9525" cap="flat" cmpd="sng" algn="ctr">
+            <a:solidFill>
+              <a:srgbClr val="8C2D19"/>
+            </a:solidFill>
+            <a:prstDash val="solid"/>
+            <a:round/>
+            <a:headEnd type="none" w="med" len="med"/>
+            <a:tailEnd type="none" w="med" len="med"/>
+          </a:ln>
+        </p:spPr>
+        <p:style>
+          <a:lnRef idx="0">
+            <a:scrgbClr r="0" g="0" b="0"/>
+          </a:lnRef>
+          <a:fillRef idx="0">
+            <a:scrgbClr r="0" g="0" b="0"/>
+          </a:fillRef>
+          <a:effectRef idx="0">
+            <a:scrgbClr r="0" g="0" b="0"/>
+          </a:effectRef>
+          <a:fontRef idx="minor">
+            <a:schemeClr val="dk1"/>
+          </a:fontRef>
+        </p:style>
+        <p:txBody>
+          <a:bodyPr rtlCol="0" anchor="ctr"/>
+          <a:lstStyle/>
+          <a:p>
+            <a:pPr algn="ctr"/>
+            <a:endParaRPr lang="en-GB"/>
           </a:p>
         </p:txBody>
       </p:sp>

--- a/StreamZ__P2.pptx
+++ b/StreamZ__P2.pptx
@@ -5782,15 +5782,15 @@
             <a:r>
               <a:rPr lang="pt-PT" sz="6600" dirty="0">
                 <a:solidFill>
-                  <a:srgbClr val="FF0000"/>
+                  <a:schemeClr val="tx1"/>
                 </a:solidFill>
                 <a:latin typeface="Bahnschrift SemiLight" panose="020B0502040204020203" pitchFamily="34" charset="0"/>
               </a:rPr>
-              <a:t>UI – Pesquisas</a:t>
+              <a:t>UI</a:t>
             </a:r>
             <a:endParaRPr lang="en-GB" sz="6600" dirty="0">
               <a:solidFill>
-                <a:srgbClr val="FF0000"/>
+                <a:schemeClr val="tx1"/>
               </a:solidFill>
               <a:latin typeface="Bahnschrift SemiLight" panose="020B0502040204020203" pitchFamily="34" charset="0"/>
             </a:endParaRPr>
@@ -5812,9 +5812,9 @@
           <p:nvPr/>
         </p:nvCxnSpPr>
         <p:spPr>
-          <a:xfrm flipH="1">
-            <a:off x="1097280" y="1737360"/>
-            <a:ext cx="10239504" cy="0"/>
+          <a:xfrm>
+            <a:off x="11192396" y="1426808"/>
+            <a:ext cx="259554" cy="1"/>
           </a:xfrm>
           <a:prstGeom prst="line">
             <a:avLst/>
@@ -5947,7 +5947,7 @@
         <p:spPr>
           <a:xfrm>
             <a:off x="861379" y="4381999"/>
-            <a:ext cx="5649612" cy="1754326"/>
+            <a:ext cx="5649612" cy="1477328"/>
           </a:xfrm>
           <a:prstGeom prst="rect">
             <a:avLst/>
@@ -5965,12 +5965,8 @@
               <a:buChar char="•"/>
             </a:pPr>
             <a:r>
-              <a:rPr lang="pt-PT" dirty="0">
-                <a:solidFill>
-                  <a:srgbClr val="FF0000"/>
-                </a:solidFill>
-              </a:rPr>
-              <a:t>Escolher vários parametros</a:t>
+              <a:rPr lang="pt-PT" dirty="0"/>
+              <a:t>Escolher vários parâmetros de pesquisa de doações</a:t>
             </a:r>
           </a:p>
           <a:p>
@@ -5979,12 +5975,8 @@
               <a:buChar char="•"/>
             </a:pPr>
             <a:r>
-              <a:rPr lang="pt-PT" dirty="0">
-                <a:solidFill>
-                  <a:srgbClr val="FF0000"/>
-                </a:solidFill>
-              </a:rPr>
-              <a:t>Não escolher nenhum género implica pesquisar por todos</a:t>
+              <a:rPr lang="pt-PT" dirty="0"/>
+              <a:t>Não escolher nenhum elemento implica pesquisar por todos</a:t>
             </a:r>
           </a:p>
           <a:p>
@@ -5993,32 +5985,9 @@
               <a:buChar char="•"/>
             </a:pPr>
             <a:r>
-              <a:rPr lang="pt-PT" dirty="0">
-                <a:solidFill>
-                  <a:srgbClr val="FF0000"/>
-                </a:solidFill>
-              </a:rPr>
+              <a:rPr lang="pt-PT" dirty="0"/>
               <a:t>Escolher 0 para parar de adicionar elementos à pesquisa</a:t>
             </a:r>
-          </a:p>
-          <a:p>
-            <a:pPr marL="285750" indent="-285750">
-              <a:buFont typeface="Arial" panose="020B0604020202020204" pitchFamily="34" charset="0"/>
-              <a:buChar char="•"/>
-            </a:pPr>
-            <a:r>
-              <a:rPr lang="pt-PT" dirty="0">
-                <a:solidFill>
-                  <a:srgbClr val="FF0000"/>
-                </a:solidFill>
-              </a:rPr>
-              <a:t>Ordenar à escolha se assim desejar</a:t>
-            </a:r>
-            <a:endParaRPr lang="en-US" dirty="0">
-              <a:solidFill>
-                <a:srgbClr val="FF0000"/>
-              </a:solidFill>
-            </a:endParaRPr>
           </a:p>
         </p:txBody>
       </p:sp>
@@ -6086,10 +6055,10 @@
       </p:sp>
       <p:pic>
         <p:nvPicPr>
-          <p:cNvPr id="8" name="Picture 7">
-            <a:extLst>
-              <a:ext uri="{FF2B5EF4-FFF2-40B4-BE49-F238E27FC236}">
-                <a16:creationId xmlns:a16="http://schemas.microsoft.com/office/drawing/2014/main" id="{59DFA416-8478-4302-A4BD-FD4A0E85E958}"/>
+          <p:cNvPr id="10" name="Picture 9">
+            <a:extLst>
+              <a:ext uri="{FF2B5EF4-FFF2-40B4-BE49-F238E27FC236}">
+                <a16:creationId xmlns:a16="http://schemas.microsoft.com/office/drawing/2014/main" id="{4DC358C9-9033-47BF-BC57-51F72C38AA90}"/>
               </a:ext>
             </a:extLst>
           </p:cNvPr>
@@ -6106,68 +6075,8 @@
         </p:blipFill>
         <p:spPr>
           <a:xfrm>
-            <a:off x="861379" y="2324472"/>
-            <a:ext cx="2600430" cy="1824981"/>
-          </a:xfrm>
-          <a:prstGeom prst="rect">
-            <a:avLst/>
-          </a:prstGeom>
-        </p:spPr>
-      </p:pic>
-      <p:pic>
-        <p:nvPicPr>
-          <p:cNvPr id="16" name="Picture 15">
-            <a:extLst>
-              <a:ext uri="{FF2B5EF4-FFF2-40B4-BE49-F238E27FC236}">
-                <a16:creationId xmlns:a16="http://schemas.microsoft.com/office/drawing/2014/main" id="{24CC2751-1A2A-4FFC-BCBC-90AE321EF4B7}"/>
-              </a:ext>
-            </a:extLst>
-          </p:cNvPr>
-          <p:cNvPicPr>
-            <a:picLocks noChangeAspect="1"/>
-          </p:cNvPicPr>
-          <p:nvPr/>
-        </p:nvPicPr>
-        <p:blipFill>
-          <a:blip r:embed="rId4"/>
-          <a:stretch>
-            <a:fillRect/>
-          </a:stretch>
-        </p:blipFill>
-        <p:spPr>
-          <a:xfrm>
-            <a:off x="7783230" y="1832514"/>
-            <a:ext cx="3053920" cy="3149355"/>
-          </a:xfrm>
-          <a:prstGeom prst="rect">
-            <a:avLst/>
-          </a:prstGeom>
-        </p:spPr>
-      </p:pic>
-      <p:pic>
-        <p:nvPicPr>
-          <p:cNvPr id="9" name="Picture 8">
-            <a:extLst>
-              <a:ext uri="{FF2B5EF4-FFF2-40B4-BE49-F238E27FC236}">
-                <a16:creationId xmlns:a16="http://schemas.microsoft.com/office/drawing/2014/main" id="{609E53D3-C469-4E0F-82E7-9857FA4173D9}"/>
-              </a:ext>
-            </a:extLst>
-          </p:cNvPr>
-          <p:cNvPicPr>
-            <a:picLocks noChangeAspect="1"/>
-          </p:cNvPicPr>
-          <p:nvPr/>
-        </p:nvPicPr>
-        <p:blipFill>
-          <a:blip r:embed="rId5"/>
-          <a:stretch>
-            <a:fillRect/>
-          </a:stretch>
-        </p:blipFill>
-        <p:spPr>
-          <a:xfrm>
-            <a:off x="3612605" y="2230575"/>
-            <a:ext cx="2768404" cy="2012777"/>
+            <a:off x="1295875" y="1979886"/>
+            <a:ext cx="2841140" cy="2371381"/>
           </a:xfrm>
           <a:prstGeom prst="rect">
             <a:avLst/>
@@ -7515,79 +7424,42 @@
             <a:r>
               <a:rPr lang="pt-PT" dirty="0">
                 <a:solidFill>
-                  <a:srgbClr val="FF0000"/>
+                  <a:schemeClr val="tx1"/>
                 </a:solidFill>
               </a:rPr>
-              <a:t>Guardar apontadores nos membros das classes para ter acesso direto às funções da classe associada. No entanto, como havia classes que dependiam umas das outras, carregar ficheiros seria bastante mais difícil pelo facto de certos objetos ainda não terem sido carregados para o programa.</a:t>
-            </a:r>
-            <a:r>
-              <a:rPr lang="pt-PT" sz="1800" dirty="0">
+              <a:t>Não houve grandes dificuldades devido à boa estrutura do projeto pelo que se tiveram de adicionar apenas alguns elementos, relativamente às </a:t>
+            </a:r>
+            <a:r>
+              <a:rPr lang="pt-PT" dirty="0" err="1">
                 <a:solidFill>
-                  <a:srgbClr val="FF0000"/>
+                  <a:schemeClr val="tx1"/>
                 </a:solidFill>
               </a:rPr>
-              <a:t> Para isso usamos nicknames e ID’s das streams como identificadores únicos.</a:t>
-            </a:r>
-          </a:p>
-          <a:p>
-            <a:pPr lvl="1">
-              <a:buClr>
-                <a:srgbClr val="8C2D19"/>
-              </a:buClr>
-              <a:buFont typeface="Arial" panose="020B0604020202020204" pitchFamily="34" charset="0"/>
-              <a:buChar char="•"/>
-            </a:pPr>
-            <a:endParaRPr lang="pt-PT" dirty="0">
-              <a:solidFill>
-                <a:srgbClr val="FF0000"/>
-              </a:solidFill>
-            </a:endParaRPr>
-          </a:p>
-          <a:p>
-            <a:pPr lvl="1">
-              <a:buClr>
-                <a:srgbClr val="8C2D19"/>
-              </a:buClr>
-              <a:buFont typeface="Arial" panose="020B0604020202020204" pitchFamily="34" charset="0"/>
-              <a:buChar char="•"/>
-            </a:pPr>
+              <a:t>orders</a:t>
+            </a:r>
             <a:r>
               <a:rPr lang="pt-PT" dirty="0">
                 <a:solidFill>
-                  <a:srgbClr val="FF0000"/>
+                  <a:schemeClr val="tx1"/>
                 </a:solidFill>
               </a:rPr>
-              <a:t>Ligação entre as diferentes classes em relação a chamada de métodos. Para tal usamos a classe StreamZ como interligação entre as várias classes.</a:t>
-            </a:r>
-          </a:p>
-          <a:p>
-            <a:pPr marL="201168" lvl="1" indent="0">
-              <a:buClr>
-                <a:srgbClr val="8C2D19"/>
-              </a:buClr>
-              <a:buNone/>
-            </a:pPr>
-            <a:endParaRPr lang="pt-PT" dirty="0">
-              <a:solidFill>
-                <a:srgbClr val="FF0000"/>
-              </a:solidFill>
-            </a:endParaRPr>
-          </a:p>
-          <a:p>
-            <a:pPr lvl="1">
-              <a:buClr>
-                <a:srgbClr val="8C2D19"/>
-              </a:buClr>
-              <a:buFont typeface="Arial" panose="020B0604020202020204" pitchFamily="34" charset="0"/>
-              <a:buChar char="•"/>
-            </a:pPr>
+              <a:t> e às doações. Quanto ao </a:t>
+            </a:r>
+            <a:r>
+              <a:rPr lang="pt-PT" dirty="0" err="1">
+                <a:solidFill>
+                  <a:schemeClr val="tx1"/>
+                </a:solidFill>
+              </a:rPr>
+              <a:t>streamer</a:t>
+            </a:r>
             <a:r>
               <a:rPr lang="pt-PT" dirty="0">
                 <a:solidFill>
-                  <a:srgbClr val="FF0000"/>
+                  <a:schemeClr val="tx1"/>
                 </a:solidFill>
               </a:rPr>
-              <a:t>Garantir que não ficaria nenhuma referencia quando algum objeto fosse apagado do sistema. Tal causaria chamar funções sobre apontadores nulos. Conseguido através da implementação de destrutores.</a:t>
+              <a:t>, apenas foi necessário mudar as funções de mais baixo nível, em termos de acessos à base de dados.</a:t>
             </a:r>
           </a:p>
           <a:p>
@@ -8622,7 +8494,7 @@
         <p:spPr>
           <a:xfrm>
             <a:off x="1190495" y="1841033"/>
-            <a:ext cx="9871969" cy="2308324"/>
+            <a:ext cx="9871969" cy="3416320"/>
           </a:xfrm>
           <a:prstGeom prst="rect">
             <a:avLst/>
@@ -8717,6 +8589,16 @@
               <a:buFont typeface="Arial" panose="020B0604020202020204" pitchFamily="34" charset="0"/>
               <a:buChar char="•"/>
             </a:pPr>
+            <a:endParaRPr lang="pt-PT" dirty="0"/>
+          </a:p>
+          <a:p>
+            <a:pPr marL="285750" indent="-285750">
+              <a:buClr>
+                <a:srgbClr val="C00000"/>
+              </a:buClr>
+              <a:buFont typeface="Arial" panose="020B0604020202020204" pitchFamily="34" charset="0"/>
+              <a:buChar char="•"/>
+            </a:pPr>
             <a:r>
               <a:rPr lang="pt-PT" dirty="0"/>
               <a:t>Modificou-se a maneira como se guardam os </a:t>
@@ -8800,6 +8682,51 @@
             <a:r>
               <a:rPr lang="pt-PT" dirty="0"/>
               <a:t>.</a:t>
+            </a:r>
+          </a:p>
+          <a:p>
+            <a:pPr marL="285750" indent="-285750">
+              <a:buClr>
+                <a:srgbClr val="C00000"/>
+              </a:buClr>
+              <a:buFont typeface="Arial" panose="020B0604020202020204" pitchFamily="34" charset="0"/>
+              <a:buChar char="•"/>
+            </a:pPr>
+            <a:r>
+              <a:rPr lang="pt-PT" dirty="0"/>
+              <a:t>Foi alterada a função </a:t>
+            </a:r>
+            <a:r>
+              <a:rPr lang="pt-PT" dirty="0" err="1"/>
+              <a:t>getUser</a:t>
+            </a:r>
+            <a:r>
+              <a:rPr lang="pt-PT" dirty="0"/>
+              <a:t>(). Caso o tipo de utilizador fosse um </a:t>
+            </a:r>
+            <a:r>
+              <a:rPr lang="pt-PT" dirty="0" err="1"/>
+              <a:t>streamer</a:t>
+            </a:r>
+            <a:r>
+              <a:rPr lang="pt-PT" dirty="0"/>
+              <a:t>, ia procurar no </a:t>
+            </a:r>
+            <a:r>
+              <a:rPr lang="pt-PT" dirty="0" err="1"/>
+              <a:t>unordered_set</a:t>
+            </a:r>
+            <a:r>
+              <a:rPr lang="pt-PT" dirty="0"/>
+              <a:t>. Também foi necessário modificar a função de criar novos </a:t>
+            </a:r>
+            <a:r>
+              <a:rPr lang="pt-PT" dirty="0" err="1"/>
+              <a:t>streamers</a:t>
+            </a:r>
+            <a:r>
+              <a:rPr lang="pt-PT" dirty="0"/>
+              <a:t>, para que estes fossem adicionados ao set e não ao mapa. Apenas foram alteradas as funções de mais baixo nível.</a:t>
             </a:r>
           </a:p>
         </p:txBody>
@@ -9298,7 +9225,7 @@
         <p:spPr>
           <a:xfrm>
             <a:off x="1097279" y="4984311"/>
-            <a:ext cx="10115203" cy="923330"/>
+            <a:ext cx="10115203" cy="369332"/>
           </a:xfrm>
           <a:prstGeom prst="rect">
             <a:avLst/>
@@ -9324,44 +9251,46 @@
             </a:r>
             <a:r>
               <a:rPr lang="pt-PT" dirty="0"/>
-              <a:t> 2.0: Foi alterada a função de </a:t>
+              <a:t> 2.0: Função de </a:t>
             </a:r>
             <a:r>
               <a:rPr lang="pt-PT" dirty="0" err="1"/>
-              <a:t>getUser</a:t>
-            </a:r>
-            <a:r>
-              <a:rPr lang="pt-PT" dirty="0"/>
-              <a:t>. Caso o tipo de utilizador fosse um </a:t>
-            </a:r>
-            <a:r>
-              <a:rPr lang="pt-PT" dirty="0" err="1"/>
-              <a:t>streamer</a:t>
-            </a:r>
-            <a:r>
-              <a:rPr lang="pt-PT" dirty="0"/>
-              <a:t>, ia procurar no </a:t>
-            </a:r>
-            <a:r>
-              <a:rPr lang="pt-PT" dirty="0" err="1"/>
-              <a:t>unordered_set</a:t>
-            </a:r>
-            <a:r>
-              <a:rPr lang="pt-PT" dirty="0"/>
-              <a:t>. Também foi necessário modificar a função de criar novos </a:t>
-            </a:r>
-            <a:r>
-              <a:rPr lang="pt-PT" dirty="0" err="1"/>
-              <a:t>streamers</a:t>
-            </a:r>
-            <a:r>
-              <a:rPr lang="pt-PT" dirty="0"/>
-              <a:t>, para que estes fossem adicionados ao set e não ao mapa.</a:t>
+              <a:t>hash</a:t>
             </a:r>
             <a:endParaRPr lang="en-GB" dirty="0"/>
           </a:p>
         </p:txBody>
       </p:sp>
+      <p:pic>
+        <p:nvPicPr>
+          <p:cNvPr id="5" name="Picture 4">
+            <a:extLst>
+              <a:ext uri="{FF2B5EF4-FFF2-40B4-BE49-F238E27FC236}">
+                <a16:creationId xmlns:a16="http://schemas.microsoft.com/office/drawing/2014/main" id="{AA3D75F8-D725-45D0-81E1-81A866DCDDC0}"/>
+              </a:ext>
+            </a:extLst>
+          </p:cNvPr>
+          <p:cNvPicPr>
+            <a:picLocks noChangeAspect="1"/>
+          </p:cNvPicPr>
+          <p:nvPr/>
+        </p:nvPicPr>
+        <p:blipFill>
+          <a:blip r:embed="rId5"/>
+          <a:stretch>
+            <a:fillRect/>
+          </a:stretch>
+        </p:blipFill>
+        <p:spPr>
+          <a:xfrm>
+            <a:off x="5442513" y="5020949"/>
+            <a:ext cx="5769970" cy="1190278"/>
+          </a:xfrm>
+          <a:prstGeom prst="rect">
+            <a:avLst/>
+          </a:prstGeom>
+        </p:spPr>
+      </p:pic>
     </p:spTree>
     <p:extLst>
       <p:ext uri="{BB962C8B-B14F-4D97-AF65-F5344CB8AC3E}">
@@ -13006,7 +12935,15 @@
             </a:r>
             <a:r>
               <a:rPr lang="pt-PT" dirty="0"/>
-              <a:t>.</a:t>
+              <a:t>. Usado os algoritmos de </a:t>
+            </a:r>
+            <a:r>
+              <a:rPr lang="pt-PT" dirty="0" err="1"/>
+              <a:t>find</a:t>
+            </a:r>
+            <a:r>
+              <a:rPr lang="pt-PT" dirty="0"/>
+              <a:t> e remove da BST.</a:t>
             </a:r>
           </a:p>
           <a:p>
@@ -13019,7 +12956,7 @@
             </a:pPr>
             <a:r>
               <a:rPr lang="pt-PT" dirty="0"/>
-              <a:t>A conta de </a:t>
+              <a:t>Opção de desativar a conta </a:t>
             </a:r>
             <a:r>
               <a:rPr lang="pt-PT" dirty="0" err="1"/>
@@ -13027,7 +12964,7 @@
             </a:r>
             <a:r>
               <a:rPr lang="pt-PT" dirty="0"/>
-              <a:t> tem a opção de desativar a conta e também adicionamos a opção de apagar permanentemente. Também pode ser alterado o seu nome, password, é também possível eliminar </a:t>
+              <a:t> e de apagar permanentemente. Pode ser alterado o seu nome, password, é também possível eliminar </a:t>
             </a:r>
             <a:r>
               <a:rPr lang="pt-PT" dirty="0" err="1"/>

--- a/StreamZ__P2.pptx
+++ b/StreamZ__P2.pptx
@@ -5,24 +5,26 @@
     <p:sldMasterId id="2147483803" r:id="rId1"/>
   </p:sldMasterIdLst>
   <p:notesMasterIdLst>
-    <p:notesMasterId r:id="rId17"/>
+    <p:notesMasterId r:id="rId19"/>
   </p:notesMasterIdLst>
   <p:sldIdLst>
     <p:sldId id="256" r:id="rId2"/>
     <p:sldId id="257" r:id="rId3"/>
     <p:sldId id="258" r:id="rId4"/>
     <p:sldId id="265" r:id="rId5"/>
-    <p:sldId id="281" r:id="rId6"/>
-    <p:sldId id="282" r:id="rId7"/>
-    <p:sldId id="261" r:id="rId8"/>
-    <p:sldId id="269" r:id="rId9"/>
-    <p:sldId id="266" r:id="rId10"/>
-    <p:sldId id="271" r:id="rId11"/>
-    <p:sldId id="278" r:id="rId12"/>
-    <p:sldId id="279" r:id="rId13"/>
-    <p:sldId id="262" r:id="rId14"/>
-    <p:sldId id="280" r:id="rId15"/>
-    <p:sldId id="263" r:id="rId16"/>
+    <p:sldId id="283" r:id="rId6"/>
+    <p:sldId id="281" r:id="rId7"/>
+    <p:sldId id="282" r:id="rId8"/>
+    <p:sldId id="261" r:id="rId9"/>
+    <p:sldId id="269" r:id="rId10"/>
+    <p:sldId id="266" r:id="rId11"/>
+    <p:sldId id="284" r:id="rId12"/>
+    <p:sldId id="271" r:id="rId13"/>
+    <p:sldId id="278" r:id="rId14"/>
+    <p:sldId id="279" r:id="rId15"/>
+    <p:sldId id="262" r:id="rId16"/>
+    <p:sldId id="280" r:id="rId17"/>
+    <p:sldId id="263" r:id="rId18"/>
   </p:sldIdLst>
   <p:sldSz cx="12192000" cy="6858000"/>
   <p:notesSz cx="6858000" cy="9144000"/>
@@ -4716,10 +4718,10 @@
       </p:grpSpPr>
       <p:sp>
         <p:nvSpPr>
-          <p:cNvPr id="4" name="Título 1">
-            <a:extLst>
-              <a:ext uri="{FF2B5EF4-FFF2-40B4-BE49-F238E27FC236}">
-                <a16:creationId xmlns:a16="http://schemas.microsoft.com/office/drawing/2014/main" id="{267B6764-42C3-4081-8C20-2DD12E1BA125}"/>
+          <p:cNvPr id="2" name="Título 1">
+            <a:extLst>
+              <a:ext uri="{FF2B5EF4-FFF2-40B4-BE49-F238E27FC236}">
+                <a16:creationId xmlns:a16="http://schemas.microsoft.com/office/drawing/2014/main" id="{94156D41-8965-4403-A98B-D1E242421D46}"/>
               </a:ext>
             </a:extLst>
           </p:cNvPr>
@@ -4730,29 +4732,71 @@
             <p:ph type="title"/>
           </p:nvPr>
         </p:nvSpPr>
-        <p:spPr>
-          <a:xfrm>
-            <a:off x="1097280" y="286603"/>
-            <a:ext cx="10058400" cy="1450757"/>
-          </a:xfrm>
-        </p:spPr>
-        <p:txBody>
-          <a:bodyPr/>
+        <p:spPr/>
+        <p:txBody>
+          <a:bodyPr>
+            <a:normAutofit fontScale="90000"/>
+          </a:bodyPr>
           <a:lstStyle/>
           <a:p>
             <a:pPr algn="ctr"/>
-            <a:r>
-              <a:rPr lang="pt-PT" sz="6600" dirty="0">
+            <a:br>
+              <a:rPr lang="en-GB" sz="3600" dirty="0"/>
+            </a:br>
+            <a:r>
+              <a:rPr lang="en-GB" sz="7300" dirty="0" err="1">
                 <a:solidFill>
-                  <a:schemeClr val="tx1"/>
+                  <a:schemeClr val="tx1">
+                    <a:lumMod val="85000"/>
+                    <a:lumOff val="15000"/>
+                  </a:schemeClr>
                 </a:solidFill>
                 <a:latin typeface="Bahnschrift SemiLight" panose="020B0502040204020203" pitchFamily="34" charset="0"/>
               </a:rPr>
-              <a:t>Listagem</a:t>
-            </a:r>
-            <a:endParaRPr lang="en-GB" sz="6600" dirty="0">
+              <a:t>Criar</a:t>
+            </a:r>
+            <a:r>
+              <a:rPr lang="en-GB" sz="7300" dirty="0">
+                <a:solidFill>
+                  <a:schemeClr val="tx1">
+                    <a:lumMod val="85000"/>
+                    <a:lumOff val="15000"/>
+                  </a:schemeClr>
+                </a:solidFill>
+                <a:latin typeface="Bahnschrift SemiLight" panose="020B0502040204020203" pitchFamily="34" charset="0"/>
+              </a:rPr>
+              <a:t>/</a:t>
+            </a:r>
+            <a:r>
+              <a:rPr lang="en-GB" sz="7300" dirty="0" err="1">
+                <a:solidFill>
+                  <a:schemeClr val="tx1">
+                    <a:lumMod val="85000"/>
+                    <a:lumOff val="15000"/>
+                  </a:schemeClr>
+                </a:solidFill>
+                <a:latin typeface="Bahnschrift SemiLight" panose="020B0502040204020203" pitchFamily="34" charset="0"/>
+              </a:rPr>
+              <a:t>Atualizar</a:t>
+            </a:r>
+            <a:r>
+              <a:rPr lang="en-GB" sz="7300" dirty="0">
+                <a:solidFill>
+                  <a:schemeClr val="tx1">
+                    <a:lumMod val="85000"/>
+                    <a:lumOff val="15000"/>
+                  </a:schemeClr>
+                </a:solidFill>
+                <a:latin typeface="Bahnschrift SemiLight" panose="020B0502040204020203" pitchFamily="34" charset="0"/>
+              </a:rPr>
+              <a:t>/ Remover</a:t>
+            </a:r>
+            <a:endParaRPr lang="pt-PT" sz="7300" dirty="0">
               <a:solidFill>
-                <a:schemeClr val="tx1"/>
+                <a:schemeClr val="tx1">
+                  <a:lumMod val="85000"/>
+                  <a:lumOff val="15000"/>
+                </a:schemeClr>
               </a:solidFill>
               <a:latin typeface="Bahnschrift SemiLight" panose="020B0502040204020203" pitchFamily="34" charset="0"/>
             </a:endParaRPr>
@@ -4761,10 +4805,10 @@
       </p:sp>
       <p:cxnSp>
         <p:nvCxnSpPr>
-          <p:cNvPr id="6" name="Conexão reta 5">
-            <a:extLst>
-              <a:ext uri="{FF2B5EF4-FFF2-40B4-BE49-F238E27FC236}">
-                <a16:creationId xmlns:a16="http://schemas.microsoft.com/office/drawing/2014/main" id="{BFE60422-34C0-420F-8356-E4816D80A3CF}"/>
+          <p:cNvPr id="5" name="Conexão reta 4">
+            <a:extLst>
+              <a:ext uri="{FF2B5EF4-FFF2-40B4-BE49-F238E27FC236}">
+                <a16:creationId xmlns:a16="http://schemas.microsoft.com/office/drawing/2014/main" id="{CB2239A8-67DE-444E-AC2F-873CA9F188C9}"/>
               </a:ext>
             </a:extLst>
           </p:cNvPr>
@@ -4804,10 +4848,10 @@
       </p:cxnSp>
       <p:sp>
         <p:nvSpPr>
-          <p:cNvPr id="13" name="CaixaDeTexto 12">
-            <a:extLst>
-              <a:ext uri="{FF2B5EF4-FFF2-40B4-BE49-F238E27FC236}">
-                <a16:creationId xmlns:a16="http://schemas.microsoft.com/office/drawing/2014/main" id="{EFB421BC-8709-45BA-865E-783BEE9AA4A4}"/>
+          <p:cNvPr id="23" name="CaixaDeTexto 22">
+            <a:extLst>
+              <a:ext uri="{FF2B5EF4-FFF2-40B4-BE49-F238E27FC236}">
+                <a16:creationId xmlns:a16="http://schemas.microsoft.com/office/drawing/2014/main" id="{3EDE5F5A-9157-40C4-9894-CDA1F597E236}"/>
               </a:ext>
             </a:extLst>
           </p:cNvPr>
@@ -4816,8 +4860,8 @@
         </p:nvSpPr>
         <p:spPr>
           <a:xfrm>
-            <a:off x="2823175" y="5894605"/>
-            <a:ext cx="2775713" cy="338554"/>
+            <a:off x="9374819" y="5910467"/>
+            <a:ext cx="1659697" cy="338554"/>
           </a:xfrm>
           <a:prstGeom prst="rect">
             <a:avLst/>
@@ -4831,19 +4875,27 @@
           <a:lstStyle/>
           <a:p>
             <a:r>
-              <a:rPr lang="pt-PT" sz="1600" dirty="0"/>
-              <a:t>(excerto) SearchManager.cpp</a:t>
-            </a:r>
-            <a:endParaRPr lang="en-GB" dirty="0"/>
-          </a:p>
-        </p:txBody>
-      </p:sp>
-      <p:sp>
-        <p:nvSpPr>
-          <p:cNvPr id="17" name="CaixaDeTexto 16">
-            <a:extLst>
-              <a:ext uri="{FF2B5EF4-FFF2-40B4-BE49-F238E27FC236}">
-                <a16:creationId xmlns:a16="http://schemas.microsoft.com/office/drawing/2014/main" id="{8228F99D-3C22-472E-8DFE-B7B038D11935}"/>
+              <a:rPr lang="pt-PT" sz="1600" dirty="0">
+                <a:solidFill>
+                  <a:srgbClr val="FF0000"/>
+                </a:solidFill>
+              </a:rPr>
+              <a:t>UserManager.cpp</a:t>
+            </a:r>
+            <a:endParaRPr lang="en-GB" sz="1600" dirty="0">
+              <a:solidFill>
+                <a:srgbClr val="FF0000"/>
+              </a:solidFill>
+            </a:endParaRPr>
+          </a:p>
+        </p:txBody>
+      </p:sp>
+      <p:sp>
+        <p:nvSpPr>
+          <p:cNvPr id="29" name="CaixaDeTexto 28">
+            <a:extLst>
+              <a:ext uri="{FF2B5EF4-FFF2-40B4-BE49-F238E27FC236}">
+                <a16:creationId xmlns:a16="http://schemas.microsoft.com/office/drawing/2014/main" id="{DE3766CB-8AD1-425D-85B3-6F68364D4BD1}"/>
               </a:ext>
             </a:extLst>
           </p:cNvPr>
@@ -4852,8 +4904,8 @@
         </p:nvSpPr>
         <p:spPr>
           <a:xfrm>
-            <a:off x="9650027" y="2822714"/>
-            <a:ext cx="1811044" cy="338554"/>
+            <a:off x="10331952" y="3615979"/>
+            <a:ext cx="959293" cy="338554"/>
           </a:xfrm>
           <a:prstGeom prst="rect">
             <a:avLst/>
@@ -4867,19 +4919,117 @@
           <a:lstStyle/>
           <a:p>
             <a:r>
-              <a:rPr lang="pt-PT" sz="1600" dirty="0"/>
-              <a:t>SearchManager.cpp</a:t>
-            </a:r>
-            <a:endParaRPr lang="en-GB" dirty="0"/>
-          </a:p>
-        </p:txBody>
-      </p:sp>
-      <p:sp>
-        <p:nvSpPr>
-          <p:cNvPr id="18" name="CaixaDeTexto 17">
-            <a:extLst>
-              <a:ext uri="{FF2B5EF4-FFF2-40B4-BE49-F238E27FC236}">
-                <a16:creationId xmlns:a16="http://schemas.microsoft.com/office/drawing/2014/main" id="{11FA7A83-279B-4A8E-9636-AFF140E12238}"/>
+              <a:rPr lang="pt-PT" sz="1600" dirty="0" err="1">
+                <a:solidFill>
+                  <a:srgbClr val="FF0000"/>
+                </a:solidFill>
+              </a:rPr>
+              <a:t>Viewer.h</a:t>
+            </a:r>
+            <a:endParaRPr lang="en-GB" sz="1600" dirty="0">
+              <a:solidFill>
+                <a:srgbClr val="FF0000"/>
+              </a:solidFill>
+            </a:endParaRPr>
+          </a:p>
+        </p:txBody>
+      </p:sp>
+      <p:pic>
+        <p:nvPicPr>
+          <p:cNvPr id="36" name="Imagem 35">
+            <a:extLst>
+              <a:ext uri="{FF2B5EF4-FFF2-40B4-BE49-F238E27FC236}">
+                <a16:creationId xmlns:a16="http://schemas.microsoft.com/office/drawing/2014/main" id="{7F0F9A73-114E-4E6C-8A5F-BC76BF08F4BF}"/>
+              </a:ext>
+            </a:extLst>
+          </p:cNvPr>
+          <p:cNvPicPr>
+            <a:picLocks noChangeAspect="1"/>
+          </p:cNvPicPr>
+          <p:nvPr/>
+        </p:nvPicPr>
+        <p:blipFill>
+          <a:blip r:embed="rId2"/>
+          <a:stretch>
+            <a:fillRect/>
+          </a:stretch>
+        </p:blipFill>
+        <p:spPr>
+          <a:xfrm>
+            <a:off x="8290312" y="2639077"/>
+            <a:ext cx="2865368" cy="541067"/>
+          </a:xfrm>
+          <a:prstGeom prst="rect">
+            <a:avLst/>
+          </a:prstGeom>
+        </p:spPr>
+      </p:pic>
+      <p:pic>
+        <p:nvPicPr>
+          <p:cNvPr id="38" name="Imagem 37">
+            <a:extLst>
+              <a:ext uri="{FF2B5EF4-FFF2-40B4-BE49-F238E27FC236}">
+                <a16:creationId xmlns:a16="http://schemas.microsoft.com/office/drawing/2014/main" id="{20BD432F-393B-4D03-85B2-E8E9F407DF10}"/>
+              </a:ext>
+            </a:extLst>
+          </p:cNvPr>
+          <p:cNvPicPr>
+            <a:picLocks noChangeAspect="1"/>
+          </p:cNvPicPr>
+          <p:nvPr/>
+        </p:nvPicPr>
+        <p:blipFill>
+          <a:blip r:embed="rId3"/>
+          <a:stretch>
+            <a:fillRect/>
+          </a:stretch>
+        </p:blipFill>
+        <p:spPr>
+          <a:xfrm>
+            <a:off x="8899965" y="2173788"/>
+            <a:ext cx="2255715" cy="472481"/>
+          </a:xfrm>
+          <a:prstGeom prst="rect">
+            <a:avLst/>
+          </a:prstGeom>
+        </p:spPr>
+      </p:pic>
+      <p:pic>
+        <p:nvPicPr>
+          <p:cNvPr id="40" name="Imagem 39">
+            <a:extLst>
+              <a:ext uri="{FF2B5EF4-FFF2-40B4-BE49-F238E27FC236}">
+                <a16:creationId xmlns:a16="http://schemas.microsoft.com/office/drawing/2014/main" id="{9BC08A33-DC37-41F1-8AEA-3D9E6636145F}"/>
+              </a:ext>
+            </a:extLst>
+          </p:cNvPr>
+          <p:cNvPicPr>
+            <a:picLocks noChangeAspect="1"/>
+          </p:cNvPicPr>
+          <p:nvPr/>
+        </p:nvPicPr>
+        <p:blipFill>
+          <a:blip r:embed="rId4"/>
+          <a:stretch>
+            <a:fillRect/>
+          </a:stretch>
+        </p:blipFill>
+        <p:spPr>
+          <a:xfrm>
+            <a:off x="7375832" y="3156517"/>
+            <a:ext cx="3779848" cy="510584"/>
+          </a:xfrm>
+          <a:prstGeom prst="rect">
+            <a:avLst/>
+          </a:prstGeom>
+        </p:spPr>
+      </p:pic>
+      <p:sp>
+        <p:nvSpPr>
+          <p:cNvPr id="41" name="CaixaDeTexto 40">
+            <a:extLst>
+              <a:ext uri="{FF2B5EF4-FFF2-40B4-BE49-F238E27FC236}">
+                <a16:creationId xmlns:a16="http://schemas.microsoft.com/office/drawing/2014/main" id="{53A78830-F1D5-4288-A9BC-8C76AEB8D97D}"/>
               </a:ext>
             </a:extLst>
           </p:cNvPr>
@@ -4888,8 +5038,8 @@
         </p:nvSpPr>
         <p:spPr>
           <a:xfrm>
-            <a:off x="1097279" y="1978514"/>
-            <a:ext cx="3980063" cy="1200329"/>
+            <a:off x="1297720" y="1896645"/>
+            <a:ext cx="5689006" cy="2031325"/>
           </a:xfrm>
           <a:prstGeom prst="rect">
             <a:avLst/>
@@ -4911,15 +5061,23 @@
             </a:pPr>
             <a:r>
               <a:rPr lang="pt-PT" dirty="0"/>
-              <a:t>Listagem das </a:t>
+              <a:t>Inserção e remoção de elementos na BST são feitos a partir dos métodos definidos em </a:t>
             </a:r>
             <a:r>
               <a:rPr lang="pt-PT" dirty="0" err="1"/>
-              <a:t>Donations</a:t>
+              <a:t>BST.h</a:t>
             </a:r>
             <a:r>
               <a:rPr lang="pt-PT" dirty="0"/>
-              <a:t> admite vários parâmetros, portanto é possível filtrar a informação.</a:t>
+              <a:t>. Usado os algoritmos de </a:t>
+            </a:r>
+            <a:r>
+              <a:rPr lang="pt-PT" dirty="0" err="1"/>
+              <a:t>find</a:t>
+            </a:r>
+            <a:r>
+              <a:rPr lang="pt-PT" dirty="0"/>
+              <a:t> e remove da BST.</a:t>
             </a:r>
           </a:p>
           <a:p>
@@ -4930,20 +5088,35 @@
               <a:buFont typeface="Arial" panose="020B0604020202020204" pitchFamily="34" charset="0"/>
               <a:buChar char="•"/>
             </a:pPr>
-            <a:endParaRPr lang="pt-PT" dirty="0">
-              <a:solidFill>
-                <a:srgbClr val="FF0000"/>
-              </a:solidFill>
-            </a:endParaRPr>
-          </a:p>
-        </p:txBody>
-      </p:sp>
-      <p:sp>
-        <p:nvSpPr>
-          <p:cNvPr id="2" name="Marcador de Posição do Rodapé 1">
-            <a:extLst>
-              <a:ext uri="{FF2B5EF4-FFF2-40B4-BE49-F238E27FC236}">
-                <a16:creationId xmlns:a16="http://schemas.microsoft.com/office/drawing/2014/main" id="{32C833F7-18B6-4861-9CBC-F84DFD811E13}"/>
+            <a:r>
+              <a:rPr lang="pt-PT" dirty="0"/>
+              <a:t>Opção de desativar a conta </a:t>
+            </a:r>
+            <a:r>
+              <a:rPr lang="pt-PT" dirty="0" err="1"/>
+              <a:t>streamer</a:t>
+            </a:r>
+            <a:r>
+              <a:rPr lang="pt-PT" dirty="0"/>
+              <a:t> e de apagar permanentemente. Pode ser alterado o seu nome, password, é também possível eliminar </a:t>
+            </a:r>
+            <a:r>
+              <a:rPr lang="pt-PT" dirty="0" err="1"/>
+              <a:t>streams</a:t>
+            </a:r>
+            <a:r>
+              <a:rPr lang="pt-PT" dirty="0"/>
+              <a:t> deste através da conta de administrador.</a:t>
+            </a:r>
+          </a:p>
+        </p:txBody>
+      </p:sp>
+      <p:sp>
+        <p:nvSpPr>
+          <p:cNvPr id="3" name="Marcador de Posição do Rodapé 2">
+            <a:extLst>
+              <a:ext uri="{FF2B5EF4-FFF2-40B4-BE49-F238E27FC236}">
+                <a16:creationId xmlns:a16="http://schemas.microsoft.com/office/drawing/2014/main" id="{46E07225-AC96-4BE3-BF46-5D4E1E904945}"/>
               </a:ext>
             </a:extLst>
           </p:cNvPr>
@@ -4968,10 +5141,10 @@
       </p:sp>
       <p:sp>
         <p:nvSpPr>
-          <p:cNvPr id="3" name="Marcador de Posição do Número do Diapositivo 2">
-            <a:extLst>
-              <a:ext uri="{FF2B5EF4-FFF2-40B4-BE49-F238E27FC236}">
-                <a16:creationId xmlns:a16="http://schemas.microsoft.com/office/drawing/2014/main" id="{F84751A3-EB56-4B0A-B79B-89EF65EBF080}"/>
+          <p:cNvPr id="6" name="Marcador de Posição do Número do Diapositivo 5">
+            <a:extLst>
+              <a:ext uri="{FF2B5EF4-FFF2-40B4-BE49-F238E27FC236}">
+                <a16:creationId xmlns:a16="http://schemas.microsoft.com/office/drawing/2014/main" id="{C2560148-6F83-4804-9A82-C924B2C63501}"/>
               </a:ext>
             </a:extLst>
           </p:cNvPr>
@@ -4997,10 +5170,10 @@
       </p:sp>
       <p:pic>
         <p:nvPicPr>
-          <p:cNvPr id="7" name="Imagem 6">
-            <a:extLst>
-              <a:ext uri="{FF2B5EF4-FFF2-40B4-BE49-F238E27FC236}">
-                <a16:creationId xmlns:a16="http://schemas.microsoft.com/office/drawing/2014/main" id="{F792557B-E72C-4265-BC01-A8B90EA578C5}"/>
+          <p:cNvPr id="16" name="Imagem 15">
+            <a:extLst>
+              <a:ext uri="{FF2B5EF4-FFF2-40B4-BE49-F238E27FC236}">
+                <a16:creationId xmlns:a16="http://schemas.microsoft.com/office/drawing/2014/main" id="{5C7ABC6E-E6AE-4BFA-9C4B-2A3113750E53}"/>
               </a:ext>
             </a:extLst>
           </p:cNvPr>
@@ -5010,7 +5183,7 @@
           <p:nvPr/>
         </p:nvPicPr>
         <p:blipFill rotWithShape="1">
-          <a:blip r:embed="rId2">
+          <a:blip r:embed="rId5">
             <a:extLst>
               <a:ext uri="{28A0092B-C50C-407E-A947-70E740481C1C}">
                 <a14:useLocalDpi xmlns:a14="http://schemas.microsoft.com/office/drawing/2010/main" val="0"/>
@@ -5030,74 +5203,12 @@
           </a:prstGeom>
         </p:spPr>
       </p:pic>
-      <p:sp>
-        <p:nvSpPr>
-          <p:cNvPr id="5" name="CaixaDeTexto 4">
-            <a:extLst>
-              <a:ext uri="{FF2B5EF4-FFF2-40B4-BE49-F238E27FC236}">
-                <a16:creationId xmlns:a16="http://schemas.microsoft.com/office/drawing/2014/main" id="{9E531B7B-DA41-4275-9E6B-DBF7E0134E40}"/>
-              </a:ext>
-            </a:extLst>
-          </p:cNvPr>
-          <p:cNvSpPr txBox="1"/>
-          <p:nvPr/>
-        </p:nvSpPr>
-        <p:spPr>
-          <a:xfrm>
-            <a:off x="6217032" y="4349254"/>
-            <a:ext cx="4278405" cy="923330"/>
-          </a:xfrm>
-          <a:prstGeom prst="rect">
-            <a:avLst/>
-          </a:prstGeom>
-          <a:noFill/>
-        </p:spPr>
-        <p:txBody>
-          <a:bodyPr wrap="square" rtlCol="0">
-            <a:spAutoFit/>
-          </a:bodyPr>
-          <a:lstStyle/>
-          <a:p>
-            <a:pPr marL="285750" indent="-285750">
-              <a:buClr>
-                <a:srgbClr val="8C2D19"/>
-              </a:buClr>
-              <a:buFont typeface="Arial" panose="020B0604020202020204" pitchFamily="34" charset="0"/>
-              <a:buChar char="•"/>
-            </a:pPr>
-            <a:r>
-              <a:rPr lang="pt-PT" dirty="0"/>
-              <a:t>Permite listagens com diferentes </a:t>
-            </a:r>
-            <a:r>
-              <a:rPr lang="pt-PT" dirty="0" err="1"/>
-              <a:t>parametros</a:t>
-            </a:r>
-            <a:r>
-              <a:rPr lang="pt-PT" dirty="0"/>
-              <a:t>.</a:t>
-            </a:r>
-          </a:p>
-          <a:p>
-            <a:pPr>
-              <a:buClr>
-                <a:srgbClr val="8C2D19"/>
-              </a:buClr>
-            </a:pPr>
-            <a:endParaRPr lang="pt-PT" dirty="0">
-              <a:solidFill>
-                <a:srgbClr val="FF0000"/>
-              </a:solidFill>
-            </a:endParaRPr>
-          </a:p>
-        </p:txBody>
-      </p:sp>
       <p:pic>
         <p:nvPicPr>
-          <p:cNvPr id="11" name="Imagem 10">
-            <a:extLst>
-              <a:ext uri="{FF2B5EF4-FFF2-40B4-BE49-F238E27FC236}">
-                <a16:creationId xmlns:a16="http://schemas.microsoft.com/office/drawing/2014/main" id="{831552EC-9C6F-48A3-8063-F2AA980FC078}"/>
+          <p:cNvPr id="7" name="Picture 6">
+            <a:extLst>
+              <a:ext uri="{FF2B5EF4-FFF2-40B4-BE49-F238E27FC236}">
+                <a16:creationId xmlns:a16="http://schemas.microsoft.com/office/drawing/2014/main" id="{F3A67BFC-D4F7-426E-A3B5-DB0849F5C01A}"/>
               </a:ext>
             </a:extLst>
           </p:cNvPr>
@@ -5107,45 +5218,15 @@
           <p:nvPr/>
         </p:nvPicPr>
         <p:blipFill>
-          <a:blip r:embed="rId3"/>
+          <a:blip r:embed="rId6"/>
           <a:stretch>
             <a:fillRect/>
           </a:stretch>
         </p:blipFill>
         <p:spPr>
           <a:xfrm>
-            <a:off x="5077342" y="2003842"/>
-            <a:ext cx="6383729" cy="819806"/>
-          </a:xfrm>
-          <a:prstGeom prst="rect">
-            <a:avLst/>
-          </a:prstGeom>
-        </p:spPr>
-      </p:pic>
-      <p:pic>
-        <p:nvPicPr>
-          <p:cNvPr id="9" name="Picture 8">
-            <a:extLst>
-              <a:ext uri="{FF2B5EF4-FFF2-40B4-BE49-F238E27FC236}">
-                <a16:creationId xmlns:a16="http://schemas.microsoft.com/office/drawing/2014/main" id="{3CF502A1-BF52-4B4C-B129-75313872CB84}"/>
-              </a:ext>
-            </a:extLst>
-          </p:cNvPr>
-          <p:cNvPicPr>
-            <a:picLocks noChangeAspect="1"/>
-          </p:cNvPicPr>
-          <p:nvPr/>
-        </p:nvPicPr>
-        <p:blipFill>
-          <a:blip r:embed="rId4"/>
-          <a:stretch>
-            <a:fillRect/>
-          </a:stretch>
-        </p:blipFill>
-        <p:spPr>
-          <a:xfrm>
-            <a:off x="1097279" y="3162843"/>
-            <a:ext cx="4730080" cy="2659000"/>
+            <a:off x="1741207" y="4368008"/>
+            <a:ext cx="8951649" cy="1505263"/>
           </a:xfrm>
           <a:prstGeom prst="rect">
             <a:avLst/>
@@ -5155,7 +5236,7 @@
     </p:spTree>
     <p:extLst>
       <p:ext uri="{BB962C8B-B14F-4D97-AF65-F5344CB8AC3E}">
-        <p14:creationId xmlns:p14="http://schemas.microsoft.com/office/powerpoint/2010/main" val="2427753014"/>
+        <p14:creationId xmlns:p14="http://schemas.microsoft.com/office/powerpoint/2010/main" val="1811745654"/>
       </p:ext>
     </p:extLst>
   </p:cSld>
@@ -5184,93 +5265,10 @@
       </p:grpSpPr>
       <p:sp>
         <p:nvSpPr>
-          <p:cNvPr id="2" name="Título 1">
-            <a:extLst>
-              <a:ext uri="{FF2B5EF4-FFF2-40B4-BE49-F238E27FC236}">
-                <a16:creationId xmlns:a16="http://schemas.microsoft.com/office/drawing/2014/main" id="{B6E269CC-F3EC-43ED-BC98-FCEA20CEA90D}"/>
-              </a:ext>
-            </a:extLst>
-          </p:cNvPr>
-          <p:cNvSpPr>
-            <a:spLocks noGrp="1"/>
-          </p:cNvSpPr>
-          <p:nvPr>
-            <p:ph type="title"/>
-          </p:nvPr>
-        </p:nvSpPr>
-        <p:spPr/>
-        <p:txBody>
-          <a:bodyPr/>
-          <a:lstStyle/>
-          <a:p>
-            <a:pPr algn="ctr"/>
-            <a:r>
-              <a:rPr lang="pt-PT" sz="6600" dirty="0">
-                <a:solidFill>
-                  <a:schemeClr val="tx1"/>
-                </a:solidFill>
-                <a:latin typeface="Bahnschrift SemiLight" panose="020B0502040204020203" pitchFamily="34" charset="0"/>
-              </a:rPr>
-              <a:t>UI</a:t>
-            </a:r>
-            <a:endParaRPr lang="en-GB" sz="6600" dirty="0">
-              <a:solidFill>
-                <a:schemeClr val="tx1"/>
-              </a:solidFill>
-              <a:latin typeface="Bahnschrift SemiLight" panose="020B0502040204020203" pitchFamily="34" charset="0"/>
-            </a:endParaRPr>
-          </a:p>
-        </p:txBody>
-      </p:sp>
-      <p:cxnSp>
-        <p:nvCxnSpPr>
-          <p:cNvPr id="5" name="Conexão reta 4">
-            <a:extLst>
-              <a:ext uri="{FF2B5EF4-FFF2-40B4-BE49-F238E27FC236}">
-                <a16:creationId xmlns:a16="http://schemas.microsoft.com/office/drawing/2014/main" id="{D1B427FC-FECB-4AD9-947A-AE1CD8E8E0E9}"/>
-              </a:ext>
-            </a:extLst>
-          </p:cNvPr>
-          <p:cNvCxnSpPr>
-            <a:cxnSpLocks/>
-          </p:cNvCxnSpPr>
-          <p:nvPr/>
-        </p:nvCxnSpPr>
-        <p:spPr>
-          <a:xfrm flipH="1">
-            <a:off x="1097280" y="1737360"/>
-            <a:ext cx="10239504" cy="0"/>
-          </a:xfrm>
-          <a:prstGeom prst="line">
-            <a:avLst/>
-          </a:prstGeom>
-          <a:ln>
-            <a:solidFill>
-              <a:srgbClr val="8C2D19"/>
-            </a:solidFill>
-          </a:ln>
-        </p:spPr>
-        <p:style>
-          <a:lnRef idx="1">
-            <a:schemeClr val="accent1"/>
-          </a:lnRef>
-          <a:fillRef idx="0">
-            <a:schemeClr val="accent1"/>
-          </a:fillRef>
-          <a:effectRef idx="0">
-            <a:schemeClr val="accent1"/>
-          </a:effectRef>
-          <a:fontRef idx="minor">
-            <a:schemeClr val="tx1"/>
-          </a:fontRef>
-        </p:style>
-      </p:cxnSp>
-      <p:sp>
-        <p:nvSpPr>
-          <p:cNvPr id="4" name="Marcador de Posição do Rodapé 3">
-            <a:extLst>
-              <a:ext uri="{FF2B5EF4-FFF2-40B4-BE49-F238E27FC236}">
-                <a16:creationId xmlns:a16="http://schemas.microsoft.com/office/drawing/2014/main" id="{2E6D09DD-1E47-4A67-AB57-535BA57CB1EF}"/>
+          <p:cNvPr id="4" name="Footer Placeholder 3">
+            <a:extLst>
+              <a:ext uri="{FF2B5EF4-FFF2-40B4-BE49-F238E27FC236}">
+                <a16:creationId xmlns:a16="http://schemas.microsoft.com/office/drawing/2014/main" id="{2F71CFE1-2B0F-4FD5-9F0B-8F54E5BC679E}"/>
               </a:ext>
             </a:extLst>
           </p:cNvPr>
@@ -5287,7 +5285,7 @@
           <a:lstStyle/>
           <a:p>
             <a:r>
-              <a:rPr lang="en-GB" sz="2400" b="1" dirty="0"/>
+              <a:rPr lang="en-GB"/>
               <a:t>2MIEIC04_G1</a:t>
             </a:r>
           </a:p>
@@ -5295,10 +5293,10 @@
       </p:sp>
       <p:sp>
         <p:nvSpPr>
-          <p:cNvPr id="6" name="Marcador de Posição do Número do Diapositivo 5">
-            <a:extLst>
-              <a:ext uri="{FF2B5EF4-FFF2-40B4-BE49-F238E27FC236}">
-                <a16:creationId xmlns:a16="http://schemas.microsoft.com/office/drawing/2014/main" id="{A6038915-9563-428D-88A8-7720015CFAC0}"/>
+          <p:cNvPr id="5" name="Slide Number Placeholder 4">
+            <a:extLst>
+              <a:ext uri="{FF2B5EF4-FFF2-40B4-BE49-F238E27FC236}">
+                <a16:creationId xmlns:a16="http://schemas.microsoft.com/office/drawing/2014/main" id="{FDB70962-5A4C-439F-988C-DC218268B1D0}"/>
               </a:ext>
             </a:extLst>
           </p:cNvPr>
@@ -5315,274 +5313,51 @@
           <a:lstStyle/>
           <a:p>
             <a:fld id="{75DB3F52-068C-4339-9FA6-06F9AAEB3337}" type="slidenum">
-              <a:rPr lang="en-GB" sz="2400"/>
+              <a:rPr lang="en-GB" smtClean="0"/>
               <a:t>11</a:t>
             </a:fld>
-            <a:endParaRPr lang="en-GB" sz="2400" dirty="0"/>
+            <a:endParaRPr lang="en-GB"/>
           </a:p>
         </p:txBody>
       </p:sp>
       <p:pic>
         <p:nvPicPr>
-          <p:cNvPr id="7" name="Imagem 6">
-            <a:extLst>
-              <a:ext uri="{FF2B5EF4-FFF2-40B4-BE49-F238E27FC236}">
-                <a16:creationId xmlns:a16="http://schemas.microsoft.com/office/drawing/2014/main" id="{95C51A54-AF96-43E2-9C50-EFB3428A2FB4}"/>
+          <p:cNvPr id="6" name="Content Placeholder 5">
+            <a:extLst>
+              <a:ext uri="{FF2B5EF4-FFF2-40B4-BE49-F238E27FC236}">
+                <a16:creationId xmlns:a16="http://schemas.microsoft.com/office/drawing/2014/main" id="{89F4A609-5C72-4E49-BAF9-9216D4678F30}"/>
               </a:ext>
             </a:extLst>
           </p:cNvPr>
           <p:cNvPicPr>
-            <a:picLocks noChangeAspect="1"/>
+            <a:picLocks noGrp="1" noChangeAspect="1"/>
           </p:cNvPicPr>
-          <p:nvPr/>
+          <p:nvPr>
+            <p:ph idx="1"/>
+          </p:nvPr>
         </p:nvPicPr>
-        <p:blipFill rotWithShape="1">
-          <a:blip r:embed="rId2">
-            <a:extLst>
-              <a:ext uri="{28A0092B-C50C-407E-A947-70E740481C1C}">
-                <a14:useLocalDpi xmlns:a14="http://schemas.microsoft.com/office/drawing/2010/main" val="0"/>
-              </a:ext>
-            </a:extLst>
-          </a:blip>
-          <a:srcRect r="39904"/>
-          <a:stretch/>
+        <p:blipFill>
+          <a:blip r:embed="rId2"/>
+          <a:stretch>
+            <a:fillRect/>
+          </a:stretch>
         </p:blipFill>
         <p:spPr>
           <a:xfrm>
-            <a:off x="1097280" y="6500189"/>
-            <a:ext cx="1406360" cy="312685"/>
+            <a:off x="635001" y="1866129"/>
+            <a:ext cx="4539310" cy="1622394"/>
           </a:xfrm>
           <a:prstGeom prst="rect">
             <a:avLst/>
           </a:prstGeom>
         </p:spPr>
       </p:pic>
-      <p:sp>
-        <p:nvSpPr>
-          <p:cNvPr id="12" name="TextBox 11">
-            <a:extLst>
-              <a:ext uri="{FF2B5EF4-FFF2-40B4-BE49-F238E27FC236}">
-                <a16:creationId xmlns:a16="http://schemas.microsoft.com/office/drawing/2014/main" id="{B5D78712-70F3-4C81-AE5C-F3E20EFC6ABC}"/>
-              </a:ext>
-            </a:extLst>
-          </p:cNvPr>
-          <p:cNvSpPr txBox="1"/>
-          <p:nvPr/>
-        </p:nvSpPr>
-        <p:spPr>
-          <a:xfrm>
-            <a:off x="207699" y="3543505"/>
-            <a:ext cx="4206477" cy="1569660"/>
-          </a:xfrm>
-          <a:prstGeom prst="rect">
-            <a:avLst/>
-          </a:prstGeom>
-          <a:noFill/>
-        </p:spPr>
-        <p:txBody>
-          <a:bodyPr wrap="square" rtlCol="0">
-            <a:spAutoFit/>
-          </a:bodyPr>
-          <a:lstStyle/>
-          <a:p>
-            <a:pPr algn="ctr"/>
-            <a:r>
-              <a:rPr lang="pt-PT" sz="1600" dirty="0"/>
-              <a:t>Login Page</a:t>
-            </a:r>
-          </a:p>
-          <a:p>
-            <a:pPr marL="285750" indent="-285750">
-              <a:buFont typeface="Arial" panose="020B0604020202020204" pitchFamily="34" charset="0"/>
-              <a:buChar char="•"/>
-            </a:pPr>
-            <a:r>
-              <a:rPr lang="pt-PT" sz="1600" dirty="0"/>
-              <a:t>Pode fazer login com usernick e password</a:t>
-            </a:r>
-          </a:p>
-          <a:p>
-            <a:pPr marL="285750" indent="-285750">
-              <a:buFont typeface="Arial" panose="020B0604020202020204" pitchFamily="34" charset="0"/>
-              <a:buChar char="•"/>
-            </a:pPr>
-            <a:r>
-              <a:rPr lang="pt-PT" sz="1600" dirty="0"/>
-              <a:t>Pode recuperar uma conta de </a:t>
-            </a:r>
-            <a:r>
-              <a:rPr lang="pt-PT" sz="1600" dirty="0" err="1"/>
-              <a:t>streamer</a:t>
-            </a:r>
-            <a:r>
-              <a:rPr lang="pt-PT" sz="1600" dirty="0"/>
-              <a:t> atualmente desativada</a:t>
-            </a:r>
-          </a:p>
-          <a:p>
-            <a:pPr marL="285750" indent="-285750">
-              <a:buFont typeface="Arial" panose="020B0604020202020204" pitchFamily="34" charset="0"/>
-              <a:buChar char="•"/>
-            </a:pPr>
-            <a:r>
-              <a:rPr lang="pt-PT" sz="1600" dirty="0"/>
-              <a:t>Criar uma nova conta(admin – apenas uma vez, streamer ou viewer).</a:t>
-            </a:r>
-            <a:endParaRPr lang="en-US" sz="1600" dirty="0"/>
-          </a:p>
-        </p:txBody>
-      </p:sp>
-      <p:sp>
-        <p:nvSpPr>
-          <p:cNvPr id="13" name="TextBox 12">
-            <a:extLst>
-              <a:ext uri="{FF2B5EF4-FFF2-40B4-BE49-F238E27FC236}">
-                <a16:creationId xmlns:a16="http://schemas.microsoft.com/office/drawing/2014/main" id="{3918F24A-B858-4DAC-8BB2-AA8C55D4EF93}"/>
-              </a:ext>
-            </a:extLst>
-          </p:cNvPr>
-          <p:cNvSpPr txBox="1"/>
-          <p:nvPr/>
-        </p:nvSpPr>
-        <p:spPr>
-          <a:xfrm>
-            <a:off x="4179380" y="2172185"/>
-            <a:ext cx="3738563" cy="923330"/>
-          </a:xfrm>
-          <a:prstGeom prst="rect">
-            <a:avLst/>
-          </a:prstGeom>
-          <a:noFill/>
-        </p:spPr>
-        <p:txBody>
-          <a:bodyPr wrap="square" rtlCol="0">
-            <a:spAutoFit/>
-          </a:bodyPr>
-          <a:lstStyle/>
-          <a:p>
-            <a:pPr algn="ctr"/>
-            <a:r>
-              <a:rPr lang="pt-PT" dirty="0"/>
-              <a:t>Exemplo </a:t>
-            </a:r>
-            <a:r>
-              <a:rPr lang="pt-PT" dirty="0" err="1"/>
-              <a:t>Viewer</a:t>
-            </a:r>
-            <a:r>
-              <a:rPr lang="pt-PT" dirty="0"/>
-              <a:t> e novas </a:t>
-            </a:r>
-            <a:r>
-              <a:rPr lang="pt-PT" dirty="0" err="1"/>
-              <a:t>features</a:t>
-            </a:r>
-            <a:endParaRPr lang="pt-PT" dirty="0"/>
-          </a:p>
-          <a:p>
-            <a:pPr marL="742950" lvl="1" indent="-285750">
-              <a:buFont typeface="Arial" panose="020B0604020202020204" pitchFamily="34" charset="0"/>
-              <a:buChar char="•"/>
-            </a:pPr>
-            <a:r>
-              <a:rPr lang="pt-PT" dirty="0"/>
-              <a:t>Encomendas e </a:t>
-            </a:r>
-            <a:r>
-              <a:rPr lang="pt-PT" dirty="0" err="1"/>
-              <a:t>merch</a:t>
-            </a:r>
-            <a:r>
-              <a:rPr lang="pt-PT" dirty="0"/>
-              <a:t> </a:t>
-            </a:r>
-          </a:p>
-          <a:p>
-            <a:pPr marL="742950" lvl="1" indent="-285750">
-              <a:buFont typeface="Arial" panose="020B0604020202020204" pitchFamily="34" charset="0"/>
-              <a:buChar char="•"/>
-            </a:pPr>
-            <a:r>
-              <a:rPr lang="pt-PT" dirty="0"/>
-              <a:t>Doações</a:t>
-            </a:r>
-          </a:p>
-        </p:txBody>
-      </p:sp>
-      <p:sp>
-        <p:nvSpPr>
-          <p:cNvPr id="14" name="TextBox 13">
-            <a:extLst>
-              <a:ext uri="{FF2B5EF4-FFF2-40B4-BE49-F238E27FC236}">
-                <a16:creationId xmlns:a16="http://schemas.microsoft.com/office/drawing/2014/main" id="{6414C627-DEA0-48B7-9714-952D213E0CBA}"/>
-              </a:ext>
-            </a:extLst>
-          </p:cNvPr>
-          <p:cNvSpPr txBox="1"/>
-          <p:nvPr/>
-        </p:nvSpPr>
-        <p:spPr>
-          <a:xfrm>
-            <a:off x="7797219" y="3715409"/>
-            <a:ext cx="4206477" cy="1077218"/>
-          </a:xfrm>
-          <a:prstGeom prst="rect">
-            <a:avLst/>
-          </a:prstGeom>
-          <a:noFill/>
-        </p:spPr>
-        <p:txBody>
-          <a:bodyPr wrap="square" rtlCol="0">
-            <a:spAutoFit/>
-          </a:bodyPr>
-          <a:lstStyle/>
-          <a:p>
-            <a:pPr algn="ctr"/>
-            <a:r>
-              <a:rPr lang="pt-PT" sz="1600" dirty="0"/>
-              <a:t>Exemplo conta admin</a:t>
-            </a:r>
-          </a:p>
-          <a:p>
-            <a:pPr marL="285750" indent="-285750">
-              <a:buFont typeface="Arial" panose="020B0604020202020204" pitchFamily="34" charset="0"/>
-              <a:buChar char="•"/>
-            </a:pPr>
-            <a:r>
-              <a:rPr lang="pt-PT" sz="1600" dirty="0"/>
-              <a:t>Novas </a:t>
-            </a:r>
-            <a:r>
-              <a:rPr lang="pt-PT" sz="1600" dirty="0" err="1"/>
-              <a:t>oções</a:t>
-            </a:r>
-            <a:r>
-              <a:rPr lang="pt-PT" sz="1600" dirty="0"/>
-              <a:t> de doações e encomendas</a:t>
-            </a:r>
-          </a:p>
-          <a:p>
-            <a:endParaRPr lang="pt-PT" sz="1600" dirty="0">
-              <a:solidFill>
-                <a:srgbClr val="FF0000"/>
-              </a:solidFill>
-            </a:endParaRPr>
-          </a:p>
-          <a:p>
-            <a:pPr algn="ctr"/>
-            <a:r>
-              <a:rPr lang="pt-PT" sz="1600" dirty="0"/>
-              <a:t>Exemplo Streamer</a:t>
-            </a:r>
-          </a:p>
-        </p:txBody>
-      </p:sp>
       <p:pic>
         <p:nvPicPr>
-          <p:cNvPr id="17" name="Picture 16">
-            <a:extLst>
-              <a:ext uri="{FF2B5EF4-FFF2-40B4-BE49-F238E27FC236}">
-                <a16:creationId xmlns:a16="http://schemas.microsoft.com/office/drawing/2014/main" id="{8BF8ED34-5DC7-4DC5-86FB-8AEEF812AB8F}"/>
+          <p:cNvPr id="7" name="Picture 6">
+            <a:extLst>
+              <a:ext uri="{FF2B5EF4-FFF2-40B4-BE49-F238E27FC236}">
+                <a16:creationId xmlns:a16="http://schemas.microsoft.com/office/drawing/2014/main" id="{FE1175FB-C175-4FBF-A258-C6F655583898}"/>
               </a:ext>
             </a:extLst>
           </p:cNvPr>
@@ -5599,20 +5374,184 @@
         </p:blipFill>
         <p:spPr>
           <a:xfrm>
-            <a:off x="674270" y="1808379"/>
-            <a:ext cx="3457773" cy="1561922"/>
+            <a:off x="635001" y="4033552"/>
+            <a:ext cx="5244107" cy="1881203"/>
           </a:xfrm>
           <a:prstGeom prst="rect">
             <a:avLst/>
           </a:prstGeom>
         </p:spPr>
       </p:pic>
+      <p:sp>
+        <p:nvSpPr>
+          <p:cNvPr id="8" name="Título 1">
+            <a:extLst>
+              <a:ext uri="{FF2B5EF4-FFF2-40B4-BE49-F238E27FC236}">
+                <a16:creationId xmlns:a16="http://schemas.microsoft.com/office/drawing/2014/main" id="{F4B5FA9B-A667-4288-A449-D68EF3301DF0}"/>
+              </a:ext>
+            </a:extLst>
+          </p:cNvPr>
+          <p:cNvSpPr>
+            <a:spLocks noGrp="1"/>
+          </p:cNvSpPr>
+          <p:nvPr>
+            <p:ph type="title"/>
+          </p:nvPr>
+        </p:nvSpPr>
+        <p:spPr>
+          <a:xfrm>
+            <a:off x="1096963" y="287338"/>
+            <a:ext cx="10058400" cy="1449387"/>
+          </a:xfrm>
+        </p:spPr>
+        <p:txBody>
+          <a:bodyPr>
+            <a:normAutofit fontScale="90000"/>
+          </a:bodyPr>
+          <a:lstStyle/>
+          <a:p>
+            <a:pPr algn="ctr"/>
+            <a:br>
+              <a:rPr lang="en-GB" sz="3600" dirty="0"/>
+            </a:br>
+            <a:r>
+              <a:rPr lang="en-GB" sz="7300" dirty="0" err="1">
+                <a:solidFill>
+                  <a:schemeClr val="tx1">
+                    <a:lumMod val="85000"/>
+                    <a:lumOff val="15000"/>
+                  </a:schemeClr>
+                </a:solidFill>
+                <a:latin typeface="Bahnschrift SemiLight" panose="020B0502040204020203" pitchFamily="34" charset="0"/>
+              </a:rPr>
+              <a:t>Criar</a:t>
+            </a:r>
+            <a:r>
+              <a:rPr lang="en-GB" sz="7300" dirty="0">
+                <a:solidFill>
+                  <a:schemeClr val="tx1">
+                    <a:lumMod val="85000"/>
+                    <a:lumOff val="15000"/>
+                  </a:schemeClr>
+                </a:solidFill>
+                <a:latin typeface="Bahnschrift SemiLight" panose="020B0502040204020203" pitchFamily="34" charset="0"/>
+              </a:rPr>
+              <a:t>/</a:t>
+            </a:r>
+            <a:r>
+              <a:rPr lang="en-GB" sz="7300" dirty="0" err="1">
+                <a:solidFill>
+                  <a:schemeClr val="tx1">
+                    <a:lumMod val="85000"/>
+                    <a:lumOff val="15000"/>
+                  </a:schemeClr>
+                </a:solidFill>
+                <a:latin typeface="Bahnschrift SemiLight" panose="020B0502040204020203" pitchFamily="34" charset="0"/>
+              </a:rPr>
+              <a:t>Atualizar</a:t>
+            </a:r>
+            <a:r>
+              <a:rPr lang="en-GB" sz="7300" dirty="0">
+                <a:solidFill>
+                  <a:schemeClr val="tx1">
+                    <a:lumMod val="85000"/>
+                    <a:lumOff val="15000"/>
+                  </a:schemeClr>
+                </a:solidFill>
+                <a:latin typeface="Bahnschrift SemiLight" panose="020B0502040204020203" pitchFamily="34" charset="0"/>
+              </a:rPr>
+              <a:t>/ Remover</a:t>
+            </a:r>
+            <a:endParaRPr lang="pt-PT" sz="7300" dirty="0">
+              <a:solidFill>
+                <a:schemeClr val="tx1">
+                  <a:lumMod val="85000"/>
+                  <a:lumOff val="15000"/>
+                </a:schemeClr>
+              </a:solidFill>
+              <a:latin typeface="Bahnschrift SemiLight" panose="020B0502040204020203" pitchFamily="34" charset="0"/>
+            </a:endParaRPr>
+          </a:p>
+        </p:txBody>
+      </p:sp>
+      <p:sp>
+        <p:nvSpPr>
+          <p:cNvPr id="9" name="CaixaDeTexto 28">
+            <a:extLst>
+              <a:ext uri="{FF2B5EF4-FFF2-40B4-BE49-F238E27FC236}">
+                <a16:creationId xmlns:a16="http://schemas.microsoft.com/office/drawing/2014/main" id="{263D2D90-0057-433C-941C-2E42F868FAF7}"/>
+              </a:ext>
+            </a:extLst>
+          </p:cNvPr>
+          <p:cNvSpPr txBox="1"/>
+          <p:nvPr/>
+        </p:nvSpPr>
+        <p:spPr>
+          <a:xfrm>
+            <a:off x="768237" y="3565412"/>
+            <a:ext cx="1513324" cy="338554"/>
+          </a:xfrm>
+          <a:prstGeom prst="rect">
+            <a:avLst/>
+          </a:prstGeom>
+          <a:noFill/>
+        </p:spPr>
+        <p:txBody>
+          <a:bodyPr wrap="square" rtlCol="0">
+            <a:spAutoFit/>
+          </a:bodyPr>
+          <a:lstStyle/>
+          <a:p>
+            <a:r>
+              <a:rPr lang="pt-PT" sz="1600" dirty="0"/>
+              <a:t>Streamer.cpp</a:t>
+            </a:r>
+            <a:endParaRPr lang="en-GB" sz="1600" dirty="0"/>
+          </a:p>
+        </p:txBody>
+      </p:sp>
+      <p:sp>
+        <p:nvSpPr>
+          <p:cNvPr id="10" name="CaixaDeTexto 28">
+            <a:extLst>
+              <a:ext uri="{FF2B5EF4-FFF2-40B4-BE49-F238E27FC236}">
+                <a16:creationId xmlns:a16="http://schemas.microsoft.com/office/drawing/2014/main" id="{EB9B47FF-C9C1-4129-B0FE-745BC5C2EB56}"/>
+              </a:ext>
+            </a:extLst>
+          </p:cNvPr>
+          <p:cNvSpPr txBox="1"/>
+          <p:nvPr/>
+        </p:nvSpPr>
+        <p:spPr>
+          <a:xfrm>
+            <a:off x="590612" y="5889285"/>
+            <a:ext cx="1513324" cy="338554"/>
+          </a:xfrm>
+          <a:prstGeom prst="rect">
+            <a:avLst/>
+          </a:prstGeom>
+          <a:noFill/>
+        </p:spPr>
+        <p:txBody>
+          <a:bodyPr wrap="square" rtlCol="0">
+            <a:spAutoFit/>
+          </a:bodyPr>
+          <a:lstStyle/>
+          <a:p>
+            <a:r>
+              <a:rPr lang="pt-PT" sz="1600" dirty="0"/>
+              <a:t>Streamer.cpp</a:t>
+            </a:r>
+            <a:endParaRPr lang="en-GB" sz="1600" dirty="0"/>
+          </a:p>
+        </p:txBody>
+      </p:sp>
       <p:pic>
         <p:nvPicPr>
-          <p:cNvPr id="19" name="Picture 18">
-            <a:extLst>
-              <a:ext uri="{FF2B5EF4-FFF2-40B4-BE49-F238E27FC236}">
-                <a16:creationId xmlns:a16="http://schemas.microsoft.com/office/drawing/2014/main" id="{08890E62-50AB-49E5-8B79-D58F1369D0FF}"/>
+          <p:cNvPr id="16" name="Picture 15">
+            <a:extLst>
+              <a:ext uri="{FF2B5EF4-FFF2-40B4-BE49-F238E27FC236}">
+                <a16:creationId xmlns:a16="http://schemas.microsoft.com/office/drawing/2014/main" id="{9F79AC73-6E44-467E-9754-A5E55F6D3892}"/>
               </a:ext>
             </a:extLst>
           </p:cNvPr>
@@ -5629,108 +5568,223 @@
         </p:blipFill>
         <p:spPr>
           <a:xfrm>
-            <a:off x="5064421" y="3601255"/>
-            <a:ext cx="2250614" cy="2577738"/>
+            <a:off x="6126163" y="2430867"/>
+            <a:ext cx="5298479" cy="2254461"/>
           </a:xfrm>
           <a:prstGeom prst="rect">
             <a:avLst/>
           </a:prstGeom>
         </p:spPr>
       </p:pic>
-      <p:pic>
-        <p:nvPicPr>
-          <p:cNvPr id="21" name="Picture 20">
-            <a:extLst>
-              <a:ext uri="{FF2B5EF4-FFF2-40B4-BE49-F238E27FC236}">
-                <a16:creationId xmlns:a16="http://schemas.microsoft.com/office/drawing/2014/main" id="{6B57792B-A7AF-4D51-B1A2-744837D90C68}"/>
-              </a:ext>
-            </a:extLst>
-          </p:cNvPr>
-          <p:cNvPicPr>
-            <a:picLocks noChangeAspect="1"/>
-          </p:cNvPicPr>
-          <p:nvPr/>
-        </p:nvPicPr>
-        <p:blipFill>
-          <a:blip r:embed="rId5"/>
-          <a:stretch>
-            <a:fillRect/>
-          </a:stretch>
-        </p:blipFill>
-        <p:spPr>
-          <a:xfrm>
-            <a:off x="7807988" y="5348325"/>
-            <a:ext cx="2028825" cy="438150"/>
+      <p:sp>
+        <p:nvSpPr>
+          <p:cNvPr id="17" name="CaixaDeTexto 28">
+            <a:extLst>
+              <a:ext uri="{FF2B5EF4-FFF2-40B4-BE49-F238E27FC236}">
+                <a16:creationId xmlns:a16="http://schemas.microsoft.com/office/drawing/2014/main" id="{CB9EF4E6-34F6-4B3A-8913-3564D9AC19C7}"/>
+              </a:ext>
+            </a:extLst>
+          </p:cNvPr>
+          <p:cNvSpPr txBox="1"/>
+          <p:nvPr/>
+        </p:nvSpPr>
+        <p:spPr>
+          <a:xfrm>
+            <a:off x="10398701" y="4685328"/>
+            <a:ext cx="1513324" cy="338554"/>
           </a:xfrm>
           <a:prstGeom prst="rect">
             <a:avLst/>
           </a:prstGeom>
-        </p:spPr>
-      </p:pic>
-      <p:pic>
-        <p:nvPicPr>
-          <p:cNvPr id="23" name="Picture 22">
-            <a:extLst>
-              <a:ext uri="{FF2B5EF4-FFF2-40B4-BE49-F238E27FC236}">
-                <a16:creationId xmlns:a16="http://schemas.microsoft.com/office/drawing/2014/main" id="{5A3539CB-026C-4EE0-B092-FF06647B25E2}"/>
-              </a:ext>
-            </a:extLst>
-          </p:cNvPr>
-          <p:cNvPicPr>
-            <a:picLocks noChangeAspect="1"/>
-          </p:cNvPicPr>
-          <p:nvPr/>
-        </p:nvPicPr>
-        <p:blipFill>
-          <a:blip r:embed="rId6"/>
-          <a:stretch>
-            <a:fillRect/>
-          </a:stretch>
-        </p:blipFill>
-        <p:spPr>
-          <a:xfrm>
-            <a:off x="9978477" y="4908980"/>
-            <a:ext cx="1909809" cy="1167822"/>
+          <a:noFill/>
+        </p:spPr>
+        <p:txBody>
+          <a:bodyPr wrap="square" rtlCol="0">
+            <a:spAutoFit/>
+          </a:bodyPr>
+          <a:lstStyle/>
+          <a:p>
+            <a:r>
+              <a:rPr lang="pt-PT" sz="1600" dirty="0"/>
+              <a:t>Viewer.cpp</a:t>
+            </a:r>
+            <a:endParaRPr lang="en-GB" sz="1600" dirty="0"/>
+          </a:p>
+        </p:txBody>
+      </p:sp>
+      <p:sp>
+        <p:nvSpPr>
+          <p:cNvPr id="18" name="CaixaDeTexto 28">
+            <a:extLst>
+              <a:ext uri="{FF2B5EF4-FFF2-40B4-BE49-F238E27FC236}">
+                <a16:creationId xmlns:a16="http://schemas.microsoft.com/office/drawing/2014/main" id="{7C4C7064-EFB2-4802-990F-65C9B4638C88}"/>
+              </a:ext>
+            </a:extLst>
+          </p:cNvPr>
+          <p:cNvSpPr txBox="1"/>
+          <p:nvPr/>
+        </p:nvSpPr>
+        <p:spPr>
+          <a:xfrm>
+            <a:off x="6148100" y="4685328"/>
+            <a:ext cx="2774790" cy="338554"/>
           </a:xfrm>
           <a:prstGeom prst="rect">
             <a:avLst/>
           </a:prstGeom>
-        </p:spPr>
-      </p:pic>
-      <p:pic>
-        <p:nvPicPr>
-          <p:cNvPr id="25" name="Picture 24">
-            <a:extLst>
-              <a:ext uri="{FF2B5EF4-FFF2-40B4-BE49-F238E27FC236}">
-                <a16:creationId xmlns:a16="http://schemas.microsoft.com/office/drawing/2014/main" id="{39B2C23F-56D0-4621-9221-137E1B229A22}"/>
-              </a:ext>
-            </a:extLst>
-          </p:cNvPr>
-          <p:cNvPicPr>
-            <a:picLocks noChangeAspect="1"/>
-          </p:cNvPicPr>
-          <p:nvPr/>
-        </p:nvPicPr>
-        <p:blipFill>
-          <a:blip r:embed="rId7"/>
-          <a:stretch>
-            <a:fillRect/>
-          </a:stretch>
-        </p:blipFill>
-        <p:spPr>
-          <a:xfrm>
-            <a:off x="8400127" y="1800538"/>
-            <a:ext cx="2712732" cy="1914870"/>
+          <a:noFill/>
+        </p:spPr>
+        <p:txBody>
+          <a:bodyPr wrap="square" rtlCol="0">
+            <a:spAutoFit/>
+          </a:bodyPr>
+          <a:lstStyle/>
+          <a:p>
+            <a:r>
+              <a:rPr lang="pt-PT" sz="1600" dirty="0"/>
+              <a:t>Criar/Remover pelo Viewer</a:t>
+            </a:r>
+            <a:endParaRPr lang="en-GB" sz="1600" dirty="0"/>
+          </a:p>
+        </p:txBody>
+      </p:sp>
+      <p:sp>
+        <p:nvSpPr>
+          <p:cNvPr id="20" name="CaixaDeTexto 28">
+            <a:extLst>
+              <a:ext uri="{FF2B5EF4-FFF2-40B4-BE49-F238E27FC236}">
+                <a16:creationId xmlns:a16="http://schemas.microsoft.com/office/drawing/2014/main" id="{C29004DD-2F7F-4AAD-91BB-08F150AF8C4B}"/>
+              </a:ext>
+            </a:extLst>
+          </p:cNvPr>
+          <p:cNvSpPr txBox="1"/>
+          <p:nvPr/>
+        </p:nvSpPr>
+        <p:spPr>
+          <a:xfrm>
+            <a:off x="3347441" y="5914755"/>
+            <a:ext cx="3053357" cy="338554"/>
           </a:xfrm>
           <a:prstGeom prst="rect">
             <a:avLst/>
           </a:prstGeom>
-        </p:spPr>
-      </p:pic>
+          <a:noFill/>
+        </p:spPr>
+        <p:txBody>
+          <a:bodyPr wrap="square" rtlCol="0">
+            <a:spAutoFit/>
+          </a:bodyPr>
+          <a:lstStyle/>
+          <a:p>
+            <a:r>
+              <a:rPr lang="pt-PT" sz="1600" dirty="0"/>
+              <a:t>Criar/Remover pelo Streamer</a:t>
+            </a:r>
+            <a:endParaRPr lang="en-GB" sz="1600" dirty="0"/>
+          </a:p>
+        </p:txBody>
+      </p:sp>
+      <p:sp>
+        <p:nvSpPr>
+          <p:cNvPr id="21" name="CaixaDeTexto 28">
+            <a:extLst>
+              <a:ext uri="{FF2B5EF4-FFF2-40B4-BE49-F238E27FC236}">
+                <a16:creationId xmlns:a16="http://schemas.microsoft.com/office/drawing/2014/main" id="{C37B4128-DD8F-48F2-A96F-C59F14FBBD5F}"/>
+              </a:ext>
+            </a:extLst>
+          </p:cNvPr>
+          <p:cNvSpPr txBox="1"/>
+          <p:nvPr/>
+        </p:nvSpPr>
+        <p:spPr>
+          <a:xfrm>
+            <a:off x="2244481" y="3448777"/>
+            <a:ext cx="3053357" cy="584775"/>
+          </a:xfrm>
+          <a:prstGeom prst="rect">
+            <a:avLst/>
+          </a:prstGeom>
+          <a:noFill/>
+        </p:spPr>
+        <p:txBody>
+          <a:bodyPr wrap="square" rtlCol="0">
+            <a:spAutoFit/>
+          </a:bodyPr>
+          <a:lstStyle/>
+          <a:p>
+            <a:r>
+              <a:rPr lang="pt-PT" sz="1600" dirty="0"/>
+              <a:t>Remover pelo Streamer sabendo o </a:t>
+            </a:r>
+            <a:r>
+              <a:rPr lang="pt-PT" sz="1600" dirty="0" err="1"/>
+              <a:t>nick</a:t>
+            </a:r>
+            <a:r>
+              <a:rPr lang="pt-PT" sz="1600" dirty="0"/>
+              <a:t> do viewer</a:t>
+            </a:r>
+            <a:endParaRPr lang="en-GB" sz="1600" dirty="0"/>
+          </a:p>
+        </p:txBody>
+      </p:sp>
+      <p:sp>
+        <p:nvSpPr>
+          <p:cNvPr id="22" name="CaixaDeTexto 28">
+            <a:extLst>
+              <a:ext uri="{FF2B5EF4-FFF2-40B4-BE49-F238E27FC236}">
+                <a16:creationId xmlns:a16="http://schemas.microsoft.com/office/drawing/2014/main" id="{274CFBE1-B821-4B6E-A023-89774361F22D}"/>
+              </a:ext>
+            </a:extLst>
+          </p:cNvPr>
+          <p:cNvSpPr txBox="1"/>
+          <p:nvPr/>
+        </p:nvSpPr>
+        <p:spPr>
+          <a:xfrm>
+            <a:off x="6405061" y="5384860"/>
+            <a:ext cx="3993639" cy="584775"/>
+          </a:xfrm>
+          <a:prstGeom prst="rect">
+            <a:avLst/>
+          </a:prstGeom>
+          <a:noFill/>
+        </p:spPr>
+        <p:txBody>
+          <a:bodyPr wrap="square" rtlCol="0">
+            <a:spAutoFit/>
+          </a:bodyPr>
+          <a:lstStyle/>
+          <a:p>
+            <a:pPr algn="just"/>
+            <a:r>
+              <a:rPr lang="pt-PT" sz="1600" dirty="0"/>
+              <a:t>Atualização do máximo número de </a:t>
+            </a:r>
+            <a:r>
+              <a:rPr lang="pt-PT" sz="1600" dirty="0" err="1"/>
+              <a:t>orders</a:t>
+            </a:r>
+            <a:r>
+              <a:rPr lang="pt-PT" sz="1600" dirty="0"/>
+              <a:t> de </a:t>
+            </a:r>
+            <a:r>
+              <a:rPr lang="pt-PT" sz="1600" dirty="0" err="1"/>
+              <a:t>merch</a:t>
+            </a:r>
+            <a:r>
+              <a:rPr lang="pt-PT" sz="1600" dirty="0"/>
+              <a:t> através da conta administradora</a:t>
+            </a:r>
+            <a:endParaRPr lang="en-GB" sz="1600" dirty="0"/>
+          </a:p>
+        </p:txBody>
+      </p:sp>
     </p:spTree>
     <p:extLst>
       <p:ext uri="{BB962C8B-B14F-4D97-AF65-F5344CB8AC3E}">
-        <p14:creationId xmlns:p14="http://schemas.microsoft.com/office/powerpoint/2010/main" val="3138427854"/>
+        <p14:creationId xmlns:p14="http://schemas.microsoft.com/office/powerpoint/2010/main" val="1512135320"/>
       </p:ext>
     </p:extLst>
   </p:cSld>
@@ -5759,10 +5813,10 @@
       </p:grpSpPr>
       <p:sp>
         <p:nvSpPr>
-          <p:cNvPr id="2" name="Título 1">
-            <a:extLst>
-              <a:ext uri="{FF2B5EF4-FFF2-40B4-BE49-F238E27FC236}">
-                <a16:creationId xmlns:a16="http://schemas.microsoft.com/office/drawing/2014/main" id="{B6E269CC-F3EC-43ED-BC98-FCEA20CEA90D}"/>
+          <p:cNvPr id="4" name="Título 1">
+            <a:extLst>
+              <a:ext uri="{FF2B5EF4-FFF2-40B4-BE49-F238E27FC236}">
+                <a16:creationId xmlns:a16="http://schemas.microsoft.com/office/drawing/2014/main" id="{267B6764-42C3-4081-8C20-2DD12E1BA125}"/>
               </a:ext>
             </a:extLst>
           </p:cNvPr>
@@ -5773,7 +5827,12 @@
             <p:ph type="title"/>
           </p:nvPr>
         </p:nvSpPr>
-        <p:spPr/>
+        <p:spPr>
+          <a:xfrm>
+            <a:off x="1097280" y="286603"/>
+            <a:ext cx="10058400" cy="1450757"/>
+          </a:xfrm>
+        </p:spPr>
         <p:txBody>
           <a:bodyPr/>
           <a:lstStyle/>
@@ -5786,7 +5845,7 @@
                 </a:solidFill>
                 <a:latin typeface="Bahnschrift SemiLight" panose="020B0502040204020203" pitchFamily="34" charset="0"/>
               </a:rPr>
-              <a:t>UI</a:t>
+              <a:t>Listagem</a:t>
             </a:r>
             <a:endParaRPr lang="en-GB" sz="6600" dirty="0">
               <a:solidFill>
@@ -5799,10 +5858,10 @@
       </p:sp>
       <p:cxnSp>
         <p:nvCxnSpPr>
-          <p:cNvPr id="5" name="Conexão reta 4">
-            <a:extLst>
-              <a:ext uri="{FF2B5EF4-FFF2-40B4-BE49-F238E27FC236}">
-                <a16:creationId xmlns:a16="http://schemas.microsoft.com/office/drawing/2014/main" id="{D1B427FC-FECB-4AD9-947A-AE1CD8E8E0E9}"/>
+          <p:cNvPr id="6" name="Conexão reta 5">
+            <a:extLst>
+              <a:ext uri="{FF2B5EF4-FFF2-40B4-BE49-F238E27FC236}">
+                <a16:creationId xmlns:a16="http://schemas.microsoft.com/office/drawing/2014/main" id="{BFE60422-34C0-420F-8356-E4816D80A3CF}"/>
               </a:ext>
             </a:extLst>
           </p:cNvPr>
@@ -5812,9 +5871,9 @@
           <p:nvPr/>
         </p:nvCxnSpPr>
         <p:spPr>
-          <a:xfrm>
-            <a:off x="11192396" y="1426808"/>
-            <a:ext cx="259554" cy="1"/>
+          <a:xfrm flipH="1">
+            <a:off x="1097280" y="1737360"/>
+            <a:ext cx="10239504" cy="0"/>
           </a:xfrm>
           <a:prstGeom prst="line">
             <a:avLst/>
@@ -5842,10 +5901,146 @@
       </p:cxnSp>
       <p:sp>
         <p:nvSpPr>
-          <p:cNvPr id="4" name="Marcador de Posição do Rodapé 3">
-            <a:extLst>
-              <a:ext uri="{FF2B5EF4-FFF2-40B4-BE49-F238E27FC236}">
-                <a16:creationId xmlns:a16="http://schemas.microsoft.com/office/drawing/2014/main" id="{2E6D09DD-1E47-4A67-AB57-535BA57CB1EF}"/>
+          <p:cNvPr id="13" name="CaixaDeTexto 12">
+            <a:extLst>
+              <a:ext uri="{FF2B5EF4-FFF2-40B4-BE49-F238E27FC236}">
+                <a16:creationId xmlns:a16="http://schemas.microsoft.com/office/drawing/2014/main" id="{EFB421BC-8709-45BA-865E-783BEE9AA4A4}"/>
+              </a:ext>
+            </a:extLst>
+          </p:cNvPr>
+          <p:cNvSpPr txBox="1"/>
+          <p:nvPr/>
+        </p:nvSpPr>
+        <p:spPr>
+          <a:xfrm>
+            <a:off x="2823175" y="5894605"/>
+            <a:ext cx="2775713" cy="338554"/>
+          </a:xfrm>
+          <a:prstGeom prst="rect">
+            <a:avLst/>
+          </a:prstGeom>
+          <a:noFill/>
+        </p:spPr>
+        <p:txBody>
+          <a:bodyPr wrap="square" rtlCol="0">
+            <a:spAutoFit/>
+          </a:bodyPr>
+          <a:lstStyle/>
+          <a:p>
+            <a:r>
+              <a:rPr lang="pt-PT" sz="1600" dirty="0"/>
+              <a:t>(excerto) SearchManager.cpp</a:t>
+            </a:r>
+            <a:endParaRPr lang="en-GB" dirty="0"/>
+          </a:p>
+        </p:txBody>
+      </p:sp>
+      <p:sp>
+        <p:nvSpPr>
+          <p:cNvPr id="17" name="CaixaDeTexto 16">
+            <a:extLst>
+              <a:ext uri="{FF2B5EF4-FFF2-40B4-BE49-F238E27FC236}">
+                <a16:creationId xmlns:a16="http://schemas.microsoft.com/office/drawing/2014/main" id="{8228F99D-3C22-472E-8DFE-B7B038D11935}"/>
+              </a:ext>
+            </a:extLst>
+          </p:cNvPr>
+          <p:cNvSpPr txBox="1"/>
+          <p:nvPr/>
+        </p:nvSpPr>
+        <p:spPr>
+          <a:xfrm>
+            <a:off x="9650027" y="2822714"/>
+            <a:ext cx="1811044" cy="338554"/>
+          </a:xfrm>
+          <a:prstGeom prst="rect">
+            <a:avLst/>
+          </a:prstGeom>
+          <a:noFill/>
+        </p:spPr>
+        <p:txBody>
+          <a:bodyPr wrap="square" rtlCol="0">
+            <a:spAutoFit/>
+          </a:bodyPr>
+          <a:lstStyle/>
+          <a:p>
+            <a:r>
+              <a:rPr lang="pt-PT" sz="1600" dirty="0"/>
+              <a:t>SearchManager.cpp</a:t>
+            </a:r>
+            <a:endParaRPr lang="en-GB" dirty="0"/>
+          </a:p>
+        </p:txBody>
+      </p:sp>
+      <p:sp>
+        <p:nvSpPr>
+          <p:cNvPr id="18" name="CaixaDeTexto 17">
+            <a:extLst>
+              <a:ext uri="{FF2B5EF4-FFF2-40B4-BE49-F238E27FC236}">
+                <a16:creationId xmlns:a16="http://schemas.microsoft.com/office/drawing/2014/main" id="{11FA7A83-279B-4A8E-9636-AFF140E12238}"/>
+              </a:ext>
+            </a:extLst>
+          </p:cNvPr>
+          <p:cNvSpPr txBox="1"/>
+          <p:nvPr/>
+        </p:nvSpPr>
+        <p:spPr>
+          <a:xfrm>
+            <a:off x="1097279" y="1978514"/>
+            <a:ext cx="3980063" cy="1200329"/>
+          </a:xfrm>
+          <a:prstGeom prst="rect">
+            <a:avLst/>
+          </a:prstGeom>
+          <a:noFill/>
+        </p:spPr>
+        <p:txBody>
+          <a:bodyPr wrap="square" rtlCol="0">
+            <a:spAutoFit/>
+          </a:bodyPr>
+          <a:lstStyle/>
+          <a:p>
+            <a:pPr marL="285750" indent="-285750">
+              <a:buClr>
+                <a:srgbClr val="8C2D19"/>
+              </a:buClr>
+              <a:buFont typeface="Arial" panose="020B0604020202020204" pitchFamily="34" charset="0"/>
+              <a:buChar char="•"/>
+            </a:pPr>
+            <a:r>
+              <a:rPr lang="pt-PT" dirty="0"/>
+              <a:t>Listagem das </a:t>
+            </a:r>
+            <a:r>
+              <a:rPr lang="pt-PT" dirty="0" err="1"/>
+              <a:t>Donations</a:t>
+            </a:r>
+            <a:r>
+              <a:rPr lang="pt-PT" dirty="0"/>
+              <a:t> admite vários parâmetros, portanto é possível filtrar a informação.</a:t>
+            </a:r>
+          </a:p>
+          <a:p>
+            <a:pPr marL="285750" indent="-285750">
+              <a:buClr>
+                <a:srgbClr val="8C2D19"/>
+              </a:buClr>
+              <a:buFont typeface="Arial" panose="020B0604020202020204" pitchFamily="34" charset="0"/>
+              <a:buChar char="•"/>
+            </a:pPr>
+            <a:endParaRPr lang="pt-PT" dirty="0">
+              <a:solidFill>
+                <a:srgbClr val="FF0000"/>
+              </a:solidFill>
+            </a:endParaRPr>
+          </a:p>
+        </p:txBody>
+      </p:sp>
+      <p:sp>
+        <p:nvSpPr>
+          <p:cNvPr id="2" name="Marcador de Posição do Rodapé 1">
+            <a:extLst>
+              <a:ext uri="{FF2B5EF4-FFF2-40B4-BE49-F238E27FC236}">
+                <a16:creationId xmlns:a16="http://schemas.microsoft.com/office/drawing/2014/main" id="{32C833F7-18B6-4861-9CBC-F84DFD811E13}"/>
               </a:ext>
             </a:extLst>
           </p:cNvPr>
@@ -5870,10 +6065,10 @@
       </p:sp>
       <p:sp>
         <p:nvSpPr>
-          <p:cNvPr id="6" name="Marcador de Posição do Número do Diapositivo 5">
-            <a:extLst>
-              <a:ext uri="{FF2B5EF4-FFF2-40B4-BE49-F238E27FC236}">
-                <a16:creationId xmlns:a16="http://schemas.microsoft.com/office/drawing/2014/main" id="{A6038915-9563-428D-88A8-7720015CFAC0}"/>
+          <p:cNvPr id="3" name="Marcador de Posição do Número do Diapositivo 2">
+            <a:extLst>
+              <a:ext uri="{FF2B5EF4-FFF2-40B4-BE49-F238E27FC236}">
+                <a16:creationId xmlns:a16="http://schemas.microsoft.com/office/drawing/2014/main" id="{F84751A3-EB56-4B0A-B79B-89EF65EBF080}"/>
               </a:ext>
             </a:extLst>
           </p:cNvPr>
@@ -5902,7 +6097,7 @@
           <p:cNvPr id="7" name="Imagem 6">
             <a:extLst>
               <a:ext uri="{FF2B5EF4-FFF2-40B4-BE49-F238E27FC236}">
-                <a16:creationId xmlns:a16="http://schemas.microsoft.com/office/drawing/2014/main" id="{95C51A54-AF96-43E2-9C50-EFB3428A2FB4}"/>
+                <a16:creationId xmlns:a16="http://schemas.microsoft.com/office/drawing/2014/main" id="{F792557B-E72C-4265-BC01-A8B90EA578C5}"/>
               </a:ext>
             </a:extLst>
           </p:cNvPr>
@@ -5934,10 +6129,10 @@
       </p:pic>
       <p:sp>
         <p:nvSpPr>
-          <p:cNvPr id="12" name="TextBox 11">
-            <a:extLst>
-              <a:ext uri="{FF2B5EF4-FFF2-40B4-BE49-F238E27FC236}">
-                <a16:creationId xmlns:a16="http://schemas.microsoft.com/office/drawing/2014/main" id="{B5D78712-70F3-4C81-AE5C-F3E20EFC6ABC}"/>
+          <p:cNvPr id="5" name="CaixaDeTexto 4">
+            <a:extLst>
+              <a:ext uri="{FF2B5EF4-FFF2-40B4-BE49-F238E27FC236}">
+                <a16:creationId xmlns:a16="http://schemas.microsoft.com/office/drawing/2014/main" id="{9E531B7B-DA41-4275-9E6B-DBF7E0134E40}"/>
               </a:ext>
             </a:extLst>
           </p:cNvPr>
@@ -5946,8 +6141,8 @@
         </p:nvSpPr>
         <p:spPr>
           <a:xfrm>
-            <a:off x="861379" y="4381999"/>
-            <a:ext cx="5649612" cy="1477328"/>
+            <a:off x="6217032" y="4349254"/>
+            <a:ext cx="4278405" cy="923330"/>
           </a:xfrm>
           <a:prstGeom prst="rect">
             <a:avLst/>
@@ -5961,91 +6156,32 @@
           <a:lstStyle/>
           <a:p>
             <a:pPr marL="285750" indent="-285750">
+              <a:buClr>
+                <a:srgbClr val="8C2D19"/>
+              </a:buClr>
               <a:buFont typeface="Arial" panose="020B0604020202020204" pitchFamily="34" charset="0"/>
               <a:buChar char="•"/>
             </a:pPr>
             <a:r>
               <a:rPr lang="pt-PT" dirty="0"/>
-              <a:t>Escolher vários parâmetros de pesquisa de doações</a:t>
-            </a:r>
-          </a:p>
-          <a:p>
-            <a:pPr marL="285750" indent="-285750">
-              <a:buFont typeface="Arial" panose="020B0604020202020204" pitchFamily="34" charset="0"/>
-              <a:buChar char="•"/>
+              <a:t>Permite listagens com diferentes </a:t>
+            </a:r>
+            <a:r>
+              <a:rPr lang="pt-PT" dirty="0" err="1"/>
+              <a:t>parametros</a:t>
+            </a:r>
+            <a:r>
+              <a:rPr lang="pt-PT" dirty="0"/>
+              <a:t>.</a:t>
+            </a:r>
+          </a:p>
+          <a:p>
+            <a:pPr>
+              <a:buClr>
+                <a:srgbClr val="8C2D19"/>
+              </a:buClr>
             </a:pPr>
-            <a:r>
-              <a:rPr lang="pt-PT" dirty="0"/>
-              <a:t>Não escolher nenhum elemento implica pesquisar por todos</a:t>
-            </a:r>
-          </a:p>
-          <a:p>
-            <a:pPr marL="285750" indent="-285750">
-              <a:buFont typeface="Arial" panose="020B0604020202020204" pitchFamily="34" charset="0"/>
-              <a:buChar char="•"/>
-            </a:pPr>
-            <a:r>
-              <a:rPr lang="pt-PT" dirty="0"/>
-              <a:t>Escolher 0 para parar de adicionar elementos à pesquisa</a:t>
-            </a:r>
-          </a:p>
-        </p:txBody>
-      </p:sp>
-      <p:sp>
-        <p:nvSpPr>
-          <p:cNvPr id="13" name="TextBox 12">
-            <a:extLst>
-              <a:ext uri="{FF2B5EF4-FFF2-40B4-BE49-F238E27FC236}">
-                <a16:creationId xmlns:a16="http://schemas.microsoft.com/office/drawing/2014/main" id="{3918F24A-B858-4DAC-8BB2-AA8C55D4EF93}"/>
-              </a:ext>
-            </a:extLst>
-          </p:cNvPr>
-          <p:cNvSpPr txBox="1"/>
-          <p:nvPr/>
-        </p:nvSpPr>
-        <p:spPr>
-          <a:xfrm>
-            <a:off x="7097164" y="5259162"/>
-            <a:ext cx="4426052" cy="923330"/>
-          </a:xfrm>
-          <a:prstGeom prst="rect">
-            <a:avLst/>
-          </a:prstGeom>
-          <a:noFill/>
-        </p:spPr>
-        <p:txBody>
-          <a:bodyPr wrap="square" rtlCol="0">
-            <a:spAutoFit/>
-          </a:bodyPr>
-          <a:lstStyle/>
-          <a:p>
-            <a:pPr marL="285750" indent="-285750">
-              <a:buFont typeface="Arial" panose="020B0604020202020204" pitchFamily="34" charset="0"/>
-              <a:buChar char="•"/>
-            </a:pPr>
-            <a:r>
-              <a:rPr lang="pt-PT" dirty="0">
-                <a:solidFill>
-                  <a:srgbClr val="FF0000"/>
-                </a:solidFill>
-              </a:rPr>
-              <a:t>Sistema de páginas</a:t>
-            </a:r>
-          </a:p>
-          <a:p>
-            <a:pPr marL="285750" indent="-285750">
-              <a:buFont typeface="Arial" panose="020B0604020202020204" pitchFamily="34" charset="0"/>
-              <a:buChar char="•"/>
-            </a:pPr>
-            <a:r>
-              <a:rPr lang="pt-PT" dirty="0">
-                <a:solidFill>
-                  <a:srgbClr val="FF0000"/>
-                </a:solidFill>
-              </a:rPr>
-              <a:t>Objetivo de não apresentar demasiadas entradas no ecrã de uma vez só.</a:t>
-            </a:r>
-            <a:endParaRPr lang="en-US" dirty="0">
+            <a:endParaRPr lang="pt-PT" dirty="0">
               <a:solidFill>
                 <a:srgbClr val="FF0000"/>
               </a:solidFill>
@@ -6055,10 +6191,10 @@
       </p:sp>
       <p:pic>
         <p:nvPicPr>
-          <p:cNvPr id="10" name="Picture 9">
-            <a:extLst>
-              <a:ext uri="{FF2B5EF4-FFF2-40B4-BE49-F238E27FC236}">
-                <a16:creationId xmlns:a16="http://schemas.microsoft.com/office/drawing/2014/main" id="{4DC358C9-9033-47BF-BC57-51F72C38AA90}"/>
+          <p:cNvPr id="11" name="Imagem 10">
+            <a:extLst>
+              <a:ext uri="{FF2B5EF4-FFF2-40B4-BE49-F238E27FC236}">
+                <a16:creationId xmlns:a16="http://schemas.microsoft.com/office/drawing/2014/main" id="{831552EC-9C6F-48A3-8063-F2AA980FC078}"/>
               </a:ext>
             </a:extLst>
           </p:cNvPr>
@@ -6075,8 +6211,38 @@
         </p:blipFill>
         <p:spPr>
           <a:xfrm>
-            <a:off x="1295875" y="1979886"/>
-            <a:ext cx="2841140" cy="2371381"/>
+            <a:off x="5077342" y="2003842"/>
+            <a:ext cx="6383729" cy="819806"/>
+          </a:xfrm>
+          <a:prstGeom prst="rect">
+            <a:avLst/>
+          </a:prstGeom>
+        </p:spPr>
+      </p:pic>
+      <p:pic>
+        <p:nvPicPr>
+          <p:cNvPr id="9" name="Picture 8">
+            <a:extLst>
+              <a:ext uri="{FF2B5EF4-FFF2-40B4-BE49-F238E27FC236}">
+                <a16:creationId xmlns:a16="http://schemas.microsoft.com/office/drawing/2014/main" id="{3CF502A1-BF52-4B4C-B129-75313872CB84}"/>
+              </a:ext>
+            </a:extLst>
+          </p:cNvPr>
+          <p:cNvPicPr>
+            <a:picLocks noChangeAspect="1"/>
+          </p:cNvPicPr>
+          <p:nvPr/>
+        </p:nvPicPr>
+        <p:blipFill>
+          <a:blip r:embed="rId4"/>
+          <a:stretch>
+            <a:fillRect/>
+          </a:stretch>
+        </p:blipFill>
+        <p:spPr>
+          <a:xfrm>
+            <a:off x="1097279" y="3162843"/>
+            <a:ext cx="4730080" cy="2659000"/>
           </a:xfrm>
           <a:prstGeom prst="rect">
             <a:avLst/>
@@ -6086,7 +6252,7 @@
     </p:spTree>
     <p:extLst>
       <p:ext uri="{BB962C8B-B14F-4D97-AF65-F5344CB8AC3E}">
-        <p14:creationId xmlns:p14="http://schemas.microsoft.com/office/powerpoint/2010/main" val="465885420"/>
+        <p14:creationId xmlns:p14="http://schemas.microsoft.com/office/powerpoint/2010/main" val="2427753014"/>
       </p:ext>
     </p:extLst>
   </p:cSld>
@@ -6138,247 +6304,18 @@
             <a:r>
               <a:rPr lang="pt-PT" sz="6600" dirty="0">
                 <a:solidFill>
-                  <a:schemeClr val="tx1">
-                    <a:lumMod val="85000"/>
-                    <a:lumOff val="15000"/>
-                  </a:schemeClr>
+                  <a:schemeClr val="tx1"/>
                 </a:solidFill>
                 <a:latin typeface="Bahnschrift SemiLight" panose="020B0502040204020203" pitchFamily="34" charset="0"/>
               </a:rPr>
-              <a:t>Destaque - Listagem</a:t>
+              <a:t>UI</a:t>
             </a:r>
             <a:endParaRPr lang="en-GB" sz="6600" dirty="0">
               <a:solidFill>
-                <a:schemeClr val="tx1">
-                  <a:lumMod val="85000"/>
-                  <a:lumOff val="15000"/>
-                </a:schemeClr>
+                <a:schemeClr val="tx1"/>
               </a:solidFill>
               <a:latin typeface="Bahnschrift SemiLight" panose="020B0502040204020203" pitchFamily="34" charset="0"/>
             </a:endParaRPr>
-          </a:p>
-        </p:txBody>
-      </p:sp>
-      <p:sp>
-        <p:nvSpPr>
-          <p:cNvPr id="3" name="Marcador de Posição de Conteúdo 2">
-            <a:extLst>
-              <a:ext uri="{FF2B5EF4-FFF2-40B4-BE49-F238E27FC236}">
-                <a16:creationId xmlns:a16="http://schemas.microsoft.com/office/drawing/2014/main" id="{B3B74F31-20FC-4247-9C66-D428333967A4}"/>
-              </a:ext>
-            </a:extLst>
-          </p:cNvPr>
-          <p:cNvSpPr>
-            <a:spLocks noGrp="1"/>
-          </p:cNvSpPr>
-          <p:nvPr>
-            <p:ph idx="1"/>
-          </p:nvPr>
-        </p:nvSpPr>
-        <p:spPr>
-          <a:xfrm>
-            <a:off x="1097280" y="2116449"/>
-            <a:ext cx="10058400" cy="4004649"/>
-          </a:xfrm>
-        </p:spPr>
-        <p:txBody>
-          <a:bodyPr>
-            <a:normAutofit/>
-          </a:bodyPr>
-          <a:lstStyle/>
-          <a:p>
-            <a:pPr lvl="1">
-              <a:buClr>
-                <a:srgbClr val="8C2D19"/>
-              </a:buClr>
-              <a:buFont typeface="Arial" panose="020B0604020202020204" pitchFamily="34" charset="0"/>
-              <a:buChar char="•"/>
-            </a:pPr>
-            <a:r>
-              <a:rPr lang="pt-PT" dirty="0">
-                <a:solidFill>
-                  <a:schemeClr val="tx1"/>
-                </a:solidFill>
-              </a:rPr>
-              <a:t>Foi alargada a </a:t>
-            </a:r>
-            <a:r>
-              <a:rPr lang="pt-PT" dirty="0" err="1">
-                <a:solidFill>
-                  <a:schemeClr val="tx1"/>
-                </a:solidFill>
-              </a:rPr>
-              <a:t>feature</a:t>
-            </a:r>
-            <a:r>
-              <a:rPr lang="pt-PT" dirty="0">
-                <a:solidFill>
-                  <a:schemeClr val="tx1"/>
-                </a:solidFill>
-              </a:rPr>
-              <a:t> de pesquisas </a:t>
-            </a:r>
-            <a:r>
-              <a:rPr lang="pt-PT" dirty="0" err="1">
-                <a:solidFill>
-                  <a:schemeClr val="tx1"/>
-                </a:solidFill>
-              </a:rPr>
-              <a:t>costumizadas</a:t>
-            </a:r>
-            <a:r>
-              <a:rPr lang="pt-PT" dirty="0">
-                <a:solidFill>
-                  <a:schemeClr val="tx1"/>
-                </a:solidFill>
-              </a:rPr>
-              <a:t> às doações.</a:t>
-            </a:r>
-          </a:p>
-          <a:p>
-            <a:pPr lvl="1">
-              <a:buClr>
-                <a:srgbClr val="8C2D19"/>
-              </a:buClr>
-              <a:buFont typeface="Arial" panose="020B0604020202020204" pitchFamily="34" charset="0"/>
-              <a:buChar char="•"/>
-            </a:pPr>
-            <a:endParaRPr lang="pt-PT" dirty="0">
-              <a:solidFill>
-                <a:schemeClr val="tx1"/>
-              </a:solidFill>
-            </a:endParaRPr>
-          </a:p>
-          <a:p>
-            <a:pPr lvl="1">
-              <a:buClr>
-                <a:srgbClr val="8C2D19"/>
-              </a:buClr>
-              <a:buFont typeface="Arial" panose="020B0604020202020204" pitchFamily="34" charset="0"/>
-              <a:buChar char="•"/>
-            </a:pPr>
-            <a:r>
-              <a:rPr lang="pt-PT" dirty="0">
-                <a:solidFill>
-                  <a:schemeClr val="tx1"/>
-                </a:solidFill>
-              </a:rPr>
-              <a:t>Chama-se a função de pesquisa respetiva com vetores dos </a:t>
-            </a:r>
-            <a:r>
-              <a:rPr lang="pt-PT" dirty="0" err="1">
-                <a:solidFill>
-                  <a:schemeClr val="tx1"/>
-                </a:solidFill>
-              </a:rPr>
-              <a:t>parametros</a:t>
-            </a:r>
-            <a:r>
-              <a:rPr lang="pt-PT" dirty="0">
-                <a:solidFill>
-                  <a:schemeClr val="tx1"/>
-                </a:solidFill>
-              </a:rPr>
-              <a:t> correspondentes. Se for enviado vetor vazio, aceita todos. Ex:</a:t>
-            </a:r>
-          </a:p>
-          <a:p>
-            <a:pPr lvl="2">
-              <a:buClr>
-                <a:srgbClr val="8C2D19"/>
-              </a:buClr>
-              <a:buFont typeface="Arial" panose="020B0604020202020204" pitchFamily="34" charset="0"/>
-              <a:buChar char="•"/>
-            </a:pPr>
-            <a:r>
-              <a:rPr lang="pt-PT" dirty="0">
-                <a:solidFill>
-                  <a:schemeClr val="tx1"/>
-                </a:solidFill>
-              </a:rPr>
-              <a:t>Enviar vetor com os valores de avaliação.</a:t>
-            </a:r>
-          </a:p>
-          <a:p>
-            <a:pPr lvl="2">
-              <a:buClr>
-                <a:srgbClr val="8C2D19"/>
-              </a:buClr>
-              <a:buFont typeface="Arial" panose="020B0604020202020204" pitchFamily="34" charset="0"/>
-              <a:buChar char="•"/>
-            </a:pPr>
-            <a:r>
-              <a:rPr lang="pt-PT" dirty="0">
-                <a:solidFill>
-                  <a:schemeClr val="tx1"/>
-                </a:solidFill>
-              </a:rPr>
-              <a:t>Enviar valor </a:t>
-            </a:r>
-            <a:r>
-              <a:rPr lang="pt-PT" dirty="0" err="1">
-                <a:solidFill>
-                  <a:schemeClr val="tx1"/>
-                </a:solidFill>
-              </a:rPr>
-              <a:t>minimo</a:t>
-            </a:r>
-            <a:r>
-              <a:rPr lang="pt-PT" dirty="0">
-                <a:solidFill>
-                  <a:schemeClr val="tx1"/>
-                </a:solidFill>
-              </a:rPr>
-              <a:t>.</a:t>
-            </a:r>
-          </a:p>
-          <a:p>
-            <a:pPr lvl="2">
-              <a:buClr>
-                <a:srgbClr val="8C2D19"/>
-              </a:buClr>
-              <a:buFont typeface="Arial" panose="020B0604020202020204" pitchFamily="34" charset="0"/>
-              <a:buChar char="•"/>
-            </a:pPr>
-            <a:r>
-              <a:rPr lang="pt-PT" dirty="0">
-                <a:solidFill>
-                  <a:schemeClr val="tx1"/>
-                </a:solidFill>
-              </a:rPr>
-              <a:t>Enviar valor máximo.</a:t>
-            </a:r>
-          </a:p>
-          <a:p>
-            <a:pPr lvl="1">
-              <a:buClr>
-                <a:srgbClr val="8C2D19"/>
-              </a:buClr>
-              <a:buFont typeface="Arial" panose="020B0604020202020204" pitchFamily="34" charset="0"/>
-              <a:buChar char="•"/>
-            </a:pPr>
-            <a:endParaRPr lang="pt-PT" dirty="0">
-              <a:solidFill>
-                <a:schemeClr val="tx1"/>
-              </a:solidFill>
-            </a:endParaRPr>
-          </a:p>
-          <a:p>
-            <a:pPr lvl="1">
-              <a:buClr>
-                <a:srgbClr val="8C2D19"/>
-              </a:buClr>
-              <a:buFont typeface="Arial" panose="020B0604020202020204" pitchFamily="34" charset="0"/>
-              <a:buChar char="•"/>
-            </a:pPr>
-            <a:r>
-              <a:rPr lang="pt-PT" dirty="0">
-                <a:solidFill>
-                  <a:schemeClr val="tx1"/>
-                </a:solidFill>
-              </a:rPr>
-              <a:t>Neste caso, por se tratar de uma BST não faria sentido alterar a ordenação que esta impõe no seu conjunto de dados, por isso permanece ordenada pelo montante e pela avaliação.</a:t>
-            </a:r>
           </a:p>
         </p:txBody>
       </p:sp>
@@ -6517,10 +6454,380 @@
           </a:prstGeom>
         </p:spPr>
       </p:pic>
+      <p:sp>
+        <p:nvSpPr>
+          <p:cNvPr id="12" name="TextBox 11">
+            <a:extLst>
+              <a:ext uri="{FF2B5EF4-FFF2-40B4-BE49-F238E27FC236}">
+                <a16:creationId xmlns:a16="http://schemas.microsoft.com/office/drawing/2014/main" id="{B5D78712-70F3-4C81-AE5C-F3E20EFC6ABC}"/>
+              </a:ext>
+            </a:extLst>
+          </p:cNvPr>
+          <p:cNvSpPr txBox="1"/>
+          <p:nvPr/>
+        </p:nvSpPr>
+        <p:spPr>
+          <a:xfrm>
+            <a:off x="207699" y="3543505"/>
+            <a:ext cx="4206477" cy="1569660"/>
+          </a:xfrm>
+          <a:prstGeom prst="rect">
+            <a:avLst/>
+          </a:prstGeom>
+          <a:noFill/>
+        </p:spPr>
+        <p:txBody>
+          <a:bodyPr wrap="square" rtlCol="0">
+            <a:spAutoFit/>
+          </a:bodyPr>
+          <a:lstStyle/>
+          <a:p>
+            <a:pPr algn="ctr"/>
+            <a:r>
+              <a:rPr lang="pt-PT" sz="1600" dirty="0"/>
+              <a:t>Login Page</a:t>
+            </a:r>
+          </a:p>
+          <a:p>
+            <a:pPr marL="285750" indent="-285750">
+              <a:buFont typeface="Arial" panose="020B0604020202020204" pitchFamily="34" charset="0"/>
+              <a:buChar char="•"/>
+            </a:pPr>
+            <a:r>
+              <a:rPr lang="pt-PT" sz="1600" dirty="0"/>
+              <a:t>Pode fazer login com usernick e password</a:t>
+            </a:r>
+          </a:p>
+          <a:p>
+            <a:pPr marL="285750" indent="-285750">
+              <a:buFont typeface="Arial" panose="020B0604020202020204" pitchFamily="34" charset="0"/>
+              <a:buChar char="•"/>
+            </a:pPr>
+            <a:r>
+              <a:rPr lang="pt-PT" sz="1600" dirty="0"/>
+              <a:t>Pode recuperar uma conta de </a:t>
+            </a:r>
+            <a:r>
+              <a:rPr lang="pt-PT" sz="1600" dirty="0" err="1"/>
+              <a:t>streamer</a:t>
+            </a:r>
+            <a:r>
+              <a:rPr lang="pt-PT" sz="1600" dirty="0"/>
+              <a:t> atualmente desativada</a:t>
+            </a:r>
+          </a:p>
+          <a:p>
+            <a:pPr marL="285750" indent="-285750">
+              <a:buFont typeface="Arial" panose="020B0604020202020204" pitchFamily="34" charset="0"/>
+              <a:buChar char="•"/>
+            </a:pPr>
+            <a:r>
+              <a:rPr lang="pt-PT" sz="1600" dirty="0"/>
+              <a:t>Criar uma nova conta(admin – apenas uma vez, streamer ou viewer).</a:t>
+            </a:r>
+            <a:endParaRPr lang="en-US" sz="1600" dirty="0"/>
+          </a:p>
+        </p:txBody>
+      </p:sp>
+      <p:sp>
+        <p:nvSpPr>
+          <p:cNvPr id="13" name="TextBox 12">
+            <a:extLst>
+              <a:ext uri="{FF2B5EF4-FFF2-40B4-BE49-F238E27FC236}">
+                <a16:creationId xmlns:a16="http://schemas.microsoft.com/office/drawing/2014/main" id="{3918F24A-B858-4DAC-8BB2-AA8C55D4EF93}"/>
+              </a:ext>
+            </a:extLst>
+          </p:cNvPr>
+          <p:cNvSpPr txBox="1"/>
+          <p:nvPr/>
+        </p:nvSpPr>
+        <p:spPr>
+          <a:xfrm>
+            <a:off x="4179380" y="2172185"/>
+            <a:ext cx="3738563" cy="923330"/>
+          </a:xfrm>
+          <a:prstGeom prst="rect">
+            <a:avLst/>
+          </a:prstGeom>
+          <a:noFill/>
+        </p:spPr>
+        <p:txBody>
+          <a:bodyPr wrap="square" rtlCol="0">
+            <a:spAutoFit/>
+          </a:bodyPr>
+          <a:lstStyle/>
+          <a:p>
+            <a:pPr algn="ctr"/>
+            <a:r>
+              <a:rPr lang="pt-PT" dirty="0"/>
+              <a:t>Exemplo </a:t>
+            </a:r>
+            <a:r>
+              <a:rPr lang="pt-PT" dirty="0" err="1"/>
+              <a:t>Viewer</a:t>
+            </a:r>
+            <a:r>
+              <a:rPr lang="pt-PT" dirty="0"/>
+              <a:t> e novas </a:t>
+            </a:r>
+            <a:r>
+              <a:rPr lang="pt-PT" dirty="0" err="1"/>
+              <a:t>features</a:t>
+            </a:r>
+            <a:endParaRPr lang="pt-PT" dirty="0"/>
+          </a:p>
+          <a:p>
+            <a:pPr marL="742950" lvl="1" indent="-285750">
+              <a:buFont typeface="Arial" panose="020B0604020202020204" pitchFamily="34" charset="0"/>
+              <a:buChar char="•"/>
+            </a:pPr>
+            <a:r>
+              <a:rPr lang="pt-PT" dirty="0"/>
+              <a:t>Encomendas e </a:t>
+            </a:r>
+            <a:r>
+              <a:rPr lang="pt-PT" dirty="0" err="1"/>
+              <a:t>merch</a:t>
+            </a:r>
+            <a:r>
+              <a:rPr lang="pt-PT" dirty="0"/>
+              <a:t> </a:t>
+            </a:r>
+          </a:p>
+          <a:p>
+            <a:pPr marL="742950" lvl="1" indent="-285750">
+              <a:buFont typeface="Arial" panose="020B0604020202020204" pitchFamily="34" charset="0"/>
+              <a:buChar char="•"/>
+            </a:pPr>
+            <a:r>
+              <a:rPr lang="pt-PT" dirty="0"/>
+              <a:t>Doações</a:t>
+            </a:r>
+          </a:p>
+        </p:txBody>
+      </p:sp>
+      <p:sp>
+        <p:nvSpPr>
+          <p:cNvPr id="14" name="TextBox 13">
+            <a:extLst>
+              <a:ext uri="{FF2B5EF4-FFF2-40B4-BE49-F238E27FC236}">
+                <a16:creationId xmlns:a16="http://schemas.microsoft.com/office/drawing/2014/main" id="{6414C627-DEA0-48B7-9714-952D213E0CBA}"/>
+              </a:ext>
+            </a:extLst>
+          </p:cNvPr>
+          <p:cNvSpPr txBox="1"/>
+          <p:nvPr/>
+        </p:nvSpPr>
+        <p:spPr>
+          <a:xfrm>
+            <a:off x="7797219" y="3715409"/>
+            <a:ext cx="4206477" cy="1077218"/>
+          </a:xfrm>
+          <a:prstGeom prst="rect">
+            <a:avLst/>
+          </a:prstGeom>
+          <a:noFill/>
+        </p:spPr>
+        <p:txBody>
+          <a:bodyPr wrap="square" rtlCol="0">
+            <a:spAutoFit/>
+          </a:bodyPr>
+          <a:lstStyle/>
+          <a:p>
+            <a:pPr algn="ctr"/>
+            <a:r>
+              <a:rPr lang="pt-PT" sz="1600" dirty="0"/>
+              <a:t>Exemplo conta admin</a:t>
+            </a:r>
+          </a:p>
+          <a:p>
+            <a:pPr marL="285750" indent="-285750">
+              <a:buFont typeface="Arial" panose="020B0604020202020204" pitchFamily="34" charset="0"/>
+              <a:buChar char="•"/>
+            </a:pPr>
+            <a:r>
+              <a:rPr lang="pt-PT" sz="1600" dirty="0"/>
+              <a:t>Novas </a:t>
+            </a:r>
+            <a:r>
+              <a:rPr lang="pt-PT" sz="1600" dirty="0" err="1"/>
+              <a:t>oções</a:t>
+            </a:r>
+            <a:r>
+              <a:rPr lang="pt-PT" sz="1600" dirty="0"/>
+              <a:t> de doações e encomendas</a:t>
+            </a:r>
+          </a:p>
+          <a:p>
+            <a:endParaRPr lang="pt-PT" sz="1600" dirty="0">
+              <a:solidFill>
+                <a:srgbClr val="FF0000"/>
+              </a:solidFill>
+            </a:endParaRPr>
+          </a:p>
+          <a:p>
+            <a:pPr algn="ctr"/>
+            <a:r>
+              <a:rPr lang="pt-PT" sz="1600" dirty="0"/>
+              <a:t>Exemplo Streamer</a:t>
+            </a:r>
+          </a:p>
+        </p:txBody>
+      </p:sp>
+      <p:pic>
+        <p:nvPicPr>
+          <p:cNvPr id="17" name="Picture 16">
+            <a:extLst>
+              <a:ext uri="{FF2B5EF4-FFF2-40B4-BE49-F238E27FC236}">
+                <a16:creationId xmlns:a16="http://schemas.microsoft.com/office/drawing/2014/main" id="{8BF8ED34-5DC7-4DC5-86FB-8AEEF812AB8F}"/>
+              </a:ext>
+            </a:extLst>
+          </p:cNvPr>
+          <p:cNvPicPr>
+            <a:picLocks noChangeAspect="1"/>
+          </p:cNvPicPr>
+          <p:nvPr/>
+        </p:nvPicPr>
+        <p:blipFill>
+          <a:blip r:embed="rId3"/>
+          <a:stretch>
+            <a:fillRect/>
+          </a:stretch>
+        </p:blipFill>
+        <p:spPr>
+          <a:xfrm>
+            <a:off x="674270" y="1808379"/>
+            <a:ext cx="3457773" cy="1561922"/>
+          </a:xfrm>
+          <a:prstGeom prst="rect">
+            <a:avLst/>
+          </a:prstGeom>
+        </p:spPr>
+      </p:pic>
+      <p:pic>
+        <p:nvPicPr>
+          <p:cNvPr id="19" name="Picture 18">
+            <a:extLst>
+              <a:ext uri="{FF2B5EF4-FFF2-40B4-BE49-F238E27FC236}">
+                <a16:creationId xmlns:a16="http://schemas.microsoft.com/office/drawing/2014/main" id="{08890E62-50AB-49E5-8B79-D58F1369D0FF}"/>
+              </a:ext>
+            </a:extLst>
+          </p:cNvPr>
+          <p:cNvPicPr>
+            <a:picLocks noChangeAspect="1"/>
+          </p:cNvPicPr>
+          <p:nvPr/>
+        </p:nvPicPr>
+        <p:blipFill>
+          <a:blip r:embed="rId4"/>
+          <a:stretch>
+            <a:fillRect/>
+          </a:stretch>
+        </p:blipFill>
+        <p:spPr>
+          <a:xfrm>
+            <a:off x="5064421" y="3601255"/>
+            <a:ext cx="2250614" cy="2577738"/>
+          </a:xfrm>
+          <a:prstGeom prst="rect">
+            <a:avLst/>
+          </a:prstGeom>
+        </p:spPr>
+      </p:pic>
+      <p:pic>
+        <p:nvPicPr>
+          <p:cNvPr id="21" name="Picture 20">
+            <a:extLst>
+              <a:ext uri="{FF2B5EF4-FFF2-40B4-BE49-F238E27FC236}">
+                <a16:creationId xmlns:a16="http://schemas.microsoft.com/office/drawing/2014/main" id="{6B57792B-A7AF-4D51-B1A2-744837D90C68}"/>
+              </a:ext>
+            </a:extLst>
+          </p:cNvPr>
+          <p:cNvPicPr>
+            <a:picLocks noChangeAspect="1"/>
+          </p:cNvPicPr>
+          <p:nvPr/>
+        </p:nvPicPr>
+        <p:blipFill>
+          <a:blip r:embed="rId5"/>
+          <a:stretch>
+            <a:fillRect/>
+          </a:stretch>
+        </p:blipFill>
+        <p:spPr>
+          <a:xfrm>
+            <a:off x="7807988" y="5348325"/>
+            <a:ext cx="2028825" cy="438150"/>
+          </a:xfrm>
+          <a:prstGeom prst="rect">
+            <a:avLst/>
+          </a:prstGeom>
+        </p:spPr>
+      </p:pic>
+      <p:pic>
+        <p:nvPicPr>
+          <p:cNvPr id="23" name="Picture 22">
+            <a:extLst>
+              <a:ext uri="{FF2B5EF4-FFF2-40B4-BE49-F238E27FC236}">
+                <a16:creationId xmlns:a16="http://schemas.microsoft.com/office/drawing/2014/main" id="{5A3539CB-026C-4EE0-B092-FF06647B25E2}"/>
+              </a:ext>
+            </a:extLst>
+          </p:cNvPr>
+          <p:cNvPicPr>
+            <a:picLocks noChangeAspect="1"/>
+          </p:cNvPicPr>
+          <p:nvPr/>
+        </p:nvPicPr>
+        <p:blipFill>
+          <a:blip r:embed="rId6"/>
+          <a:stretch>
+            <a:fillRect/>
+          </a:stretch>
+        </p:blipFill>
+        <p:spPr>
+          <a:xfrm>
+            <a:off x="9978477" y="4908980"/>
+            <a:ext cx="1909809" cy="1167822"/>
+          </a:xfrm>
+          <a:prstGeom prst="rect">
+            <a:avLst/>
+          </a:prstGeom>
+        </p:spPr>
+      </p:pic>
+      <p:pic>
+        <p:nvPicPr>
+          <p:cNvPr id="25" name="Picture 24">
+            <a:extLst>
+              <a:ext uri="{FF2B5EF4-FFF2-40B4-BE49-F238E27FC236}">
+                <a16:creationId xmlns:a16="http://schemas.microsoft.com/office/drawing/2014/main" id="{39B2C23F-56D0-4621-9221-137E1B229A22}"/>
+              </a:ext>
+            </a:extLst>
+          </p:cNvPr>
+          <p:cNvPicPr>
+            <a:picLocks noChangeAspect="1"/>
+          </p:cNvPicPr>
+          <p:nvPr/>
+        </p:nvPicPr>
+        <p:blipFill>
+          <a:blip r:embed="rId7"/>
+          <a:stretch>
+            <a:fillRect/>
+          </a:stretch>
+        </p:blipFill>
+        <p:spPr>
+          <a:xfrm>
+            <a:off x="8400127" y="1800538"/>
+            <a:ext cx="2712732" cy="1914870"/>
+          </a:xfrm>
+          <a:prstGeom prst="rect">
+            <a:avLst/>
+          </a:prstGeom>
+        </p:spPr>
+      </p:pic>
     </p:spTree>
     <p:extLst>
       <p:ext uri="{BB962C8B-B14F-4D97-AF65-F5344CB8AC3E}">
-        <p14:creationId xmlns:p14="http://schemas.microsoft.com/office/powerpoint/2010/main" val="516750047"/>
+        <p14:creationId xmlns:p14="http://schemas.microsoft.com/office/powerpoint/2010/main" val="3138427854"/>
       </p:ext>
     </p:extLst>
   </p:cSld>
@@ -6572,263 +6879,21 @@
             <a:r>
               <a:rPr lang="pt-PT" sz="6600" dirty="0">
                 <a:solidFill>
-                  <a:schemeClr val="tx1">
-                    <a:lumMod val="85000"/>
-                    <a:lumOff val="15000"/>
-                  </a:schemeClr>
+                  <a:schemeClr val="tx1"/>
                 </a:solidFill>
                 <a:latin typeface="Bahnschrift SemiLight" panose="020B0502040204020203" pitchFamily="34" charset="0"/>
               </a:rPr>
-              <a:t>Observações</a:t>
+              <a:t>UI</a:t>
             </a:r>
             <a:endParaRPr lang="en-GB" sz="6600" dirty="0">
               <a:solidFill>
-                <a:schemeClr val="tx1">
-                  <a:lumMod val="85000"/>
-                  <a:lumOff val="15000"/>
-                </a:schemeClr>
+                <a:schemeClr val="tx1"/>
               </a:solidFill>
               <a:latin typeface="Bahnschrift SemiLight" panose="020B0502040204020203" pitchFamily="34" charset="0"/>
             </a:endParaRPr>
           </a:p>
         </p:txBody>
       </p:sp>
-      <p:sp>
-        <p:nvSpPr>
-          <p:cNvPr id="3" name="Marcador de Posição de Conteúdo 2">
-            <a:extLst>
-              <a:ext uri="{FF2B5EF4-FFF2-40B4-BE49-F238E27FC236}">
-                <a16:creationId xmlns:a16="http://schemas.microsoft.com/office/drawing/2014/main" id="{B3B74F31-20FC-4247-9C66-D428333967A4}"/>
-              </a:ext>
-            </a:extLst>
-          </p:cNvPr>
-          <p:cNvSpPr>
-            <a:spLocks noGrp="1"/>
-          </p:cNvSpPr>
-          <p:nvPr>
-            <p:ph idx="1"/>
-          </p:nvPr>
-        </p:nvSpPr>
-        <p:spPr>
-          <a:xfrm>
-            <a:off x="1097280" y="2116449"/>
-            <a:ext cx="10058400" cy="4004649"/>
-          </a:xfrm>
-        </p:spPr>
-        <p:txBody>
-          <a:bodyPr>
-            <a:normAutofit/>
-          </a:bodyPr>
-          <a:lstStyle/>
-          <a:p>
-            <a:pPr lvl="1">
-              <a:buClr>
-                <a:srgbClr val="8C2D19"/>
-              </a:buClr>
-              <a:buFont typeface="Arial" panose="020B0604020202020204" pitchFamily="34" charset="0"/>
-              <a:buChar char="•"/>
-            </a:pPr>
-            <a:r>
-              <a:rPr lang="pt-PT" dirty="0">
-                <a:solidFill>
-                  <a:schemeClr val="tx1"/>
-                </a:solidFill>
-              </a:rPr>
-              <a:t>Gostaríamos de realçar que a segunda parte to trabalho foi relativamente simples de implementar visto que o trabalho realizado anteriormente estava bastante bem estruturado.</a:t>
-            </a:r>
-          </a:p>
-          <a:p>
-            <a:pPr lvl="1">
-              <a:buClr>
-                <a:srgbClr val="8C2D19"/>
-              </a:buClr>
-              <a:buFont typeface="Arial" panose="020B0604020202020204" pitchFamily="34" charset="0"/>
-              <a:buChar char="•"/>
-            </a:pPr>
-            <a:endParaRPr lang="pt-PT" dirty="0">
-              <a:solidFill>
-                <a:schemeClr val="tx1"/>
-              </a:solidFill>
-            </a:endParaRPr>
-          </a:p>
-          <a:p>
-            <a:pPr lvl="1">
-              <a:buClr>
-                <a:srgbClr val="8C2D19"/>
-              </a:buClr>
-              <a:buFont typeface="Arial" panose="020B0604020202020204" pitchFamily="34" charset="0"/>
-              <a:buChar char="•"/>
-            </a:pPr>
-            <a:r>
-              <a:rPr lang="pt-PT" dirty="0">
-                <a:solidFill>
-                  <a:schemeClr val="tx1"/>
-                </a:solidFill>
-              </a:rPr>
-              <a:t>A conta de </a:t>
-            </a:r>
-            <a:r>
-              <a:rPr lang="pt-PT" dirty="0" err="1">
-                <a:solidFill>
-                  <a:schemeClr val="tx1"/>
-                </a:solidFill>
-              </a:rPr>
-              <a:t>streamer</a:t>
-            </a:r>
-            <a:r>
-              <a:rPr lang="pt-PT" dirty="0">
-                <a:solidFill>
-                  <a:schemeClr val="tx1"/>
-                </a:solidFill>
-              </a:rPr>
-              <a:t> tem agora um código associado. Caso tenho o código de estado a 1, deve receber </a:t>
-            </a:r>
-            <a:r>
-              <a:rPr lang="pt-PT" dirty="0" err="1">
-                <a:solidFill>
-                  <a:schemeClr val="tx1"/>
-                </a:solidFill>
-              </a:rPr>
-              <a:t>likes</a:t>
-            </a:r>
-            <a:r>
-              <a:rPr lang="pt-PT" dirty="0">
-                <a:solidFill>
-                  <a:schemeClr val="tx1"/>
-                </a:solidFill>
-              </a:rPr>
-              <a:t> na próxima </a:t>
-            </a:r>
-            <a:r>
-              <a:rPr lang="pt-PT" dirty="0" err="1">
-                <a:solidFill>
-                  <a:schemeClr val="tx1"/>
-                </a:solidFill>
-              </a:rPr>
-              <a:t>stream</a:t>
-            </a:r>
-            <a:r>
-              <a:rPr lang="pt-PT" dirty="0">
-                <a:solidFill>
-                  <a:schemeClr val="tx1"/>
-                </a:solidFill>
-              </a:rPr>
-              <a:t> iniciada. Caso esteja a 2 este já usufruiu do seu bónus de reativação. Implementamos esta </a:t>
-            </a:r>
-            <a:r>
-              <a:rPr lang="pt-PT" dirty="0" err="1">
-                <a:solidFill>
-                  <a:schemeClr val="tx1"/>
-                </a:solidFill>
-              </a:rPr>
-              <a:t>feature</a:t>
-            </a:r>
-            <a:r>
-              <a:rPr lang="pt-PT" dirty="0">
-                <a:solidFill>
-                  <a:schemeClr val="tx1"/>
-                </a:solidFill>
-              </a:rPr>
-              <a:t> desta maneira para prevenir o abuso de utilizadores de forma a obter </a:t>
-            </a:r>
-            <a:r>
-              <a:rPr lang="pt-PT" dirty="0" err="1">
-                <a:solidFill>
-                  <a:schemeClr val="tx1"/>
-                </a:solidFill>
-              </a:rPr>
-              <a:t>likes</a:t>
-            </a:r>
-            <a:r>
-              <a:rPr lang="pt-PT" dirty="0">
-                <a:solidFill>
-                  <a:schemeClr val="tx1"/>
-                </a:solidFill>
-              </a:rPr>
-              <a:t> de forma injusta.</a:t>
-            </a:r>
-          </a:p>
-          <a:p>
-            <a:pPr lvl="1">
-              <a:buClr>
-                <a:srgbClr val="8C2D19"/>
-              </a:buClr>
-              <a:buFont typeface="Arial" panose="020B0604020202020204" pitchFamily="34" charset="0"/>
-              <a:buChar char="•"/>
-            </a:pPr>
-            <a:endParaRPr lang="pt-PT" dirty="0">
-              <a:solidFill>
-                <a:schemeClr val="tx1"/>
-              </a:solidFill>
-            </a:endParaRPr>
-          </a:p>
-          <a:p>
-            <a:pPr lvl="1">
-              <a:buClr>
-                <a:srgbClr val="8C2D19"/>
-              </a:buClr>
-              <a:buFont typeface="Arial" panose="020B0604020202020204" pitchFamily="34" charset="0"/>
-              <a:buChar char="•"/>
-            </a:pPr>
-            <a:r>
-              <a:rPr lang="pt-PT" dirty="0">
-                <a:solidFill>
-                  <a:schemeClr val="tx1"/>
-                </a:solidFill>
-              </a:rPr>
-              <a:t>Testes com auxilio à </a:t>
-            </a:r>
-            <a:r>
-              <a:rPr lang="pt-PT" dirty="0" err="1">
-                <a:solidFill>
-                  <a:schemeClr val="tx1"/>
-                </a:solidFill>
-              </a:rPr>
-              <a:t>library</a:t>
-            </a:r>
-            <a:r>
-              <a:rPr lang="pt-PT" dirty="0">
-                <a:solidFill>
-                  <a:schemeClr val="tx1"/>
-                </a:solidFill>
-              </a:rPr>
-              <a:t> Google </a:t>
-            </a:r>
-            <a:r>
-              <a:rPr lang="pt-PT" dirty="0" err="1">
-                <a:solidFill>
-                  <a:schemeClr val="tx1"/>
-                </a:solidFill>
-              </a:rPr>
-              <a:t>Tests</a:t>
-            </a:r>
-            <a:r>
-              <a:rPr lang="pt-PT" dirty="0">
-                <a:solidFill>
-                  <a:schemeClr val="tx1"/>
-                </a:solidFill>
-              </a:rPr>
-              <a:t> para assegurar a qualidade e a robustez do código.</a:t>
-            </a:r>
-          </a:p>
-          <a:p>
-            <a:pPr marL="0" indent="0">
-              <a:buNone/>
-            </a:pPr>
-            <a:endParaRPr lang="pt-PT" dirty="0"/>
-          </a:p>
-          <a:p>
-            <a:pPr marL="0" indent="0">
-              <a:buNone/>
-            </a:pPr>
-            <a:r>
-              <a:rPr lang="pt-PT" dirty="0"/>
-              <a:t> </a:t>
-            </a:r>
-            <a:endParaRPr lang="en-GB" dirty="0"/>
-          </a:p>
-        </p:txBody>
-      </p:sp>
       <p:cxnSp>
         <p:nvCxnSpPr>
           <p:cNvPr id="5" name="Conexão reta 4">
@@ -6844,9 +6909,9 @@
           <p:nvPr/>
         </p:nvCxnSpPr>
         <p:spPr>
-          <a:xfrm flipH="1">
-            <a:off x="1097280" y="1737360"/>
-            <a:ext cx="10239504" cy="0"/>
+          <a:xfrm>
+            <a:off x="11192396" y="1426808"/>
+            <a:ext cx="259554" cy="1"/>
           </a:xfrm>
           <a:prstGeom prst="line">
             <a:avLst/>
@@ -6964,10 +7029,240 @@
           </a:prstGeom>
         </p:spPr>
       </p:pic>
+      <p:sp>
+        <p:nvSpPr>
+          <p:cNvPr id="12" name="TextBox 11">
+            <a:extLst>
+              <a:ext uri="{FF2B5EF4-FFF2-40B4-BE49-F238E27FC236}">
+                <a16:creationId xmlns:a16="http://schemas.microsoft.com/office/drawing/2014/main" id="{B5D78712-70F3-4C81-AE5C-F3E20EFC6ABC}"/>
+              </a:ext>
+            </a:extLst>
+          </p:cNvPr>
+          <p:cNvSpPr txBox="1"/>
+          <p:nvPr/>
+        </p:nvSpPr>
+        <p:spPr>
+          <a:xfrm>
+            <a:off x="861379" y="4381999"/>
+            <a:ext cx="5649612" cy="1477328"/>
+          </a:xfrm>
+          <a:prstGeom prst="rect">
+            <a:avLst/>
+          </a:prstGeom>
+          <a:noFill/>
+        </p:spPr>
+        <p:txBody>
+          <a:bodyPr wrap="square" rtlCol="0">
+            <a:spAutoFit/>
+          </a:bodyPr>
+          <a:lstStyle/>
+          <a:p>
+            <a:pPr marL="285750" indent="-285750">
+              <a:buFont typeface="Arial" panose="020B0604020202020204" pitchFamily="34" charset="0"/>
+              <a:buChar char="•"/>
+            </a:pPr>
+            <a:r>
+              <a:rPr lang="pt-PT" dirty="0"/>
+              <a:t>Escolher vários parâmetros de pesquisa de doações</a:t>
+            </a:r>
+          </a:p>
+          <a:p>
+            <a:pPr marL="285750" indent="-285750">
+              <a:buFont typeface="Arial" panose="020B0604020202020204" pitchFamily="34" charset="0"/>
+              <a:buChar char="•"/>
+            </a:pPr>
+            <a:r>
+              <a:rPr lang="pt-PT" dirty="0"/>
+              <a:t>Não escolher nenhum elemento implica pesquisar por todos</a:t>
+            </a:r>
+          </a:p>
+          <a:p>
+            <a:pPr marL="285750" indent="-285750">
+              <a:buFont typeface="Arial" panose="020B0604020202020204" pitchFamily="34" charset="0"/>
+              <a:buChar char="•"/>
+            </a:pPr>
+            <a:r>
+              <a:rPr lang="pt-PT" dirty="0"/>
+              <a:t>Escolher 0 para parar de adicionar elementos à pesquisa</a:t>
+            </a:r>
+          </a:p>
+        </p:txBody>
+      </p:sp>
+      <p:sp>
+        <p:nvSpPr>
+          <p:cNvPr id="13" name="TextBox 12">
+            <a:extLst>
+              <a:ext uri="{FF2B5EF4-FFF2-40B4-BE49-F238E27FC236}">
+                <a16:creationId xmlns:a16="http://schemas.microsoft.com/office/drawing/2014/main" id="{3918F24A-B858-4DAC-8BB2-AA8C55D4EF93}"/>
+              </a:ext>
+            </a:extLst>
+          </p:cNvPr>
+          <p:cNvSpPr txBox="1"/>
+          <p:nvPr/>
+        </p:nvSpPr>
+        <p:spPr>
+          <a:xfrm>
+            <a:off x="6636253" y="4144014"/>
+            <a:ext cx="4426052" cy="369332"/>
+          </a:xfrm>
+          <a:prstGeom prst="rect">
+            <a:avLst/>
+          </a:prstGeom>
+          <a:noFill/>
+        </p:spPr>
+        <p:txBody>
+          <a:bodyPr wrap="square" rtlCol="0">
+            <a:spAutoFit/>
+          </a:bodyPr>
+          <a:lstStyle/>
+          <a:p>
+            <a:pPr marL="285750" indent="-285750">
+              <a:buFont typeface="Arial" panose="020B0604020202020204" pitchFamily="34" charset="0"/>
+              <a:buChar char="•"/>
+            </a:pPr>
+            <a:r>
+              <a:rPr lang="en-US" dirty="0" err="1"/>
+              <a:t>Novas</a:t>
+            </a:r>
+            <a:r>
+              <a:rPr lang="en-US" dirty="0"/>
+              <a:t> </a:t>
+            </a:r>
+            <a:r>
+              <a:rPr lang="en-US" dirty="0" err="1"/>
+              <a:t>opções</a:t>
+            </a:r>
+            <a:r>
+              <a:rPr lang="en-US" dirty="0"/>
+              <a:t> de merch.</a:t>
+            </a:r>
+          </a:p>
+        </p:txBody>
+      </p:sp>
+      <p:pic>
+        <p:nvPicPr>
+          <p:cNvPr id="10" name="Picture 9">
+            <a:extLst>
+              <a:ext uri="{FF2B5EF4-FFF2-40B4-BE49-F238E27FC236}">
+                <a16:creationId xmlns:a16="http://schemas.microsoft.com/office/drawing/2014/main" id="{4DC358C9-9033-47BF-BC57-51F72C38AA90}"/>
+              </a:ext>
+            </a:extLst>
+          </p:cNvPr>
+          <p:cNvPicPr>
+            <a:picLocks noChangeAspect="1"/>
+          </p:cNvPicPr>
+          <p:nvPr/>
+        </p:nvPicPr>
+        <p:blipFill>
+          <a:blip r:embed="rId3"/>
+          <a:stretch>
+            <a:fillRect/>
+          </a:stretch>
+        </p:blipFill>
+        <p:spPr>
+          <a:xfrm>
+            <a:off x="1295875" y="1979886"/>
+            <a:ext cx="2841140" cy="2371381"/>
+          </a:xfrm>
+          <a:prstGeom prst="rect">
+            <a:avLst/>
+          </a:prstGeom>
+        </p:spPr>
+      </p:pic>
+      <p:pic>
+        <p:nvPicPr>
+          <p:cNvPr id="8" name="Picture 7">
+            <a:extLst>
+              <a:ext uri="{FF2B5EF4-FFF2-40B4-BE49-F238E27FC236}">
+                <a16:creationId xmlns:a16="http://schemas.microsoft.com/office/drawing/2014/main" id="{D1CFDD64-7859-4C38-8EFF-27A8D2BE9175}"/>
+              </a:ext>
+            </a:extLst>
+          </p:cNvPr>
+          <p:cNvPicPr>
+            <a:picLocks noChangeAspect="1"/>
+          </p:cNvPicPr>
+          <p:nvPr/>
+        </p:nvPicPr>
+        <p:blipFill>
+          <a:blip r:embed="rId4"/>
+          <a:stretch>
+            <a:fillRect/>
+          </a:stretch>
+        </p:blipFill>
+        <p:spPr>
+          <a:xfrm>
+            <a:off x="5424708" y="1843610"/>
+            <a:ext cx="4032738" cy="2300404"/>
+          </a:xfrm>
+          <a:prstGeom prst="rect">
+            <a:avLst/>
+          </a:prstGeom>
+        </p:spPr>
+      </p:pic>
+      <p:pic>
+        <p:nvPicPr>
+          <p:cNvPr id="11" name="Picture 10">
+            <a:extLst>
+              <a:ext uri="{FF2B5EF4-FFF2-40B4-BE49-F238E27FC236}">
+                <a16:creationId xmlns:a16="http://schemas.microsoft.com/office/drawing/2014/main" id="{7DF6E68E-21E5-44EA-AC92-5C79B6D73AD2}"/>
+              </a:ext>
+            </a:extLst>
+          </p:cNvPr>
+          <p:cNvPicPr>
+            <a:picLocks noChangeAspect="1"/>
+          </p:cNvPicPr>
+          <p:nvPr/>
+        </p:nvPicPr>
+        <p:blipFill>
+          <a:blip r:embed="rId5"/>
+          <a:stretch>
+            <a:fillRect/>
+          </a:stretch>
+        </p:blipFill>
+        <p:spPr>
+          <a:xfrm>
+            <a:off x="7859752" y="1805972"/>
+            <a:ext cx="4081412" cy="2292600"/>
+          </a:xfrm>
+          <a:prstGeom prst="rect">
+            <a:avLst/>
+          </a:prstGeom>
+        </p:spPr>
+      </p:pic>
+      <p:pic>
+        <p:nvPicPr>
+          <p:cNvPr id="15" name="Picture 14">
+            <a:extLst>
+              <a:ext uri="{FF2B5EF4-FFF2-40B4-BE49-F238E27FC236}">
+                <a16:creationId xmlns:a16="http://schemas.microsoft.com/office/drawing/2014/main" id="{8BE7C5E8-8C24-444B-84B6-9988F712DB0A}"/>
+              </a:ext>
+            </a:extLst>
+          </p:cNvPr>
+          <p:cNvPicPr>
+            <a:picLocks noChangeAspect="1"/>
+          </p:cNvPicPr>
+          <p:nvPr/>
+        </p:nvPicPr>
+        <p:blipFill>
+          <a:blip r:embed="rId6"/>
+          <a:stretch>
+            <a:fillRect/>
+          </a:stretch>
+        </p:blipFill>
+        <p:spPr>
+          <a:xfrm>
+            <a:off x="8255927" y="4454898"/>
+            <a:ext cx="3431918" cy="1837442"/>
+          </a:xfrm>
+          <a:prstGeom prst="rect">
+            <a:avLst/>
+          </a:prstGeom>
+        </p:spPr>
+      </p:pic>
     </p:spTree>
     <p:extLst>
       <p:ext uri="{BB962C8B-B14F-4D97-AF65-F5344CB8AC3E}">
-        <p14:creationId xmlns:p14="http://schemas.microsoft.com/office/powerpoint/2010/main" val="1899299684"/>
+        <p14:creationId xmlns:p14="http://schemas.microsoft.com/office/powerpoint/2010/main" val="465885420"/>
       </p:ext>
     </p:extLst>
   </p:cSld>
@@ -6999,7 +7294,7 @@
           <p:cNvPr id="2" name="Título 1">
             <a:extLst>
               <a:ext uri="{FF2B5EF4-FFF2-40B4-BE49-F238E27FC236}">
-                <a16:creationId xmlns:a16="http://schemas.microsoft.com/office/drawing/2014/main" id="{946B05BC-BE14-4CEB-A649-38C2D6E132C4}"/>
+                <a16:creationId xmlns:a16="http://schemas.microsoft.com/office/drawing/2014/main" id="{B6E269CC-F3EC-43ED-BC98-FCEA20CEA90D}"/>
               </a:ext>
             </a:extLst>
           </p:cNvPr>
@@ -7026,7 +7321,7 @@
                 </a:solidFill>
                 <a:latin typeface="Bahnschrift SemiLight" panose="020B0502040204020203" pitchFamily="34" charset="0"/>
               </a:rPr>
-              <a:t>Dificuldades</a:t>
+              <a:t>Destaque - Listagem</a:t>
             </a:r>
             <a:endParaRPr lang="en-GB" sz="6600" dirty="0">
               <a:solidFill>
@@ -7040,12 +7335,235 @@
           </a:p>
         </p:txBody>
       </p:sp>
+      <p:sp>
+        <p:nvSpPr>
+          <p:cNvPr id="3" name="Marcador de Posição de Conteúdo 2">
+            <a:extLst>
+              <a:ext uri="{FF2B5EF4-FFF2-40B4-BE49-F238E27FC236}">
+                <a16:creationId xmlns:a16="http://schemas.microsoft.com/office/drawing/2014/main" id="{B3B74F31-20FC-4247-9C66-D428333967A4}"/>
+              </a:ext>
+            </a:extLst>
+          </p:cNvPr>
+          <p:cNvSpPr>
+            <a:spLocks noGrp="1"/>
+          </p:cNvSpPr>
+          <p:nvPr>
+            <p:ph idx="1"/>
+          </p:nvPr>
+        </p:nvSpPr>
+        <p:spPr>
+          <a:xfrm>
+            <a:off x="1097280" y="2116449"/>
+            <a:ext cx="10058400" cy="4004649"/>
+          </a:xfrm>
+        </p:spPr>
+        <p:txBody>
+          <a:bodyPr>
+            <a:normAutofit/>
+          </a:bodyPr>
+          <a:lstStyle/>
+          <a:p>
+            <a:pPr lvl="1">
+              <a:buClr>
+                <a:srgbClr val="8C2D19"/>
+              </a:buClr>
+              <a:buFont typeface="Arial" panose="020B0604020202020204" pitchFamily="34" charset="0"/>
+              <a:buChar char="•"/>
+            </a:pPr>
+            <a:r>
+              <a:rPr lang="pt-PT" dirty="0">
+                <a:solidFill>
+                  <a:schemeClr val="tx1"/>
+                </a:solidFill>
+              </a:rPr>
+              <a:t>Foi alargada a </a:t>
+            </a:r>
+            <a:r>
+              <a:rPr lang="pt-PT" dirty="0" err="1">
+                <a:solidFill>
+                  <a:schemeClr val="tx1"/>
+                </a:solidFill>
+              </a:rPr>
+              <a:t>feature</a:t>
+            </a:r>
+            <a:r>
+              <a:rPr lang="pt-PT" dirty="0">
+                <a:solidFill>
+                  <a:schemeClr val="tx1"/>
+                </a:solidFill>
+              </a:rPr>
+              <a:t> de pesquisas </a:t>
+            </a:r>
+            <a:r>
+              <a:rPr lang="pt-PT" dirty="0" err="1">
+                <a:solidFill>
+                  <a:schemeClr val="tx1"/>
+                </a:solidFill>
+              </a:rPr>
+              <a:t>costumizadas</a:t>
+            </a:r>
+            <a:r>
+              <a:rPr lang="pt-PT" dirty="0">
+                <a:solidFill>
+                  <a:schemeClr val="tx1"/>
+                </a:solidFill>
+              </a:rPr>
+              <a:t> às doações.</a:t>
+            </a:r>
+          </a:p>
+          <a:p>
+            <a:pPr lvl="1">
+              <a:buClr>
+                <a:srgbClr val="8C2D19"/>
+              </a:buClr>
+              <a:buFont typeface="Arial" panose="020B0604020202020204" pitchFamily="34" charset="0"/>
+              <a:buChar char="•"/>
+            </a:pPr>
+            <a:endParaRPr lang="pt-PT" dirty="0">
+              <a:solidFill>
+                <a:schemeClr val="tx1"/>
+              </a:solidFill>
+            </a:endParaRPr>
+          </a:p>
+          <a:p>
+            <a:pPr lvl="1">
+              <a:buClr>
+                <a:srgbClr val="8C2D19"/>
+              </a:buClr>
+              <a:buFont typeface="Arial" panose="020B0604020202020204" pitchFamily="34" charset="0"/>
+              <a:buChar char="•"/>
+            </a:pPr>
+            <a:r>
+              <a:rPr lang="pt-PT" dirty="0">
+                <a:solidFill>
+                  <a:schemeClr val="tx1"/>
+                </a:solidFill>
+              </a:rPr>
+              <a:t>Chama-se a função de pesquisa respetiva com vetores dos </a:t>
+            </a:r>
+            <a:r>
+              <a:rPr lang="pt-PT" dirty="0" err="1">
+                <a:solidFill>
+                  <a:schemeClr val="tx1"/>
+                </a:solidFill>
+              </a:rPr>
+              <a:t>parametros</a:t>
+            </a:r>
+            <a:r>
+              <a:rPr lang="pt-PT" dirty="0">
+                <a:solidFill>
+                  <a:schemeClr val="tx1"/>
+                </a:solidFill>
+              </a:rPr>
+              <a:t> correspondentes. Se for enviado vetor vazio, aceita todos. Ex:</a:t>
+            </a:r>
+          </a:p>
+          <a:p>
+            <a:pPr lvl="2">
+              <a:buClr>
+                <a:srgbClr val="8C2D19"/>
+              </a:buClr>
+              <a:buFont typeface="Arial" panose="020B0604020202020204" pitchFamily="34" charset="0"/>
+              <a:buChar char="•"/>
+            </a:pPr>
+            <a:r>
+              <a:rPr lang="pt-PT" dirty="0">
+                <a:solidFill>
+                  <a:schemeClr val="tx1"/>
+                </a:solidFill>
+              </a:rPr>
+              <a:t>Enviar vetor com os valores de avaliação.</a:t>
+            </a:r>
+          </a:p>
+          <a:p>
+            <a:pPr lvl="2">
+              <a:buClr>
+                <a:srgbClr val="8C2D19"/>
+              </a:buClr>
+              <a:buFont typeface="Arial" panose="020B0604020202020204" pitchFamily="34" charset="0"/>
+              <a:buChar char="•"/>
+            </a:pPr>
+            <a:r>
+              <a:rPr lang="pt-PT" dirty="0">
+                <a:solidFill>
+                  <a:schemeClr val="tx1"/>
+                </a:solidFill>
+              </a:rPr>
+              <a:t>Enviar valor </a:t>
+            </a:r>
+            <a:r>
+              <a:rPr lang="pt-PT" dirty="0" err="1">
+                <a:solidFill>
+                  <a:schemeClr val="tx1"/>
+                </a:solidFill>
+              </a:rPr>
+              <a:t>minimo</a:t>
+            </a:r>
+            <a:r>
+              <a:rPr lang="pt-PT" dirty="0">
+                <a:solidFill>
+                  <a:schemeClr val="tx1"/>
+                </a:solidFill>
+              </a:rPr>
+              <a:t>.</a:t>
+            </a:r>
+          </a:p>
+          <a:p>
+            <a:pPr lvl="2">
+              <a:buClr>
+                <a:srgbClr val="8C2D19"/>
+              </a:buClr>
+              <a:buFont typeface="Arial" panose="020B0604020202020204" pitchFamily="34" charset="0"/>
+              <a:buChar char="•"/>
+            </a:pPr>
+            <a:r>
+              <a:rPr lang="pt-PT" dirty="0">
+                <a:solidFill>
+                  <a:schemeClr val="tx1"/>
+                </a:solidFill>
+              </a:rPr>
+              <a:t>Enviar valor máximo.</a:t>
+            </a:r>
+          </a:p>
+          <a:p>
+            <a:pPr lvl="1">
+              <a:buClr>
+                <a:srgbClr val="8C2D19"/>
+              </a:buClr>
+              <a:buFont typeface="Arial" panose="020B0604020202020204" pitchFamily="34" charset="0"/>
+              <a:buChar char="•"/>
+            </a:pPr>
+            <a:endParaRPr lang="pt-PT" dirty="0">
+              <a:solidFill>
+                <a:schemeClr val="tx1"/>
+              </a:solidFill>
+            </a:endParaRPr>
+          </a:p>
+          <a:p>
+            <a:pPr lvl="1">
+              <a:buClr>
+                <a:srgbClr val="8C2D19"/>
+              </a:buClr>
+              <a:buFont typeface="Arial" panose="020B0604020202020204" pitchFamily="34" charset="0"/>
+              <a:buChar char="•"/>
+            </a:pPr>
+            <a:r>
+              <a:rPr lang="pt-PT" dirty="0">
+                <a:solidFill>
+                  <a:schemeClr val="tx1"/>
+                </a:solidFill>
+              </a:rPr>
+              <a:t>Neste caso, por se tratar de uma BST não faria sentido alterar a ordenação que esta impõe no seu conjunto de dados, por isso permanece ordenada pelo montante e pela avaliação.</a:t>
+            </a:r>
+          </a:p>
+        </p:txBody>
+      </p:sp>
       <p:cxnSp>
         <p:nvCxnSpPr>
           <p:cNvPr id="5" name="Conexão reta 4">
             <a:extLst>
               <a:ext uri="{FF2B5EF4-FFF2-40B4-BE49-F238E27FC236}">
-                <a16:creationId xmlns:a16="http://schemas.microsoft.com/office/drawing/2014/main" id="{16A9EEAE-A5F8-447C-BF75-DBD85C985356}"/>
+                <a16:creationId xmlns:a16="http://schemas.microsoft.com/office/drawing/2014/main" id="{D1B427FC-FECB-4AD9-947A-AE1CD8E8E0E9}"/>
               </a:ext>
             </a:extLst>
           </p:cNvPr>
@@ -7088,7 +7606,7 @@
           <p:cNvPr id="4" name="Marcador de Posição do Rodapé 3">
             <a:extLst>
               <a:ext uri="{FF2B5EF4-FFF2-40B4-BE49-F238E27FC236}">
-                <a16:creationId xmlns:a16="http://schemas.microsoft.com/office/drawing/2014/main" id="{24CC6F16-34DD-4EDA-ADE0-808E5F2B8EED}"/>
+                <a16:creationId xmlns:a16="http://schemas.microsoft.com/office/drawing/2014/main" id="{2E6D09DD-1E47-4A67-AB57-535BA57CB1EF}"/>
               </a:ext>
             </a:extLst>
           </p:cNvPr>
@@ -7116,7 +7634,7 @@
           <p:cNvPr id="6" name="Marcador de Posição do Número do Diapositivo 5">
             <a:extLst>
               <a:ext uri="{FF2B5EF4-FFF2-40B4-BE49-F238E27FC236}">
-                <a16:creationId xmlns:a16="http://schemas.microsoft.com/office/drawing/2014/main" id="{98D93093-7413-457A-B787-19C4B19AA2B9}"/>
+                <a16:creationId xmlns:a16="http://schemas.microsoft.com/office/drawing/2014/main" id="{A6038915-9563-428D-88A8-7720015CFAC0}"/>
               </a:ext>
             </a:extLst>
           </p:cNvPr>
@@ -7135,6 +7653,664 @@
             <a:fld id="{75DB3F52-068C-4339-9FA6-06F9AAEB3337}" type="slidenum">
               <a:rPr lang="en-GB" sz="2400"/>
               <a:t>15</a:t>
+            </a:fld>
+            <a:endParaRPr lang="en-GB" sz="2400" dirty="0"/>
+          </a:p>
+        </p:txBody>
+      </p:sp>
+      <p:pic>
+        <p:nvPicPr>
+          <p:cNvPr id="7" name="Imagem 6">
+            <a:extLst>
+              <a:ext uri="{FF2B5EF4-FFF2-40B4-BE49-F238E27FC236}">
+                <a16:creationId xmlns:a16="http://schemas.microsoft.com/office/drawing/2014/main" id="{95C51A54-AF96-43E2-9C50-EFB3428A2FB4}"/>
+              </a:ext>
+            </a:extLst>
+          </p:cNvPr>
+          <p:cNvPicPr>
+            <a:picLocks noChangeAspect="1"/>
+          </p:cNvPicPr>
+          <p:nvPr/>
+        </p:nvPicPr>
+        <p:blipFill rotWithShape="1">
+          <a:blip r:embed="rId2">
+            <a:extLst>
+              <a:ext uri="{28A0092B-C50C-407E-A947-70E740481C1C}">
+                <a14:useLocalDpi xmlns:a14="http://schemas.microsoft.com/office/drawing/2010/main" val="0"/>
+              </a:ext>
+            </a:extLst>
+          </a:blip>
+          <a:srcRect r="39904"/>
+          <a:stretch/>
+        </p:blipFill>
+        <p:spPr>
+          <a:xfrm>
+            <a:off x="1097280" y="6500189"/>
+            <a:ext cx="1406360" cy="312685"/>
+          </a:xfrm>
+          <a:prstGeom prst="rect">
+            <a:avLst/>
+          </a:prstGeom>
+        </p:spPr>
+      </p:pic>
+    </p:spTree>
+    <p:extLst>
+      <p:ext uri="{BB962C8B-B14F-4D97-AF65-F5344CB8AC3E}">
+        <p14:creationId xmlns:p14="http://schemas.microsoft.com/office/powerpoint/2010/main" val="516750047"/>
+      </p:ext>
+    </p:extLst>
+  </p:cSld>
+  <p:clrMapOvr>
+    <a:masterClrMapping/>
+  </p:clrMapOvr>
+</p:sld>
+</file>
+
+<file path=ppt/slides/slide16.xml><?xml version="1.0" encoding="utf-8"?>
+<p:sld xmlns:a="http://schemas.openxmlformats.org/drawingml/2006/main" xmlns:r="http://schemas.openxmlformats.org/officeDocument/2006/relationships" xmlns:p="http://schemas.openxmlformats.org/presentationml/2006/main">
+  <p:cSld>
+    <p:spTree>
+      <p:nvGrpSpPr>
+        <p:cNvPr id="1" name=""/>
+        <p:cNvGrpSpPr/>
+        <p:nvPr/>
+      </p:nvGrpSpPr>
+      <p:grpSpPr>
+        <a:xfrm>
+          <a:off x="0" y="0"/>
+          <a:ext cx="0" cy="0"/>
+          <a:chOff x="0" y="0"/>
+          <a:chExt cx="0" cy="0"/>
+        </a:xfrm>
+      </p:grpSpPr>
+      <p:sp>
+        <p:nvSpPr>
+          <p:cNvPr id="2" name="Título 1">
+            <a:extLst>
+              <a:ext uri="{FF2B5EF4-FFF2-40B4-BE49-F238E27FC236}">
+                <a16:creationId xmlns:a16="http://schemas.microsoft.com/office/drawing/2014/main" id="{B6E269CC-F3EC-43ED-BC98-FCEA20CEA90D}"/>
+              </a:ext>
+            </a:extLst>
+          </p:cNvPr>
+          <p:cNvSpPr>
+            <a:spLocks noGrp="1"/>
+          </p:cNvSpPr>
+          <p:nvPr>
+            <p:ph type="title"/>
+          </p:nvPr>
+        </p:nvSpPr>
+        <p:spPr/>
+        <p:txBody>
+          <a:bodyPr/>
+          <a:lstStyle/>
+          <a:p>
+            <a:pPr algn="ctr"/>
+            <a:r>
+              <a:rPr lang="pt-PT" sz="6600" dirty="0">
+                <a:solidFill>
+                  <a:schemeClr val="tx1">
+                    <a:lumMod val="85000"/>
+                    <a:lumOff val="15000"/>
+                  </a:schemeClr>
+                </a:solidFill>
+                <a:latin typeface="Bahnschrift SemiLight" panose="020B0502040204020203" pitchFamily="34" charset="0"/>
+              </a:rPr>
+              <a:t>Observações</a:t>
+            </a:r>
+            <a:endParaRPr lang="en-GB" sz="6600" dirty="0">
+              <a:solidFill>
+                <a:schemeClr val="tx1">
+                  <a:lumMod val="85000"/>
+                  <a:lumOff val="15000"/>
+                </a:schemeClr>
+              </a:solidFill>
+              <a:latin typeface="Bahnschrift SemiLight" panose="020B0502040204020203" pitchFamily="34" charset="0"/>
+            </a:endParaRPr>
+          </a:p>
+        </p:txBody>
+      </p:sp>
+      <p:sp>
+        <p:nvSpPr>
+          <p:cNvPr id="3" name="Marcador de Posição de Conteúdo 2">
+            <a:extLst>
+              <a:ext uri="{FF2B5EF4-FFF2-40B4-BE49-F238E27FC236}">
+                <a16:creationId xmlns:a16="http://schemas.microsoft.com/office/drawing/2014/main" id="{B3B74F31-20FC-4247-9C66-D428333967A4}"/>
+              </a:ext>
+            </a:extLst>
+          </p:cNvPr>
+          <p:cNvSpPr>
+            <a:spLocks noGrp="1"/>
+          </p:cNvSpPr>
+          <p:nvPr>
+            <p:ph idx="1"/>
+          </p:nvPr>
+        </p:nvSpPr>
+        <p:spPr>
+          <a:xfrm>
+            <a:off x="1097280" y="2116449"/>
+            <a:ext cx="10058400" cy="4004649"/>
+          </a:xfrm>
+        </p:spPr>
+        <p:txBody>
+          <a:bodyPr>
+            <a:normAutofit/>
+          </a:bodyPr>
+          <a:lstStyle/>
+          <a:p>
+            <a:pPr lvl="1">
+              <a:buClr>
+                <a:srgbClr val="8C2D19"/>
+              </a:buClr>
+              <a:buFont typeface="Arial" panose="020B0604020202020204" pitchFamily="34" charset="0"/>
+              <a:buChar char="•"/>
+            </a:pPr>
+            <a:r>
+              <a:rPr lang="pt-PT" dirty="0">
+                <a:solidFill>
+                  <a:schemeClr val="tx1"/>
+                </a:solidFill>
+              </a:rPr>
+              <a:t>Gostaríamos de realçar que a segunda parte to trabalho foi relativamente simples de implementar visto que o trabalho realizado anteriormente estava bastante bem estruturado.</a:t>
+            </a:r>
+          </a:p>
+          <a:p>
+            <a:pPr lvl="1">
+              <a:buClr>
+                <a:srgbClr val="8C2D19"/>
+              </a:buClr>
+              <a:buFont typeface="Arial" panose="020B0604020202020204" pitchFamily="34" charset="0"/>
+              <a:buChar char="•"/>
+            </a:pPr>
+            <a:endParaRPr lang="pt-PT" dirty="0">
+              <a:solidFill>
+                <a:schemeClr val="tx1"/>
+              </a:solidFill>
+            </a:endParaRPr>
+          </a:p>
+          <a:p>
+            <a:pPr lvl="1">
+              <a:buClr>
+                <a:srgbClr val="8C2D19"/>
+              </a:buClr>
+              <a:buFont typeface="Arial" panose="020B0604020202020204" pitchFamily="34" charset="0"/>
+              <a:buChar char="•"/>
+            </a:pPr>
+            <a:r>
+              <a:rPr lang="pt-PT" dirty="0">
+                <a:solidFill>
+                  <a:schemeClr val="tx1"/>
+                </a:solidFill>
+              </a:rPr>
+              <a:t>A conta de </a:t>
+            </a:r>
+            <a:r>
+              <a:rPr lang="pt-PT" dirty="0" err="1">
+                <a:solidFill>
+                  <a:schemeClr val="tx1"/>
+                </a:solidFill>
+              </a:rPr>
+              <a:t>streamer</a:t>
+            </a:r>
+            <a:r>
+              <a:rPr lang="pt-PT" dirty="0">
+                <a:solidFill>
+                  <a:schemeClr val="tx1"/>
+                </a:solidFill>
+              </a:rPr>
+              <a:t> tem agora um código associado. Caso tenho o código de estado a 1, deve receber </a:t>
+            </a:r>
+            <a:r>
+              <a:rPr lang="pt-PT" dirty="0" err="1">
+                <a:solidFill>
+                  <a:schemeClr val="tx1"/>
+                </a:solidFill>
+              </a:rPr>
+              <a:t>likes</a:t>
+            </a:r>
+            <a:r>
+              <a:rPr lang="pt-PT" dirty="0">
+                <a:solidFill>
+                  <a:schemeClr val="tx1"/>
+                </a:solidFill>
+              </a:rPr>
+              <a:t> na próxima </a:t>
+            </a:r>
+            <a:r>
+              <a:rPr lang="pt-PT" dirty="0" err="1">
+                <a:solidFill>
+                  <a:schemeClr val="tx1"/>
+                </a:solidFill>
+              </a:rPr>
+              <a:t>stream</a:t>
+            </a:r>
+            <a:r>
+              <a:rPr lang="pt-PT" dirty="0">
+                <a:solidFill>
+                  <a:schemeClr val="tx1"/>
+                </a:solidFill>
+              </a:rPr>
+              <a:t> iniciada. Caso esteja a 2 este já usufruiu do seu bónus de reativação. Implementamos esta </a:t>
+            </a:r>
+            <a:r>
+              <a:rPr lang="pt-PT" dirty="0" err="1">
+                <a:solidFill>
+                  <a:schemeClr val="tx1"/>
+                </a:solidFill>
+              </a:rPr>
+              <a:t>feature</a:t>
+            </a:r>
+            <a:r>
+              <a:rPr lang="pt-PT" dirty="0">
+                <a:solidFill>
+                  <a:schemeClr val="tx1"/>
+                </a:solidFill>
+              </a:rPr>
+              <a:t> desta maneira para prevenir o abuso de utilizadores de forma a obter </a:t>
+            </a:r>
+            <a:r>
+              <a:rPr lang="pt-PT" dirty="0" err="1">
+                <a:solidFill>
+                  <a:schemeClr val="tx1"/>
+                </a:solidFill>
+              </a:rPr>
+              <a:t>likes</a:t>
+            </a:r>
+            <a:r>
+              <a:rPr lang="pt-PT" dirty="0">
+                <a:solidFill>
+                  <a:schemeClr val="tx1"/>
+                </a:solidFill>
+              </a:rPr>
+              <a:t> de forma injusta.</a:t>
+            </a:r>
+          </a:p>
+          <a:p>
+            <a:pPr lvl="1">
+              <a:buClr>
+                <a:srgbClr val="8C2D19"/>
+              </a:buClr>
+              <a:buFont typeface="Arial" panose="020B0604020202020204" pitchFamily="34" charset="0"/>
+              <a:buChar char="•"/>
+            </a:pPr>
+            <a:endParaRPr lang="pt-PT" dirty="0">
+              <a:solidFill>
+                <a:schemeClr val="tx1"/>
+              </a:solidFill>
+            </a:endParaRPr>
+          </a:p>
+          <a:p>
+            <a:pPr lvl="1">
+              <a:buClr>
+                <a:srgbClr val="8C2D19"/>
+              </a:buClr>
+              <a:buFont typeface="Arial" panose="020B0604020202020204" pitchFamily="34" charset="0"/>
+              <a:buChar char="•"/>
+            </a:pPr>
+            <a:r>
+              <a:rPr lang="pt-PT" dirty="0">
+                <a:solidFill>
+                  <a:schemeClr val="tx1"/>
+                </a:solidFill>
+              </a:rPr>
+              <a:t>Testes com auxilio à </a:t>
+            </a:r>
+            <a:r>
+              <a:rPr lang="pt-PT" dirty="0" err="1">
+                <a:solidFill>
+                  <a:schemeClr val="tx1"/>
+                </a:solidFill>
+              </a:rPr>
+              <a:t>library</a:t>
+            </a:r>
+            <a:r>
+              <a:rPr lang="pt-PT" dirty="0">
+                <a:solidFill>
+                  <a:schemeClr val="tx1"/>
+                </a:solidFill>
+              </a:rPr>
+              <a:t> Google </a:t>
+            </a:r>
+            <a:r>
+              <a:rPr lang="pt-PT" dirty="0" err="1">
+                <a:solidFill>
+                  <a:schemeClr val="tx1"/>
+                </a:solidFill>
+              </a:rPr>
+              <a:t>Tests</a:t>
+            </a:r>
+            <a:r>
+              <a:rPr lang="pt-PT" dirty="0">
+                <a:solidFill>
+                  <a:schemeClr val="tx1"/>
+                </a:solidFill>
+              </a:rPr>
+              <a:t> para assegurar a qualidade e a robustez do código.</a:t>
+            </a:r>
+          </a:p>
+          <a:p>
+            <a:pPr marL="0" indent="0">
+              <a:buNone/>
+            </a:pPr>
+            <a:endParaRPr lang="pt-PT" dirty="0"/>
+          </a:p>
+          <a:p>
+            <a:pPr marL="0" indent="0">
+              <a:buNone/>
+            </a:pPr>
+            <a:r>
+              <a:rPr lang="pt-PT" dirty="0"/>
+              <a:t> </a:t>
+            </a:r>
+            <a:endParaRPr lang="en-GB" dirty="0"/>
+          </a:p>
+        </p:txBody>
+      </p:sp>
+      <p:cxnSp>
+        <p:nvCxnSpPr>
+          <p:cNvPr id="5" name="Conexão reta 4">
+            <a:extLst>
+              <a:ext uri="{FF2B5EF4-FFF2-40B4-BE49-F238E27FC236}">
+                <a16:creationId xmlns:a16="http://schemas.microsoft.com/office/drawing/2014/main" id="{D1B427FC-FECB-4AD9-947A-AE1CD8E8E0E9}"/>
+              </a:ext>
+            </a:extLst>
+          </p:cNvPr>
+          <p:cNvCxnSpPr>
+            <a:cxnSpLocks/>
+          </p:cNvCxnSpPr>
+          <p:nvPr/>
+        </p:nvCxnSpPr>
+        <p:spPr>
+          <a:xfrm flipH="1">
+            <a:off x="1097280" y="1737360"/>
+            <a:ext cx="10239504" cy="0"/>
+          </a:xfrm>
+          <a:prstGeom prst="line">
+            <a:avLst/>
+          </a:prstGeom>
+          <a:ln>
+            <a:solidFill>
+              <a:srgbClr val="8C2D19"/>
+            </a:solidFill>
+          </a:ln>
+        </p:spPr>
+        <p:style>
+          <a:lnRef idx="1">
+            <a:schemeClr val="accent1"/>
+          </a:lnRef>
+          <a:fillRef idx="0">
+            <a:schemeClr val="accent1"/>
+          </a:fillRef>
+          <a:effectRef idx="0">
+            <a:schemeClr val="accent1"/>
+          </a:effectRef>
+          <a:fontRef idx="minor">
+            <a:schemeClr val="tx1"/>
+          </a:fontRef>
+        </p:style>
+      </p:cxnSp>
+      <p:sp>
+        <p:nvSpPr>
+          <p:cNvPr id="4" name="Marcador de Posição do Rodapé 3">
+            <a:extLst>
+              <a:ext uri="{FF2B5EF4-FFF2-40B4-BE49-F238E27FC236}">
+                <a16:creationId xmlns:a16="http://schemas.microsoft.com/office/drawing/2014/main" id="{2E6D09DD-1E47-4A67-AB57-535BA57CB1EF}"/>
+              </a:ext>
+            </a:extLst>
+          </p:cNvPr>
+          <p:cNvSpPr>
+            <a:spLocks noGrp="1"/>
+          </p:cNvSpPr>
+          <p:nvPr>
+            <p:ph type="ftr" sz="quarter" idx="11"/>
+          </p:nvPr>
+        </p:nvSpPr>
+        <p:spPr/>
+        <p:txBody>
+          <a:bodyPr/>
+          <a:lstStyle/>
+          <a:p>
+            <a:r>
+              <a:rPr lang="en-GB" sz="2400" b="1" dirty="0"/>
+              <a:t>2MIEIC04_G1</a:t>
+            </a:r>
+          </a:p>
+        </p:txBody>
+      </p:sp>
+      <p:sp>
+        <p:nvSpPr>
+          <p:cNvPr id="6" name="Marcador de Posição do Número do Diapositivo 5">
+            <a:extLst>
+              <a:ext uri="{FF2B5EF4-FFF2-40B4-BE49-F238E27FC236}">
+                <a16:creationId xmlns:a16="http://schemas.microsoft.com/office/drawing/2014/main" id="{A6038915-9563-428D-88A8-7720015CFAC0}"/>
+              </a:ext>
+            </a:extLst>
+          </p:cNvPr>
+          <p:cNvSpPr>
+            <a:spLocks noGrp="1"/>
+          </p:cNvSpPr>
+          <p:nvPr>
+            <p:ph type="sldNum" sz="quarter" idx="12"/>
+          </p:nvPr>
+        </p:nvSpPr>
+        <p:spPr/>
+        <p:txBody>
+          <a:bodyPr/>
+          <a:lstStyle/>
+          <a:p>
+            <a:fld id="{75DB3F52-068C-4339-9FA6-06F9AAEB3337}" type="slidenum">
+              <a:rPr lang="en-GB" sz="2400"/>
+              <a:t>16</a:t>
+            </a:fld>
+            <a:endParaRPr lang="en-GB" sz="2400" dirty="0"/>
+          </a:p>
+        </p:txBody>
+      </p:sp>
+      <p:pic>
+        <p:nvPicPr>
+          <p:cNvPr id="7" name="Imagem 6">
+            <a:extLst>
+              <a:ext uri="{FF2B5EF4-FFF2-40B4-BE49-F238E27FC236}">
+                <a16:creationId xmlns:a16="http://schemas.microsoft.com/office/drawing/2014/main" id="{95C51A54-AF96-43E2-9C50-EFB3428A2FB4}"/>
+              </a:ext>
+            </a:extLst>
+          </p:cNvPr>
+          <p:cNvPicPr>
+            <a:picLocks noChangeAspect="1"/>
+          </p:cNvPicPr>
+          <p:nvPr/>
+        </p:nvPicPr>
+        <p:blipFill rotWithShape="1">
+          <a:blip r:embed="rId2">
+            <a:extLst>
+              <a:ext uri="{28A0092B-C50C-407E-A947-70E740481C1C}">
+                <a14:useLocalDpi xmlns:a14="http://schemas.microsoft.com/office/drawing/2010/main" val="0"/>
+              </a:ext>
+            </a:extLst>
+          </a:blip>
+          <a:srcRect r="39904"/>
+          <a:stretch/>
+        </p:blipFill>
+        <p:spPr>
+          <a:xfrm>
+            <a:off x="1097280" y="6500189"/>
+            <a:ext cx="1406360" cy="312685"/>
+          </a:xfrm>
+          <a:prstGeom prst="rect">
+            <a:avLst/>
+          </a:prstGeom>
+        </p:spPr>
+      </p:pic>
+    </p:spTree>
+    <p:extLst>
+      <p:ext uri="{BB962C8B-B14F-4D97-AF65-F5344CB8AC3E}">
+        <p14:creationId xmlns:p14="http://schemas.microsoft.com/office/powerpoint/2010/main" val="1899299684"/>
+      </p:ext>
+    </p:extLst>
+  </p:cSld>
+  <p:clrMapOvr>
+    <a:masterClrMapping/>
+  </p:clrMapOvr>
+</p:sld>
+</file>
+
+<file path=ppt/slides/slide17.xml><?xml version="1.0" encoding="utf-8"?>
+<p:sld xmlns:a="http://schemas.openxmlformats.org/drawingml/2006/main" xmlns:r="http://schemas.openxmlformats.org/officeDocument/2006/relationships" xmlns:p="http://schemas.openxmlformats.org/presentationml/2006/main">
+  <p:cSld>
+    <p:spTree>
+      <p:nvGrpSpPr>
+        <p:cNvPr id="1" name=""/>
+        <p:cNvGrpSpPr/>
+        <p:nvPr/>
+      </p:nvGrpSpPr>
+      <p:grpSpPr>
+        <a:xfrm>
+          <a:off x="0" y="0"/>
+          <a:ext cx="0" cy="0"/>
+          <a:chOff x="0" y="0"/>
+          <a:chExt cx="0" cy="0"/>
+        </a:xfrm>
+      </p:grpSpPr>
+      <p:sp>
+        <p:nvSpPr>
+          <p:cNvPr id="2" name="Título 1">
+            <a:extLst>
+              <a:ext uri="{FF2B5EF4-FFF2-40B4-BE49-F238E27FC236}">
+                <a16:creationId xmlns:a16="http://schemas.microsoft.com/office/drawing/2014/main" id="{946B05BC-BE14-4CEB-A649-38C2D6E132C4}"/>
+              </a:ext>
+            </a:extLst>
+          </p:cNvPr>
+          <p:cNvSpPr>
+            <a:spLocks noGrp="1"/>
+          </p:cNvSpPr>
+          <p:nvPr>
+            <p:ph type="title"/>
+          </p:nvPr>
+        </p:nvSpPr>
+        <p:spPr/>
+        <p:txBody>
+          <a:bodyPr/>
+          <a:lstStyle/>
+          <a:p>
+            <a:pPr algn="ctr"/>
+            <a:r>
+              <a:rPr lang="pt-PT" sz="6600" dirty="0">
+                <a:solidFill>
+                  <a:schemeClr val="tx1">
+                    <a:lumMod val="85000"/>
+                    <a:lumOff val="15000"/>
+                  </a:schemeClr>
+                </a:solidFill>
+                <a:latin typeface="Bahnschrift SemiLight" panose="020B0502040204020203" pitchFamily="34" charset="0"/>
+              </a:rPr>
+              <a:t>Dificuldades</a:t>
+            </a:r>
+            <a:endParaRPr lang="en-GB" sz="6600" dirty="0">
+              <a:solidFill>
+                <a:schemeClr val="tx1">
+                  <a:lumMod val="85000"/>
+                  <a:lumOff val="15000"/>
+                </a:schemeClr>
+              </a:solidFill>
+              <a:latin typeface="Bahnschrift SemiLight" panose="020B0502040204020203" pitchFamily="34" charset="0"/>
+            </a:endParaRPr>
+          </a:p>
+        </p:txBody>
+      </p:sp>
+      <p:cxnSp>
+        <p:nvCxnSpPr>
+          <p:cNvPr id="5" name="Conexão reta 4">
+            <a:extLst>
+              <a:ext uri="{FF2B5EF4-FFF2-40B4-BE49-F238E27FC236}">
+                <a16:creationId xmlns:a16="http://schemas.microsoft.com/office/drawing/2014/main" id="{16A9EEAE-A5F8-447C-BF75-DBD85C985356}"/>
+              </a:ext>
+            </a:extLst>
+          </p:cNvPr>
+          <p:cNvCxnSpPr>
+            <a:cxnSpLocks/>
+          </p:cNvCxnSpPr>
+          <p:nvPr/>
+        </p:nvCxnSpPr>
+        <p:spPr>
+          <a:xfrm flipH="1">
+            <a:off x="1097280" y="1737360"/>
+            <a:ext cx="10239504" cy="0"/>
+          </a:xfrm>
+          <a:prstGeom prst="line">
+            <a:avLst/>
+          </a:prstGeom>
+          <a:ln>
+            <a:solidFill>
+              <a:srgbClr val="8C2D19"/>
+            </a:solidFill>
+          </a:ln>
+        </p:spPr>
+        <p:style>
+          <a:lnRef idx="1">
+            <a:schemeClr val="accent1"/>
+          </a:lnRef>
+          <a:fillRef idx="0">
+            <a:schemeClr val="accent1"/>
+          </a:fillRef>
+          <a:effectRef idx="0">
+            <a:schemeClr val="accent1"/>
+          </a:effectRef>
+          <a:fontRef idx="minor">
+            <a:schemeClr val="tx1"/>
+          </a:fontRef>
+        </p:style>
+      </p:cxnSp>
+      <p:sp>
+        <p:nvSpPr>
+          <p:cNvPr id="4" name="Marcador de Posição do Rodapé 3">
+            <a:extLst>
+              <a:ext uri="{FF2B5EF4-FFF2-40B4-BE49-F238E27FC236}">
+                <a16:creationId xmlns:a16="http://schemas.microsoft.com/office/drawing/2014/main" id="{24CC6F16-34DD-4EDA-ADE0-808E5F2B8EED}"/>
+              </a:ext>
+            </a:extLst>
+          </p:cNvPr>
+          <p:cNvSpPr>
+            <a:spLocks noGrp="1"/>
+          </p:cNvSpPr>
+          <p:nvPr>
+            <p:ph type="ftr" sz="quarter" idx="11"/>
+          </p:nvPr>
+        </p:nvSpPr>
+        <p:spPr/>
+        <p:txBody>
+          <a:bodyPr/>
+          <a:lstStyle/>
+          <a:p>
+            <a:r>
+              <a:rPr lang="en-GB" sz="2400" b="1" dirty="0"/>
+              <a:t>2MIEIC04_G1</a:t>
+            </a:r>
+          </a:p>
+        </p:txBody>
+      </p:sp>
+      <p:sp>
+        <p:nvSpPr>
+          <p:cNvPr id="6" name="Marcador de Posição do Número do Diapositivo 5">
+            <a:extLst>
+              <a:ext uri="{FF2B5EF4-FFF2-40B4-BE49-F238E27FC236}">
+                <a16:creationId xmlns:a16="http://schemas.microsoft.com/office/drawing/2014/main" id="{98D93093-7413-457A-B787-19C4B19AA2B9}"/>
+              </a:ext>
+            </a:extLst>
+          </p:cNvPr>
+          <p:cNvSpPr>
+            <a:spLocks noGrp="1"/>
+          </p:cNvSpPr>
+          <p:nvPr>
+            <p:ph type="sldNum" sz="quarter" idx="12"/>
+          </p:nvPr>
+        </p:nvSpPr>
+        <p:spPr/>
+        <p:txBody>
+          <a:bodyPr/>
+          <a:lstStyle/>
+          <a:p>
+            <a:fld id="{75DB3F52-068C-4339-9FA6-06F9AAEB3337}" type="slidenum">
+              <a:rPr lang="en-GB" sz="2400"/>
+              <a:t>17</a:t>
             </a:fld>
             <a:endParaRPr lang="en-GB" sz="2400" dirty="0"/>
           </a:p>
@@ -8494,7 +9670,7 @@
         <p:spPr>
           <a:xfrm>
             <a:off x="1190495" y="1841033"/>
-            <a:ext cx="9871969" cy="3416320"/>
+            <a:ext cx="9871969" cy="4247317"/>
           </a:xfrm>
           <a:prstGeom prst="rect">
             <a:avLst/>
@@ -8530,7 +9706,10 @@
               <a:rPr lang="pt-PT" dirty="0" err="1"/>
               <a:t>DonationItem</a:t>
             </a:r>
-            <a:endParaRPr lang="pt-PT" dirty="0"/>
+            <a:r>
+              <a:rPr lang="pt-PT" dirty="0"/>
+              <a:t>.</a:t>
+            </a:r>
           </a:p>
           <a:p>
             <a:pPr marL="285750" indent="-285750">
@@ -8560,7 +9739,7 @@
             </a:r>
             <a:r>
               <a:rPr lang="pt-PT" dirty="0"/>
-              <a:t>&gt; á </a:t>
+              <a:t>&gt; à </a:t>
             </a:r>
             <a:r>
               <a:rPr lang="pt-PT" dirty="0" err="1"/>
@@ -8568,7 +9747,7 @@
             </a:r>
             <a:r>
               <a:rPr lang="pt-PT" dirty="0"/>
-              <a:t> e novo manager para a alterar</a:t>
+              <a:t> e novo manager para a alterar.</a:t>
             </a:r>
           </a:p>
           <a:p>
@@ -8580,6 +9759,58 @@
               <a:buChar char="•"/>
             </a:pPr>
             <a:endParaRPr lang="pt-PT" dirty="0"/>
+          </a:p>
+          <a:p>
+            <a:pPr marL="285750" indent="-285750">
+              <a:buClr>
+                <a:srgbClr val="C00000"/>
+              </a:buClr>
+              <a:buFont typeface="Arial" panose="020B0604020202020204" pitchFamily="34" charset="0"/>
+              <a:buChar char="•"/>
+            </a:pPr>
+            <a:r>
+              <a:rPr lang="pt-PT" dirty="0"/>
+              <a:t>Criada a classe ‘</a:t>
+            </a:r>
+            <a:r>
+              <a:rPr lang="pt-PT" dirty="0" err="1"/>
+              <a:t>MerchandisingOrder</a:t>
+            </a:r>
+            <a:r>
+              <a:rPr lang="pt-PT" dirty="0"/>
+              <a:t>’.</a:t>
+            </a:r>
+          </a:p>
+          <a:p>
+            <a:pPr marL="285750" indent="-285750">
+              <a:buClr>
+                <a:srgbClr val="C00000"/>
+              </a:buClr>
+              <a:buFont typeface="Arial" panose="020B0604020202020204" pitchFamily="34" charset="0"/>
+              <a:buChar char="•"/>
+            </a:pPr>
+            <a:endParaRPr lang="pt-PT" dirty="0"/>
+          </a:p>
+          <a:p>
+            <a:pPr marL="285750" indent="-285750">
+              <a:buClr>
+                <a:srgbClr val="C00000"/>
+              </a:buClr>
+              <a:buFont typeface="Arial" panose="020B0604020202020204" pitchFamily="34" charset="0"/>
+              <a:buChar char="•"/>
+            </a:pPr>
+            <a:r>
+              <a:rPr lang="pt-PT" dirty="0"/>
+              <a:t>Adição de uma fila de prioridade ‘</a:t>
+            </a:r>
+            <a:r>
+              <a:rPr lang="pt-PT" dirty="0" err="1"/>
+              <a:t>orders</a:t>
+            </a:r>
+            <a:r>
+              <a:rPr lang="pt-PT" dirty="0"/>
+              <a:t>’ à classe ‘streamer’.</a:t>
+            </a:r>
           </a:p>
           <a:p>
             <a:pPr marL="285750" indent="-285750">
@@ -8895,49 +10126,6 @@
             <a:r>
               <a:rPr lang="pt-PT" dirty="0"/>
               <a:t>istagem é feita através de  iteradores para manter ordenação </a:t>
-            </a:r>
-            <a:endParaRPr lang="en-GB" dirty="0"/>
-          </a:p>
-        </p:txBody>
-      </p:sp>
-      <p:sp>
-        <p:nvSpPr>
-          <p:cNvPr id="31" name="CaixaDeTexto 30">
-            <a:extLst>
-              <a:ext uri="{FF2B5EF4-FFF2-40B4-BE49-F238E27FC236}">
-                <a16:creationId xmlns:a16="http://schemas.microsoft.com/office/drawing/2014/main" id="{537203D6-C598-4877-B3A3-DAA7686C4179}"/>
-              </a:ext>
-            </a:extLst>
-          </p:cNvPr>
-          <p:cNvSpPr txBox="1"/>
-          <p:nvPr/>
-        </p:nvSpPr>
-        <p:spPr>
-          <a:xfrm>
-            <a:off x="1097280" y="4140614"/>
-            <a:ext cx="7534919" cy="369332"/>
-          </a:xfrm>
-          <a:prstGeom prst="rect">
-            <a:avLst/>
-          </a:prstGeom>
-          <a:noFill/>
-        </p:spPr>
-        <p:txBody>
-          <a:bodyPr wrap="square" rtlCol="0">
-            <a:spAutoFit/>
-          </a:bodyPr>
-          <a:lstStyle/>
-          <a:p>
-            <a:pPr marL="342900" indent="-342900">
-              <a:buClr>
-                <a:srgbClr val="8C2D19"/>
-              </a:buClr>
-              <a:buFont typeface="Arial" panose="020B0604020202020204" pitchFamily="34" charset="0"/>
-              <a:buChar char="•"/>
-            </a:pPr>
-            <a:r>
-              <a:rPr lang="pt-PT" dirty="0"/>
-              <a:t>Merchandising:</a:t>
             </a:r>
             <a:endParaRPr lang="en-GB" dirty="0"/>
           </a:p>
@@ -9321,99 +10509,12 @@
           <a:chExt cx="0" cy="0"/>
         </a:xfrm>
       </p:grpSpPr>
-      <p:pic>
-        <p:nvPicPr>
-          <p:cNvPr id="3" name="Imagem 2">
-            <a:extLst>
-              <a:ext uri="{FF2B5EF4-FFF2-40B4-BE49-F238E27FC236}">
-                <a16:creationId xmlns:a16="http://schemas.microsoft.com/office/drawing/2014/main" id="{DD83F974-8F8D-4C83-94F4-34037815363D}"/>
-              </a:ext>
-            </a:extLst>
-          </p:cNvPr>
-          <p:cNvPicPr>
-            <a:picLocks noChangeAspect="1"/>
-          </p:cNvPicPr>
-          <p:nvPr/>
-        </p:nvPicPr>
-        <p:blipFill>
-          <a:blip r:embed="rId2"/>
-          <a:stretch>
-            <a:fillRect/>
-          </a:stretch>
-        </p:blipFill>
-        <p:spPr>
-          <a:xfrm>
-            <a:off x="4722388" y="3703197"/>
-            <a:ext cx="2339543" cy="1417443"/>
-          </a:xfrm>
-          <a:prstGeom prst="rect">
-            <a:avLst/>
-          </a:prstGeom>
-        </p:spPr>
-      </p:pic>
-      <p:sp>
-        <p:nvSpPr>
-          <p:cNvPr id="4" name="Marcador de Posição do Rodapé 3">
-            <a:extLst>
-              <a:ext uri="{FF2B5EF4-FFF2-40B4-BE49-F238E27FC236}">
-                <a16:creationId xmlns:a16="http://schemas.microsoft.com/office/drawing/2014/main" id="{CD041F31-1926-4481-9649-5381C4152000}"/>
-              </a:ext>
-            </a:extLst>
-          </p:cNvPr>
-          <p:cNvSpPr>
-            <a:spLocks noGrp="1"/>
-          </p:cNvSpPr>
-          <p:nvPr>
-            <p:ph type="ftr" sz="quarter" idx="11"/>
-          </p:nvPr>
-        </p:nvSpPr>
-        <p:spPr/>
-        <p:txBody>
-          <a:bodyPr/>
-          <a:lstStyle/>
-          <a:p>
-            <a:r>
-              <a:rPr lang="en-GB" sz="2400" b="1" dirty="0"/>
-              <a:t>2MIEIC04_G1</a:t>
-            </a:r>
-          </a:p>
-        </p:txBody>
-      </p:sp>
-      <p:sp>
-        <p:nvSpPr>
-          <p:cNvPr id="5" name="Marcador de Posição do Número do Diapositivo 4">
-            <a:extLst>
-              <a:ext uri="{FF2B5EF4-FFF2-40B4-BE49-F238E27FC236}">
-                <a16:creationId xmlns:a16="http://schemas.microsoft.com/office/drawing/2014/main" id="{8B9BD288-16AA-4430-99EE-EC8CA98C718B}"/>
-              </a:ext>
-            </a:extLst>
-          </p:cNvPr>
-          <p:cNvSpPr>
-            <a:spLocks noGrp="1"/>
-          </p:cNvSpPr>
-          <p:nvPr>
-            <p:ph type="sldNum" sz="quarter" idx="12"/>
-          </p:nvPr>
-        </p:nvSpPr>
-        <p:spPr/>
-        <p:txBody>
-          <a:bodyPr/>
-          <a:lstStyle/>
-          <a:p>
-            <a:fld id="{75DB3F52-068C-4339-9FA6-06F9AAEB3337}" type="slidenum">
-              <a:rPr lang="en-GB" sz="2400" smtClean="0"/>
-              <a:t>5</a:t>
-            </a:fld>
-            <a:endParaRPr lang="en-GB" sz="2400" dirty="0"/>
-          </a:p>
-        </p:txBody>
-      </p:sp>
-      <p:sp>
-        <p:nvSpPr>
-          <p:cNvPr id="7" name="Título 1">
-            <a:extLst>
-              <a:ext uri="{FF2B5EF4-FFF2-40B4-BE49-F238E27FC236}">
-                <a16:creationId xmlns:a16="http://schemas.microsoft.com/office/drawing/2014/main" id="{5F639702-E15B-442E-B6E8-202B80E9D05D}"/>
+      <p:sp>
+        <p:nvSpPr>
+          <p:cNvPr id="2" name="Título 1">
+            <a:extLst>
+              <a:ext uri="{FF2B5EF4-FFF2-40B4-BE49-F238E27FC236}">
+                <a16:creationId xmlns:a16="http://schemas.microsoft.com/office/drawing/2014/main" id="{BE1264ED-CFC3-44DA-8DCB-E225015F36BB}"/>
               </a:ext>
             </a:extLst>
           </p:cNvPr>
@@ -9424,12 +10525,7 @@
             <p:ph type="title"/>
           </p:nvPr>
         </p:nvSpPr>
-        <p:spPr>
-          <a:xfrm>
-            <a:off x="1097280" y="286603"/>
-            <a:ext cx="10058400" cy="1450757"/>
-          </a:xfrm>
-        </p:spPr>
+        <p:spPr/>
         <p:txBody>
           <a:bodyPr/>
           <a:lstStyle/>
@@ -9445,19 +10541,7 @@
                 </a:solidFill>
                 <a:latin typeface="Bahnschrift SemiLight" panose="020B0502040204020203" pitchFamily="34" charset="0"/>
               </a:rPr>
-              <a:t>Ficheiros - </a:t>
-            </a:r>
-            <a:r>
-              <a:rPr lang="pt-PT" sz="6600" dirty="0" err="1">
-                <a:solidFill>
-                  <a:schemeClr val="tx1">
-                    <a:lumMod val="85000"/>
-                    <a:lumOff val="15000"/>
-                  </a:schemeClr>
-                </a:solidFill>
-                <a:latin typeface="Bahnschrift SemiLight" panose="020B0502040204020203" pitchFamily="34" charset="0"/>
-              </a:rPr>
-              <a:t>Donations</a:t>
+              <a:t>Solução</a:t>
             </a:r>
             <a:endParaRPr lang="en-GB" sz="6600" dirty="0">
               <a:solidFill>
@@ -9471,12 +10555,97 @@
           </a:p>
         </p:txBody>
       </p:sp>
+      <p:sp>
+        <p:nvSpPr>
+          <p:cNvPr id="3" name="Marcador de Posição de Conteúdo 2">
+            <a:extLst>
+              <a:ext uri="{FF2B5EF4-FFF2-40B4-BE49-F238E27FC236}">
+                <a16:creationId xmlns:a16="http://schemas.microsoft.com/office/drawing/2014/main" id="{629DBB77-38DD-46CD-9380-042787519E09}"/>
+              </a:ext>
+            </a:extLst>
+          </p:cNvPr>
+          <p:cNvSpPr>
+            <a:spLocks noGrp="1"/>
+          </p:cNvSpPr>
+          <p:nvPr>
+            <p:ph idx="1"/>
+          </p:nvPr>
+        </p:nvSpPr>
+        <p:spPr>
+          <a:xfrm>
+            <a:off x="1097280" y="1845734"/>
+            <a:ext cx="9785721" cy="4023360"/>
+          </a:xfrm>
+        </p:spPr>
+        <p:txBody>
+          <a:bodyPr/>
+          <a:lstStyle/>
+          <a:p>
+            <a:endParaRPr lang="pt-PT" dirty="0"/>
+          </a:p>
+          <a:p>
+            <a:r>
+              <a:rPr lang="pt-PT" dirty="0"/>
+              <a:t> </a:t>
+            </a:r>
+          </a:p>
+          <a:p>
+            <a:pPr marL="0" indent="0">
+              <a:buNone/>
+            </a:pPr>
+            <a:endParaRPr lang="en-GB" dirty="0"/>
+          </a:p>
+        </p:txBody>
+      </p:sp>
+      <p:sp>
+        <p:nvSpPr>
+          <p:cNvPr id="29" name="CaixaDeTexto 28">
+            <a:extLst>
+              <a:ext uri="{FF2B5EF4-FFF2-40B4-BE49-F238E27FC236}">
+                <a16:creationId xmlns:a16="http://schemas.microsoft.com/office/drawing/2014/main" id="{6D81043D-5F71-4C0A-8650-D98BE388B4EF}"/>
+              </a:ext>
+            </a:extLst>
+          </p:cNvPr>
+          <p:cNvSpPr txBox="1"/>
+          <p:nvPr/>
+        </p:nvSpPr>
+        <p:spPr>
+          <a:xfrm>
+            <a:off x="1097280" y="1880423"/>
+            <a:ext cx="10115203" cy="400110"/>
+          </a:xfrm>
+          <a:prstGeom prst="rect">
+            <a:avLst/>
+          </a:prstGeom>
+          <a:noFill/>
+        </p:spPr>
+        <p:txBody>
+          <a:bodyPr wrap="square" rtlCol="0">
+            <a:spAutoFit/>
+          </a:bodyPr>
+          <a:lstStyle/>
+          <a:p>
+            <a:pPr marL="342900" indent="-342900">
+              <a:buClr>
+                <a:srgbClr val="8C2D19"/>
+              </a:buClr>
+              <a:buFont typeface="Arial" panose="020B0604020202020204" pitchFamily="34" charset="0"/>
+              <a:buChar char="•"/>
+            </a:pPr>
+            <a:r>
+              <a:rPr lang="pt-PT" sz="2000" dirty="0"/>
+              <a:t>Merchandising: Foi definido um operador de menor e métodos de inserção e remoção.</a:t>
+            </a:r>
+            <a:endParaRPr lang="en-GB" dirty="0"/>
+          </a:p>
+        </p:txBody>
+      </p:sp>
       <p:cxnSp>
         <p:nvCxnSpPr>
-          <p:cNvPr id="29" name="Conexão reta 28">
-            <a:extLst>
-              <a:ext uri="{FF2B5EF4-FFF2-40B4-BE49-F238E27FC236}">
-                <a16:creationId xmlns:a16="http://schemas.microsoft.com/office/drawing/2014/main" id="{B89E7E41-9D92-43B4-AFD2-992CDB723359}"/>
+          <p:cNvPr id="42" name="Conexão reta 41">
+            <a:extLst>
+              <a:ext uri="{FF2B5EF4-FFF2-40B4-BE49-F238E27FC236}">
+                <a16:creationId xmlns:a16="http://schemas.microsoft.com/office/drawing/2014/main" id="{5AE61CFF-882C-4FC9-9AF6-263F44B309AB}"/>
               </a:ext>
             </a:extLst>
           </p:cNvPr>
@@ -9514,277 +10683,69 @@
           </a:fontRef>
         </p:style>
       </p:cxnSp>
-      <p:cxnSp>
-        <p:nvCxnSpPr>
-          <p:cNvPr id="17" name="Conexão reta unidirecional 16">
-            <a:extLst>
-              <a:ext uri="{FF2B5EF4-FFF2-40B4-BE49-F238E27FC236}">
-                <a16:creationId xmlns:a16="http://schemas.microsoft.com/office/drawing/2014/main" id="{A591EA11-DC21-435D-9FB0-2D4DFAB26801}"/>
-              </a:ext>
-            </a:extLst>
-          </p:cNvPr>
-          <p:cNvCxnSpPr>
-            <a:cxnSpLocks/>
-            <a:stCxn id="40" idx="0"/>
-            <a:endCxn id="18" idx="2"/>
-          </p:cNvCxnSpPr>
-          <p:nvPr/>
-        </p:nvCxnSpPr>
-        <p:spPr>
-          <a:xfrm flipH="1" flipV="1">
-            <a:off x="3946200" y="2797214"/>
-            <a:ext cx="1156628" cy="911687"/>
-          </a:xfrm>
-          <a:prstGeom prst="straightConnector1">
-            <a:avLst/>
-          </a:prstGeom>
-          <a:ln>
-            <a:solidFill>
-              <a:srgbClr val="8C2D19"/>
-            </a:solidFill>
-            <a:tailEnd type="triangle"/>
-          </a:ln>
-        </p:spPr>
-        <p:style>
-          <a:lnRef idx="3">
-            <a:schemeClr val="dk1"/>
-          </a:lnRef>
-          <a:fillRef idx="0">
-            <a:schemeClr val="dk1"/>
-          </a:fillRef>
-          <a:effectRef idx="2">
-            <a:schemeClr val="dk1"/>
-          </a:effectRef>
-          <a:fontRef idx="minor">
-            <a:schemeClr val="tx1"/>
-          </a:fontRef>
-        </p:style>
-      </p:cxnSp>
-      <p:sp>
-        <p:nvSpPr>
-          <p:cNvPr id="18" name="CaixaDeTexto 17">
-            <a:extLst>
-              <a:ext uri="{FF2B5EF4-FFF2-40B4-BE49-F238E27FC236}">
-                <a16:creationId xmlns:a16="http://schemas.microsoft.com/office/drawing/2014/main" id="{8972E605-3342-422C-9D2E-3BB60D6F8C14}"/>
-              </a:ext>
-            </a:extLst>
-          </p:cNvPr>
-          <p:cNvSpPr txBox="1"/>
-          <p:nvPr/>
-        </p:nvSpPr>
-        <p:spPr>
-          <a:xfrm>
-            <a:off x="3062933" y="2397104"/>
-            <a:ext cx="1766533" cy="400110"/>
-          </a:xfrm>
-          <a:prstGeom prst="rect">
-            <a:avLst/>
-          </a:prstGeom>
-          <a:noFill/>
-        </p:spPr>
-        <p:txBody>
-          <a:bodyPr wrap="square" rtlCol="0">
-            <a:spAutoFit/>
-          </a:bodyPr>
-          <a:lstStyle/>
-          <a:p>
-            <a:pPr algn="ctr"/>
-            <a:r>
-              <a:rPr lang="pt-PT" sz="2000" dirty="0" err="1"/>
-              <a:t>Streamer</a:t>
-            </a:r>
-            <a:r>
-              <a:rPr lang="pt-PT" sz="2000" dirty="0"/>
-              <a:t> </a:t>
-            </a:r>
-            <a:r>
-              <a:rPr lang="pt-PT" sz="2000" dirty="0" err="1"/>
-              <a:t>Nick</a:t>
-            </a:r>
-            <a:endParaRPr lang="en-GB" sz="2000" dirty="0"/>
-          </a:p>
-        </p:txBody>
-      </p:sp>
-      <p:cxnSp>
-        <p:nvCxnSpPr>
-          <p:cNvPr id="23" name="Conexão reta unidirecional 22">
-            <a:extLst>
-              <a:ext uri="{FF2B5EF4-FFF2-40B4-BE49-F238E27FC236}">
-                <a16:creationId xmlns:a16="http://schemas.microsoft.com/office/drawing/2014/main" id="{3DC22C5C-7665-4461-91B1-E9AB07F69010}"/>
-              </a:ext>
-            </a:extLst>
-          </p:cNvPr>
-          <p:cNvCxnSpPr>
-            <a:cxnSpLocks/>
-            <a:stCxn id="43" idx="0"/>
-            <a:endCxn id="24" idx="2"/>
-          </p:cNvCxnSpPr>
-          <p:nvPr/>
-        </p:nvCxnSpPr>
-        <p:spPr>
-          <a:xfrm flipV="1">
-            <a:off x="5787446" y="3032818"/>
-            <a:ext cx="128202" cy="686165"/>
-          </a:xfrm>
-          <a:prstGeom prst="straightConnector1">
-            <a:avLst/>
-          </a:prstGeom>
-          <a:ln>
-            <a:solidFill>
-              <a:srgbClr val="8C2D19"/>
-            </a:solidFill>
-            <a:tailEnd type="triangle"/>
-          </a:ln>
-        </p:spPr>
-        <p:style>
-          <a:lnRef idx="3">
-            <a:schemeClr val="dk1"/>
-          </a:lnRef>
-          <a:fillRef idx="0">
-            <a:schemeClr val="dk1"/>
-          </a:fillRef>
-          <a:effectRef idx="2">
-            <a:schemeClr val="dk1"/>
-          </a:effectRef>
-          <a:fontRef idx="minor">
-            <a:schemeClr val="tx1"/>
-          </a:fontRef>
-        </p:style>
-      </p:cxnSp>
-      <p:sp>
-        <p:nvSpPr>
-          <p:cNvPr id="24" name="CaixaDeTexto 23">
-            <a:extLst>
-              <a:ext uri="{FF2B5EF4-FFF2-40B4-BE49-F238E27FC236}">
-                <a16:creationId xmlns:a16="http://schemas.microsoft.com/office/drawing/2014/main" id="{0145D52C-E4D4-4B4E-8256-9ADC9CE4947C}"/>
-              </a:ext>
-            </a:extLst>
-          </p:cNvPr>
-          <p:cNvSpPr txBox="1"/>
-          <p:nvPr/>
-        </p:nvSpPr>
-        <p:spPr>
-          <a:xfrm>
-            <a:off x="5235187" y="2324932"/>
-            <a:ext cx="1360922" cy="707886"/>
-          </a:xfrm>
-          <a:prstGeom prst="rect">
-            <a:avLst/>
-          </a:prstGeom>
-          <a:noFill/>
-        </p:spPr>
-        <p:txBody>
-          <a:bodyPr wrap="square" rtlCol="0">
-            <a:spAutoFit/>
-          </a:bodyPr>
-          <a:lstStyle/>
-          <a:p>
-            <a:pPr algn="ctr"/>
-            <a:r>
-              <a:rPr lang="pt-PT" sz="2000" dirty="0" err="1"/>
-              <a:t>Amount</a:t>
-            </a:r>
-            <a:r>
-              <a:rPr lang="pt-PT" sz="2000" dirty="0"/>
-              <a:t> </a:t>
-            </a:r>
-            <a:r>
-              <a:rPr lang="pt-PT" sz="2000" dirty="0" err="1"/>
-              <a:t>donated</a:t>
-            </a:r>
-            <a:endParaRPr lang="en-GB" sz="2000" dirty="0"/>
-          </a:p>
-        </p:txBody>
-      </p:sp>
-      <p:cxnSp>
-        <p:nvCxnSpPr>
-          <p:cNvPr id="27" name="Conexão reta unidirecional 26">
-            <a:extLst>
-              <a:ext uri="{FF2B5EF4-FFF2-40B4-BE49-F238E27FC236}">
-                <a16:creationId xmlns:a16="http://schemas.microsoft.com/office/drawing/2014/main" id="{9588C264-BC63-4960-BC57-E4A755C943D7}"/>
-              </a:ext>
-            </a:extLst>
-          </p:cNvPr>
-          <p:cNvCxnSpPr>
-            <a:cxnSpLocks/>
-            <a:stCxn id="45" idx="0"/>
-            <a:endCxn id="28" idx="2"/>
-          </p:cNvCxnSpPr>
-          <p:nvPr/>
-        </p:nvCxnSpPr>
-        <p:spPr>
-          <a:xfrm flipV="1">
-            <a:off x="6161116" y="2803889"/>
-            <a:ext cx="1245489" cy="913890"/>
-          </a:xfrm>
-          <a:prstGeom prst="straightConnector1">
-            <a:avLst/>
-          </a:prstGeom>
-          <a:ln>
-            <a:solidFill>
-              <a:srgbClr val="8C2D19"/>
-            </a:solidFill>
-            <a:tailEnd type="triangle"/>
-          </a:ln>
-        </p:spPr>
-        <p:style>
-          <a:lnRef idx="3">
-            <a:schemeClr val="dk1"/>
-          </a:lnRef>
-          <a:fillRef idx="0">
-            <a:schemeClr val="dk1"/>
-          </a:fillRef>
-          <a:effectRef idx="2">
-            <a:schemeClr val="dk1"/>
-          </a:effectRef>
-          <a:fontRef idx="minor">
-            <a:schemeClr val="tx1"/>
-          </a:fontRef>
-        </p:style>
-      </p:cxnSp>
-      <p:sp>
-        <p:nvSpPr>
-          <p:cNvPr id="28" name="CaixaDeTexto 27">
-            <a:extLst>
-              <a:ext uri="{FF2B5EF4-FFF2-40B4-BE49-F238E27FC236}">
-                <a16:creationId xmlns:a16="http://schemas.microsoft.com/office/drawing/2014/main" id="{E7B6A703-1309-402E-AA62-C4EED545794C}"/>
-              </a:ext>
-            </a:extLst>
-          </p:cNvPr>
-          <p:cNvSpPr txBox="1"/>
-          <p:nvPr/>
-        </p:nvSpPr>
-        <p:spPr>
-          <a:xfrm>
-            <a:off x="6776325" y="2434557"/>
-            <a:ext cx="1260559" cy="369332"/>
-          </a:xfrm>
-          <a:prstGeom prst="rect">
-            <a:avLst/>
-          </a:prstGeom>
-          <a:noFill/>
-        </p:spPr>
-        <p:txBody>
-          <a:bodyPr wrap="square" rtlCol="0">
-            <a:spAutoFit/>
-          </a:bodyPr>
-          <a:lstStyle/>
-          <a:p>
-            <a:pPr algn="ctr"/>
-            <a:r>
-              <a:rPr lang="pt-PT" dirty="0" err="1"/>
-              <a:t>Evaluation</a:t>
-            </a:r>
-            <a:endParaRPr lang="en-GB" sz="2000" dirty="0"/>
+      <p:sp>
+        <p:nvSpPr>
+          <p:cNvPr id="11" name="Marcador de Posição do Rodapé 10">
+            <a:extLst>
+              <a:ext uri="{FF2B5EF4-FFF2-40B4-BE49-F238E27FC236}">
+                <a16:creationId xmlns:a16="http://schemas.microsoft.com/office/drawing/2014/main" id="{BD695F9A-1F39-4D6F-8DAE-10C3C65BC656}"/>
+              </a:ext>
+            </a:extLst>
+          </p:cNvPr>
+          <p:cNvSpPr>
+            <a:spLocks noGrp="1"/>
+          </p:cNvSpPr>
+          <p:nvPr>
+            <p:ph type="ftr" sz="quarter" idx="11"/>
+          </p:nvPr>
+        </p:nvSpPr>
+        <p:spPr/>
+        <p:txBody>
+          <a:bodyPr/>
+          <a:lstStyle/>
+          <a:p>
+            <a:r>
+              <a:rPr lang="en-GB" sz="2400" b="1" dirty="0"/>
+              <a:t>2MIEIC04_G1</a:t>
+            </a:r>
+          </a:p>
+        </p:txBody>
+      </p:sp>
+      <p:sp>
+        <p:nvSpPr>
+          <p:cNvPr id="13" name="Marcador de Posição do Número do Diapositivo 12">
+            <a:extLst>
+              <a:ext uri="{FF2B5EF4-FFF2-40B4-BE49-F238E27FC236}">
+                <a16:creationId xmlns:a16="http://schemas.microsoft.com/office/drawing/2014/main" id="{8797A8C0-C822-46E6-A506-0CD52661D3E6}"/>
+              </a:ext>
+            </a:extLst>
+          </p:cNvPr>
+          <p:cNvSpPr>
+            <a:spLocks noGrp="1"/>
+          </p:cNvSpPr>
+          <p:nvPr>
+            <p:ph type="sldNum" sz="quarter" idx="12"/>
+          </p:nvPr>
+        </p:nvSpPr>
+        <p:spPr/>
+        <p:txBody>
+          <a:bodyPr/>
+          <a:lstStyle/>
+          <a:p>
+            <a:fld id="{75DB3F52-068C-4339-9FA6-06F9AAEB3337}" type="slidenum">
+              <a:rPr lang="en-GB" sz="2400"/>
+              <a:t>5</a:t>
+            </a:fld>
+            <a:endParaRPr lang="en-GB" sz="2400" dirty="0"/>
           </a:p>
         </p:txBody>
       </p:sp>
       <p:pic>
         <p:nvPicPr>
-          <p:cNvPr id="50" name="Imagem 49">
-            <a:extLst>
-              <a:ext uri="{FF2B5EF4-FFF2-40B4-BE49-F238E27FC236}">
-                <a16:creationId xmlns:a16="http://schemas.microsoft.com/office/drawing/2014/main" id="{C9CA462E-8E2A-4338-B5C5-71EE804670F2}"/>
+          <p:cNvPr id="23" name="Imagem 22">
+            <a:extLst>
+              <a:ext uri="{FF2B5EF4-FFF2-40B4-BE49-F238E27FC236}">
+                <a16:creationId xmlns:a16="http://schemas.microsoft.com/office/drawing/2014/main" id="{0F1FEA8A-B984-43A0-87B5-A743003B070A}"/>
               </a:ext>
             </a:extLst>
           </p:cNvPr>
@@ -9794,7 +10755,7 @@
           <p:nvPr/>
         </p:nvPicPr>
         <p:blipFill rotWithShape="1">
-          <a:blip r:embed="rId3">
+          <a:blip r:embed="rId2">
             <a:extLst>
               <a:ext uri="{28A0092B-C50C-407E-A947-70E740481C1C}">
                 <a14:useLocalDpi xmlns:a14="http://schemas.microsoft.com/office/drawing/2010/main" val="0"/>
@@ -9814,172 +10775,142 @@
           </a:prstGeom>
         </p:spPr>
       </p:pic>
-      <p:sp>
-        <p:nvSpPr>
-          <p:cNvPr id="40" name="Oval 39">
-            <a:extLst>
-              <a:ext uri="{FF2B5EF4-FFF2-40B4-BE49-F238E27FC236}">
-                <a16:creationId xmlns:a16="http://schemas.microsoft.com/office/drawing/2014/main" id="{E62720A1-26B0-4461-9330-94DA2094A67F}"/>
-              </a:ext>
-            </a:extLst>
-          </p:cNvPr>
-          <p:cNvSpPr/>
-          <p:nvPr/>
-        </p:nvSpPr>
-        <p:spPr>
-          <a:xfrm>
-            <a:off x="4704243" y="3708901"/>
-            <a:ext cx="797169" cy="180425"/>
-          </a:xfrm>
-          <a:prstGeom prst="ellipse">
+      <p:pic>
+        <p:nvPicPr>
+          <p:cNvPr id="6" name="Picture 5">
+            <a:extLst>
+              <a:ext uri="{FF2B5EF4-FFF2-40B4-BE49-F238E27FC236}">
+                <a16:creationId xmlns:a16="http://schemas.microsoft.com/office/drawing/2014/main" id="{6918CA49-6E04-463A-A468-D695F97C3FFE}"/>
+              </a:ext>
+            </a:extLst>
+          </p:cNvPr>
+          <p:cNvPicPr>
+            <a:picLocks noChangeAspect="1"/>
+          </p:cNvPicPr>
+          <p:nvPr/>
+        </p:nvPicPr>
+        <p:blipFill>
+          <a:blip r:embed="rId3"/>
+          <a:stretch>
+            <a:fillRect/>
+          </a:stretch>
+        </p:blipFill>
+        <p:spPr>
+          <a:xfrm>
+            <a:off x="798146" y="2368455"/>
+            <a:ext cx="4998720" cy="1876352"/>
+          </a:xfrm>
+          <a:prstGeom prst="rect">
+            <a:avLst/>
+          </a:prstGeom>
+        </p:spPr>
+      </p:pic>
+      <p:sp>
+        <p:nvSpPr>
+          <p:cNvPr id="18" name="CaixaDeTexto 32">
+            <a:extLst>
+              <a:ext uri="{FF2B5EF4-FFF2-40B4-BE49-F238E27FC236}">
+                <a16:creationId xmlns:a16="http://schemas.microsoft.com/office/drawing/2014/main" id="{7280826B-F8F0-4B83-AFB1-041EA9848445}"/>
+              </a:ext>
+            </a:extLst>
+          </p:cNvPr>
+          <p:cNvSpPr txBox="1"/>
+          <p:nvPr/>
+        </p:nvSpPr>
+        <p:spPr>
+          <a:xfrm>
+            <a:off x="4524826" y="4238914"/>
+            <a:ext cx="1302520" cy="338554"/>
+          </a:xfrm>
+          <a:prstGeom prst="rect">
             <a:avLst/>
           </a:prstGeom>
           <a:noFill/>
-          <a:ln w="9525" cap="flat" cmpd="sng" algn="ctr">
-            <a:solidFill>
-              <a:srgbClr val="8C2D19"/>
-            </a:solidFill>
-            <a:prstDash val="solid"/>
-            <a:round/>
-            <a:headEnd type="none" w="med" len="med"/>
-            <a:tailEnd type="none" w="med" len="med"/>
-          </a:ln>
-        </p:spPr>
-        <p:style>
-          <a:lnRef idx="0">
-            <a:scrgbClr r="0" g="0" b="0"/>
-          </a:lnRef>
-          <a:fillRef idx="0">
-            <a:scrgbClr r="0" g="0" b="0"/>
-          </a:fillRef>
-          <a:effectRef idx="0">
-            <a:scrgbClr r="0" g="0" b="0"/>
-          </a:effectRef>
-          <a:fontRef idx="minor">
-            <a:schemeClr val="dk1"/>
-          </a:fontRef>
-        </p:style>
-        <p:txBody>
-          <a:bodyPr rtlCol="0" anchor="ctr"/>
-          <a:lstStyle/>
-          <a:p>
-            <a:pPr algn="ctr"/>
-            <a:endParaRPr lang="en-GB"/>
-          </a:p>
-        </p:txBody>
-      </p:sp>
-      <p:sp>
-        <p:nvSpPr>
-          <p:cNvPr id="43" name="Oval 42">
-            <a:extLst>
-              <a:ext uri="{FF2B5EF4-FFF2-40B4-BE49-F238E27FC236}">
-                <a16:creationId xmlns:a16="http://schemas.microsoft.com/office/drawing/2014/main" id="{B09F585C-2F70-42E6-88F7-345C3549CB9C}"/>
-              </a:ext>
-            </a:extLst>
-          </p:cNvPr>
-          <p:cNvSpPr/>
-          <p:nvPr/>
-        </p:nvSpPr>
-        <p:spPr>
-          <a:xfrm>
-            <a:off x="5650580" y="3718983"/>
-            <a:ext cx="273732" cy="180427"/>
-          </a:xfrm>
-          <a:prstGeom prst="ellipse">
+        </p:spPr>
+        <p:txBody>
+          <a:bodyPr wrap="square" rtlCol="0">
+            <a:spAutoFit/>
+          </a:bodyPr>
+          <a:lstStyle/>
+          <a:p>
+            <a:r>
+              <a:rPr lang="pt-PT" sz="1600" dirty="0" err="1"/>
+              <a:t>Streamer.h</a:t>
+            </a:r>
+            <a:endParaRPr lang="en-GB" sz="1600" dirty="0"/>
+          </a:p>
+        </p:txBody>
+      </p:sp>
+      <p:sp>
+        <p:nvSpPr>
+          <p:cNvPr id="24" name="CaixaDeTexto 32">
+            <a:extLst>
+              <a:ext uri="{FF2B5EF4-FFF2-40B4-BE49-F238E27FC236}">
+                <a16:creationId xmlns:a16="http://schemas.microsoft.com/office/drawing/2014/main" id="{C6EEEBF4-583F-4346-95B2-E41FA73D9158}"/>
+              </a:ext>
+            </a:extLst>
+          </p:cNvPr>
+          <p:cNvSpPr txBox="1"/>
+          <p:nvPr/>
+        </p:nvSpPr>
+        <p:spPr>
+          <a:xfrm>
+            <a:off x="10396482" y="5161849"/>
+            <a:ext cx="1302520" cy="338554"/>
+          </a:xfrm>
+          <a:prstGeom prst="rect">
             <a:avLst/>
           </a:prstGeom>
           <a:noFill/>
-          <a:ln w="9525" cap="flat" cmpd="sng" algn="ctr">
-            <a:solidFill>
-              <a:srgbClr val="8C2D19"/>
-            </a:solidFill>
-            <a:prstDash val="solid"/>
-            <a:round/>
-            <a:headEnd type="none" w="med" len="med"/>
-            <a:tailEnd type="none" w="med" len="med"/>
-          </a:ln>
-        </p:spPr>
-        <p:style>
-          <a:lnRef idx="0">
-            <a:scrgbClr r="0" g="0" b="0"/>
-          </a:lnRef>
-          <a:fillRef idx="0">
-            <a:scrgbClr r="0" g="0" b="0"/>
-          </a:fillRef>
-          <a:effectRef idx="0">
-            <a:scrgbClr r="0" g="0" b="0"/>
-          </a:effectRef>
-          <a:fontRef idx="minor">
-            <a:schemeClr val="dk1"/>
-          </a:fontRef>
-        </p:style>
-        <p:txBody>
-          <a:bodyPr rtlCol="0" anchor="ctr"/>
-          <a:lstStyle/>
-          <a:p>
-            <a:pPr algn="ctr"/>
-            <a:endParaRPr lang="en-GB"/>
-          </a:p>
-        </p:txBody>
-      </p:sp>
-      <p:sp>
-        <p:nvSpPr>
-          <p:cNvPr id="45" name="Oval 44">
-            <a:extLst>
-              <a:ext uri="{FF2B5EF4-FFF2-40B4-BE49-F238E27FC236}">
-                <a16:creationId xmlns:a16="http://schemas.microsoft.com/office/drawing/2014/main" id="{1945EDD6-3EFD-4F04-AEDD-D72ED1C8E57C}"/>
-              </a:ext>
-            </a:extLst>
-          </p:cNvPr>
-          <p:cNvSpPr/>
-          <p:nvPr/>
-        </p:nvSpPr>
-        <p:spPr>
-          <a:xfrm>
-            <a:off x="6082358" y="3717779"/>
-            <a:ext cx="157516" cy="180425"/>
-          </a:xfrm>
-          <a:prstGeom prst="ellipse">
-            <a:avLst/>
-          </a:prstGeom>
-          <a:noFill/>
-          <a:ln w="9525" cap="flat" cmpd="sng" algn="ctr">
-            <a:solidFill>
-              <a:srgbClr val="8C2D19"/>
-            </a:solidFill>
-            <a:prstDash val="solid"/>
-            <a:round/>
-            <a:headEnd type="none" w="med" len="med"/>
-            <a:tailEnd type="none" w="med" len="med"/>
-          </a:ln>
-        </p:spPr>
-        <p:style>
-          <a:lnRef idx="0">
-            <a:scrgbClr r="0" g="0" b="0"/>
-          </a:lnRef>
-          <a:fillRef idx="0">
-            <a:scrgbClr r="0" g="0" b="0"/>
-          </a:fillRef>
-          <a:effectRef idx="0">
-            <a:scrgbClr r="0" g="0" b="0"/>
-          </a:effectRef>
-          <a:fontRef idx="minor">
-            <a:schemeClr val="dk1"/>
-          </a:fontRef>
-        </p:style>
-        <p:txBody>
-          <a:bodyPr rtlCol="0" anchor="ctr"/>
-          <a:lstStyle/>
-          <a:p>
-            <a:pPr algn="ctr"/>
-            <a:endParaRPr lang="en-GB"/>
-          </a:p>
-        </p:txBody>
-      </p:sp>
+        </p:spPr>
+        <p:txBody>
+          <a:bodyPr wrap="square" rtlCol="0">
+            <a:spAutoFit/>
+          </a:bodyPr>
+          <a:lstStyle/>
+          <a:p>
+            <a:r>
+              <a:rPr lang="pt-PT" sz="1600" dirty="0"/>
+              <a:t>Streamer.cpp</a:t>
+            </a:r>
+            <a:endParaRPr lang="en-GB" sz="1600" dirty="0"/>
+          </a:p>
+        </p:txBody>
+      </p:sp>
+      <p:pic>
+        <p:nvPicPr>
+          <p:cNvPr id="14" name="Picture 13">
+            <a:extLst>
+              <a:ext uri="{FF2B5EF4-FFF2-40B4-BE49-F238E27FC236}">
+                <a16:creationId xmlns:a16="http://schemas.microsoft.com/office/drawing/2014/main" id="{A209F4C8-5816-4CC9-928C-D307C9FBDDCB}"/>
+              </a:ext>
+            </a:extLst>
+          </p:cNvPr>
+          <p:cNvPicPr>
+            <a:picLocks noChangeAspect="1"/>
+          </p:cNvPicPr>
+          <p:nvPr/>
+        </p:nvPicPr>
+        <p:blipFill>
+          <a:blip r:embed="rId4"/>
+          <a:stretch>
+            <a:fillRect/>
+          </a:stretch>
+        </p:blipFill>
+        <p:spPr>
+          <a:xfrm>
+            <a:off x="5907405" y="3608605"/>
+            <a:ext cx="5931258" cy="1523108"/>
+          </a:xfrm>
+          <a:prstGeom prst="rect">
+            <a:avLst/>
+          </a:prstGeom>
+        </p:spPr>
+      </p:pic>
     </p:spTree>
     <p:extLst>
       <p:ext uri="{BB962C8B-B14F-4D97-AF65-F5344CB8AC3E}">
-        <p14:creationId xmlns:p14="http://schemas.microsoft.com/office/powerpoint/2010/main" val="2485560505"/>
+        <p14:creationId xmlns:p14="http://schemas.microsoft.com/office/powerpoint/2010/main" val="1686810322"/>
       </p:ext>
     </p:extLst>
   </p:cSld>
@@ -10021,20 +10952,15 @@
           <p:nvPr/>
         </p:nvPicPr>
         <p:blipFill>
-          <a:blip r:embed="rId2">
-            <a:extLst>
-              <a:ext uri="{28A0092B-C50C-407E-A947-70E740481C1C}">
-                <a14:useLocalDpi xmlns:a14="http://schemas.microsoft.com/office/drawing/2010/main" val="0"/>
-              </a:ext>
-            </a:extLst>
-          </a:blip>
-          <a:srcRect/>
-          <a:stretch/>
+          <a:blip r:embed="rId2"/>
+          <a:stretch>
+            <a:fillRect/>
+          </a:stretch>
         </p:blipFill>
         <p:spPr>
           <a:xfrm>
-            <a:off x="4722388" y="4099740"/>
-            <a:ext cx="2339543" cy="624356"/>
+            <a:off x="4722388" y="3703197"/>
+            <a:ext cx="2339543" cy="1417443"/>
           </a:xfrm>
           <a:prstGeom prst="rect">
             <a:avLst/>
@@ -10147,7 +11073,7 @@
                 </a:solidFill>
                 <a:latin typeface="Bahnschrift SemiLight" panose="020B0502040204020203" pitchFamily="34" charset="0"/>
               </a:rPr>
-              <a:t>Orders</a:t>
+              <a:t>Donations</a:t>
             </a:r>
             <a:endParaRPr lang="en-GB" sz="6600" dirty="0">
               <a:solidFill>
@@ -10215,15 +11141,15 @@
           </p:cNvPr>
           <p:cNvCxnSpPr>
             <a:cxnSpLocks/>
-            <a:stCxn id="19" idx="0"/>
+            <a:stCxn id="40" idx="0"/>
             <a:endCxn id="18" idx="2"/>
           </p:cNvCxnSpPr>
           <p:nvPr/>
         </p:nvCxnSpPr>
         <p:spPr>
           <a:xfrm flipH="1" flipV="1">
-            <a:off x="3666554" y="3104990"/>
-            <a:ext cx="1121415" cy="994749"/>
+            <a:off x="3946200" y="2797214"/>
+            <a:ext cx="1156628" cy="911687"/>
           </a:xfrm>
           <a:prstGeom prst="straightConnector1">
             <a:avLst/>
@@ -10264,8 +11190,8 @@
         </p:nvSpPr>
         <p:spPr>
           <a:xfrm>
-            <a:off x="2503641" y="2397104"/>
-            <a:ext cx="2325826" cy="707886"/>
+            <a:off x="3062933" y="2397104"/>
+            <a:ext cx="1766533" cy="400110"/>
           </a:xfrm>
           <a:prstGeom prst="rect">
             <a:avLst/>
@@ -10280,8 +11206,16 @@
           <a:p>
             <a:pPr algn="ctr"/>
             <a:r>
+              <a:rPr lang="pt-PT" sz="2000" dirty="0" err="1"/>
+              <a:t>Streamer</a:t>
+            </a:r>
+            <a:r>
               <a:rPr lang="pt-PT" sz="2000" dirty="0"/>
-              <a:t>Máximo de ordens por streamer</a:t>
+              <a:t> </a:t>
+            </a:r>
+            <a:r>
+              <a:rPr lang="pt-PT" sz="2000" dirty="0" err="1"/>
+              <a:t>Nick</a:t>
             </a:r>
             <a:endParaRPr lang="en-GB" sz="2000" dirty="0"/>
           </a:p>
@@ -10298,15 +11232,15 @@
           </p:cNvPr>
           <p:cNvCxnSpPr>
             <a:cxnSpLocks/>
-            <a:stCxn id="25" idx="0"/>
+            <a:stCxn id="43" idx="0"/>
             <a:endCxn id="24" idx="2"/>
           </p:cNvCxnSpPr>
           <p:nvPr/>
         </p:nvCxnSpPr>
         <p:spPr>
-          <a:xfrm flipH="1" flipV="1">
-            <a:off x="5655600" y="3032818"/>
-            <a:ext cx="177871" cy="1226281"/>
+          <a:xfrm flipV="1">
+            <a:off x="5787446" y="3032818"/>
+            <a:ext cx="128202" cy="686165"/>
           </a:xfrm>
           <a:prstGeom prst="straightConnector1">
             <a:avLst/>
@@ -10347,8 +11281,8 @@
         </p:nvSpPr>
         <p:spPr>
           <a:xfrm>
-            <a:off x="4971495" y="2324932"/>
-            <a:ext cx="1368209" cy="707886"/>
+            <a:off x="5235187" y="2324932"/>
+            <a:ext cx="1360922" cy="707886"/>
           </a:xfrm>
           <a:prstGeom prst="rect">
             <a:avLst/>
@@ -10363,14 +11297,18 @@
           <a:p>
             <a:pPr algn="ctr"/>
             <a:r>
+              <a:rPr lang="pt-PT" sz="2000" dirty="0" err="1"/>
+              <a:t>Amount</a:t>
+            </a:r>
+            <a:r>
               <a:rPr lang="pt-PT" sz="2000" dirty="0"/>
-              <a:t>Nome do </a:t>
-            </a:r>
-            <a:r>
-              <a:rPr lang="en-GB" sz="2000" dirty="0"/>
-              <a:t>viewer</a:t>
-            </a:r>
-            <a:endParaRPr lang="pt-PT" sz="2000" dirty="0"/>
+              <a:t> </a:t>
+            </a:r>
+            <a:r>
+              <a:rPr lang="pt-PT" sz="2000" dirty="0" err="1"/>
+              <a:t>donated</a:t>
+            </a:r>
+            <a:endParaRPr lang="en-GB" sz="2000" dirty="0"/>
           </a:p>
         </p:txBody>
       </p:sp>
@@ -10385,15 +11323,15 @@
           </p:cNvPr>
           <p:cNvCxnSpPr>
             <a:cxnSpLocks/>
-            <a:stCxn id="31" idx="0"/>
+            <a:stCxn id="45" idx="0"/>
             <a:endCxn id="28" idx="2"/>
           </p:cNvCxnSpPr>
           <p:nvPr/>
         </p:nvCxnSpPr>
         <p:spPr>
           <a:xfrm flipV="1">
-            <a:off x="6324463" y="3142443"/>
-            <a:ext cx="1318194" cy="1097925"/>
+            <a:off x="6161116" y="2803889"/>
+            <a:ext cx="1245489" cy="913890"/>
           </a:xfrm>
           <a:prstGeom prst="straightConnector1">
             <a:avLst/>
@@ -10435,7 +11373,7 @@
         <p:spPr>
           <a:xfrm>
             <a:off x="6776325" y="2434557"/>
-            <a:ext cx="1732664" cy="707886"/>
+            <a:ext cx="1260559" cy="369332"/>
           </a:xfrm>
           <a:prstGeom prst="rect">
             <a:avLst/>
@@ -10450,16 +11388,8 @@
           <a:p>
             <a:pPr algn="ctr"/>
             <a:r>
-              <a:rPr lang="en-GB" sz="2000" dirty="0" err="1"/>
-              <a:t>Quantidade</a:t>
-            </a:r>
-            <a:r>
-              <a:rPr lang="en-GB" sz="2000" dirty="0"/>
-              <a:t> </a:t>
-            </a:r>
-            <a:r>
-              <a:rPr lang="en-GB" sz="2000" dirty="0" err="1"/>
-              <a:t>comprada</a:t>
+              <a:rPr lang="pt-PT" dirty="0" err="1"/>
+              <a:t>Evaluation</a:t>
             </a:r>
             <a:endParaRPr lang="en-GB" sz="2000" dirty="0"/>
           </a:p>
@@ -10500,190 +11430,12 @@
           </a:prstGeom>
         </p:spPr>
       </p:pic>
-      <p:cxnSp>
-        <p:nvCxnSpPr>
-          <p:cNvPr id="21" name="Conexão reta unidirecional 22">
-            <a:extLst>
-              <a:ext uri="{FF2B5EF4-FFF2-40B4-BE49-F238E27FC236}">
-                <a16:creationId xmlns:a16="http://schemas.microsoft.com/office/drawing/2014/main" id="{B4D7D707-FF46-4962-ADE3-54ED346EDF87}"/>
-              </a:ext>
-            </a:extLst>
-          </p:cNvPr>
-          <p:cNvCxnSpPr>
-            <a:cxnSpLocks/>
-            <a:stCxn id="20" idx="2"/>
-            <a:endCxn id="22" idx="2"/>
-          </p:cNvCxnSpPr>
-          <p:nvPr/>
-        </p:nvCxnSpPr>
-        <p:spPr>
-          <a:xfrm flipH="1" flipV="1">
-            <a:off x="2640397" y="3812876"/>
-            <a:ext cx="1978110" cy="526327"/>
-          </a:xfrm>
-          <a:prstGeom prst="straightConnector1">
-            <a:avLst/>
-          </a:prstGeom>
-          <a:ln>
-            <a:solidFill>
-              <a:srgbClr val="8C2D19"/>
-            </a:solidFill>
-            <a:tailEnd type="triangle"/>
-          </a:ln>
-        </p:spPr>
-        <p:style>
-          <a:lnRef idx="3">
-            <a:schemeClr val="dk1"/>
-          </a:lnRef>
-          <a:fillRef idx="0">
-            <a:schemeClr val="dk1"/>
-          </a:fillRef>
-          <a:effectRef idx="2">
-            <a:schemeClr val="dk1"/>
-          </a:effectRef>
-          <a:fontRef idx="minor">
-            <a:schemeClr val="tx1"/>
-          </a:fontRef>
-        </p:style>
-      </p:cxnSp>
-      <p:sp>
-        <p:nvSpPr>
-          <p:cNvPr id="22" name="CaixaDeTexto 23">
-            <a:extLst>
-              <a:ext uri="{FF2B5EF4-FFF2-40B4-BE49-F238E27FC236}">
-                <a16:creationId xmlns:a16="http://schemas.microsoft.com/office/drawing/2014/main" id="{F2BAEB89-7383-416E-8DB2-042D906C6687}"/>
-              </a:ext>
-            </a:extLst>
-          </p:cNvPr>
-          <p:cNvSpPr txBox="1"/>
-          <p:nvPr/>
-        </p:nvSpPr>
-        <p:spPr>
-          <a:xfrm>
-            <a:off x="1956292" y="3104990"/>
-            <a:ext cx="1368209" cy="707886"/>
-          </a:xfrm>
-          <a:prstGeom prst="rect">
-            <a:avLst/>
-          </a:prstGeom>
-          <a:noFill/>
-        </p:spPr>
-        <p:txBody>
-          <a:bodyPr wrap="square" rtlCol="0">
-            <a:spAutoFit/>
-          </a:bodyPr>
-          <a:lstStyle/>
-          <a:p>
-            <a:pPr algn="ctr"/>
-            <a:r>
-              <a:rPr lang="pt-PT" sz="2000" dirty="0"/>
-              <a:t>Nome do </a:t>
-            </a:r>
-            <a:r>
-              <a:rPr lang="en-GB" sz="2000" dirty="0"/>
-              <a:t>streamer</a:t>
-            </a:r>
-            <a:endParaRPr lang="pt-PT" sz="2000" dirty="0"/>
-          </a:p>
-        </p:txBody>
-      </p:sp>
-      <p:cxnSp>
-        <p:nvCxnSpPr>
-          <p:cNvPr id="26" name="Conexão reta unidirecional 26">
-            <a:extLst>
-              <a:ext uri="{FF2B5EF4-FFF2-40B4-BE49-F238E27FC236}">
-                <a16:creationId xmlns:a16="http://schemas.microsoft.com/office/drawing/2014/main" id="{4F970484-B1DB-4781-8671-094455196B47}"/>
-              </a:ext>
-            </a:extLst>
-          </p:cNvPr>
-          <p:cNvCxnSpPr>
-            <a:cxnSpLocks/>
-            <a:stCxn id="32" idx="7"/>
-            <a:endCxn id="30" idx="1"/>
-          </p:cNvCxnSpPr>
-          <p:nvPr/>
-        </p:nvCxnSpPr>
-        <p:spPr>
-          <a:xfrm flipV="1">
-            <a:off x="6691746" y="3857942"/>
-            <a:ext cx="1043595" cy="434565"/>
-          </a:xfrm>
-          <a:prstGeom prst="straightConnector1">
-            <a:avLst/>
-          </a:prstGeom>
-          <a:ln>
-            <a:solidFill>
-              <a:srgbClr val="8C2D19"/>
-            </a:solidFill>
-            <a:tailEnd type="triangle"/>
-          </a:ln>
-        </p:spPr>
-        <p:style>
-          <a:lnRef idx="3">
-            <a:schemeClr val="dk1"/>
-          </a:lnRef>
-          <a:fillRef idx="0">
-            <a:schemeClr val="dk1"/>
-          </a:fillRef>
-          <a:effectRef idx="2">
-            <a:schemeClr val="dk1"/>
-          </a:effectRef>
-          <a:fontRef idx="minor">
-            <a:schemeClr val="tx1"/>
-          </a:fontRef>
-        </p:style>
-      </p:cxnSp>
-      <p:sp>
-        <p:nvSpPr>
-          <p:cNvPr id="30" name="CaixaDeTexto 27">
-            <a:extLst>
-              <a:ext uri="{FF2B5EF4-FFF2-40B4-BE49-F238E27FC236}">
-                <a16:creationId xmlns:a16="http://schemas.microsoft.com/office/drawing/2014/main" id="{9648D665-33F2-44AC-B477-82A307357F5F}"/>
-              </a:ext>
-            </a:extLst>
-          </p:cNvPr>
-          <p:cNvSpPr txBox="1"/>
-          <p:nvPr/>
-        </p:nvSpPr>
-        <p:spPr>
-          <a:xfrm>
-            <a:off x="7735341" y="3503999"/>
-            <a:ext cx="2038416" cy="707886"/>
-          </a:xfrm>
-          <a:prstGeom prst="rect">
-            <a:avLst/>
-          </a:prstGeom>
-          <a:noFill/>
-        </p:spPr>
-        <p:txBody>
-          <a:bodyPr wrap="square" rtlCol="0">
-            <a:spAutoFit/>
-          </a:bodyPr>
-          <a:lstStyle/>
-          <a:p>
-            <a:pPr algn="ctr"/>
-            <a:r>
-              <a:rPr lang="en-GB" sz="2000" dirty="0" err="1"/>
-              <a:t>Disponibilidade</a:t>
-            </a:r>
-            <a:r>
-              <a:rPr lang="en-GB" sz="2000" dirty="0"/>
-              <a:t> de </a:t>
-            </a:r>
-            <a:r>
-              <a:rPr lang="en-GB" sz="2000" dirty="0" err="1"/>
-              <a:t>compra</a:t>
-            </a:r>
-            <a:endParaRPr lang="en-GB" sz="2000" dirty="0"/>
-          </a:p>
-        </p:txBody>
-      </p:sp>
-      <p:sp>
-        <p:nvSpPr>
-          <p:cNvPr id="19" name="Oval 18">
-            <a:extLst>
-              <a:ext uri="{FF2B5EF4-FFF2-40B4-BE49-F238E27FC236}">
-                <a16:creationId xmlns:a16="http://schemas.microsoft.com/office/drawing/2014/main" id="{8E82B84A-90DD-40FB-8AC3-D787CEF2CEC8}"/>
+      <p:sp>
+        <p:nvSpPr>
+          <p:cNvPr id="40" name="Oval 39">
+            <a:extLst>
+              <a:ext uri="{FF2B5EF4-FFF2-40B4-BE49-F238E27FC236}">
+                <a16:creationId xmlns:a16="http://schemas.microsoft.com/office/drawing/2014/main" id="{E62720A1-26B0-4461-9330-94DA2094A67F}"/>
               </a:ext>
             </a:extLst>
           </p:cNvPr>
@@ -10692,8 +11444,8 @@
         </p:nvSpPr>
         <p:spPr>
           <a:xfrm>
-            <a:off x="4692956" y="4099739"/>
-            <a:ext cx="190026" cy="191292"/>
+            <a:off x="4704243" y="3708901"/>
+            <a:ext cx="797169" cy="180425"/>
           </a:xfrm>
           <a:prstGeom prst="ellipse">
             <a:avLst/>
@@ -10734,10 +11486,10 @@
       </p:sp>
       <p:sp>
         <p:nvSpPr>
-          <p:cNvPr id="20" name="Oval 19">
-            <a:extLst>
-              <a:ext uri="{FF2B5EF4-FFF2-40B4-BE49-F238E27FC236}">
-                <a16:creationId xmlns:a16="http://schemas.microsoft.com/office/drawing/2014/main" id="{121739CC-D0E9-4C85-B09C-0D94360D8FEF}"/>
+          <p:cNvPr id="43" name="Oval 42">
+            <a:extLst>
+              <a:ext uri="{FF2B5EF4-FFF2-40B4-BE49-F238E27FC236}">
+                <a16:creationId xmlns:a16="http://schemas.microsoft.com/office/drawing/2014/main" id="{B09F585C-2F70-42E6-88F7-345C3549CB9C}"/>
               </a:ext>
             </a:extLst>
           </p:cNvPr>
@@ -10746,8 +11498,8 @@
         </p:nvSpPr>
         <p:spPr>
           <a:xfrm>
-            <a:off x="4618507" y="4248990"/>
-            <a:ext cx="797169" cy="180425"/>
+            <a:off x="5650580" y="3718983"/>
+            <a:ext cx="273732" cy="180427"/>
           </a:xfrm>
           <a:prstGeom prst="ellipse">
             <a:avLst/>
@@ -10788,10 +11540,10 @@
       </p:sp>
       <p:sp>
         <p:nvSpPr>
-          <p:cNvPr id="25" name="Oval 24">
-            <a:extLst>
-              <a:ext uri="{FF2B5EF4-FFF2-40B4-BE49-F238E27FC236}">
-                <a16:creationId xmlns:a16="http://schemas.microsoft.com/office/drawing/2014/main" id="{76AABEA6-AF0F-42C7-8A7A-31CB3C4E4891}"/>
+          <p:cNvPr id="45" name="Oval 44">
+            <a:extLst>
+              <a:ext uri="{FF2B5EF4-FFF2-40B4-BE49-F238E27FC236}">
+                <a16:creationId xmlns:a16="http://schemas.microsoft.com/office/drawing/2014/main" id="{1945EDD6-3EFD-4F04-AEDD-D72ED1C8E57C}"/>
               </a:ext>
             </a:extLst>
           </p:cNvPr>
@@ -10800,8 +11552,8 @@
         </p:nvSpPr>
         <p:spPr>
           <a:xfrm>
-            <a:off x="5502440" y="4259099"/>
-            <a:ext cx="662061" cy="176828"/>
+            <a:off x="6082358" y="3717779"/>
+            <a:ext cx="157516" cy="180425"/>
           </a:xfrm>
           <a:prstGeom prst="ellipse">
             <a:avLst/>
@@ -10840,118 +11592,10 @@
           </a:p>
         </p:txBody>
       </p:sp>
-      <p:sp>
-        <p:nvSpPr>
-          <p:cNvPr id="31" name="Oval 30">
-            <a:extLst>
-              <a:ext uri="{FF2B5EF4-FFF2-40B4-BE49-F238E27FC236}">
-                <a16:creationId xmlns:a16="http://schemas.microsoft.com/office/drawing/2014/main" id="{0215B8AF-C946-44E1-B6E0-B1EE9D547446}"/>
-              </a:ext>
-            </a:extLst>
-          </p:cNvPr>
-          <p:cNvSpPr/>
-          <p:nvPr/>
-        </p:nvSpPr>
-        <p:spPr>
-          <a:xfrm>
-            <a:off x="6231779" y="4240368"/>
-            <a:ext cx="185368" cy="214289"/>
-          </a:xfrm>
-          <a:prstGeom prst="ellipse">
-            <a:avLst/>
-          </a:prstGeom>
-          <a:noFill/>
-          <a:ln w="9525" cap="flat" cmpd="sng" algn="ctr">
-            <a:solidFill>
-              <a:srgbClr val="8C2D19"/>
-            </a:solidFill>
-            <a:prstDash val="solid"/>
-            <a:round/>
-            <a:headEnd type="none" w="med" len="med"/>
-            <a:tailEnd type="none" w="med" len="med"/>
-          </a:ln>
-        </p:spPr>
-        <p:style>
-          <a:lnRef idx="0">
-            <a:scrgbClr r="0" g="0" b="0"/>
-          </a:lnRef>
-          <a:fillRef idx="0">
-            <a:scrgbClr r="0" g="0" b="0"/>
-          </a:fillRef>
-          <a:effectRef idx="0">
-            <a:scrgbClr r="0" g="0" b="0"/>
-          </a:effectRef>
-          <a:fontRef idx="minor">
-            <a:schemeClr val="dk1"/>
-          </a:fontRef>
-        </p:style>
-        <p:txBody>
-          <a:bodyPr rtlCol="0" anchor="ctr"/>
-          <a:lstStyle/>
-          <a:p>
-            <a:pPr algn="ctr"/>
-            <a:endParaRPr lang="en-GB"/>
-          </a:p>
-        </p:txBody>
-      </p:sp>
-      <p:sp>
-        <p:nvSpPr>
-          <p:cNvPr id="32" name="Oval 31">
-            <a:extLst>
-              <a:ext uri="{FF2B5EF4-FFF2-40B4-BE49-F238E27FC236}">
-                <a16:creationId xmlns:a16="http://schemas.microsoft.com/office/drawing/2014/main" id="{5BC33D09-B4BD-4B57-AE33-48DA9AA78D39}"/>
-              </a:ext>
-            </a:extLst>
-          </p:cNvPr>
-          <p:cNvSpPr/>
-          <p:nvPr/>
-        </p:nvSpPr>
-        <p:spPr>
-          <a:xfrm>
-            <a:off x="6509754" y="4264687"/>
-            <a:ext cx="213217" cy="189970"/>
-          </a:xfrm>
-          <a:prstGeom prst="ellipse">
-            <a:avLst/>
-          </a:prstGeom>
-          <a:noFill/>
-          <a:ln w="9525" cap="flat" cmpd="sng" algn="ctr">
-            <a:solidFill>
-              <a:srgbClr val="8C2D19"/>
-            </a:solidFill>
-            <a:prstDash val="solid"/>
-            <a:round/>
-            <a:headEnd type="none" w="med" len="med"/>
-            <a:tailEnd type="none" w="med" len="med"/>
-          </a:ln>
-        </p:spPr>
-        <p:style>
-          <a:lnRef idx="0">
-            <a:scrgbClr r="0" g="0" b="0"/>
-          </a:lnRef>
-          <a:fillRef idx="0">
-            <a:scrgbClr r="0" g="0" b="0"/>
-          </a:fillRef>
-          <a:effectRef idx="0">
-            <a:scrgbClr r="0" g="0" b="0"/>
-          </a:effectRef>
-          <a:fontRef idx="minor">
-            <a:schemeClr val="dk1"/>
-          </a:fontRef>
-        </p:style>
-        <p:txBody>
-          <a:bodyPr rtlCol="0" anchor="ctr"/>
-          <a:lstStyle/>
-          <a:p>
-            <a:pPr algn="ctr"/>
-            <a:endParaRPr lang="en-GB"/>
-          </a:p>
-        </p:txBody>
-      </p:sp>
     </p:spTree>
     <p:extLst>
       <p:ext uri="{BB962C8B-B14F-4D97-AF65-F5344CB8AC3E}">
-        <p14:creationId xmlns:p14="http://schemas.microsoft.com/office/powerpoint/2010/main" val="625000950"/>
+        <p14:creationId xmlns:p14="http://schemas.microsoft.com/office/powerpoint/2010/main" val="2485560505"/>
       </p:ext>
     </p:extLst>
   </p:cSld>
@@ -10978,12 +11622,104 @@
           <a:chExt cx="0" cy="0"/>
         </a:xfrm>
       </p:grpSpPr>
-      <p:sp>
-        <p:nvSpPr>
-          <p:cNvPr id="2" name="Título 1">
-            <a:extLst>
-              <a:ext uri="{FF2B5EF4-FFF2-40B4-BE49-F238E27FC236}">
-                <a16:creationId xmlns:a16="http://schemas.microsoft.com/office/drawing/2014/main" id="{E5F50155-6736-4DD4-81CA-AAC2F3DC7F40}"/>
+      <p:pic>
+        <p:nvPicPr>
+          <p:cNvPr id="3" name="Imagem 2">
+            <a:extLst>
+              <a:ext uri="{FF2B5EF4-FFF2-40B4-BE49-F238E27FC236}">
+                <a16:creationId xmlns:a16="http://schemas.microsoft.com/office/drawing/2014/main" id="{DD83F974-8F8D-4C83-94F4-34037815363D}"/>
+              </a:ext>
+            </a:extLst>
+          </p:cNvPr>
+          <p:cNvPicPr>
+            <a:picLocks noChangeAspect="1"/>
+          </p:cNvPicPr>
+          <p:nvPr/>
+        </p:nvPicPr>
+        <p:blipFill>
+          <a:blip r:embed="rId2">
+            <a:extLst>
+              <a:ext uri="{28A0092B-C50C-407E-A947-70E740481C1C}">
+                <a14:useLocalDpi xmlns:a14="http://schemas.microsoft.com/office/drawing/2010/main" val="0"/>
+              </a:ext>
+            </a:extLst>
+          </a:blip>
+          <a:srcRect/>
+          <a:stretch/>
+        </p:blipFill>
+        <p:spPr>
+          <a:xfrm>
+            <a:off x="4722388" y="4099740"/>
+            <a:ext cx="2339543" cy="624356"/>
+          </a:xfrm>
+          <a:prstGeom prst="rect">
+            <a:avLst/>
+          </a:prstGeom>
+        </p:spPr>
+      </p:pic>
+      <p:sp>
+        <p:nvSpPr>
+          <p:cNvPr id="4" name="Marcador de Posição do Rodapé 3">
+            <a:extLst>
+              <a:ext uri="{FF2B5EF4-FFF2-40B4-BE49-F238E27FC236}">
+                <a16:creationId xmlns:a16="http://schemas.microsoft.com/office/drawing/2014/main" id="{CD041F31-1926-4481-9649-5381C4152000}"/>
+              </a:ext>
+            </a:extLst>
+          </p:cNvPr>
+          <p:cNvSpPr>
+            <a:spLocks noGrp="1"/>
+          </p:cNvSpPr>
+          <p:nvPr>
+            <p:ph type="ftr" sz="quarter" idx="11"/>
+          </p:nvPr>
+        </p:nvSpPr>
+        <p:spPr/>
+        <p:txBody>
+          <a:bodyPr/>
+          <a:lstStyle/>
+          <a:p>
+            <a:r>
+              <a:rPr lang="en-GB" sz="2400" b="1" dirty="0"/>
+              <a:t>2MIEIC04_G1</a:t>
+            </a:r>
+          </a:p>
+        </p:txBody>
+      </p:sp>
+      <p:sp>
+        <p:nvSpPr>
+          <p:cNvPr id="5" name="Marcador de Posição do Número do Diapositivo 4">
+            <a:extLst>
+              <a:ext uri="{FF2B5EF4-FFF2-40B4-BE49-F238E27FC236}">
+                <a16:creationId xmlns:a16="http://schemas.microsoft.com/office/drawing/2014/main" id="{8B9BD288-16AA-4430-99EE-EC8CA98C718B}"/>
+              </a:ext>
+            </a:extLst>
+          </p:cNvPr>
+          <p:cNvSpPr>
+            <a:spLocks noGrp="1"/>
+          </p:cNvSpPr>
+          <p:nvPr>
+            <p:ph type="sldNum" sz="quarter" idx="12"/>
+          </p:nvPr>
+        </p:nvSpPr>
+        <p:spPr/>
+        <p:txBody>
+          <a:bodyPr/>
+          <a:lstStyle/>
+          <a:p>
+            <a:fld id="{75DB3F52-068C-4339-9FA6-06F9AAEB3337}" type="slidenum">
+              <a:rPr lang="en-GB" sz="2400" smtClean="0"/>
+              <a:t>7</a:t>
+            </a:fld>
+            <a:endParaRPr lang="en-GB" sz="2400" dirty="0"/>
+          </a:p>
+        </p:txBody>
+      </p:sp>
+      <p:sp>
+        <p:nvSpPr>
+          <p:cNvPr id="7" name="Título 1">
+            <a:extLst>
+              <a:ext uri="{FF2B5EF4-FFF2-40B4-BE49-F238E27FC236}">
+                <a16:creationId xmlns:a16="http://schemas.microsoft.com/office/drawing/2014/main" id="{5F639702-E15B-442E-B6E8-202B80E9D05D}"/>
               </a:ext>
             </a:extLst>
           </p:cNvPr>
@@ -10994,12 +11730,29 @@
             <p:ph type="title"/>
           </p:nvPr>
         </p:nvSpPr>
-        <p:spPr/>
+        <p:spPr>
+          <a:xfrm>
+            <a:off x="1097280" y="286603"/>
+            <a:ext cx="10058400" cy="1450757"/>
+          </a:xfrm>
+        </p:spPr>
         <p:txBody>
           <a:bodyPr/>
           <a:lstStyle/>
           <a:p>
             <a:pPr algn="ctr"/>
+            <a:r>
+              <a:rPr lang="pt-PT" sz="6600" dirty="0">
+                <a:solidFill>
+                  <a:schemeClr val="tx1">
+                    <a:lumMod val="85000"/>
+                    <a:lumOff val="15000"/>
+                  </a:schemeClr>
+                </a:solidFill>
+                <a:latin typeface="Bahnschrift SemiLight" panose="020B0502040204020203" pitchFamily="34" charset="0"/>
+              </a:rPr>
+              <a:t>Ficheiros - </a:t>
+            </a:r>
             <a:r>
               <a:rPr lang="pt-PT" sz="6600" dirty="0" err="1">
                 <a:solidFill>
@@ -11010,7 +11763,7 @@
                 </a:solidFill>
                 <a:latin typeface="Bahnschrift SemiLight" panose="020B0502040204020203" pitchFamily="34" charset="0"/>
               </a:rPr>
-              <a:t>Excepções</a:t>
+              <a:t>Orders</a:t>
             </a:r>
             <a:endParaRPr lang="en-GB" sz="6600" dirty="0">
               <a:solidFill>
@@ -11026,10 +11779,10 @@
       </p:sp>
       <p:cxnSp>
         <p:nvCxnSpPr>
-          <p:cNvPr id="5" name="Conexão reta 4">
-            <a:extLst>
-              <a:ext uri="{FF2B5EF4-FFF2-40B4-BE49-F238E27FC236}">
-                <a16:creationId xmlns:a16="http://schemas.microsoft.com/office/drawing/2014/main" id="{B58EAD8D-3885-47BC-929A-D0E531F5DFA6}"/>
+          <p:cNvPr id="29" name="Conexão reta 28">
+            <a:extLst>
+              <a:ext uri="{FF2B5EF4-FFF2-40B4-BE49-F238E27FC236}">
+                <a16:creationId xmlns:a16="http://schemas.microsoft.com/office/drawing/2014/main" id="{B89E7E41-9D92-43B4-AFD2-992CDB723359}"/>
               </a:ext>
             </a:extLst>
           </p:cNvPr>
@@ -11067,12 +11820,58 @@
           </a:fontRef>
         </p:style>
       </p:cxnSp>
-      <p:sp>
-        <p:nvSpPr>
-          <p:cNvPr id="9" name="CaixaDeTexto 8">
-            <a:extLst>
-              <a:ext uri="{FF2B5EF4-FFF2-40B4-BE49-F238E27FC236}">
-                <a16:creationId xmlns:a16="http://schemas.microsoft.com/office/drawing/2014/main" id="{09A43886-A11B-4642-8430-534BA39D9336}"/>
+      <p:cxnSp>
+        <p:nvCxnSpPr>
+          <p:cNvPr id="17" name="Conexão reta unidirecional 16">
+            <a:extLst>
+              <a:ext uri="{FF2B5EF4-FFF2-40B4-BE49-F238E27FC236}">
+                <a16:creationId xmlns:a16="http://schemas.microsoft.com/office/drawing/2014/main" id="{A591EA11-DC21-435D-9FB0-2D4DFAB26801}"/>
+              </a:ext>
+            </a:extLst>
+          </p:cNvPr>
+          <p:cNvCxnSpPr>
+            <a:cxnSpLocks/>
+            <a:stCxn id="19" idx="0"/>
+            <a:endCxn id="18" idx="2"/>
+          </p:cNvCxnSpPr>
+          <p:nvPr/>
+        </p:nvCxnSpPr>
+        <p:spPr>
+          <a:xfrm flipH="1" flipV="1">
+            <a:off x="3666554" y="3104990"/>
+            <a:ext cx="1121415" cy="994749"/>
+          </a:xfrm>
+          <a:prstGeom prst="straightConnector1">
+            <a:avLst/>
+          </a:prstGeom>
+          <a:ln>
+            <a:solidFill>
+              <a:srgbClr val="8C2D19"/>
+            </a:solidFill>
+            <a:tailEnd type="triangle"/>
+          </a:ln>
+        </p:spPr>
+        <p:style>
+          <a:lnRef idx="3">
+            <a:schemeClr val="dk1"/>
+          </a:lnRef>
+          <a:fillRef idx="0">
+            <a:schemeClr val="dk1"/>
+          </a:fillRef>
+          <a:effectRef idx="2">
+            <a:schemeClr val="dk1"/>
+          </a:effectRef>
+          <a:fontRef idx="minor">
+            <a:schemeClr val="tx1"/>
+          </a:fontRef>
+        </p:style>
+      </p:cxnSp>
+      <p:sp>
+        <p:nvSpPr>
+          <p:cNvPr id="18" name="CaixaDeTexto 17">
+            <a:extLst>
+              <a:ext uri="{FF2B5EF4-FFF2-40B4-BE49-F238E27FC236}">
+                <a16:creationId xmlns:a16="http://schemas.microsoft.com/office/drawing/2014/main" id="{8972E605-3342-422C-9D2E-3BB60D6F8C14}"/>
               </a:ext>
             </a:extLst>
           </p:cNvPr>
@@ -11081,8 +11880,8 @@
         </p:nvSpPr>
         <p:spPr>
           <a:xfrm>
-            <a:off x="6752083" y="2126282"/>
-            <a:ext cx="911121" cy="461665"/>
+            <a:off x="2503641" y="2397104"/>
+            <a:ext cx="2325826" cy="707886"/>
           </a:xfrm>
           <a:prstGeom prst="rect">
             <a:avLst/>
@@ -11095,28 +11894,67 @@
           </a:bodyPr>
           <a:lstStyle/>
           <a:p>
-            <a:r>
-              <a:rPr lang="pt-PT" sz="2400" dirty="0" err="1">
-                <a:solidFill>
-                  <a:srgbClr val="FF0000"/>
-                </a:solidFill>
-              </a:rPr>
-              <a:t>Users</a:t>
-            </a:r>
-            <a:endParaRPr lang="en-GB" sz="2400" dirty="0">
-              <a:solidFill>
-                <a:srgbClr val="FF0000"/>
-              </a:solidFill>
-            </a:endParaRPr>
-          </a:p>
-        </p:txBody>
-      </p:sp>
-      <p:sp>
-        <p:nvSpPr>
-          <p:cNvPr id="11" name="CaixaDeTexto 10">
-            <a:extLst>
-              <a:ext uri="{FF2B5EF4-FFF2-40B4-BE49-F238E27FC236}">
-                <a16:creationId xmlns:a16="http://schemas.microsoft.com/office/drawing/2014/main" id="{8F037062-52B7-45AA-88D9-AE35C37EE999}"/>
+            <a:pPr algn="ctr"/>
+            <a:r>
+              <a:rPr lang="pt-PT" sz="2000" dirty="0"/>
+              <a:t>Máximo de ordens por streamer</a:t>
+            </a:r>
+            <a:endParaRPr lang="en-GB" sz="2000" dirty="0"/>
+          </a:p>
+        </p:txBody>
+      </p:sp>
+      <p:cxnSp>
+        <p:nvCxnSpPr>
+          <p:cNvPr id="23" name="Conexão reta unidirecional 22">
+            <a:extLst>
+              <a:ext uri="{FF2B5EF4-FFF2-40B4-BE49-F238E27FC236}">
+                <a16:creationId xmlns:a16="http://schemas.microsoft.com/office/drawing/2014/main" id="{3DC22C5C-7665-4461-91B1-E9AB07F69010}"/>
+              </a:ext>
+            </a:extLst>
+          </p:cNvPr>
+          <p:cNvCxnSpPr>
+            <a:cxnSpLocks/>
+            <a:stCxn id="25" idx="0"/>
+            <a:endCxn id="24" idx="2"/>
+          </p:cNvCxnSpPr>
+          <p:nvPr/>
+        </p:nvCxnSpPr>
+        <p:spPr>
+          <a:xfrm flipH="1" flipV="1">
+            <a:off x="5655600" y="3032818"/>
+            <a:ext cx="177871" cy="1226281"/>
+          </a:xfrm>
+          <a:prstGeom prst="straightConnector1">
+            <a:avLst/>
+          </a:prstGeom>
+          <a:ln>
+            <a:solidFill>
+              <a:srgbClr val="8C2D19"/>
+            </a:solidFill>
+            <a:tailEnd type="triangle"/>
+          </a:ln>
+        </p:spPr>
+        <p:style>
+          <a:lnRef idx="3">
+            <a:schemeClr val="dk1"/>
+          </a:lnRef>
+          <a:fillRef idx="0">
+            <a:schemeClr val="dk1"/>
+          </a:fillRef>
+          <a:effectRef idx="2">
+            <a:schemeClr val="dk1"/>
+          </a:effectRef>
+          <a:fontRef idx="minor">
+            <a:schemeClr val="tx1"/>
+          </a:fontRef>
+        </p:style>
+      </p:cxnSp>
+      <p:sp>
+        <p:nvSpPr>
+          <p:cNvPr id="24" name="CaixaDeTexto 23">
+            <a:extLst>
+              <a:ext uri="{FF2B5EF4-FFF2-40B4-BE49-F238E27FC236}">
+                <a16:creationId xmlns:a16="http://schemas.microsoft.com/office/drawing/2014/main" id="{0145D52C-E4D4-4B4E-8256-9ADC9CE4947C}"/>
               </a:ext>
             </a:extLst>
           </p:cNvPr>
@@ -11125,8 +11963,8 @@
         </p:nvSpPr>
         <p:spPr>
           <a:xfrm>
-            <a:off x="9863528" y="2132416"/>
-            <a:ext cx="1222316" cy="461665"/>
+            <a:off x="4971495" y="2324932"/>
+            <a:ext cx="1368209" cy="707886"/>
           </a:xfrm>
           <a:prstGeom prst="rect">
             <a:avLst/>
@@ -11139,28 +11977,71 @@
           </a:bodyPr>
           <a:lstStyle/>
           <a:p>
-            <a:r>
-              <a:rPr lang="pt-PT" sz="2400" dirty="0" err="1">
-                <a:solidFill>
-                  <a:srgbClr val="FF0000"/>
-                </a:solidFill>
-              </a:rPr>
-              <a:t>Streams</a:t>
-            </a:r>
-            <a:endParaRPr lang="en-GB" sz="2400" dirty="0">
-              <a:solidFill>
-                <a:srgbClr val="FF0000"/>
-              </a:solidFill>
-            </a:endParaRPr>
-          </a:p>
-        </p:txBody>
-      </p:sp>
-      <p:sp>
-        <p:nvSpPr>
-          <p:cNvPr id="15" name="CaixaDeTexto 14">
-            <a:extLst>
-              <a:ext uri="{FF2B5EF4-FFF2-40B4-BE49-F238E27FC236}">
-                <a16:creationId xmlns:a16="http://schemas.microsoft.com/office/drawing/2014/main" id="{55E6260D-0BC2-455E-86DA-B59F03493E91}"/>
+            <a:pPr algn="ctr"/>
+            <a:r>
+              <a:rPr lang="pt-PT" sz="2000" dirty="0"/>
+              <a:t>Nome do </a:t>
+            </a:r>
+            <a:r>
+              <a:rPr lang="en-GB" sz="2000" dirty="0"/>
+              <a:t>viewer</a:t>
+            </a:r>
+            <a:endParaRPr lang="pt-PT" sz="2000" dirty="0"/>
+          </a:p>
+        </p:txBody>
+      </p:sp>
+      <p:cxnSp>
+        <p:nvCxnSpPr>
+          <p:cNvPr id="27" name="Conexão reta unidirecional 26">
+            <a:extLst>
+              <a:ext uri="{FF2B5EF4-FFF2-40B4-BE49-F238E27FC236}">
+                <a16:creationId xmlns:a16="http://schemas.microsoft.com/office/drawing/2014/main" id="{9588C264-BC63-4960-BC57-E4A755C943D7}"/>
+              </a:ext>
+            </a:extLst>
+          </p:cNvPr>
+          <p:cNvCxnSpPr>
+            <a:cxnSpLocks/>
+            <a:stCxn id="31" idx="0"/>
+            <a:endCxn id="28" idx="2"/>
+          </p:cNvCxnSpPr>
+          <p:nvPr/>
+        </p:nvCxnSpPr>
+        <p:spPr>
+          <a:xfrm flipV="1">
+            <a:off x="6324463" y="3142443"/>
+            <a:ext cx="1318194" cy="1097925"/>
+          </a:xfrm>
+          <a:prstGeom prst="straightConnector1">
+            <a:avLst/>
+          </a:prstGeom>
+          <a:ln>
+            <a:solidFill>
+              <a:srgbClr val="8C2D19"/>
+            </a:solidFill>
+            <a:tailEnd type="triangle"/>
+          </a:ln>
+        </p:spPr>
+        <p:style>
+          <a:lnRef idx="3">
+            <a:schemeClr val="dk1"/>
+          </a:lnRef>
+          <a:fillRef idx="0">
+            <a:schemeClr val="dk1"/>
+          </a:fillRef>
+          <a:effectRef idx="2">
+            <a:schemeClr val="dk1"/>
+          </a:effectRef>
+          <a:fontRef idx="minor">
+            <a:schemeClr val="tx1"/>
+          </a:fontRef>
+        </p:style>
+      </p:cxnSp>
+      <p:sp>
+        <p:nvSpPr>
+          <p:cNvPr id="28" name="CaixaDeTexto 27">
+            <a:extLst>
+              <a:ext uri="{FF2B5EF4-FFF2-40B4-BE49-F238E27FC236}">
+                <a16:creationId xmlns:a16="http://schemas.microsoft.com/office/drawing/2014/main" id="{E7B6A703-1309-402E-AA62-C4EED545794C}"/>
               </a:ext>
             </a:extLst>
           </p:cNvPr>
@@ -11169,8 +12050,8 @@
         </p:nvSpPr>
         <p:spPr>
           <a:xfrm>
-            <a:off x="1427674" y="2132416"/>
-            <a:ext cx="1030808" cy="461665"/>
+            <a:off x="6776325" y="2434557"/>
+            <a:ext cx="1732664" cy="707886"/>
           </a:xfrm>
           <a:prstGeom prst="rect">
             <a:avLst/>
@@ -11183,745 +12064,29 @@
           </a:bodyPr>
           <a:lstStyle/>
           <a:p>
-            <a:r>
-              <a:rPr lang="pt-PT" sz="2400" dirty="0">
-                <a:solidFill>
-                  <a:srgbClr val="FF0000"/>
-                </a:solidFill>
-              </a:rPr>
-              <a:t>Global</a:t>
-            </a:r>
-            <a:endParaRPr lang="en-GB" sz="2400" dirty="0">
-              <a:solidFill>
-                <a:srgbClr val="FF0000"/>
-              </a:solidFill>
-            </a:endParaRPr>
-          </a:p>
-        </p:txBody>
-      </p:sp>
-      <p:sp>
-        <p:nvSpPr>
-          <p:cNvPr id="23" name="CaixaDeTexto 22">
-            <a:extLst>
-              <a:ext uri="{FF2B5EF4-FFF2-40B4-BE49-F238E27FC236}">
-                <a16:creationId xmlns:a16="http://schemas.microsoft.com/office/drawing/2014/main" id="{2977D07C-75D5-45C7-BAD9-147122E87D1D}"/>
-              </a:ext>
-            </a:extLst>
-          </p:cNvPr>
-          <p:cNvSpPr txBox="1"/>
-          <p:nvPr/>
-        </p:nvSpPr>
-        <p:spPr>
-          <a:xfrm>
-            <a:off x="4446821" y="2160849"/>
-            <a:ext cx="784786" cy="461665"/>
-          </a:xfrm>
-          <a:prstGeom prst="rect">
-            <a:avLst/>
-          </a:prstGeom>
-          <a:noFill/>
-        </p:spPr>
-        <p:txBody>
-          <a:bodyPr wrap="square" rtlCol="0">
-            <a:spAutoFit/>
-          </a:bodyPr>
-          <a:lstStyle/>
-          <a:p>
-            <a:r>
-              <a:rPr lang="pt-PT" sz="2400" dirty="0">
-                <a:solidFill>
-                  <a:srgbClr val="FF0000"/>
-                </a:solidFill>
-              </a:rPr>
-              <a:t>Date</a:t>
-            </a:r>
-            <a:endParaRPr lang="en-GB" sz="2400" dirty="0">
-              <a:solidFill>
-                <a:srgbClr val="FF0000"/>
-              </a:solidFill>
-            </a:endParaRPr>
-          </a:p>
-        </p:txBody>
-      </p:sp>
-      <p:sp>
-        <p:nvSpPr>
-          <p:cNvPr id="25" name="CaixaDeTexto 24">
-            <a:extLst>
-              <a:ext uri="{FF2B5EF4-FFF2-40B4-BE49-F238E27FC236}">
-                <a16:creationId xmlns:a16="http://schemas.microsoft.com/office/drawing/2014/main" id="{1A06179C-D5BD-4E82-A664-8CB57351DC9A}"/>
-              </a:ext>
-            </a:extLst>
-          </p:cNvPr>
-          <p:cNvSpPr txBox="1"/>
-          <p:nvPr/>
-        </p:nvSpPr>
-        <p:spPr>
-          <a:xfrm>
-            <a:off x="4004216" y="2597779"/>
-            <a:ext cx="1672553" cy="369332"/>
-          </a:xfrm>
-          <a:prstGeom prst="rect">
-            <a:avLst/>
-          </a:prstGeom>
-          <a:noFill/>
-        </p:spPr>
-        <p:txBody>
-          <a:bodyPr wrap="square" rtlCol="0">
-            <a:spAutoFit/>
-          </a:bodyPr>
-          <a:lstStyle/>
-          <a:p>
-            <a:r>
-              <a:rPr lang="pt-PT" dirty="0" err="1">
-                <a:solidFill>
-                  <a:srgbClr val="FF0000"/>
-                </a:solidFill>
-              </a:rPr>
-              <a:t>BadDateFormat</a:t>
-            </a:r>
-            <a:endParaRPr lang="en-GB" dirty="0">
-              <a:solidFill>
-                <a:srgbClr val="FF0000"/>
-              </a:solidFill>
-            </a:endParaRPr>
-          </a:p>
-        </p:txBody>
-      </p:sp>
-      <p:sp>
-        <p:nvSpPr>
-          <p:cNvPr id="29" name="CaixaDeTexto 28">
-            <a:extLst>
-              <a:ext uri="{FF2B5EF4-FFF2-40B4-BE49-F238E27FC236}">
-                <a16:creationId xmlns:a16="http://schemas.microsoft.com/office/drawing/2014/main" id="{CE94DF33-642F-4396-A189-A5BCCA43225A}"/>
-              </a:ext>
-            </a:extLst>
-          </p:cNvPr>
-          <p:cNvSpPr txBox="1"/>
-          <p:nvPr/>
-        </p:nvSpPr>
-        <p:spPr>
-          <a:xfrm>
-            <a:off x="4004215" y="2967111"/>
-            <a:ext cx="1672553" cy="369332"/>
-          </a:xfrm>
-          <a:prstGeom prst="rect">
-            <a:avLst/>
-          </a:prstGeom>
-          <a:noFill/>
-        </p:spPr>
-        <p:txBody>
-          <a:bodyPr wrap="square" rtlCol="0">
-            <a:spAutoFit/>
-          </a:bodyPr>
-          <a:lstStyle/>
-          <a:p>
-            <a:r>
-              <a:rPr lang="pt-PT" dirty="0" err="1">
-                <a:solidFill>
-                  <a:srgbClr val="FF0000"/>
-                </a:solidFill>
-              </a:rPr>
-              <a:t>InvalidDate</a:t>
-            </a:r>
-            <a:endParaRPr lang="en-GB" dirty="0">
-              <a:solidFill>
-                <a:srgbClr val="FF0000"/>
-              </a:solidFill>
-            </a:endParaRPr>
-          </a:p>
-        </p:txBody>
-      </p:sp>
-      <p:sp>
-        <p:nvSpPr>
-          <p:cNvPr id="35" name="CaixaDeTexto 34">
-            <a:extLst>
-              <a:ext uri="{FF2B5EF4-FFF2-40B4-BE49-F238E27FC236}">
-                <a16:creationId xmlns:a16="http://schemas.microsoft.com/office/drawing/2014/main" id="{18ADC5AE-01D1-4051-BAF4-D0B1F365545E}"/>
-              </a:ext>
-            </a:extLst>
-          </p:cNvPr>
-          <p:cNvSpPr txBox="1"/>
-          <p:nvPr/>
-        </p:nvSpPr>
-        <p:spPr>
-          <a:xfrm>
-            <a:off x="9152369" y="2594081"/>
-            <a:ext cx="2697897" cy="369332"/>
-          </a:xfrm>
-          <a:prstGeom prst="rect">
-            <a:avLst/>
-          </a:prstGeom>
-          <a:noFill/>
-        </p:spPr>
-        <p:txBody>
-          <a:bodyPr wrap="square" rtlCol="0">
-            <a:spAutoFit/>
-          </a:bodyPr>
-          <a:lstStyle/>
-          <a:p>
-            <a:r>
-              <a:rPr lang="pt-PT" dirty="0" err="1">
-                <a:solidFill>
-                  <a:srgbClr val="FF0000"/>
-                </a:solidFill>
-              </a:rPr>
-              <a:t>AlreadyInStreamException</a:t>
-            </a:r>
-            <a:endParaRPr lang="en-GB" dirty="0">
-              <a:solidFill>
-                <a:srgbClr val="FF0000"/>
-              </a:solidFill>
-            </a:endParaRPr>
-          </a:p>
-        </p:txBody>
-      </p:sp>
-      <p:sp>
-        <p:nvSpPr>
-          <p:cNvPr id="37" name="CaixaDeTexto 36">
-            <a:extLst>
-              <a:ext uri="{FF2B5EF4-FFF2-40B4-BE49-F238E27FC236}">
-                <a16:creationId xmlns:a16="http://schemas.microsoft.com/office/drawing/2014/main" id="{38D46D9C-1A99-4C5F-B018-ED01B9A90CA6}"/>
-              </a:ext>
-            </a:extLst>
-          </p:cNvPr>
-          <p:cNvSpPr txBox="1"/>
-          <p:nvPr/>
-        </p:nvSpPr>
-        <p:spPr>
-          <a:xfrm>
-            <a:off x="9152369" y="2963413"/>
-            <a:ext cx="2897454" cy="369332"/>
-          </a:xfrm>
-          <a:prstGeom prst="rect">
-            <a:avLst/>
-          </a:prstGeom>
-          <a:noFill/>
-        </p:spPr>
-        <p:txBody>
-          <a:bodyPr wrap="square" rtlCol="0">
-            <a:spAutoFit/>
-          </a:bodyPr>
-          <a:lstStyle/>
-          <a:p>
-            <a:r>
-              <a:rPr lang="pt-PT" dirty="0" err="1">
-                <a:solidFill>
-                  <a:srgbClr val="FF0000"/>
-                </a:solidFill>
-              </a:rPr>
-              <a:t>AlreadyInWhiteListException</a:t>
-            </a:r>
-            <a:endParaRPr lang="en-GB" dirty="0">
-              <a:solidFill>
-                <a:srgbClr val="FF0000"/>
-              </a:solidFill>
-            </a:endParaRPr>
-          </a:p>
-        </p:txBody>
-      </p:sp>
-      <p:sp>
-        <p:nvSpPr>
-          <p:cNvPr id="39" name="CaixaDeTexto 38">
-            <a:extLst>
-              <a:ext uri="{FF2B5EF4-FFF2-40B4-BE49-F238E27FC236}">
-                <a16:creationId xmlns:a16="http://schemas.microsoft.com/office/drawing/2014/main" id="{D320604A-E2F7-405E-95FC-3CA1B0B3AA32}"/>
-              </a:ext>
-            </a:extLst>
-          </p:cNvPr>
-          <p:cNvSpPr txBox="1"/>
-          <p:nvPr/>
-        </p:nvSpPr>
-        <p:spPr>
-          <a:xfrm>
-            <a:off x="9152368" y="3327692"/>
-            <a:ext cx="2119544" cy="369332"/>
-          </a:xfrm>
-          <a:prstGeom prst="rect">
-            <a:avLst/>
-          </a:prstGeom>
-          <a:noFill/>
-        </p:spPr>
-        <p:txBody>
-          <a:bodyPr wrap="square">
-            <a:spAutoFit/>
-          </a:bodyPr>
-          <a:lstStyle/>
-          <a:p>
-            <a:r>
-              <a:rPr lang="pt-PT" dirty="0" err="1">
-                <a:solidFill>
-                  <a:srgbClr val="FF0000"/>
-                </a:solidFill>
-              </a:rPr>
-              <a:t>MaxViewersReach</a:t>
-            </a:r>
-            <a:endParaRPr lang="en-GB" dirty="0">
-              <a:solidFill>
-                <a:srgbClr val="FF0000"/>
-              </a:solidFill>
-            </a:endParaRPr>
-          </a:p>
-        </p:txBody>
-      </p:sp>
-      <p:sp>
-        <p:nvSpPr>
-          <p:cNvPr id="41" name="CaixaDeTexto 40">
-            <a:extLst>
-              <a:ext uri="{FF2B5EF4-FFF2-40B4-BE49-F238E27FC236}">
-                <a16:creationId xmlns:a16="http://schemas.microsoft.com/office/drawing/2014/main" id="{79CF14DC-15EE-4046-9BF9-8CC1D9995237}"/>
-              </a:ext>
-            </a:extLst>
-          </p:cNvPr>
-          <p:cNvSpPr txBox="1"/>
-          <p:nvPr/>
-        </p:nvSpPr>
-        <p:spPr>
-          <a:xfrm>
-            <a:off x="9152369" y="3683787"/>
-            <a:ext cx="2330763" cy="369332"/>
-          </a:xfrm>
-          <a:prstGeom prst="rect">
-            <a:avLst/>
-          </a:prstGeom>
-          <a:noFill/>
-        </p:spPr>
-        <p:txBody>
-          <a:bodyPr wrap="square">
-            <a:spAutoFit/>
-          </a:bodyPr>
-          <a:lstStyle/>
-          <a:p>
-            <a:r>
-              <a:rPr lang="pt-PT" dirty="0" err="1">
-                <a:solidFill>
-                  <a:srgbClr val="FF0000"/>
-                </a:solidFill>
-              </a:rPr>
-              <a:t>NotInStreamException</a:t>
-            </a:r>
-            <a:endParaRPr lang="en-GB" dirty="0">
-              <a:solidFill>
-                <a:srgbClr val="FF0000"/>
-              </a:solidFill>
-            </a:endParaRPr>
-          </a:p>
-        </p:txBody>
-      </p:sp>
-      <p:sp>
-        <p:nvSpPr>
-          <p:cNvPr id="43" name="CaixaDeTexto 42">
-            <a:extLst>
-              <a:ext uri="{FF2B5EF4-FFF2-40B4-BE49-F238E27FC236}">
-                <a16:creationId xmlns:a16="http://schemas.microsoft.com/office/drawing/2014/main" id="{8073E767-8AFC-4371-AD35-306EE48AF6D1}"/>
-              </a:ext>
-            </a:extLst>
-          </p:cNvPr>
-          <p:cNvSpPr txBox="1"/>
-          <p:nvPr/>
-        </p:nvSpPr>
-        <p:spPr>
-          <a:xfrm>
-            <a:off x="9152369" y="3990215"/>
-            <a:ext cx="2558614" cy="369332"/>
-          </a:xfrm>
-          <a:prstGeom prst="rect">
-            <a:avLst/>
-          </a:prstGeom>
-          <a:noFill/>
-        </p:spPr>
-        <p:txBody>
-          <a:bodyPr wrap="square">
-            <a:spAutoFit/>
-          </a:bodyPr>
-          <a:lstStyle/>
-          <a:p>
-            <a:r>
-              <a:rPr lang="pt-PT" dirty="0" err="1">
-                <a:solidFill>
-                  <a:srgbClr val="FF0000"/>
-                </a:solidFill>
-              </a:rPr>
-              <a:t>NotInWhiteListException</a:t>
-            </a:r>
-            <a:endParaRPr lang="en-GB" dirty="0">
-              <a:solidFill>
-                <a:srgbClr val="FF0000"/>
-              </a:solidFill>
-            </a:endParaRPr>
-          </a:p>
-        </p:txBody>
-      </p:sp>
-      <p:sp>
-        <p:nvSpPr>
-          <p:cNvPr id="45" name="CaixaDeTexto 44">
-            <a:extLst>
-              <a:ext uri="{FF2B5EF4-FFF2-40B4-BE49-F238E27FC236}">
-                <a16:creationId xmlns:a16="http://schemas.microsoft.com/office/drawing/2014/main" id="{CB0C591E-4249-44D0-8F0E-51DDE4CD8605}"/>
-              </a:ext>
-            </a:extLst>
-          </p:cNvPr>
-          <p:cNvSpPr txBox="1"/>
-          <p:nvPr/>
-        </p:nvSpPr>
-        <p:spPr>
-          <a:xfrm>
-            <a:off x="9152369" y="4356178"/>
-            <a:ext cx="2767614" cy="369332"/>
-          </a:xfrm>
-          <a:prstGeom prst="rect">
-            <a:avLst/>
-          </a:prstGeom>
-          <a:noFill/>
-        </p:spPr>
-        <p:txBody>
-          <a:bodyPr wrap="square">
-            <a:spAutoFit/>
-          </a:bodyPr>
-          <a:lstStyle/>
-          <a:p>
-            <a:r>
-              <a:rPr lang="pt-PT" dirty="0" err="1">
-                <a:solidFill>
-                  <a:srgbClr val="FF0000"/>
-                </a:solidFill>
-              </a:rPr>
-              <a:t>NotPrivateStreamException</a:t>
-            </a:r>
-            <a:endParaRPr lang="en-GB" dirty="0">
-              <a:solidFill>
-                <a:srgbClr val="FF0000"/>
-              </a:solidFill>
-            </a:endParaRPr>
-          </a:p>
-        </p:txBody>
-      </p:sp>
-      <p:sp>
-        <p:nvSpPr>
-          <p:cNvPr id="47" name="CaixaDeTexto 46">
-            <a:extLst>
-              <a:ext uri="{FF2B5EF4-FFF2-40B4-BE49-F238E27FC236}">
-                <a16:creationId xmlns:a16="http://schemas.microsoft.com/office/drawing/2014/main" id="{5A637420-5B35-4C07-B522-DC6A021660F4}"/>
-              </a:ext>
-            </a:extLst>
-          </p:cNvPr>
-          <p:cNvSpPr txBox="1"/>
-          <p:nvPr/>
-        </p:nvSpPr>
-        <p:spPr>
-          <a:xfrm>
-            <a:off x="9152368" y="4707220"/>
-            <a:ext cx="2697897" cy="369332"/>
-          </a:xfrm>
-          <a:prstGeom prst="rect">
-            <a:avLst/>
-          </a:prstGeom>
-          <a:noFill/>
-        </p:spPr>
-        <p:txBody>
-          <a:bodyPr wrap="square">
-            <a:spAutoFit/>
-          </a:bodyPr>
-          <a:lstStyle/>
-          <a:p>
-            <a:r>
-              <a:rPr lang="pt-PT" dirty="0" err="1">
-                <a:solidFill>
-                  <a:srgbClr val="FF0000"/>
-                </a:solidFill>
-              </a:rPr>
-              <a:t>RestrictedStreamException</a:t>
-            </a:r>
-            <a:endParaRPr lang="en-GB" dirty="0">
-              <a:solidFill>
-                <a:srgbClr val="FF0000"/>
-              </a:solidFill>
-            </a:endParaRPr>
-          </a:p>
-        </p:txBody>
-      </p:sp>
-      <p:sp>
-        <p:nvSpPr>
-          <p:cNvPr id="49" name="CaixaDeTexto 48">
-            <a:extLst>
-              <a:ext uri="{FF2B5EF4-FFF2-40B4-BE49-F238E27FC236}">
-                <a16:creationId xmlns:a16="http://schemas.microsoft.com/office/drawing/2014/main" id="{4BBA540B-35F5-4D98-A9F2-7BD8D3D98EB7}"/>
-              </a:ext>
-            </a:extLst>
-          </p:cNvPr>
-          <p:cNvSpPr txBox="1"/>
-          <p:nvPr/>
-        </p:nvSpPr>
-        <p:spPr>
-          <a:xfrm>
-            <a:off x="6229178" y="2521572"/>
-            <a:ext cx="1434026" cy="369332"/>
-          </a:xfrm>
-          <a:prstGeom prst="rect">
-            <a:avLst/>
-          </a:prstGeom>
-          <a:noFill/>
-        </p:spPr>
-        <p:txBody>
-          <a:bodyPr wrap="square">
-            <a:spAutoFit/>
-          </a:bodyPr>
-          <a:lstStyle/>
-          <a:p>
-            <a:r>
-              <a:rPr lang="pt-PT" dirty="0" err="1">
-                <a:solidFill>
-                  <a:srgbClr val="FF0000"/>
-                </a:solidFill>
-              </a:rPr>
-              <a:t>AlreadyExists</a:t>
-            </a:r>
-            <a:endParaRPr lang="en-GB" dirty="0">
-              <a:solidFill>
-                <a:srgbClr val="FF0000"/>
-              </a:solidFill>
-            </a:endParaRPr>
-          </a:p>
-        </p:txBody>
-      </p:sp>
-      <p:sp>
-        <p:nvSpPr>
-          <p:cNvPr id="51" name="CaixaDeTexto 50">
-            <a:extLst>
-              <a:ext uri="{FF2B5EF4-FFF2-40B4-BE49-F238E27FC236}">
-                <a16:creationId xmlns:a16="http://schemas.microsoft.com/office/drawing/2014/main" id="{76D082E1-9818-410A-A993-47CF0F0F5FFE}"/>
-              </a:ext>
-            </a:extLst>
-          </p:cNvPr>
-          <p:cNvSpPr txBox="1"/>
-          <p:nvPr/>
-        </p:nvSpPr>
-        <p:spPr>
-          <a:xfrm>
-            <a:off x="6229178" y="2885851"/>
-            <a:ext cx="2558614" cy="369332"/>
-          </a:xfrm>
-          <a:prstGeom prst="rect">
-            <a:avLst/>
-          </a:prstGeom>
-          <a:noFill/>
-        </p:spPr>
-        <p:txBody>
-          <a:bodyPr wrap="square">
-            <a:spAutoFit/>
-          </a:bodyPr>
-          <a:lstStyle/>
-          <a:p>
-            <a:r>
-              <a:rPr lang="pt-PT" dirty="0" err="1">
-                <a:solidFill>
-                  <a:srgbClr val="FF0000"/>
-                </a:solidFill>
-              </a:rPr>
-              <a:t>FollowStreamerException</a:t>
-            </a:r>
-            <a:endParaRPr lang="en-GB" dirty="0">
-              <a:solidFill>
-                <a:srgbClr val="FF0000"/>
-              </a:solidFill>
-            </a:endParaRPr>
-          </a:p>
-        </p:txBody>
-      </p:sp>
-      <p:sp>
-        <p:nvSpPr>
-          <p:cNvPr id="53" name="CaixaDeTexto 52">
-            <a:extLst>
-              <a:ext uri="{FF2B5EF4-FFF2-40B4-BE49-F238E27FC236}">
-                <a16:creationId xmlns:a16="http://schemas.microsoft.com/office/drawing/2014/main" id="{E4DB8A9B-85EE-45D3-ACED-90766B6ABAC9}"/>
-              </a:ext>
-            </a:extLst>
-          </p:cNvPr>
-          <p:cNvSpPr txBox="1"/>
-          <p:nvPr/>
-        </p:nvSpPr>
-        <p:spPr>
-          <a:xfrm>
-            <a:off x="6229178" y="3262737"/>
-            <a:ext cx="2439140" cy="369332"/>
-          </a:xfrm>
-          <a:prstGeom prst="rect">
-            <a:avLst/>
-          </a:prstGeom>
-          <a:noFill/>
-        </p:spPr>
-        <p:txBody>
-          <a:bodyPr wrap="square">
-            <a:spAutoFit/>
-          </a:bodyPr>
-          <a:lstStyle/>
-          <a:p>
-            <a:r>
-              <a:rPr lang="pt-PT" dirty="0" err="1">
-                <a:solidFill>
-                  <a:srgbClr val="FF0000"/>
-                </a:solidFill>
-              </a:rPr>
-              <a:t>RestrictedAgeException</a:t>
-            </a:r>
-            <a:endParaRPr lang="en-GB" dirty="0">
-              <a:solidFill>
-                <a:srgbClr val="FF0000"/>
-              </a:solidFill>
-            </a:endParaRPr>
-          </a:p>
-        </p:txBody>
-      </p:sp>
-      <p:sp>
-        <p:nvSpPr>
-          <p:cNvPr id="55" name="CaixaDeTexto 54">
-            <a:extLst>
-              <a:ext uri="{FF2B5EF4-FFF2-40B4-BE49-F238E27FC236}">
-                <a16:creationId xmlns:a16="http://schemas.microsoft.com/office/drawing/2014/main" id="{F8EFE28E-BBF5-4FCC-B526-73B8DDC525A1}"/>
-              </a:ext>
-            </a:extLst>
-          </p:cNvPr>
-          <p:cNvSpPr txBox="1"/>
-          <p:nvPr/>
-        </p:nvSpPr>
-        <p:spPr>
-          <a:xfrm>
-            <a:off x="1044545" y="2568239"/>
-            <a:ext cx="1797067" cy="369332"/>
-          </a:xfrm>
-          <a:prstGeom prst="rect">
-            <a:avLst/>
-          </a:prstGeom>
-          <a:noFill/>
-        </p:spPr>
-        <p:txBody>
-          <a:bodyPr wrap="square">
-            <a:spAutoFit/>
-          </a:bodyPr>
-          <a:lstStyle/>
-          <a:p>
-            <a:r>
-              <a:rPr lang="pt-PT" dirty="0">
-                <a:solidFill>
-                  <a:srgbClr val="FF0000"/>
-                </a:solidFill>
-              </a:rPr>
-              <a:t>DoesNotExist</a:t>
-            </a:r>
-            <a:endParaRPr lang="en-GB" dirty="0">
-              <a:solidFill>
-                <a:srgbClr val="FF0000"/>
-              </a:solidFill>
-            </a:endParaRPr>
-          </a:p>
-        </p:txBody>
-      </p:sp>
-      <p:sp>
-        <p:nvSpPr>
-          <p:cNvPr id="57" name="CaixaDeTexto 56">
-            <a:extLst>
-              <a:ext uri="{FF2B5EF4-FFF2-40B4-BE49-F238E27FC236}">
-                <a16:creationId xmlns:a16="http://schemas.microsoft.com/office/drawing/2014/main" id="{2093895B-1362-4430-82DE-DD18815C55B0}"/>
-              </a:ext>
-            </a:extLst>
-          </p:cNvPr>
-          <p:cNvSpPr txBox="1"/>
-          <p:nvPr/>
-        </p:nvSpPr>
-        <p:spPr>
-          <a:xfrm>
-            <a:off x="1044545" y="2937571"/>
-            <a:ext cx="2697897" cy="369332"/>
-          </a:xfrm>
-          <a:prstGeom prst="rect">
-            <a:avLst/>
-          </a:prstGeom>
-          <a:noFill/>
-        </p:spPr>
-        <p:txBody>
-          <a:bodyPr wrap="square">
-            <a:spAutoFit/>
-          </a:bodyPr>
-          <a:lstStyle/>
-          <a:p>
-            <a:r>
-              <a:rPr lang="pt-PT" dirty="0" err="1">
-                <a:solidFill>
-                  <a:srgbClr val="FF0000"/>
-                </a:solidFill>
-              </a:rPr>
-              <a:t>EmptyDataBaseException</a:t>
-            </a:r>
-            <a:endParaRPr lang="en-GB" dirty="0">
-              <a:solidFill>
-                <a:srgbClr val="FF0000"/>
-              </a:solidFill>
-            </a:endParaRPr>
-          </a:p>
-        </p:txBody>
-      </p:sp>
-      <p:sp>
-        <p:nvSpPr>
-          <p:cNvPr id="3" name="Marcador de Posição do Rodapé 2">
-            <a:extLst>
-              <a:ext uri="{FF2B5EF4-FFF2-40B4-BE49-F238E27FC236}">
-                <a16:creationId xmlns:a16="http://schemas.microsoft.com/office/drawing/2014/main" id="{BDC108CA-1009-4F33-BA90-654A55918ED3}"/>
-              </a:ext>
-            </a:extLst>
-          </p:cNvPr>
-          <p:cNvSpPr>
-            <a:spLocks noGrp="1"/>
-          </p:cNvSpPr>
-          <p:nvPr>
-            <p:ph type="ftr" sz="quarter" idx="11"/>
-          </p:nvPr>
-        </p:nvSpPr>
-        <p:spPr/>
-        <p:txBody>
-          <a:bodyPr/>
-          <a:lstStyle/>
-          <a:p>
-            <a:r>
-              <a:rPr lang="en-GB" sz="2400" b="1" dirty="0"/>
-              <a:t>2MIEIC04_G1</a:t>
-            </a:r>
-          </a:p>
-        </p:txBody>
-      </p:sp>
-      <p:sp>
-        <p:nvSpPr>
-          <p:cNvPr id="4" name="Marcador de Posição do Número do Diapositivo 3">
-            <a:extLst>
-              <a:ext uri="{FF2B5EF4-FFF2-40B4-BE49-F238E27FC236}">
-                <a16:creationId xmlns:a16="http://schemas.microsoft.com/office/drawing/2014/main" id="{D3BE8DBB-2681-4EDA-A70E-FDD3F50D1646}"/>
-              </a:ext>
-            </a:extLst>
-          </p:cNvPr>
-          <p:cNvSpPr>
-            <a:spLocks noGrp="1"/>
-          </p:cNvSpPr>
-          <p:nvPr>
-            <p:ph type="sldNum" sz="quarter" idx="12"/>
-          </p:nvPr>
-        </p:nvSpPr>
-        <p:spPr/>
-        <p:txBody>
-          <a:bodyPr/>
-          <a:lstStyle/>
-          <a:p>
-            <a:fld id="{75DB3F52-068C-4339-9FA6-06F9AAEB3337}" type="slidenum">
-              <a:rPr lang="en-GB" sz="2400" smtClean="0"/>
-              <a:t>7</a:t>
-            </a:fld>
-            <a:endParaRPr lang="en-GB" sz="2400" dirty="0"/>
+            <a:pPr algn="ctr"/>
+            <a:r>
+              <a:rPr lang="en-GB" sz="2000" dirty="0" err="1"/>
+              <a:t>Quantidade</a:t>
+            </a:r>
+            <a:r>
+              <a:rPr lang="en-GB" sz="2000" dirty="0"/>
+              <a:t> </a:t>
+            </a:r>
+            <a:r>
+              <a:rPr lang="en-GB" sz="2000" dirty="0" err="1"/>
+              <a:t>comprada</a:t>
+            </a:r>
+            <a:endParaRPr lang="en-GB" sz="2000" dirty="0"/>
           </a:p>
         </p:txBody>
       </p:sp>
       <p:pic>
         <p:nvPicPr>
-          <p:cNvPr id="27" name="Imagem 26">
-            <a:extLst>
-              <a:ext uri="{FF2B5EF4-FFF2-40B4-BE49-F238E27FC236}">
-                <a16:creationId xmlns:a16="http://schemas.microsoft.com/office/drawing/2014/main" id="{4B81C26A-46A2-487E-A5EE-7F6366169040}"/>
+          <p:cNvPr id="50" name="Imagem 49">
+            <a:extLst>
+              <a:ext uri="{FF2B5EF4-FFF2-40B4-BE49-F238E27FC236}">
+                <a16:creationId xmlns:a16="http://schemas.microsoft.com/office/drawing/2014/main" id="{C9CA462E-8E2A-4338-B5C5-71EE804670F2}"/>
               </a:ext>
             </a:extLst>
           </p:cNvPr>
@@ -11931,7 +12096,7 @@
           <p:nvPr/>
         </p:nvPicPr>
         <p:blipFill rotWithShape="1">
-          <a:blip r:embed="rId2">
+          <a:blip r:embed="rId3">
             <a:extLst>
               <a:ext uri="{28A0092B-C50C-407E-A947-70E740481C1C}">
                 <a14:useLocalDpi xmlns:a14="http://schemas.microsoft.com/office/drawing/2010/main" val="0"/>
@@ -11951,12 +12116,58 @@
           </a:prstGeom>
         </p:spPr>
       </p:pic>
-      <p:sp>
-        <p:nvSpPr>
-          <p:cNvPr id="8" name="CaixaDeTexto 7">
-            <a:extLst>
-              <a:ext uri="{FF2B5EF4-FFF2-40B4-BE49-F238E27FC236}">
-                <a16:creationId xmlns:a16="http://schemas.microsoft.com/office/drawing/2014/main" id="{1B2E72D2-65CE-4EB1-9F50-0B9D09B5F392}"/>
+      <p:cxnSp>
+        <p:nvCxnSpPr>
+          <p:cNvPr id="21" name="Conexão reta unidirecional 22">
+            <a:extLst>
+              <a:ext uri="{FF2B5EF4-FFF2-40B4-BE49-F238E27FC236}">
+                <a16:creationId xmlns:a16="http://schemas.microsoft.com/office/drawing/2014/main" id="{B4D7D707-FF46-4962-ADE3-54ED346EDF87}"/>
+              </a:ext>
+            </a:extLst>
+          </p:cNvPr>
+          <p:cNvCxnSpPr>
+            <a:cxnSpLocks/>
+            <a:stCxn id="20" idx="2"/>
+            <a:endCxn id="22" idx="2"/>
+          </p:cNvCxnSpPr>
+          <p:nvPr/>
+        </p:nvCxnSpPr>
+        <p:spPr>
+          <a:xfrm flipH="1" flipV="1">
+            <a:off x="2640397" y="3812876"/>
+            <a:ext cx="1978110" cy="526327"/>
+          </a:xfrm>
+          <a:prstGeom prst="straightConnector1">
+            <a:avLst/>
+          </a:prstGeom>
+          <a:ln>
+            <a:solidFill>
+              <a:srgbClr val="8C2D19"/>
+            </a:solidFill>
+            <a:tailEnd type="triangle"/>
+          </a:ln>
+        </p:spPr>
+        <p:style>
+          <a:lnRef idx="3">
+            <a:schemeClr val="dk1"/>
+          </a:lnRef>
+          <a:fillRef idx="0">
+            <a:schemeClr val="dk1"/>
+          </a:fillRef>
+          <a:effectRef idx="2">
+            <a:schemeClr val="dk1"/>
+          </a:effectRef>
+          <a:fontRef idx="minor">
+            <a:schemeClr val="tx1"/>
+          </a:fontRef>
+        </p:style>
+      </p:cxnSp>
+      <p:sp>
+        <p:nvSpPr>
+          <p:cNvPr id="22" name="CaixaDeTexto 23">
+            <a:extLst>
+              <a:ext uri="{FF2B5EF4-FFF2-40B4-BE49-F238E27FC236}">
+                <a16:creationId xmlns:a16="http://schemas.microsoft.com/office/drawing/2014/main" id="{F2BAEB89-7383-416E-8DB2-042D906C6687}"/>
               </a:ext>
             </a:extLst>
           </p:cNvPr>
@@ -11965,8 +12176,8 @@
         </p:nvSpPr>
         <p:spPr>
           <a:xfrm>
-            <a:off x="1873188" y="4053119"/>
-            <a:ext cx="5548544" cy="369332"/>
+            <a:off x="1956292" y="3104990"/>
+            <a:ext cx="1368209" cy="707886"/>
           </a:xfrm>
           <a:prstGeom prst="rect">
             <a:avLst/>
@@ -11979,18 +12190,384 @@
           </a:bodyPr>
           <a:lstStyle/>
           <a:p>
-            <a:r>
-              <a:rPr lang="pt-PT" dirty="0"/>
-              <a:t>TROCAR POR EXEPÇÕES NOVAS</a:t>
-            </a:r>
-            <a:endParaRPr lang="en-GB" dirty="0"/>
+            <a:pPr algn="ctr"/>
+            <a:r>
+              <a:rPr lang="pt-PT" sz="2000" dirty="0"/>
+              <a:t>Nome do </a:t>
+            </a:r>
+            <a:r>
+              <a:rPr lang="en-GB" sz="2000" dirty="0"/>
+              <a:t>streamer</a:t>
+            </a:r>
+            <a:endParaRPr lang="pt-PT" sz="2000" dirty="0"/>
+          </a:p>
+        </p:txBody>
+      </p:sp>
+      <p:cxnSp>
+        <p:nvCxnSpPr>
+          <p:cNvPr id="26" name="Conexão reta unidirecional 26">
+            <a:extLst>
+              <a:ext uri="{FF2B5EF4-FFF2-40B4-BE49-F238E27FC236}">
+                <a16:creationId xmlns:a16="http://schemas.microsoft.com/office/drawing/2014/main" id="{4F970484-B1DB-4781-8671-094455196B47}"/>
+              </a:ext>
+            </a:extLst>
+          </p:cNvPr>
+          <p:cNvCxnSpPr>
+            <a:cxnSpLocks/>
+            <a:stCxn id="32" idx="7"/>
+            <a:endCxn id="30" idx="1"/>
+          </p:cNvCxnSpPr>
+          <p:nvPr/>
+        </p:nvCxnSpPr>
+        <p:spPr>
+          <a:xfrm flipV="1">
+            <a:off x="6691746" y="3857942"/>
+            <a:ext cx="1043595" cy="434565"/>
+          </a:xfrm>
+          <a:prstGeom prst="straightConnector1">
+            <a:avLst/>
+          </a:prstGeom>
+          <a:ln>
+            <a:solidFill>
+              <a:srgbClr val="8C2D19"/>
+            </a:solidFill>
+            <a:tailEnd type="triangle"/>
+          </a:ln>
+        </p:spPr>
+        <p:style>
+          <a:lnRef idx="3">
+            <a:schemeClr val="dk1"/>
+          </a:lnRef>
+          <a:fillRef idx="0">
+            <a:schemeClr val="dk1"/>
+          </a:fillRef>
+          <a:effectRef idx="2">
+            <a:schemeClr val="dk1"/>
+          </a:effectRef>
+          <a:fontRef idx="minor">
+            <a:schemeClr val="tx1"/>
+          </a:fontRef>
+        </p:style>
+      </p:cxnSp>
+      <p:sp>
+        <p:nvSpPr>
+          <p:cNvPr id="30" name="CaixaDeTexto 27">
+            <a:extLst>
+              <a:ext uri="{FF2B5EF4-FFF2-40B4-BE49-F238E27FC236}">
+                <a16:creationId xmlns:a16="http://schemas.microsoft.com/office/drawing/2014/main" id="{9648D665-33F2-44AC-B477-82A307357F5F}"/>
+              </a:ext>
+            </a:extLst>
+          </p:cNvPr>
+          <p:cNvSpPr txBox="1"/>
+          <p:nvPr/>
+        </p:nvSpPr>
+        <p:spPr>
+          <a:xfrm>
+            <a:off x="7735341" y="3503999"/>
+            <a:ext cx="2038416" cy="707886"/>
+          </a:xfrm>
+          <a:prstGeom prst="rect">
+            <a:avLst/>
+          </a:prstGeom>
+          <a:noFill/>
+        </p:spPr>
+        <p:txBody>
+          <a:bodyPr wrap="square" rtlCol="0">
+            <a:spAutoFit/>
+          </a:bodyPr>
+          <a:lstStyle/>
+          <a:p>
+            <a:pPr algn="ctr"/>
+            <a:r>
+              <a:rPr lang="en-GB" sz="2000" dirty="0" err="1"/>
+              <a:t>Disponibilidade</a:t>
+            </a:r>
+            <a:r>
+              <a:rPr lang="en-GB" sz="2000" dirty="0"/>
+              <a:t> de </a:t>
+            </a:r>
+            <a:r>
+              <a:rPr lang="en-GB" sz="2000" dirty="0" err="1"/>
+              <a:t>compra</a:t>
+            </a:r>
+            <a:endParaRPr lang="en-GB" sz="2000" dirty="0"/>
+          </a:p>
+        </p:txBody>
+      </p:sp>
+      <p:sp>
+        <p:nvSpPr>
+          <p:cNvPr id="19" name="Oval 18">
+            <a:extLst>
+              <a:ext uri="{FF2B5EF4-FFF2-40B4-BE49-F238E27FC236}">
+                <a16:creationId xmlns:a16="http://schemas.microsoft.com/office/drawing/2014/main" id="{8E82B84A-90DD-40FB-8AC3-D787CEF2CEC8}"/>
+              </a:ext>
+            </a:extLst>
+          </p:cNvPr>
+          <p:cNvSpPr/>
+          <p:nvPr/>
+        </p:nvSpPr>
+        <p:spPr>
+          <a:xfrm>
+            <a:off x="4692956" y="4099739"/>
+            <a:ext cx="190026" cy="191292"/>
+          </a:xfrm>
+          <a:prstGeom prst="ellipse">
+            <a:avLst/>
+          </a:prstGeom>
+          <a:noFill/>
+          <a:ln w="9525" cap="flat" cmpd="sng" algn="ctr">
+            <a:solidFill>
+              <a:srgbClr val="8C2D19"/>
+            </a:solidFill>
+            <a:prstDash val="solid"/>
+            <a:round/>
+            <a:headEnd type="none" w="med" len="med"/>
+            <a:tailEnd type="none" w="med" len="med"/>
+          </a:ln>
+        </p:spPr>
+        <p:style>
+          <a:lnRef idx="0">
+            <a:scrgbClr r="0" g="0" b="0"/>
+          </a:lnRef>
+          <a:fillRef idx="0">
+            <a:scrgbClr r="0" g="0" b="0"/>
+          </a:fillRef>
+          <a:effectRef idx="0">
+            <a:scrgbClr r="0" g="0" b="0"/>
+          </a:effectRef>
+          <a:fontRef idx="minor">
+            <a:schemeClr val="dk1"/>
+          </a:fontRef>
+        </p:style>
+        <p:txBody>
+          <a:bodyPr rtlCol="0" anchor="ctr"/>
+          <a:lstStyle/>
+          <a:p>
+            <a:pPr algn="ctr"/>
+            <a:endParaRPr lang="en-GB"/>
+          </a:p>
+        </p:txBody>
+      </p:sp>
+      <p:sp>
+        <p:nvSpPr>
+          <p:cNvPr id="20" name="Oval 19">
+            <a:extLst>
+              <a:ext uri="{FF2B5EF4-FFF2-40B4-BE49-F238E27FC236}">
+                <a16:creationId xmlns:a16="http://schemas.microsoft.com/office/drawing/2014/main" id="{121739CC-D0E9-4C85-B09C-0D94360D8FEF}"/>
+              </a:ext>
+            </a:extLst>
+          </p:cNvPr>
+          <p:cNvSpPr/>
+          <p:nvPr/>
+        </p:nvSpPr>
+        <p:spPr>
+          <a:xfrm>
+            <a:off x="4618507" y="4248990"/>
+            <a:ext cx="797169" cy="180425"/>
+          </a:xfrm>
+          <a:prstGeom prst="ellipse">
+            <a:avLst/>
+          </a:prstGeom>
+          <a:noFill/>
+          <a:ln w="9525" cap="flat" cmpd="sng" algn="ctr">
+            <a:solidFill>
+              <a:srgbClr val="8C2D19"/>
+            </a:solidFill>
+            <a:prstDash val="solid"/>
+            <a:round/>
+            <a:headEnd type="none" w="med" len="med"/>
+            <a:tailEnd type="none" w="med" len="med"/>
+          </a:ln>
+        </p:spPr>
+        <p:style>
+          <a:lnRef idx="0">
+            <a:scrgbClr r="0" g="0" b="0"/>
+          </a:lnRef>
+          <a:fillRef idx="0">
+            <a:scrgbClr r="0" g="0" b="0"/>
+          </a:fillRef>
+          <a:effectRef idx="0">
+            <a:scrgbClr r="0" g="0" b="0"/>
+          </a:effectRef>
+          <a:fontRef idx="minor">
+            <a:schemeClr val="dk1"/>
+          </a:fontRef>
+        </p:style>
+        <p:txBody>
+          <a:bodyPr rtlCol="0" anchor="ctr"/>
+          <a:lstStyle/>
+          <a:p>
+            <a:pPr algn="ctr"/>
+            <a:endParaRPr lang="en-GB"/>
+          </a:p>
+        </p:txBody>
+      </p:sp>
+      <p:sp>
+        <p:nvSpPr>
+          <p:cNvPr id="25" name="Oval 24">
+            <a:extLst>
+              <a:ext uri="{FF2B5EF4-FFF2-40B4-BE49-F238E27FC236}">
+                <a16:creationId xmlns:a16="http://schemas.microsoft.com/office/drawing/2014/main" id="{76AABEA6-AF0F-42C7-8A7A-31CB3C4E4891}"/>
+              </a:ext>
+            </a:extLst>
+          </p:cNvPr>
+          <p:cNvSpPr/>
+          <p:nvPr/>
+        </p:nvSpPr>
+        <p:spPr>
+          <a:xfrm>
+            <a:off x="5502440" y="4259099"/>
+            <a:ext cx="662061" cy="176828"/>
+          </a:xfrm>
+          <a:prstGeom prst="ellipse">
+            <a:avLst/>
+          </a:prstGeom>
+          <a:noFill/>
+          <a:ln w="9525" cap="flat" cmpd="sng" algn="ctr">
+            <a:solidFill>
+              <a:srgbClr val="8C2D19"/>
+            </a:solidFill>
+            <a:prstDash val="solid"/>
+            <a:round/>
+            <a:headEnd type="none" w="med" len="med"/>
+            <a:tailEnd type="none" w="med" len="med"/>
+          </a:ln>
+        </p:spPr>
+        <p:style>
+          <a:lnRef idx="0">
+            <a:scrgbClr r="0" g="0" b="0"/>
+          </a:lnRef>
+          <a:fillRef idx="0">
+            <a:scrgbClr r="0" g="0" b="0"/>
+          </a:fillRef>
+          <a:effectRef idx="0">
+            <a:scrgbClr r="0" g="0" b="0"/>
+          </a:effectRef>
+          <a:fontRef idx="minor">
+            <a:schemeClr val="dk1"/>
+          </a:fontRef>
+        </p:style>
+        <p:txBody>
+          <a:bodyPr rtlCol="0" anchor="ctr"/>
+          <a:lstStyle/>
+          <a:p>
+            <a:pPr algn="ctr"/>
+            <a:endParaRPr lang="en-GB"/>
+          </a:p>
+        </p:txBody>
+      </p:sp>
+      <p:sp>
+        <p:nvSpPr>
+          <p:cNvPr id="31" name="Oval 30">
+            <a:extLst>
+              <a:ext uri="{FF2B5EF4-FFF2-40B4-BE49-F238E27FC236}">
+                <a16:creationId xmlns:a16="http://schemas.microsoft.com/office/drawing/2014/main" id="{0215B8AF-C946-44E1-B6E0-B1EE9D547446}"/>
+              </a:ext>
+            </a:extLst>
+          </p:cNvPr>
+          <p:cNvSpPr/>
+          <p:nvPr/>
+        </p:nvSpPr>
+        <p:spPr>
+          <a:xfrm>
+            <a:off x="6231779" y="4240368"/>
+            <a:ext cx="185368" cy="214289"/>
+          </a:xfrm>
+          <a:prstGeom prst="ellipse">
+            <a:avLst/>
+          </a:prstGeom>
+          <a:noFill/>
+          <a:ln w="9525" cap="flat" cmpd="sng" algn="ctr">
+            <a:solidFill>
+              <a:srgbClr val="8C2D19"/>
+            </a:solidFill>
+            <a:prstDash val="solid"/>
+            <a:round/>
+            <a:headEnd type="none" w="med" len="med"/>
+            <a:tailEnd type="none" w="med" len="med"/>
+          </a:ln>
+        </p:spPr>
+        <p:style>
+          <a:lnRef idx="0">
+            <a:scrgbClr r="0" g="0" b="0"/>
+          </a:lnRef>
+          <a:fillRef idx="0">
+            <a:scrgbClr r="0" g="0" b="0"/>
+          </a:fillRef>
+          <a:effectRef idx="0">
+            <a:scrgbClr r="0" g="0" b="0"/>
+          </a:effectRef>
+          <a:fontRef idx="minor">
+            <a:schemeClr val="dk1"/>
+          </a:fontRef>
+        </p:style>
+        <p:txBody>
+          <a:bodyPr rtlCol="0" anchor="ctr"/>
+          <a:lstStyle/>
+          <a:p>
+            <a:pPr algn="ctr"/>
+            <a:endParaRPr lang="en-GB"/>
+          </a:p>
+        </p:txBody>
+      </p:sp>
+      <p:sp>
+        <p:nvSpPr>
+          <p:cNvPr id="32" name="Oval 31">
+            <a:extLst>
+              <a:ext uri="{FF2B5EF4-FFF2-40B4-BE49-F238E27FC236}">
+                <a16:creationId xmlns:a16="http://schemas.microsoft.com/office/drawing/2014/main" id="{5BC33D09-B4BD-4B57-AE33-48DA9AA78D39}"/>
+              </a:ext>
+            </a:extLst>
+          </p:cNvPr>
+          <p:cNvSpPr/>
+          <p:nvPr/>
+        </p:nvSpPr>
+        <p:spPr>
+          <a:xfrm>
+            <a:off x="6509754" y="4264687"/>
+            <a:ext cx="213217" cy="189970"/>
+          </a:xfrm>
+          <a:prstGeom prst="ellipse">
+            <a:avLst/>
+          </a:prstGeom>
+          <a:noFill/>
+          <a:ln w="9525" cap="flat" cmpd="sng" algn="ctr">
+            <a:solidFill>
+              <a:srgbClr val="8C2D19"/>
+            </a:solidFill>
+            <a:prstDash val="solid"/>
+            <a:round/>
+            <a:headEnd type="none" w="med" len="med"/>
+            <a:tailEnd type="none" w="med" len="med"/>
+          </a:ln>
+        </p:spPr>
+        <p:style>
+          <a:lnRef idx="0">
+            <a:scrgbClr r="0" g="0" b="0"/>
+          </a:lnRef>
+          <a:fillRef idx="0">
+            <a:scrgbClr r="0" g="0" b="0"/>
+          </a:fillRef>
+          <a:effectRef idx="0">
+            <a:scrgbClr r="0" g="0" b="0"/>
+          </a:effectRef>
+          <a:fontRef idx="minor">
+            <a:schemeClr val="dk1"/>
+          </a:fontRef>
+        </p:style>
+        <p:txBody>
+          <a:bodyPr rtlCol="0" anchor="ctr"/>
+          <a:lstStyle/>
+          <a:p>
+            <a:pPr algn="ctr"/>
+            <a:endParaRPr lang="en-GB"/>
           </a:p>
         </p:txBody>
       </p:sp>
     </p:spTree>
     <p:extLst>
       <p:ext uri="{BB962C8B-B14F-4D97-AF65-F5344CB8AC3E}">
-        <p14:creationId xmlns:p14="http://schemas.microsoft.com/office/powerpoint/2010/main" val="3082102471"/>
+        <p14:creationId xmlns:p14="http://schemas.microsoft.com/office/powerpoint/2010/main" val="625000950"/>
       </p:ext>
     </p:extLst>
   </p:cSld>
@@ -12019,10 +12596,10 @@
       </p:grpSpPr>
       <p:sp>
         <p:nvSpPr>
-          <p:cNvPr id="5" name="Título 1">
-            <a:extLst>
-              <a:ext uri="{FF2B5EF4-FFF2-40B4-BE49-F238E27FC236}">
-                <a16:creationId xmlns:a16="http://schemas.microsoft.com/office/drawing/2014/main" id="{898F1F90-3438-44BB-BDC7-B70CFDD04994}"/>
+          <p:cNvPr id="2" name="Título 1">
+            <a:extLst>
+              <a:ext uri="{FF2B5EF4-FFF2-40B4-BE49-F238E27FC236}">
+                <a16:creationId xmlns:a16="http://schemas.microsoft.com/office/drawing/2014/main" id="{E5F50155-6736-4DD4-81CA-AAC2F3DC7F40}"/>
               </a:ext>
             </a:extLst>
           </p:cNvPr>
@@ -12033,12 +12610,7 @@
             <p:ph type="title"/>
           </p:nvPr>
         </p:nvSpPr>
-        <p:spPr>
-          <a:xfrm>
-            <a:off x="1097280" y="286603"/>
-            <a:ext cx="10058400" cy="1450757"/>
-          </a:xfrm>
-        </p:spPr>
+        <p:spPr/>
         <p:txBody>
           <a:bodyPr/>
           <a:lstStyle/>
@@ -12054,7 +12626,7 @@
                 </a:solidFill>
                 <a:latin typeface="Bahnschrift SemiLight" panose="020B0502040204020203" pitchFamily="34" charset="0"/>
               </a:rPr>
-              <a:t>Pesquisa</a:t>
+              <a:t>Exceções</a:t>
             </a:r>
             <a:endParaRPr lang="en-GB" sz="6600" dirty="0">
               <a:solidFill>
@@ -12070,10 +12642,10 @@
       </p:sp>
       <p:cxnSp>
         <p:nvCxnSpPr>
-          <p:cNvPr id="7" name="Conexão reta 6">
-            <a:extLst>
-              <a:ext uri="{FF2B5EF4-FFF2-40B4-BE49-F238E27FC236}">
-                <a16:creationId xmlns:a16="http://schemas.microsoft.com/office/drawing/2014/main" id="{C2E4CA01-F82D-4D76-AE17-74CEFAFD29FF}"/>
+          <p:cNvPr id="5" name="Conexão reta 4">
+            <a:extLst>
+              <a:ext uri="{FF2B5EF4-FFF2-40B4-BE49-F238E27FC236}">
+                <a16:creationId xmlns:a16="http://schemas.microsoft.com/office/drawing/2014/main" id="{B58EAD8D-3885-47BC-929A-D0E531F5DFA6}"/>
               </a:ext>
             </a:extLst>
           </p:cNvPr>
@@ -12113,10 +12685,10 @@
       </p:cxnSp>
       <p:sp>
         <p:nvSpPr>
-          <p:cNvPr id="13" name="CaixaDeTexto 12">
-            <a:extLst>
-              <a:ext uri="{FF2B5EF4-FFF2-40B4-BE49-F238E27FC236}">
-                <a16:creationId xmlns:a16="http://schemas.microsoft.com/office/drawing/2014/main" id="{7582186A-0E72-4556-B6E3-75E577AEAB3C}"/>
+          <p:cNvPr id="9" name="CaixaDeTexto 8">
+            <a:extLst>
+              <a:ext uri="{FF2B5EF4-FFF2-40B4-BE49-F238E27FC236}">
+                <a16:creationId xmlns:a16="http://schemas.microsoft.com/office/drawing/2014/main" id="{09A43886-A11B-4642-8430-534BA39D9336}"/>
               </a:ext>
             </a:extLst>
           </p:cNvPr>
@@ -12125,8 +12697,8 @@
         </p:nvSpPr>
         <p:spPr>
           <a:xfrm>
-            <a:off x="1189358" y="1905778"/>
-            <a:ext cx="5468893" cy="1754326"/>
+            <a:off x="1800460" y="2091957"/>
+            <a:ext cx="911121" cy="461665"/>
           </a:xfrm>
           <a:prstGeom prst="rect">
             <a:avLst/>
@@ -12139,127 +12711,20 @@
           </a:bodyPr>
           <a:lstStyle/>
           <a:p>
-            <a:pPr marL="285750" indent="-285750">
-              <a:buClr>
-                <a:srgbClr val="8C2D19"/>
-              </a:buClr>
-              <a:buFont typeface="Arial" panose="020B0604020202020204" pitchFamily="34" charset="0"/>
-              <a:buChar char="•"/>
-            </a:pPr>
-            <a:r>
-              <a:rPr lang="pt-PT" dirty="0"/>
-              <a:t>Pesquisa da BST é feita através de </a:t>
-            </a:r>
-            <a:r>
-              <a:rPr lang="pt-PT" dirty="0" err="1"/>
-              <a:t>iteradores</a:t>
-            </a:r>
-            <a:r>
-              <a:rPr lang="pt-PT" dirty="0"/>
-              <a:t> em ordem, desta forma os elementos obtidos ficam devidamente organizados.</a:t>
-            </a:r>
-          </a:p>
-          <a:p>
-            <a:pPr marL="285750" indent="-285750">
-              <a:buClr>
-                <a:srgbClr val="8C2D19"/>
-              </a:buClr>
-              <a:buFont typeface="Arial" panose="020B0604020202020204" pitchFamily="34" charset="0"/>
-              <a:buChar char="•"/>
-            </a:pPr>
-            <a:r>
-              <a:rPr lang="en-GB" dirty="0"/>
-              <a:t>A </a:t>
-            </a:r>
-            <a:r>
-              <a:rPr lang="en-GB" dirty="0" err="1"/>
-              <a:t>informação</a:t>
-            </a:r>
-            <a:r>
-              <a:rPr lang="en-GB" dirty="0"/>
-              <a:t> </a:t>
-            </a:r>
-            <a:r>
-              <a:rPr lang="en-GB" dirty="0" err="1"/>
-              <a:t>relevante</a:t>
-            </a:r>
-            <a:r>
-              <a:rPr lang="en-GB" dirty="0"/>
-              <a:t> </a:t>
-            </a:r>
-            <a:r>
-              <a:rPr lang="en-GB" dirty="0" err="1"/>
-              <a:t>aos</a:t>
-            </a:r>
-            <a:r>
-              <a:rPr lang="en-GB" dirty="0"/>
-              <a:t> streamers </a:t>
-            </a:r>
-            <a:r>
-              <a:rPr lang="en-GB" dirty="0" err="1"/>
-              <a:t>foi</a:t>
-            </a:r>
-            <a:r>
-              <a:rPr lang="en-GB" dirty="0"/>
-              <a:t> </a:t>
-            </a:r>
-            <a:r>
-              <a:rPr lang="en-GB" dirty="0" err="1"/>
-              <a:t>movida</a:t>
-            </a:r>
-            <a:r>
-              <a:rPr lang="en-GB" dirty="0"/>
-              <a:t> para um </a:t>
-            </a:r>
-            <a:r>
-              <a:rPr lang="en-GB" dirty="0" err="1"/>
-              <a:t>unordered_set</a:t>
-            </a:r>
-            <a:r>
-              <a:rPr lang="en-GB" dirty="0"/>
-              <a:t>. </a:t>
-            </a:r>
-            <a:r>
-              <a:rPr lang="en-GB" dirty="0" err="1"/>
-              <a:t>Teve</a:t>
-            </a:r>
-            <a:r>
-              <a:rPr lang="en-GB" dirty="0"/>
-              <a:t> de se </a:t>
-            </a:r>
-            <a:r>
-              <a:rPr lang="en-GB" dirty="0" err="1"/>
-              <a:t>modificar</a:t>
-            </a:r>
-            <a:r>
-              <a:rPr lang="en-GB" dirty="0"/>
-              <a:t> a </a:t>
-            </a:r>
-            <a:r>
-              <a:rPr lang="en-GB" dirty="0" err="1"/>
-              <a:t>função</a:t>
-            </a:r>
-            <a:r>
-              <a:rPr lang="en-GB" dirty="0"/>
-              <a:t> </a:t>
-            </a:r>
-            <a:r>
-              <a:rPr lang="en-GB" dirty="0" err="1"/>
-              <a:t>getUser</a:t>
-            </a:r>
-            <a:r>
-              <a:rPr lang="en-GB" dirty="0"/>
-              <a:t>.</a:t>
-            </a:r>
-          </a:p>
-        </p:txBody>
-      </p:sp>
-      <p:sp>
-        <p:nvSpPr>
-          <p:cNvPr id="15" name="CaixaDeTexto 14">
-            <a:extLst>
-              <a:ext uri="{FF2B5EF4-FFF2-40B4-BE49-F238E27FC236}">
-                <a16:creationId xmlns:a16="http://schemas.microsoft.com/office/drawing/2014/main" id="{A81839B1-9541-4C3D-90BF-31A386C176B7}"/>
+            <a:r>
+              <a:rPr lang="pt-PT" sz="2400" dirty="0" err="1"/>
+              <a:t>Users</a:t>
+            </a:r>
+            <a:endParaRPr lang="en-GB" sz="2400" dirty="0"/>
+          </a:p>
+        </p:txBody>
+      </p:sp>
+      <p:sp>
+        <p:nvSpPr>
+          <p:cNvPr id="49" name="CaixaDeTexto 48">
+            <a:extLst>
+              <a:ext uri="{FF2B5EF4-FFF2-40B4-BE49-F238E27FC236}">
+                <a16:creationId xmlns:a16="http://schemas.microsoft.com/office/drawing/2014/main" id="{4BBA540B-35F5-4D98-A9F2-7BD8D3D98EB7}"/>
               </a:ext>
             </a:extLst>
           </p:cNvPr>
@@ -12268,8 +12733,8 @@
         </p:nvSpPr>
         <p:spPr>
           <a:xfrm>
-            <a:off x="10028464" y="2862896"/>
-            <a:ext cx="1127216" cy="338554"/>
+            <a:off x="1873187" y="2492105"/>
+            <a:ext cx="3204839" cy="923330"/>
           </a:xfrm>
           <a:prstGeom prst="rect">
             <a:avLst/>
@@ -12277,135 +12742,39 @@
           <a:noFill/>
         </p:spPr>
         <p:txBody>
-          <a:bodyPr wrap="square" rtlCol="0">
+          <a:bodyPr wrap="square">
             <a:spAutoFit/>
           </a:bodyPr>
           <a:lstStyle/>
           <a:p>
             <a:r>
-              <a:rPr lang="pt-PT" sz="1600" dirty="0" err="1"/>
-              <a:t>DataBase.h</a:t>
-            </a:r>
-            <a:endParaRPr lang="en-GB" sz="1600" dirty="0"/>
-          </a:p>
-        </p:txBody>
-      </p:sp>
-      <p:sp>
-        <p:nvSpPr>
-          <p:cNvPr id="17" name="CaixaDeTexto 16">
-            <a:extLst>
-              <a:ext uri="{FF2B5EF4-FFF2-40B4-BE49-F238E27FC236}">
-                <a16:creationId xmlns:a16="http://schemas.microsoft.com/office/drawing/2014/main" id="{81CB8B24-77F1-4D2B-AD3D-68F6F9D049FA}"/>
-              </a:ext>
-            </a:extLst>
-          </p:cNvPr>
-          <p:cNvSpPr txBox="1"/>
-          <p:nvPr/>
-        </p:nvSpPr>
-        <p:spPr>
-          <a:xfrm>
-            <a:off x="9323511" y="5807790"/>
-            <a:ext cx="1832169" cy="338554"/>
-          </a:xfrm>
-          <a:prstGeom prst="rect">
-            <a:avLst/>
-          </a:prstGeom>
-          <a:noFill/>
-        </p:spPr>
-        <p:txBody>
-          <a:bodyPr wrap="square" rtlCol="0">
-            <a:spAutoFit/>
-          </a:bodyPr>
-          <a:lstStyle/>
-          <a:p>
-            <a:r>
-              <a:rPr lang="pt-PT" sz="1600" dirty="0"/>
-              <a:t>SearchManager.cpp</a:t>
-            </a:r>
-            <a:endParaRPr lang="en-GB" sz="1600" dirty="0"/>
-          </a:p>
-        </p:txBody>
-      </p:sp>
-      <p:pic>
-        <p:nvPicPr>
-          <p:cNvPr id="19" name="Imagem 18">
-            <a:extLst>
-              <a:ext uri="{FF2B5EF4-FFF2-40B4-BE49-F238E27FC236}">
-                <a16:creationId xmlns:a16="http://schemas.microsoft.com/office/drawing/2014/main" id="{1631380D-B88A-4215-BE0E-22F695C32C8B}"/>
-              </a:ext>
-            </a:extLst>
-          </p:cNvPr>
-          <p:cNvPicPr>
-            <a:picLocks noChangeAspect="1"/>
-          </p:cNvPicPr>
-          <p:nvPr/>
-        </p:nvPicPr>
-        <p:blipFill>
-          <a:blip r:embed="rId2"/>
-          <a:stretch>
-            <a:fillRect/>
-          </a:stretch>
-        </p:blipFill>
-        <p:spPr>
-          <a:xfrm>
-            <a:off x="1189359" y="3745710"/>
-            <a:ext cx="3009530" cy="1976285"/>
-          </a:xfrm>
-          <a:prstGeom prst="rect">
-            <a:avLst/>
-          </a:prstGeom>
-        </p:spPr>
-      </p:pic>
-      <p:sp>
-        <p:nvSpPr>
-          <p:cNvPr id="21" name="CaixaDeTexto 20">
-            <a:extLst>
-              <a:ext uri="{FF2B5EF4-FFF2-40B4-BE49-F238E27FC236}">
-                <a16:creationId xmlns:a16="http://schemas.microsoft.com/office/drawing/2014/main" id="{5F124F6A-0A21-4FD6-B5AE-F0E92890F0F9}"/>
-              </a:ext>
-            </a:extLst>
-          </p:cNvPr>
-          <p:cNvSpPr txBox="1"/>
-          <p:nvPr/>
-        </p:nvSpPr>
-        <p:spPr>
-          <a:xfrm>
-            <a:off x="3163651" y="5669947"/>
-            <a:ext cx="1035238" cy="338554"/>
-          </a:xfrm>
-          <a:prstGeom prst="rect">
-            <a:avLst/>
-          </a:prstGeom>
-          <a:noFill/>
-        </p:spPr>
-        <p:txBody>
-          <a:bodyPr wrap="square" rtlCol="0">
-            <a:spAutoFit/>
-          </a:bodyPr>
-          <a:lstStyle/>
-          <a:p>
-            <a:r>
-              <a:rPr lang="pt-PT" sz="1600" dirty="0" err="1">
-                <a:solidFill>
-                  <a:srgbClr val="FF0000"/>
-                </a:solidFill>
-              </a:rPr>
-              <a:t>StreamZ.h</a:t>
-            </a:r>
-            <a:endParaRPr lang="en-GB" sz="1600" dirty="0">
-              <a:solidFill>
-                <a:srgbClr val="FF0000"/>
-              </a:solidFill>
-            </a:endParaRPr>
-          </a:p>
-        </p:txBody>
-      </p:sp>
-      <p:sp>
-        <p:nvSpPr>
-          <p:cNvPr id="2" name="Marcador de Posição do Rodapé 1">
-            <a:extLst>
-              <a:ext uri="{FF2B5EF4-FFF2-40B4-BE49-F238E27FC236}">
-                <a16:creationId xmlns:a16="http://schemas.microsoft.com/office/drawing/2014/main" id="{AC9C9DC4-4A5E-473D-B162-15858523817F}"/>
+              <a:rPr lang="en-GB" dirty="0" err="1"/>
+              <a:t>NoSuchOrderException</a:t>
+            </a:r>
+            <a:endParaRPr lang="en-GB" dirty="0"/>
+          </a:p>
+          <a:p>
+            <a:r>
+              <a:rPr lang="en-GB" dirty="0" err="1"/>
+              <a:t>OrdersEmptyException</a:t>
+            </a:r>
+            <a:endParaRPr lang="en-GB" dirty="0"/>
+          </a:p>
+          <a:p>
+            <a:r>
+              <a:rPr lang="en-GB" dirty="0" err="1"/>
+              <a:t>OrdersFullException</a:t>
+            </a:r>
+            <a:endParaRPr lang="en-GB" dirty="0"/>
+          </a:p>
+        </p:txBody>
+      </p:sp>
+      <p:sp>
+        <p:nvSpPr>
+          <p:cNvPr id="3" name="Marcador de Posição do Rodapé 2">
+            <a:extLst>
+              <a:ext uri="{FF2B5EF4-FFF2-40B4-BE49-F238E27FC236}">
+                <a16:creationId xmlns:a16="http://schemas.microsoft.com/office/drawing/2014/main" id="{BDC108CA-1009-4F33-BA90-654A55918ED3}"/>
               </a:ext>
             </a:extLst>
           </p:cNvPr>
@@ -12430,10 +12799,10 @@
       </p:sp>
       <p:sp>
         <p:nvSpPr>
-          <p:cNvPr id="3" name="Marcador de Posição do Número do Diapositivo 2">
-            <a:extLst>
-              <a:ext uri="{FF2B5EF4-FFF2-40B4-BE49-F238E27FC236}">
-                <a16:creationId xmlns:a16="http://schemas.microsoft.com/office/drawing/2014/main" id="{59E940EF-7100-4753-B4D6-8317706B5F39}"/>
+          <p:cNvPr id="4" name="Marcador de Posição do Número do Diapositivo 3">
+            <a:extLst>
+              <a:ext uri="{FF2B5EF4-FFF2-40B4-BE49-F238E27FC236}">
+                <a16:creationId xmlns:a16="http://schemas.microsoft.com/office/drawing/2014/main" id="{D3BE8DBB-2681-4EDA-A70E-FDD3F50D1646}"/>
               </a:ext>
             </a:extLst>
           </p:cNvPr>
@@ -12450,7 +12819,7 @@
           <a:lstStyle/>
           <a:p>
             <a:fld id="{75DB3F52-068C-4339-9FA6-06F9AAEB3337}" type="slidenum">
-              <a:rPr lang="en-GB" sz="2400"/>
+              <a:rPr lang="en-GB" sz="2400" smtClean="0"/>
               <a:t>8</a:t>
             </a:fld>
             <a:endParaRPr lang="en-GB" sz="2400" dirty="0"/>
@@ -12459,10 +12828,10 @@
       </p:sp>
       <p:pic>
         <p:nvPicPr>
-          <p:cNvPr id="14" name="Imagem 13">
-            <a:extLst>
-              <a:ext uri="{FF2B5EF4-FFF2-40B4-BE49-F238E27FC236}">
-                <a16:creationId xmlns:a16="http://schemas.microsoft.com/office/drawing/2014/main" id="{C71CCF36-FC3F-4EBC-8464-434B110BC0A4}"/>
+          <p:cNvPr id="27" name="Imagem 26">
+            <a:extLst>
+              <a:ext uri="{FF2B5EF4-FFF2-40B4-BE49-F238E27FC236}">
+                <a16:creationId xmlns:a16="http://schemas.microsoft.com/office/drawing/2014/main" id="{4B81C26A-46A2-487E-A5EE-7F6366169040}"/>
               </a:ext>
             </a:extLst>
           </p:cNvPr>
@@ -12472,7 +12841,7 @@
           <p:nvPr/>
         </p:nvPicPr>
         <p:blipFill rotWithShape="1">
-          <a:blip r:embed="rId3">
+          <a:blip r:embed="rId2">
             <a:extLst>
               <a:ext uri="{28A0092B-C50C-407E-A947-70E740481C1C}">
                 <a14:useLocalDpi xmlns:a14="http://schemas.microsoft.com/office/drawing/2010/main" val="0"/>
@@ -12492,70 +12861,10 @@
           </a:prstGeom>
         </p:spPr>
       </p:pic>
-      <p:pic>
-        <p:nvPicPr>
-          <p:cNvPr id="10" name="Imagem 9">
-            <a:extLst>
-              <a:ext uri="{FF2B5EF4-FFF2-40B4-BE49-F238E27FC236}">
-                <a16:creationId xmlns:a16="http://schemas.microsoft.com/office/drawing/2014/main" id="{01983A3F-4BB4-4B05-B2F2-8B9FB3D3EE53}"/>
-              </a:ext>
-            </a:extLst>
-          </p:cNvPr>
-          <p:cNvPicPr>
-            <a:picLocks noChangeAspect="1"/>
-          </p:cNvPicPr>
-          <p:nvPr/>
-        </p:nvPicPr>
-        <p:blipFill>
-          <a:blip r:embed="rId4"/>
-          <a:stretch>
-            <a:fillRect/>
-          </a:stretch>
-        </p:blipFill>
-        <p:spPr>
-          <a:xfrm>
-            <a:off x="6717741" y="1925499"/>
-            <a:ext cx="4370470" cy="979481"/>
-          </a:xfrm>
-          <a:prstGeom prst="rect">
-            <a:avLst/>
-          </a:prstGeom>
-        </p:spPr>
-      </p:pic>
-      <p:pic>
-        <p:nvPicPr>
-          <p:cNvPr id="6" name="Picture 5">
-            <a:extLst>
-              <a:ext uri="{FF2B5EF4-FFF2-40B4-BE49-F238E27FC236}">
-                <a16:creationId xmlns:a16="http://schemas.microsoft.com/office/drawing/2014/main" id="{734732CE-8093-4C2C-9310-00531976E575}"/>
-              </a:ext>
-            </a:extLst>
-          </p:cNvPr>
-          <p:cNvPicPr>
-            <a:picLocks noChangeAspect="1"/>
-          </p:cNvPicPr>
-          <p:nvPr/>
-        </p:nvPicPr>
-        <p:blipFill>
-          <a:blip r:embed="rId5"/>
-          <a:stretch>
-            <a:fillRect/>
-          </a:stretch>
-        </p:blipFill>
-        <p:spPr>
-          <a:xfrm>
-            <a:off x="5552891" y="3594945"/>
-            <a:ext cx="5535320" cy="2231140"/>
-          </a:xfrm>
-          <a:prstGeom prst="rect">
-            <a:avLst/>
-          </a:prstGeom>
-        </p:spPr>
-      </p:pic>
     </p:spTree>
     <p:extLst>
       <p:ext uri="{BB962C8B-B14F-4D97-AF65-F5344CB8AC3E}">
-        <p14:creationId xmlns:p14="http://schemas.microsoft.com/office/powerpoint/2010/main" val="1154785579"/>
+        <p14:creationId xmlns:p14="http://schemas.microsoft.com/office/powerpoint/2010/main" val="3082102471"/>
       </p:ext>
     </p:extLst>
   </p:cSld>
@@ -12584,10 +12893,10 @@
       </p:grpSpPr>
       <p:sp>
         <p:nvSpPr>
-          <p:cNvPr id="2" name="Título 1">
-            <a:extLst>
-              <a:ext uri="{FF2B5EF4-FFF2-40B4-BE49-F238E27FC236}">
-                <a16:creationId xmlns:a16="http://schemas.microsoft.com/office/drawing/2014/main" id="{94156D41-8965-4403-A98B-D1E242421D46}"/>
+          <p:cNvPr id="5" name="Título 1">
+            <a:extLst>
+              <a:ext uri="{FF2B5EF4-FFF2-40B4-BE49-F238E27FC236}">
+                <a16:creationId xmlns:a16="http://schemas.microsoft.com/office/drawing/2014/main" id="{898F1F90-3438-44BB-BDC7-B70CFDD04994}"/>
               </a:ext>
             </a:extLst>
           </p:cNvPr>
@@ -12598,19 +12907,19 @@
             <p:ph type="title"/>
           </p:nvPr>
         </p:nvSpPr>
-        <p:spPr/>
-        <p:txBody>
-          <a:bodyPr>
-            <a:normAutofit fontScale="90000"/>
-          </a:bodyPr>
+        <p:spPr>
+          <a:xfrm>
+            <a:off x="1097280" y="286603"/>
+            <a:ext cx="10058400" cy="1450757"/>
+          </a:xfrm>
+        </p:spPr>
+        <p:txBody>
+          <a:bodyPr/>
           <a:lstStyle/>
           <a:p>
             <a:pPr algn="ctr"/>
-            <a:br>
-              <a:rPr lang="en-GB" sz="3600" dirty="0"/>
-            </a:br>
-            <a:r>
-              <a:rPr lang="en-GB" sz="7300" dirty="0" err="1">
+            <a:r>
+              <a:rPr lang="pt-PT" sz="6600" dirty="0">
                 <a:solidFill>
                   <a:schemeClr val="tx1">
                     <a:lumMod val="85000"/>
@@ -12619,45 +12928,9 @@
                 </a:solidFill>
                 <a:latin typeface="Bahnschrift SemiLight" panose="020B0502040204020203" pitchFamily="34" charset="0"/>
               </a:rPr>
-              <a:t>Criar</a:t>
-            </a:r>
-            <a:r>
-              <a:rPr lang="en-GB" sz="7300" dirty="0">
-                <a:solidFill>
-                  <a:schemeClr val="tx1">
-                    <a:lumMod val="85000"/>
-                    <a:lumOff val="15000"/>
-                  </a:schemeClr>
-                </a:solidFill>
-                <a:latin typeface="Bahnschrift SemiLight" panose="020B0502040204020203" pitchFamily="34" charset="0"/>
-              </a:rPr>
-              <a:t>/</a:t>
-            </a:r>
-            <a:r>
-              <a:rPr lang="en-GB" sz="7300" dirty="0" err="1">
-                <a:solidFill>
-                  <a:schemeClr val="tx1">
-                    <a:lumMod val="85000"/>
-                    <a:lumOff val="15000"/>
-                  </a:schemeClr>
-                </a:solidFill>
-                <a:latin typeface="Bahnschrift SemiLight" panose="020B0502040204020203" pitchFamily="34" charset="0"/>
-              </a:rPr>
-              <a:t>Atualizar</a:t>
-            </a:r>
-            <a:r>
-              <a:rPr lang="en-GB" sz="7300" dirty="0">
-                <a:solidFill>
-                  <a:schemeClr val="tx1">
-                    <a:lumMod val="85000"/>
-                    <a:lumOff val="15000"/>
-                  </a:schemeClr>
-                </a:solidFill>
-                <a:latin typeface="Bahnschrift SemiLight" panose="020B0502040204020203" pitchFamily="34" charset="0"/>
-              </a:rPr>
-              <a:t>/ Remover</a:t>
-            </a:r>
-            <a:endParaRPr lang="pt-PT" sz="7300" dirty="0">
+              <a:t>Pesquisa</a:t>
+            </a:r>
+            <a:endParaRPr lang="en-GB" sz="6600" dirty="0">
               <a:solidFill>
                 <a:schemeClr val="tx1">
                   <a:lumMod val="85000"/>
@@ -12671,10 +12944,10 @@
       </p:sp>
       <p:cxnSp>
         <p:nvCxnSpPr>
-          <p:cNvPr id="5" name="Conexão reta 4">
-            <a:extLst>
-              <a:ext uri="{FF2B5EF4-FFF2-40B4-BE49-F238E27FC236}">
-                <a16:creationId xmlns:a16="http://schemas.microsoft.com/office/drawing/2014/main" id="{CB2239A8-67DE-444E-AC2F-873CA9F188C9}"/>
+          <p:cNvPr id="7" name="Conexão reta 6">
+            <a:extLst>
+              <a:ext uri="{FF2B5EF4-FFF2-40B4-BE49-F238E27FC236}">
+                <a16:creationId xmlns:a16="http://schemas.microsoft.com/office/drawing/2014/main" id="{C2E4CA01-F82D-4D76-AE17-74CEFAFD29FF}"/>
               </a:ext>
             </a:extLst>
           </p:cNvPr>
@@ -12714,10 +12987,10 @@
       </p:cxnSp>
       <p:sp>
         <p:nvSpPr>
-          <p:cNvPr id="23" name="CaixaDeTexto 22">
-            <a:extLst>
-              <a:ext uri="{FF2B5EF4-FFF2-40B4-BE49-F238E27FC236}">
-                <a16:creationId xmlns:a16="http://schemas.microsoft.com/office/drawing/2014/main" id="{3EDE5F5A-9157-40C4-9894-CDA1F597E236}"/>
+          <p:cNvPr id="13" name="CaixaDeTexto 12">
+            <a:extLst>
+              <a:ext uri="{FF2B5EF4-FFF2-40B4-BE49-F238E27FC236}">
+                <a16:creationId xmlns:a16="http://schemas.microsoft.com/office/drawing/2014/main" id="{7582186A-0E72-4556-B6E3-75E577AEAB3C}"/>
               </a:ext>
             </a:extLst>
           </p:cNvPr>
@@ -12726,8 +12999,8 @@
         </p:nvSpPr>
         <p:spPr>
           <a:xfrm>
-            <a:off x="9374819" y="5910467"/>
-            <a:ext cx="1659697" cy="338554"/>
+            <a:off x="1189358" y="1905778"/>
+            <a:ext cx="5468893" cy="1754326"/>
           </a:xfrm>
           <a:prstGeom prst="rect">
             <a:avLst/>
@@ -12740,28 +13013,127 @@
           </a:bodyPr>
           <a:lstStyle/>
           <a:p>
-            <a:r>
-              <a:rPr lang="pt-PT" sz="1600" dirty="0">
-                <a:solidFill>
-                  <a:srgbClr val="FF0000"/>
-                </a:solidFill>
-              </a:rPr>
-              <a:t>UserManager.cpp</a:t>
-            </a:r>
-            <a:endParaRPr lang="en-GB" sz="1600" dirty="0">
-              <a:solidFill>
-                <a:srgbClr val="FF0000"/>
-              </a:solidFill>
-            </a:endParaRPr>
-          </a:p>
-        </p:txBody>
-      </p:sp>
-      <p:sp>
-        <p:nvSpPr>
-          <p:cNvPr id="29" name="CaixaDeTexto 28">
-            <a:extLst>
-              <a:ext uri="{FF2B5EF4-FFF2-40B4-BE49-F238E27FC236}">
-                <a16:creationId xmlns:a16="http://schemas.microsoft.com/office/drawing/2014/main" id="{DE3766CB-8AD1-425D-85B3-6F68364D4BD1}"/>
+            <a:pPr marL="285750" indent="-285750">
+              <a:buClr>
+                <a:srgbClr val="8C2D19"/>
+              </a:buClr>
+              <a:buFont typeface="Arial" panose="020B0604020202020204" pitchFamily="34" charset="0"/>
+              <a:buChar char="•"/>
+            </a:pPr>
+            <a:r>
+              <a:rPr lang="pt-PT" dirty="0"/>
+              <a:t>Pesquisa da BST é feita através de </a:t>
+            </a:r>
+            <a:r>
+              <a:rPr lang="pt-PT" dirty="0" err="1"/>
+              <a:t>iteradores</a:t>
+            </a:r>
+            <a:r>
+              <a:rPr lang="pt-PT" dirty="0"/>
+              <a:t> em ordem, desta forma os elementos obtidos ficam devidamente organizados.</a:t>
+            </a:r>
+          </a:p>
+          <a:p>
+            <a:pPr marL="285750" indent="-285750">
+              <a:buClr>
+                <a:srgbClr val="8C2D19"/>
+              </a:buClr>
+              <a:buFont typeface="Arial" panose="020B0604020202020204" pitchFamily="34" charset="0"/>
+              <a:buChar char="•"/>
+            </a:pPr>
+            <a:r>
+              <a:rPr lang="en-GB" dirty="0"/>
+              <a:t>A </a:t>
+            </a:r>
+            <a:r>
+              <a:rPr lang="en-GB" dirty="0" err="1"/>
+              <a:t>informação</a:t>
+            </a:r>
+            <a:r>
+              <a:rPr lang="en-GB" dirty="0"/>
+              <a:t> </a:t>
+            </a:r>
+            <a:r>
+              <a:rPr lang="en-GB" dirty="0" err="1"/>
+              <a:t>relevante</a:t>
+            </a:r>
+            <a:r>
+              <a:rPr lang="en-GB" dirty="0"/>
+              <a:t> </a:t>
+            </a:r>
+            <a:r>
+              <a:rPr lang="en-GB" dirty="0" err="1"/>
+              <a:t>aos</a:t>
+            </a:r>
+            <a:r>
+              <a:rPr lang="en-GB" dirty="0"/>
+              <a:t> streamers </a:t>
+            </a:r>
+            <a:r>
+              <a:rPr lang="en-GB" dirty="0" err="1"/>
+              <a:t>foi</a:t>
+            </a:r>
+            <a:r>
+              <a:rPr lang="en-GB" dirty="0"/>
+              <a:t> </a:t>
+            </a:r>
+            <a:r>
+              <a:rPr lang="en-GB" dirty="0" err="1"/>
+              <a:t>movida</a:t>
+            </a:r>
+            <a:r>
+              <a:rPr lang="en-GB" dirty="0"/>
+              <a:t> para um </a:t>
+            </a:r>
+            <a:r>
+              <a:rPr lang="en-GB" dirty="0" err="1"/>
+              <a:t>unordered_set</a:t>
+            </a:r>
+            <a:r>
+              <a:rPr lang="en-GB" dirty="0"/>
+              <a:t>. </a:t>
+            </a:r>
+            <a:r>
+              <a:rPr lang="en-GB" dirty="0" err="1"/>
+              <a:t>Teve</a:t>
+            </a:r>
+            <a:r>
+              <a:rPr lang="en-GB" dirty="0"/>
+              <a:t> de se </a:t>
+            </a:r>
+            <a:r>
+              <a:rPr lang="en-GB" dirty="0" err="1"/>
+              <a:t>modificar</a:t>
+            </a:r>
+            <a:r>
+              <a:rPr lang="en-GB" dirty="0"/>
+              <a:t> a </a:t>
+            </a:r>
+            <a:r>
+              <a:rPr lang="en-GB" dirty="0" err="1"/>
+              <a:t>função</a:t>
+            </a:r>
+            <a:r>
+              <a:rPr lang="en-GB" dirty="0"/>
+              <a:t> </a:t>
+            </a:r>
+            <a:r>
+              <a:rPr lang="en-GB" dirty="0" err="1"/>
+              <a:t>getUser</a:t>
+            </a:r>
+            <a:r>
+              <a:rPr lang="en-GB" dirty="0"/>
+              <a:t>.</a:t>
+            </a:r>
+          </a:p>
+        </p:txBody>
+      </p:sp>
+      <p:sp>
+        <p:nvSpPr>
+          <p:cNvPr id="15" name="CaixaDeTexto 14">
+            <a:extLst>
+              <a:ext uri="{FF2B5EF4-FFF2-40B4-BE49-F238E27FC236}">
+                <a16:creationId xmlns:a16="http://schemas.microsoft.com/office/drawing/2014/main" id="{A81839B1-9541-4C3D-90BF-31A386C176B7}"/>
               </a:ext>
             </a:extLst>
           </p:cNvPr>
@@ -12770,8 +13142,8 @@
         </p:nvSpPr>
         <p:spPr>
           <a:xfrm>
-            <a:off x="10331952" y="3615979"/>
-            <a:ext cx="959293" cy="338554"/>
+            <a:off x="10028464" y="2862896"/>
+            <a:ext cx="1127216" cy="338554"/>
           </a:xfrm>
           <a:prstGeom prst="rect">
             <a:avLst/>
@@ -12785,27 +13157,55 @@
           <a:lstStyle/>
           <a:p>
             <a:r>
-              <a:rPr lang="pt-PT" sz="1600" dirty="0" err="1">
-                <a:solidFill>
-                  <a:srgbClr val="FF0000"/>
-                </a:solidFill>
-              </a:rPr>
-              <a:t>Viewer.h</a:t>
-            </a:r>
-            <a:endParaRPr lang="en-GB" sz="1600" dirty="0">
-              <a:solidFill>
-                <a:srgbClr val="FF0000"/>
-              </a:solidFill>
-            </a:endParaRPr>
+              <a:rPr lang="pt-PT" sz="1600" dirty="0" err="1"/>
+              <a:t>DataBase.h</a:t>
+            </a:r>
+            <a:endParaRPr lang="en-GB" sz="1600" dirty="0"/>
+          </a:p>
+        </p:txBody>
+      </p:sp>
+      <p:sp>
+        <p:nvSpPr>
+          <p:cNvPr id="17" name="CaixaDeTexto 16">
+            <a:extLst>
+              <a:ext uri="{FF2B5EF4-FFF2-40B4-BE49-F238E27FC236}">
+                <a16:creationId xmlns:a16="http://schemas.microsoft.com/office/drawing/2014/main" id="{81CB8B24-77F1-4D2B-AD3D-68F6F9D049FA}"/>
+              </a:ext>
+            </a:extLst>
+          </p:cNvPr>
+          <p:cNvSpPr txBox="1"/>
+          <p:nvPr/>
+        </p:nvSpPr>
+        <p:spPr>
+          <a:xfrm>
+            <a:off x="9323511" y="5807790"/>
+            <a:ext cx="1832169" cy="338554"/>
+          </a:xfrm>
+          <a:prstGeom prst="rect">
+            <a:avLst/>
+          </a:prstGeom>
+          <a:noFill/>
+        </p:spPr>
+        <p:txBody>
+          <a:bodyPr wrap="square" rtlCol="0">
+            <a:spAutoFit/>
+          </a:bodyPr>
+          <a:lstStyle/>
+          <a:p>
+            <a:r>
+              <a:rPr lang="pt-PT" sz="1600" dirty="0"/>
+              <a:t>SearchManager.cpp</a:t>
+            </a:r>
+            <a:endParaRPr lang="en-GB" sz="1600" dirty="0"/>
           </a:p>
         </p:txBody>
       </p:sp>
       <p:pic>
         <p:nvPicPr>
-          <p:cNvPr id="36" name="Imagem 35">
-            <a:extLst>
-              <a:ext uri="{FF2B5EF4-FFF2-40B4-BE49-F238E27FC236}">
-                <a16:creationId xmlns:a16="http://schemas.microsoft.com/office/drawing/2014/main" id="{7F0F9A73-114E-4E6C-8A5F-BC76BF08F4BF}"/>
+          <p:cNvPr id="19" name="Imagem 18">
+            <a:extLst>
+              <a:ext uri="{FF2B5EF4-FFF2-40B4-BE49-F238E27FC236}">
+                <a16:creationId xmlns:a16="http://schemas.microsoft.com/office/drawing/2014/main" id="{1631380D-B88A-4215-BE0E-22F695C32C8B}"/>
               </a:ext>
             </a:extLst>
           </p:cNvPr>
@@ -12822,8 +13222,144 @@
         </p:blipFill>
         <p:spPr>
           <a:xfrm>
-            <a:off x="8290312" y="2639077"/>
-            <a:ext cx="2865368" cy="541067"/>
+            <a:off x="1189359" y="3745710"/>
+            <a:ext cx="3009530" cy="1976285"/>
+          </a:xfrm>
+          <a:prstGeom prst="rect">
+            <a:avLst/>
+          </a:prstGeom>
+        </p:spPr>
+      </p:pic>
+      <p:sp>
+        <p:nvSpPr>
+          <p:cNvPr id="21" name="CaixaDeTexto 20">
+            <a:extLst>
+              <a:ext uri="{FF2B5EF4-FFF2-40B4-BE49-F238E27FC236}">
+                <a16:creationId xmlns:a16="http://schemas.microsoft.com/office/drawing/2014/main" id="{5F124F6A-0A21-4FD6-B5AE-F0E92890F0F9}"/>
+              </a:ext>
+            </a:extLst>
+          </p:cNvPr>
+          <p:cNvSpPr txBox="1"/>
+          <p:nvPr/>
+        </p:nvSpPr>
+        <p:spPr>
+          <a:xfrm>
+            <a:off x="3163651" y="5669947"/>
+            <a:ext cx="1035238" cy="338554"/>
+          </a:xfrm>
+          <a:prstGeom prst="rect">
+            <a:avLst/>
+          </a:prstGeom>
+          <a:noFill/>
+        </p:spPr>
+        <p:txBody>
+          <a:bodyPr wrap="square" rtlCol="0">
+            <a:spAutoFit/>
+          </a:bodyPr>
+          <a:lstStyle/>
+          <a:p>
+            <a:r>
+              <a:rPr lang="pt-PT" sz="1600" dirty="0" err="1">
+                <a:solidFill>
+                  <a:srgbClr val="FF0000"/>
+                </a:solidFill>
+              </a:rPr>
+              <a:t>StreamZ.h</a:t>
+            </a:r>
+            <a:endParaRPr lang="en-GB" sz="1600" dirty="0">
+              <a:solidFill>
+                <a:srgbClr val="FF0000"/>
+              </a:solidFill>
+            </a:endParaRPr>
+          </a:p>
+        </p:txBody>
+      </p:sp>
+      <p:sp>
+        <p:nvSpPr>
+          <p:cNvPr id="2" name="Marcador de Posição do Rodapé 1">
+            <a:extLst>
+              <a:ext uri="{FF2B5EF4-FFF2-40B4-BE49-F238E27FC236}">
+                <a16:creationId xmlns:a16="http://schemas.microsoft.com/office/drawing/2014/main" id="{AC9C9DC4-4A5E-473D-B162-15858523817F}"/>
+              </a:ext>
+            </a:extLst>
+          </p:cNvPr>
+          <p:cNvSpPr>
+            <a:spLocks noGrp="1"/>
+          </p:cNvSpPr>
+          <p:nvPr>
+            <p:ph type="ftr" sz="quarter" idx="11"/>
+          </p:nvPr>
+        </p:nvSpPr>
+        <p:spPr/>
+        <p:txBody>
+          <a:bodyPr/>
+          <a:lstStyle/>
+          <a:p>
+            <a:r>
+              <a:rPr lang="en-GB" sz="2400" b="1" dirty="0"/>
+              <a:t>2MIEIC04_G1</a:t>
+            </a:r>
+          </a:p>
+        </p:txBody>
+      </p:sp>
+      <p:sp>
+        <p:nvSpPr>
+          <p:cNvPr id="3" name="Marcador de Posição do Número do Diapositivo 2">
+            <a:extLst>
+              <a:ext uri="{FF2B5EF4-FFF2-40B4-BE49-F238E27FC236}">
+                <a16:creationId xmlns:a16="http://schemas.microsoft.com/office/drawing/2014/main" id="{59E940EF-7100-4753-B4D6-8317706B5F39}"/>
+              </a:ext>
+            </a:extLst>
+          </p:cNvPr>
+          <p:cNvSpPr>
+            <a:spLocks noGrp="1"/>
+          </p:cNvSpPr>
+          <p:nvPr>
+            <p:ph type="sldNum" sz="quarter" idx="12"/>
+          </p:nvPr>
+        </p:nvSpPr>
+        <p:spPr/>
+        <p:txBody>
+          <a:bodyPr/>
+          <a:lstStyle/>
+          <a:p>
+            <a:fld id="{75DB3F52-068C-4339-9FA6-06F9AAEB3337}" type="slidenum">
+              <a:rPr lang="en-GB" sz="2400"/>
+              <a:t>9</a:t>
+            </a:fld>
+            <a:endParaRPr lang="en-GB" sz="2400" dirty="0"/>
+          </a:p>
+        </p:txBody>
+      </p:sp>
+      <p:pic>
+        <p:nvPicPr>
+          <p:cNvPr id="14" name="Imagem 13">
+            <a:extLst>
+              <a:ext uri="{FF2B5EF4-FFF2-40B4-BE49-F238E27FC236}">
+                <a16:creationId xmlns:a16="http://schemas.microsoft.com/office/drawing/2014/main" id="{C71CCF36-FC3F-4EBC-8464-434B110BC0A4}"/>
+              </a:ext>
+            </a:extLst>
+          </p:cNvPr>
+          <p:cNvPicPr>
+            <a:picLocks noChangeAspect="1"/>
+          </p:cNvPicPr>
+          <p:nvPr/>
+        </p:nvPicPr>
+        <p:blipFill rotWithShape="1">
+          <a:blip r:embed="rId3">
+            <a:extLst>
+              <a:ext uri="{28A0092B-C50C-407E-A947-70E740481C1C}">
+                <a14:useLocalDpi xmlns:a14="http://schemas.microsoft.com/office/drawing/2010/main" val="0"/>
+              </a:ext>
+            </a:extLst>
+          </a:blip>
+          <a:srcRect r="39904"/>
+          <a:stretch/>
+        </p:blipFill>
+        <p:spPr>
+          <a:xfrm>
+            <a:off x="1097280" y="6500189"/>
+            <a:ext cx="1406360" cy="312685"/>
           </a:xfrm>
           <a:prstGeom prst="rect">
             <a:avLst/>
@@ -12832,40 +13368,10 @@
       </p:pic>
       <p:pic>
         <p:nvPicPr>
-          <p:cNvPr id="38" name="Imagem 37">
-            <a:extLst>
-              <a:ext uri="{FF2B5EF4-FFF2-40B4-BE49-F238E27FC236}">
-                <a16:creationId xmlns:a16="http://schemas.microsoft.com/office/drawing/2014/main" id="{20BD432F-393B-4D03-85B2-E8E9F407DF10}"/>
-              </a:ext>
-            </a:extLst>
-          </p:cNvPr>
-          <p:cNvPicPr>
-            <a:picLocks noChangeAspect="1"/>
-          </p:cNvPicPr>
-          <p:nvPr/>
-        </p:nvPicPr>
-        <p:blipFill>
-          <a:blip r:embed="rId3"/>
-          <a:stretch>
-            <a:fillRect/>
-          </a:stretch>
-        </p:blipFill>
-        <p:spPr>
-          <a:xfrm>
-            <a:off x="8899965" y="2173788"/>
-            <a:ext cx="2255715" cy="472481"/>
-          </a:xfrm>
-          <a:prstGeom prst="rect">
-            <a:avLst/>
-          </a:prstGeom>
-        </p:spPr>
-      </p:pic>
-      <p:pic>
-        <p:nvPicPr>
-          <p:cNvPr id="40" name="Imagem 39">
-            <a:extLst>
-              <a:ext uri="{FF2B5EF4-FFF2-40B4-BE49-F238E27FC236}">
-                <a16:creationId xmlns:a16="http://schemas.microsoft.com/office/drawing/2014/main" id="{9BC08A33-DC37-41F1-8AEA-3D9E6636145F}"/>
+          <p:cNvPr id="10" name="Imagem 9">
+            <a:extLst>
+              <a:ext uri="{FF2B5EF4-FFF2-40B4-BE49-F238E27FC236}">
+                <a16:creationId xmlns:a16="http://schemas.microsoft.com/office/drawing/2014/main" id="{01983A3F-4BB4-4B05-B2F2-8B9FB3D3EE53}"/>
               </a:ext>
             </a:extLst>
           </p:cNvPr>
@@ -12882,164 +13388,20 @@
         </p:blipFill>
         <p:spPr>
           <a:xfrm>
-            <a:off x="7375832" y="3156517"/>
-            <a:ext cx="3779848" cy="510584"/>
+            <a:off x="6717741" y="1925499"/>
+            <a:ext cx="4370470" cy="979481"/>
           </a:xfrm>
           <a:prstGeom prst="rect">
             <a:avLst/>
           </a:prstGeom>
         </p:spPr>
       </p:pic>
-      <p:sp>
-        <p:nvSpPr>
-          <p:cNvPr id="41" name="CaixaDeTexto 40">
-            <a:extLst>
-              <a:ext uri="{FF2B5EF4-FFF2-40B4-BE49-F238E27FC236}">
-                <a16:creationId xmlns:a16="http://schemas.microsoft.com/office/drawing/2014/main" id="{53A78830-F1D5-4288-A9BC-8C76AEB8D97D}"/>
-              </a:ext>
-            </a:extLst>
-          </p:cNvPr>
-          <p:cNvSpPr txBox="1"/>
-          <p:nvPr/>
-        </p:nvSpPr>
-        <p:spPr>
-          <a:xfrm>
-            <a:off x="1297720" y="1896645"/>
-            <a:ext cx="5689006" cy="2031325"/>
-          </a:xfrm>
-          <a:prstGeom prst="rect">
-            <a:avLst/>
-          </a:prstGeom>
-          <a:noFill/>
-        </p:spPr>
-        <p:txBody>
-          <a:bodyPr wrap="square" rtlCol="0">
-            <a:spAutoFit/>
-          </a:bodyPr>
-          <a:lstStyle/>
-          <a:p>
-            <a:pPr marL="285750" indent="-285750">
-              <a:buClr>
-                <a:srgbClr val="8C2D19"/>
-              </a:buClr>
-              <a:buFont typeface="Arial" panose="020B0604020202020204" pitchFamily="34" charset="0"/>
-              <a:buChar char="•"/>
-            </a:pPr>
-            <a:r>
-              <a:rPr lang="pt-PT" dirty="0"/>
-              <a:t>Inserção e remoção de elementos na BST são feitos a partir dos métodos definidos em </a:t>
-            </a:r>
-            <a:r>
-              <a:rPr lang="pt-PT" dirty="0" err="1"/>
-              <a:t>BST.h</a:t>
-            </a:r>
-            <a:r>
-              <a:rPr lang="pt-PT" dirty="0"/>
-              <a:t>. Usado os algoritmos de </a:t>
-            </a:r>
-            <a:r>
-              <a:rPr lang="pt-PT" dirty="0" err="1"/>
-              <a:t>find</a:t>
-            </a:r>
-            <a:r>
-              <a:rPr lang="pt-PT" dirty="0"/>
-              <a:t> e remove da BST.</a:t>
-            </a:r>
-          </a:p>
-          <a:p>
-            <a:pPr marL="285750" indent="-285750">
-              <a:buClr>
-                <a:srgbClr val="8C2D19"/>
-              </a:buClr>
-              <a:buFont typeface="Arial" panose="020B0604020202020204" pitchFamily="34" charset="0"/>
-              <a:buChar char="•"/>
-            </a:pPr>
-            <a:r>
-              <a:rPr lang="pt-PT" dirty="0"/>
-              <a:t>Opção de desativar a conta </a:t>
-            </a:r>
-            <a:r>
-              <a:rPr lang="pt-PT" dirty="0" err="1"/>
-              <a:t>streamer</a:t>
-            </a:r>
-            <a:r>
-              <a:rPr lang="pt-PT" dirty="0"/>
-              <a:t> e de apagar permanentemente. Pode ser alterado o seu nome, password, é também possível eliminar </a:t>
-            </a:r>
-            <a:r>
-              <a:rPr lang="pt-PT" dirty="0" err="1"/>
-              <a:t>streams</a:t>
-            </a:r>
-            <a:r>
-              <a:rPr lang="pt-PT" dirty="0"/>
-              <a:t> deste através da conta de administrador.</a:t>
-            </a:r>
-          </a:p>
-        </p:txBody>
-      </p:sp>
-      <p:sp>
-        <p:nvSpPr>
-          <p:cNvPr id="3" name="Marcador de Posição do Rodapé 2">
-            <a:extLst>
-              <a:ext uri="{FF2B5EF4-FFF2-40B4-BE49-F238E27FC236}">
-                <a16:creationId xmlns:a16="http://schemas.microsoft.com/office/drawing/2014/main" id="{46E07225-AC96-4BE3-BF46-5D4E1E904945}"/>
-              </a:ext>
-            </a:extLst>
-          </p:cNvPr>
-          <p:cNvSpPr>
-            <a:spLocks noGrp="1"/>
-          </p:cNvSpPr>
-          <p:nvPr>
-            <p:ph type="ftr" sz="quarter" idx="11"/>
-          </p:nvPr>
-        </p:nvSpPr>
-        <p:spPr/>
-        <p:txBody>
-          <a:bodyPr/>
-          <a:lstStyle/>
-          <a:p>
-            <a:r>
-              <a:rPr lang="en-GB" sz="2400" b="1" dirty="0"/>
-              <a:t>2MIEIC04_G1</a:t>
-            </a:r>
-          </a:p>
-        </p:txBody>
-      </p:sp>
-      <p:sp>
-        <p:nvSpPr>
-          <p:cNvPr id="6" name="Marcador de Posição do Número do Diapositivo 5">
-            <a:extLst>
-              <a:ext uri="{FF2B5EF4-FFF2-40B4-BE49-F238E27FC236}">
-                <a16:creationId xmlns:a16="http://schemas.microsoft.com/office/drawing/2014/main" id="{C2560148-6F83-4804-9A82-C924B2C63501}"/>
-              </a:ext>
-            </a:extLst>
-          </p:cNvPr>
-          <p:cNvSpPr>
-            <a:spLocks noGrp="1"/>
-          </p:cNvSpPr>
-          <p:nvPr>
-            <p:ph type="sldNum" sz="quarter" idx="12"/>
-          </p:nvPr>
-        </p:nvSpPr>
-        <p:spPr/>
-        <p:txBody>
-          <a:bodyPr/>
-          <a:lstStyle/>
-          <a:p>
-            <a:fld id="{75DB3F52-068C-4339-9FA6-06F9AAEB3337}" type="slidenum">
-              <a:rPr lang="en-GB" sz="2400"/>
-              <a:t>9</a:t>
-            </a:fld>
-            <a:endParaRPr lang="en-GB" sz="2400" dirty="0"/>
-          </a:p>
-        </p:txBody>
-      </p:sp>
       <p:pic>
         <p:nvPicPr>
-          <p:cNvPr id="16" name="Imagem 15">
-            <a:extLst>
-              <a:ext uri="{FF2B5EF4-FFF2-40B4-BE49-F238E27FC236}">
-                <a16:creationId xmlns:a16="http://schemas.microsoft.com/office/drawing/2014/main" id="{5C7ABC6E-E6AE-4BFA-9C4B-2A3113750E53}"/>
+          <p:cNvPr id="6" name="Picture 5">
+            <a:extLst>
+              <a:ext uri="{FF2B5EF4-FFF2-40B4-BE49-F238E27FC236}">
+                <a16:creationId xmlns:a16="http://schemas.microsoft.com/office/drawing/2014/main" id="{734732CE-8093-4C2C-9310-00531976E575}"/>
               </a:ext>
             </a:extLst>
           </p:cNvPr>
@@ -13048,51 +13410,16 @@
           </p:cNvPicPr>
           <p:nvPr/>
         </p:nvPicPr>
-        <p:blipFill rotWithShape="1">
-          <a:blip r:embed="rId5">
-            <a:extLst>
-              <a:ext uri="{28A0092B-C50C-407E-A947-70E740481C1C}">
-                <a14:useLocalDpi xmlns:a14="http://schemas.microsoft.com/office/drawing/2010/main" val="0"/>
-              </a:ext>
-            </a:extLst>
-          </a:blip>
-          <a:srcRect r="39904"/>
-          <a:stretch/>
-        </p:blipFill>
-        <p:spPr>
-          <a:xfrm>
-            <a:off x="1097280" y="6500189"/>
-            <a:ext cx="1406360" cy="312685"/>
-          </a:xfrm>
-          <a:prstGeom prst="rect">
-            <a:avLst/>
-          </a:prstGeom>
-        </p:spPr>
-      </p:pic>
-      <p:pic>
-        <p:nvPicPr>
-          <p:cNvPr id="7" name="Picture 6">
-            <a:extLst>
-              <a:ext uri="{FF2B5EF4-FFF2-40B4-BE49-F238E27FC236}">
-                <a16:creationId xmlns:a16="http://schemas.microsoft.com/office/drawing/2014/main" id="{F3A67BFC-D4F7-426E-A3B5-DB0849F5C01A}"/>
-              </a:ext>
-            </a:extLst>
-          </p:cNvPr>
-          <p:cNvPicPr>
-            <a:picLocks noChangeAspect="1"/>
-          </p:cNvPicPr>
-          <p:nvPr/>
-        </p:nvPicPr>
         <p:blipFill>
-          <a:blip r:embed="rId6"/>
+          <a:blip r:embed="rId5"/>
           <a:stretch>
             <a:fillRect/>
           </a:stretch>
         </p:blipFill>
         <p:spPr>
           <a:xfrm>
-            <a:off x="1741207" y="4368008"/>
-            <a:ext cx="8951649" cy="1505263"/>
+            <a:off x="5552891" y="3594945"/>
+            <a:ext cx="5535320" cy="2231140"/>
           </a:xfrm>
           <a:prstGeom prst="rect">
             <a:avLst/>
@@ -13102,7 +13429,7 @@
     </p:spTree>
     <p:extLst>
       <p:ext uri="{BB962C8B-B14F-4D97-AF65-F5344CB8AC3E}">
-        <p14:creationId xmlns:p14="http://schemas.microsoft.com/office/powerpoint/2010/main" val="1811745654"/>
+        <p14:creationId xmlns:p14="http://schemas.microsoft.com/office/powerpoint/2010/main" val="1154785579"/>
       </p:ext>
     </p:extLst>
   </p:cSld>

--- a/StreamZ__P2.pptx
+++ b/StreamZ__P2.pptx
@@ -372,7 +372,7 @@
           <a:p>
             <a:fld id="{B3BE95CB-A87E-409C-9CB9-073D81AF8FD7}" type="slidenum">
               <a:rPr lang="en-GB" smtClean="0"/>
-              <a:t>‹#›</a:t>
+              <a:t>‹nº›</a:t>
             </a:fld>
             <a:endParaRPr lang="en-GB"/>
           </a:p>
@@ -754,7 +754,7 @@
           <a:p>
             <a:fld id="{75DB3F52-068C-4339-9FA6-06F9AAEB3337}" type="slidenum">
               <a:rPr lang="en-GB" smtClean="0"/>
-              <a:t>‹#›</a:t>
+              <a:t>‹nº›</a:t>
             </a:fld>
             <a:endParaRPr lang="en-GB"/>
           </a:p>
@@ -965,7 +965,7 @@
           <a:p>
             <a:fld id="{75DB3F52-068C-4339-9FA6-06F9AAEB3337}" type="slidenum">
               <a:rPr lang="en-GB" smtClean="0"/>
-              <a:t>‹#›</a:t>
+              <a:t>‹nº›</a:t>
             </a:fld>
             <a:endParaRPr lang="en-GB"/>
           </a:p>
@@ -1226,7 +1226,7 @@
           <a:p>
             <a:fld id="{75DB3F52-068C-4339-9FA6-06F9AAEB3337}" type="slidenum">
               <a:rPr lang="en-GB" smtClean="0"/>
-              <a:t>‹#›</a:t>
+              <a:t>‹nº›</a:t>
             </a:fld>
             <a:endParaRPr lang="en-GB"/>
           </a:p>
@@ -1399,7 +1399,7 @@
           <a:p>
             <a:fld id="{75DB3F52-068C-4339-9FA6-06F9AAEB3337}" type="slidenum">
               <a:rPr lang="en-GB" smtClean="0"/>
-              <a:t>‹#›</a:t>
+              <a:t>‹nº›</a:t>
             </a:fld>
             <a:endParaRPr lang="en-GB"/>
           </a:p>
@@ -1739,7 +1739,7 @@
           <a:p>
             <a:fld id="{75DB3F52-068C-4339-9FA6-06F9AAEB3337}" type="slidenum">
               <a:rPr lang="en-GB" smtClean="0"/>
-              <a:t>‹#›</a:t>
+              <a:t>‹nº›</a:t>
             </a:fld>
             <a:endParaRPr lang="en-GB"/>
           </a:p>
@@ -2017,7 +2017,7 @@
           <a:p>
             <a:fld id="{75DB3F52-068C-4339-9FA6-06F9AAEB3337}" type="slidenum">
               <a:rPr lang="en-GB" smtClean="0"/>
-              <a:t>‹#›</a:t>
+              <a:t>‹nº›</a:t>
             </a:fld>
             <a:endParaRPr lang="en-GB"/>
           </a:p>
@@ -2403,7 +2403,7 @@
           <a:p>
             <a:fld id="{75DB3F52-068C-4339-9FA6-06F9AAEB3337}" type="slidenum">
               <a:rPr lang="en-GB" smtClean="0"/>
-              <a:t>‹#›</a:t>
+              <a:t>‹nº›</a:t>
             </a:fld>
             <a:endParaRPr lang="en-GB"/>
           </a:p>
@@ -2524,7 +2524,7 @@
           <a:p>
             <a:fld id="{75DB3F52-068C-4339-9FA6-06F9AAEB3337}" type="slidenum">
               <a:rPr lang="en-GB" smtClean="0"/>
-              <a:t>‹#›</a:t>
+              <a:t>‹nº›</a:t>
             </a:fld>
             <a:endParaRPr lang="en-GB"/>
           </a:p>
@@ -2708,7 +2708,7 @@
           <a:p>
             <a:fld id="{75DB3F52-068C-4339-9FA6-06F9AAEB3337}" type="slidenum">
               <a:rPr lang="en-GB" smtClean="0"/>
-              <a:t>‹#›</a:t>
+              <a:t>‹nº›</a:t>
             </a:fld>
             <a:endParaRPr lang="en-GB"/>
           </a:p>
@@ -3080,7 +3080,7 @@
           <a:p>
             <a:fld id="{75DB3F52-068C-4339-9FA6-06F9AAEB3337}" type="slidenum">
               <a:rPr lang="en-GB" smtClean="0"/>
-              <a:t>‹#›</a:t>
+              <a:t>‹nº›</a:t>
             </a:fld>
             <a:endParaRPr lang="en-GB"/>
           </a:p>
@@ -3426,7 +3426,7 @@
           <a:p>
             <a:fld id="{75DB3F52-068C-4339-9FA6-06F9AAEB3337}" type="slidenum">
               <a:rPr lang="en-GB" smtClean="0"/>
-              <a:t>‹#›</a:t>
+              <a:t>‹nº›</a:t>
             </a:fld>
             <a:endParaRPr lang="en-GB"/>
           </a:p>
@@ -3756,7 +3756,7 @@
           <a:p>
             <a:fld id="{75DB3F52-068C-4339-9FA6-06F9AAEB3337}" type="slidenum">
               <a:rPr lang="en-GB" smtClean="0"/>
-              <a:t>‹#›</a:t>
+              <a:t>‹nº›</a:t>
             </a:fld>
             <a:endParaRPr lang="en-GB"/>
           </a:p>
@@ -5069,7 +5069,7 @@
             </a:r>
             <a:r>
               <a:rPr lang="pt-PT" dirty="0"/>
-              <a:t>. Usado os algoritmos de </a:t>
+              <a:t>. São usados os algoritmos de </a:t>
             </a:r>
             <a:r>
               <a:rPr lang="pt-PT" dirty="0" err="1"/>
@@ -5344,7 +5344,7 @@
         </p:blipFill>
         <p:spPr>
           <a:xfrm>
-            <a:off x="635001" y="1866129"/>
+            <a:off x="6907318" y="1806606"/>
             <a:ext cx="4539310" cy="1622394"/>
           </a:xfrm>
           <a:prstGeom prst="rect">
@@ -5488,7 +5488,7 @@
         </p:nvSpPr>
         <p:spPr>
           <a:xfrm>
-            <a:off x="768237" y="3565412"/>
+            <a:off x="10236515" y="3402610"/>
             <a:ext cx="1513324" cy="338554"/>
           </a:xfrm>
           <a:prstGeom prst="rect">
@@ -5524,7 +5524,7 @@
         </p:nvSpPr>
         <p:spPr>
           <a:xfrm>
-            <a:off x="590612" y="5889285"/>
+            <a:off x="4612839" y="5848716"/>
             <a:ext cx="1513324" cy="338554"/>
           </a:xfrm>
           <a:prstGeom prst="rect">
@@ -5568,7 +5568,7 @@
         </p:blipFill>
         <p:spPr>
           <a:xfrm>
-            <a:off x="6126163" y="2430867"/>
+            <a:off x="6302909" y="3789881"/>
             <a:ext cx="5298479" cy="2254461"/>
           </a:xfrm>
           <a:prstGeom prst="rect">
@@ -5590,7 +5590,7 @@
         </p:nvSpPr>
         <p:spPr>
           <a:xfrm>
-            <a:off x="10398701" y="4685328"/>
+            <a:off x="10575447" y="6044342"/>
             <a:ext cx="1513324" cy="338554"/>
           </a:xfrm>
           <a:prstGeom prst="rect">
@@ -5614,10 +5614,10 @@
       </p:sp>
       <p:sp>
         <p:nvSpPr>
-          <p:cNvPr id="18" name="CaixaDeTexto 28">
-            <a:extLst>
-              <a:ext uri="{FF2B5EF4-FFF2-40B4-BE49-F238E27FC236}">
-                <a16:creationId xmlns:a16="http://schemas.microsoft.com/office/drawing/2014/main" id="{7C4C7064-EFB2-4802-990F-65C9B4638C88}"/>
+          <p:cNvPr id="21" name="CaixaDeTexto 28">
+            <a:extLst>
+              <a:ext uri="{FF2B5EF4-FFF2-40B4-BE49-F238E27FC236}">
+                <a16:creationId xmlns:a16="http://schemas.microsoft.com/office/drawing/2014/main" id="{C37B4128-DD8F-48F2-A96F-C59F14FBBD5F}"/>
               </a:ext>
             </a:extLst>
           </p:cNvPr>
@@ -5626,8 +5626,8 @@
         </p:nvSpPr>
         <p:spPr>
           <a:xfrm>
-            <a:off x="6148100" y="4685328"/>
-            <a:ext cx="2774790" cy="338554"/>
+            <a:off x="893396" y="1943201"/>
+            <a:ext cx="4985712" cy="2062103"/>
           </a:xfrm>
           <a:prstGeom prst="rect">
             <a:avLst/>
@@ -5640,81 +5640,64 @@
           </a:bodyPr>
           <a:lstStyle/>
           <a:p>
+            <a:pPr marL="285750" indent="-285750">
+              <a:buClr>
+                <a:srgbClr val="8C2D19"/>
+              </a:buClr>
+              <a:buFont typeface="Arial" panose="020B0604020202020204" pitchFamily="34" charset="0"/>
+              <a:buChar char="•"/>
+            </a:pPr>
             <a:r>
               <a:rPr lang="pt-PT" sz="1600" dirty="0"/>
-              <a:t>Criar/Remover pelo Viewer</a:t>
-            </a:r>
-            <a:endParaRPr lang="en-GB" sz="1600" dirty="0"/>
-          </a:p>
-        </p:txBody>
-      </p:sp>
-      <p:sp>
-        <p:nvSpPr>
-          <p:cNvPr id="20" name="CaixaDeTexto 28">
-            <a:extLst>
-              <a:ext uri="{FF2B5EF4-FFF2-40B4-BE49-F238E27FC236}">
-                <a16:creationId xmlns:a16="http://schemas.microsoft.com/office/drawing/2014/main" id="{C29004DD-2F7F-4AAD-91BB-08F150AF8C4B}"/>
-              </a:ext>
-            </a:extLst>
-          </p:cNvPr>
-          <p:cNvSpPr txBox="1"/>
-          <p:nvPr/>
-        </p:nvSpPr>
-        <p:spPr>
-          <a:xfrm>
-            <a:off x="3347441" y="5914755"/>
-            <a:ext cx="3053357" cy="338554"/>
-          </a:xfrm>
-          <a:prstGeom prst="rect">
-            <a:avLst/>
-          </a:prstGeom>
-          <a:noFill/>
-        </p:spPr>
-        <p:txBody>
-          <a:bodyPr wrap="square" rtlCol="0">
-            <a:spAutoFit/>
-          </a:bodyPr>
-          <a:lstStyle/>
-          <a:p>
+              <a:t>Criar/Remover </a:t>
+            </a:r>
+            <a:r>
+              <a:rPr lang="pt-PT" sz="1600" dirty="0" err="1"/>
+              <a:t>order</a:t>
+            </a:r>
             <a:r>
               <a:rPr lang="pt-PT" sz="1600" dirty="0"/>
-              <a:t>Criar/Remover pelo Streamer</a:t>
-            </a:r>
-            <a:endParaRPr lang="en-GB" sz="1600" dirty="0"/>
-          </a:p>
-        </p:txBody>
-      </p:sp>
-      <p:sp>
-        <p:nvSpPr>
-          <p:cNvPr id="21" name="CaixaDeTexto 28">
-            <a:extLst>
-              <a:ext uri="{FF2B5EF4-FFF2-40B4-BE49-F238E27FC236}">
-                <a16:creationId xmlns:a16="http://schemas.microsoft.com/office/drawing/2014/main" id="{C37B4128-DD8F-48F2-A96F-C59F14FBBD5F}"/>
-              </a:ext>
-            </a:extLst>
-          </p:cNvPr>
-          <p:cNvSpPr txBox="1"/>
-          <p:nvPr/>
-        </p:nvSpPr>
-        <p:spPr>
-          <a:xfrm>
-            <a:off x="2244481" y="3448777"/>
-            <a:ext cx="3053357" cy="584775"/>
-          </a:xfrm>
-          <a:prstGeom prst="rect">
-            <a:avLst/>
-          </a:prstGeom>
-          <a:noFill/>
-        </p:spPr>
-        <p:txBody>
-          <a:bodyPr wrap="square" rtlCol="0">
-            <a:spAutoFit/>
-          </a:bodyPr>
-          <a:lstStyle/>
-          <a:p>
+              <a:t> pelo </a:t>
+            </a:r>
+            <a:r>
+              <a:rPr lang="pt-PT" sz="1600" dirty="0" err="1"/>
+              <a:t>Viewer</a:t>
+            </a:r>
+            <a:endParaRPr lang="pt-PT" sz="1600" dirty="0"/>
+          </a:p>
+          <a:p>
+            <a:pPr marL="285750" indent="-285750">
+              <a:buClr>
+                <a:srgbClr val="8C2D19"/>
+              </a:buClr>
+              <a:buFont typeface="Arial" panose="020B0604020202020204" pitchFamily="34" charset="0"/>
+              <a:buChar char="•"/>
+            </a:pPr>
+            <a:endParaRPr lang="pt-PT" sz="1600" dirty="0"/>
+          </a:p>
+          <a:p>
+            <a:pPr marL="285750" indent="-285750">
+              <a:buClr>
+                <a:srgbClr val="8C2D19"/>
+              </a:buClr>
+              <a:buFont typeface="Arial" panose="020B0604020202020204" pitchFamily="34" charset="0"/>
+              <a:buChar char="•"/>
+            </a:pPr>
+            <a:r>
+              <a:rPr lang="pt-PT" sz="1600" dirty="0" err="1"/>
+              <a:t>Streamer</a:t>
+            </a:r>
             <a:r>
               <a:rPr lang="pt-PT" sz="1600" dirty="0"/>
-              <a:t>Remover pelo Streamer sabendo o </a:t>
+              <a:t> capaz de remover </a:t>
+            </a:r>
+            <a:r>
+              <a:rPr lang="pt-PT" sz="1600" dirty="0" err="1"/>
+              <a:t>order</a:t>
+            </a:r>
+            <a:r>
+              <a:rPr lang="pt-PT" sz="1600" dirty="0"/>
+              <a:t> sabendo o </a:t>
             </a:r>
             <a:r>
               <a:rPr lang="pt-PT" sz="1600" dirty="0" err="1"/>
@@ -5722,44 +5705,35 @@
             </a:r>
             <a:r>
               <a:rPr lang="pt-PT" sz="1600" dirty="0"/>
-              <a:t> do viewer</a:t>
-            </a:r>
-            <a:endParaRPr lang="en-GB" sz="1600" dirty="0"/>
-          </a:p>
-        </p:txBody>
-      </p:sp>
-      <p:sp>
-        <p:nvSpPr>
-          <p:cNvPr id="22" name="CaixaDeTexto 28">
-            <a:extLst>
-              <a:ext uri="{FF2B5EF4-FFF2-40B4-BE49-F238E27FC236}">
-                <a16:creationId xmlns:a16="http://schemas.microsoft.com/office/drawing/2014/main" id="{274CFBE1-B821-4B6E-A023-89774361F22D}"/>
-              </a:ext>
-            </a:extLst>
-          </p:cNvPr>
-          <p:cNvSpPr txBox="1"/>
-          <p:nvPr/>
-        </p:nvSpPr>
-        <p:spPr>
-          <a:xfrm>
-            <a:off x="6405061" y="5384860"/>
-            <a:ext cx="3993639" cy="584775"/>
-          </a:xfrm>
-          <a:prstGeom prst="rect">
-            <a:avLst/>
-          </a:prstGeom>
-          <a:noFill/>
-        </p:spPr>
-        <p:txBody>
-          <a:bodyPr wrap="square" rtlCol="0">
-            <a:spAutoFit/>
-          </a:bodyPr>
-          <a:lstStyle/>
-          <a:p>
-            <a:pPr algn="just"/>
+              <a:t> do </a:t>
+            </a:r>
+            <a:r>
+              <a:rPr lang="pt-PT" sz="1600" dirty="0" err="1"/>
+              <a:t>viewer</a:t>
+            </a:r>
+            <a:endParaRPr lang="pt-PT" sz="1600" dirty="0"/>
+          </a:p>
+          <a:p>
+            <a:pPr marL="285750" indent="-285750">
+              <a:buClr>
+                <a:srgbClr val="8C2D19"/>
+              </a:buClr>
+              <a:buFont typeface="Arial" panose="020B0604020202020204" pitchFamily="34" charset="0"/>
+              <a:buChar char="•"/>
+            </a:pPr>
+            <a:endParaRPr lang="pt-PT" sz="1600" dirty="0"/>
+          </a:p>
+          <a:p>
+            <a:pPr marL="285750" indent="-285750">
+              <a:buClr>
+                <a:srgbClr val="8C2D19"/>
+              </a:buClr>
+              <a:buFont typeface="Arial" panose="020B0604020202020204" pitchFamily="34" charset="0"/>
+              <a:buChar char="•"/>
+            </a:pPr>
             <a:r>
               <a:rPr lang="pt-PT" sz="1600" dirty="0"/>
-              <a:t>Atualização do máximo número de </a:t>
+              <a:t>Possibilidade de atualizar numero máximo de </a:t>
             </a:r>
             <a:r>
               <a:rPr lang="pt-PT" sz="1600" dirty="0" err="1"/>
@@ -5767,16 +5741,18 @@
             </a:r>
             <a:r>
               <a:rPr lang="pt-PT" sz="1600" dirty="0"/>
-              <a:t> de </a:t>
-            </a:r>
-            <a:r>
-              <a:rPr lang="pt-PT" sz="1600" dirty="0" err="1"/>
-              <a:t>merch</a:t>
-            </a:r>
-            <a:r>
-              <a:rPr lang="pt-PT" sz="1600" dirty="0"/>
-              <a:t> através da conta administradora</a:t>
-            </a:r>
+              <a:t> através da conta de administrador</a:t>
+            </a:r>
+            <a:endParaRPr lang="en-GB" sz="1600" dirty="0"/>
+          </a:p>
+          <a:p>
+            <a:pPr marL="285750" indent="-285750">
+              <a:buClr>
+                <a:srgbClr val="8C2D19"/>
+              </a:buClr>
+              <a:buFont typeface="Arial" panose="020B0604020202020204" pitchFamily="34" charset="0"/>
+              <a:buChar char="•"/>
+            </a:pPr>
             <a:endParaRPr lang="en-GB" sz="1600" dirty="0"/>
           </a:p>
         </p:txBody>
@@ -6468,7 +6444,7 @@
         </p:nvSpPr>
         <p:spPr>
           <a:xfrm>
-            <a:off x="207699" y="3543505"/>
+            <a:off x="509817" y="4051282"/>
             <a:ext cx="4206477" cy="1569660"/>
           </a:xfrm>
           <a:prstGeom prst="rect">
@@ -6490,6 +6466,9 @@
           </a:p>
           <a:p>
             <a:pPr marL="285750" indent="-285750">
+              <a:buClr>
+                <a:srgbClr val="8C2D19"/>
+              </a:buClr>
               <a:buFont typeface="Arial" panose="020B0604020202020204" pitchFamily="34" charset="0"/>
               <a:buChar char="•"/>
             </a:pPr>
@@ -6500,6 +6479,9 @@
           </a:p>
           <a:p>
             <a:pPr marL="285750" indent="-285750">
+              <a:buClr>
+                <a:srgbClr val="8C2D19"/>
+              </a:buClr>
               <a:buFont typeface="Arial" panose="020B0604020202020204" pitchFamily="34" charset="0"/>
               <a:buChar char="•"/>
             </a:pPr>
@@ -6518,6 +6500,9 @@
           </a:p>
           <a:p>
             <a:pPr marL="285750" indent="-285750">
+              <a:buClr>
+                <a:srgbClr val="8C2D19"/>
+              </a:buClr>
               <a:buFont typeface="Arial" panose="020B0604020202020204" pitchFamily="34" charset="0"/>
               <a:buChar char="•"/>
             </a:pPr>
@@ -6543,7 +6528,7 @@
         </p:nvSpPr>
         <p:spPr>
           <a:xfrm>
-            <a:off x="4179380" y="2172185"/>
+            <a:off x="4746132" y="2164338"/>
             <a:ext cx="3738563" cy="923330"/>
           </a:xfrm>
           <a:prstGeom prst="rect">
@@ -6578,6 +6563,9 @@
           </a:p>
           <a:p>
             <a:pPr marL="742950" lvl="1" indent="-285750">
+              <a:buClr>
+                <a:srgbClr val="8C2D19"/>
+              </a:buClr>
               <a:buFont typeface="Arial" panose="020B0604020202020204" pitchFamily="34" charset="0"/>
               <a:buChar char="•"/>
             </a:pPr>
@@ -6596,6 +6584,9 @@
           </a:p>
           <a:p>
             <a:pPr marL="742950" lvl="1" indent="-285750">
+              <a:buClr>
+                <a:srgbClr val="8C2D19"/>
+              </a:buClr>
               <a:buFont typeface="Arial" panose="020B0604020202020204" pitchFamily="34" charset="0"/>
               <a:buChar char="•"/>
             </a:pPr>
@@ -6620,7 +6611,7 @@
         </p:nvSpPr>
         <p:spPr>
           <a:xfrm>
-            <a:off x="7797219" y="3715409"/>
+            <a:off x="7797219" y="3850109"/>
             <a:ext cx="4206477" cy="1077218"/>
           </a:xfrm>
           <a:prstGeom prst="rect">
@@ -6642,6 +6633,9 @@
           </a:p>
           <a:p>
             <a:pPr marL="285750" indent="-285750">
+              <a:buClr>
+                <a:srgbClr val="8C2D19"/>
+              </a:buClr>
               <a:buFont typeface="Arial" panose="020B0604020202020204" pitchFamily="34" charset="0"/>
               <a:buChar char="•"/>
             </a:pPr>
@@ -6696,8 +6690,8 @@
         </p:blipFill>
         <p:spPr>
           <a:xfrm>
-            <a:off x="674270" y="1808379"/>
-            <a:ext cx="3457773" cy="1561922"/>
+            <a:off x="314064" y="1855836"/>
+            <a:ext cx="4597985" cy="2076971"/>
           </a:xfrm>
           <a:prstGeom prst="rect">
             <a:avLst/>
@@ -6726,8 +6720,8 @@
         </p:blipFill>
         <p:spPr>
           <a:xfrm>
-            <a:off x="5064421" y="3601255"/>
-            <a:ext cx="2250614" cy="2577738"/>
+            <a:off x="5229326" y="3514645"/>
+            <a:ext cx="2326233" cy="2664348"/>
           </a:xfrm>
           <a:prstGeom prst="rect">
             <a:avLst/>
@@ -6816,8 +6810,8 @@
         </p:blipFill>
         <p:spPr>
           <a:xfrm>
-            <a:off x="8400127" y="1800538"/>
-            <a:ext cx="2712732" cy="1914870"/>
+            <a:off x="8259104" y="1800538"/>
+            <a:ext cx="2853755" cy="2014416"/>
           </a:xfrm>
           <a:prstGeom prst="rect">
             <a:avLst/>
@@ -6854,52 +6848,12 @@
           <a:chExt cx="0" cy="0"/>
         </a:xfrm>
       </p:grpSpPr>
-      <p:sp>
-        <p:nvSpPr>
-          <p:cNvPr id="2" name="Título 1">
-            <a:extLst>
-              <a:ext uri="{FF2B5EF4-FFF2-40B4-BE49-F238E27FC236}">
-                <a16:creationId xmlns:a16="http://schemas.microsoft.com/office/drawing/2014/main" id="{B6E269CC-F3EC-43ED-BC98-FCEA20CEA90D}"/>
-              </a:ext>
-            </a:extLst>
-          </p:cNvPr>
-          <p:cNvSpPr>
-            <a:spLocks noGrp="1"/>
-          </p:cNvSpPr>
-          <p:nvPr>
-            <p:ph type="title"/>
-          </p:nvPr>
-        </p:nvSpPr>
-        <p:spPr/>
-        <p:txBody>
-          <a:bodyPr/>
-          <a:lstStyle/>
-          <a:p>
-            <a:pPr algn="ctr"/>
-            <a:r>
-              <a:rPr lang="pt-PT" sz="6600" dirty="0">
-                <a:solidFill>
-                  <a:schemeClr val="tx1"/>
-                </a:solidFill>
-                <a:latin typeface="Bahnschrift SemiLight" panose="020B0502040204020203" pitchFamily="34" charset="0"/>
-              </a:rPr>
-              <a:t>UI</a:t>
-            </a:r>
-            <a:endParaRPr lang="en-GB" sz="6600" dirty="0">
-              <a:solidFill>
-                <a:schemeClr val="tx1"/>
-              </a:solidFill>
-              <a:latin typeface="Bahnschrift SemiLight" panose="020B0502040204020203" pitchFamily="34" charset="0"/>
-            </a:endParaRPr>
-          </a:p>
-        </p:txBody>
-      </p:sp>
       <p:cxnSp>
         <p:nvCxnSpPr>
-          <p:cNvPr id="5" name="Conexão reta 4">
-            <a:extLst>
-              <a:ext uri="{FF2B5EF4-FFF2-40B4-BE49-F238E27FC236}">
-                <a16:creationId xmlns:a16="http://schemas.microsoft.com/office/drawing/2014/main" id="{D1B427FC-FECB-4AD9-947A-AE1CD8E8E0E9}"/>
+          <p:cNvPr id="14" name="Conexão reta 13">
+            <a:extLst>
+              <a:ext uri="{FF2B5EF4-FFF2-40B4-BE49-F238E27FC236}">
+                <a16:creationId xmlns:a16="http://schemas.microsoft.com/office/drawing/2014/main" id="{06FF61D7-3986-4D84-9911-C879E2EFF56E}"/>
               </a:ext>
             </a:extLst>
           </p:cNvPr>
@@ -6909,9 +6863,9 @@
           <p:nvPr/>
         </p:nvCxnSpPr>
         <p:spPr>
-          <a:xfrm>
-            <a:off x="11192396" y="1426808"/>
-            <a:ext cx="259554" cy="1"/>
+          <a:xfrm flipH="1">
+            <a:off x="1097280" y="1737360"/>
+            <a:ext cx="10239504" cy="0"/>
           </a:xfrm>
           <a:prstGeom prst="line">
             <a:avLst/>
@@ -6939,6 +6893,46 @@
       </p:cxnSp>
       <p:sp>
         <p:nvSpPr>
+          <p:cNvPr id="2" name="Título 1">
+            <a:extLst>
+              <a:ext uri="{FF2B5EF4-FFF2-40B4-BE49-F238E27FC236}">
+                <a16:creationId xmlns:a16="http://schemas.microsoft.com/office/drawing/2014/main" id="{B6E269CC-F3EC-43ED-BC98-FCEA20CEA90D}"/>
+              </a:ext>
+            </a:extLst>
+          </p:cNvPr>
+          <p:cNvSpPr>
+            <a:spLocks noGrp="1"/>
+          </p:cNvSpPr>
+          <p:nvPr>
+            <p:ph type="title"/>
+          </p:nvPr>
+        </p:nvSpPr>
+        <p:spPr/>
+        <p:txBody>
+          <a:bodyPr/>
+          <a:lstStyle/>
+          <a:p>
+            <a:pPr algn="ctr"/>
+            <a:r>
+              <a:rPr lang="pt-PT" sz="6600" dirty="0">
+                <a:solidFill>
+                  <a:schemeClr val="tx1"/>
+                </a:solidFill>
+                <a:latin typeface="Bahnschrift SemiLight" panose="020B0502040204020203" pitchFamily="34" charset="0"/>
+              </a:rPr>
+              <a:t>UI</a:t>
+            </a:r>
+            <a:endParaRPr lang="en-GB" sz="6600" dirty="0">
+              <a:solidFill>
+                <a:schemeClr val="tx1"/>
+              </a:solidFill>
+              <a:latin typeface="Bahnschrift SemiLight" panose="020B0502040204020203" pitchFamily="34" charset="0"/>
+            </a:endParaRPr>
+          </a:p>
+        </p:txBody>
+      </p:sp>
+      <p:sp>
+        <p:nvSpPr>
           <p:cNvPr id="4" name="Marcador de Posição do Rodapé 3">
             <a:extLst>
               <a:ext uri="{FF2B5EF4-FFF2-40B4-BE49-F238E27FC236}">
@@ -7043,8 +7037,8 @@
         </p:nvSpPr>
         <p:spPr>
           <a:xfrm>
-            <a:off x="861379" y="4381999"/>
-            <a:ext cx="5649612" cy="1477328"/>
+            <a:off x="1013631" y="1908755"/>
+            <a:ext cx="5345108" cy="1754326"/>
           </a:xfrm>
           <a:prstGeom prst="rect">
             <a:avLst/>
@@ -7058,6 +7052,9 @@
           <a:lstStyle/>
           <a:p>
             <a:pPr marL="285750" indent="-285750">
+              <a:buClr>
+                <a:srgbClr val="8C2D19"/>
+              </a:buClr>
               <a:buFont typeface="Arial" panose="020B0604020202020204" pitchFamily="34" charset="0"/>
               <a:buChar char="•"/>
             </a:pPr>
@@ -7068,6 +7065,9 @@
           </a:p>
           <a:p>
             <a:pPr marL="285750" indent="-285750">
+              <a:buClr>
+                <a:srgbClr val="8C2D19"/>
+              </a:buClr>
               <a:buFont typeface="Arial" panose="020B0604020202020204" pitchFamily="34" charset="0"/>
               <a:buChar char="•"/>
             </a:pPr>
@@ -7078,6 +7078,9 @@
           </a:p>
           <a:p>
             <a:pPr marL="285750" indent="-285750">
+              <a:buClr>
+                <a:srgbClr val="8C2D19"/>
+              </a:buClr>
               <a:buFont typeface="Arial" panose="020B0604020202020204" pitchFamily="34" charset="0"/>
               <a:buChar char="•"/>
             </a:pPr>
@@ -7086,56 +7089,23 @@
               <a:t>Escolher 0 para parar de adicionar elementos à pesquisa</a:t>
             </a:r>
           </a:p>
-        </p:txBody>
-      </p:sp>
-      <p:sp>
-        <p:nvSpPr>
-          <p:cNvPr id="13" name="TextBox 12">
-            <a:extLst>
-              <a:ext uri="{FF2B5EF4-FFF2-40B4-BE49-F238E27FC236}">
-                <a16:creationId xmlns:a16="http://schemas.microsoft.com/office/drawing/2014/main" id="{3918F24A-B858-4DAC-8BB2-AA8C55D4EF93}"/>
-              </a:ext>
-            </a:extLst>
-          </p:cNvPr>
-          <p:cNvSpPr txBox="1"/>
-          <p:nvPr/>
-        </p:nvSpPr>
-        <p:spPr>
-          <a:xfrm>
-            <a:off x="6636253" y="4144014"/>
-            <a:ext cx="4426052" cy="369332"/>
-          </a:xfrm>
-          <a:prstGeom prst="rect">
-            <a:avLst/>
-          </a:prstGeom>
-          <a:noFill/>
-        </p:spPr>
-        <p:txBody>
-          <a:bodyPr wrap="square" rtlCol="0">
-            <a:spAutoFit/>
-          </a:bodyPr>
-          <a:lstStyle/>
           <a:p>
             <a:pPr marL="285750" indent="-285750">
+              <a:buClr>
+                <a:srgbClr val="8C2D19"/>
+              </a:buClr>
               <a:buFont typeface="Arial" panose="020B0604020202020204" pitchFamily="34" charset="0"/>
               <a:buChar char="•"/>
             </a:pPr>
             <a:r>
-              <a:rPr lang="en-US" dirty="0" err="1"/>
-              <a:t>Novas</a:t>
-            </a:r>
-            <a:r>
-              <a:rPr lang="en-US" dirty="0"/>
-              <a:t> </a:t>
-            </a:r>
-            <a:r>
-              <a:rPr lang="en-US" dirty="0" err="1"/>
-              <a:t>opções</a:t>
-            </a:r>
-            <a:r>
-              <a:rPr lang="en-US" dirty="0"/>
-              <a:t> de merch.</a:t>
-            </a:r>
+              <a:rPr lang="pt-PT" dirty="0"/>
+              <a:t>Novas opções de </a:t>
+            </a:r>
+            <a:r>
+              <a:rPr lang="pt-PT" dirty="0" err="1"/>
+              <a:t>merch</a:t>
+            </a:r>
+            <a:endParaRPr lang="pt-PT" dirty="0"/>
           </a:p>
         </p:txBody>
       </p:sp>
@@ -7161,8 +7131,8 @@
         </p:blipFill>
         <p:spPr>
           <a:xfrm>
-            <a:off x="1295875" y="1979886"/>
-            <a:ext cx="2841140" cy="2371381"/>
+            <a:off x="4177447" y="3163111"/>
+            <a:ext cx="3695063" cy="3084115"/>
           </a:xfrm>
           <a:prstGeom prst="rect">
             <a:avLst/>
@@ -7191,7 +7161,7 @@
         </p:blipFill>
         <p:spPr>
           <a:xfrm>
-            <a:off x="5424708" y="1843610"/>
+            <a:off x="7966164" y="1366579"/>
             <a:ext cx="4032738" cy="2300404"/>
           </a:xfrm>
           <a:prstGeom prst="rect">
@@ -7213,15 +7183,14 @@
           </p:cNvPicPr>
           <p:nvPr/>
         </p:nvPicPr>
-        <p:blipFill>
+        <p:blipFill rotWithShape="1">
           <a:blip r:embed="rId5"/>
-          <a:stretch>
-            <a:fillRect/>
-          </a:stretch>
+          <a:srcRect/>
+          <a:stretch/>
         </p:blipFill>
         <p:spPr>
           <a:xfrm>
-            <a:off x="7859752" y="1805972"/>
+            <a:off x="7941827" y="3915133"/>
             <a:ext cx="4081412" cy="2292600"/>
           </a:xfrm>
           <a:prstGeom prst="rect">
@@ -7251,8 +7220,8 @@
         </p:blipFill>
         <p:spPr>
           <a:xfrm>
-            <a:off x="8255927" y="4454898"/>
-            <a:ext cx="3431918" cy="1837442"/>
+            <a:off x="75107" y="3915133"/>
+            <a:ext cx="4008686" cy="2146242"/>
           </a:xfrm>
           <a:prstGeom prst="rect">
             <a:avLst/>
@@ -10819,8 +10788,8 @@
         </p:nvSpPr>
         <p:spPr>
           <a:xfrm>
-            <a:off x="4524826" y="4238914"/>
-            <a:ext cx="1302520" cy="338554"/>
+            <a:off x="4695252" y="4221800"/>
+            <a:ext cx="1156883" cy="338554"/>
           </a:xfrm>
           <a:prstGeom prst="rect">
             <a:avLst/>
@@ -10855,7 +10824,7 @@
         </p:nvSpPr>
         <p:spPr>
           <a:xfrm>
-            <a:off x="10396482" y="5161849"/>
+            <a:off x="10591413" y="5108706"/>
             <a:ext cx="1302520" cy="338554"/>
           </a:xfrm>
           <a:prstGeom prst="rect">
@@ -12697,8 +12666,8 @@
         </p:nvSpPr>
         <p:spPr>
           <a:xfrm>
-            <a:off x="1800460" y="2091957"/>
-            <a:ext cx="911121" cy="461665"/>
+            <a:off x="8508989" y="2080607"/>
+            <a:ext cx="900717" cy="461665"/>
           </a:xfrm>
           <a:prstGeom prst="rect">
             <a:avLst/>
@@ -12733,8 +12702,8 @@
         </p:nvSpPr>
         <p:spPr>
           <a:xfrm>
-            <a:off x="1873187" y="2492105"/>
-            <a:ext cx="3204839" cy="923330"/>
+            <a:off x="7853924" y="2644482"/>
+            <a:ext cx="2372704" cy="923330"/>
           </a:xfrm>
           <a:prstGeom prst="rect">
             <a:avLst/>
@@ -12861,6 +12830,204 @@
           </a:prstGeom>
         </p:spPr>
       </p:pic>
+      <p:pic>
+        <p:nvPicPr>
+          <p:cNvPr id="7" name="Imagem 6">
+            <a:extLst>
+              <a:ext uri="{FF2B5EF4-FFF2-40B4-BE49-F238E27FC236}">
+                <a16:creationId xmlns:a16="http://schemas.microsoft.com/office/drawing/2014/main" id="{7B521466-5F44-478A-8F9C-4BFAC561EDEB}"/>
+              </a:ext>
+            </a:extLst>
+          </p:cNvPr>
+          <p:cNvPicPr>
+            <a:picLocks noChangeAspect="1"/>
+          </p:cNvPicPr>
+          <p:nvPr/>
+        </p:nvPicPr>
+        <p:blipFill>
+          <a:blip r:embed="rId3"/>
+          <a:stretch>
+            <a:fillRect/>
+          </a:stretch>
+        </p:blipFill>
+        <p:spPr>
+          <a:xfrm>
+            <a:off x="5669094" y="4573390"/>
+            <a:ext cx="6163267" cy="1258083"/>
+          </a:xfrm>
+          <a:prstGeom prst="rect">
+            <a:avLst/>
+          </a:prstGeom>
+        </p:spPr>
+      </p:pic>
+      <p:sp>
+        <p:nvSpPr>
+          <p:cNvPr id="11" name="CaixaDeTexto 10">
+            <a:extLst>
+              <a:ext uri="{FF2B5EF4-FFF2-40B4-BE49-F238E27FC236}">
+                <a16:creationId xmlns:a16="http://schemas.microsoft.com/office/drawing/2014/main" id="{90EEAB0C-7182-4DAF-8A63-920827056988}"/>
+              </a:ext>
+            </a:extLst>
+          </p:cNvPr>
+          <p:cNvSpPr txBox="1"/>
+          <p:nvPr/>
+        </p:nvSpPr>
+        <p:spPr>
+          <a:xfrm>
+            <a:off x="10530130" y="5831473"/>
+            <a:ext cx="1302231" cy="338554"/>
+          </a:xfrm>
+          <a:prstGeom prst="rect">
+            <a:avLst/>
+          </a:prstGeom>
+          <a:noFill/>
+        </p:spPr>
+        <p:txBody>
+          <a:bodyPr wrap="square" rtlCol="0">
+            <a:spAutoFit/>
+          </a:bodyPr>
+          <a:lstStyle/>
+          <a:p>
+            <a:r>
+              <a:rPr lang="pt-PT" sz="1600" dirty="0"/>
+              <a:t>Donation.cpp</a:t>
+            </a:r>
+            <a:endParaRPr lang="en-GB" dirty="0"/>
+          </a:p>
+        </p:txBody>
+      </p:sp>
+      <p:sp>
+        <p:nvSpPr>
+          <p:cNvPr id="8" name="CaixaDeTexto 7">
+            <a:extLst>
+              <a:ext uri="{FF2B5EF4-FFF2-40B4-BE49-F238E27FC236}">
+                <a16:creationId xmlns:a16="http://schemas.microsoft.com/office/drawing/2014/main" id="{3ED89957-E1F0-4F23-947A-1AB626AAD5DC}"/>
+              </a:ext>
+            </a:extLst>
+          </p:cNvPr>
+          <p:cNvSpPr txBox="1"/>
+          <p:nvPr/>
+        </p:nvSpPr>
+        <p:spPr>
+          <a:xfrm>
+            <a:off x="1256829" y="4719738"/>
+            <a:ext cx="4634144" cy="923330"/>
+          </a:xfrm>
+          <a:prstGeom prst="rect">
+            <a:avLst/>
+          </a:prstGeom>
+          <a:noFill/>
+        </p:spPr>
+        <p:txBody>
+          <a:bodyPr wrap="square" rtlCol="0">
+            <a:spAutoFit/>
+          </a:bodyPr>
+          <a:lstStyle/>
+          <a:p>
+            <a:pPr marL="285750" indent="-285750">
+              <a:buClr>
+                <a:srgbClr val="8C2D19"/>
+              </a:buClr>
+              <a:buFont typeface="Arial" panose="020B0604020202020204" pitchFamily="34" charset="0"/>
+              <a:buChar char="•"/>
+            </a:pPr>
+            <a:r>
+              <a:rPr lang="pt-PT" dirty="0"/>
+              <a:t>Exceções continuam a ser usadas</a:t>
+            </a:r>
+          </a:p>
+          <a:p>
+            <a:pPr marL="285750" indent="-285750">
+              <a:buClr>
+                <a:srgbClr val="8C2D19"/>
+              </a:buClr>
+              <a:buFont typeface="Arial" panose="020B0604020202020204" pitchFamily="34" charset="0"/>
+              <a:buChar char="•"/>
+            </a:pPr>
+            <a:endParaRPr lang="pt-PT" dirty="0"/>
+          </a:p>
+          <a:p>
+            <a:pPr marL="285750" indent="-285750">
+              <a:buClr>
+                <a:srgbClr val="8C2D19"/>
+              </a:buClr>
+              <a:buFont typeface="Arial" panose="020B0604020202020204" pitchFamily="34" charset="0"/>
+              <a:buChar char="•"/>
+            </a:pPr>
+            <a:r>
+              <a:rPr lang="pt-PT" dirty="0"/>
+              <a:t>Novas exceções foram criadas </a:t>
+            </a:r>
+            <a:endParaRPr lang="en-GB" dirty="0"/>
+          </a:p>
+        </p:txBody>
+      </p:sp>
+      <p:pic>
+        <p:nvPicPr>
+          <p:cNvPr id="12" name="Imagem 11">
+            <a:extLst>
+              <a:ext uri="{FF2B5EF4-FFF2-40B4-BE49-F238E27FC236}">
+                <a16:creationId xmlns:a16="http://schemas.microsoft.com/office/drawing/2014/main" id="{532837BC-E28E-445B-A56E-75D20D22DA1B}"/>
+              </a:ext>
+            </a:extLst>
+          </p:cNvPr>
+          <p:cNvPicPr>
+            <a:picLocks noChangeAspect="1"/>
+          </p:cNvPicPr>
+          <p:nvPr/>
+        </p:nvPicPr>
+        <p:blipFill>
+          <a:blip r:embed="rId4"/>
+          <a:stretch>
+            <a:fillRect/>
+          </a:stretch>
+        </p:blipFill>
+        <p:spPr>
+          <a:xfrm>
+            <a:off x="834875" y="1840762"/>
+            <a:ext cx="5299001" cy="2386230"/>
+          </a:xfrm>
+          <a:prstGeom prst="rect">
+            <a:avLst/>
+          </a:prstGeom>
+        </p:spPr>
+      </p:pic>
+      <p:sp>
+        <p:nvSpPr>
+          <p:cNvPr id="17" name="CaixaDeTexto 28">
+            <a:extLst>
+              <a:ext uri="{FF2B5EF4-FFF2-40B4-BE49-F238E27FC236}">
+                <a16:creationId xmlns:a16="http://schemas.microsoft.com/office/drawing/2014/main" id="{71F058FB-9B4D-4B3B-9E73-A9432F5701DC}"/>
+              </a:ext>
+            </a:extLst>
+          </p:cNvPr>
+          <p:cNvSpPr txBox="1"/>
+          <p:nvPr/>
+        </p:nvSpPr>
+        <p:spPr>
+          <a:xfrm>
+            <a:off x="3781887" y="4192779"/>
+            <a:ext cx="2519142" cy="338554"/>
+          </a:xfrm>
+          <a:prstGeom prst="rect">
+            <a:avLst/>
+          </a:prstGeom>
+          <a:noFill/>
+        </p:spPr>
+        <p:txBody>
+          <a:bodyPr wrap="square" rtlCol="0">
+            <a:spAutoFit/>
+          </a:bodyPr>
+          <a:lstStyle/>
+          <a:p>
+            <a:r>
+              <a:rPr lang="pt-PT" sz="1600" dirty="0"/>
+              <a:t>NoSuchOrderException.cpp</a:t>
+            </a:r>
+            <a:endParaRPr lang="en-GB" sz="1600" dirty="0"/>
+          </a:p>
+        </p:txBody>
+      </p:sp>
     </p:spTree>
     <p:extLst>
       <p:ext uri="{BB962C8B-B14F-4D97-AF65-F5344CB8AC3E}">
@@ -13200,36 +13367,6 @@
           </a:p>
         </p:txBody>
       </p:sp>
-      <p:pic>
-        <p:nvPicPr>
-          <p:cNvPr id="19" name="Imagem 18">
-            <a:extLst>
-              <a:ext uri="{FF2B5EF4-FFF2-40B4-BE49-F238E27FC236}">
-                <a16:creationId xmlns:a16="http://schemas.microsoft.com/office/drawing/2014/main" id="{1631380D-B88A-4215-BE0E-22F695C32C8B}"/>
-              </a:ext>
-            </a:extLst>
-          </p:cNvPr>
-          <p:cNvPicPr>
-            <a:picLocks noChangeAspect="1"/>
-          </p:cNvPicPr>
-          <p:nvPr/>
-        </p:nvPicPr>
-        <p:blipFill>
-          <a:blip r:embed="rId2"/>
-          <a:stretch>
-            <a:fillRect/>
-          </a:stretch>
-        </p:blipFill>
-        <p:spPr>
-          <a:xfrm>
-            <a:off x="1189359" y="3745710"/>
-            <a:ext cx="3009530" cy="1976285"/>
-          </a:xfrm>
-          <a:prstGeom prst="rect">
-            <a:avLst/>
-          </a:prstGeom>
-        </p:spPr>
-      </p:pic>
       <p:sp>
         <p:nvSpPr>
           <p:cNvPr id="21" name="CaixaDeTexto 20">
@@ -13244,7 +13381,7 @@
         </p:nvSpPr>
         <p:spPr>
           <a:xfrm>
-            <a:off x="3163651" y="5669947"/>
+            <a:off x="3168566" y="5702218"/>
             <a:ext cx="1035238" cy="338554"/>
           </a:xfrm>
           <a:prstGeom prst="rect">
@@ -13259,18 +13396,10 @@
           <a:lstStyle/>
           <a:p>
             <a:r>
-              <a:rPr lang="pt-PT" sz="1600" dirty="0" err="1">
-                <a:solidFill>
-                  <a:srgbClr val="FF0000"/>
-                </a:solidFill>
-              </a:rPr>
+              <a:rPr lang="pt-PT" sz="1600" dirty="0" err="1"/>
               <a:t>StreamZ.h</a:t>
             </a:r>
-            <a:endParaRPr lang="en-GB" sz="1600" dirty="0">
-              <a:solidFill>
-                <a:srgbClr val="FF0000"/>
-              </a:solidFill>
-            </a:endParaRPr>
+            <a:endParaRPr lang="en-GB" sz="1600" dirty="0"/>
           </a:p>
         </p:txBody>
       </p:sp>
@@ -13346,7 +13475,7 @@
           <p:nvPr/>
         </p:nvPicPr>
         <p:blipFill rotWithShape="1">
-          <a:blip r:embed="rId3">
+          <a:blip r:embed="rId2">
             <a:extLst>
               <a:ext uri="{28A0092B-C50C-407E-A947-70E740481C1C}">
                 <a14:useLocalDpi xmlns:a14="http://schemas.microsoft.com/office/drawing/2010/main" val="0"/>
@@ -13372,6 +13501,36 @@
             <a:extLst>
               <a:ext uri="{FF2B5EF4-FFF2-40B4-BE49-F238E27FC236}">
                 <a16:creationId xmlns:a16="http://schemas.microsoft.com/office/drawing/2014/main" id="{01983A3F-4BB4-4B05-B2F2-8B9FB3D3EE53}"/>
+              </a:ext>
+            </a:extLst>
+          </p:cNvPr>
+          <p:cNvPicPr>
+            <a:picLocks noChangeAspect="1"/>
+          </p:cNvPicPr>
+          <p:nvPr/>
+        </p:nvPicPr>
+        <p:blipFill>
+          <a:blip r:embed="rId3"/>
+          <a:stretch>
+            <a:fillRect/>
+          </a:stretch>
+        </p:blipFill>
+        <p:spPr>
+          <a:xfrm>
+            <a:off x="6717741" y="1925499"/>
+            <a:ext cx="4370470" cy="979481"/>
+          </a:xfrm>
+          <a:prstGeom prst="rect">
+            <a:avLst/>
+          </a:prstGeom>
+        </p:spPr>
+      </p:pic>
+      <p:pic>
+        <p:nvPicPr>
+          <p:cNvPr id="6" name="Picture 5">
+            <a:extLst>
+              <a:ext uri="{FF2B5EF4-FFF2-40B4-BE49-F238E27FC236}">
+                <a16:creationId xmlns:a16="http://schemas.microsoft.com/office/drawing/2014/main" id="{734732CE-8093-4C2C-9310-00531976E575}"/>
               </a:ext>
             </a:extLst>
           </p:cNvPr>
@@ -13388,8 +13547,8 @@
         </p:blipFill>
         <p:spPr>
           <a:xfrm>
-            <a:off x="6717741" y="1925499"/>
-            <a:ext cx="4370470" cy="979481"/>
+            <a:off x="5552891" y="3594945"/>
+            <a:ext cx="5535320" cy="2231140"/>
           </a:xfrm>
           <a:prstGeom prst="rect">
             <a:avLst/>
@@ -13398,10 +13557,10 @@
       </p:pic>
       <p:pic>
         <p:nvPicPr>
-          <p:cNvPr id="6" name="Picture 5">
-            <a:extLst>
-              <a:ext uri="{FF2B5EF4-FFF2-40B4-BE49-F238E27FC236}">
-                <a16:creationId xmlns:a16="http://schemas.microsoft.com/office/drawing/2014/main" id="{734732CE-8093-4C2C-9310-00531976E575}"/>
+          <p:cNvPr id="8" name="Imagem 7">
+            <a:extLst>
+              <a:ext uri="{FF2B5EF4-FFF2-40B4-BE49-F238E27FC236}">
+                <a16:creationId xmlns:a16="http://schemas.microsoft.com/office/drawing/2014/main" id="{E0D1E37E-282C-4B9D-80AC-5A813EF29532}"/>
               </a:ext>
             </a:extLst>
           </p:cNvPr>
@@ -13418,8 +13577,8 @@
         </p:blipFill>
         <p:spPr>
           <a:xfrm>
-            <a:off x="5552891" y="3594945"/>
-            <a:ext cx="5535320" cy="2231140"/>
+            <a:off x="1188728" y="3862751"/>
+            <a:ext cx="3010161" cy="1806097"/>
           </a:xfrm>
           <a:prstGeom prst="rect">
             <a:avLst/>

--- a/StreamZ__P2.pptx
+++ b/StreamZ__P2.pptx
@@ -4860,8 +4860,8 @@
         </p:nvSpPr>
         <p:spPr>
           <a:xfrm>
-            <a:off x="9374819" y="5910467"/>
-            <a:ext cx="1659697" cy="338554"/>
+            <a:off x="9401461" y="5853878"/>
+            <a:ext cx="1953087" cy="338554"/>
           </a:xfrm>
           <a:prstGeom prst="rect">
             <a:avLst/>
@@ -4875,18 +4875,10 @@
           <a:lstStyle/>
           <a:p>
             <a:r>
-              <a:rPr lang="pt-PT" sz="1600" dirty="0">
-                <a:solidFill>
-                  <a:srgbClr val="FF0000"/>
-                </a:solidFill>
-              </a:rPr>
-              <a:t>UserManager.cpp</a:t>
-            </a:r>
-            <a:endParaRPr lang="en-GB" sz="1600" dirty="0">
-              <a:solidFill>
-                <a:srgbClr val="FF0000"/>
-              </a:solidFill>
-            </a:endParaRPr>
+              <a:rPr lang="pt-PT" sz="1600" dirty="0"/>
+              <a:t>DonationManger.cpp</a:t>
+            </a:r>
+            <a:endParaRPr lang="en-GB" sz="1600" dirty="0"/>
           </a:p>
         </p:txBody>
       </p:sp>
@@ -5039,7 +5031,7 @@
         <p:spPr>
           <a:xfrm>
             <a:off x="1297720" y="1896645"/>
-            <a:ext cx="5689006" cy="2031325"/>
+            <a:ext cx="5689006" cy="2308324"/>
           </a:xfrm>
           <a:prstGeom prst="rect">
             <a:avLst/>
@@ -5098,7 +5090,41 @@
             </a:r>
             <a:r>
               <a:rPr lang="pt-PT" dirty="0"/>
-              <a:t> e de apagar permanentemente. Pode ser alterado o seu nome, password, é também possível eliminar </a:t>
+              <a:t> e de apagar permanentemente. </a:t>
+            </a:r>
+          </a:p>
+          <a:p>
+            <a:pPr marL="285750" indent="-285750">
+              <a:buClr>
+                <a:srgbClr val="8C2D19"/>
+              </a:buClr>
+              <a:buFont typeface="Arial" panose="020B0604020202020204" pitchFamily="34" charset="0"/>
+              <a:buChar char="•"/>
+            </a:pPr>
+            <a:r>
+              <a:rPr lang="pt-PT" dirty="0"/>
+              <a:t>Pode ser alterado o nome e password do </a:t>
+            </a:r>
+            <a:r>
+              <a:rPr lang="pt-PT" dirty="0" err="1"/>
+              <a:t>streamer</a:t>
+            </a:r>
+            <a:r>
+              <a:rPr lang="pt-PT" dirty="0"/>
+              <a:t>.</a:t>
+            </a:r>
+          </a:p>
+          <a:p>
+            <a:pPr marL="285750" indent="-285750">
+              <a:buClr>
+                <a:srgbClr val="8C2D19"/>
+              </a:buClr>
+              <a:buFont typeface="Arial" panose="020B0604020202020204" pitchFamily="34" charset="0"/>
+              <a:buChar char="•"/>
+            </a:pPr>
+            <a:r>
+              <a:rPr lang="pt-PT" dirty="0"/>
+              <a:t>É possível eliminar </a:t>
             </a:r>
             <a:r>
               <a:rPr lang="pt-PT" dirty="0" err="1"/>
@@ -5106,7 +5132,7 @@
             </a:r>
             <a:r>
               <a:rPr lang="pt-PT" dirty="0"/>
-              <a:t> deste através da conta de administrador.</a:t>
+              <a:t> através da conta de administrador.</a:t>
             </a:r>
           </a:p>
         </p:txBody>
@@ -5205,10 +5231,10 @@
       </p:pic>
       <p:pic>
         <p:nvPicPr>
-          <p:cNvPr id="7" name="Picture 6">
-            <a:extLst>
-              <a:ext uri="{FF2B5EF4-FFF2-40B4-BE49-F238E27FC236}">
-                <a16:creationId xmlns:a16="http://schemas.microsoft.com/office/drawing/2014/main" id="{F3A67BFC-D4F7-426E-A3B5-DB0849F5C01A}"/>
+          <p:cNvPr id="8" name="Imagem 7">
+            <a:extLst>
+              <a:ext uri="{FF2B5EF4-FFF2-40B4-BE49-F238E27FC236}">
+                <a16:creationId xmlns:a16="http://schemas.microsoft.com/office/drawing/2014/main" id="{6327B5A5-9081-4DF5-A64C-BB5D454133C5}"/>
               </a:ext>
             </a:extLst>
           </p:cNvPr>
@@ -5225,14 +5251,50 @@
         </p:blipFill>
         <p:spPr>
           <a:xfrm>
-            <a:off x="1741207" y="4368008"/>
-            <a:ext cx="8951649" cy="1505263"/>
+            <a:off x="4330606" y="4014024"/>
+            <a:ext cx="6927703" cy="1896443"/>
           </a:xfrm>
           <a:prstGeom prst="rect">
             <a:avLst/>
           </a:prstGeom>
         </p:spPr>
       </p:pic>
+      <p:sp>
+        <p:nvSpPr>
+          <p:cNvPr id="9" name="CaixaDeTexto 8">
+            <a:extLst>
+              <a:ext uri="{FF2B5EF4-FFF2-40B4-BE49-F238E27FC236}">
+                <a16:creationId xmlns:a16="http://schemas.microsoft.com/office/drawing/2014/main" id="{0B2DA718-80C9-4ECC-ADB1-CA691E06F7E0}"/>
+              </a:ext>
+            </a:extLst>
+          </p:cNvPr>
+          <p:cNvSpPr txBox="1"/>
+          <p:nvPr/>
+        </p:nvSpPr>
+        <p:spPr>
+          <a:xfrm>
+            <a:off x="7997269" y="2162399"/>
+            <a:ext cx="3547517" cy="1569660"/>
+          </a:xfrm>
+          <a:prstGeom prst="rect">
+            <a:avLst/>
+          </a:prstGeom>
+          <a:noFill/>
+        </p:spPr>
+        <p:txBody>
+          <a:bodyPr wrap="square" rtlCol="0">
+            <a:spAutoFit/>
+          </a:bodyPr>
+          <a:lstStyle/>
+          <a:p>
+            <a:r>
+              <a:rPr lang="pt-PT" sz="4800" dirty="0"/>
+              <a:t>Mudar estes 3 prints</a:t>
+            </a:r>
+            <a:endParaRPr lang="en-GB" sz="4800" dirty="0"/>
+          </a:p>
+        </p:txBody>
+      </p:sp>
     </p:spTree>
     <p:extLst>
       <p:ext uri="{BB962C8B-B14F-4D97-AF65-F5344CB8AC3E}">
@@ -5546,36 +5608,6 @@
           </a:p>
         </p:txBody>
       </p:sp>
-      <p:pic>
-        <p:nvPicPr>
-          <p:cNvPr id="16" name="Picture 15">
-            <a:extLst>
-              <a:ext uri="{FF2B5EF4-FFF2-40B4-BE49-F238E27FC236}">
-                <a16:creationId xmlns:a16="http://schemas.microsoft.com/office/drawing/2014/main" id="{9F79AC73-6E44-467E-9754-A5E55F6D3892}"/>
-              </a:ext>
-            </a:extLst>
-          </p:cNvPr>
-          <p:cNvPicPr>
-            <a:picLocks noChangeAspect="1"/>
-          </p:cNvPicPr>
-          <p:nvPr/>
-        </p:nvPicPr>
-        <p:blipFill>
-          <a:blip r:embed="rId4"/>
-          <a:stretch>
-            <a:fillRect/>
-          </a:stretch>
-        </p:blipFill>
-        <p:spPr>
-          <a:xfrm>
-            <a:off x="6302909" y="3789881"/>
-            <a:ext cx="5298479" cy="2254461"/>
-          </a:xfrm>
-          <a:prstGeom prst="rect">
-            <a:avLst/>
-          </a:prstGeom>
-        </p:spPr>
-      </p:pic>
       <p:sp>
         <p:nvSpPr>
           <p:cNvPr id="17" name="CaixaDeTexto 28">
@@ -5590,7 +5622,7 @@
         </p:nvSpPr>
         <p:spPr>
           <a:xfrm>
-            <a:off x="10575447" y="6044342"/>
+            <a:off x="10575447" y="5982196"/>
             <a:ext cx="1513324" cy="338554"/>
           </a:xfrm>
           <a:prstGeom prst="rect">
@@ -5757,6 +5789,36 @@
           </a:p>
         </p:txBody>
       </p:sp>
+      <p:pic>
+        <p:nvPicPr>
+          <p:cNvPr id="3" name="Imagem 2">
+            <a:extLst>
+              <a:ext uri="{FF2B5EF4-FFF2-40B4-BE49-F238E27FC236}">
+                <a16:creationId xmlns:a16="http://schemas.microsoft.com/office/drawing/2014/main" id="{68CEC2FB-2A63-4814-BF99-39E84DFC4D6F}"/>
+              </a:ext>
+            </a:extLst>
+          </p:cNvPr>
+          <p:cNvPicPr>
+            <a:picLocks noChangeAspect="1"/>
+          </p:cNvPicPr>
+          <p:nvPr/>
+        </p:nvPicPr>
+        <p:blipFill>
+          <a:blip r:embed="rId4"/>
+          <a:stretch>
+            <a:fillRect/>
+          </a:stretch>
+        </p:blipFill>
+        <p:spPr>
+          <a:xfrm>
+            <a:off x="6312894" y="3778031"/>
+            <a:ext cx="5244108" cy="2252537"/>
+          </a:xfrm>
+          <a:prstGeom prst="rect">
+            <a:avLst/>
+          </a:prstGeom>
+        </p:spPr>
+      </p:pic>
     </p:spTree>
     <p:extLst>
       <p:ext uri="{BB962C8B-B14F-4D97-AF65-F5344CB8AC3E}">
@@ -6730,10 +6792,10 @@
       </p:pic>
       <p:pic>
         <p:nvPicPr>
-          <p:cNvPr id="21" name="Picture 20">
-            <a:extLst>
-              <a:ext uri="{FF2B5EF4-FFF2-40B4-BE49-F238E27FC236}">
-                <a16:creationId xmlns:a16="http://schemas.microsoft.com/office/drawing/2014/main" id="{6B57792B-A7AF-4D51-B1A2-744837D90C68}"/>
+          <p:cNvPr id="23" name="Picture 22">
+            <a:extLst>
+              <a:ext uri="{FF2B5EF4-FFF2-40B4-BE49-F238E27FC236}">
+                <a16:creationId xmlns:a16="http://schemas.microsoft.com/office/drawing/2014/main" id="{5A3539CB-026C-4EE0-B092-FF06647B25E2}"/>
               </a:ext>
             </a:extLst>
           </p:cNvPr>
@@ -6750,37 +6812,7 @@
         </p:blipFill>
         <p:spPr>
           <a:xfrm>
-            <a:off x="7807988" y="5348325"/>
-            <a:ext cx="2028825" cy="438150"/>
-          </a:xfrm>
-          <a:prstGeom prst="rect">
-            <a:avLst/>
-          </a:prstGeom>
-        </p:spPr>
-      </p:pic>
-      <p:pic>
-        <p:nvPicPr>
-          <p:cNvPr id="23" name="Picture 22">
-            <a:extLst>
-              <a:ext uri="{FF2B5EF4-FFF2-40B4-BE49-F238E27FC236}">
-                <a16:creationId xmlns:a16="http://schemas.microsoft.com/office/drawing/2014/main" id="{5A3539CB-026C-4EE0-B092-FF06647B25E2}"/>
-              </a:ext>
-            </a:extLst>
-          </p:cNvPr>
-          <p:cNvPicPr>
-            <a:picLocks noChangeAspect="1"/>
-          </p:cNvPicPr>
-          <p:nvPr/>
-        </p:nvPicPr>
-        <p:blipFill>
-          <a:blip r:embed="rId6"/>
-          <a:stretch>
-            <a:fillRect/>
-          </a:stretch>
-        </p:blipFill>
-        <p:spPr>
-          <a:xfrm>
-            <a:off x="9978477" y="4908980"/>
+            <a:off x="9028567" y="4908980"/>
             <a:ext cx="1909809" cy="1167822"/>
           </a:xfrm>
           <a:prstGeom prst="rect">
@@ -6803,7 +6835,7 @@
           <p:nvPr/>
         </p:nvPicPr>
         <p:blipFill>
-          <a:blip r:embed="rId7"/>
+          <a:blip r:embed="rId6"/>
           <a:stretch>
             <a:fillRect/>
           </a:stretch>
@@ -10064,7 +10096,7 @@
         <p:spPr>
           <a:xfrm>
             <a:off x="1097280" y="1880423"/>
-            <a:ext cx="10115203" cy="677108"/>
+            <a:ext cx="10115203" cy="400110"/>
           </a:xfrm>
           <a:prstGeom prst="rect">
             <a:avLst/>
@@ -10090,11 +10122,7 @@
             </a:r>
             <a:r>
               <a:rPr lang="pt-PT" sz="2000" dirty="0"/>
-              <a:t>: Foram definidos os operadores e a l</a:t>
-            </a:r>
-            <a:r>
-              <a:rPr lang="pt-PT" dirty="0"/>
-              <a:t>istagem é feita através de  iteradores para manter ordenação </a:t>
+              <a:t>: Foram definidos os operadores para a usar BST fornecida. </a:t>
             </a:r>
             <a:endParaRPr lang="en-GB" dirty="0"/>
           </a:p>
@@ -10257,8 +10285,8 @@
         </p:blipFill>
         <p:spPr>
           <a:xfrm>
-            <a:off x="2672629" y="2324015"/>
-            <a:ext cx="3849837" cy="1324077"/>
+            <a:off x="1406515" y="2700594"/>
+            <a:ext cx="4169689" cy="1434084"/>
           </a:xfrm>
           <a:prstGeom prst="rect">
             <a:avLst/>
@@ -10279,8 +10307,8 @@
         </p:nvSpPr>
         <p:spPr>
           <a:xfrm>
-            <a:off x="5219946" y="3648092"/>
-            <a:ext cx="1302520" cy="338554"/>
+            <a:off x="4363544" y="4098265"/>
+            <a:ext cx="1333847" cy="338554"/>
           </a:xfrm>
           <a:prstGeom prst="rect">
             <a:avLst/>
@@ -10301,12 +10329,63 @@
           </a:p>
         </p:txBody>
       </p:sp>
+      <p:sp>
+        <p:nvSpPr>
+          <p:cNvPr id="41" name="CaixaDeTexto 40">
+            <a:extLst>
+              <a:ext uri="{FF2B5EF4-FFF2-40B4-BE49-F238E27FC236}">
+                <a16:creationId xmlns:a16="http://schemas.microsoft.com/office/drawing/2014/main" id="{CEC3B599-26D4-487A-A92E-0C232CA8A322}"/>
+              </a:ext>
+            </a:extLst>
+          </p:cNvPr>
+          <p:cNvSpPr txBox="1"/>
+          <p:nvPr/>
+        </p:nvSpPr>
+        <p:spPr>
+          <a:xfrm>
+            <a:off x="1151889" y="4839125"/>
+            <a:ext cx="3501354" cy="369332"/>
+          </a:xfrm>
+          <a:prstGeom prst="rect">
+            <a:avLst/>
+          </a:prstGeom>
+          <a:noFill/>
+        </p:spPr>
+        <p:txBody>
+          <a:bodyPr wrap="square" rtlCol="0">
+            <a:spAutoFit/>
+          </a:bodyPr>
+          <a:lstStyle/>
+          <a:p>
+            <a:pPr marL="342900" indent="-342900">
+              <a:buClr>
+                <a:srgbClr val="8C2D19"/>
+              </a:buClr>
+              <a:buFont typeface="Arial" panose="020B0604020202020204" pitchFamily="34" charset="0"/>
+              <a:buChar char="•"/>
+            </a:pPr>
+            <a:r>
+              <a:rPr lang="pt-PT" dirty="0" err="1"/>
+              <a:t>Streamers</a:t>
+            </a:r>
+            <a:r>
+              <a:rPr lang="pt-PT" dirty="0"/>
+              <a:t> 2.0: Função de </a:t>
+            </a:r>
+            <a:r>
+              <a:rPr lang="pt-PT" dirty="0" err="1"/>
+              <a:t>hash</a:t>
+            </a:r>
+            <a:endParaRPr lang="en-GB" dirty="0"/>
+          </a:p>
+        </p:txBody>
+      </p:sp>
       <p:pic>
         <p:nvPicPr>
-          <p:cNvPr id="21" name="Imagem 20">
-            <a:extLst>
-              <a:ext uri="{FF2B5EF4-FFF2-40B4-BE49-F238E27FC236}">
-                <a16:creationId xmlns:a16="http://schemas.microsoft.com/office/drawing/2014/main" id="{3FA0D0E7-1C93-4181-9155-844F84167A96}"/>
+          <p:cNvPr id="5" name="Picture 4">
+            <a:extLst>
+              <a:ext uri="{FF2B5EF4-FFF2-40B4-BE49-F238E27FC236}">
+                <a16:creationId xmlns:a16="http://schemas.microsoft.com/office/drawing/2014/main" id="{AA3D75F8-D725-45D0-81E1-81A866DCDDC0}"/>
               </a:ext>
             </a:extLst>
           </p:cNvPr>
@@ -10323,8 +10402,8 @@
         </p:blipFill>
         <p:spPr>
           <a:xfrm>
-            <a:off x="6615797" y="2334410"/>
-            <a:ext cx="4509578" cy="1147173"/>
+            <a:off x="4899989" y="4513131"/>
+            <a:ext cx="6741299" cy="1390652"/>
           </a:xfrm>
           <a:prstGeom prst="rect">
             <a:avLst/>
@@ -10333,10 +10412,10 @@
       </p:pic>
       <p:sp>
         <p:nvSpPr>
-          <p:cNvPr id="39" name="CaixaDeTexto 38">
-            <a:extLst>
-              <a:ext uri="{FF2B5EF4-FFF2-40B4-BE49-F238E27FC236}">
-                <a16:creationId xmlns:a16="http://schemas.microsoft.com/office/drawing/2014/main" id="{7B24E335-EDBB-4793-837A-F67D0528E4E8}"/>
+          <p:cNvPr id="15" name="CaixaDeTexto 14">
+            <a:extLst>
+              <a:ext uri="{FF2B5EF4-FFF2-40B4-BE49-F238E27FC236}">
+                <a16:creationId xmlns:a16="http://schemas.microsoft.com/office/drawing/2014/main" id="{7E577CD2-E2EE-4E5B-8098-C1814FCCDB12}"/>
               </a:ext>
             </a:extLst>
           </p:cNvPr>
@@ -10345,8 +10424,8 @@
         </p:nvSpPr>
         <p:spPr>
           <a:xfrm>
-            <a:off x="8508989" y="3458576"/>
-            <a:ext cx="2685655" cy="338554"/>
+            <a:off x="10608946" y="5881237"/>
+            <a:ext cx="1093468" cy="338554"/>
           </a:xfrm>
           <a:prstGeom prst="rect">
             <a:avLst/>
@@ -10360,70 +10439,19 @@
           <a:lstStyle/>
           <a:p>
             <a:r>
-              <a:rPr lang="pt-PT" sz="1600" dirty="0"/>
-              <a:t>(excerto)SortingManager.cpp</a:t>
+              <a:rPr lang="pt-PT" sz="1600" dirty="0" err="1"/>
+              <a:t>Streamer.h</a:t>
             </a:r>
             <a:endParaRPr lang="en-GB" sz="1600" dirty="0"/>
-          </a:p>
-        </p:txBody>
-      </p:sp>
-      <p:sp>
-        <p:nvSpPr>
-          <p:cNvPr id="41" name="CaixaDeTexto 40">
-            <a:extLst>
-              <a:ext uri="{FF2B5EF4-FFF2-40B4-BE49-F238E27FC236}">
-                <a16:creationId xmlns:a16="http://schemas.microsoft.com/office/drawing/2014/main" id="{CEC3B599-26D4-487A-A92E-0C232CA8A322}"/>
-              </a:ext>
-            </a:extLst>
-          </p:cNvPr>
-          <p:cNvSpPr txBox="1"/>
-          <p:nvPr/>
-        </p:nvSpPr>
-        <p:spPr>
-          <a:xfrm>
-            <a:off x="1097279" y="4984311"/>
-            <a:ext cx="10115203" cy="369332"/>
-          </a:xfrm>
-          <a:prstGeom prst="rect">
-            <a:avLst/>
-          </a:prstGeom>
-          <a:noFill/>
-        </p:spPr>
-        <p:txBody>
-          <a:bodyPr wrap="square" rtlCol="0">
-            <a:spAutoFit/>
-          </a:bodyPr>
-          <a:lstStyle/>
-          <a:p>
-            <a:pPr marL="342900" indent="-342900">
-              <a:buClr>
-                <a:srgbClr val="8C2D19"/>
-              </a:buClr>
-              <a:buFont typeface="Arial" panose="020B0604020202020204" pitchFamily="34" charset="0"/>
-              <a:buChar char="•"/>
-            </a:pPr>
-            <a:r>
-              <a:rPr lang="pt-PT" dirty="0" err="1"/>
-              <a:t>Streamers</a:t>
-            </a:r>
-            <a:r>
-              <a:rPr lang="pt-PT" dirty="0"/>
-              <a:t> 2.0: Função de </a:t>
-            </a:r>
-            <a:r>
-              <a:rPr lang="pt-PT" dirty="0" err="1"/>
-              <a:t>hash</a:t>
-            </a:r>
-            <a:endParaRPr lang="en-GB" dirty="0"/>
           </a:p>
         </p:txBody>
       </p:sp>
       <p:pic>
         <p:nvPicPr>
-          <p:cNvPr id="5" name="Picture 4">
-            <a:extLst>
-              <a:ext uri="{FF2B5EF4-FFF2-40B4-BE49-F238E27FC236}">
-                <a16:creationId xmlns:a16="http://schemas.microsoft.com/office/drawing/2014/main" id="{AA3D75F8-D725-45D0-81E1-81A866DCDDC0}"/>
+          <p:cNvPr id="6" name="Imagem 5">
+            <a:extLst>
+              <a:ext uri="{FF2B5EF4-FFF2-40B4-BE49-F238E27FC236}">
+                <a16:creationId xmlns:a16="http://schemas.microsoft.com/office/drawing/2014/main" id="{63257814-FE96-45D2-89CB-D72AAEDBA268}"/>
               </a:ext>
             </a:extLst>
           </p:cNvPr>
@@ -10440,14 +10468,50 @@
         </p:blipFill>
         <p:spPr>
           <a:xfrm>
-            <a:off x="5442513" y="5020949"/>
-            <a:ext cx="5769970" cy="1190278"/>
+            <a:off x="6480448" y="2740369"/>
+            <a:ext cx="4930567" cy="1005927"/>
           </a:xfrm>
           <a:prstGeom prst="rect">
             <a:avLst/>
           </a:prstGeom>
         </p:spPr>
       </p:pic>
+      <p:sp>
+        <p:nvSpPr>
+          <p:cNvPr id="18" name="CaixaDeTexto 17">
+            <a:extLst>
+              <a:ext uri="{FF2B5EF4-FFF2-40B4-BE49-F238E27FC236}">
+                <a16:creationId xmlns:a16="http://schemas.microsoft.com/office/drawing/2014/main" id="{DF07C849-52BC-447C-8016-2799478AF566}"/>
+              </a:ext>
+            </a:extLst>
+          </p:cNvPr>
+          <p:cNvSpPr txBox="1"/>
+          <p:nvPr/>
+        </p:nvSpPr>
+        <p:spPr>
+          <a:xfrm>
+            <a:off x="10216077" y="3703087"/>
+            <a:ext cx="1333847" cy="338554"/>
+          </a:xfrm>
+          <a:prstGeom prst="rect">
+            <a:avLst/>
+          </a:prstGeom>
+          <a:noFill/>
+        </p:spPr>
+        <p:txBody>
+          <a:bodyPr wrap="square" rtlCol="0">
+            <a:spAutoFit/>
+          </a:bodyPr>
+          <a:lstStyle/>
+          <a:p>
+            <a:r>
+              <a:rPr lang="pt-PT" sz="1600" dirty="0"/>
+              <a:t>Donation.cpp</a:t>
+            </a:r>
+            <a:endParaRPr lang="en-GB" sz="1600" dirty="0"/>
+          </a:p>
+        </p:txBody>
+      </p:sp>
     </p:spTree>
     <p:extLst>
       <p:ext uri="{BB962C8B-B14F-4D97-AF65-F5344CB8AC3E}">
@@ -10580,7 +10644,7 @@
         </p:nvSpPr>
         <p:spPr>
           <a:xfrm>
-            <a:off x="1097280" y="1880423"/>
+            <a:off x="1159430" y="2116816"/>
             <a:ext cx="10115203" cy="400110"/>
           </a:xfrm>
           <a:prstGeom prst="rect">
@@ -10766,7 +10830,7 @@
         </p:blipFill>
         <p:spPr>
           <a:xfrm>
-            <a:off x="798146" y="2368455"/>
+            <a:off x="798146" y="3188117"/>
             <a:ext cx="4998720" cy="1876352"/>
           </a:xfrm>
           <a:prstGeom prst="rect">
@@ -10788,7 +10852,7 @@
         </p:nvSpPr>
         <p:spPr>
           <a:xfrm>
-            <a:off x="4695252" y="4221800"/>
+            <a:off x="4695252" y="5041462"/>
             <a:ext cx="1156883" cy="338554"/>
           </a:xfrm>
           <a:prstGeom prst="rect">
@@ -10824,7 +10888,7 @@
         </p:nvSpPr>
         <p:spPr>
           <a:xfrm>
-            <a:off x="10591413" y="5108706"/>
+            <a:off x="10556470" y="4851787"/>
             <a:ext cx="1302520" cy="338554"/>
           </a:xfrm>
           <a:prstGeom prst="rect">
@@ -10868,7 +10932,7 @@
         </p:blipFill>
         <p:spPr>
           <a:xfrm>
-            <a:off x="5907405" y="3608605"/>
+            <a:off x="5863276" y="3351686"/>
             <a:ext cx="5931258" cy="1523108"/>
           </a:xfrm>
           <a:prstGeom prst="rect">
@@ -13167,7 +13231,7 @@
         <p:spPr>
           <a:xfrm>
             <a:off x="1189358" y="1905778"/>
-            <a:ext cx="5468893" cy="1754326"/>
+            <a:ext cx="5468893" cy="2031325"/>
           </a:xfrm>
           <a:prstGeom prst="rect">
             <a:avLst/>
@@ -13261,36 +13325,185 @@
               <a:t>. </a:t>
             </a:r>
             <a:r>
-              <a:rPr lang="en-GB" dirty="0" err="1"/>
+              <a:rPr lang="en-GB" u="sng" dirty="0" err="1"/>
+              <a:t>Foi</a:t>
+            </a:r>
+            <a:r>
+              <a:rPr lang="en-GB" u="sng" dirty="0"/>
+              <a:t> </a:t>
+            </a:r>
+            <a:r>
+              <a:rPr lang="en-GB" u="sng" dirty="0" err="1"/>
+              <a:t>necessário</a:t>
+            </a:r>
+            <a:r>
+              <a:rPr lang="en-GB" u="sng" dirty="0"/>
+              <a:t> </a:t>
+            </a:r>
+            <a:r>
+              <a:rPr lang="en-GB" u="sng" dirty="0" err="1"/>
+              <a:t>modificar</a:t>
+            </a:r>
+            <a:r>
+              <a:rPr lang="en-GB" u="sng" dirty="0"/>
+              <a:t> </a:t>
+            </a:r>
+            <a:r>
+              <a:rPr lang="en-GB" u="sng" dirty="0" err="1"/>
+              <a:t>algumas</a:t>
+            </a:r>
+            <a:r>
+              <a:rPr lang="en-GB" u="sng" dirty="0"/>
+              <a:t> </a:t>
+            </a:r>
+            <a:r>
+              <a:rPr lang="en-GB" u="sng" dirty="0" err="1"/>
+              <a:t>funções</a:t>
+            </a:r>
+            <a:r>
+              <a:rPr lang="en-GB" u="sng" dirty="0"/>
+              <a:t>. </a:t>
+            </a:r>
+            <a:r>
+              <a:rPr lang="en-GB" dirty="0" err="1">
+                <a:solidFill>
+                  <a:srgbClr val="FF0000"/>
+                </a:solidFill>
+              </a:rPr>
               <a:t>Teve</a:t>
             </a:r>
             <a:r>
-              <a:rPr lang="en-GB" dirty="0"/>
+              <a:rPr lang="en-GB" dirty="0">
+                <a:solidFill>
+                  <a:srgbClr val="FF0000"/>
+                </a:solidFill>
+              </a:rPr>
               <a:t> de se </a:t>
             </a:r>
             <a:r>
-              <a:rPr lang="en-GB" dirty="0" err="1"/>
+              <a:rPr lang="en-GB" dirty="0" err="1">
+                <a:solidFill>
+                  <a:srgbClr val="FF0000"/>
+                </a:solidFill>
+              </a:rPr>
               <a:t>modificar</a:t>
             </a:r>
             <a:r>
-              <a:rPr lang="en-GB" dirty="0"/>
+              <a:rPr lang="en-GB" dirty="0">
+                <a:solidFill>
+                  <a:srgbClr val="FF0000"/>
+                </a:solidFill>
+              </a:rPr>
               <a:t> a </a:t>
             </a:r>
             <a:r>
-              <a:rPr lang="en-GB" dirty="0" err="1"/>
+              <a:rPr lang="en-GB" dirty="0" err="1">
+                <a:solidFill>
+                  <a:srgbClr val="FF0000"/>
+                </a:solidFill>
+              </a:rPr>
               <a:t>função</a:t>
             </a:r>
             <a:r>
-              <a:rPr lang="en-GB" dirty="0"/>
+              <a:rPr lang="en-GB" dirty="0">
+                <a:solidFill>
+                  <a:srgbClr val="FF0000"/>
+                </a:solidFill>
+              </a:rPr>
               <a:t> </a:t>
             </a:r>
             <a:r>
-              <a:rPr lang="en-GB" dirty="0" err="1"/>
+              <a:rPr lang="en-GB" dirty="0" err="1">
+                <a:solidFill>
+                  <a:srgbClr val="FF0000"/>
+                </a:solidFill>
+              </a:rPr>
               <a:t>getUser</a:t>
             </a:r>
             <a:r>
-              <a:rPr lang="en-GB" dirty="0"/>
-              <a:t>.</a:t>
+              <a:rPr lang="en-GB" dirty="0">
+                <a:solidFill>
+                  <a:srgbClr val="FF0000"/>
+                </a:solidFill>
+              </a:rPr>
+              <a:t>. </a:t>
+            </a:r>
+            <a:r>
+              <a:rPr lang="en-GB" dirty="0">
+                <a:solidFill>
+                  <a:srgbClr val="FF0000"/>
+                </a:solidFill>
+                <a:highlight>
+                  <a:srgbClr val="000080"/>
+                </a:highlight>
+              </a:rPr>
+              <a:t>(</a:t>
+            </a:r>
+            <a:r>
+              <a:rPr lang="en-GB" dirty="0" err="1">
+                <a:solidFill>
+                  <a:srgbClr val="FF0000"/>
+                </a:solidFill>
+                <a:highlight>
+                  <a:srgbClr val="000080"/>
+                </a:highlight>
+              </a:rPr>
+              <a:t>Escolhe</a:t>
+            </a:r>
+            <a:r>
+              <a:rPr lang="en-GB" dirty="0">
+                <a:solidFill>
+                  <a:srgbClr val="FF0000"/>
+                </a:solidFill>
+                <a:highlight>
+                  <a:srgbClr val="000080"/>
+                </a:highlight>
+              </a:rPr>
+              <a:t> a </a:t>
+            </a:r>
+            <a:r>
+              <a:rPr lang="en-GB" dirty="0" err="1">
+                <a:solidFill>
+                  <a:srgbClr val="FF0000"/>
+                </a:solidFill>
+                <a:highlight>
+                  <a:srgbClr val="000080"/>
+                </a:highlight>
+              </a:rPr>
+              <a:t>maneira</a:t>
+            </a:r>
+            <a:r>
+              <a:rPr lang="en-GB" dirty="0">
+                <a:solidFill>
+                  <a:srgbClr val="FF0000"/>
+                </a:solidFill>
+                <a:highlight>
+                  <a:srgbClr val="000080"/>
+                </a:highlight>
+              </a:rPr>
+              <a:t> que </a:t>
+            </a:r>
+            <a:r>
+              <a:rPr lang="en-GB" dirty="0" err="1">
+                <a:solidFill>
+                  <a:srgbClr val="FF0000"/>
+                </a:solidFill>
+                <a:highlight>
+                  <a:srgbClr val="000080"/>
+                </a:highlight>
+              </a:rPr>
+              <a:t>preferes</a:t>
+            </a:r>
+            <a:r>
+              <a:rPr lang="en-GB" dirty="0">
+                <a:solidFill>
+                  <a:srgbClr val="FF0000"/>
+                </a:solidFill>
+                <a:highlight>
+                  <a:srgbClr val="000080"/>
+                </a:highlight>
+              </a:rPr>
+              <a:t>)</a:t>
             </a:r>
           </a:p>
         </p:txBody>

--- a/StreamZ__P2.pptx
+++ b/StreamZ__P2.pptx
@@ -5,7 +5,7 @@
     <p:sldMasterId id="2147483803" r:id="rId1"/>
   </p:sldMasterIdLst>
   <p:notesMasterIdLst>
-    <p:notesMasterId r:id="rId19"/>
+    <p:notesMasterId r:id="rId18"/>
   </p:notesMasterIdLst>
   <p:sldIdLst>
     <p:sldId id="256" r:id="rId2"/>
@@ -14,17 +14,16 @@
     <p:sldId id="265" r:id="rId5"/>
     <p:sldId id="283" r:id="rId6"/>
     <p:sldId id="281" r:id="rId7"/>
-    <p:sldId id="282" r:id="rId8"/>
-    <p:sldId id="261" r:id="rId9"/>
-    <p:sldId id="269" r:id="rId10"/>
-    <p:sldId id="266" r:id="rId11"/>
-    <p:sldId id="284" r:id="rId12"/>
-    <p:sldId id="271" r:id="rId13"/>
-    <p:sldId id="278" r:id="rId14"/>
-    <p:sldId id="279" r:id="rId15"/>
-    <p:sldId id="262" r:id="rId16"/>
-    <p:sldId id="280" r:id="rId17"/>
-    <p:sldId id="263" r:id="rId18"/>
+    <p:sldId id="261" r:id="rId8"/>
+    <p:sldId id="269" r:id="rId9"/>
+    <p:sldId id="266" r:id="rId10"/>
+    <p:sldId id="284" r:id="rId11"/>
+    <p:sldId id="271" r:id="rId12"/>
+    <p:sldId id="278" r:id="rId13"/>
+    <p:sldId id="279" r:id="rId14"/>
+    <p:sldId id="262" r:id="rId15"/>
+    <p:sldId id="280" r:id="rId16"/>
+    <p:sldId id="263" r:id="rId17"/>
   </p:sldIdLst>
   <p:sldSz cx="12192000" cy="6858000"/>
   <p:notesSz cx="6858000" cy="9144000"/>
@@ -213,7 +212,7 @@
           <a:p>
             <a:fld id="{E0A7CBE6-96C2-44FB-8052-677FD7523F77}" type="datetimeFigureOut">
               <a:rPr lang="en-GB" smtClean="0"/>
-              <a:t>03/01/2021</a:t>
+              <a:t>04/01/2021</a:t>
             </a:fld>
             <a:endParaRPr lang="en-GB"/>
           </a:p>
@@ -372,7 +371,7 @@
           <a:p>
             <a:fld id="{B3BE95CB-A87E-409C-9CB9-073D81AF8FD7}" type="slidenum">
               <a:rPr lang="en-GB" smtClean="0"/>
-              <a:t>‹nº›</a:t>
+              <a:t>‹#›</a:t>
             </a:fld>
             <a:endParaRPr lang="en-GB"/>
           </a:p>
@@ -709,7 +708,7 @@
           <a:p>
             <a:fld id="{10287FE5-40AA-4482-862A-C1DBDA53E4E0}" type="datetime1">
               <a:rPr lang="en-GB" smtClean="0"/>
-              <a:t>03/01/2021</a:t>
+              <a:t>04/01/2021</a:t>
             </a:fld>
             <a:endParaRPr lang="en-GB"/>
           </a:p>
@@ -754,7 +753,7 @@
           <a:p>
             <a:fld id="{75DB3F52-068C-4339-9FA6-06F9AAEB3337}" type="slidenum">
               <a:rPr lang="en-GB" smtClean="0"/>
-              <a:t>‹nº›</a:t>
+              <a:t>‹#›</a:t>
             </a:fld>
             <a:endParaRPr lang="en-GB"/>
           </a:p>
@@ -920,7 +919,7 @@
           <a:p>
             <a:fld id="{B4B3331D-DB21-4154-BBFE-4E811E37EE62}" type="datetime1">
               <a:rPr lang="en-GB" smtClean="0"/>
-              <a:t>03/01/2021</a:t>
+              <a:t>04/01/2021</a:t>
             </a:fld>
             <a:endParaRPr lang="en-GB"/>
           </a:p>
@@ -965,7 +964,7 @@
           <a:p>
             <a:fld id="{75DB3F52-068C-4339-9FA6-06F9AAEB3337}" type="slidenum">
               <a:rPr lang="en-GB" smtClean="0"/>
-              <a:t>‹nº›</a:t>
+              <a:t>‹#›</a:t>
             </a:fld>
             <a:endParaRPr lang="en-GB"/>
           </a:p>
@@ -1181,7 +1180,7 @@
           <a:p>
             <a:fld id="{08D02E9F-C75D-4742-90A9-B7466D809442}" type="datetime1">
               <a:rPr lang="en-GB" smtClean="0"/>
-              <a:t>03/01/2021</a:t>
+              <a:t>04/01/2021</a:t>
             </a:fld>
             <a:endParaRPr lang="en-GB"/>
           </a:p>
@@ -1226,7 +1225,7 @@
           <a:p>
             <a:fld id="{75DB3F52-068C-4339-9FA6-06F9AAEB3337}" type="slidenum">
               <a:rPr lang="en-GB" smtClean="0"/>
-              <a:t>‹nº›</a:t>
+              <a:t>‹#›</a:t>
             </a:fld>
             <a:endParaRPr lang="en-GB"/>
           </a:p>
@@ -1354,7 +1353,7 @@
           <a:p>
             <a:fld id="{920885B9-C1B1-456C-9050-D5E6D8F0D28D}" type="datetime1">
               <a:rPr lang="en-GB" smtClean="0"/>
-              <a:t>03/01/2021</a:t>
+              <a:t>04/01/2021</a:t>
             </a:fld>
             <a:endParaRPr lang="en-GB"/>
           </a:p>
@@ -1399,7 +1398,7 @@
           <a:p>
             <a:fld id="{75DB3F52-068C-4339-9FA6-06F9AAEB3337}" type="slidenum">
               <a:rPr lang="en-GB" smtClean="0"/>
-              <a:t>‹nº›</a:t>
+              <a:t>‹#›</a:t>
             </a:fld>
             <a:endParaRPr lang="en-GB"/>
           </a:p>
@@ -1694,7 +1693,7 @@
           <a:p>
             <a:fld id="{00A595AE-22AA-4908-81B6-1CCC07139A73}" type="datetime1">
               <a:rPr lang="en-GB" smtClean="0"/>
-              <a:t>03/01/2021</a:t>
+              <a:t>04/01/2021</a:t>
             </a:fld>
             <a:endParaRPr lang="en-GB"/>
           </a:p>
@@ -1739,7 +1738,7 @@
           <a:p>
             <a:fld id="{75DB3F52-068C-4339-9FA6-06F9AAEB3337}" type="slidenum">
               <a:rPr lang="en-GB" smtClean="0"/>
-              <a:t>‹nº›</a:t>
+              <a:t>‹#›</a:t>
             </a:fld>
             <a:endParaRPr lang="en-GB"/>
           </a:p>
@@ -1972,7 +1971,7 @@
           <a:p>
             <a:fld id="{B4C3DA1B-F861-49FD-A800-BA36AE08DFBD}" type="datetime1">
               <a:rPr lang="en-GB" smtClean="0"/>
-              <a:t>03/01/2021</a:t>
+              <a:t>04/01/2021</a:t>
             </a:fld>
             <a:endParaRPr lang="en-GB"/>
           </a:p>
@@ -2017,7 +2016,7 @@
           <a:p>
             <a:fld id="{75DB3F52-068C-4339-9FA6-06F9AAEB3337}" type="slidenum">
               <a:rPr lang="en-GB" smtClean="0"/>
-              <a:t>‹nº›</a:t>
+              <a:t>‹#›</a:t>
             </a:fld>
             <a:endParaRPr lang="en-GB"/>
           </a:p>
@@ -2358,7 +2357,7 @@
           <a:p>
             <a:fld id="{C5ADF251-40F2-471A-AC82-FC97D6FBDD81}" type="datetime1">
               <a:rPr lang="en-GB" smtClean="0"/>
-              <a:t>03/01/2021</a:t>
+              <a:t>04/01/2021</a:t>
             </a:fld>
             <a:endParaRPr lang="en-GB"/>
           </a:p>
@@ -2403,7 +2402,7 @@
           <a:p>
             <a:fld id="{75DB3F52-068C-4339-9FA6-06F9AAEB3337}" type="slidenum">
               <a:rPr lang="en-GB" smtClean="0"/>
-              <a:t>‹nº›</a:t>
+              <a:t>‹#›</a:t>
             </a:fld>
             <a:endParaRPr lang="en-GB"/>
           </a:p>
@@ -2479,7 +2478,7 @@
           <a:p>
             <a:fld id="{6D90297F-D12C-4C8F-8D15-2CC18862152E}" type="datetime1">
               <a:rPr lang="en-GB" smtClean="0"/>
-              <a:t>03/01/2021</a:t>
+              <a:t>04/01/2021</a:t>
             </a:fld>
             <a:endParaRPr lang="en-GB"/>
           </a:p>
@@ -2524,7 +2523,7 @@
           <a:p>
             <a:fld id="{75DB3F52-068C-4339-9FA6-06F9AAEB3337}" type="slidenum">
               <a:rPr lang="en-GB" smtClean="0"/>
-              <a:t>‹nº›</a:t>
+              <a:t>‹#›</a:t>
             </a:fld>
             <a:endParaRPr lang="en-GB"/>
           </a:p>
@@ -2655,7 +2654,7 @@
           <a:p>
             <a:fld id="{09972094-D239-466E-84C0-23BFB54CA7A6}" type="datetime1">
               <a:rPr lang="en-GB" smtClean="0"/>
-              <a:t>03/01/2021</a:t>
+              <a:t>04/01/2021</a:t>
             </a:fld>
             <a:endParaRPr lang="en-GB"/>
           </a:p>
@@ -2708,7 +2707,7 @@
           <a:p>
             <a:fld id="{75DB3F52-068C-4339-9FA6-06F9AAEB3337}" type="slidenum">
               <a:rPr lang="en-GB" smtClean="0"/>
-              <a:t>‹nº›</a:t>
+              <a:t>‹#›</a:t>
             </a:fld>
             <a:endParaRPr lang="en-GB"/>
           </a:p>
@@ -3014,7 +3013,7 @@
           <a:p>
             <a:fld id="{EBB9E4AA-ED31-45C4-9F34-3AB82CB7D4F7}" type="datetime1">
               <a:rPr lang="en-GB" smtClean="0"/>
-              <a:t>03/01/2021</a:t>
+              <a:t>04/01/2021</a:t>
             </a:fld>
             <a:endParaRPr lang="en-GB"/>
           </a:p>
@@ -3080,7 +3079,7 @@
           <a:p>
             <a:fld id="{75DB3F52-068C-4339-9FA6-06F9AAEB3337}" type="slidenum">
               <a:rPr lang="en-GB" smtClean="0"/>
-              <a:t>‹nº›</a:t>
+              <a:t>‹#›</a:t>
             </a:fld>
             <a:endParaRPr lang="en-GB"/>
           </a:p>
@@ -3365,7 +3364,7 @@
           <a:p>
             <a:fld id="{54D93744-9260-4C18-B07B-A5DCD93AF253}" type="datetime1">
               <a:rPr lang="en-GB" smtClean="0"/>
-              <a:t>03/01/2021</a:t>
+              <a:t>04/01/2021</a:t>
             </a:fld>
             <a:endParaRPr lang="en-GB"/>
           </a:p>
@@ -3426,7 +3425,7 @@
           <a:p>
             <a:fld id="{75DB3F52-068C-4339-9FA6-06F9AAEB3337}" type="slidenum">
               <a:rPr lang="en-GB" smtClean="0"/>
-              <a:t>‹nº›</a:t>
+              <a:t>‹#›</a:t>
             </a:fld>
             <a:endParaRPr lang="en-GB"/>
           </a:p>
@@ -3679,7 +3678,7 @@
           <a:p>
             <a:fld id="{F31837DA-AB38-49C7-AF2F-DE9986A9C5A0}" type="datetime1">
               <a:rPr lang="en-GB" smtClean="0"/>
-              <a:t>03/01/2021</a:t>
+              <a:t>04/01/2021</a:t>
             </a:fld>
             <a:endParaRPr lang="en-GB"/>
           </a:p>
@@ -3756,7 +3755,7 @@
           <a:p>
             <a:fld id="{75DB3F52-068C-4339-9FA6-06F9AAEB3337}" type="slidenum">
               <a:rPr lang="en-GB" smtClean="0"/>
-              <a:t>‹nº›</a:t>
+              <a:t>‹#›</a:t>
             </a:fld>
             <a:endParaRPr lang="en-GB"/>
           </a:p>
@@ -4274,7 +4273,7 @@
           <a:lstStyle/>
           <a:p>
             <a:pPr algn="ctr"/>
-            <a:endParaRPr lang="en-US"/>
+            <a:endParaRPr lang="en-US" dirty="0"/>
           </a:p>
         </p:txBody>
       </p:sp>
@@ -4718,10 +4717,10 @@
       </p:grpSpPr>
       <p:sp>
         <p:nvSpPr>
-          <p:cNvPr id="2" name="Título 1">
-            <a:extLst>
-              <a:ext uri="{FF2B5EF4-FFF2-40B4-BE49-F238E27FC236}">
-                <a16:creationId xmlns:a16="http://schemas.microsoft.com/office/drawing/2014/main" id="{94156D41-8965-4403-A98B-D1E242421D46}"/>
+          <p:cNvPr id="4" name="Footer Placeholder 3">
+            <a:extLst>
+              <a:ext uri="{FF2B5EF4-FFF2-40B4-BE49-F238E27FC236}">
+                <a16:creationId xmlns:a16="http://schemas.microsoft.com/office/drawing/2014/main" id="{2F71CFE1-2B0F-4FD5-9F0B-8F54E5BC679E}"/>
               </a:ext>
             </a:extLst>
           </p:cNvPr>
@@ -4729,216 +4728,65 @@
             <a:spLocks noGrp="1"/>
           </p:cNvSpPr>
           <p:nvPr>
-            <p:ph type="title"/>
+            <p:ph type="ftr" sz="quarter" idx="11"/>
           </p:nvPr>
         </p:nvSpPr>
         <p:spPr/>
         <p:txBody>
-          <a:bodyPr>
-            <a:normAutofit fontScale="90000"/>
-          </a:bodyPr>
-          <a:lstStyle/>
-          <a:p>
-            <a:pPr algn="ctr"/>
-            <a:br>
-              <a:rPr lang="en-GB" sz="3600" dirty="0"/>
-            </a:br>
-            <a:r>
-              <a:rPr lang="en-GB" sz="7300" dirty="0" err="1">
-                <a:solidFill>
-                  <a:schemeClr val="tx1">
-                    <a:lumMod val="85000"/>
-                    <a:lumOff val="15000"/>
-                  </a:schemeClr>
-                </a:solidFill>
-                <a:latin typeface="Bahnschrift SemiLight" panose="020B0502040204020203" pitchFamily="34" charset="0"/>
-              </a:rPr>
-              <a:t>Criar</a:t>
-            </a:r>
-            <a:r>
-              <a:rPr lang="en-GB" sz="7300" dirty="0">
-                <a:solidFill>
-                  <a:schemeClr val="tx1">
-                    <a:lumMod val="85000"/>
-                    <a:lumOff val="15000"/>
-                  </a:schemeClr>
-                </a:solidFill>
-                <a:latin typeface="Bahnschrift SemiLight" panose="020B0502040204020203" pitchFamily="34" charset="0"/>
-              </a:rPr>
-              <a:t>/</a:t>
-            </a:r>
-            <a:r>
-              <a:rPr lang="en-GB" sz="7300" dirty="0" err="1">
-                <a:solidFill>
-                  <a:schemeClr val="tx1">
-                    <a:lumMod val="85000"/>
-                    <a:lumOff val="15000"/>
-                  </a:schemeClr>
-                </a:solidFill>
-                <a:latin typeface="Bahnschrift SemiLight" panose="020B0502040204020203" pitchFamily="34" charset="0"/>
-              </a:rPr>
-              <a:t>Atualizar</a:t>
-            </a:r>
-            <a:r>
-              <a:rPr lang="en-GB" sz="7300" dirty="0">
-                <a:solidFill>
-                  <a:schemeClr val="tx1">
-                    <a:lumMod val="85000"/>
-                    <a:lumOff val="15000"/>
-                  </a:schemeClr>
-                </a:solidFill>
-                <a:latin typeface="Bahnschrift SemiLight" panose="020B0502040204020203" pitchFamily="34" charset="0"/>
-              </a:rPr>
-              <a:t>/ Remover</a:t>
-            </a:r>
-            <a:endParaRPr lang="pt-PT" sz="7300" dirty="0">
-              <a:solidFill>
-                <a:schemeClr val="tx1">
-                  <a:lumMod val="85000"/>
-                  <a:lumOff val="15000"/>
-                </a:schemeClr>
-              </a:solidFill>
-              <a:latin typeface="Bahnschrift SemiLight" panose="020B0502040204020203" pitchFamily="34" charset="0"/>
-            </a:endParaRPr>
-          </a:p>
-        </p:txBody>
-      </p:sp>
-      <p:cxnSp>
-        <p:nvCxnSpPr>
-          <p:cNvPr id="5" name="Conexão reta 4">
-            <a:extLst>
-              <a:ext uri="{FF2B5EF4-FFF2-40B4-BE49-F238E27FC236}">
-                <a16:creationId xmlns:a16="http://schemas.microsoft.com/office/drawing/2014/main" id="{CB2239A8-67DE-444E-AC2F-873CA9F188C9}"/>
-              </a:ext>
-            </a:extLst>
-          </p:cNvPr>
-          <p:cNvCxnSpPr>
-            <a:cxnSpLocks/>
-          </p:cNvCxnSpPr>
-          <p:nvPr/>
-        </p:nvCxnSpPr>
-        <p:spPr>
-          <a:xfrm flipH="1">
-            <a:off x="1097280" y="1737360"/>
-            <a:ext cx="10239504" cy="0"/>
-          </a:xfrm>
-          <a:prstGeom prst="line">
-            <a:avLst/>
-          </a:prstGeom>
-          <a:ln>
-            <a:solidFill>
-              <a:srgbClr val="8C2D19"/>
-            </a:solidFill>
-          </a:ln>
-        </p:spPr>
-        <p:style>
-          <a:lnRef idx="1">
-            <a:schemeClr val="accent1"/>
-          </a:lnRef>
-          <a:fillRef idx="0">
-            <a:schemeClr val="accent1"/>
-          </a:fillRef>
-          <a:effectRef idx="0">
-            <a:schemeClr val="accent1"/>
-          </a:effectRef>
-          <a:fontRef idx="minor">
-            <a:schemeClr val="tx1"/>
-          </a:fontRef>
-        </p:style>
-      </p:cxnSp>
-      <p:sp>
-        <p:nvSpPr>
-          <p:cNvPr id="23" name="CaixaDeTexto 22">
-            <a:extLst>
-              <a:ext uri="{FF2B5EF4-FFF2-40B4-BE49-F238E27FC236}">
-                <a16:creationId xmlns:a16="http://schemas.microsoft.com/office/drawing/2014/main" id="{3EDE5F5A-9157-40C4-9894-CDA1F597E236}"/>
-              </a:ext>
-            </a:extLst>
-          </p:cNvPr>
-          <p:cNvSpPr txBox="1"/>
-          <p:nvPr/>
-        </p:nvSpPr>
-        <p:spPr>
-          <a:xfrm>
-            <a:off x="9401461" y="5853878"/>
-            <a:ext cx="1953087" cy="338554"/>
-          </a:xfrm>
-          <a:prstGeom prst="rect">
-            <a:avLst/>
-          </a:prstGeom>
-          <a:noFill/>
-        </p:spPr>
-        <p:txBody>
-          <a:bodyPr wrap="square" rtlCol="0">
-            <a:spAutoFit/>
-          </a:bodyPr>
-          <a:lstStyle/>
-          <a:p>
-            <a:r>
-              <a:rPr lang="pt-PT" sz="1600" dirty="0"/>
-              <a:t>DonationManger.cpp</a:t>
-            </a:r>
-            <a:endParaRPr lang="en-GB" sz="1600" dirty="0"/>
-          </a:p>
-        </p:txBody>
-      </p:sp>
-      <p:sp>
-        <p:nvSpPr>
-          <p:cNvPr id="29" name="CaixaDeTexto 28">
-            <a:extLst>
-              <a:ext uri="{FF2B5EF4-FFF2-40B4-BE49-F238E27FC236}">
-                <a16:creationId xmlns:a16="http://schemas.microsoft.com/office/drawing/2014/main" id="{DE3766CB-8AD1-425D-85B3-6F68364D4BD1}"/>
-              </a:ext>
-            </a:extLst>
-          </p:cNvPr>
-          <p:cNvSpPr txBox="1"/>
-          <p:nvPr/>
-        </p:nvSpPr>
-        <p:spPr>
-          <a:xfrm>
-            <a:off x="10331952" y="3615979"/>
-            <a:ext cx="959293" cy="338554"/>
-          </a:xfrm>
-          <a:prstGeom prst="rect">
-            <a:avLst/>
-          </a:prstGeom>
-          <a:noFill/>
-        </p:spPr>
-        <p:txBody>
-          <a:bodyPr wrap="square" rtlCol="0">
-            <a:spAutoFit/>
-          </a:bodyPr>
-          <a:lstStyle/>
-          <a:p>
-            <a:r>
-              <a:rPr lang="pt-PT" sz="1600" dirty="0" err="1">
-                <a:solidFill>
-                  <a:srgbClr val="FF0000"/>
-                </a:solidFill>
-              </a:rPr>
-              <a:t>Viewer.h</a:t>
-            </a:r>
-            <a:endParaRPr lang="en-GB" sz="1600" dirty="0">
-              <a:solidFill>
-                <a:srgbClr val="FF0000"/>
-              </a:solidFill>
-            </a:endParaRPr>
+          <a:bodyPr/>
+          <a:lstStyle/>
+          <a:p>
+            <a:r>
+              <a:rPr lang="en-GB"/>
+              <a:t>2MIEIC04_G1</a:t>
+            </a:r>
+          </a:p>
+        </p:txBody>
+      </p:sp>
+      <p:sp>
+        <p:nvSpPr>
+          <p:cNvPr id="5" name="Slide Number Placeholder 4">
+            <a:extLst>
+              <a:ext uri="{FF2B5EF4-FFF2-40B4-BE49-F238E27FC236}">
+                <a16:creationId xmlns:a16="http://schemas.microsoft.com/office/drawing/2014/main" id="{FDB70962-5A4C-439F-988C-DC218268B1D0}"/>
+              </a:ext>
+            </a:extLst>
+          </p:cNvPr>
+          <p:cNvSpPr>
+            <a:spLocks noGrp="1"/>
+          </p:cNvSpPr>
+          <p:nvPr>
+            <p:ph type="sldNum" sz="quarter" idx="12"/>
+          </p:nvPr>
+        </p:nvSpPr>
+        <p:spPr/>
+        <p:txBody>
+          <a:bodyPr/>
+          <a:lstStyle/>
+          <a:p>
+            <a:fld id="{75DB3F52-068C-4339-9FA6-06F9AAEB3337}" type="slidenum">
+              <a:rPr lang="en-GB" smtClean="0"/>
+              <a:t>10</a:t>
+            </a:fld>
+            <a:endParaRPr lang="en-GB"/>
           </a:p>
         </p:txBody>
       </p:sp>
       <p:pic>
         <p:nvPicPr>
-          <p:cNvPr id="36" name="Imagem 35">
-            <a:extLst>
-              <a:ext uri="{FF2B5EF4-FFF2-40B4-BE49-F238E27FC236}">
-                <a16:creationId xmlns:a16="http://schemas.microsoft.com/office/drawing/2014/main" id="{7F0F9A73-114E-4E6C-8A5F-BC76BF08F4BF}"/>
+          <p:cNvPr id="6" name="Content Placeholder 5">
+            <a:extLst>
+              <a:ext uri="{FF2B5EF4-FFF2-40B4-BE49-F238E27FC236}">
+                <a16:creationId xmlns:a16="http://schemas.microsoft.com/office/drawing/2014/main" id="{89F4A609-5C72-4E49-BAF9-9216D4678F30}"/>
               </a:ext>
             </a:extLst>
           </p:cNvPr>
           <p:cNvPicPr>
-            <a:picLocks noChangeAspect="1"/>
+            <a:picLocks noGrp="1" noChangeAspect="1"/>
           </p:cNvPicPr>
-          <p:nvPr/>
+          <p:nvPr>
+            <p:ph idx="1"/>
+          </p:nvPr>
         </p:nvPicPr>
         <p:blipFill>
           <a:blip r:embed="rId2"/>
@@ -4948,8 +4796,8 @@
         </p:blipFill>
         <p:spPr>
           <a:xfrm>
-            <a:off x="8290312" y="2639077"/>
-            <a:ext cx="2865368" cy="541067"/>
+            <a:off x="6907318" y="1806606"/>
+            <a:ext cx="4539310" cy="1622394"/>
           </a:xfrm>
           <a:prstGeom prst="rect">
             <a:avLst/>
@@ -4958,10 +4806,10 @@
       </p:pic>
       <p:pic>
         <p:nvPicPr>
-          <p:cNvPr id="38" name="Imagem 37">
-            <a:extLst>
-              <a:ext uri="{FF2B5EF4-FFF2-40B4-BE49-F238E27FC236}">
-                <a16:creationId xmlns:a16="http://schemas.microsoft.com/office/drawing/2014/main" id="{20BD432F-393B-4D03-85B2-E8E9F407DF10}"/>
+          <p:cNvPr id="7" name="Picture 6">
+            <a:extLst>
+              <a:ext uri="{FF2B5EF4-FFF2-40B4-BE49-F238E27FC236}">
+                <a16:creationId xmlns:a16="http://schemas.microsoft.com/office/drawing/2014/main" id="{FE1175FB-C175-4FBF-A258-C6F655583898}"/>
               </a:ext>
             </a:extLst>
           </p:cNvPr>
@@ -4978,20 +4826,365 @@
         </p:blipFill>
         <p:spPr>
           <a:xfrm>
-            <a:off x="8899965" y="2173788"/>
-            <a:ext cx="2255715" cy="472481"/>
+            <a:off x="635001" y="4033552"/>
+            <a:ext cx="5244107" cy="1881203"/>
           </a:xfrm>
           <a:prstGeom prst="rect">
             <a:avLst/>
           </a:prstGeom>
         </p:spPr>
       </p:pic>
+      <p:sp>
+        <p:nvSpPr>
+          <p:cNvPr id="8" name="Título 1">
+            <a:extLst>
+              <a:ext uri="{FF2B5EF4-FFF2-40B4-BE49-F238E27FC236}">
+                <a16:creationId xmlns:a16="http://schemas.microsoft.com/office/drawing/2014/main" id="{F4B5FA9B-A667-4288-A449-D68EF3301DF0}"/>
+              </a:ext>
+            </a:extLst>
+          </p:cNvPr>
+          <p:cNvSpPr>
+            <a:spLocks noGrp="1"/>
+          </p:cNvSpPr>
+          <p:nvPr>
+            <p:ph type="title"/>
+          </p:nvPr>
+        </p:nvSpPr>
+        <p:spPr>
+          <a:xfrm>
+            <a:off x="1096963" y="287338"/>
+            <a:ext cx="10058400" cy="1449387"/>
+          </a:xfrm>
+        </p:spPr>
+        <p:txBody>
+          <a:bodyPr>
+            <a:normAutofit fontScale="90000"/>
+          </a:bodyPr>
+          <a:lstStyle/>
+          <a:p>
+            <a:pPr algn="ctr"/>
+            <a:br>
+              <a:rPr lang="en-GB" sz="3600" dirty="0"/>
+            </a:br>
+            <a:r>
+              <a:rPr lang="en-GB" sz="7300" dirty="0" err="1">
+                <a:solidFill>
+                  <a:schemeClr val="tx1">
+                    <a:lumMod val="85000"/>
+                    <a:lumOff val="15000"/>
+                  </a:schemeClr>
+                </a:solidFill>
+                <a:latin typeface="Bahnschrift SemiLight" panose="020B0502040204020203" pitchFamily="34" charset="0"/>
+              </a:rPr>
+              <a:t>Criar</a:t>
+            </a:r>
+            <a:r>
+              <a:rPr lang="en-GB" sz="7300" dirty="0">
+                <a:solidFill>
+                  <a:schemeClr val="tx1">
+                    <a:lumMod val="85000"/>
+                    <a:lumOff val="15000"/>
+                  </a:schemeClr>
+                </a:solidFill>
+                <a:latin typeface="Bahnschrift SemiLight" panose="020B0502040204020203" pitchFamily="34" charset="0"/>
+              </a:rPr>
+              <a:t>/</a:t>
+            </a:r>
+            <a:r>
+              <a:rPr lang="en-GB" sz="7300" dirty="0" err="1">
+                <a:solidFill>
+                  <a:schemeClr val="tx1">
+                    <a:lumMod val="85000"/>
+                    <a:lumOff val="15000"/>
+                  </a:schemeClr>
+                </a:solidFill>
+                <a:latin typeface="Bahnschrift SemiLight" panose="020B0502040204020203" pitchFamily="34" charset="0"/>
+              </a:rPr>
+              <a:t>Atualizar</a:t>
+            </a:r>
+            <a:r>
+              <a:rPr lang="en-GB" sz="7300" dirty="0">
+                <a:solidFill>
+                  <a:schemeClr val="tx1">
+                    <a:lumMod val="85000"/>
+                    <a:lumOff val="15000"/>
+                  </a:schemeClr>
+                </a:solidFill>
+                <a:latin typeface="Bahnschrift SemiLight" panose="020B0502040204020203" pitchFamily="34" charset="0"/>
+              </a:rPr>
+              <a:t>/ Remover</a:t>
+            </a:r>
+            <a:endParaRPr lang="pt-PT" sz="7300" dirty="0">
+              <a:solidFill>
+                <a:schemeClr val="tx1">
+                  <a:lumMod val="85000"/>
+                  <a:lumOff val="15000"/>
+                </a:schemeClr>
+              </a:solidFill>
+              <a:latin typeface="Bahnschrift SemiLight" panose="020B0502040204020203" pitchFamily="34" charset="0"/>
+            </a:endParaRPr>
+          </a:p>
+        </p:txBody>
+      </p:sp>
+      <p:sp>
+        <p:nvSpPr>
+          <p:cNvPr id="9" name="CaixaDeTexto 28">
+            <a:extLst>
+              <a:ext uri="{FF2B5EF4-FFF2-40B4-BE49-F238E27FC236}">
+                <a16:creationId xmlns:a16="http://schemas.microsoft.com/office/drawing/2014/main" id="{263D2D90-0057-433C-941C-2E42F868FAF7}"/>
+              </a:ext>
+            </a:extLst>
+          </p:cNvPr>
+          <p:cNvSpPr txBox="1"/>
+          <p:nvPr/>
+        </p:nvSpPr>
+        <p:spPr>
+          <a:xfrm>
+            <a:off x="10236515" y="3402610"/>
+            <a:ext cx="1513324" cy="338554"/>
+          </a:xfrm>
+          <a:prstGeom prst="rect">
+            <a:avLst/>
+          </a:prstGeom>
+          <a:noFill/>
+        </p:spPr>
+        <p:txBody>
+          <a:bodyPr wrap="square" rtlCol="0">
+            <a:spAutoFit/>
+          </a:bodyPr>
+          <a:lstStyle/>
+          <a:p>
+            <a:r>
+              <a:rPr lang="pt-PT" sz="1600" dirty="0"/>
+              <a:t>Streamer.cpp</a:t>
+            </a:r>
+            <a:endParaRPr lang="en-GB" sz="1600" dirty="0"/>
+          </a:p>
+        </p:txBody>
+      </p:sp>
+      <p:sp>
+        <p:nvSpPr>
+          <p:cNvPr id="10" name="CaixaDeTexto 28">
+            <a:extLst>
+              <a:ext uri="{FF2B5EF4-FFF2-40B4-BE49-F238E27FC236}">
+                <a16:creationId xmlns:a16="http://schemas.microsoft.com/office/drawing/2014/main" id="{EB9B47FF-C9C1-4129-B0FE-745BC5C2EB56}"/>
+              </a:ext>
+            </a:extLst>
+          </p:cNvPr>
+          <p:cNvSpPr txBox="1"/>
+          <p:nvPr/>
+        </p:nvSpPr>
+        <p:spPr>
+          <a:xfrm>
+            <a:off x="4612839" y="5848716"/>
+            <a:ext cx="1513324" cy="338554"/>
+          </a:xfrm>
+          <a:prstGeom prst="rect">
+            <a:avLst/>
+          </a:prstGeom>
+          <a:noFill/>
+        </p:spPr>
+        <p:txBody>
+          <a:bodyPr wrap="square" rtlCol="0">
+            <a:spAutoFit/>
+          </a:bodyPr>
+          <a:lstStyle/>
+          <a:p>
+            <a:r>
+              <a:rPr lang="pt-PT" sz="1600" dirty="0"/>
+              <a:t>Streamer.cpp</a:t>
+            </a:r>
+            <a:endParaRPr lang="en-GB" sz="1600" dirty="0"/>
+          </a:p>
+        </p:txBody>
+      </p:sp>
+      <p:sp>
+        <p:nvSpPr>
+          <p:cNvPr id="17" name="CaixaDeTexto 28">
+            <a:extLst>
+              <a:ext uri="{FF2B5EF4-FFF2-40B4-BE49-F238E27FC236}">
+                <a16:creationId xmlns:a16="http://schemas.microsoft.com/office/drawing/2014/main" id="{CB9EF4E6-34F6-4B3A-8913-3564D9AC19C7}"/>
+              </a:ext>
+            </a:extLst>
+          </p:cNvPr>
+          <p:cNvSpPr txBox="1"/>
+          <p:nvPr/>
+        </p:nvSpPr>
+        <p:spPr>
+          <a:xfrm>
+            <a:off x="10575447" y="5982196"/>
+            <a:ext cx="1513324" cy="338554"/>
+          </a:xfrm>
+          <a:prstGeom prst="rect">
+            <a:avLst/>
+          </a:prstGeom>
+          <a:noFill/>
+        </p:spPr>
+        <p:txBody>
+          <a:bodyPr wrap="square" rtlCol="0">
+            <a:spAutoFit/>
+          </a:bodyPr>
+          <a:lstStyle/>
+          <a:p>
+            <a:r>
+              <a:rPr lang="pt-PT" sz="1600" dirty="0"/>
+              <a:t>Viewer.cpp</a:t>
+            </a:r>
+            <a:endParaRPr lang="en-GB" sz="1600" dirty="0"/>
+          </a:p>
+        </p:txBody>
+      </p:sp>
+      <p:sp>
+        <p:nvSpPr>
+          <p:cNvPr id="21" name="CaixaDeTexto 28">
+            <a:extLst>
+              <a:ext uri="{FF2B5EF4-FFF2-40B4-BE49-F238E27FC236}">
+                <a16:creationId xmlns:a16="http://schemas.microsoft.com/office/drawing/2014/main" id="{C37B4128-DD8F-48F2-A96F-C59F14FBBD5F}"/>
+              </a:ext>
+            </a:extLst>
+          </p:cNvPr>
+          <p:cNvSpPr txBox="1"/>
+          <p:nvPr/>
+        </p:nvSpPr>
+        <p:spPr>
+          <a:xfrm>
+            <a:off x="893396" y="1943201"/>
+            <a:ext cx="4985712" cy="2062103"/>
+          </a:xfrm>
+          <a:prstGeom prst="rect">
+            <a:avLst/>
+          </a:prstGeom>
+          <a:noFill/>
+        </p:spPr>
+        <p:txBody>
+          <a:bodyPr wrap="square" rtlCol="0">
+            <a:spAutoFit/>
+          </a:bodyPr>
+          <a:lstStyle/>
+          <a:p>
+            <a:pPr marL="285750" indent="-285750">
+              <a:buClr>
+                <a:srgbClr val="8C2D19"/>
+              </a:buClr>
+              <a:buFont typeface="Arial" panose="020B0604020202020204" pitchFamily="34" charset="0"/>
+              <a:buChar char="•"/>
+            </a:pPr>
+            <a:r>
+              <a:rPr lang="pt-PT" sz="1600" dirty="0"/>
+              <a:t>Criar/Remover </a:t>
+            </a:r>
+            <a:r>
+              <a:rPr lang="pt-PT" sz="1600" dirty="0" err="1"/>
+              <a:t>order</a:t>
+            </a:r>
+            <a:r>
+              <a:rPr lang="pt-PT" sz="1600" dirty="0"/>
+              <a:t> pelo </a:t>
+            </a:r>
+            <a:r>
+              <a:rPr lang="pt-PT" sz="1600" dirty="0" err="1"/>
+              <a:t>Viewer</a:t>
+            </a:r>
+            <a:endParaRPr lang="pt-PT" sz="1600" dirty="0"/>
+          </a:p>
+          <a:p>
+            <a:pPr marL="285750" indent="-285750">
+              <a:buClr>
+                <a:srgbClr val="8C2D19"/>
+              </a:buClr>
+              <a:buFont typeface="Arial" panose="020B0604020202020204" pitchFamily="34" charset="0"/>
+              <a:buChar char="•"/>
+            </a:pPr>
+            <a:endParaRPr lang="pt-PT" sz="1600" dirty="0"/>
+          </a:p>
+          <a:p>
+            <a:pPr marL="285750" indent="-285750">
+              <a:buClr>
+                <a:srgbClr val="8C2D19"/>
+              </a:buClr>
+              <a:buFont typeface="Arial" panose="020B0604020202020204" pitchFamily="34" charset="0"/>
+              <a:buChar char="•"/>
+            </a:pPr>
+            <a:r>
+              <a:rPr lang="pt-PT" sz="1600" dirty="0" err="1"/>
+              <a:t>Streamer</a:t>
+            </a:r>
+            <a:r>
+              <a:rPr lang="pt-PT" sz="1600" dirty="0"/>
+              <a:t> capaz de remover </a:t>
+            </a:r>
+            <a:r>
+              <a:rPr lang="pt-PT" sz="1600" dirty="0" err="1"/>
+              <a:t>order</a:t>
+            </a:r>
+            <a:r>
+              <a:rPr lang="pt-PT" sz="1600" dirty="0"/>
+              <a:t> sabendo o </a:t>
+            </a:r>
+            <a:r>
+              <a:rPr lang="pt-PT" sz="1600" dirty="0" err="1"/>
+              <a:t>nick</a:t>
+            </a:r>
+            <a:r>
+              <a:rPr lang="pt-PT" sz="1600" dirty="0"/>
+              <a:t> do </a:t>
+            </a:r>
+            <a:r>
+              <a:rPr lang="pt-PT" sz="1600" dirty="0" err="1"/>
+              <a:t>viewer</a:t>
+            </a:r>
+            <a:endParaRPr lang="pt-PT" sz="1600" dirty="0"/>
+          </a:p>
+          <a:p>
+            <a:pPr marL="285750" indent="-285750">
+              <a:buClr>
+                <a:srgbClr val="8C2D19"/>
+              </a:buClr>
+              <a:buFont typeface="Arial" panose="020B0604020202020204" pitchFamily="34" charset="0"/>
+              <a:buChar char="•"/>
+            </a:pPr>
+            <a:endParaRPr lang="pt-PT" sz="1600" dirty="0"/>
+          </a:p>
+          <a:p>
+            <a:pPr marL="285750" indent="-285750">
+              <a:buClr>
+                <a:srgbClr val="8C2D19"/>
+              </a:buClr>
+              <a:buFont typeface="Arial" panose="020B0604020202020204" pitchFamily="34" charset="0"/>
+              <a:buChar char="•"/>
+            </a:pPr>
+            <a:r>
+              <a:rPr lang="pt-PT" sz="1600" dirty="0"/>
+              <a:t>Possibilidade de atualizar numero máximo de </a:t>
+            </a:r>
+            <a:r>
+              <a:rPr lang="pt-PT" sz="1600" dirty="0" err="1"/>
+              <a:t>orders</a:t>
+            </a:r>
+            <a:r>
+              <a:rPr lang="pt-PT" sz="1600" dirty="0"/>
+              <a:t> através da conta de administrador</a:t>
+            </a:r>
+            <a:endParaRPr lang="en-GB" sz="1600" dirty="0"/>
+          </a:p>
+          <a:p>
+            <a:pPr marL="285750" indent="-285750">
+              <a:buClr>
+                <a:srgbClr val="8C2D19"/>
+              </a:buClr>
+              <a:buFont typeface="Arial" panose="020B0604020202020204" pitchFamily="34" charset="0"/>
+              <a:buChar char="•"/>
+            </a:pPr>
+            <a:endParaRPr lang="en-GB" sz="1600" dirty="0"/>
+          </a:p>
+        </p:txBody>
+      </p:sp>
       <p:pic>
         <p:nvPicPr>
-          <p:cNvPr id="40" name="Imagem 39">
-            <a:extLst>
-              <a:ext uri="{FF2B5EF4-FFF2-40B4-BE49-F238E27FC236}">
-                <a16:creationId xmlns:a16="http://schemas.microsoft.com/office/drawing/2014/main" id="{9BC08A33-DC37-41F1-8AEA-3D9E6636145F}"/>
+          <p:cNvPr id="3" name="Imagem 2">
+            <a:extLst>
+              <a:ext uri="{FF2B5EF4-FFF2-40B4-BE49-F238E27FC236}">
+                <a16:creationId xmlns:a16="http://schemas.microsoft.com/office/drawing/2014/main" id="{68CEC2FB-2A63-4814-BF99-39E84DFC4D6F}"/>
               </a:ext>
             </a:extLst>
           </p:cNvPr>
@@ -5008,297 +5201,18 @@
         </p:blipFill>
         <p:spPr>
           <a:xfrm>
-            <a:off x="7375832" y="3156517"/>
-            <a:ext cx="3779848" cy="510584"/>
+            <a:off x="6312894" y="3778031"/>
+            <a:ext cx="5244108" cy="2252537"/>
           </a:xfrm>
           <a:prstGeom prst="rect">
             <a:avLst/>
           </a:prstGeom>
         </p:spPr>
       </p:pic>
-      <p:sp>
-        <p:nvSpPr>
-          <p:cNvPr id="41" name="CaixaDeTexto 40">
-            <a:extLst>
-              <a:ext uri="{FF2B5EF4-FFF2-40B4-BE49-F238E27FC236}">
-                <a16:creationId xmlns:a16="http://schemas.microsoft.com/office/drawing/2014/main" id="{53A78830-F1D5-4288-A9BC-8C76AEB8D97D}"/>
-              </a:ext>
-            </a:extLst>
-          </p:cNvPr>
-          <p:cNvSpPr txBox="1"/>
-          <p:nvPr/>
-        </p:nvSpPr>
-        <p:spPr>
-          <a:xfrm>
-            <a:off x="1297720" y="1896645"/>
-            <a:ext cx="5689006" cy="2308324"/>
-          </a:xfrm>
-          <a:prstGeom prst="rect">
-            <a:avLst/>
-          </a:prstGeom>
-          <a:noFill/>
-        </p:spPr>
-        <p:txBody>
-          <a:bodyPr wrap="square" rtlCol="0">
-            <a:spAutoFit/>
-          </a:bodyPr>
-          <a:lstStyle/>
-          <a:p>
-            <a:pPr marL="285750" indent="-285750">
-              <a:buClr>
-                <a:srgbClr val="8C2D19"/>
-              </a:buClr>
-              <a:buFont typeface="Arial" panose="020B0604020202020204" pitchFamily="34" charset="0"/>
-              <a:buChar char="•"/>
-            </a:pPr>
-            <a:r>
-              <a:rPr lang="pt-PT" dirty="0"/>
-              <a:t>Inserção e remoção de elementos na BST são feitos a partir dos métodos definidos em </a:t>
-            </a:r>
-            <a:r>
-              <a:rPr lang="pt-PT" dirty="0" err="1"/>
-              <a:t>BST.h</a:t>
-            </a:r>
-            <a:r>
-              <a:rPr lang="pt-PT" dirty="0"/>
-              <a:t>. São usados os algoritmos de </a:t>
-            </a:r>
-            <a:r>
-              <a:rPr lang="pt-PT" dirty="0" err="1"/>
-              <a:t>find</a:t>
-            </a:r>
-            <a:r>
-              <a:rPr lang="pt-PT" dirty="0"/>
-              <a:t> e remove da BST.</a:t>
-            </a:r>
-          </a:p>
-          <a:p>
-            <a:pPr marL="285750" indent="-285750">
-              <a:buClr>
-                <a:srgbClr val="8C2D19"/>
-              </a:buClr>
-              <a:buFont typeface="Arial" panose="020B0604020202020204" pitchFamily="34" charset="0"/>
-              <a:buChar char="•"/>
-            </a:pPr>
-            <a:r>
-              <a:rPr lang="pt-PT" dirty="0"/>
-              <a:t>Opção de desativar a conta </a:t>
-            </a:r>
-            <a:r>
-              <a:rPr lang="pt-PT" dirty="0" err="1"/>
-              <a:t>streamer</a:t>
-            </a:r>
-            <a:r>
-              <a:rPr lang="pt-PT" dirty="0"/>
-              <a:t> e de apagar permanentemente. </a:t>
-            </a:r>
-          </a:p>
-          <a:p>
-            <a:pPr marL="285750" indent="-285750">
-              <a:buClr>
-                <a:srgbClr val="8C2D19"/>
-              </a:buClr>
-              <a:buFont typeface="Arial" panose="020B0604020202020204" pitchFamily="34" charset="0"/>
-              <a:buChar char="•"/>
-            </a:pPr>
-            <a:r>
-              <a:rPr lang="pt-PT" dirty="0"/>
-              <a:t>Pode ser alterado o nome e password do </a:t>
-            </a:r>
-            <a:r>
-              <a:rPr lang="pt-PT" dirty="0" err="1"/>
-              <a:t>streamer</a:t>
-            </a:r>
-            <a:r>
-              <a:rPr lang="pt-PT" dirty="0"/>
-              <a:t>.</a:t>
-            </a:r>
-          </a:p>
-          <a:p>
-            <a:pPr marL="285750" indent="-285750">
-              <a:buClr>
-                <a:srgbClr val="8C2D19"/>
-              </a:buClr>
-              <a:buFont typeface="Arial" panose="020B0604020202020204" pitchFamily="34" charset="0"/>
-              <a:buChar char="•"/>
-            </a:pPr>
-            <a:r>
-              <a:rPr lang="pt-PT" dirty="0"/>
-              <a:t>É possível eliminar </a:t>
-            </a:r>
-            <a:r>
-              <a:rPr lang="pt-PT" dirty="0" err="1"/>
-              <a:t>streams</a:t>
-            </a:r>
-            <a:r>
-              <a:rPr lang="pt-PT" dirty="0"/>
-              <a:t> através da conta de administrador.</a:t>
-            </a:r>
-          </a:p>
-        </p:txBody>
-      </p:sp>
-      <p:sp>
-        <p:nvSpPr>
-          <p:cNvPr id="3" name="Marcador de Posição do Rodapé 2">
-            <a:extLst>
-              <a:ext uri="{FF2B5EF4-FFF2-40B4-BE49-F238E27FC236}">
-                <a16:creationId xmlns:a16="http://schemas.microsoft.com/office/drawing/2014/main" id="{46E07225-AC96-4BE3-BF46-5D4E1E904945}"/>
-              </a:ext>
-            </a:extLst>
-          </p:cNvPr>
-          <p:cNvSpPr>
-            <a:spLocks noGrp="1"/>
-          </p:cNvSpPr>
-          <p:nvPr>
-            <p:ph type="ftr" sz="quarter" idx="11"/>
-          </p:nvPr>
-        </p:nvSpPr>
-        <p:spPr/>
-        <p:txBody>
-          <a:bodyPr/>
-          <a:lstStyle/>
-          <a:p>
-            <a:r>
-              <a:rPr lang="en-GB" sz="2400" b="1" dirty="0"/>
-              <a:t>2MIEIC04_G1</a:t>
-            </a:r>
-          </a:p>
-        </p:txBody>
-      </p:sp>
-      <p:sp>
-        <p:nvSpPr>
-          <p:cNvPr id="6" name="Marcador de Posição do Número do Diapositivo 5">
-            <a:extLst>
-              <a:ext uri="{FF2B5EF4-FFF2-40B4-BE49-F238E27FC236}">
-                <a16:creationId xmlns:a16="http://schemas.microsoft.com/office/drawing/2014/main" id="{C2560148-6F83-4804-9A82-C924B2C63501}"/>
-              </a:ext>
-            </a:extLst>
-          </p:cNvPr>
-          <p:cNvSpPr>
-            <a:spLocks noGrp="1"/>
-          </p:cNvSpPr>
-          <p:nvPr>
-            <p:ph type="sldNum" sz="quarter" idx="12"/>
-          </p:nvPr>
-        </p:nvSpPr>
-        <p:spPr/>
-        <p:txBody>
-          <a:bodyPr/>
-          <a:lstStyle/>
-          <a:p>
-            <a:fld id="{75DB3F52-068C-4339-9FA6-06F9AAEB3337}" type="slidenum">
-              <a:rPr lang="en-GB" sz="2400"/>
-              <a:t>10</a:t>
-            </a:fld>
-            <a:endParaRPr lang="en-GB" sz="2400" dirty="0"/>
-          </a:p>
-        </p:txBody>
-      </p:sp>
-      <p:pic>
-        <p:nvPicPr>
-          <p:cNvPr id="16" name="Imagem 15">
-            <a:extLst>
-              <a:ext uri="{FF2B5EF4-FFF2-40B4-BE49-F238E27FC236}">
-                <a16:creationId xmlns:a16="http://schemas.microsoft.com/office/drawing/2014/main" id="{5C7ABC6E-E6AE-4BFA-9C4B-2A3113750E53}"/>
-              </a:ext>
-            </a:extLst>
-          </p:cNvPr>
-          <p:cNvPicPr>
-            <a:picLocks noChangeAspect="1"/>
-          </p:cNvPicPr>
-          <p:nvPr/>
-        </p:nvPicPr>
-        <p:blipFill rotWithShape="1">
-          <a:blip r:embed="rId5">
-            <a:extLst>
-              <a:ext uri="{28A0092B-C50C-407E-A947-70E740481C1C}">
-                <a14:useLocalDpi xmlns:a14="http://schemas.microsoft.com/office/drawing/2010/main" val="0"/>
-              </a:ext>
-            </a:extLst>
-          </a:blip>
-          <a:srcRect r="39904"/>
-          <a:stretch/>
-        </p:blipFill>
-        <p:spPr>
-          <a:xfrm>
-            <a:off x="1097280" y="6500189"/>
-            <a:ext cx="1406360" cy="312685"/>
-          </a:xfrm>
-          <a:prstGeom prst="rect">
-            <a:avLst/>
-          </a:prstGeom>
-        </p:spPr>
-      </p:pic>
-      <p:pic>
-        <p:nvPicPr>
-          <p:cNvPr id="8" name="Imagem 7">
-            <a:extLst>
-              <a:ext uri="{FF2B5EF4-FFF2-40B4-BE49-F238E27FC236}">
-                <a16:creationId xmlns:a16="http://schemas.microsoft.com/office/drawing/2014/main" id="{6327B5A5-9081-4DF5-A64C-BB5D454133C5}"/>
-              </a:ext>
-            </a:extLst>
-          </p:cNvPr>
-          <p:cNvPicPr>
-            <a:picLocks noChangeAspect="1"/>
-          </p:cNvPicPr>
-          <p:nvPr/>
-        </p:nvPicPr>
-        <p:blipFill>
-          <a:blip r:embed="rId6"/>
-          <a:stretch>
-            <a:fillRect/>
-          </a:stretch>
-        </p:blipFill>
-        <p:spPr>
-          <a:xfrm>
-            <a:off x="4330606" y="4014024"/>
-            <a:ext cx="6927703" cy="1896443"/>
-          </a:xfrm>
-          <a:prstGeom prst="rect">
-            <a:avLst/>
-          </a:prstGeom>
-        </p:spPr>
-      </p:pic>
-      <p:sp>
-        <p:nvSpPr>
-          <p:cNvPr id="9" name="CaixaDeTexto 8">
-            <a:extLst>
-              <a:ext uri="{FF2B5EF4-FFF2-40B4-BE49-F238E27FC236}">
-                <a16:creationId xmlns:a16="http://schemas.microsoft.com/office/drawing/2014/main" id="{0B2DA718-80C9-4ECC-ADB1-CA691E06F7E0}"/>
-              </a:ext>
-            </a:extLst>
-          </p:cNvPr>
-          <p:cNvSpPr txBox="1"/>
-          <p:nvPr/>
-        </p:nvSpPr>
-        <p:spPr>
-          <a:xfrm>
-            <a:off x="7997269" y="2162399"/>
-            <a:ext cx="3547517" cy="1569660"/>
-          </a:xfrm>
-          <a:prstGeom prst="rect">
-            <a:avLst/>
-          </a:prstGeom>
-          <a:noFill/>
-        </p:spPr>
-        <p:txBody>
-          <a:bodyPr wrap="square" rtlCol="0">
-            <a:spAutoFit/>
-          </a:bodyPr>
-          <a:lstStyle/>
-          <a:p>
-            <a:r>
-              <a:rPr lang="pt-PT" sz="4800" dirty="0"/>
-              <a:t>Mudar estes 3 prints</a:t>
-            </a:r>
-            <a:endParaRPr lang="en-GB" sz="4800" dirty="0"/>
-          </a:p>
-        </p:txBody>
-      </p:sp>
     </p:spTree>
     <p:extLst>
       <p:ext uri="{BB962C8B-B14F-4D97-AF65-F5344CB8AC3E}">
-        <p14:creationId xmlns:p14="http://schemas.microsoft.com/office/powerpoint/2010/main" val="1811745654"/>
+        <p14:creationId xmlns:p14="http://schemas.microsoft.com/office/powerpoint/2010/main" val="1512135320"/>
       </p:ext>
     </p:extLst>
   </p:cSld>
@@ -5327,10 +5241,234 @@
       </p:grpSpPr>
       <p:sp>
         <p:nvSpPr>
-          <p:cNvPr id="4" name="Footer Placeholder 3">
-            <a:extLst>
-              <a:ext uri="{FF2B5EF4-FFF2-40B4-BE49-F238E27FC236}">
-                <a16:creationId xmlns:a16="http://schemas.microsoft.com/office/drawing/2014/main" id="{2F71CFE1-2B0F-4FD5-9F0B-8F54E5BC679E}"/>
+          <p:cNvPr id="4" name="Título 1">
+            <a:extLst>
+              <a:ext uri="{FF2B5EF4-FFF2-40B4-BE49-F238E27FC236}">
+                <a16:creationId xmlns:a16="http://schemas.microsoft.com/office/drawing/2014/main" id="{267B6764-42C3-4081-8C20-2DD12E1BA125}"/>
+              </a:ext>
+            </a:extLst>
+          </p:cNvPr>
+          <p:cNvSpPr>
+            <a:spLocks noGrp="1"/>
+          </p:cNvSpPr>
+          <p:nvPr>
+            <p:ph type="title"/>
+          </p:nvPr>
+        </p:nvSpPr>
+        <p:spPr>
+          <a:xfrm>
+            <a:off x="1097280" y="286603"/>
+            <a:ext cx="10058400" cy="1450757"/>
+          </a:xfrm>
+        </p:spPr>
+        <p:txBody>
+          <a:bodyPr/>
+          <a:lstStyle/>
+          <a:p>
+            <a:pPr algn="ctr"/>
+            <a:r>
+              <a:rPr lang="pt-PT" sz="6600" dirty="0">
+                <a:solidFill>
+                  <a:schemeClr val="tx1"/>
+                </a:solidFill>
+                <a:latin typeface="Bahnschrift SemiLight" panose="020B0502040204020203" pitchFamily="34" charset="0"/>
+              </a:rPr>
+              <a:t>Listagem</a:t>
+            </a:r>
+            <a:endParaRPr lang="en-GB" sz="6600" dirty="0">
+              <a:solidFill>
+                <a:schemeClr val="tx1"/>
+              </a:solidFill>
+              <a:latin typeface="Bahnschrift SemiLight" panose="020B0502040204020203" pitchFamily="34" charset="0"/>
+            </a:endParaRPr>
+          </a:p>
+        </p:txBody>
+      </p:sp>
+      <p:cxnSp>
+        <p:nvCxnSpPr>
+          <p:cNvPr id="6" name="Conexão reta 5">
+            <a:extLst>
+              <a:ext uri="{FF2B5EF4-FFF2-40B4-BE49-F238E27FC236}">
+                <a16:creationId xmlns:a16="http://schemas.microsoft.com/office/drawing/2014/main" id="{BFE60422-34C0-420F-8356-E4816D80A3CF}"/>
+              </a:ext>
+            </a:extLst>
+          </p:cNvPr>
+          <p:cNvCxnSpPr>
+            <a:cxnSpLocks/>
+          </p:cNvCxnSpPr>
+          <p:nvPr/>
+        </p:nvCxnSpPr>
+        <p:spPr>
+          <a:xfrm flipH="1">
+            <a:off x="1097280" y="1737360"/>
+            <a:ext cx="10239504" cy="0"/>
+          </a:xfrm>
+          <a:prstGeom prst="line">
+            <a:avLst/>
+          </a:prstGeom>
+          <a:ln>
+            <a:solidFill>
+              <a:srgbClr val="8C2D19"/>
+            </a:solidFill>
+          </a:ln>
+        </p:spPr>
+        <p:style>
+          <a:lnRef idx="1">
+            <a:schemeClr val="accent1"/>
+          </a:lnRef>
+          <a:fillRef idx="0">
+            <a:schemeClr val="accent1"/>
+          </a:fillRef>
+          <a:effectRef idx="0">
+            <a:schemeClr val="accent1"/>
+          </a:effectRef>
+          <a:fontRef idx="minor">
+            <a:schemeClr val="tx1"/>
+          </a:fontRef>
+        </p:style>
+      </p:cxnSp>
+      <p:sp>
+        <p:nvSpPr>
+          <p:cNvPr id="13" name="CaixaDeTexto 12">
+            <a:extLst>
+              <a:ext uri="{FF2B5EF4-FFF2-40B4-BE49-F238E27FC236}">
+                <a16:creationId xmlns:a16="http://schemas.microsoft.com/office/drawing/2014/main" id="{EFB421BC-8709-45BA-865E-783BEE9AA4A4}"/>
+              </a:ext>
+            </a:extLst>
+          </p:cNvPr>
+          <p:cNvSpPr txBox="1"/>
+          <p:nvPr/>
+        </p:nvSpPr>
+        <p:spPr>
+          <a:xfrm>
+            <a:off x="2823175" y="5894605"/>
+            <a:ext cx="2775713" cy="338554"/>
+          </a:xfrm>
+          <a:prstGeom prst="rect">
+            <a:avLst/>
+          </a:prstGeom>
+          <a:noFill/>
+        </p:spPr>
+        <p:txBody>
+          <a:bodyPr wrap="square" rtlCol="0">
+            <a:spAutoFit/>
+          </a:bodyPr>
+          <a:lstStyle/>
+          <a:p>
+            <a:r>
+              <a:rPr lang="pt-PT" sz="1600" dirty="0"/>
+              <a:t>(excerto) SearchManager.cpp</a:t>
+            </a:r>
+            <a:endParaRPr lang="en-GB" dirty="0"/>
+          </a:p>
+        </p:txBody>
+      </p:sp>
+      <p:sp>
+        <p:nvSpPr>
+          <p:cNvPr id="17" name="CaixaDeTexto 16">
+            <a:extLst>
+              <a:ext uri="{FF2B5EF4-FFF2-40B4-BE49-F238E27FC236}">
+                <a16:creationId xmlns:a16="http://schemas.microsoft.com/office/drawing/2014/main" id="{8228F99D-3C22-472E-8DFE-B7B038D11935}"/>
+              </a:ext>
+            </a:extLst>
+          </p:cNvPr>
+          <p:cNvSpPr txBox="1"/>
+          <p:nvPr/>
+        </p:nvSpPr>
+        <p:spPr>
+          <a:xfrm>
+            <a:off x="9650027" y="2822714"/>
+            <a:ext cx="1811044" cy="338554"/>
+          </a:xfrm>
+          <a:prstGeom prst="rect">
+            <a:avLst/>
+          </a:prstGeom>
+          <a:noFill/>
+        </p:spPr>
+        <p:txBody>
+          <a:bodyPr wrap="square" rtlCol="0">
+            <a:spAutoFit/>
+          </a:bodyPr>
+          <a:lstStyle/>
+          <a:p>
+            <a:r>
+              <a:rPr lang="pt-PT" sz="1600" dirty="0"/>
+              <a:t>SearchManager.cpp</a:t>
+            </a:r>
+            <a:endParaRPr lang="en-GB" dirty="0"/>
+          </a:p>
+        </p:txBody>
+      </p:sp>
+      <p:sp>
+        <p:nvSpPr>
+          <p:cNvPr id="18" name="CaixaDeTexto 17">
+            <a:extLst>
+              <a:ext uri="{FF2B5EF4-FFF2-40B4-BE49-F238E27FC236}">
+                <a16:creationId xmlns:a16="http://schemas.microsoft.com/office/drawing/2014/main" id="{11FA7A83-279B-4A8E-9636-AFF140E12238}"/>
+              </a:ext>
+            </a:extLst>
+          </p:cNvPr>
+          <p:cNvSpPr txBox="1"/>
+          <p:nvPr/>
+        </p:nvSpPr>
+        <p:spPr>
+          <a:xfrm>
+            <a:off x="1097279" y="1978514"/>
+            <a:ext cx="3980063" cy="1200329"/>
+          </a:xfrm>
+          <a:prstGeom prst="rect">
+            <a:avLst/>
+          </a:prstGeom>
+          <a:noFill/>
+        </p:spPr>
+        <p:txBody>
+          <a:bodyPr wrap="square" rtlCol="0">
+            <a:spAutoFit/>
+          </a:bodyPr>
+          <a:lstStyle/>
+          <a:p>
+            <a:pPr marL="285750" indent="-285750">
+              <a:buClr>
+                <a:srgbClr val="8C2D19"/>
+              </a:buClr>
+              <a:buFont typeface="Arial" panose="020B0604020202020204" pitchFamily="34" charset="0"/>
+              <a:buChar char="•"/>
+            </a:pPr>
+            <a:r>
+              <a:rPr lang="pt-PT" dirty="0"/>
+              <a:t>Listagem das </a:t>
+            </a:r>
+            <a:r>
+              <a:rPr lang="pt-PT" dirty="0" err="1"/>
+              <a:t>Donations</a:t>
+            </a:r>
+            <a:r>
+              <a:rPr lang="pt-PT" dirty="0"/>
+              <a:t> admite vários parâmetros, portanto é possível filtrar a informação.</a:t>
+            </a:r>
+          </a:p>
+          <a:p>
+            <a:pPr marL="285750" indent="-285750">
+              <a:buClr>
+                <a:srgbClr val="8C2D19"/>
+              </a:buClr>
+              <a:buFont typeface="Arial" panose="020B0604020202020204" pitchFamily="34" charset="0"/>
+              <a:buChar char="•"/>
+            </a:pPr>
+            <a:endParaRPr lang="pt-PT" dirty="0">
+              <a:solidFill>
+                <a:srgbClr val="FF0000"/>
+              </a:solidFill>
+            </a:endParaRPr>
+          </a:p>
+        </p:txBody>
+      </p:sp>
+      <p:sp>
+        <p:nvSpPr>
+          <p:cNvPr id="2" name="Marcador de Posição do Rodapé 1">
+            <a:extLst>
+              <a:ext uri="{FF2B5EF4-FFF2-40B4-BE49-F238E27FC236}">
+                <a16:creationId xmlns:a16="http://schemas.microsoft.com/office/drawing/2014/main" id="{32C833F7-18B6-4861-9CBC-F84DFD811E13}"/>
               </a:ext>
             </a:extLst>
           </p:cNvPr>
@@ -5347,7 +5485,7 @@
           <a:lstStyle/>
           <a:p>
             <a:r>
-              <a:rPr lang="en-GB"/>
+              <a:rPr lang="en-GB" sz="2400" b="1" dirty="0"/>
               <a:t>2MIEIC04_G1</a:t>
             </a:r>
           </a:p>
@@ -5355,10 +5493,10 @@
       </p:sp>
       <p:sp>
         <p:nvSpPr>
-          <p:cNvPr id="5" name="Slide Number Placeholder 4">
-            <a:extLst>
-              <a:ext uri="{FF2B5EF4-FFF2-40B4-BE49-F238E27FC236}">
-                <a16:creationId xmlns:a16="http://schemas.microsoft.com/office/drawing/2014/main" id="{FDB70962-5A4C-439F-988C-DC218268B1D0}"/>
+          <p:cNvPr id="3" name="Marcador de Posição do Número do Diapositivo 2">
+            <a:extLst>
+              <a:ext uri="{FF2B5EF4-FFF2-40B4-BE49-F238E27FC236}">
+                <a16:creationId xmlns:a16="http://schemas.microsoft.com/office/drawing/2014/main" id="{F84751A3-EB56-4B0A-B79B-89EF65EBF080}"/>
               </a:ext>
             </a:extLst>
           </p:cNvPr>
@@ -5375,51 +5513,137 @@
           <a:lstStyle/>
           <a:p>
             <a:fld id="{75DB3F52-068C-4339-9FA6-06F9AAEB3337}" type="slidenum">
-              <a:rPr lang="en-GB" smtClean="0"/>
+              <a:rPr lang="en-GB" sz="2400"/>
               <a:t>11</a:t>
             </a:fld>
-            <a:endParaRPr lang="en-GB"/>
+            <a:endParaRPr lang="en-GB" sz="2400" dirty="0"/>
           </a:p>
         </p:txBody>
       </p:sp>
       <p:pic>
         <p:nvPicPr>
-          <p:cNvPr id="6" name="Content Placeholder 5">
-            <a:extLst>
-              <a:ext uri="{FF2B5EF4-FFF2-40B4-BE49-F238E27FC236}">
-                <a16:creationId xmlns:a16="http://schemas.microsoft.com/office/drawing/2014/main" id="{89F4A609-5C72-4E49-BAF9-9216D4678F30}"/>
+          <p:cNvPr id="7" name="Imagem 6">
+            <a:extLst>
+              <a:ext uri="{FF2B5EF4-FFF2-40B4-BE49-F238E27FC236}">
+                <a16:creationId xmlns:a16="http://schemas.microsoft.com/office/drawing/2014/main" id="{F792557B-E72C-4265-BC01-A8B90EA578C5}"/>
               </a:ext>
             </a:extLst>
           </p:cNvPr>
           <p:cNvPicPr>
-            <a:picLocks noGrp="1" noChangeAspect="1"/>
+            <a:picLocks noChangeAspect="1"/>
           </p:cNvPicPr>
-          <p:nvPr>
-            <p:ph idx="1"/>
-          </p:nvPr>
+          <p:nvPr/>
         </p:nvPicPr>
-        <p:blipFill>
-          <a:blip r:embed="rId2"/>
-          <a:stretch>
-            <a:fillRect/>
-          </a:stretch>
+        <p:blipFill rotWithShape="1">
+          <a:blip r:embed="rId2">
+            <a:extLst>
+              <a:ext uri="{28A0092B-C50C-407E-A947-70E740481C1C}">
+                <a14:useLocalDpi xmlns:a14="http://schemas.microsoft.com/office/drawing/2010/main" val="0"/>
+              </a:ext>
+            </a:extLst>
+          </a:blip>
+          <a:srcRect r="39904"/>
+          <a:stretch/>
         </p:blipFill>
         <p:spPr>
           <a:xfrm>
-            <a:off x="6907318" y="1806606"/>
-            <a:ext cx="4539310" cy="1622394"/>
+            <a:off x="1097280" y="6500189"/>
+            <a:ext cx="1406360" cy="312685"/>
           </a:xfrm>
           <a:prstGeom prst="rect">
             <a:avLst/>
           </a:prstGeom>
         </p:spPr>
       </p:pic>
+      <p:sp>
+        <p:nvSpPr>
+          <p:cNvPr id="5" name="CaixaDeTexto 4">
+            <a:extLst>
+              <a:ext uri="{FF2B5EF4-FFF2-40B4-BE49-F238E27FC236}">
+                <a16:creationId xmlns:a16="http://schemas.microsoft.com/office/drawing/2014/main" id="{9E531B7B-DA41-4275-9E6B-DBF7E0134E40}"/>
+              </a:ext>
+            </a:extLst>
+          </p:cNvPr>
+          <p:cNvSpPr txBox="1"/>
+          <p:nvPr/>
+        </p:nvSpPr>
+        <p:spPr>
+          <a:xfrm>
+            <a:off x="6217032" y="4349254"/>
+            <a:ext cx="4278405" cy="1200329"/>
+          </a:xfrm>
+          <a:prstGeom prst="rect">
+            <a:avLst/>
+          </a:prstGeom>
+          <a:noFill/>
+        </p:spPr>
+        <p:txBody>
+          <a:bodyPr wrap="square" rtlCol="0">
+            <a:spAutoFit/>
+          </a:bodyPr>
+          <a:lstStyle/>
+          <a:p>
+            <a:pPr marL="285750" indent="-285750">
+              <a:buClr>
+                <a:srgbClr val="8C2D19"/>
+              </a:buClr>
+              <a:buFont typeface="Arial" panose="020B0604020202020204" pitchFamily="34" charset="0"/>
+              <a:buChar char="•"/>
+            </a:pPr>
+            <a:r>
+              <a:rPr lang="pt-PT" dirty="0"/>
+              <a:t>Permite listagens com diferentes </a:t>
+            </a:r>
+            <a:r>
+              <a:rPr lang="pt-PT" dirty="0" err="1"/>
+              <a:t>parametros</a:t>
+            </a:r>
+            <a:r>
+              <a:rPr lang="pt-PT" dirty="0"/>
+              <a:t>. Feito com auxilio ao </a:t>
+            </a:r>
+            <a:r>
+              <a:rPr lang="pt-PT" dirty="0" err="1"/>
+              <a:t>iterador</a:t>
+            </a:r>
+            <a:r>
+              <a:rPr lang="pt-PT" dirty="0"/>
+              <a:t> </a:t>
+            </a:r>
+            <a:r>
+              <a:rPr lang="pt-PT" i="1" dirty="0"/>
+              <a:t>“</a:t>
+            </a:r>
+            <a:r>
+              <a:rPr lang="pt-PT" i="1"/>
+              <a:t>Em ordem”</a:t>
+            </a:r>
+            <a:r>
+              <a:rPr lang="pt-PT"/>
+              <a:t>.</a:t>
+            </a:r>
+            <a:endParaRPr lang="pt-PT" dirty="0"/>
+          </a:p>
+          <a:p>
+            <a:pPr>
+              <a:buClr>
+                <a:srgbClr val="8C2D19"/>
+              </a:buClr>
+            </a:pPr>
+            <a:endParaRPr lang="pt-PT" dirty="0">
+              <a:solidFill>
+                <a:srgbClr val="FF0000"/>
+              </a:solidFill>
+            </a:endParaRPr>
+          </a:p>
+        </p:txBody>
+      </p:sp>
       <p:pic>
         <p:nvPicPr>
-          <p:cNvPr id="7" name="Picture 6">
-            <a:extLst>
-              <a:ext uri="{FF2B5EF4-FFF2-40B4-BE49-F238E27FC236}">
-                <a16:creationId xmlns:a16="http://schemas.microsoft.com/office/drawing/2014/main" id="{FE1175FB-C175-4FBF-A258-C6F655583898}"/>
+          <p:cNvPr id="11" name="Imagem 10">
+            <a:extLst>
+              <a:ext uri="{FF2B5EF4-FFF2-40B4-BE49-F238E27FC236}">
+                <a16:creationId xmlns:a16="http://schemas.microsoft.com/office/drawing/2014/main" id="{831552EC-9C6F-48A3-8063-F2AA980FC078}"/>
               </a:ext>
             </a:extLst>
           </p:cNvPr>
@@ -5436,365 +5660,20 @@
         </p:blipFill>
         <p:spPr>
           <a:xfrm>
-            <a:off x="635001" y="4033552"/>
-            <a:ext cx="5244107" cy="1881203"/>
+            <a:off x="5077342" y="2003842"/>
+            <a:ext cx="6383729" cy="819806"/>
           </a:xfrm>
           <a:prstGeom prst="rect">
             <a:avLst/>
           </a:prstGeom>
         </p:spPr>
       </p:pic>
-      <p:sp>
-        <p:nvSpPr>
-          <p:cNvPr id="8" name="Título 1">
-            <a:extLst>
-              <a:ext uri="{FF2B5EF4-FFF2-40B4-BE49-F238E27FC236}">
-                <a16:creationId xmlns:a16="http://schemas.microsoft.com/office/drawing/2014/main" id="{F4B5FA9B-A667-4288-A449-D68EF3301DF0}"/>
-              </a:ext>
-            </a:extLst>
-          </p:cNvPr>
-          <p:cNvSpPr>
-            <a:spLocks noGrp="1"/>
-          </p:cNvSpPr>
-          <p:nvPr>
-            <p:ph type="title"/>
-          </p:nvPr>
-        </p:nvSpPr>
-        <p:spPr>
-          <a:xfrm>
-            <a:off x="1096963" y="287338"/>
-            <a:ext cx="10058400" cy="1449387"/>
-          </a:xfrm>
-        </p:spPr>
-        <p:txBody>
-          <a:bodyPr>
-            <a:normAutofit fontScale="90000"/>
-          </a:bodyPr>
-          <a:lstStyle/>
-          <a:p>
-            <a:pPr algn="ctr"/>
-            <a:br>
-              <a:rPr lang="en-GB" sz="3600" dirty="0"/>
-            </a:br>
-            <a:r>
-              <a:rPr lang="en-GB" sz="7300" dirty="0" err="1">
-                <a:solidFill>
-                  <a:schemeClr val="tx1">
-                    <a:lumMod val="85000"/>
-                    <a:lumOff val="15000"/>
-                  </a:schemeClr>
-                </a:solidFill>
-                <a:latin typeface="Bahnschrift SemiLight" panose="020B0502040204020203" pitchFamily="34" charset="0"/>
-              </a:rPr>
-              <a:t>Criar</a:t>
-            </a:r>
-            <a:r>
-              <a:rPr lang="en-GB" sz="7300" dirty="0">
-                <a:solidFill>
-                  <a:schemeClr val="tx1">
-                    <a:lumMod val="85000"/>
-                    <a:lumOff val="15000"/>
-                  </a:schemeClr>
-                </a:solidFill>
-                <a:latin typeface="Bahnschrift SemiLight" panose="020B0502040204020203" pitchFamily="34" charset="0"/>
-              </a:rPr>
-              <a:t>/</a:t>
-            </a:r>
-            <a:r>
-              <a:rPr lang="en-GB" sz="7300" dirty="0" err="1">
-                <a:solidFill>
-                  <a:schemeClr val="tx1">
-                    <a:lumMod val="85000"/>
-                    <a:lumOff val="15000"/>
-                  </a:schemeClr>
-                </a:solidFill>
-                <a:latin typeface="Bahnschrift SemiLight" panose="020B0502040204020203" pitchFamily="34" charset="0"/>
-              </a:rPr>
-              <a:t>Atualizar</a:t>
-            </a:r>
-            <a:r>
-              <a:rPr lang="en-GB" sz="7300" dirty="0">
-                <a:solidFill>
-                  <a:schemeClr val="tx1">
-                    <a:lumMod val="85000"/>
-                    <a:lumOff val="15000"/>
-                  </a:schemeClr>
-                </a:solidFill>
-                <a:latin typeface="Bahnschrift SemiLight" panose="020B0502040204020203" pitchFamily="34" charset="0"/>
-              </a:rPr>
-              <a:t>/ Remover</a:t>
-            </a:r>
-            <a:endParaRPr lang="pt-PT" sz="7300" dirty="0">
-              <a:solidFill>
-                <a:schemeClr val="tx1">
-                  <a:lumMod val="85000"/>
-                  <a:lumOff val="15000"/>
-                </a:schemeClr>
-              </a:solidFill>
-              <a:latin typeface="Bahnschrift SemiLight" panose="020B0502040204020203" pitchFamily="34" charset="0"/>
-            </a:endParaRPr>
-          </a:p>
-        </p:txBody>
-      </p:sp>
-      <p:sp>
-        <p:nvSpPr>
-          <p:cNvPr id="9" name="CaixaDeTexto 28">
-            <a:extLst>
-              <a:ext uri="{FF2B5EF4-FFF2-40B4-BE49-F238E27FC236}">
-                <a16:creationId xmlns:a16="http://schemas.microsoft.com/office/drawing/2014/main" id="{263D2D90-0057-433C-941C-2E42F868FAF7}"/>
-              </a:ext>
-            </a:extLst>
-          </p:cNvPr>
-          <p:cNvSpPr txBox="1"/>
-          <p:nvPr/>
-        </p:nvSpPr>
-        <p:spPr>
-          <a:xfrm>
-            <a:off x="10236515" y="3402610"/>
-            <a:ext cx="1513324" cy="338554"/>
-          </a:xfrm>
-          <a:prstGeom prst="rect">
-            <a:avLst/>
-          </a:prstGeom>
-          <a:noFill/>
-        </p:spPr>
-        <p:txBody>
-          <a:bodyPr wrap="square" rtlCol="0">
-            <a:spAutoFit/>
-          </a:bodyPr>
-          <a:lstStyle/>
-          <a:p>
-            <a:r>
-              <a:rPr lang="pt-PT" sz="1600" dirty="0"/>
-              <a:t>Streamer.cpp</a:t>
-            </a:r>
-            <a:endParaRPr lang="en-GB" sz="1600" dirty="0"/>
-          </a:p>
-        </p:txBody>
-      </p:sp>
-      <p:sp>
-        <p:nvSpPr>
-          <p:cNvPr id="10" name="CaixaDeTexto 28">
-            <a:extLst>
-              <a:ext uri="{FF2B5EF4-FFF2-40B4-BE49-F238E27FC236}">
-                <a16:creationId xmlns:a16="http://schemas.microsoft.com/office/drawing/2014/main" id="{EB9B47FF-C9C1-4129-B0FE-745BC5C2EB56}"/>
-              </a:ext>
-            </a:extLst>
-          </p:cNvPr>
-          <p:cNvSpPr txBox="1"/>
-          <p:nvPr/>
-        </p:nvSpPr>
-        <p:spPr>
-          <a:xfrm>
-            <a:off x="4612839" y="5848716"/>
-            <a:ext cx="1513324" cy="338554"/>
-          </a:xfrm>
-          <a:prstGeom prst="rect">
-            <a:avLst/>
-          </a:prstGeom>
-          <a:noFill/>
-        </p:spPr>
-        <p:txBody>
-          <a:bodyPr wrap="square" rtlCol="0">
-            <a:spAutoFit/>
-          </a:bodyPr>
-          <a:lstStyle/>
-          <a:p>
-            <a:r>
-              <a:rPr lang="pt-PT" sz="1600" dirty="0"/>
-              <a:t>Streamer.cpp</a:t>
-            </a:r>
-            <a:endParaRPr lang="en-GB" sz="1600" dirty="0"/>
-          </a:p>
-        </p:txBody>
-      </p:sp>
-      <p:sp>
-        <p:nvSpPr>
-          <p:cNvPr id="17" name="CaixaDeTexto 28">
-            <a:extLst>
-              <a:ext uri="{FF2B5EF4-FFF2-40B4-BE49-F238E27FC236}">
-                <a16:creationId xmlns:a16="http://schemas.microsoft.com/office/drawing/2014/main" id="{CB9EF4E6-34F6-4B3A-8913-3564D9AC19C7}"/>
-              </a:ext>
-            </a:extLst>
-          </p:cNvPr>
-          <p:cNvSpPr txBox="1"/>
-          <p:nvPr/>
-        </p:nvSpPr>
-        <p:spPr>
-          <a:xfrm>
-            <a:off x="10575447" y="5982196"/>
-            <a:ext cx="1513324" cy="338554"/>
-          </a:xfrm>
-          <a:prstGeom prst="rect">
-            <a:avLst/>
-          </a:prstGeom>
-          <a:noFill/>
-        </p:spPr>
-        <p:txBody>
-          <a:bodyPr wrap="square" rtlCol="0">
-            <a:spAutoFit/>
-          </a:bodyPr>
-          <a:lstStyle/>
-          <a:p>
-            <a:r>
-              <a:rPr lang="pt-PT" sz="1600" dirty="0"/>
-              <a:t>Viewer.cpp</a:t>
-            </a:r>
-            <a:endParaRPr lang="en-GB" sz="1600" dirty="0"/>
-          </a:p>
-        </p:txBody>
-      </p:sp>
-      <p:sp>
-        <p:nvSpPr>
-          <p:cNvPr id="21" name="CaixaDeTexto 28">
-            <a:extLst>
-              <a:ext uri="{FF2B5EF4-FFF2-40B4-BE49-F238E27FC236}">
-                <a16:creationId xmlns:a16="http://schemas.microsoft.com/office/drawing/2014/main" id="{C37B4128-DD8F-48F2-A96F-C59F14FBBD5F}"/>
-              </a:ext>
-            </a:extLst>
-          </p:cNvPr>
-          <p:cNvSpPr txBox="1"/>
-          <p:nvPr/>
-        </p:nvSpPr>
-        <p:spPr>
-          <a:xfrm>
-            <a:off x="893396" y="1943201"/>
-            <a:ext cx="4985712" cy="2062103"/>
-          </a:xfrm>
-          <a:prstGeom prst="rect">
-            <a:avLst/>
-          </a:prstGeom>
-          <a:noFill/>
-        </p:spPr>
-        <p:txBody>
-          <a:bodyPr wrap="square" rtlCol="0">
-            <a:spAutoFit/>
-          </a:bodyPr>
-          <a:lstStyle/>
-          <a:p>
-            <a:pPr marL="285750" indent="-285750">
-              <a:buClr>
-                <a:srgbClr val="8C2D19"/>
-              </a:buClr>
-              <a:buFont typeface="Arial" panose="020B0604020202020204" pitchFamily="34" charset="0"/>
-              <a:buChar char="•"/>
-            </a:pPr>
-            <a:r>
-              <a:rPr lang="pt-PT" sz="1600" dirty="0"/>
-              <a:t>Criar/Remover </a:t>
-            </a:r>
-            <a:r>
-              <a:rPr lang="pt-PT" sz="1600" dirty="0" err="1"/>
-              <a:t>order</a:t>
-            </a:r>
-            <a:r>
-              <a:rPr lang="pt-PT" sz="1600" dirty="0"/>
-              <a:t> pelo </a:t>
-            </a:r>
-            <a:r>
-              <a:rPr lang="pt-PT" sz="1600" dirty="0" err="1"/>
-              <a:t>Viewer</a:t>
-            </a:r>
-            <a:endParaRPr lang="pt-PT" sz="1600" dirty="0"/>
-          </a:p>
-          <a:p>
-            <a:pPr marL="285750" indent="-285750">
-              <a:buClr>
-                <a:srgbClr val="8C2D19"/>
-              </a:buClr>
-              <a:buFont typeface="Arial" panose="020B0604020202020204" pitchFamily="34" charset="0"/>
-              <a:buChar char="•"/>
-            </a:pPr>
-            <a:endParaRPr lang="pt-PT" sz="1600" dirty="0"/>
-          </a:p>
-          <a:p>
-            <a:pPr marL="285750" indent="-285750">
-              <a:buClr>
-                <a:srgbClr val="8C2D19"/>
-              </a:buClr>
-              <a:buFont typeface="Arial" panose="020B0604020202020204" pitchFamily="34" charset="0"/>
-              <a:buChar char="•"/>
-            </a:pPr>
-            <a:r>
-              <a:rPr lang="pt-PT" sz="1600" dirty="0" err="1"/>
-              <a:t>Streamer</a:t>
-            </a:r>
-            <a:r>
-              <a:rPr lang="pt-PT" sz="1600" dirty="0"/>
-              <a:t> capaz de remover </a:t>
-            </a:r>
-            <a:r>
-              <a:rPr lang="pt-PT" sz="1600" dirty="0" err="1"/>
-              <a:t>order</a:t>
-            </a:r>
-            <a:r>
-              <a:rPr lang="pt-PT" sz="1600" dirty="0"/>
-              <a:t> sabendo o </a:t>
-            </a:r>
-            <a:r>
-              <a:rPr lang="pt-PT" sz="1600" dirty="0" err="1"/>
-              <a:t>nick</a:t>
-            </a:r>
-            <a:r>
-              <a:rPr lang="pt-PT" sz="1600" dirty="0"/>
-              <a:t> do </a:t>
-            </a:r>
-            <a:r>
-              <a:rPr lang="pt-PT" sz="1600" dirty="0" err="1"/>
-              <a:t>viewer</a:t>
-            </a:r>
-            <a:endParaRPr lang="pt-PT" sz="1600" dirty="0"/>
-          </a:p>
-          <a:p>
-            <a:pPr marL="285750" indent="-285750">
-              <a:buClr>
-                <a:srgbClr val="8C2D19"/>
-              </a:buClr>
-              <a:buFont typeface="Arial" panose="020B0604020202020204" pitchFamily="34" charset="0"/>
-              <a:buChar char="•"/>
-            </a:pPr>
-            <a:endParaRPr lang="pt-PT" sz="1600" dirty="0"/>
-          </a:p>
-          <a:p>
-            <a:pPr marL="285750" indent="-285750">
-              <a:buClr>
-                <a:srgbClr val="8C2D19"/>
-              </a:buClr>
-              <a:buFont typeface="Arial" panose="020B0604020202020204" pitchFamily="34" charset="0"/>
-              <a:buChar char="•"/>
-            </a:pPr>
-            <a:r>
-              <a:rPr lang="pt-PT" sz="1600" dirty="0"/>
-              <a:t>Possibilidade de atualizar numero máximo de </a:t>
-            </a:r>
-            <a:r>
-              <a:rPr lang="pt-PT" sz="1600" dirty="0" err="1"/>
-              <a:t>orders</a:t>
-            </a:r>
-            <a:r>
-              <a:rPr lang="pt-PT" sz="1600" dirty="0"/>
-              <a:t> através da conta de administrador</a:t>
-            </a:r>
-            <a:endParaRPr lang="en-GB" sz="1600" dirty="0"/>
-          </a:p>
-          <a:p>
-            <a:pPr marL="285750" indent="-285750">
-              <a:buClr>
-                <a:srgbClr val="8C2D19"/>
-              </a:buClr>
-              <a:buFont typeface="Arial" panose="020B0604020202020204" pitchFamily="34" charset="0"/>
-              <a:buChar char="•"/>
-            </a:pPr>
-            <a:endParaRPr lang="en-GB" sz="1600" dirty="0"/>
-          </a:p>
-        </p:txBody>
-      </p:sp>
       <p:pic>
         <p:nvPicPr>
-          <p:cNvPr id="3" name="Imagem 2">
-            <a:extLst>
-              <a:ext uri="{FF2B5EF4-FFF2-40B4-BE49-F238E27FC236}">
-                <a16:creationId xmlns:a16="http://schemas.microsoft.com/office/drawing/2014/main" id="{68CEC2FB-2A63-4814-BF99-39E84DFC4D6F}"/>
+          <p:cNvPr id="9" name="Picture 8">
+            <a:extLst>
+              <a:ext uri="{FF2B5EF4-FFF2-40B4-BE49-F238E27FC236}">
+                <a16:creationId xmlns:a16="http://schemas.microsoft.com/office/drawing/2014/main" id="{3CF502A1-BF52-4B4C-B129-75313872CB84}"/>
               </a:ext>
             </a:extLst>
           </p:cNvPr>
@@ -5811,8 +5690,8 @@
         </p:blipFill>
         <p:spPr>
           <a:xfrm>
-            <a:off x="6312894" y="3778031"/>
-            <a:ext cx="5244108" cy="2252537"/>
+            <a:off x="1097279" y="3162843"/>
+            <a:ext cx="4730080" cy="2659000"/>
           </a:xfrm>
           <a:prstGeom prst="rect">
             <a:avLst/>
@@ -5822,7 +5701,7 @@
     </p:spTree>
     <p:extLst>
       <p:ext uri="{BB962C8B-B14F-4D97-AF65-F5344CB8AC3E}">
-        <p14:creationId xmlns:p14="http://schemas.microsoft.com/office/powerpoint/2010/main" val="1512135320"/>
+        <p14:creationId xmlns:p14="http://schemas.microsoft.com/office/powerpoint/2010/main" val="2427753014"/>
       </p:ext>
     </p:extLst>
   </p:cSld>
@@ -5851,10 +5730,10 @@
       </p:grpSpPr>
       <p:sp>
         <p:nvSpPr>
-          <p:cNvPr id="4" name="Título 1">
-            <a:extLst>
-              <a:ext uri="{FF2B5EF4-FFF2-40B4-BE49-F238E27FC236}">
-                <a16:creationId xmlns:a16="http://schemas.microsoft.com/office/drawing/2014/main" id="{267B6764-42C3-4081-8C20-2DD12E1BA125}"/>
+          <p:cNvPr id="2" name="Título 1">
+            <a:extLst>
+              <a:ext uri="{FF2B5EF4-FFF2-40B4-BE49-F238E27FC236}">
+                <a16:creationId xmlns:a16="http://schemas.microsoft.com/office/drawing/2014/main" id="{B6E269CC-F3EC-43ED-BC98-FCEA20CEA90D}"/>
               </a:ext>
             </a:extLst>
           </p:cNvPr>
@@ -5865,12 +5744,7 @@
             <p:ph type="title"/>
           </p:nvPr>
         </p:nvSpPr>
-        <p:spPr>
-          <a:xfrm>
-            <a:off x="1097280" y="286603"/>
-            <a:ext cx="10058400" cy="1450757"/>
-          </a:xfrm>
-        </p:spPr>
+        <p:spPr/>
         <p:txBody>
           <a:bodyPr/>
           <a:lstStyle/>
@@ -5883,7 +5757,7 @@
                 </a:solidFill>
                 <a:latin typeface="Bahnschrift SemiLight" panose="020B0502040204020203" pitchFamily="34" charset="0"/>
               </a:rPr>
-              <a:t>Listagem</a:t>
+              <a:t>UI</a:t>
             </a:r>
             <a:endParaRPr lang="en-GB" sz="6600" dirty="0">
               <a:solidFill>
@@ -5896,10 +5770,10 @@
       </p:sp>
       <p:cxnSp>
         <p:nvCxnSpPr>
-          <p:cNvPr id="6" name="Conexão reta 5">
-            <a:extLst>
-              <a:ext uri="{FF2B5EF4-FFF2-40B4-BE49-F238E27FC236}">
-                <a16:creationId xmlns:a16="http://schemas.microsoft.com/office/drawing/2014/main" id="{BFE60422-34C0-420F-8356-E4816D80A3CF}"/>
+          <p:cNvPr id="5" name="Conexão reta 4">
+            <a:extLst>
+              <a:ext uri="{FF2B5EF4-FFF2-40B4-BE49-F238E27FC236}">
+                <a16:creationId xmlns:a16="http://schemas.microsoft.com/office/drawing/2014/main" id="{D1B427FC-FECB-4AD9-947A-AE1CD8E8E0E9}"/>
               </a:ext>
             </a:extLst>
           </p:cNvPr>
@@ -5939,10 +5813,102 @@
       </p:cxnSp>
       <p:sp>
         <p:nvSpPr>
-          <p:cNvPr id="13" name="CaixaDeTexto 12">
-            <a:extLst>
-              <a:ext uri="{FF2B5EF4-FFF2-40B4-BE49-F238E27FC236}">
-                <a16:creationId xmlns:a16="http://schemas.microsoft.com/office/drawing/2014/main" id="{EFB421BC-8709-45BA-865E-783BEE9AA4A4}"/>
+          <p:cNvPr id="4" name="Marcador de Posição do Rodapé 3">
+            <a:extLst>
+              <a:ext uri="{FF2B5EF4-FFF2-40B4-BE49-F238E27FC236}">
+                <a16:creationId xmlns:a16="http://schemas.microsoft.com/office/drawing/2014/main" id="{2E6D09DD-1E47-4A67-AB57-535BA57CB1EF}"/>
+              </a:ext>
+            </a:extLst>
+          </p:cNvPr>
+          <p:cNvSpPr>
+            <a:spLocks noGrp="1"/>
+          </p:cNvSpPr>
+          <p:nvPr>
+            <p:ph type="ftr" sz="quarter" idx="11"/>
+          </p:nvPr>
+        </p:nvSpPr>
+        <p:spPr/>
+        <p:txBody>
+          <a:bodyPr/>
+          <a:lstStyle/>
+          <a:p>
+            <a:r>
+              <a:rPr lang="en-GB" sz="2400" b="1" dirty="0"/>
+              <a:t>2MIEIC04_G1</a:t>
+            </a:r>
+          </a:p>
+        </p:txBody>
+      </p:sp>
+      <p:sp>
+        <p:nvSpPr>
+          <p:cNvPr id="6" name="Marcador de Posição do Número do Diapositivo 5">
+            <a:extLst>
+              <a:ext uri="{FF2B5EF4-FFF2-40B4-BE49-F238E27FC236}">
+                <a16:creationId xmlns:a16="http://schemas.microsoft.com/office/drawing/2014/main" id="{A6038915-9563-428D-88A8-7720015CFAC0}"/>
+              </a:ext>
+            </a:extLst>
+          </p:cNvPr>
+          <p:cNvSpPr>
+            <a:spLocks noGrp="1"/>
+          </p:cNvSpPr>
+          <p:nvPr>
+            <p:ph type="sldNum" sz="quarter" idx="12"/>
+          </p:nvPr>
+        </p:nvSpPr>
+        <p:spPr/>
+        <p:txBody>
+          <a:bodyPr/>
+          <a:lstStyle/>
+          <a:p>
+            <a:fld id="{75DB3F52-068C-4339-9FA6-06F9AAEB3337}" type="slidenum">
+              <a:rPr lang="en-GB" sz="2400"/>
+              <a:t>12</a:t>
+            </a:fld>
+            <a:endParaRPr lang="en-GB" sz="2400" dirty="0"/>
+          </a:p>
+        </p:txBody>
+      </p:sp>
+      <p:pic>
+        <p:nvPicPr>
+          <p:cNvPr id="7" name="Imagem 6">
+            <a:extLst>
+              <a:ext uri="{FF2B5EF4-FFF2-40B4-BE49-F238E27FC236}">
+                <a16:creationId xmlns:a16="http://schemas.microsoft.com/office/drawing/2014/main" id="{95C51A54-AF96-43E2-9C50-EFB3428A2FB4}"/>
+              </a:ext>
+            </a:extLst>
+          </p:cNvPr>
+          <p:cNvPicPr>
+            <a:picLocks noChangeAspect="1"/>
+          </p:cNvPicPr>
+          <p:nvPr/>
+        </p:nvPicPr>
+        <p:blipFill rotWithShape="1">
+          <a:blip r:embed="rId2">
+            <a:extLst>
+              <a:ext uri="{28A0092B-C50C-407E-A947-70E740481C1C}">
+                <a14:useLocalDpi xmlns:a14="http://schemas.microsoft.com/office/drawing/2010/main" val="0"/>
+              </a:ext>
+            </a:extLst>
+          </a:blip>
+          <a:srcRect r="39904"/>
+          <a:stretch/>
+        </p:blipFill>
+        <p:spPr>
+          <a:xfrm>
+            <a:off x="1097280" y="6500189"/>
+            <a:ext cx="1406360" cy="312685"/>
+          </a:xfrm>
+          <a:prstGeom prst="rect">
+            <a:avLst/>
+          </a:prstGeom>
+        </p:spPr>
+      </p:pic>
+      <p:sp>
+        <p:nvSpPr>
+          <p:cNvPr id="12" name="TextBox 11">
+            <a:extLst>
+              <a:ext uri="{FF2B5EF4-FFF2-40B4-BE49-F238E27FC236}">
+                <a16:creationId xmlns:a16="http://schemas.microsoft.com/office/drawing/2014/main" id="{B5D78712-70F3-4C81-AE5C-F3E20EFC6ABC}"/>
               </a:ext>
             </a:extLst>
           </p:cNvPr>
@@ -5951,8 +5917,8 @@
         </p:nvSpPr>
         <p:spPr>
           <a:xfrm>
-            <a:off x="2823175" y="5894605"/>
-            <a:ext cx="2775713" cy="338554"/>
+            <a:off x="509817" y="4051282"/>
+            <a:ext cx="4206477" cy="1569660"/>
           </a:xfrm>
           <a:prstGeom prst="rect">
             <a:avLst/>
@@ -5965,77 +5931,12 @@
           </a:bodyPr>
           <a:lstStyle/>
           <a:p>
+            <a:pPr algn="ctr"/>
             <a:r>
               <a:rPr lang="pt-PT" sz="1600" dirty="0"/>
-              <a:t>(excerto) SearchManager.cpp</a:t>
-            </a:r>
-            <a:endParaRPr lang="en-GB" dirty="0"/>
-          </a:p>
-        </p:txBody>
-      </p:sp>
-      <p:sp>
-        <p:nvSpPr>
-          <p:cNvPr id="17" name="CaixaDeTexto 16">
-            <a:extLst>
-              <a:ext uri="{FF2B5EF4-FFF2-40B4-BE49-F238E27FC236}">
-                <a16:creationId xmlns:a16="http://schemas.microsoft.com/office/drawing/2014/main" id="{8228F99D-3C22-472E-8DFE-B7B038D11935}"/>
-              </a:ext>
-            </a:extLst>
-          </p:cNvPr>
-          <p:cNvSpPr txBox="1"/>
-          <p:nvPr/>
-        </p:nvSpPr>
-        <p:spPr>
-          <a:xfrm>
-            <a:off x="9650027" y="2822714"/>
-            <a:ext cx="1811044" cy="338554"/>
-          </a:xfrm>
-          <a:prstGeom prst="rect">
-            <a:avLst/>
-          </a:prstGeom>
-          <a:noFill/>
-        </p:spPr>
-        <p:txBody>
-          <a:bodyPr wrap="square" rtlCol="0">
-            <a:spAutoFit/>
-          </a:bodyPr>
-          <a:lstStyle/>
-          <a:p>
-            <a:r>
-              <a:rPr lang="pt-PT" sz="1600" dirty="0"/>
-              <a:t>SearchManager.cpp</a:t>
-            </a:r>
-            <a:endParaRPr lang="en-GB" dirty="0"/>
-          </a:p>
-        </p:txBody>
-      </p:sp>
-      <p:sp>
-        <p:nvSpPr>
-          <p:cNvPr id="18" name="CaixaDeTexto 17">
-            <a:extLst>
-              <a:ext uri="{FF2B5EF4-FFF2-40B4-BE49-F238E27FC236}">
-                <a16:creationId xmlns:a16="http://schemas.microsoft.com/office/drawing/2014/main" id="{11FA7A83-279B-4A8E-9636-AFF140E12238}"/>
-              </a:ext>
-            </a:extLst>
-          </p:cNvPr>
-          <p:cNvSpPr txBox="1"/>
-          <p:nvPr/>
-        </p:nvSpPr>
-        <p:spPr>
-          <a:xfrm>
-            <a:off x="1097279" y="1978514"/>
-            <a:ext cx="3980063" cy="1200329"/>
-          </a:xfrm>
-          <a:prstGeom prst="rect">
-            <a:avLst/>
-          </a:prstGeom>
-          <a:noFill/>
-        </p:spPr>
-        <p:txBody>
-          <a:bodyPr wrap="square" rtlCol="0">
-            <a:spAutoFit/>
-          </a:bodyPr>
-          <a:lstStyle/>
+              <a:t>Login Page</a:t>
+            </a:r>
+          </a:p>
           <a:p>
             <a:pPr marL="285750" indent="-285750">
               <a:buClr>
@@ -6045,16 +5946,8 @@
               <a:buChar char="•"/>
             </a:pPr>
             <a:r>
-              <a:rPr lang="pt-PT" dirty="0"/>
-              <a:t>Listagem das </a:t>
-            </a:r>
-            <a:r>
-              <a:rPr lang="pt-PT" dirty="0" err="1"/>
-              <a:t>Donations</a:t>
-            </a:r>
-            <a:r>
-              <a:rPr lang="pt-PT" dirty="0"/>
-              <a:t> admite vários parâmetros, portanto é possível filtrar a informação.</a:t>
+              <a:rPr lang="pt-PT" sz="1600" dirty="0"/>
+              <a:t>Pode fazer login com usernick e password</a:t>
             </a:r>
           </a:p>
           <a:p>
@@ -6065,133 +5958,19 @@
               <a:buFont typeface="Arial" panose="020B0604020202020204" pitchFamily="34" charset="0"/>
               <a:buChar char="•"/>
             </a:pPr>
-            <a:endParaRPr lang="pt-PT" dirty="0">
-              <a:solidFill>
-                <a:srgbClr val="FF0000"/>
-              </a:solidFill>
-            </a:endParaRPr>
-          </a:p>
-        </p:txBody>
-      </p:sp>
-      <p:sp>
-        <p:nvSpPr>
-          <p:cNvPr id="2" name="Marcador de Posição do Rodapé 1">
-            <a:extLst>
-              <a:ext uri="{FF2B5EF4-FFF2-40B4-BE49-F238E27FC236}">
-                <a16:creationId xmlns:a16="http://schemas.microsoft.com/office/drawing/2014/main" id="{32C833F7-18B6-4861-9CBC-F84DFD811E13}"/>
-              </a:ext>
-            </a:extLst>
-          </p:cNvPr>
-          <p:cNvSpPr>
-            <a:spLocks noGrp="1"/>
-          </p:cNvSpPr>
-          <p:nvPr>
-            <p:ph type="ftr" sz="quarter" idx="11"/>
-          </p:nvPr>
-        </p:nvSpPr>
-        <p:spPr/>
-        <p:txBody>
-          <a:bodyPr/>
-          <a:lstStyle/>
-          <a:p>
-            <a:r>
-              <a:rPr lang="en-GB" sz="2400" b="1" dirty="0"/>
-              <a:t>2MIEIC04_G1</a:t>
-            </a:r>
-          </a:p>
-        </p:txBody>
-      </p:sp>
-      <p:sp>
-        <p:nvSpPr>
-          <p:cNvPr id="3" name="Marcador de Posição do Número do Diapositivo 2">
-            <a:extLst>
-              <a:ext uri="{FF2B5EF4-FFF2-40B4-BE49-F238E27FC236}">
-                <a16:creationId xmlns:a16="http://schemas.microsoft.com/office/drawing/2014/main" id="{F84751A3-EB56-4B0A-B79B-89EF65EBF080}"/>
-              </a:ext>
-            </a:extLst>
-          </p:cNvPr>
-          <p:cNvSpPr>
-            <a:spLocks noGrp="1"/>
-          </p:cNvSpPr>
-          <p:nvPr>
-            <p:ph type="sldNum" sz="quarter" idx="12"/>
-          </p:nvPr>
-        </p:nvSpPr>
-        <p:spPr/>
-        <p:txBody>
-          <a:bodyPr/>
-          <a:lstStyle/>
-          <a:p>
-            <a:fld id="{75DB3F52-068C-4339-9FA6-06F9AAEB3337}" type="slidenum">
-              <a:rPr lang="en-GB" sz="2400"/>
-              <a:t>12</a:t>
-            </a:fld>
-            <a:endParaRPr lang="en-GB" sz="2400" dirty="0"/>
-          </a:p>
-        </p:txBody>
-      </p:sp>
-      <p:pic>
-        <p:nvPicPr>
-          <p:cNvPr id="7" name="Imagem 6">
-            <a:extLst>
-              <a:ext uri="{FF2B5EF4-FFF2-40B4-BE49-F238E27FC236}">
-                <a16:creationId xmlns:a16="http://schemas.microsoft.com/office/drawing/2014/main" id="{F792557B-E72C-4265-BC01-A8B90EA578C5}"/>
-              </a:ext>
-            </a:extLst>
-          </p:cNvPr>
-          <p:cNvPicPr>
-            <a:picLocks noChangeAspect="1"/>
-          </p:cNvPicPr>
-          <p:nvPr/>
-        </p:nvPicPr>
-        <p:blipFill rotWithShape="1">
-          <a:blip r:embed="rId2">
-            <a:extLst>
-              <a:ext uri="{28A0092B-C50C-407E-A947-70E740481C1C}">
-                <a14:useLocalDpi xmlns:a14="http://schemas.microsoft.com/office/drawing/2010/main" val="0"/>
-              </a:ext>
-            </a:extLst>
-          </a:blip>
-          <a:srcRect r="39904"/>
-          <a:stretch/>
-        </p:blipFill>
-        <p:spPr>
-          <a:xfrm>
-            <a:off x="1097280" y="6500189"/>
-            <a:ext cx="1406360" cy="312685"/>
-          </a:xfrm>
-          <a:prstGeom prst="rect">
-            <a:avLst/>
-          </a:prstGeom>
-        </p:spPr>
-      </p:pic>
-      <p:sp>
-        <p:nvSpPr>
-          <p:cNvPr id="5" name="CaixaDeTexto 4">
-            <a:extLst>
-              <a:ext uri="{FF2B5EF4-FFF2-40B4-BE49-F238E27FC236}">
-                <a16:creationId xmlns:a16="http://schemas.microsoft.com/office/drawing/2014/main" id="{9E531B7B-DA41-4275-9E6B-DBF7E0134E40}"/>
-              </a:ext>
-            </a:extLst>
-          </p:cNvPr>
-          <p:cNvSpPr txBox="1"/>
-          <p:nvPr/>
-        </p:nvSpPr>
-        <p:spPr>
-          <a:xfrm>
-            <a:off x="6217032" y="4349254"/>
-            <a:ext cx="4278405" cy="923330"/>
-          </a:xfrm>
-          <a:prstGeom prst="rect">
-            <a:avLst/>
-          </a:prstGeom>
-          <a:noFill/>
-        </p:spPr>
-        <p:txBody>
-          <a:bodyPr wrap="square" rtlCol="0">
-            <a:spAutoFit/>
-          </a:bodyPr>
-          <a:lstStyle/>
+            <a:r>
+              <a:rPr lang="pt-PT" sz="1600" dirty="0"/>
+              <a:t>Pode recuperar uma conta de </a:t>
+            </a:r>
+            <a:r>
+              <a:rPr lang="pt-PT" sz="1600" dirty="0" err="1"/>
+              <a:t>streamer</a:t>
+            </a:r>
+            <a:r>
+              <a:rPr lang="pt-PT" sz="1600" dirty="0"/>
+              <a:t> atualmente desativada</a:t>
+            </a:r>
+          </a:p>
           <a:p>
             <a:pPr marL="285750" indent="-285750">
               <a:buClr>
@@ -6201,38 +5980,173 @@
               <a:buChar char="•"/>
             </a:pPr>
             <a:r>
+              <a:rPr lang="pt-PT" sz="1600" dirty="0"/>
+              <a:t>Criar uma nova conta(admin – apenas uma vez, streamer ou viewer).</a:t>
+            </a:r>
+            <a:endParaRPr lang="en-US" sz="1600" dirty="0"/>
+          </a:p>
+        </p:txBody>
+      </p:sp>
+      <p:sp>
+        <p:nvSpPr>
+          <p:cNvPr id="13" name="TextBox 12">
+            <a:extLst>
+              <a:ext uri="{FF2B5EF4-FFF2-40B4-BE49-F238E27FC236}">
+                <a16:creationId xmlns:a16="http://schemas.microsoft.com/office/drawing/2014/main" id="{3918F24A-B858-4DAC-8BB2-AA8C55D4EF93}"/>
+              </a:ext>
+            </a:extLst>
+          </p:cNvPr>
+          <p:cNvSpPr txBox="1"/>
+          <p:nvPr/>
+        </p:nvSpPr>
+        <p:spPr>
+          <a:xfrm>
+            <a:off x="4746132" y="2164338"/>
+            <a:ext cx="3738563" cy="923330"/>
+          </a:xfrm>
+          <a:prstGeom prst="rect">
+            <a:avLst/>
+          </a:prstGeom>
+          <a:noFill/>
+        </p:spPr>
+        <p:txBody>
+          <a:bodyPr wrap="square" rtlCol="0">
+            <a:spAutoFit/>
+          </a:bodyPr>
+          <a:lstStyle/>
+          <a:p>
+            <a:pPr algn="ctr"/>
+            <a:r>
               <a:rPr lang="pt-PT" dirty="0"/>
-              <a:t>Permite listagens com diferentes </a:t>
+              <a:t>Exemplo </a:t>
             </a:r>
             <a:r>
               <a:rPr lang="pt-PT" dirty="0" err="1"/>
-              <a:t>parametros</a:t>
+              <a:t>Viewer</a:t>
             </a:r>
             <a:r>
               <a:rPr lang="pt-PT" dirty="0"/>
-              <a:t>.</a:t>
-            </a:r>
-          </a:p>
-          <a:p>
-            <a:pPr>
+              <a:t> e novas </a:t>
+            </a:r>
+            <a:r>
+              <a:rPr lang="pt-PT" dirty="0" err="1"/>
+              <a:t>features</a:t>
+            </a:r>
+            <a:endParaRPr lang="pt-PT" dirty="0"/>
+          </a:p>
+          <a:p>
+            <a:pPr marL="742950" lvl="1" indent="-285750">
               <a:buClr>
                 <a:srgbClr val="8C2D19"/>
               </a:buClr>
+              <a:buFont typeface="Arial" panose="020B0604020202020204" pitchFamily="34" charset="0"/>
+              <a:buChar char="•"/>
             </a:pPr>
-            <a:endParaRPr lang="pt-PT" dirty="0">
+            <a:r>
+              <a:rPr lang="pt-PT" dirty="0"/>
+              <a:t>Encomendas e </a:t>
+            </a:r>
+            <a:r>
+              <a:rPr lang="pt-PT" dirty="0" err="1"/>
+              <a:t>merch</a:t>
+            </a:r>
+            <a:r>
+              <a:rPr lang="pt-PT" dirty="0"/>
+              <a:t> </a:t>
+            </a:r>
+          </a:p>
+          <a:p>
+            <a:pPr marL="742950" lvl="1" indent="-285750">
+              <a:buClr>
+                <a:srgbClr val="8C2D19"/>
+              </a:buClr>
+              <a:buFont typeface="Arial" panose="020B0604020202020204" pitchFamily="34" charset="0"/>
+              <a:buChar char="•"/>
+            </a:pPr>
+            <a:r>
+              <a:rPr lang="pt-PT" dirty="0"/>
+              <a:t>Doações</a:t>
+            </a:r>
+          </a:p>
+        </p:txBody>
+      </p:sp>
+      <p:sp>
+        <p:nvSpPr>
+          <p:cNvPr id="14" name="TextBox 13">
+            <a:extLst>
+              <a:ext uri="{FF2B5EF4-FFF2-40B4-BE49-F238E27FC236}">
+                <a16:creationId xmlns:a16="http://schemas.microsoft.com/office/drawing/2014/main" id="{6414C627-DEA0-48B7-9714-952D213E0CBA}"/>
+              </a:ext>
+            </a:extLst>
+          </p:cNvPr>
+          <p:cNvSpPr txBox="1"/>
+          <p:nvPr/>
+        </p:nvSpPr>
+        <p:spPr>
+          <a:xfrm>
+            <a:off x="7797219" y="3850109"/>
+            <a:ext cx="4206477" cy="1077218"/>
+          </a:xfrm>
+          <a:prstGeom prst="rect">
+            <a:avLst/>
+          </a:prstGeom>
+          <a:noFill/>
+        </p:spPr>
+        <p:txBody>
+          <a:bodyPr wrap="square" rtlCol="0">
+            <a:spAutoFit/>
+          </a:bodyPr>
+          <a:lstStyle/>
+          <a:p>
+            <a:pPr algn="ctr"/>
+            <a:r>
+              <a:rPr lang="pt-PT" sz="1600" dirty="0"/>
+              <a:t>Exemplo conta admin</a:t>
+            </a:r>
+          </a:p>
+          <a:p>
+            <a:pPr marL="285750" indent="-285750">
+              <a:buClr>
+                <a:srgbClr val="8C2D19"/>
+              </a:buClr>
+              <a:buFont typeface="Arial" panose="020B0604020202020204" pitchFamily="34" charset="0"/>
+              <a:buChar char="•"/>
+            </a:pPr>
+            <a:r>
+              <a:rPr lang="pt-PT" sz="1600" dirty="0"/>
+              <a:t>Novas </a:t>
+            </a:r>
+            <a:r>
+              <a:rPr lang="pt-PT" sz="1600" dirty="0" err="1"/>
+              <a:t>oções</a:t>
+            </a:r>
+            <a:r>
+              <a:rPr lang="pt-PT" sz="1600" dirty="0"/>
+              <a:t> de doações e encomendas</a:t>
+            </a:r>
+          </a:p>
+          <a:p>
+            <a:endParaRPr lang="pt-PT" sz="1600" dirty="0">
               <a:solidFill>
                 <a:srgbClr val="FF0000"/>
               </a:solidFill>
             </a:endParaRPr>
           </a:p>
+          <a:p>
+            <a:pPr algn="ctr"/>
+            <a:r>
+              <a:rPr lang="pt-PT" sz="1600" dirty="0"/>
+              <a:t>Exemplo Streamer</a:t>
+            </a:r>
+          </a:p>
         </p:txBody>
       </p:sp>
       <p:pic>
         <p:nvPicPr>
-          <p:cNvPr id="11" name="Imagem 10">
-            <a:extLst>
-              <a:ext uri="{FF2B5EF4-FFF2-40B4-BE49-F238E27FC236}">
-                <a16:creationId xmlns:a16="http://schemas.microsoft.com/office/drawing/2014/main" id="{831552EC-9C6F-48A3-8063-F2AA980FC078}"/>
+          <p:cNvPr id="17" name="Picture 16">
+            <a:extLst>
+              <a:ext uri="{FF2B5EF4-FFF2-40B4-BE49-F238E27FC236}">
+                <a16:creationId xmlns:a16="http://schemas.microsoft.com/office/drawing/2014/main" id="{8BF8ED34-5DC7-4DC5-86FB-8AEEF812AB8F}"/>
               </a:ext>
             </a:extLst>
           </p:cNvPr>
@@ -6249,8 +6163,8 @@
         </p:blipFill>
         <p:spPr>
           <a:xfrm>
-            <a:off x="5077342" y="2003842"/>
-            <a:ext cx="6383729" cy="819806"/>
+            <a:off x="314064" y="1855836"/>
+            <a:ext cx="4597985" cy="2076971"/>
           </a:xfrm>
           <a:prstGeom prst="rect">
             <a:avLst/>
@@ -6259,10 +6173,10 @@
       </p:pic>
       <p:pic>
         <p:nvPicPr>
-          <p:cNvPr id="9" name="Picture 8">
-            <a:extLst>
-              <a:ext uri="{FF2B5EF4-FFF2-40B4-BE49-F238E27FC236}">
-                <a16:creationId xmlns:a16="http://schemas.microsoft.com/office/drawing/2014/main" id="{3CF502A1-BF52-4B4C-B129-75313872CB84}"/>
+          <p:cNvPr id="19" name="Picture 18">
+            <a:extLst>
+              <a:ext uri="{FF2B5EF4-FFF2-40B4-BE49-F238E27FC236}">
+                <a16:creationId xmlns:a16="http://schemas.microsoft.com/office/drawing/2014/main" id="{08890E62-50AB-49E5-8B79-D58F1369D0FF}"/>
               </a:ext>
             </a:extLst>
           </p:cNvPr>
@@ -6279,8 +6193,68 @@
         </p:blipFill>
         <p:spPr>
           <a:xfrm>
-            <a:off x="1097279" y="3162843"/>
-            <a:ext cx="4730080" cy="2659000"/>
+            <a:off x="5229326" y="3514645"/>
+            <a:ext cx="2326233" cy="2664348"/>
+          </a:xfrm>
+          <a:prstGeom prst="rect">
+            <a:avLst/>
+          </a:prstGeom>
+        </p:spPr>
+      </p:pic>
+      <p:pic>
+        <p:nvPicPr>
+          <p:cNvPr id="23" name="Picture 22">
+            <a:extLst>
+              <a:ext uri="{FF2B5EF4-FFF2-40B4-BE49-F238E27FC236}">
+                <a16:creationId xmlns:a16="http://schemas.microsoft.com/office/drawing/2014/main" id="{5A3539CB-026C-4EE0-B092-FF06647B25E2}"/>
+              </a:ext>
+            </a:extLst>
+          </p:cNvPr>
+          <p:cNvPicPr>
+            <a:picLocks noChangeAspect="1"/>
+          </p:cNvPicPr>
+          <p:nvPr/>
+        </p:nvPicPr>
+        <p:blipFill>
+          <a:blip r:embed="rId5"/>
+          <a:stretch>
+            <a:fillRect/>
+          </a:stretch>
+        </p:blipFill>
+        <p:spPr>
+          <a:xfrm>
+            <a:off x="9028567" y="4908980"/>
+            <a:ext cx="1909809" cy="1167822"/>
+          </a:xfrm>
+          <a:prstGeom prst="rect">
+            <a:avLst/>
+          </a:prstGeom>
+        </p:spPr>
+      </p:pic>
+      <p:pic>
+        <p:nvPicPr>
+          <p:cNvPr id="25" name="Picture 24">
+            <a:extLst>
+              <a:ext uri="{FF2B5EF4-FFF2-40B4-BE49-F238E27FC236}">
+                <a16:creationId xmlns:a16="http://schemas.microsoft.com/office/drawing/2014/main" id="{39B2C23F-56D0-4621-9221-137E1B229A22}"/>
+              </a:ext>
+            </a:extLst>
+          </p:cNvPr>
+          <p:cNvPicPr>
+            <a:picLocks noChangeAspect="1"/>
+          </p:cNvPicPr>
+          <p:nvPr/>
+        </p:nvPicPr>
+        <p:blipFill>
+          <a:blip r:embed="rId6"/>
+          <a:stretch>
+            <a:fillRect/>
+          </a:stretch>
+        </p:blipFill>
+        <p:spPr>
+          <a:xfrm>
+            <a:off x="8259104" y="1800538"/>
+            <a:ext cx="2853755" cy="2014416"/>
           </a:xfrm>
           <a:prstGeom prst="rect">
             <a:avLst/>
@@ -6290,7 +6264,7 @@
     </p:spTree>
     <p:extLst>
       <p:ext uri="{BB962C8B-B14F-4D97-AF65-F5344CB8AC3E}">
-        <p14:creationId xmlns:p14="http://schemas.microsoft.com/office/powerpoint/2010/main" val="2427753014"/>
+        <p14:creationId xmlns:p14="http://schemas.microsoft.com/office/powerpoint/2010/main" val="3138427854"/>
       </p:ext>
     </p:extLst>
   </p:cSld>
@@ -6317,52 +6291,12 @@
           <a:chExt cx="0" cy="0"/>
         </a:xfrm>
       </p:grpSpPr>
-      <p:sp>
-        <p:nvSpPr>
-          <p:cNvPr id="2" name="Título 1">
-            <a:extLst>
-              <a:ext uri="{FF2B5EF4-FFF2-40B4-BE49-F238E27FC236}">
-                <a16:creationId xmlns:a16="http://schemas.microsoft.com/office/drawing/2014/main" id="{B6E269CC-F3EC-43ED-BC98-FCEA20CEA90D}"/>
-              </a:ext>
-            </a:extLst>
-          </p:cNvPr>
-          <p:cNvSpPr>
-            <a:spLocks noGrp="1"/>
-          </p:cNvSpPr>
-          <p:nvPr>
-            <p:ph type="title"/>
-          </p:nvPr>
-        </p:nvSpPr>
-        <p:spPr/>
-        <p:txBody>
-          <a:bodyPr/>
-          <a:lstStyle/>
-          <a:p>
-            <a:pPr algn="ctr"/>
-            <a:r>
-              <a:rPr lang="pt-PT" sz="6600" dirty="0">
-                <a:solidFill>
-                  <a:schemeClr val="tx1"/>
-                </a:solidFill>
-                <a:latin typeface="Bahnschrift SemiLight" panose="020B0502040204020203" pitchFamily="34" charset="0"/>
-              </a:rPr>
-              <a:t>UI</a:t>
-            </a:r>
-            <a:endParaRPr lang="en-GB" sz="6600" dirty="0">
-              <a:solidFill>
-                <a:schemeClr val="tx1"/>
-              </a:solidFill>
-              <a:latin typeface="Bahnschrift SemiLight" panose="020B0502040204020203" pitchFamily="34" charset="0"/>
-            </a:endParaRPr>
-          </a:p>
-        </p:txBody>
-      </p:sp>
       <p:cxnSp>
         <p:nvCxnSpPr>
-          <p:cNvPr id="5" name="Conexão reta 4">
-            <a:extLst>
-              <a:ext uri="{FF2B5EF4-FFF2-40B4-BE49-F238E27FC236}">
-                <a16:creationId xmlns:a16="http://schemas.microsoft.com/office/drawing/2014/main" id="{D1B427FC-FECB-4AD9-947A-AE1CD8E8E0E9}"/>
+          <p:cNvPr id="14" name="Conexão reta 13">
+            <a:extLst>
+              <a:ext uri="{FF2B5EF4-FFF2-40B4-BE49-F238E27FC236}">
+                <a16:creationId xmlns:a16="http://schemas.microsoft.com/office/drawing/2014/main" id="{06FF61D7-3986-4D84-9911-C879E2EFF56E}"/>
               </a:ext>
             </a:extLst>
           </p:cNvPr>
@@ -6402,6 +6336,46 @@
       </p:cxnSp>
       <p:sp>
         <p:nvSpPr>
+          <p:cNvPr id="2" name="Título 1">
+            <a:extLst>
+              <a:ext uri="{FF2B5EF4-FFF2-40B4-BE49-F238E27FC236}">
+                <a16:creationId xmlns:a16="http://schemas.microsoft.com/office/drawing/2014/main" id="{B6E269CC-F3EC-43ED-BC98-FCEA20CEA90D}"/>
+              </a:ext>
+            </a:extLst>
+          </p:cNvPr>
+          <p:cNvSpPr>
+            <a:spLocks noGrp="1"/>
+          </p:cNvSpPr>
+          <p:nvPr>
+            <p:ph type="title"/>
+          </p:nvPr>
+        </p:nvSpPr>
+        <p:spPr/>
+        <p:txBody>
+          <a:bodyPr/>
+          <a:lstStyle/>
+          <a:p>
+            <a:pPr algn="ctr"/>
+            <a:r>
+              <a:rPr lang="pt-PT" sz="6600" dirty="0">
+                <a:solidFill>
+                  <a:schemeClr val="tx1"/>
+                </a:solidFill>
+                <a:latin typeface="Bahnschrift SemiLight" panose="020B0502040204020203" pitchFamily="34" charset="0"/>
+              </a:rPr>
+              <a:t>UI</a:t>
+            </a:r>
+            <a:endParaRPr lang="en-GB" sz="6600" dirty="0">
+              <a:solidFill>
+                <a:schemeClr val="tx1"/>
+              </a:solidFill>
+              <a:latin typeface="Bahnschrift SemiLight" panose="020B0502040204020203" pitchFamily="34" charset="0"/>
+            </a:endParaRPr>
+          </a:p>
+        </p:txBody>
+      </p:sp>
+      <p:sp>
+        <p:nvSpPr>
           <p:cNvPr id="4" name="Marcador de Posição do Rodapé 3">
             <a:extLst>
               <a:ext uri="{FF2B5EF4-FFF2-40B4-BE49-F238E27FC236}">
@@ -6506,8 +6480,8 @@
         </p:nvSpPr>
         <p:spPr>
           <a:xfrm>
-            <a:off x="509817" y="4051282"/>
-            <a:ext cx="4206477" cy="1569660"/>
+            <a:off x="1013631" y="1908755"/>
+            <a:ext cx="5345108" cy="1754326"/>
           </a:xfrm>
           <a:prstGeom prst="rect">
             <a:avLst/>
@@ -6519,13 +6493,6 @@
             <a:spAutoFit/>
           </a:bodyPr>
           <a:lstStyle/>
-          <a:p>
-            <a:pPr algn="ctr"/>
-            <a:r>
-              <a:rPr lang="pt-PT" sz="1600" dirty="0"/>
-              <a:t>Login Page</a:t>
-            </a:r>
-          </a:p>
           <a:p>
             <a:pPr marL="285750" indent="-285750">
               <a:buClr>
@@ -6535,8 +6502,8 @@
               <a:buChar char="•"/>
             </a:pPr>
             <a:r>
-              <a:rPr lang="pt-PT" sz="1600" dirty="0"/>
-              <a:t>Pode fazer login com usernick e password</a:t>
+              <a:rPr lang="pt-PT" dirty="0"/>
+              <a:t>Escolher vários parâmetros de pesquisa de doações</a:t>
             </a:r>
           </a:p>
           <a:p>
@@ -6548,16 +6515,8 @@
               <a:buChar char="•"/>
             </a:pPr>
             <a:r>
-              <a:rPr lang="pt-PT" sz="1600" dirty="0"/>
-              <a:t>Pode recuperar uma conta de </a:t>
-            </a:r>
-            <a:r>
-              <a:rPr lang="pt-PT" sz="1600" dirty="0" err="1"/>
-              <a:t>streamer</a:t>
-            </a:r>
-            <a:r>
-              <a:rPr lang="pt-PT" sz="1600" dirty="0"/>
-              <a:t> atualmente desativada</a:t>
+              <a:rPr lang="pt-PT" dirty="0"/>
+              <a:t>Não escolher nenhum elemento implica pesquisar por todos</a:t>
             </a:r>
           </a:p>
           <a:p>
@@ -6569,128 +6528,8 @@
               <a:buChar char="•"/>
             </a:pPr>
             <a:r>
-              <a:rPr lang="pt-PT" sz="1600" dirty="0"/>
-              <a:t>Criar uma nova conta(admin – apenas uma vez, streamer ou viewer).</a:t>
-            </a:r>
-            <a:endParaRPr lang="en-US" sz="1600" dirty="0"/>
-          </a:p>
-        </p:txBody>
-      </p:sp>
-      <p:sp>
-        <p:nvSpPr>
-          <p:cNvPr id="13" name="TextBox 12">
-            <a:extLst>
-              <a:ext uri="{FF2B5EF4-FFF2-40B4-BE49-F238E27FC236}">
-                <a16:creationId xmlns:a16="http://schemas.microsoft.com/office/drawing/2014/main" id="{3918F24A-B858-4DAC-8BB2-AA8C55D4EF93}"/>
-              </a:ext>
-            </a:extLst>
-          </p:cNvPr>
-          <p:cNvSpPr txBox="1"/>
-          <p:nvPr/>
-        </p:nvSpPr>
-        <p:spPr>
-          <a:xfrm>
-            <a:off x="4746132" y="2164338"/>
-            <a:ext cx="3738563" cy="923330"/>
-          </a:xfrm>
-          <a:prstGeom prst="rect">
-            <a:avLst/>
-          </a:prstGeom>
-          <a:noFill/>
-        </p:spPr>
-        <p:txBody>
-          <a:bodyPr wrap="square" rtlCol="0">
-            <a:spAutoFit/>
-          </a:bodyPr>
-          <a:lstStyle/>
-          <a:p>
-            <a:pPr algn="ctr"/>
-            <a:r>
               <a:rPr lang="pt-PT" dirty="0"/>
-              <a:t>Exemplo </a:t>
-            </a:r>
-            <a:r>
-              <a:rPr lang="pt-PT" dirty="0" err="1"/>
-              <a:t>Viewer</a:t>
-            </a:r>
-            <a:r>
-              <a:rPr lang="pt-PT" dirty="0"/>
-              <a:t> e novas </a:t>
-            </a:r>
-            <a:r>
-              <a:rPr lang="pt-PT" dirty="0" err="1"/>
-              <a:t>features</a:t>
-            </a:r>
-            <a:endParaRPr lang="pt-PT" dirty="0"/>
-          </a:p>
-          <a:p>
-            <a:pPr marL="742950" lvl="1" indent="-285750">
-              <a:buClr>
-                <a:srgbClr val="8C2D19"/>
-              </a:buClr>
-              <a:buFont typeface="Arial" panose="020B0604020202020204" pitchFamily="34" charset="0"/>
-              <a:buChar char="•"/>
-            </a:pPr>
-            <a:r>
-              <a:rPr lang="pt-PT" dirty="0"/>
-              <a:t>Encomendas e </a:t>
-            </a:r>
-            <a:r>
-              <a:rPr lang="pt-PT" dirty="0" err="1"/>
-              <a:t>merch</a:t>
-            </a:r>
-            <a:r>
-              <a:rPr lang="pt-PT" dirty="0"/>
-              <a:t> </a:t>
-            </a:r>
-          </a:p>
-          <a:p>
-            <a:pPr marL="742950" lvl="1" indent="-285750">
-              <a:buClr>
-                <a:srgbClr val="8C2D19"/>
-              </a:buClr>
-              <a:buFont typeface="Arial" panose="020B0604020202020204" pitchFamily="34" charset="0"/>
-              <a:buChar char="•"/>
-            </a:pPr>
-            <a:r>
-              <a:rPr lang="pt-PT" dirty="0"/>
-              <a:t>Doações</a:t>
-            </a:r>
-          </a:p>
-        </p:txBody>
-      </p:sp>
-      <p:sp>
-        <p:nvSpPr>
-          <p:cNvPr id="14" name="TextBox 13">
-            <a:extLst>
-              <a:ext uri="{FF2B5EF4-FFF2-40B4-BE49-F238E27FC236}">
-                <a16:creationId xmlns:a16="http://schemas.microsoft.com/office/drawing/2014/main" id="{6414C627-DEA0-48B7-9714-952D213E0CBA}"/>
-              </a:ext>
-            </a:extLst>
-          </p:cNvPr>
-          <p:cNvSpPr txBox="1"/>
-          <p:nvPr/>
-        </p:nvSpPr>
-        <p:spPr>
-          <a:xfrm>
-            <a:off x="7797219" y="3850109"/>
-            <a:ext cx="4206477" cy="1077218"/>
-          </a:xfrm>
-          <a:prstGeom prst="rect">
-            <a:avLst/>
-          </a:prstGeom>
-          <a:noFill/>
-        </p:spPr>
-        <p:txBody>
-          <a:bodyPr wrap="square" rtlCol="0">
-            <a:spAutoFit/>
-          </a:bodyPr>
-          <a:lstStyle/>
-          <a:p>
-            <a:pPr algn="ctr"/>
-            <a:r>
-              <a:rPr lang="pt-PT" sz="1600" dirty="0"/>
-              <a:t>Exemplo conta admin</a:t>
+              <a:t>Escolher 0 para parar de adicionar elementos à pesquisa</a:t>
             </a:r>
           </a:p>
           <a:p>
@@ -6702,40 +6541,23 @@
               <a:buChar char="•"/>
             </a:pPr>
             <a:r>
-              <a:rPr lang="pt-PT" sz="1600" dirty="0"/>
-              <a:t>Novas </a:t>
-            </a:r>
-            <a:r>
-              <a:rPr lang="pt-PT" sz="1600" dirty="0" err="1"/>
-              <a:t>oções</a:t>
-            </a:r>
-            <a:r>
-              <a:rPr lang="pt-PT" sz="1600" dirty="0"/>
-              <a:t> de doações e encomendas</a:t>
-            </a:r>
-          </a:p>
-          <a:p>
-            <a:endParaRPr lang="pt-PT" sz="1600" dirty="0">
-              <a:solidFill>
-                <a:srgbClr val="FF0000"/>
-              </a:solidFill>
-            </a:endParaRPr>
-          </a:p>
-          <a:p>
-            <a:pPr algn="ctr"/>
-            <a:r>
-              <a:rPr lang="pt-PT" sz="1600" dirty="0"/>
-              <a:t>Exemplo Streamer</a:t>
-            </a:r>
+              <a:rPr lang="pt-PT" dirty="0"/>
+              <a:t>Novas opções de </a:t>
+            </a:r>
+            <a:r>
+              <a:rPr lang="pt-PT" dirty="0" err="1"/>
+              <a:t>merch</a:t>
+            </a:r>
+            <a:endParaRPr lang="pt-PT" dirty="0"/>
           </a:p>
         </p:txBody>
       </p:sp>
       <p:pic>
         <p:nvPicPr>
-          <p:cNvPr id="17" name="Picture 16">
-            <a:extLst>
-              <a:ext uri="{FF2B5EF4-FFF2-40B4-BE49-F238E27FC236}">
-                <a16:creationId xmlns:a16="http://schemas.microsoft.com/office/drawing/2014/main" id="{8BF8ED34-5DC7-4DC5-86FB-8AEEF812AB8F}"/>
+          <p:cNvPr id="10" name="Picture 9">
+            <a:extLst>
+              <a:ext uri="{FF2B5EF4-FFF2-40B4-BE49-F238E27FC236}">
+                <a16:creationId xmlns:a16="http://schemas.microsoft.com/office/drawing/2014/main" id="{4DC358C9-9033-47BF-BC57-51F72C38AA90}"/>
               </a:ext>
             </a:extLst>
           </p:cNvPr>
@@ -6752,8 +6574,8 @@
         </p:blipFill>
         <p:spPr>
           <a:xfrm>
-            <a:off x="314064" y="1855836"/>
-            <a:ext cx="4597985" cy="2076971"/>
+            <a:off x="4177447" y="3163111"/>
+            <a:ext cx="3695063" cy="3084115"/>
           </a:xfrm>
           <a:prstGeom prst="rect">
             <a:avLst/>
@@ -6762,10 +6584,10 @@
       </p:pic>
       <p:pic>
         <p:nvPicPr>
-          <p:cNvPr id="19" name="Picture 18">
-            <a:extLst>
-              <a:ext uri="{FF2B5EF4-FFF2-40B4-BE49-F238E27FC236}">
-                <a16:creationId xmlns:a16="http://schemas.microsoft.com/office/drawing/2014/main" id="{08890E62-50AB-49E5-8B79-D58F1369D0FF}"/>
+          <p:cNvPr id="8" name="Picture 7">
+            <a:extLst>
+              <a:ext uri="{FF2B5EF4-FFF2-40B4-BE49-F238E27FC236}">
+                <a16:creationId xmlns:a16="http://schemas.microsoft.com/office/drawing/2014/main" id="{D1CFDD64-7859-4C38-8EFF-27A8D2BE9175}"/>
               </a:ext>
             </a:extLst>
           </p:cNvPr>
@@ -6782,8 +6604,8 @@
         </p:blipFill>
         <p:spPr>
           <a:xfrm>
-            <a:off x="5229326" y="3514645"/>
-            <a:ext cx="2326233" cy="2664348"/>
+            <a:off x="7966164" y="1366579"/>
+            <a:ext cx="4032738" cy="2300404"/>
           </a:xfrm>
           <a:prstGeom prst="rect">
             <a:avLst/>
@@ -6792,10 +6614,10 @@
       </p:pic>
       <p:pic>
         <p:nvPicPr>
-          <p:cNvPr id="23" name="Picture 22">
-            <a:extLst>
-              <a:ext uri="{FF2B5EF4-FFF2-40B4-BE49-F238E27FC236}">
-                <a16:creationId xmlns:a16="http://schemas.microsoft.com/office/drawing/2014/main" id="{5A3539CB-026C-4EE0-B092-FF06647B25E2}"/>
+          <p:cNvPr id="11" name="Picture 10">
+            <a:extLst>
+              <a:ext uri="{FF2B5EF4-FFF2-40B4-BE49-F238E27FC236}">
+                <a16:creationId xmlns:a16="http://schemas.microsoft.com/office/drawing/2014/main" id="{7DF6E68E-21E5-44EA-AC92-5C79B6D73AD2}"/>
               </a:ext>
             </a:extLst>
           </p:cNvPr>
@@ -6804,16 +6626,15 @@
           </p:cNvPicPr>
           <p:nvPr/>
         </p:nvPicPr>
-        <p:blipFill>
+        <p:blipFill rotWithShape="1">
           <a:blip r:embed="rId5"/>
-          <a:stretch>
-            <a:fillRect/>
-          </a:stretch>
+          <a:srcRect/>
+          <a:stretch/>
         </p:blipFill>
         <p:spPr>
           <a:xfrm>
-            <a:off x="9028567" y="4908980"/>
-            <a:ext cx="1909809" cy="1167822"/>
+            <a:off x="7941827" y="3915133"/>
+            <a:ext cx="4081412" cy="2292600"/>
           </a:xfrm>
           <a:prstGeom prst="rect">
             <a:avLst/>
@@ -6822,10 +6643,10 @@
       </p:pic>
       <p:pic>
         <p:nvPicPr>
-          <p:cNvPr id="25" name="Picture 24">
-            <a:extLst>
-              <a:ext uri="{FF2B5EF4-FFF2-40B4-BE49-F238E27FC236}">
-                <a16:creationId xmlns:a16="http://schemas.microsoft.com/office/drawing/2014/main" id="{39B2C23F-56D0-4621-9221-137E1B229A22}"/>
+          <p:cNvPr id="15" name="Picture 14">
+            <a:extLst>
+              <a:ext uri="{FF2B5EF4-FFF2-40B4-BE49-F238E27FC236}">
+                <a16:creationId xmlns:a16="http://schemas.microsoft.com/office/drawing/2014/main" id="{8BE7C5E8-8C24-444B-84B6-9988F712DB0A}"/>
               </a:ext>
             </a:extLst>
           </p:cNvPr>
@@ -6842,8 +6663,8 @@
         </p:blipFill>
         <p:spPr>
           <a:xfrm>
-            <a:off x="8259104" y="1800538"/>
-            <a:ext cx="2853755" cy="2014416"/>
+            <a:off x="75107" y="3915133"/>
+            <a:ext cx="4008686" cy="2146242"/>
           </a:xfrm>
           <a:prstGeom prst="rect">
             <a:avLst/>
@@ -6853,7 +6674,7 @@
     </p:spTree>
     <p:extLst>
       <p:ext uri="{BB962C8B-B14F-4D97-AF65-F5344CB8AC3E}">
-        <p14:creationId xmlns:p14="http://schemas.microsoft.com/office/powerpoint/2010/main" val="3138427854"/>
+        <p14:creationId xmlns:p14="http://schemas.microsoft.com/office/powerpoint/2010/main" val="465885420"/>
       </p:ext>
     </p:extLst>
   </p:cSld>
@@ -6880,12 +6701,281 @@
           <a:chExt cx="0" cy="0"/>
         </a:xfrm>
       </p:grpSpPr>
+      <p:sp>
+        <p:nvSpPr>
+          <p:cNvPr id="2" name="Título 1">
+            <a:extLst>
+              <a:ext uri="{FF2B5EF4-FFF2-40B4-BE49-F238E27FC236}">
+                <a16:creationId xmlns:a16="http://schemas.microsoft.com/office/drawing/2014/main" id="{B6E269CC-F3EC-43ED-BC98-FCEA20CEA90D}"/>
+              </a:ext>
+            </a:extLst>
+          </p:cNvPr>
+          <p:cNvSpPr>
+            <a:spLocks noGrp="1"/>
+          </p:cNvSpPr>
+          <p:nvPr>
+            <p:ph type="title"/>
+          </p:nvPr>
+        </p:nvSpPr>
+        <p:spPr/>
+        <p:txBody>
+          <a:bodyPr/>
+          <a:lstStyle/>
+          <a:p>
+            <a:pPr algn="ctr"/>
+            <a:r>
+              <a:rPr lang="pt-PT" sz="6600" dirty="0">
+                <a:solidFill>
+                  <a:schemeClr val="tx1">
+                    <a:lumMod val="85000"/>
+                    <a:lumOff val="15000"/>
+                  </a:schemeClr>
+                </a:solidFill>
+                <a:latin typeface="Bahnschrift SemiLight" panose="020B0502040204020203" pitchFamily="34" charset="0"/>
+              </a:rPr>
+              <a:t>Destaque - Listagem</a:t>
+            </a:r>
+            <a:endParaRPr lang="en-GB" sz="6600" dirty="0">
+              <a:solidFill>
+                <a:schemeClr val="tx1">
+                  <a:lumMod val="85000"/>
+                  <a:lumOff val="15000"/>
+                </a:schemeClr>
+              </a:solidFill>
+              <a:latin typeface="Bahnschrift SemiLight" panose="020B0502040204020203" pitchFamily="34" charset="0"/>
+            </a:endParaRPr>
+          </a:p>
+        </p:txBody>
+      </p:sp>
+      <p:sp>
+        <p:nvSpPr>
+          <p:cNvPr id="3" name="Marcador de Posição de Conteúdo 2">
+            <a:extLst>
+              <a:ext uri="{FF2B5EF4-FFF2-40B4-BE49-F238E27FC236}">
+                <a16:creationId xmlns:a16="http://schemas.microsoft.com/office/drawing/2014/main" id="{B3B74F31-20FC-4247-9C66-D428333967A4}"/>
+              </a:ext>
+            </a:extLst>
+          </p:cNvPr>
+          <p:cNvSpPr>
+            <a:spLocks noGrp="1"/>
+          </p:cNvSpPr>
+          <p:nvPr>
+            <p:ph idx="1"/>
+          </p:nvPr>
+        </p:nvSpPr>
+        <p:spPr>
+          <a:xfrm>
+            <a:off x="1097280" y="2116449"/>
+            <a:ext cx="10058400" cy="4004649"/>
+          </a:xfrm>
+        </p:spPr>
+        <p:txBody>
+          <a:bodyPr>
+            <a:normAutofit/>
+          </a:bodyPr>
+          <a:lstStyle/>
+          <a:p>
+            <a:pPr lvl="1">
+              <a:buClr>
+                <a:srgbClr val="8C2D19"/>
+              </a:buClr>
+              <a:buFont typeface="Arial" panose="020B0604020202020204" pitchFamily="34" charset="0"/>
+              <a:buChar char="•"/>
+            </a:pPr>
+            <a:r>
+              <a:rPr lang="pt-PT" dirty="0">
+                <a:solidFill>
+                  <a:schemeClr val="tx1"/>
+                </a:solidFill>
+              </a:rPr>
+              <a:t>Foi alargada a </a:t>
+            </a:r>
+            <a:r>
+              <a:rPr lang="pt-PT" dirty="0" err="1">
+                <a:solidFill>
+                  <a:schemeClr val="tx1"/>
+                </a:solidFill>
+              </a:rPr>
+              <a:t>feature</a:t>
+            </a:r>
+            <a:r>
+              <a:rPr lang="pt-PT" dirty="0">
+                <a:solidFill>
+                  <a:schemeClr val="tx1"/>
+                </a:solidFill>
+              </a:rPr>
+              <a:t> de pesquisas </a:t>
+            </a:r>
+            <a:r>
+              <a:rPr lang="pt-PT" dirty="0" err="1">
+                <a:solidFill>
+                  <a:schemeClr val="tx1"/>
+                </a:solidFill>
+              </a:rPr>
+              <a:t>costumizadas</a:t>
+            </a:r>
+            <a:r>
+              <a:rPr lang="pt-PT" dirty="0">
+                <a:solidFill>
+                  <a:schemeClr val="tx1"/>
+                </a:solidFill>
+              </a:rPr>
+              <a:t> às doações.</a:t>
+            </a:r>
+          </a:p>
+          <a:p>
+            <a:pPr lvl="1">
+              <a:buClr>
+                <a:srgbClr val="8C2D19"/>
+              </a:buClr>
+              <a:buFont typeface="Arial" panose="020B0604020202020204" pitchFamily="34" charset="0"/>
+              <a:buChar char="•"/>
+            </a:pPr>
+            <a:endParaRPr lang="pt-PT" dirty="0">
+              <a:solidFill>
+                <a:schemeClr val="tx1"/>
+              </a:solidFill>
+            </a:endParaRPr>
+          </a:p>
+          <a:p>
+            <a:pPr lvl="1">
+              <a:buClr>
+                <a:srgbClr val="8C2D19"/>
+              </a:buClr>
+              <a:buFont typeface="Arial" panose="020B0604020202020204" pitchFamily="34" charset="0"/>
+              <a:buChar char="•"/>
+            </a:pPr>
+            <a:r>
+              <a:rPr lang="pt-PT" dirty="0">
+                <a:solidFill>
+                  <a:schemeClr val="tx1"/>
+                </a:solidFill>
+              </a:rPr>
+              <a:t>Chama-se a função de pesquisa respetiva com vetores dos </a:t>
+            </a:r>
+            <a:r>
+              <a:rPr lang="pt-PT" dirty="0" err="1">
+                <a:solidFill>
+                  <a:schemeClr val="tx1"/>
+                </a:solidFill>
+              </a:rPr>
+              <a:t>parametros</a:t>
+            </a:r>
+            <a:r>
+              <a:rPr lang="pt-PT" dirty="0">
+                <a:solidFill>
+                  <a:schemeClr val="tx1"/>
+                </a:solidFill>
+              </a:rPr>
+              <a:t> correspondentes. Se for enviado vetor vazio, aceita todos. Ex:</a:t>
+            </a:r>
+          </a:p>
+          <a:p>
+            <a:pPr lvl="2">
+              <a:buClr>
+                <a:srgbClr val="8C2D19"/>
+              </a:buClr>
+              <a:buFont typeface="Arial" panose="020B0604020202020204" pitchFamily="34" charset="0"/>
+              <a:buChar char="•"/>
+            </a:pPr>
+            <a:r>
+              <a:rPr lang="pt-PT" dirty="0">
+                <a:solidFill>
+                  <a:schemeClr val="tx1"/>
+                </a:solidFill>
+              </a:rPr>
+              <a:t>Enviar vetor com os valores de avaliação.</a:t>
+            </a:r>
+          </a:p>
+          <a:p>
+            <a:pPr lvl="2">
+              <a:buClr>
+                <a:srgbClr val="8C2D19"/>
+              </a:buClr>
+              <a:buFont typeface="Arial" panose="020B0604020202020204" pitchFamily="34" charset="0"/>
+              <a:buChar char="•"/>
+            </a:pPr>
+            <a:r>
+              <a:rPr lang="pt-PT" dirty="0">
+                <a:solidFill>
+                  <a:schemeClr val="tx1"/>
+                </a:solidFill>
+              </a:rPr>
+              <a:t>Enviar valor </a:t>
+            </a:r>
+            <a:r>
+              <a:rPr lang="pt-PT" dirty="0" err="1">
+                <a:solidFill>
+                  <a:schemeClr val="tx1"/>
+                </a:solidFill>
+              </a:rPr>
+              <a:t>minimo</a:t>
+            </a:r>
+            <a:r>
+              <a:rPr lang="pt-PT" dirty="0">
+                <a:solidFill>
+                  <a:schemeClr val="tx1"/>
+                </a:solidFill>
+              </a:rPr>
+              <a:t>.</a:t>
+            </a:r>
+          </a:p>
+          <a:p>
+            <a:pPr lvl="2">
+              <a:buClr>
+                <a:srgbClr val="8C2D19"/>
+              </a:buClr>
+              <a:buFont typeface="Arial" panose="020B0604020202020204" pitchFamily="34" charset="0"/>
+              <a:buChar char="•"/>
+            </a:pPr>
+            <a:r>
+              <a:rPr lang="pt-PT" dirty="0">
+                <a:solidFill>
+                  <a:schemeClr val="tx1"/>
+                </a:solidFill>
+              </a:rPr>
+              <a:t>Enviar valor máximo.</a:t>
+            </a:r>
+          </a:p>
+          <a:p>
+            <a:pPr lvl="1">
+              <a:buClr>
+                <a:srgbClr val="8C2D19"/>
+              </a:buClr>
+              <a:buFont typeface="Arial" panose="020B0604020202020204" pitchFamily="34" charset="0"/>
+              <a:buChar char="•"/>
+            </a:pPr>
+            <a:endParaRPr lang="pt-PT" dirty="0">
+              <a:solidFill>
+                <a:schemeClr val="tx1"/>
+              </a:solidFill>
+            </a:endParaRPr>
+          </a:p>
+          <a:p>
+            <a:pPr lvl="1">
+              <a:buClr>
+                <a:srgbClr val="8C2D19"/>
+              </a:buClr>
+              <a:buFont typeface="Arial" panose="020B0604020202020204" pitchFamily="34" charset="0"/>
+              <a:buChar char="•"/>
+            </a:pPr>
+            <a:r>
+              <a:rPr lang="pt-PT" dirty="0">
+                <a:solidFill>
+                  <a:schemeClr val="tx1"/>
+                </a:solidFill>
+              </a:rPr>
+              <a:t>Neste caso, por se tratar de uma BST não faria sentido alterar a ordenação que esta impõe no seu conjunto de dados, por isso permanece ordenada pelo montante e pela avaliação.</a:t>
+            </a:r>
+          </a:p>
+        </p:txBody>
+      </p:sp>
       <p:cxnSp>
         <p:nvCxnSpPr>
-          <p:cNvPr id="14" name="Conexão reta 13">
-            <a:extLst>
-              <a:ext uri="{FF2B5EF4-FFF2-40B4-BE49-F238E27FC236}">
-                <a16:creationId xmlns:a16="http://schemas.microsoft.com/office/drawing/2014/main" id="{06FF61D7-3986-4D84-9911-C879E2EFF56E}"/>
+          <p:cNvPr id="5" name="Conexão reta 4">
+            <a:extLst>
+              <a:ext uri="{FF2B5EF4-FFF2-40B4-BE49-F238E27FC236}">
+                <a16:creationId xmlns:a16="http://schemas.microsoft.com/office/drawing/2014/main" id="{D1B427FC-FECB-4AD9-947A-AE1CD8E8E0E9}"/>
               </a:ext>
             </a:extLst>
           </p:cNvPr>
@@ -6925,46 +7015,6 @@
       </p:cxnSp>
       <p:sp>
         <p:nvSpPr>
-          <p:cNvPr id="2" name="Título 1">
-            <a:extLst>
-              <a:ext uri="{FF2B5EF4-FFF2-40B4-BE49-F238E27FC236}">
-                <a16:creationId xmlns:a16="http://schemas.microsoft.com/office/drawing/2014/main" id="{B6E269CC-F3EC-43ED-BC98-FCEA20CEA90D}"/>
-              </a:ext>
-            </a:extLst>
-          </p:cNvPr>
-          <p:cNvSpPr>
-            <a:spLocks noGrp="1"/>
-          </p:cNvSpPr>
-          <p:nvPr>
-            <p:ph type="title"/>
-          </p:nvPr>
-        </p:nvSpPr>
-        <p:spPr/>
-        <p:txBody>
-          <a:bodyPr/>
-          <a:lstStyle/>
-          <a:p>
-            <a:pPr algn="ctr"/>
-            <a:r>
-              <a:rPr lang="pt-PT" sz="6600" dirty="0">
-                <a:solidFill>
-                  <a:schemeClr val="tx1"/>
-                </a:solidFill>
-                <a:latin typeface="Bahnschrift SemiLight" panose="020B0502040204020203" pitchFamily="34" charset="0"/>
-              </a:rPr>
-              <a:t>UI</a:t>
-            </a:r>
-            <a:endParaRPr lang="en-GB" sz="6600" dirty="0">
-              <a:solidFill>
-                <a:schemeClr val="tx1"/>
-              </a:solidFill>
-              <a:latin typeface="Bahnschrift SemiLight" panose="020B0502040204020203" pitchFamily="34" charset="0"/>
-            </a:endParaRPr>
-          </a:p>
-        </p:txBody>
-      </p:sp>
-      <p:sp>
-        <p:nvSpPr>
           <p:cNvPr id="4" name="Marcador de Posição do Rodapé 3">
             <a:extLst>
               <a:ext uri="{FF2B5EF4-FFF2-40B4-BE49-F238E27FC236}">
@@ -7055,215 +7105,10 @@
           </a:prstGeom>
         </p:spPr>
       </p:pic>
-      <p:sp>
-        <p:nvSpPr>
-          <p:cNvPr id="12" name="TextBox 11">
-            <a:extLst>
-              <a:ext uri="{FF2B5EF4-FFF2-40B4-BE49-F238E27FC236}">
-                <a16:creationId xmlns:a16="http://schemas.microsoft.com/office/drawing/2014/main" id="{B5D78712-70F3-4C81-AE5C-F3E20EFC6ABC}"/>
-              </a:ext>
-            </a:extLst>
-          </p:cNvPr>
-          <p:cNvSpPr txBox="1"/>
-          <p:nvPr/>
-        </p:nvSpPr>
-        <p:spPr>
-          <a:xfrm>
-            <a:off x="1013631" y="1908755"/>
-            <a:ext cx="5345108" cy="1754326"/>
-          </a:xfrm>
-          <a:prstGeom prst="rect">
-            <a:avLst/>
-          </a:prstGeom>
-          <a:noFill/>
-        </p:spPr>
-        <p:txBody>
-          <a:bodyPr wrap="square" rtlCol="0">
-            <a:spAutoFit/>
-          </a:bodyPr>
-          <a:lstStyle/>
-          <a:p>
-            <a:pPr marL="285750" indent="-285750">
-              <a:buClr>
-                <a:srgbClr val="8C2D19"/>
-              </a:buClr>
-              <a:buFont typeface="Arial" panose="020B0604020202020204" pitchFamily="34" charset="0"/>
-              <a:buChar char="•"/>
-            </a:pPr>
-            <a:r>
-              <a:rPr lang="pt-PT" dirty="0"/>
-              <a:t>Escolher vários parâmetros de pesquisa de doações</a:t>
-            </a:r>
-          </a:p>
-          <a:p>
-            <a:pPr marL="285750" indent="-285750">
-              <a:buClr>
-                <a:srgbClr val="8C2D19"/>
-              </a:buClr>
-              <a:buFont typeface="Arial" panose="020B0604020202020204" pitchFamily="34" charset="0"/>
-              <a:buChar char="•"/>
-            </a:pPr>
-            <a:r>
-              <a:rPr lang="pt-PT" dirty="0"/>
-              <a:t>Não escolher nenhum elemento implica pesquisar por todos</a:t>
-            </a:r>
-          </a:p>
-          <a:p>
-            <a:pPr marL="285750" indent="-285750">
-              <a:buClr>
-                <a:srgbClr val="8C2D19"/>
-              </a:buClr>
-              <a:buFont typeface="Arial" panose="020B0604020202020204" pitchFamily="34" charset="0"/>
-              <a:buChar char="•"/>
-            </a:pPr>
-            <a:r>
-              <a:rPr lang="pt-PT" dirty="0"/>
-              <a:t>Escolher 0 para parar de adicionar elementos à pesquisa</a:t>
-            </a:r>
-          </a:p>
-          <a:p>
-            <a:pPr marL="285750" indent="-285750">
-              <a:buClr>
-                <a:srgbClr val="8C2D19"/>
-              </a:buClr>
-              <a:buFont typeface="Arial" panose="020B0604020202020204" pitchFamily="34" charset="0"/>
-              <a:buChar char="•"/>
-            </a:pPr>
-            <a:r>
-              <a:rPr lang="pt-PT" dirty="0"/>
-              <a:t>Novas opções de </a:t>
-            </a:r>
-            <a:r>
-              <a:rPr lang="pt-PT" dirty="0" err="1"/>
-              <a:t>merch</a:t>
-            </a:r>
-            <a:endParaRPr lang="pt-PT" dirty="0"/>
-          </a:p>
-        </p:txBody>
-      </p:sp>
-      <p:pic>
-        <p:nvPicPr>
-          <p:cNvPr id="10" name="Picture 9">
-            <a:extLst>
-              <a:ext uri="{FF2B5EF4-FFF2-40B4-BE49-F238E27FC236}">
-                <a16:creationId xmlns:a16="http://schemas.microsoft.com/office/drawing/2014/main" id="{4DC358C9-9033-47BF-BC57-51F72C38AA90}"/>
-              </a:ext>
-            </a:extLst>
-          </p:cNvPr>
-          <p:cNvPicPr>
-            <a:picLocks noChangeAspect="1"/>
-          </p:cNvPicPr>
-          <p:nvPr/>
-        </p:nvPicPr>
-        <p:blipFill>
-          <a:blip r:embed="rId3"/>
-          <a:stretch>
-            <a:fillRect/>
-          </a:stretch>
-        </p:blipFill>
-        <p:spPr>
-          <a:xfrm>
-            <a:off x="4177447" y="3163111"/>
-            <a:ext cx="3695063" cy="3084115"/>
-          </a:xfrm>
-          <a:prstGeom prst="rect">
-            <a:avLst/>
-          </a:prstGeom>
-        </p:spPr>
-      </p:pic>
-      <p:pic>
-        <p:nvPicPr>
-          <p:cNvPr id="8" name="Picture 7">
-            <a:extLst>
-              <a:ext uri="{FF2B5EF4-FFF2-40B4-BE49-F238E27FC236}">
-                <a16:creationId xmlns:a16="http://schemas.microsoft.com/office/drawing/2014/main" id="{D1CFDD64-7859-4C38-8EFF-27A8D2BE9175}"/>
-              </a:ext>
-            </a:extLst>
-          </p:cNvPr>
-          <p:cNvPicPr>
-            <a:picLocks noChangeAspect="1"/>
-          </p:cNvPicPr>
-          <p:nvPr/>
-        </p:nvPicPr>
-        <p:blipFill>
-          <a:blip r:embed="rId4"/>
-          <a:stretch>
-            <a:fillRect/>
-          </a:stretch>
-        </p:blipFill>
-        <p:spPr>
-          <a:xfrm>
-            <a:off x="7966164" y="1366579"/>
-            <a:ext cx="4032738" cy="2300404"/>
-          </a:xfrm>
-          <a:prstGeom prst="rect">
-            <a:avLst/>
-          </a:prstGeom>
-        </p:spPr>
-      </p:pic>
-      <p:pic>
-        <p:nvPicPr>
-          <p:cNvPr id="11" name="Picture 10">
-            <a:extLst>
-              <a:ext uri="{FF2B5EF4-FFF2-40B4-BE49-F238E27FC236}">
-                <a16:creationId xmlns:a16="http://schemas.microsoft.com/office/drawing/2014/main" id="{7DF6E68E-21E5-44EA-AC92-5C79B6D73AD2}"/>
-              </a:ext>
-            </a:extLst>
-          </p:cNvPr>
-          <p:cNvPicPr>
-            <a:picLocks noChangeAspect="1"/>
-          </p:cNvPicPr>
-          <p:nvPr/>
-        </p:nvPicPr>
-        <p:blipFill rotWithShape="1">
-          <a:blip r:embed="rId5"/>
-          <a:srcRect/>
-          <a:stretch/>
-        </p:blipFill>
-        <p:spPr>
-          <a:xfrm>
-            <a:off x="7941827" y="3915133"/>
-            <a:ext cx="4081412" cy="2292600"/>
-          </a:xfrm>
-          <a:prstGeom prst="rect">
-            <a:avLst/>
-          </a:prstGeom>
-        </p:spPr>
-      </p:pic>
-      <p:pic>
-        <p:nvPicPr>
-          <p:cNvPr id="15" name="Picture 14">
-            <a:extLst>
-              <a:ext uri="{FF2B5EF4-FFF2-40B4-BE49-F238E27FC236}">
-                <a16:creationId xmlns:a16="http://schemas.microsoft.com/office/drawing/2014/main" id="{8BE7C5E8-8C24-444B-84B6-9988F712DB0A}"/>
-              </a:ext>
-            </a:extLst>
-          </p:cNvPr>
-          <p:cNvPicPr>
-            <a:picLocks noChangeAspect="1"/>
-          </p:cNvPicPr>
-          <p:nvPr/>
-        </p:nvPicPr>
-        <p:blipFill>
-          <a:blip r:embed="rId6"/>
-          <a:stretch>
-            <a:fillRect/>
-          </a:stretch>
-        </p:blipFill>
-        <p:spPr>
-          <a:xfrm>
-            <a:off x="75107" y="3915133"/>
-            <a:ext cx="4008686" cy="2146242"/>
-          </a:xfrm>
-          <a:prstGeom prst="rect">
-            <a:avLst/>
-          </a:prstGeom>
-        </p:spPr>
-      </p:pic>
     </p:spTree>
     <p:extLst>
       <p:ext uri="{BB962C8B-B14F-4D97-AF65-F5344CB8AC3E}">
-        <p14:creationId xmlns:p14="http://schemas.microsoft.com/office/powerpoint/2010/main" val="465885420"/>
+        <p14:creationId xmlns:p14="http://schemas.microsoft.com/office/powerpoint/2010/main" val="516750047"/>
       </p:ext>
     </p:extLst>
   </p:cSld>
@@ -7322,7 +7167,7 @@
                 </a:solidFill>
                 <a:latin typeface="Bahnschrift SemiLight" panose="020B0502040204020203" pitchFamily="34" charset="0"/>
               </a:rPr>
-              <a:t>Destaque - Listagem</a:t>
+              <a:t>Observações</a:t>
             </a:r>
             <a:endParaRPr lang="en-GB" sz="6600" dirty="0">
               <a:solidFill>
@@ -7377,39 +7222,7 @@
                   <a:schemeClr val="tx1"/>
                 </a:solidFill>
               </a:rPr>
-              <a:t>Foi alargada a </a:t>
-            </a:r>
-            <a:r>
-              <a:rPr lang="pt-PT" dirty="0" err="1">
-                <a:solidFill>
-                  <a:schemeClr val="tx1"/>
-                </a:solidFill>
-              </a:rPr>
-              <a:t>feature</a:t>
-            </a:r>
-            <a:r>
-              <a:rPr lang="pt-PT" dirty="0">
-                <a:solidFill>
-                  <a:schemeClr val="tx1"/>
-                </a:solidFill>
-              </a:rPr>
-              <a:t> de pesquisas </a:t>
-            </a:r>
-            <a:r>
-              <a:rPr lang="pt-PT" dirty="0" err="1">
-                <a:solidFill>
-                  <a:schemeClr val="tx1"/>
-                </a:solidFill>
-              </a:rPr>
-              <a:t>costumizadas</a:t>
-            </a:r>
-            <a:r>
-              <a:rPr lang="pt-PT" dirty="0">
-                <a:solidFill>
-                  <a:schemeClr val="tx1"/>
-                </a:solidFill>
-              </a:rPr>
-              <a:t> às doações.</a:t>
+              <a:t>Gostaríamos de realçar que a segunda parte to trabalho foi relativamente simples de implementar visto que o trabalho realizado anteriormente estava bastante bem estruturado.</a:t>
             </a:r>
           </a:p>
           <a:p>
@@ -7440,7 +7253,7 @@
                   <a:schemeClr val="tx1"/>
                 </a:solidFill>
               </a:rPr>
-              <a:t>Chama-se a função de pesquisa respetiva com vetores dos </a:t>
+              <a:t>A conta de </a:t>
             </a:r>
             <a:r>
               <a:rPr lang="pt-PT" dirty="0" err="1">
@@ -7448,7 +7261,7 @@
                   <a:schemeClr val="tx1"/>
                 </a:solidFill>
               </a:rPr>
-              <a:t>parametros</a:t>
+              <a:t>streamer</a:t>
             </a:r>
             <a:r>
               <a:rPr lang="pt-PT" dirty="0">
@@ -7456,41 +7269,39 @@
                   <a:schemeClr val="tx1"/>
                 </a:solidFill>
               </a:rPr>
-              <a:t> correspondentes. Se for enviado vetor vazio, aceita todos. Ex:</a:t>
-            </a:r>
-          </a:p>
-          <a:p>
-            <a:pPr lvl="2">
-              <a:buClr>
-                <a:srgbClr val="8C2D19"/>
-              </a:buClr>
-              <a:buFont typeface="Arial" panose="020B0604020202020204" pitchFamily="34" charset="0"/>
-              <a:buChar char="•"/>
-            </a:pPr>
+              <a:t> tem agora um código associado. Caso tenha o código de estado a 1, deve receber </a:t>
+            </a:r>
+            <a:r>
+              <a:rPr lang="pt-PT" dirty="0" err="1">
+                <a:solidFill>
+                  <a:schemeClr val="tx1"/>
+                </a:solidFill>
+              </a:rPr>
+              <a:t>likes</a:t>
+            </a:r>
             <a:r>
               <a:rPr lang="pt-PT" dirty="0">
                 <a:solidFill>
                   <a:schemeClr val="tx1"/>
                 </a:solidFill>
               </a:rPr>
-              <a:t>Enviar vetor com os valores de avaliação.</a:t>
-            </a:r>
-          </a:p>
-          <a:p>
-            <a:pPr lvl="2">
-              <a:buClr>
-                <a:srgbClr val="8C2D19"/>
-              </a:buClr>
-              <a:buFont typeface="Arial" panose="020B0604020202020204" pitchFamily="34" charset="0"/>
-              <a:buChar char="•"/>
-            </a:pPr>
+              <a:t> na próxima </a:t>
+            </a:r>
+            <a:r>
+              <a:rPr lang="pt-PT" dirty="0" err="1">
+                <a:solidFill>
+                  <a:schemeClr val="tx1"/>
+                </a:solidFill>
+              </a:rPr>
+              <a:t>stream</a:t>
+            </a:r>
             <a:r>
               <a:rPr lang="pt-PT" dirty="0">
                 <a:solidFill>
                   <a:schemeClr val="tx1"/>
                 </a:solidFill>
               </a:rPr>
-              <a:t>Enviar valor </a:t>
+              <a:t> iniciada. Caso esteja a 2 este já usufruiu do seu bónus de reativação. Implementamos esta </a:t>
             </a:r>
             <a:r>
               <a:rPr lang="pt-PT" dirty="0" err="1">
@@ -7498,7 +7309,7 @@
                   <a:schemeClr val="tx1"/>
                 </a:solidFill>
               </a:rPr>
-              <a:t>minimo</a:t>
+              <a:t>feature</a:t>
             </a:r>
             <a:r>
               <a:rPr lang="pt-PT" dirty="0">
@@ -7506,24 +7317,23 @@
                   <a:schemeClr val="tx1"/>
                 </a:solidFill>
               </a:rPr>
-              <a:t>.</a:t>
-            </a:r>
-          </a:p>
-          <a:p>
-            <a:pPr lvl="2">
-              <a:buClr>
-                <a:srgbClr val="8C2D19"/>
-              </a:buClr>
-              <a:buFont typeface="Arial" panose="020B0604020202020204" pitchFamily="34" charset="0"/>
-              <a:buChar char="•"/>
-            </a:pPr>
+              <a:t> desta maneira para prevenir o abuso de utilizadores de forma a obter </a:t>
+            </a:r>
+            <a:r>
+              <a:rPr lang="pt-PT" dirty="0" err="1">
+                <a:solidFill>
+                  <a:schemeClr val="tx1"/>
+                </a:solidFill>
+              </a:rPr>
+              <a:t>likes</a:t>
+            </a:r>
             <a:r>
               <a:rPr lang="pt-PT" dirty="0">
                 <a:solidFill>
                   <a:schemeClr val="tx1"/>
                 </a:solidFill>
               </a:rPr>
-              <a:t>Enviar valor máximo.</a:t>
+              <a:t> de forma injusta.</a:t>
             </a:r>
           </a:p>
           <a:p>
@@ -7554,8 +7364,56 @@
                   <a:schemeClr val="tx1"/>
                 </a:solidFill>
               </a:rPr>
-              <a:t>Neste caso, por se tratar de uma BST não faria sentido alterar a ordenação que esta impõe no seu conjunto de dados, por isso permanece ordenada pelo montante e pela avaliação.</a:t>
-            </a:r>
+              <a:t>Testes com auxilio à </a:t>
+            </a:r>
+            <a:r>
+              <a:rPr lang="pt-PT" dirty="0" err="1">
+                <a:solidFill>
+                  <a:schemeClr val="tx1"/>
+                </a:solidFill>
+              </a:rPr>
+              <a:t>library</a:t>
+            </a:r>
+            <a:r>
+              <a:rPr lang="pt-PT" dirty="0">
+                <a:solidFill>
+                  <a:schemeClr val="tx1"/>
+                </a:solidFill>
+              </a:rPr>
+              <a:t> Google </a:t>
+            </a:r>
+            <a:r>
+              <a:rPr lang="pt-PT" dirty="0" err="1">
+                <a:solidFill>
+                  <a:schemeClr val="tx1"/>
+                </a:solidFill>
+              </a:rPr>
+              <a:t>Tests</a:t>
+            </a:r>
+            <a:r>
+              <a:rPr lang="pt-PT" dirty="0">
+                <a:solidFill>
+                  <a:schemeClr val="tx1"/>
+                </a:solidFill>
+              </a:rPr>
+              <a:t> para assegurar a qualidade e a robustez do código.</a:t>
+            </a:r>
+          </a:p>
+          <a:p>
+            <a:pPr marL="0" indent="0">
+              <a:buNone/>
+            </a:pPr>
+            <a:endParaRPr lang="pt-PT" dirty="0"/>
+          </a:p>
+          <a:p>
+            <a:pPr marL="0" indent="0">
+              <a:buNone/>
+            </a:pPr>
+            <a:r>
+              <a:rPr lang="pt-PT" dirty="0"/>
+              <a:t> </a:t>
+            </a:r>
+            <a:endParaRPr lang="en-GB" dirty="0"/>
           </a:p>
         </p:txBody>
       </p:sp>
@@ -7697,7 +7555,7 @@
     </p:spTree>
     <p:extLst>
       <p:ext uri="{BB962C8B-B14F-4D97-AF65-F5344CB8AC3E}">
-        <p14:creationId xmlns:p14="http://schemas.microsoft.com/office/powerpoint/2010/main" val="516750047"/>
+        <p14:creationId xmlns:p14="http://schemas.microsoft.com/office/powerpoint/2010/main" val="1899299684"/>
       </p:ext>
     </p:extLst>
   </p:cSld>
@@ -7729,7 +7587,7 @@
           <p:cNvPr id="2" name="Título 1">
             <a:extLst>
               <a:ext uri="{FF2B5EF4-FFF2-40B4-BE49-F238E27FC236}">
-                <a16:creationId xmlns:a16="http://schemas.microsoft.com/office/drawing/2014/main" id="{B6E269CC-F3EC-43ED-BC98-FCEA20CEA90D}"/>
+                <a16:creationId xmlns:a16="http://schemas.microsoft.com/office/drawing/2014/main" id="{946B05BC-BE14-4CEB-A649-38C2D6E132C4}"/>
               </a:ext>
             </a:extLst>
           </p:cNvPr>
@@ -7756,7 +7614,7 @@
                 </a:solidFill>
                 <a:latin typeface="Bahnschrift SemiLight" panose="020B0502040204020203" pitchFamily="34" charset="0"/>
               </a:rPr>
-              <a:t>Observações</a:t>
+              <a:t>Dificuldades</a:t>
             </a:r>
             <a:endParaRPr lang="en-GB" sz="6600" dirty="0">
               <a:solidFill>
@@ -7770,248 +7628,12 @@
           </a:p>
         </p:txBody>
       </p:sp>
-      <p:sp>
-        <p:nvSpPr>
-          <p:cNvPr id="3" name="Marcador de Posição de Conteúdo 2">
-            <a:extLst>
-              <a:ext uri="{FF2B5EF4-FFF2-40B4-BE49-F238E27FC236}">
-                <a16:creationId xmlns:a16="http://schemas.microsoft.com/office/drawing/2014/main" id="{B3B74F31-20FC-4247-9C66-D428333967A4}"/>
-              </a:ext>
-            </a:extLst>
-          </p:cNvPr>
-          <p:cNvSpPr>
-            <a:spLocks noGrp="1"/>
-          </p:cNvSpPr>
-          <p:nvPr>
-            <p:ph idx="1"/>
-          </p:nvPr>
-        </p:nvSpPr>
-        <p:spPr>
-          <a:xfrm>
-            <a:off x="1097280" y="2116449"/>
-            <a:ext cx="10058400" cy="4004649"/>
-          </a:xfrm>
-        </p:spPr>
-        <p:txBody>
-          <a:bodyPr>
-            <a:normAutofit/>
-          </a:bodyPr>
-          <a:lstStyle/>
-          <a:p>
-            <a:pPr lvl="1">
-              <a:buClr>
-                <a:srgbClr val="8C2D19"/>
-              </a:buClr>
-              <a:buFont typeface="Arial" panose="020B0604020202020204" pitchFamily="34" charset="0"/>
-              <a:buChar char="•"/>
-            </a:pPr>
-            <a:r>
-              <a:rPr lang="pt-PT" dirty="0">
-                <a:solidFill>
-                  <a:schemeClr val="tx1"/>
-                </a:solidFill>
-              </a:rPr>
-              <a:t>Gostaríamos de realçar que a segunda parte to trabalho foi relativamente simples de implementar visto que o trabalho realizado anteriormente estava bastante bem estruturado.</a:t>
-            </a:r>
-          </a:p>
-          <a:p>
-            <a:pPr lvl="1">
-              <a:buClr>
-                <a:srgbClr val="8C2D19"/>
-              </a:buClr>
-              <a:buFont typeface="Arial" panose="020B0604020202020204" pitchFamily="34" charset="0"/>
-              <a:buChar char="•"/>
-            </a:pPr>
-            <a:endParaRPr lang="pt-PT" dirty="0">
-              <a:solidFill>
-                <a:schemeClr val="tx1"/>
-              </a:solidFill>
-            </a:endParaRPr>
-          </a:p>
-          <a:p>
-            <a:pPr lvl="1">
-              <a:buClr>
-                <a:srgbClr val="8C2D19"/>
-              </a:buClr>
-              <a:buFont typeface="Arial" panose="020B0604020202020204" pitchFamily="34" charset="0"/>
-              <a:buChar char="•"/>
-            </a:pPr>
-            <a:r>
-              <a:rPr lang="pt-PT" dirty="0">
-                <a:solidFill>
-                  <a:schemeClr val="tx1"/>
-                </a:solidFill>
-              </a:rPr>
-              <a:t>A conta de </a:t>
-            </a:r>
-            <a:r>
-              <a:rPr lang="pt-PT" dirty="0" err="1">
-                <a:solidFill>
-                  <a:schemeClr val="tx1"/>
-                </a:solidFill>
-              </a:rPr>
-              <a:t>streamer</a:t>
-            </a:r>
-            <a:r>
-              <a:rPr lang="pt-PT" dirty="0">
-                <a:solidFill>
-                  <a:schemeClr val="tx1"/>
-                </a:solidFill>
-              </a:rPr>
-              <a:t> tem agora um código associado. Caso tenho o código de estado a 1, deve receber </a:t>
-            </a:r>
-            <a:r>
-              <a:rPr lang="pt-PT" dirty="0" err="1">
-                <a:solidFill>
-                  <a:schemeClr val="tx1"/>
-                </a:solidFill>
-              </a:rPr>
-              <a:t>likes</a:t>
-            </a:r>
-            <a:r>
-              <a:rPr lang="pt-PT" dirty="0">
-                <a:solidFill>
-                  <a:schemeClr val="tx1"/>
-                </a:solidFill>
-              </a:rPr>
-              <a:t> na próxima </a:t>
-            </a:r>
-            <a:r>
-              <a:rPr lang="pt-PT" dirty="0" err="1">
-                <a:solidFill>
-                  <a:schemeClr val="tx1"/>
-                </a:solidFill>
-              </a:rPr>
-              <a:t>stream</a:t>
-            </a:r>
-            <a:r>
-              <a:rPr lang="pt-PT" dirty="0">
-                <a:solidFill>
-                  <a:schemeClr val="tx1"/>
-                </a:solidFill>
-              </a:rPr>
-              <a:t> iniciada. Caso esteja a 2 este já usufruiu do seu bónus de reativação. Implementamos esta </a:t>
-            </a:r>
-            <a:r>
-              <a:rPr lang="pt-PT" dirty="0" err="1">
-                <a:solidFill>
-                  <a:schemeClr val="tx1"/>
-                </a:solidFill>
-              </a:rPr>
-              <a:t>feature</a:t>
-            </a:r>
-            <a:r>
-              <a:rPr lang="pt-PT" dirty="0">
-                <a:solidFill>
-                  <a:schemeClr val="tx1"/>
-                </a:solidFill>
-              </a:rPr>
-              <a:t> desta maneira para prevenir o abuso de utilizadores de forma a obter </a:t>
-            </a:r>
-            <a:r>
-              <a:rPr lang="pt-PT" dirty="0" err="1">
-                <a:solidFill>
-                  <a:schemeClr val="tx1"/>
-                </a:solidFill>
-              </a:rPr>
-              <a:t>likes</a:t>
-            </a:r>
-            <a:r>
-              <a:rPr lang="pt-PT" dirty="0">
-                <a:solidFill>
-                  <a:schemeClr val="tx1"/>
-                </a:solidFill>
-              </a:rPr>
-              <a:t> de forma injusta.</a:t>
-            </a:r>
-          </a:p>
-          <a:p>
-            <a:pPr lvl="1">
-              <a:buClr>
-                <a:srgbClr val="8C2D19"/>
-              </a:buClr>
-              <a:buFont typeface="Arial" panose="020B0604020202020204" pitchFamily="34" charset="0"/>
-              <a:buChar char="•"/>
-            </a:pPr>
-            <a:endParaRPr lang="pt-PT" dirty="0">
-              <a:solidFill>
-                <a:schemeClr val="tx1"/>
-              </a:solidFill>
-            </a:endParaRPr>
-          </a:p>
-          <a:p>
-            <a:pPr lvl="1">
-              <a:buClr>
-                <a:srgbClr val="8C2D19"/>
-              </a:buClr>
-              <a:buFont typeface="Arial" panose="020B0604020202020204" pitchFamily="34" charset="0"/>
-              <a:buChar char="•"/>
-            </a:pPr>
-            <a:r>
-              <a:rPr lang="pt-PT" dirty="0">
-                <a:solidFill>
-                  <a:schemeClr val="tx1"/>
-                </a:solidFill>
-              </a:rPr>
-              <a:t>Testes com auxilio à </a:t>
-            </a:r>
-            <a:r>
-              <a:rPr lang="pt-PT" dirty="0" err="1">
-                <a:solidFill>
-                  <a:schemeClr val="tx1"/>
-                </a:solidFill>
-              </a:rPr>
-              <a:t>library</a:t>
-            </a:r>
-            <a:r>
-              <a:rPr lang="pt-PT" dirty="0">
-                <a:solidFill>
-                  <a:schemeClr val="tx1"/>
-                </a:solidFill>
-              </a:rPr>
-              <a:t> Google </a:t>
-            </a:r>
-            <a:r>
-              <a:rPr lang="pt-PT" dirty="0" err="1">
-                <a:solidFill>
-                  <a:schemeClr val="tx1"/>
-                </a:solidFill>
-              </a:rPr>
-              <a:t>Tests</a:t>
-            </a:r>
-            <a:r>
-              <a:rPr lang="pt-PT" dirty="0">
-                <a:solidFill>
-                  <a:schemeClr val="tx1"/>
-                </a:solidFill>
-              </a:rPr>
-              <a:t> para assegurar a qualidade e a robustez do código.</a:t>
-            </a:r>
-          </a:p>
-          <a:p>
-            <a:pPr marL="0" indent="0">
-              <a:buNone/>
-            </a:pPr>
-            <a:endParaRPr lang="pt-PT" dirty="0"/>
-          </a:p>
-          <a:p>
-            <a:pPr marL="0" indent="0">
-              <a:buNone/>
-            </a:pPr>
-            <a:r>
-              <a:rPr lang="pt-PT" dirty="0"/>
-              <a:t> </a:t>
-            </a:r>
-            <a:endParaRPr lang="en-GB" dirty="0"/>
-          </a:p>
-        </p:txBody>
-      </p:sp>
       <p:cxnSp>
         <p:nvCxnSpPr>
           <p:cNvPr id="5" name="Conexão reta 4">
             <a:extLst>
               <a:ext uri="{FF2B5EF4-FFF2-40B4-BE49-F238E27FC236}">
-                <a16:creationId xmlns:a16="http://schemas.microsoft.com/office/drawing/2014/main" id="{D1B427FC-FECB-4AD9-947A-AE1CD8E8E0E9}"/>
+                <a16:creationId xmlns:a16="http://schemas.microsoft.com/office/drawing/2014/main" id="{16A9EEAE-A5F8-447C-BF75-DBD85C985356}"/>
               </a:ext>
             </a:extLst>
           </p:cNvPr>
@@ -8054,7 +7676,7 @@
           <p:cNvPr id="4" name="Marcador de Posição do Rodapé 3">
             <a:extLst>
               <a:ext uri="{FF2B5EF4-FFF2-40B4-BE49-F238E27FC236}">
-                <a16:creationId xmlns:a16="http://schemas.microsoft.com/office/drawing/2014/main" id="{2E6D09DD-1E47-4A67-AB57-535BA57CB1EF}"/>
+                <a16:creationId xmlns:a16="http://schemas.microsoft.com/office/drawing/2014/main" id="{24CC6F16-34DD-4EDA-ADE0-808E5F2B8EED}"/>
               </a:ext>
             </a:extLst>
           </p:cNvPr>
@@ -8082,7 +7704,7 @@
           <p:cNvPr id="6" name="Marcador de Posição do Número do Diapositivo 5">
             <a:extLst>
               <a:ext uri="{FF2B5EF4-FFF2-40B4-BE49-F238E27FC236}">
-                <a16:creationId xmlns:a16="http://schemas.microsoft.com/office/drawing/2014/main" id="{A6038915-9563-428D-88A8-7720015CFAC0}"/>
+                <a16:creationId xmlns:a16="http://schemas.microsoft.com/office/drawing/2014/main" id="{98D93093-7413-457A-B787-19C4B19AA2B9}"/>
               </a:ext>
             </a:extLst>
           </p:cNvPr>
@@ -8101,217 +7723,6 @@
             <a:fld id="{75DB3F52-068C-4339-9FA6-06F9AAEB3337}" type="slidenum">
               <a:rPr lang="en-GB" sz="2400"/>
               <a:t>16</a:t>
-            </a:fld>
-            <a:endParaRPr lang="en-GB" sz="2400" dirty="0"/>
-          </a:p>
-        </p:txBody>
-      </p:sp>
-      <p:pic>
-        <p:nvPicPr>
-          <p:cNvPr id="7" name="Imagem 6">
-            <a:extLst>
-              <a:ext uri="{FF2B5EF4-FFF2-40B4-BE49-F238E27FC236}">
-                <a16:creationId xmlns:a16="http://schemas.microsoft.com/office/drawing/2014/main" id="{95C51A54-AF96-43E2-9C50-EFB3428A2FB4}"/>
-              </a:ext>
-            </a:extLst>
-          </p:cNvPr>
-          <p:cNvPicPr>
-            <a:picLocks noChangeAspect="1"/>
-          </p:cNvPicPr>
-          <p:nvPr/>
-        </p:nvPicPr>
-        <p:blipFill rotWithShape="1">
-          <a:blip r:embed="rId2">
-            <a:extLst>
-              <a:ext uri="{28A0092B-C50C-407E-A947-70E740481C1C}">
-                <a14:useLocalDpi xmlns:a14="http://schemas.microsoft.com/office/drawing/2010/main" val="0"/>
-              </a:ext>
-            </a:extLst>
-          </a:blip>
-          <a:srcRect r="39904"/>
-          <a:stretch/>
-        </p:blipFill>
-        <p:spPr>
-          <a:xfrm>
-            <a:off x="1097280" y="6500189"/>
-            <a:ext cx="1406360" cy="312685"/>
-          </a:xfrm>
-          <a:prstGeom prst="rect">
-            <a:avLst/>
-          </a:prstGeom>
-        </p:spPr>
-      </p:pic>
-    </p:spTree>
-    <p:extLst>
-      <p:ext uri="{BB962C8B-B14F-4D97-AF65-F5344CB8AC3E}">
-        <p14:creationId xmlns:p14="http://schemas.microsoft.com/office/powerpoint/2010/main" val="1899299684"/>
-      </p:ext>
-    </p:extLst>
-  </p:cSld>
-  <p:clrMapOvr>
-    <a:masterClrMapping/>
-  </p:clrMapOvr>
-</p:sld>
-</file>
-
-<file path=ppt/slides/slide17.xml><?xml version="1.0" encoding="utf-8"?>
-<p:sld xmlns:a="http://schemas.openxmlformats.org/drawingml/2006/main" xmlns:r="http://schemas.openxmlformats.org/officeDocument/2006/relationships" xmlns:p="http://schemas.openxmlformats.org/presentationml/2006/main">
-  <p:cSld>
-    <p:spTree>
-      <p:nvGrpSpPr>
-        <p:cNvPr id="1" name=""/>
-        <p:cNvGrpSpPr/>
-        <p:nvPr/>
-      </p:nvGrpSpPr>
-      <p:grpSpPr>
-        <a:xfrm>
-          <a:off x="0" y="0"/>
-          <a:ext cx="0" cy="0"/>
-          <a:chOff x="0" y="0"/>
-          <a:chExt cx="0" cy="0"/>
-        </a:xfrm>
-      </p:grpSpPr>
-      <p:sp>
-        <p:nvSpPr>
-          <p:cNvPr id="2" name="Título 1">
-            <a:extLst>
-              <a:ext uri="{FF2B5EF4-FFF2-40B4-BE49-F238E27FC236}">
-                <a16:creationId xmlns:a16="http://schemas.microsoft.com/office/drawing/2014/main" id="{946B05BC-BE14-4CEB-A649-38C2D6E132C4}"/>
-              </a:ext>
-            </a:extLst>
-          </p:cNvPr>
-          <p:cNvSpPr>
-            <a:spLocks noGrp="1"/>
-          </p:cNvSpPr>
-          <p:nvPr>
-            <p:ph type="title"/>
-          </p:nvPr>
-        </p:nvSpPr>
-        <p:spPr/>
-        <p:txBody>
-          <a:bodyPr/>
-          <a:lstStyle/>
-          <a:p>
-            <a:pPr algn="ctr"/>
-            <a:r>
-              <a:rPr lang="pt-PT" sz="6600" dirty="0">
-                <a:solidFill>
-                  <a:schemeClr val="tx1">
-                    <a:lumMod val="85000"/>
-                    <a:lumOff val="15000"/>
-                  </a:schemeClr>
-                </a:solidFill>
-                <a:latin typeface="Bahnschrift SemiLight" panose="020B0502040204020203" pitchFamily="34" charset="0"/>
-              </a:rPr>
-              <a:t>Dificuldades</a:t>
-            </a:r>
-            <a:endParaRPr lang="en-GB" sz="6600" dirty="0">
-              <a:solidFill>
-                <a:schemeClr val="tx1">
-                  <a:lumMod val="85000"/>
-                  <a:lumOff val="15000"/>
-                </a:schemeClr>
-              </a:solidFill>
-              <a:latin typeface="Bahnschrift SemiLight" panose="020B0502040204020203" pitchFamily="34" charset="0"/>
-            </a:endParaRPr>
-          </a:p>
-        </p:txBody>
-      </p:sp>
-      <p:cxnSp>
-        <p:nvCxnSpPr>
-          <p:cNvPr id="5" name="Conexão reta 4">
-            <a:extLst>
-              <a:ext uri="{FF2B5EF4-FFF2-40B4-BE49-F238E27FC236}">
-                <a16:creationId xmlns:a16="http://schemas.microsoft.com/office/drawing/2014/main" id="{16A9EEAE-A5F8-447C-BF75-DBD85C985356}"/>
-              </a:ext>
-            </a:extLst>
-          </p:cNvPr>
-          <p:cNvCxnSpPr>
-            <a:cxnSpLocks/>
-          </p:cNvCxnSpPr>
-          <p:nvPr/>
-        </p:nvCxnSpPr>
-        <p:spPr>
-          <a:xfrm flipH="1">
-            <a:off x="1097280" y="1737360"/>
-            <a:ext cx="10239504" cy="0"/>
-          </a:xfrm>
-          <a:prstGeom prst="line">
-            <a:avLst/>
-          </a:prstGeom>
-          <a:ln>
-            <a:solidFill>
-              <a:srgbClr val="8C2D19"/>
-            </a:solidFill>
-          </a:ln>
-        </p:spPr>
-        <p:style>
-          <a:lnRef idx="1">
-            <a:schemeClr val="accent1"/>
-          </a:lnRef>
-          <a:fillRef idx="0">
-            <a:schemeClr val="accent1"/>
-          </a:fillRef>
-          <a:effectRef idx="0">
-            <a:schemeClr val="accent1"/>
-          </a:effectRef>
-          <a:fontRef idx="minor">
-            <a:schemeClr val="tx1"/>
-          </a:fontRef>
-        </p:style>
-      </p:cxnSp>
-      <p:sp>
-        <p:nvSpPr>
-          <p:cNvPr id="4" name="Marcador de Posição do Rodapé 3">
-            <a:extLst>
-              <a:ext uri="{FF2B5EF4-FFF2-40B4-BE49-F238E27FC236}">
-                <a16:creationId xmlns:a16="http://schemas.microsoft.com/office/drawing/2014/main" id="{24CC6F16-34DD-4EDA-ADE0-808E5F2B8EED}"/>
-              </a:ext>
-            </a:extLst>
-          </p:cNvPr>
-          <p:cNvSpPr>
-            <a:spLocks noGrp="1"/>
-          </p:cNvSpPr>
-          <p:nvPr>
-            <p:ph type="ftr" sz="quarter" idx="11"/>
-          </p:nvPr>
-        </p:nvSpPr>
-        <p:spPr/>
-        <p:txBody>
-          <a:bodyPr/>
-          <a:lstStyle/>
-          <a:p>
-            <a:r>
-              <a:rPr lang="en-GB" sz="2400" b="1" dirty="0"/>
-              <a:t>2MIEIC04_G1</a:t>
-            </a:r>
-          </a:p>
-        </p:txBody>
-      </p:sp>
-      <p:sp>
-        <p:nvSpPr>
-          <p:cNvPr id="6" name="Marcador de Posição do Número do Diapositivo 5">
-            <a:extLst>
-              <a:ext uri="{FF2B5EF4-FFF2-40B4-BE49-F238E27FC236}">
-                <a16:creationId xmlns:a16="http://schemas.microsoft.com/office/drawing/2014/main" id="{98D93093-7413-457A-B787-19C4B19AA2B9}"/>
-              </a:ext>
-            </a:extLst>
-          </p:cNvPr>
-          <p:cNvSpPr>
-            <a:spLocks noGrp="1"/>
-          </p:cNvSpPr>
-          <p:nvPr>
-            <p:ph type="sldNum" sz="quarter" idx="12"/>
-          </p:nvPr>
-        </p:nvSpPr>
-        <p:spPr/>
-        <p:txBody>
-          <a:bodyPr/>
-          <a:lstStyle/>
-          <a:p>
-            <a:fld id="{75DB3F52-068C-4339-9FA6-06F9AAEB3337}" type="slidenum">
-              <a:rPr lang="en-GB" sz="2400"/>
-              <a:t>17</a:t>
             </a:fld>
             <a:endParaRPr lang="en-GB" sz="2400" dirty="0"/>
           </a:p>
@@ -9671,7 +9082,7 @@
         <p:spPr>
           <a:xfrm>
             <a:off x="1190495" y="1841033"/>
-            <a:ext cx="9871969" cy="4247317"/>
+            <a:ext cx="9871969" cy="3693319"/>
           </a:xfrm>
           <a:prstGeom prst="rect">
             <a:avLst/>
@@ -9833,7 +9244,23 @@
             </a:pPr>
             <a:r>
               <a:rPr lang="pt-PT" dirty="0"/>
-              <a:t>Modificou-se a maneira como se guardam os </a:t>
+              <a:t>Os </a:t>
+            </a:r>
+            <a:r>
+              <a:rPr lang="pt-PT" dirty="0" err="1"/>
+              <a:t>viewers</a:t>
+            </a:r>
+            <a:r>
+              <a:rPr lang="pt-PT" dirty="0"/>
+              <a:t> e </a:t>
+            </a:r>
+            <a:r>
+              <a:rPr lang="pt-PT" dirty="0" err="1"/>
+              <a:t>admins</a:t>
+            </a:r>
+            <a:r>
+              <a:rPr lang="pt-PT" dirty="0"/>
+              <a:t> permaneceram no mapa e os </a:t>
             </a:r>
             <a:r>
               <a:rPr lang="pt-PT" dirty="0" err="1"/>
@@ -9841,30 +9268,6 @@
             </a:r>
             <a:r>
               <a:rPr lang="pt-PT" dirty="0"/>
-              <a:t>. Os </a:t>
-            </a:r>
-            <a:r>
-              <a:rPr lang="pt-PT" dirty="0" err="1"/>
-              <a:t>viewers</a:t>
-            </a:r>
-            <a:r>
-              <a:rPr lang="pt-PT" dirty="0"/>
-              <a:t> e </a:t>
-            </a:r>
-            <a:r>
-              <a:rPr lang="pt-PT" dirty="0" err="1"/>
-              <a:t>admins</a:t>
-            </a:r>
-            <a:r>
-              <a:rPr lang="pt-PT" dirty="0"/>
-              <a:t> permaneceram no mapa e os </a:t>
-            </a:r>
-            <a:r>
-              <a:rPr lang="pt-PT" dirty="0" err="1"/>
-              <a:t>streamers</a:t>
-            </a:r>
-            <a:r>
-              <a:rPr lang="pt-PT" dirty="0"/>
               <a:t> foram movidos para um </a:t>
             </a:r>
             <a:r>
@@ -9873,47 +9276,7 @@
             </a:r>
             <a:r>
               <a:rPr lang="pt-PT" dirty="0"/>
-              <a:t>. Para ir buscar informação de um </a:t>
-            </a:r>
-            <a:r>
-              <a:rPr lang="pt-PT" dirty="0" err="1"/>
-              <a:t>streamer</a:t>
-            </a:r>
-            <a:r>
-              <a:rPr lang="pt-PT" dirty="0"/>
-              <a:t>, basta saber o </a:t>
-            </a:r>
-            <a:r>
-              <a:rPr lang="pt-PT" dirty="0" err="1"/>
-              <a:t>nick</a:t>
-            </a:r>
-            <a:r>
-              <a:rPr lang="pt-PT" dirty="0"/>
-              <a:t>, visto que a sua função de </a:t>
-            </a:r>
-            <a:r>
-              <a:rPr lang="pt-PT" dirty="0" err="1"/>
-              <a:t>hash</a:t>
-            </a:r>
-            <a:r>
-              <a:rPr lang="pt-PT" dirty="0"/>
-              <a:t> incide apenas sobre o </a:t>
-            </a:r>
-            <a:r>
-              <a:rPr lang="pt-PT" dirty="0" err="1"/>
-              <a:t>nickname</a:t>
-            </a:r>
-            <a:r>
-              <a:rPr lang="pt-PT" dirty="0"/>
-              <a:t>. Foi usada esta maneira visto que todos as relações entre classes já estava baseada nesse </a:t>
-            </a:r>
-            <a:r>
-              <a:rPr lang="pt-PT" dirty="0" err="1"/>
-              <a:t>nickname</a:t>
-            </a:r>
-            <a:r>
-              <a:rPr lang="pt-PT" dirty="0"/>
-              <a:t>.</a:t>
+              <a:t>. </a:t>
             </a:r>
           </a:p>
           <a:p>
@@ -9926,7 +9289,52 @@
             </a:pPr>
             <a:r>
               <a:rPr lang="pt-PT" dirty="0"/>
-              <a:t>Foi alterada a função </a:t>
+              <a:t>Para ir buscar informação de um </a:t>
+            </a:r>
+            <a:r>
+              <a:rPr lang="pt-PT" dirty="0" err="1"/>
+              <a:t>streamer</a:t>
+            </a:r>
+            <a:r>
+              <a:rPr lang="pt-PT" dirty="0"/>
+              <a:t>, basta saber o </a:t>
+            </a:r>
+            <a:r>
+              <a:rPr lang="pt-PT" dirty="0" err="1"/>
+              <a:t>nick</a:t>
+            </a:r>
+            <a:r>
+              <a:rPr lang="pt-PT" dirty="0"/>
+              <a:t>, visto que a sua função de </a:t>
+            </a:r>
+            <a:r>
+              <a:rPr lang="pt-PT" dirty="0" err="1"/>
+              <a:t>hash</a:t>
+            </a:r>
+            <a:r>
+              <a:rPr lang="pt-PT" dirty="0"/>
+              <a:t> incide apenas sobre o </a:t>
+            </a:r>
+            <a:r>
+              <a:rPr lang="pt-PT" dirty="0" err="1"/>
+              <a:t>nickname</a:t>
+            </a:r>
+            <a:r>
+              <a:rPr lang="pt-PT" dirty="0"/>
+              <a:t>. </a:t>
+            </a:r>
+          </a:p>
+          <a:p>
+            <a:pPr marL="285750" indent="-285750">
+              <a:buClr>
+                <a:srgbClr val="C00000"/>
+              </a:buClr>
+              <a:buFont typeface="Arial" panose="020B0604020202020204" pitchFamily="34" charset="0"/>
+              <a:buChar char="•"/>
+            </a:pPr>
+            <a:r>
+              <a:rPr lang="pt-PT" dirty="0"/>
+              <a:t>Relativamente a acesso/criação de dados, apenas foram alteradas as funções de mais baixo nível, como </a:t>
             </a:r>
             <a:r>
               <a:rPr lang="pt-PT" dirty="0" err="1"/>
@@ -9934,31 +9342,15 @@
             </a:r>
             <a:r>
               <a:rPr lang="pt-PT" dirty="0"/>
-              <a:t>(). Caso o tipo de utilizador fosse um </a:t>
+              <a:t> e </a:t>
             </a:r>
             <a:r>
               <a:rPr lang="pt-PT" dirty="0" err="1"/>
-              <a:t>streamer</a:t>
+              <a:t>createStreamer</a:t>
             </a:r>
             <a:r>
               <a:rPr lang="pt-PT" dirty="0"/>
-              <a:t>, ia procurar no </a:t>
-            </a:r>
-            <a:r>
-              <a:rPr lang="pt-PT" dirty="0" err="1"/>
-              <a:t>unordered_set</a:t>
-            </a:r>
-            <a:r>
-              <a:rPr lang="pt-PT" dirty="0"/>
-              <a:t>. Também foi necessário modificar a função de criar novos </a:t>
-            </a:r>
-            <a:r>
-              <a:rPr lang="pt-PT" dirty="0" err="1"/>
-              <a:t>streamers</a:t>
-            </a:r>
-            <a:r>
-              <a:rPr lang="pt-PT" dirty="0"/>
-              <a:t>, para que estes fossem adicionados ao set e não ao mapa. Apenas foram alteradas as funções de mais baixo nível.</a:t>
+              <a:t>.</a:t>
             </a:r>
           </a:p>
         </p:txBody>
@@ -10645,7 +10037,7 @@
         <p:spPr>
           <a:xfrm>
             <a:off x="1159430" y="2116816"/>
-            <a:ext cx="10115203" cy="400110"/>
+            <a:ext cx="10115203" cy="707886"/>
           </a:xfrm>
           <a:prstGeom prst="rect">
             <a:avLst/>
@@ -10667,7 +10059,15 @@
             </a:pPr>
             <a:r>
               <a:rPr lang="pt-PT" sz="2000" dirty="0"/>
-              <a:t>Merchandising: Foi definido um operador de menor e métodos de inserção e remoção.</a:t>
+              <a:t>Merchandising: Foi definido um operador de menor e métodos de inserção, remoção, e de despachar </a:t>
+            </a:r>
+            <a:r>
+              <a:rPr lang="pt-PT" sz="2000" dirty="0" err="1"/>
+              <a:t>orders</a:t>
+            </a:r>
+            <a:r>
+              <a:rPr lang="pt-PT" sz="2000" dirty="0"/>
+              <a:t>.</a:t>
             </a:r>
             <a:endParaRPr lang="en-GB" dirty="0"/>
           </a:p>
@@ -10808,12 +10208,84 @@
           </a:prstGeom>
         </p:spPr>
       </p:pic>
+      <p:sp>
+        <p:nvSpPr>
+          <p:cNvPr id="18" name="CaixaDeTexto 32">
+            <a:extLst>
+              <a:ext uri="{FF2B5EF4-FFF2-40B4-BE49-F238E27FC236}">
+                <a16:creationId xmlns:a16="http://schemas.microsoft.com/office/drawing/2014/main" id="{7280826B-F8F0-4B83-AFB1-041EA9848445}"/>
+              </a:ext>
+            </a:extLst>
+          </p:cNvPr>
+          <p:cNvSpPr txBox="1"/>
+          <p:nvPr/>
+        </p:nvSpPr>
+        <p:spPr>
+          <a:xfrm>
+            <a:off x="4669992" y="5040896"/>
+            <a:ext cx="1156883" cy="338554"/>
+          </a:xfrm>
+          <a:prstGeom prst="rect">
+            <a:avLst/>
+          </a:prstGeom>
+          <a:noFill/>
+        </p:spPr>
+        <p:txBody>
+          <a:bodyPr wrap="square" rtlCol="0">
+            <a:spAutoFit/>
+          </a:bodyPr>
+          <a:lstStyle/>
+          <a:p>
+            <a:r>
+              <a:rPr lang="pt-PT" sz="1600" dirty="0" err="1"/>
+              <a:t>Streamer.h</a:t>
+            </a:r>
+            <a:endParaRPr lang="en-GB" sz="1600" dirty="0"/>
+          </a:p>
+        </p:txBody>
+      </p:sp>
+      <p:sp>
+        <p:nvSpPr>
+          <p:cNvPr id="24" name="CaixaDeTexto 32">
+            <a:extLst>
+              <a:ext uri="{FF2B5EF4-FFF2-40B4-BE49-F238E27FC236}">
+                <a16:creationId xmlns:a16="http://schemas.microsoft.com/office/drawing/2014/main" id="{C6EEEBF4-583F-4346-95B2-E41FA73D9158}"/>
+              </a:ext>
+            </a:extLst>
+          </p:cNvPr>
+          <p:cNvSpPr txBox="1"/>
+          <p:nvPr/>
+        </p:nvSpPr>
+        <p:spPr>
+          <a:xfrm>
+            <a:off x="10556470" y="4851787"/>
+            <a:ext cx="1302520" cy="338554"/>
+          </a:xfrm>
+          <a:prstGeom prst="rect">
+            <a:avLst/>
+          </a:prstGeom>
+          <a:noFill/>
+        </p:spPr>
+        <p:txBody>
+          <a:bodyPr wrap="square" rtlCol="0">
+            <a:spAutoFit/>
+          </a:bodyPr>
+          <a:lstStyle/>
+          <a:p>
+            <a:r>
+              <a:rPr lang="pt-PT" sz="1600" dirty="0"/>
+              <a:t>Streamer.cpp</a:t>
+            </a:r>
+            <a:endParaRPr lang="en-GB" sz="1600" dirty="0"/>
+          </a:p>
+        </p:txBody>
+      </p:sp>
       <p:pic>
         <p:nvPicPr>
-          <p:cNvPr id="6" name="Picture 5">
-            <a:extLst>
-              <a:ext uri="{FF2B5EF4-FFF2-40B4-BE49-F238E27FC236}">
-                <a16:creationId xmlns:a16="http://schemas.microsoft.com/office/drawing/2014/main" id="{6918CA49-6E04-463A-A468-D695F97C3FFE}"/>
+          <p:cNvPr id="14" name="Picture 13">
+            <a:extLst>
+              <a:ext uri="{FF2B5EF4-FFF2-40B4-BE49-F238E27FC236}">
+                <a16:creationId xmlns:a16="http://schemas.microsoft.com/office/drawing/2014/main" id="{A209F4C8-5816-4CC9-928C-D307C9FBDDCB}"/>
               </a:ext>
             </a:extLst>
           </p:cNvPr>
@@ -10830,92 +10302,20 @@
         </p:blipFill>
         <p:spPr>
           <a:xfrm>
-            <a:off x="798146" y="3188117"/>
-            <a:ext cx="4998720" cy="1876352"/>
+            <a:off x="5852135" y="3328678"/>
+            <a:ext cx="5931258" cy="1523108"/>
           </a:xfrm>
           <a:prstGeom prst="rect">
             <a:avLst/>
           </a:prstGeom>
         </p:spPr>
       </p:pic>
-      <p:sp>
-        <p:nvSpPr>
-          <p:cNvPr id="18" name="CaixaDeTexto 32">
-            <a:extLst>
-              <a:ext uri="{FF2B5EF4-FFF2-40B4-BE49-F238E27FC236}">
-                <a16:creationId xmlns:a16="http://schemas.microsoft.com/office/drawing/2014/main" id="{7280826B-F8F0-4B83-AFB1-041EA9848445}"/>
-              </a:ext>
-            </a:extLst>
-          </p:cNvPr>
-          <p:cNvSpPr txBox="1"/>
-          <p:nvPr/>
-        </p:nvSpPr>
-        <p:spPr>
-          <a:xfrm>
-            <a:off x="4695252" y="5041462"/>
-            <a:ext cx="1156883" cy="338554"/>
-          </a:xfrm>
-          <a:prstGeom prst="rect">
-            <a:avLst/>
-          </a:prstGeom>
-          <a:noFill/>
-        </p:spPr>
-        <p:txBody>
-          <a:bodyPr wrap="square" rtlCol="0">
-            <a:spAutoFit/>
-          </a:bodyPr>
-          <a:lstStyle/>
-          <a:p>
-            <a:r>
-              <a:rPr lang="pt-PT" sz="1600" dirty="0" err="1"/>
-              <a:t>Streamer.h</a:t>
-            </a:r>
-            <a:endParaRPr lang="en-GB" sz="1600" dirty="0"/>
-          </a:p>
-        </p:txBody>
-      </p:sp>
-      <p:sp>
-        <p:nvSpPr>
-          <p:cNvPr id="24" name="CaixaDeTexto 32">
-            <a:extLst>
-              <a:ext uri="{FF2B5EF4-FFF2-40B4-BE49-F238E27FC236}">
-                <a16:creationId xmlns:a16="http://schemas.microsoft.com/office/drawing/2014/main" id="{C6EEEBF4-583F-4346-95B2-E41FA73D9158}"/>
-              </a:ext>
-            </a:extLst>
-          </p:cNvPr>
-          <p:cNvSpPr txBox="1"/>
-          <p:nvPr/>
-        </p:nvSpPr>
-        <p:spPr>
-          <a:xfrm>
-            <a:off x="10556470" y="4851787"/>
-            <a:ext cx="1302520" cy="338554"/>
-          </a:xfrm>
-          <a:prstGeom prst="rect">
-            <a:avLst/>
-          </a:prstGeom>
-          <a:noFill/>
-        </p:spPr>
-        <p:txBody>
-          <a:bodyPr wrap="square" rtlCol="0">
-            <a:spAutoFit/>
-          </a:bodyPr>
-          <a:lstStyle/>
-          <a:p>
-            <a:r>
-              <a:rPr lang="pt-PT" sz="1600" dirty="0"/>
-              <a:t>Streamer.cpp</a:t>
-            </a:r>
-            <a:endParaRPr lang="en-GB" sz="1600" dirty="0"/>
-          </a:p>
-        </p:txBody>
-      </p:sp>
       <p:pic>
         <p:nvPicPr>
-          <p:cNvPr id="14" name="Picture 13">
-            <a:extLst>
-              <a:ext uri="{FF2B5EF4-FFF2-40B4-BE49-F238E27FC236}">
-                <a16:creationId xmlns:a16="http://schemas.microsoft.com/office/drawing/2014/main" id="{A209F4C8-5816-4CC9-928C-D307C9FBDDCB}"/>
+          <p:cNvPr id="5" name="Picture 4">
+            <a:extLst>
+              <a:ext uri="{FF2B5EF4-FFF2-40B4-BE49-F238E27FC236}">
+                <a16:creationId xmlns:a16="http://schemas.microsoft.com/office/drawing/2014/main" id="{6BD8EA93-BDB1-48DE-A834-CB02D53A9C16}"/>
               </a:ext>
             </a:extLst>
           </p:cNvPr>
@@ -10932,8 +10332,8 @@
         </p:blipFill>
         <p:spPr>
           <a:xfrm>
-            <a:off x="5863276" y="3351686"/>
-            <a:ext cx="5931258" cy="1523108"/>
+            <a:off x="1032656" y="3328678"/>
+            <a:ext cx="4657930" cy="1561128"/>
           </a:xfrm>
           <a:prstGeom prst="rect">
             <a:avLst/>
@@ -10992,7 +10392,7 @@
         </p:blipFill>
         <p:spPr>
           <a:xfrm>
-            <a:off x="4722388" y="3703197"/>
+            <a:off x="2516413" y="3708901"/>
             <a:ext cx="2339543" cy="1417443"/>
           </a:xfrm>
           <a:prstGeom prst="rect">
@@ -11094,19 +10494,7 @@
                 </a:solidFill>
                 <a:latin typeface="Bahnschrift SemiLight" panose="020B0502040204020203" pitchFamily="34" charset="0"/>
               </a:rPr>
-              <a:t>Ficheiros - </a:t>
-            </a:r>
-            <a:r>
-              <a:rPr lang="pt-PT" sz="6600" dirty="0" err="1">
-                <a:solidFill>
-                  <a:schemeClr val="tx1">
-                    <a:lumMod val="85000"/>
-                    <a:lumOff val="15000"/>
-                  </a:schemeClr>
-                </a:solidFill>
-                <a:latin typeface="Bahnschrift SemiLight" panose="020B0502040204020203" pitchFamily="34" charset="0"/>
-              </a:rPr>
-              <a:t>Donations</a:t>
+              <a:t>Ficheiros</a:t>
             </a:r>
             <a:endParaRPr lang="en-GB" sz="6600" dirty="0">
               <a:solidFill>
@@ -11174,14 +10562,13 @@
           </p:cNvPr>
           <p:cNvCxnSpPr>
             <a:cxnSpLocks/>
-            <a:stCxn id="40" idx="0"/>
             <a:endCxn id="18" idx="2"/>
           </p:cNvCxnSpPr>
           <p:nvPr/>
         </p:nvCxnSpPr>
         <p:spPr>
           <a:xfrm flipH="1" flipV="1">
-            <a:off x="3946200" y="2797214"/>
+            <a:off x="1740225" y="2802918"/>
             <a:ext cx="1156628" cy="911687"/>
           </a:xfrm>
           <a:prstGeom prst="straightConnector1">
@@ -11223,7 +10610,7 @@
         </p:nvSpPr>
         <p:spPr>
           <a:xfrm>
-            <a:off x="3062933" y="2397104"/>
+            <a:off x="856958" y="2402808"/>
             <a:ext cx="1766533" cy="400110"/>
           </a:xfrm>
           <a:prstGeom prst="rect">
@@ -11265,14 +10652,13 @@
           </p:cNvPr>
           <p:cNvCxnSpPr>
             <a:cxnSpLocks/>
-            <a:stCxn id="43" idx="0"/>
             <a:endCxn id="24" idx="2"/>
           </p:cNvCxnSpPr>
           <p:nvPr/>
         </p:nvCxnSpPr>
         <p:spPr>
           <a:xfrm flipV="1">
-            <a:off x="5787446" y="3032818"/>
+            <a:off x="3581471" y="3038522"/>
             <a:ext cx="128202" cy="686165"/>
           </a:xfrm>
           <a:prstGeom prst="straightConnector1">
@@ -11314,7 +10700,7 @@
         </p:nvSpPr>
         <p:spPr>
           <a:xfrm>
-            <a:off x="5235187" y="2324932"/>
+            <a:off x="3029212" y="2330636"/>
             <a:ext cx="1360922" cy="707886"/>
           </a:xfrm>
           <a:prstGeom prst="rect">
@@ -11356,14 +10742,13 @@
           </p:cNvPr>
           <p:cNvCxnSpPr>
             <a:cxnSpLocks/>
-            <a:stCxn id="45" idx="0"/>
             <a:endCxn id="28" idx="2"/>
           </p:cNvCxnSpPr>
           <p:nvPr/>
         </p:nvCxnSpPr>
         <p:spPr>
           <a:xfrm flipV="1">
-            <a:off x="6161116" y="2803889"/>
+            <a:off x="3955141" y="2809593"/>
             <a:ext cx="1245489" cy="913890"/>
           </a:xfrm>
           <a:prstGeom prst="straightConnector1">
@@ -11405,7 +10790,7 @@
         </p:nvSpPr>
         <p:spPr>
           <a:xfrm>
-            <a:off x="6776325" y="2434557"/>
+            <a:off x="4570350" y="2440261"/>
             <a:ext cx="1260559" cy="369332"/>
           </a:xfrm>
           <a:prstGeom prst="rect">
@@ -11477,7 +10862,7 @@
         </p:nvSpPr>
         <p:spPr>
           <a:xfrm>
-            <a:off x="4704243" y="3708901"/>
+            <a:off x="2513892" y="3708900"/>
             <a:ext cx="797169" cy="180425"/>
           </a:xfrm>
           <a:prstGeom prst="ellipse">
@@ -11531,7 +10916,7 @@
         </p:nvSpPr>
         <p:spPr>
           <a:xfrm>
-            <a:off x="5650580" y="3718983"/>
+            <a:off x="3440868" y="3708900"/>
             <a:ext cx="273732" cy="180427"/>
           </a:xfrm>
           <a:prstGeom prst="ellipse">
@@ -11585,7 +10970,7 @@
         </p:nvSpPr>
         <p:spPr>
           <a:xfrm>
-            <a:off x="6082358" y="3717779"/>
+            <a:off x="3889474" y="3708900"/>
             <a:ext cx="157516" cy="180425"/>
           </a:xfrm>
           <a:prstGeom prst="ellipse">
@@ -11622,6 +11007,475 @@
           <a:p>
             <a:pPr algn="ctr"/>
             <a:endParaRPr lang="en-GB"/>
+          </a:p>
+        </p:txBody>
+      </p:sp>
+      <p:pic>
+        <p:nvPicPr>
+          <p:cNvPr id="35" name="Imagem 2">
+            <a:extLst>
+              <a:ext uri="{FF2B5EF4-FFF2-40B4-BE49-F238E27FC236}">
+                <a16:creationId xmlns:a16="http://schemas.microsoft.com/office/drawing/2014/main" id="{0B948A1D-C087-41E2-A517-46E9819D52DF}"/>
+              </a:ext>
+            </a:extLst>
+          </p:cNvPr>
+          <p:cNvPicPr>
+            <a:picLocks noChangeAspect="1"/>
+          </p:cNvPicPr>
+          <p:nvPr/>
+        </p:nvPicPr>
+        <p:blipFill>
+          <a:blip r:embed="rId4">
+            <a:extLst>
+              <a:ext uri="{28A0092B-C50C-407E-A947-70E740481C1C}">
+                <a14:useLocalDpi xmlns:a14="http://schemas.microsoft.com/office/drawing/2010/main" val="0"/>
+              </a:ext>
+            </a:extLst>
+          </a:blip>
+          <a:srcRect/>
+          <a:stretch/>
+        </p:blipFill>
+        <p:spPr>
+          <a:xfrm>
+            <a:off x="7156230" y="4445691"/>
+            <a:ext cx="2339543" cy="624356"/>
+          </a:xfrm>
+          <a:prstGeom prst="rect">
+            <a:avLst/>
+          </a:prstGeom>
+        </p:spPr>
+      </p:pic>
+      <p:cxnSp>
+        <p:nvCxnSpPr>
+          <p:cNvPr id="36" name="Conexão reta unidirecional 16">
+            <a:extLst>
+              <a:ext uri="{FF2B5EF4-FFF2-40B4-BE49-F238E27FC236}">
+                <a16:creationId xmlns:a16="http://schemas.microsoft.com/office/drawing/2014/main" id="{0D656A69-7B80-4731-9E2A-83E4CFBAE249}"/>
+              </a:ext>
+            </a:extLst>
+          </p:cNvPr>
+          <p:cNvCxnSpPr>
+            <a:cxnSpLocks/>
+            <a:endCxn id="37" idx="2"/>
+          </p:cNvCxnSpPr>
+          <p:nvPr/>
+        </p:nvCxnSpPr>
+        <p:spPr>
+          <a:xfrm flipH="1" flipV="1">
+            <a:off x="6420658" y="3923829"/>
+            <a:ext cx="733674" cy="519435"/>
+          </a:xfrm>
+          <a:prstGeom prst="straightConnector1">
+            <a:avLst/>
+          </a:prstGeom>
+          <a:ln>
+            <a:solidFill>
+              <a:srgbClr val="8C2D19"/>
+            </a:solidFill>
+            <a:tailEnd type="triangle"/>
+          </a:ln>
+        </p:spPr>
+        <p:style>
+          <a:lnRef idx="3">
+            <a:schemeClr val="dk1"/>
+          </a:lnRef>
+          <a:fillRef idx="0">
+            <a:schemeClr val="dk1"/>
+          </a:fillRef>
+          <a:effectRef idx="2">
+            <a:schemeClr val="dk1"/>
+          </a:effectRef>
+          <a:fontRef idx="minor">
+            <a:schemeClr val="tx1"/>
+          </a:fontRef>
+        </p:style>
+      </p:cxnSp>
+      <p:sp>
+        <p:nvSpPr>
+          <p:cNvPr id="37" name="CaixaDeTexto 17">
+            <a:extLst>
+              <a:ext uri="{FF2B5EF4-FFF2-40B4-BE49-F238E27FC236}">
+                <a16:creationId xmlns:a16="http://schemas.microsoft.com/office/drawing/2014/main" id="{6F21E562-FB1C-4085-96DC-BC2A49A0AFE0}"/>
+              </a:ext>
+            </a:extLst>
+          </p:cNvPr>
+          <p:cNvSpPr txBox="1"/>
+          <p:nvPr/>
+        </p:nvSpPr>
+        <p:spPr>
+          <a:xfrm>
+            <a:off x="5257745" y="3215943"/>
+            <a:ext cx="2325826" cy="707886"/>
+          </a:xfrm>
+          <a:prstGeom prst="rect">
+            <a:avLst/>
+          </a:prstGeom>
+          <a:noFill/>
+        </p:spPr>
+        <p:txBody>
+          <a:bodyPr wrap="square" rtlCol="0">
+            <a:spAutoFit/>
+          </a:bodyPr>
+          <a:lstStyle/>
+          <a:p>
+            <a:pPr algn="ctr"/>
+            <a:r>
+              <a:rPr lang="pt-PT" sz="2000" dirty="0"/>
+              <a:t>Máximo de ordens por streamer</a:t>
+            </a:r>
+            <a:endParaRPr lang="en-GB" sz="2000" dirty="0"/>
+          </a:p>
+        </p:txBody>
+      </p:sp>
+      <p:cxnSp>
+        <p:nvCxnSpPr>
+          <p:cNvPr id="38" name="Conexão reta unidirecional 22">
+            <a:extLst>
+              <a:ext uri="{FF2B5EF4-FFF2-40B4-BE49-F238E27FC236}">
+                <a16:creationId xmlns:a16="http://schemas.microsoft.com/office/drawing/2014/main" id="{7B6B30D5-C7A4-467D-AA6A-C0B31FF75F40}"/>
+              </a:ext>
+            </a:extLst>
+          </p:cNvPr>
+          <p:cNvCxnSpPr>
+            <a:cxnSpLocks/>
+            <a:endCxn id="39" idx="2"/>
+          </p:cNvCxnSpPr>
+          <p:nvPr/>
+        </p:nvCxnSpPr>
+        <p:spPr>
+          <a:xfrm flipH="1" flipV="1">
+            <a:off x="8089442" y="3378769"/>
+            <a:ext cx="177871" cy="1226281"/>
+          </a:xfrm>
+          <a:prstGeom prst="straightConnector1">
+            <a:avLst/>
+          </a:prstGeom>
+          <a:ln>
+            <a:solidFill>
+              <a:srgbClr val="8C2D19"/>
+            </a:solidFill>
+            <a:tailEnd type="triangle"/>
+          </a:ln>
+        </p:spPr>
+        <p:style>
+          <a:lnRef idx="3">
+            <a:schemeClr val="dk1"/>
+          </a:lnRef>
+          <a:fillRef idx="0">
+            <a:schemeClr val="dk1"/>
+          </a:fillRef>
+          <a:effectRef idx="2">
+            <a:schemeClr val="dk1"/>
+          </a:effectRef>
+          <a:fontRef idx="minor">
+            <a:schemeClr val="tx1"/>
+          </a:fontRef>
+        </p:style>
+      </p:cxnSp>
+      <p:sp>
+        <p:nvSpPr>
+          <p:cNvPr id="39" name="CaixaDeTexto 23">
+            <a:extLst>
+              <a:ext uri="{FF2B5EF4-FFF2-40B4-BE49-F238E27FC236}">
+                <a16:creationId xmlns:a16="http://schemas.microsoft.com/office/drawing/2014/main" id="{39D25589-AE24-416C-8E99-765A53F10EE9}"/>
+              </a:ext>
+            </a:extLst>
+          </p:cNvPr>
+          <p:cNvSpPr txBox="1"/>
+          <p:nvPr/>
+        </p:nvSpPr>
+        <p:spPr>
+          <a:xfrm>
+            <a:off x="7405337" y="2670883"/>
+            <a:ext cx="1368209" cy="707886"/>
+          </a:xfrm>
+          <a:prstGeom prst="rect">
+            <a:avLst/>
+          </a:prstGeom>
+          <a:noFill/>
+        </p:spPr>
+        <p:txBody>
+          <a:bodyPr wrap="square" rtlCol="0">
+            <a:spAutoFit/>
+          </a:bodyPr>
+          <a:lstStyle/>
+          <a:p>
+            <a:pPr algn="ctr"/>
+            <a:r>
+              <a:rPr lang="pt-PT" sz="2000" dirty="0"/>
+              <a:t>Nome do </a:t>
+            </a:r>
+            <a:r>
+              <a:rPr lang="en-GB" sz="2000" dirty="0"/>
+              <a:t>viewer</a:t>
+            </a:r>
+            <a:endParaRPr lang="pt-PT" sz="2000" dirty="0"/>
+          </a:p>
+        </p:txBody>
+      </p:sp>
+      <p:cxnSp>
+        <p:nvCxnSpPr>
+          <p:cNvPr id="41" name="Conexão reta unidirecional 26">
+            <a:extLst>
+              <a:ext uri="{FF2B5EF4-FFF2-40B4-BE49-F238E27FC236}">
+                <a16:creationId xmlns:a16="http://schemas.microsoft.com/office/drawing/2014/main" id="{ED45EB50-D589-44B8-8018-8DC43412260F}"/>
+              </a:ext>
+            </a:extLst>
+          </p:cNvPr>
+          <p:cNvCxnSpPr>
+            <a:cxnSpLocks/>
+            <a:endCxn id="42" idx="2"/>
+          </p:cNvCxnSpPr>
+          <p:nvPr/>
+        </p:nvCxnSpPr>
+        <p:spPr>
+          <a:xfrm flipV="1">
+            <a:off x="8758305" y="3488394"/>
+            <a:ext cx="1318194" cy="1097925"/>
+          </a:xfrm>
+          <a:prstGeom prst="straightConnector1">
+            <a:avLst/>
+          </a:prstGeom>
+          <a:ln>
+            <a:solidFill>
+              <a:srgbClr val="8C2D19"/>
+            </a:solidFill>
+            <a:tailEnd type="triangle"/>
+          </a:ln>
+        </p:spPr>
+        <p:style>
+          <a:lnRef idx="3">
+            <a:schemeClr val="dk1"/>
+          </a:lnRef>
+          <a:fillRef idx="0">
+            <a:schemeClr val="dk1"/>
+          </a:fillRef>
+          <a:effectRef idx="2">
+            <a:schemeClr val="dk1"/>
+          </a:effectRef>
+          <a:fontRef idx="minor">
+            <a:schemeClr val="tx1"/>
+          </a:fontRef>
+        </p:style>
+      </p:cxnSp>
+      <p:sp>
+        <p:nvSpPr>
+          <p:cNvPr id="42" name="CaixaDeTexto 27">
+            <a:extLst>
+              <a:ext uri="{FF2B5EF4-FFF2-40B4-BE49-F238E27FC236}">
+                <a16:creationId xmlns:a16="http://schemas.microsoft.com/office/drawing/2014/main" id="{037A2465-59DB-4D38-B0B4-98F5FB471BA8}"/>
+              </a:ext>
+            </a:extLst>
+          </p:cNvPr>
+          <p:cNvSpPr txBox="1"/>
+          <p:nvPr/>
+        </p:nvSpPr>
+        <p:spPr>
+          <a:xfrm>
+            <a:off x="9210167" y="2780508"/>
+            <a:ext cx="1732664" cy="707886"/>
+          </a:xfrm>
+          <a:prstGeom prst="rect">
+            <a:avLst/>
+          </a:prstGeom>
+          <a:noFill/>
+        </p:spPr>
+        <p:txBody>
+          <a:bodyPr wrap="square" rtlCol="0">
+            <a:spAutoFit/>
+          </a:bodyPr>
+          <a:lstStyle/>
+          <a:p>
+            <a:pPr algn="ctr"/>
+            <a:r>
+              <a:rPr lang="en-GB" sz="2000" dirty="0" err="1"/>
+              <a:t>Quantidade</a:t>
+            </a:r>
+            <a:r>
+              <a:rPr lang="en-GB" sz="2000" dirty="0"/>
+              <a:t> </a:t>
+            </a:r>
+            <a:r>
+              <a:rPr lang="en-GB" sz="2000" dirty="0" err="1"/>
+              <a:t>comprada</a:t>
+            </a:r>
+            <a:endParaRPr lang="en-GB" sz="2000" dirty="0"/>
+          </a:p>
+        </p:txBody>
+      </p:sp>
+      <p:cxnSp>
+        <p:nvCxnSpPr>
+          <p:cNvPr id="44" name="Conexão reta unidirecional 22">
+            <a:extLst>
+              <a:ext uri="{FF2B5EF4-FFF2-40B4-BE49-F238E27FC236}">
+                <a16:creationId xmlns:a16="http://schemas.microsoft.com/office/drawing/2014/main" id="{43623247-749E-48C0-A2C1-932E274D988B}"/>
+              </a:ext>
+            </a:extLst>
+          </p:cNvPr>
+          <p:cNvCxnSpPr>
+            <a:cxnSpLocks/>
+            <a:endCxn id="46" idx="3"/>
+          </p:cNvCxnSpPr>
+          <p:nvPr/>
+        </p:nvCxnSpPr>
+        <p:spPr>
+          <a:xfrm flipH="1">
+            <a:off x="6514500" y="4963808"/>
+            <a:ext cx="821546" cy="121371"/>
+          </a:xfrm>
+          <a:prstGeom prst="straightConnector1">
+            <a:avLst/>
+          </a:prstGeom>
+          <a:ln>
+            <a:solidFill>
+              <a:srgbClr val="8C2D19"/>
+            </a:solidFill>
+            <a:tailEnd type="triangle"/>
+          </a:ln>
+        </p:spPr>
+        <p:style>
+          <a:lnRef idx="3">
+            <a:schemeClr val="dk1"/>
+          </a:lnRef>
+          <a:fillRef idx="0">
+            <a:schemeClr val="dk1"/>
+          </a:fillRef>
+          <a:effectRef idx="2">
+            <a:schemeClr val="dk1"/>
+          </a:effectRef>
+          <a:fontRef idx="minor">
+            <a:schemeClr val="tx1"/>
+          </a:fontRef>
+        </p:style>
+      </p:cxnSp>
+      <p:sp>
+        <p:nvSpPr>
+          <p:cNvPr id="46" name="CaixaDeTexto 23">
+            <a:extLst>
+              <a:ext uri="{FF2B5EF4-FFF2-40B4-BE49-F238E27FC236}">
+                <a16:creationId xmlns:a16="http://schemas.microsoft.com/office/drawing/2014/main" id="{08F9CA5B-D151-4CE2-A80F-A8F32FE73194}"/>
+              </a:ext>
+            </a:extLst>
+          </p:cNvPr>
+          <p:cNvSpPr txBox="1"/>
+          <p:nvPr/>
+        </p:nvSpPr>
+        <p:spPr>
+          <a:xfrm>
+            <a:off x="5146291" y="4731236"/>
+            <a:ext cx="1368209" cy="707886"/>
+          </a:xfrm>
+          <a:prstGeom prst="rect">
+            <a:avLst/>
+          </a:prstGeom>
+          <a:noFill/>
+        </p:spPr>
+        <p:txBody>
+          <a:bodyPr wrap="square" rtlCol="0">
+            <a:spAutoFit/>
+          </a:bodyPr>
+          <a:lstStyle/>
+          <a:p>
+            <a:pPr algn="ctr"/>
+            <a:r>
+              <a:rPr lang="pt-PT" sz="2000" dirty="0"/>
+              <a:t>Nome do </a:t>
+            </a:r>
+            <a:r>
+              <a:rPr lang="en-GB" sz="2000" dirty="0"/>
+              <a:t>streamer</a:t>
+            </a:r>
+            <a:endParaRPr lang="pt-PT" sz="2000" dirty="0"/>
+          </a:p>
+        </p:txBody>
+      </p:sp>
+      <p:cxnSp>
+        <p:nvCxnSpPr>
+          <p:cNvPr id="47" name="Conexão reta unidirecional 26">
+            <a:extLst>
+              <a:ext uri="{FF2B5EF4-FFF2-40B4-BE49-F238E27FC236}">
+                <a16:creationId xmlns:a16="http://schemas.microsoft.com/office/drawing/2014/main" id="{EFFD302F-F8D7-436D-B4B1-37525F8504E3}"/>
+              </a:ext>
+            </a:extLst>
+          </p:cNvPr>
+          <p:cNvCxnSpPr>
+            <a:cxnSpLocks/>
+            <a:endCxn id="48" idx="1"/>
+          </p:cNvCxnSpPr>
+          <p:nvPr/>
+        </p:nvCxnSpPr>
+        <p:spPr>
+          <a:xfrm flipV="1">
+            <a:off x="9125588" y="4203893"/>
+            <a:ext cx="1043595" cy="434565"/>
+          </a:xfrm>
+          <a:prstGeom prst="straightConnector1">
+            <a:avLst/>
+          </a:prstGeom>
+          <a:ln>
+            <a:solidFill>
+              <a:srgbClr val="8C2D19"/>
+            </a:solidFill>
+            <a:tailEnd type="triangle"/>
+          </a:ln>
+        </p:spPr>
+        <p:style>
+          <a:lnRef idx="3">
+            <a:schemeClr val="dk1"/>
+          </a:lnRef>
+          <a:fillRef idx="0">
+            <a:schemeClr val="dk1"/>
+          </a:fillRef>
+          <a:effectRef idx="2">
+            <a:schemeClr val="dk1"/>
+          </a:effectRef>
+          <a:fontRef idx="minor">
+            <a:schemeClr val="tx1"/>
+          </a:fontRef>
+        </p:style>
+      </p:cxnSp>
+      <p:sp>
+        <p:nvSpPr>
+          <p:cNvPr id="48" name="CaixaDeTexto 27">
+            <a:extLst>
+              <a:ext uri="{FF2B5EF4-FFF2-40B4-BE49-F238E27FC236}">
+                <a16:creationId xmlns:a16="http://schemas.microsoft.com/office/drawing/2014/main" id="{3E940E6F-E3D6-42EC-95F9-5170598F5A56}"/>
+              </a:ext>
+            </a:extLst>
+          </p:cNvPr>
+          <p:cNvSpPr txBox="1"/>
+          <p:nvPr/>
+        </p:nvSpPr>
+        <p:spPr>
+          <a:xfrm>
+            <a:off x="10169183" y="3849950"/>
+            <a:ext cx="2038416" cy="707886"/>
+          </a:xfrm>
+          <a:prstGeom prst="rect">
+            <a:avLst/>
+          </a:prstGeom>
+          <a:noFill/>
+        </p:spPr>
+        <p:txBody>
+          <a:bodyPr wrap="square" rtlCol="0">
+            <a:spAutoFit/>
+          </a:bodyPr>
+          <a:lstStyle/>
+          <a:p>
+            <a:pPr algn="ctr"/>
+            <a:r>
+              <a:rPr lang="en-GB" sz="2000" dirty="0" err="1"/>
+              <a:t>Disponibilidade</a:t>
+            </a:r>
+            <a:r>
+              <a:rPr lang="en-GB" sz="2000" dirty="0"/>
+              <a:t> de </a:t>
+            </a:r>
+            <a:r>
+              <a:rPr lang="en-GB" sz="2000" dirty="0" err="1"/>
+              <a:t>compra</a:t>
+            </a:r>
+            <a:endParaRPr lang="en-GB" sz="2000" dirty="0"/>
           </a:p>
         </p:txBody>
       </p:sp>
@@ -11655,104 +11509,12 @@
           <a:chExt cx="0" cy="0"/>
         </a:xfrm>
       </p:grpSpPr>
-      <p:pic>
-        <p:nvPicPr>
-          <p:cNvPr id="3" name="Imagem 2">
-            <a:extLst>
-              <a:ext uri="{FF2B5EF4-FFF2-40B4-BE49-F238E27FC236}">
-                <a16:creationId xmlns:a16="http://schemas.microsoft.com/office/drawing/2014/main" id="{DD83F974-8F8D-4C83-94F4-34037815363D}"/>
-              </a:ext>
-            </a:extLst>
-          </p:cNvPr>
-          <p:cNvPicPr>
-            <a:picLocks noChangeAspect="1"/>
-          </p:cNvPicPr>
-          <p:nvPr/>
-        </p:nvPicPr>
-        <p:blipFill>
-          <a:blip r:embed="rId2">
-            <a:extLst>
-              <a:ext uri="{28A0092B-C50C-407E-A947-70E740481C1C}">
-                <a14:useLocalDpi xmlns:a14="http://schemas.microsoft.com/office/drawing/2010/main" val="0"/>
-              </a:ext>
-            </a:extLst>
-          </a:blip>
-          <a:srcRect/>
-          <a:stretch/>
-        </p:blipFill>
-        <p:spPr>
-          <a:xfrm>
-            <a:off x="4722388" y="4099740"/>
-            <a:ext cx="2339543" cy="624356"/>
-          </a:xfrm>
-          <a:prstGeom prst="rect">
-            <a:avLst/>
-          </a:prstGeom>
-        </p:spPr>
-      </p:pic>
-      <p:sp>
-        <p:nvSpPr>
-          <p:cNvPr id="4" name="Marcador de Posição do Rodapé 3">
-            <a:extLst>
-              <a:ext uri="{FF2B5EF4-FFF2-40B4-BE49-F238E27FC236}">
-                <a16:creationId xmlns:a16="http://schemas.microsoft.com/office/drawing/2014/main" id="{CD041F31-1926-4481-9649-5381C4152000}"/>
-              </a:ext>
-            </a:extLst>
-          </p:cNvPr>
-          <p:cNvSpPr>
-            <a:spLocks noGrp="1"/>
-          </p:cNvSpPr>
-          <p:nvPr>
-            <p:ph type="ftr" sz="quarter" idx="11"/>
-          </p:nvPr>
-        </p:nvSpPr>
-        <p:spPr/>
-        <p:txBody>
-          <a:bodyPr/>
-          <a:lstStyle/>
-          <a:p>
-            <a:r>
-              <a:rPr lang="en-GB" sz="2400" b="1" dirty="0"/>
-              <a:t>2MIEIC04_G1</a:t>
-            </a:r>
-          </a:p>
-        </p:txBody>
-      </p:sp>
-      <p:sp>
-        <p:nvSpPr>
-          <p:cNvPr id="5" name="Marcador de Posição do Número do Diapositivo 4">
-            <a:extLst>
-              <a:ext uri="{FF2B5EF4-FFF2-40B4-BE49-F238E27FC236}">
-                <a16:creationId xmlns:a16="http://schemas.microsoft.com/office/drawing/2014/main" id="{8B9BD288-16AA-4430-99EE-EC8CA98C718B}"/>
-              </a:ext>
-            </a:extLst>
-          </p:cNvPr>
-          <p:cNvSpPr>
-            <a:spLocks noGrp="1"/>
-          </p:cNvSpPr>
-          <p:nvPr>
-            <p:ph type="sldNum" sz="quarter" idx="12"/>
-          </p:nvPr>
-        </p:nvSpPr>
-        <p:spPr/>
-        <p:txBody>
-          <a:bodyPr/>
-          <a:lstStyle/>
-          <a:p>
-            <a:fld id="{75DB3F52-068C-4339-9FA6-06F9AAEB3337}" type="slidenum">
-              <a:rPr lang="en-GB" sz="2400" smtClean="0"/>
-              <a:t>7</a:t>
-            </a:fld>
-            <a:endParaRPr lang="en-GB" sz="2400" dirty="0"/>
-          </a:p>
-        </p:txBody>
-      </p:sp>
-      <p:sp>
-        <p:nvSpPr>
-          <p:cNvPr id="7" name="Título 1">
-            <a:extLst>
-              <a:ext uri="{FF2B5EF4-FFF2-40B4-BE49-F238E27FC236}">
-                <a16:creationId xmlns:a16="http://schemas.microsoft.com/office/drawing/2014/main" id="{5F639702-E15B-442E-B6E8-202B80E9D05D}"/>
+      <p:sp>
+        <p:nvSpPr>
+          <p:cNvPr id="2" name="Título 1">
+            <a:extLst>
+              <a:ext uri="{FF2B5EF4-FFF2-40B4-BE49-F238E27FC236}">
+                <a16:creationId xmlns:a16="http://schemas.microsoft.com/office/drawing/2014/main" id="{E5F50155-6736-4DD4-81CA-AAC2F3DC7F40}"/>
               </a:ext>
             </a:extLst>
           </p:cNvPr>
@@ -11763,12 +11525,7 @@
             <p:ph type="title"/>
           </p:nvPr>
         </p:nvSpPr>
-        <p:spPr>
-          <a:xfrm>
-            <a:off x="1097280" y="286603"/>
-            <a:ext cx="10058400" cy="1450757"/>
-          </a:xfrm>
-        </p:spPr>
+        <p:spPr/>
         <p:txBody>
           <a:bodyPr/>
           <a:lstStyle/>
@@ -11784,19 +11541,7 @@
                 </a:solidFill>
                 <a:latin typeface="Bahnschrift SemiLight" panose="020B0502040204020203" pitchFamily="34" charset="0"/>
               </a:rPr>
-              <a:t>Ficheiros - </a:t>
-            </a:r>
-            <a:r>
-              <a:rPr lang="pt-PT" sz="6600" dirty="0" err="1">
-                <a:solidFill>
-                  <a:schemeClr val="tx1">
-                    <a:lumMod val="85000"/>
-                    <a:lumOff val="15000"/>
-                  </a:schemeClr>
-                </a:solidFill>
-                <a:latin typeface="Bahnschrift SemiLight" panose="020B0502040204020203" pitchFamily="34" charset="0"/>
-              </a:rPr>
-              <a:t>Orders</a:t>
+              <a:t>Exceções</a:t>
             </a:r>
             <a:endParaRPr lang="en-GB" sz="6600" dirty="0">
               <a:solidFill>
@@ -11812,10 +11557,10 @@
       </p:sp>
       <p:cxnSp>
         <p:nvCxnSpPr>
-          <p:cNvPr id="29" name="Conexão reta 28">
-            <a:extLst>
-              <a:ext uri="{FF2B5EF4-FFF2-40B4-BE49-F238E27FC236}">
-                <a16:creationId xmlns:a16="http://schemas.microsoft.com/office/drawing/2014/main" id="{B89E7E41-9D92-43B4-AFD2-992CDB723359}"/>
+          <p:cNvPr id="5" name="Conexão reta 4">
+            <a:extLst>
+              <a:ext uri="{FF2B5EF4-FFF2-40B4-BE49-F238E27FC236}">
+                <a16:creationId xmlns:a16="http://schemas.microsoft.com/office/drawing/2014/main" id="{B58EAD8D-3885-47BC-929A-D0E531F5DFA6}"/>
               </a:ext>
             </a:extLst>
           </p:cNvPr>
@@ -11853,58 +11598,12 @@
           </a:fontRef>
         </p:style>
       </p:cxnSp>
-      <p:cxnSp>
-        <p:nvCxnSpPr>
-          <p:cNvPr id="17" name="Conexão reta unidirecional 16">
-            <a:extLst>
-              <a:ext uri="{FF2B5EF4-FFF2-40B4-BE49-F238E27FC236}">
-                <a16:creationId xmlns:a16="http://schemas.microsoft.com/office/drawing/2014/main" id="{A591EA11-DC21-435D-9FB0-2D4DFAB26801}"/>
-              </a:ext>
-            </a:extLst>
-          </p:cNvPr>
-          <p:cNvCxnSpPr>
-            <a:cxnSpLocks/>
-            <a:stCxn id="19" idx="0"/>
-            <a:endCxn id="18" idx="2"/>
-          </p:cNvCxnSpPr>
-          <p:nvPr/>
-        </p:nvCxnSpPr>
-        <p:spPr>
-          <a:xfrm flipH="1" flipV="1">
-            <a:off x="3666554" y="3104990"/>
-            <a:ext cx="1121415" cy="994749"/>
-          </a:xfrm>
-          <a:prstGeom prst="straightConnector1">
-            <a:avLst/>
-          </a:prstGeom>
-          <a:ln>
-            <a:solidFill>
-              <a:srgbClr val="8C2D19"/>
-            </a:solidFill>
-            <a:tailEnd type="triangle"/>
-          </a:ln>
-        </p:spPr>
-        <p:style>
-          <a:lnRef idx="3">
-            <a:schemeClr val="dk1"/>
-          </a:lnRef>
-          <a:fillRef idx="0">
-            <a:schemeClr val="dk1"/>
-          </a:fillRef>
-          <a:effectRef idx="2">
-            <a:schemeClr val="dk1"/>
-          </a:effectRef>
-          <a:fontRef idx="minor">
-            <a:schemeClr val="tx1"/>
-          </a:fontRef>
-        </p:style>
-      </p:cxnSp>
-      <p:sp>
-        <p:nvSpPr>
-          <p:cNvPr id="18" name="CaixaDeTexto 17">
-            <a:extLst>
-              <a:ext uri="{FF2B5EF4-FFF2-40B4-BE49-F238E27FC236}">
-                <a16:creationId xmlns:a16="http://schemas.microsoft.com/office/drawing/2014/main" id="{8972E605-3342-422C-9D2E-3BB60D6F8C14}"/>
+      <p:sp>
+        <p:nvSpPr>
+          <p:cNvPr id="9" name="CaixaDeTexto 8">
+            <a:extLst>
+              <a:ext uri="{FF2B5EF4-FFF2-40B4-BE49-F238E27FC236}">
+                <a16:creationId xmlns:a16="http://schemas.microsoft.com/office/drawing/2014/main" id="{09A43886-A11B-4642-8430-534BA39D9336}"/>
               </a:ext>
             </a:extLst>
           </p:cNvPr>
@@ -11913,8 +11612,8 @@
         </p:nvSpPr>
         <p:spPr>
           <a:xfrm>
-            <a:off x="2503641" y="2397104"/>
-            <a:ext cx="2325826" cy="707886"/>
+            <a:off x="8508989" y="2080607"/>
+            <a:ext cx="900717" cy="461665"/>
           </a:xfrm>
           <a:prstGeom prst="rect">
             <a:avLst/>
@@ -11927,67 +11626,20 @@
           </a:bodyPr>
           <a:lstStyle/>
           <a:p>
-            <a:pPr algn="ctr"/>
-            <a:r>
-              <a:rPr lang="pt-PT" sz="2000" dirty="0"/>
-              <a:t>Máximo de ordens por streamer</a:t>
-            </a:r>
-            <a:endParaRPr lang="en-GB" sz="2000" dirty="0"/>
-          </a:p>
-        </p:txBody>
-      </p:sp>
-      <p:cxnSp>
-        <p:nvCxnSpPr>
-          <p:cNvPr id="23" name="Conexão reta unidirecional 22">
-            <a:extLst>
-              <a:ext uri="{FF2B5EF4-FFF2-40B4-BE49-F238E27FC236}">
-                <a16:creationId xmlns:a16="http://schemas.microsoft.com/office/drawing/2014/main" id="{3DC22C5C-7665-4461-91B1-E9AB07F69010}"/>
-              </a:ext>
-            </a:extLst>
-          </p:cNvPr>
-          <p:cNvCxnSpPr>
-            <a:cxnSpLocks/>
-            <a:stCxn id="25" idx="0"/>
-            <a:endCxn id="24" idx="2"/>
-          </p:cNvCxnSpPr>
-          <p:nvPr/>
-        </p:nvCxnSpPr>
-        <p:spPr>
-          <a:xfrm flipH="1" flipV="1">
-            <a:off x="5655600" y="3032818"/>
-            <a:ext cx="177871" cy="1226281"/>
-          </a:xfrm>
-          <a:prstGeom prst="straightConnector1">
-            <a:avLst/>
-          </a:prstGeom>
-          <a:ln>
-            <a:solidFill>
-              <a:srgbClr val="8C2D19"/>
-            </a:solidFill>
-            <a:tailEnd type="triangle"/>
-          </a:ln>
-        </p:spPr>
-        <p:style>
-          <a:lnRef idx="3">
-            <a:schemeClr val="dk1"/>
-          </a:lnRef>
-          <a:fillRef idx="0">
-            <a:schemeClr val="dk1"/>
-          </a:fillRef>
-          <a:effectRef idx="2">
-            <a:schemeClr val="dk1"/>
-          </a:effectRef>
-          <a:fontRef idx="minor">
-            <a:schemeClr val="tx1"/>
-          </a:fontRef>
-        </p:style>
-      </p:cxnSp>
-      <p:sp>
-        <p:nvSpPr>
-          <p:cNvPr id="24" name="CaixaDeTexto 23">
-            <a:extLst>
-              <a:ext uri="{FF2B5EF4-FFF2-40B4-BE49-F238E27FC236}">
-                <a16:creationId xmlns:a16="http://schemas.microsoft.com/office/drawing/2014/main" id="{0145D52C-E4D4-4B4E-8256-9ADC9CE4947C}"/>
+            <a:r>
+              <a:rPr lang="pt-PT" sz="2400" dirty="0" err="1"/>
+              <a:t>Users</a:t>
+            </a:r>
+            <a:endParaRPr lang="en-GB" sz="2400" dirty="0"/>
+          </a:p>
+        </p:txBody>
+      </p:sp>
+      <p:sp>
+        <p:nvSpPr>
+          <p:cNvPr id="49" name="CaixaDeTexto 48">
+            <a:extLst>
+              <a:ext uri="{FF2B5EF4-FFF2-40B4-BE49-F238E27FC236}">
+                <a16:creationId xmlns:a16="http://schemas.microsoft.com/office/drawing/2014/main" id="{4BBA540B-35F5-4D98-A9F2-7BD8D3D98EB7}"/>
               </a:ext>
             </a:extLst>
           </p:cNvPr>
@@ -11996,8 +11648,8 @@
         </p:nvSpPr>
         <p:spPr>
           <a:xfrm>
-            <a:off x="4971495" y="2324932"/>
-            <a:ext cx="1368209" cy="707886"/>
+            <a:off x="7853924" y="2644482"/>
+            <a:ext cx="2372704" cy="923330"/>
           </a:xfrm>
           <a:prstGeom prst="rect">
             <a:avLst/>
@@ -12005,121 +11657,96 @@
           <a:noFill/>
         </p:spPr>
         <p:txBody>
-          <a:bodyPr wrap="square" rtlCol="0">
+          <a:bodyPr wrap="square">
             <a:spAutoFit/>
           </a:bodyPr>
           <a:lstStyle/>
           <a:p>
-            <a:pPr algn="ctr"/>
-            <a:r>
-              <a:rPr lang="pt-PT" sz="2000" dirty="0"/>
-              <a:t>Nome do </a:t>
-            </a:r>
-            <a:r>
-              <a:rPr lang="en-GB" sz="2000" dirty="0"/>
-              <a:t>viewer</a:t>
-            </a:r>
-            <a:endParaRPr lang="pt-PT" sz="2000" dirty="0"/>
-          </a:p>
-        </p:txBody>
-      </p:sp>
-      <p:cxnSp>
-        <p:nvCxnSpPr>
-          <p:cNvPr id="27" name="Conexão reta unidirecional 26">
-            <a:extLst>
-              <a:ext uri="{FF2B5EF4-FFF2-40B4-BE49-F238E27FC236}">
-                <a16:creationId xmlns:a16="http://schemas.microsoft.com/office/drawing/2014/main" id="{9588C264-BC63-4960-BC57-E4A755C943D7}"/>
-              </a:ext>
-            </a:extLst>
-          </p:cNvPr>
-          <p:cNvCxnSpPr>
-            <a:cxnSpLocks/>
-            <a:stCxn id="31" idx="0"/>
-            <a:endCxn id="28" idx="2"/>
-          </p:cNvCxnSpPr>
-          <p:nvPr/>
-        </p:nvCxnSpPr>
-        <p:spPr>
-          <a:xfrm flipV="1">
-            <a:off x="6324463" y="3142443"/>
-            <a:ext cx="1318194" cy="1097925"/>
-          </a:xfrm>
-          <a:prstGeom prst="straightConnector1">
-            <a:avLst/>
-          </a:prstGeom>
-          <a:ln>
-            <a:solidFill>
-              <a:srgbClr val="8C2D19"/>
-            </a:solidFill>
-            <a:tailEnd type="triangle"/>
-          </a:ln>
-        </p:spPr>
-        <p:style>
-          <a:lnRef idx="3">
-            <a:schemeClr val="dk1"/>
-          </a:lnRef>
-          <a:fillRef idx="0">
-            <a:schemeClr val="dk1"/>
-          </a:fillRef>
-          <a:effectRef idx="2">
-            <a:schemeClr val="dk1"/>
-          </a:effectRef>
-          <a:fontRef idx="minor">
-            <a:schemeClr val="tx1"/>
-          </a:fontRef>
-        </p:style>
-      </p:cxnSp>
-      <p:sp>
-        <p:nvSpPr>
-          <p:cNvPr id="28" name="CaixaDeTexto 27">
-            <a:extLst>
-              <a:ext uri="{FF2B5EF4-FFF2-40B4-BE49-F238E27FC236}">
-                <a16:creationId xmlns:a16="http://schemas.microsoft.com/office/drawing/2014/main" id="{E7B6A703-1309-402E-AA62-C4EED545794C}"/>
-              </a:ext>
-            </a:extLst>
-          </p:cNvPr>
-          <p:cNvSpPr txBox="1"/>
-          <p:nvPr/>
-        </p:nvSpPr>
-        <p:spPr>
-          <a:xfrm>
-            <a:off x="6776325" y="2434557"/>
-            <a:ext cx="1732664" cy="707886"/>
-          </a:xfrm>
-          <a:prstGeom prst="rect">
-            <a:avLst/>
-          </a:prstGeom>
-          <a:noFill/>
-        </p:spPr>
-        <p:txBody>
-          <a:bodyPr wrap="square" rtlCol="0">
-            <a:spAutoFit/>
-          </a:bodyPr>
-          <a:lstStyle/>
-          <a:p>
-            <a:pPr algn="ctr"/>
-            <a:r>
-              <a:rPr lang="en-GB" sz="2000" dirty="0" err="1"/>
-              <a:t>Quantidade</a:t>
-            </a:r>
-            <a:r>
-              <a:rPr lang="en-GB" sz="2000" dirty="0"/>
-              <a:t> </a:t>
-            </a:r>
-            <a:r>
-              <a:rPr lang="en-GB" sz="2000" dirty="0" err="1"/>
-              <a:t>comprada</a:t>
-            </a:r>
-            <a:endParaRPr lang="en-GB" sz="2000" dirty="0"/>
+            <a:r>
+              <a:rPr lang="en-GB" dirty="0" err="1"/>
+              <a:t>NoSuchOrderException</a:t>
+            </a:r>
+            <a:endParaRPr lang="en-GB" dirty="0"/>
+          </a:p>
+          <a:p>
+            <a:r>
+              <a:rPr lang="en-GB" dirty="0" err="1"/>
+              <a:t>OrdersEmptyException</a:t>
+            </a:r>
+            <a:endParaRPr lang="en-GB" dirty="0"/>
+          </a:p>
+          <a:p>
+            <a:r>
+              <a:rPr lang="en-GB" dirty="0" err="1"/>
+              <a:t>OrdersFullException</a:t>
+            </a:r>
+            <a:endParaRPr lang="en-GB" dirty="0"/>
+          </a:p>
+        </p:txBody>
+      </p:sp>
+      <p:sp>
+        <p:nvSpPr>
+          <p:cNvPr id="3" name="Marcador de Posição do Rodapé 2">
+            <a:extLst>
+              <a:ext uri="{FF2B5EF4-FFF2-40B4-BE49-F238E27FC236}">
+                <a16:creationId xmlns:a16="http://schemas.microsoft.com/office/drawing/2014/main" id="{BDC108CA-1009-4F33-BA90-654A55918ED3}"/>
+              </a:ext>
+            </a:extLst>
+          </p:cNvPr>
+          <p:cNvSpPr>
+            <a:spLocks noGrp="1"/>
+          </p:cNvSpPr>
+          <p:nvPr>
+            <p:ph type="ftr" sz="quarter" idx="11"/>
+          </p:nvPr>
+        </p:nvSpPr>
+        <p:spPr/>
+        <p:txBody>
+          <a:bodyPr/>
+          <a:lstStyle/>
+          <a:p>
+            <a:r>
+              <a:rPr lang="en-GB" sz="2400" b="1" dirty="0"/>
+              <a:t>2MIEIC04_G1</a:t>
+            </a:r>
+          </a:p>
+        </p:txBody>
+      </p:sp>
+      <p:sp>
+        <p:nvSpPr>
+          <p:cNvPr id="4" name="Marcador de Posição do Número do Diapositivo 3">
+            <a:extLst>
+              <a:ext uri="{FF2B5EF4-FFF2-40B4-BE49-F238E27FC236}">
+                <a16:creationId xmlns:a16="http://schemas.microsoft.com/office/drawing/2014/main" id="{D3BE8DBB-2681-4EDA-A70E-FDD3F50D1646}"/>
+              </a:ext>
+            </a:extLst>
+          </p:cNvPr>
+          <p:cNvSpPr>
+            <a:spLocks noGrp="1"/>
+          </p:cNvSpPr>
+          <p:nvPr>
+            <p:ph type="sldNum" sz="quarter" idx="12"/>
+          </p:nvPr>
+        </p:nvSpPr>
+        <p:spPr/>
+        <p:txBody>
+          <a:bodyPr/>
+          <a:lstStyle/>
+          <a:p>
+            <a:fld id="{75DB3F52-068C-4339-9FA6-06F9AAEB3337}" type="slidenum">
+              <a:rPr lang="en-GB" sz="2400" smtClean="0"/>
+              <a:t>7</a:t>
+            </a:fld>
+            <a:endParaRPr lang="en-GB" sz="2400" dirty="0"/>
           </a:p>
         </p:txBody>
       </p:sp>
       <p:pic>
         <p:nvPicPr>
-          <p:cNvPr id="50" name="Imagem 49">
-            <a:extLst>
-              <a:ext uri="{FF2B5EF4-FFF2-40B4-BE49-F238E27FC236}">
-                <a16:creationId xmlns:a16="http://schemas.microsoft.com/office/drawing/2014/main" id="{C9CA462E-8E2A-4338-B5C5-71EE804670F2}"/>
+          <p:cNvPr id="27" name="Imagem 26">
+            <a:extLst>
+              <a:ext uri="{FF2B5EF4-FFF2-40B4-BE49-F238E27FC236}">
+                <a16:creationId xmlns:a16="http://schemas.microsoft.com/office/drawing/2014/main" id="{4B81C26A-46A2-487E-A5EE-7F6366169040}"/>
               </a:ext>
             </a:extLst>
           </p:cNvPr>
@@ -12129,7 +11756,7 @@
           <p:nvPr/>
         </p:nvPicPr>
         <p:blipFill rotWithShape="1">
-          <a:blip r:embed="rId3">
+          <a:blip r:embed="rId2">
             <a:extLst>
               <a:ext uri="{28A0092B-C50C-407E-A947-70E740481C1C}">
                 <a14:useLocalDpi xmlns:a14="http://schemas.microsoft.com/office/drawing/2010/main" val="0"/>
@@ -12149,58 +11776,42 @@
           </a:prstGeom>
         </p:spPr>
       </p:pic>
-      <p:cxnSp>
-        <p:nvCxnSpPr>
-          <p:cNvPr id="21" name="Conexão reta unidirecional 22">
-            <a:extLst>
-              <a:ext uri="{FF2B5EF4-FFF2-40B4-BE49-F238E27FC236}">
-                <a16:creationId xmlns:a16="http://schemas.microsoft.com/office/drawing/2014/main" id="{B4D7D707-FF46-4962-ADE3-54ED346EDF87}"/>
-              </a:ext>
-            </a:extLst>
-          </p:cNvPr>
-          <p:cNvCxnSpPr>
-            <a:cxnSpLocks/>
-            <a:stCxn id="20" idx="2"/>
-            <a:endCxn id="22" idx="2"/>
-          </p:cNvCxnSpPr>
+      <p:pic>
+        <p:nvPicPr>
+          <p:cNvPr id="7" name="Imagem 6">
+            <a:extLst>
+              <a:ext uri="{FF2B5EF4-FFF2-40B4-BE49-F238E27FC236}">
+                <a16:creationId xmlns:a16="http://schemas.microsoft.com/office/drawing/2014/main" id="{7B521466-5F44-478A-8F9C-4BFAC561EDEB}"/>
+              </a:ext>
+            </a:extLst>
+          </p:cNvPr>
+          <p:cNvPicPr>
+            <a:picLocks noChangeAspect="1"/>
+          </p:cNvPicPr>
           <p:nvPr/>
-        </p:nvCxnSpPr>
-        <p:spPr>
-          <a:xfrm flipH="1" flipV="1">
-            <a:off x="2640397" y="3812876"/>
-            <a:ext cx="1978110" cy="526327"/>
-          </a:xfrm>
-          <a:prstGeom prst="straightConnector1">
-            <a:avLst/>
-          </a:prstGeom>
-          <a:ln>
-            <a:solidFill>
-              <a:srgbClr val="8C2D19"/>
-            </a:solidFill>
-            <a:tailEnd type="triangle"/>
-          </a:ln>
-        </p:spPr>
-        <p:style>
-          <a:lnRef idx="3">
-            <a:schemeClr val="dk1"/>
-          </a:lnRef>
-          <a:fillRef idx="0">
-            <a:schemeClr val="dk1"/>
-          </a:fillRef>
-          <a:effectRef idx="2">
-            <a:schemeClr val="dk1"/>
-          </a:effectRef>
-          <a:fontRef idx="minor">
-            <a:schemeClr val="tx1"/>
-          </a:fontRef>
-        </p:style>
-      </p:cxnSp>
-      <p:sp>
-        <p:nvSpPr>
-          <p:cNvPr id="22" name="CaixaDeTexto 23">
-            <a:extLst>
-              <a:ext uri="{FF2B5EF4-FFF2-40B4-BE49-F238E27FC236}">
-                <a16:creationId xmlns:a16="http://schemas.microsoft.com/office/drawing/2014/main" id="{F2BAEB89-7383-416E-8DB2-042D906C6687}"/>
+        </p:nvPicPr>
+        <p:blipFill>
+          <a:blip r:embed="rId3"/>
+          <a:stretch>
+            <a:fillRect/>
+          </a:stretch>
+        </p:blipFill>
+        <p:spPr>
+          <a:xfrm>
+            <a:off x="5669094" y="4573390"/>
+            <a:ext cx="6163267" cy="1258083"/>
+          </a:xfrm>
+          <a:prstGeom prst="rect">
+            <a:avLst/>
+          </a:prstGeom>
+        </p:spPr>
+      </p:pic>
+      <p:sp>
+        <p:nvSpPr>
+          <p:cNvPr id="11" name="CaixaDeTexto 10">
+            <a:extLst>
+              <a:ext uri="{FF2B5EF4-FFF2-40B4-BE49-F238E27FC236}">
+                <a16:creationId xmlns:a16="http://schemas.microsoft.com/office/drawing/2014/main" id="{90EEAB0C-7182-4DAF-8A63-920827056988}"/>
               </a:ext>
             </a:extLst>
           </p:cNvPr>
@@ -12209,8 +11820,8 @@
         </p:nvSpPr>
         <p:spPr>
           <a:xfrm>
-            <a:off x="1956292" y="3104990"/>
-            <a:ext cx="1368209" cy="707886"/>
+            <a:off x="10530130" y="5831473"/>
+            <a:ext cx="1302231" cy="338554"/>
           </a:xfrm>
           <a:prstGeom prst="rect">
             <a:avLst/>
@@ -12223,71 +11834,20 @@
           </a:bodyPr>
           <a:lstStyle/>
           <a:p>
-            <a:pPr algn="ctr"/>
-            <a:r>
-              <a:rPr lang="pt-PT" sz="2000" dirty="0"/>
-              <a:t>Nome do </a:t>
-            </a:r>
-            <a:r>
-              <a:rPr lang="en-GB" sz="2000" dirty="0"/>
-              <a:t>streamer</a:t>
-            </a:r>
-            <a:endParaRPr lang="pt-PT" sz="2000" dirty="0"/>
-          </a:p>
-        </p:txBody>
-      </p:sp>
-      <p:cxnSp>
-        <p:nvCxnSpPr>
-          <p:cNvPr id="26" name="Conexão reta unidirecional 26">
-            <a:extLst>
-              <a:ext uri="{FF2B5EF4-FFF2-40B4-BE49-F238E27FC236}">
-                <a16:creationId xmlns:a16="http://schemas.microsoft.com/office/drawing/2014/main" id="{4F970484-B1DB-4781-8671-094455196B47}"/>
-              </a:ext>
-            </a:extLst>
-          </p:cNvPr>
-          <p:cNvCxnSpPr>
-            <a:cxnSpLocks/>
-            <a:stCxn id="32" idx="7"/>
-            <a:endCxn id="30" idx="1"/>
-          </p:cNvCxnSpPr>
-          <p:nvPr/>
-        </p:nvCxnSpPr>
-        <p:spPr>
-          <a:xfrm flipV="1">
-            <a:off x="6691746" y="3857942"/>
-            <a:ext cx="1043595" cy="434565"/>
-          </a:xfrm>
-          <a:prstGeom prst="straightConnector1">
-            <a:avLst/>
-          </a:prstGeom>
-          <a:ln>
-            <a:solidFill>
-              <a:srgbClr val="8C2D19"/>
-            </a:solidFill>
-            <a:tailEnd type="triangle"/>
-          </a:ln>
-        </p:spPr>
-        <p:style>
-          <a:lnRef idx="3">
-            <a:schemeClr val="dk1"/>
-          </a:lnRef>
-          <a:fillRef idx="0">
-            <a:schemeClr val="dk1"/>
-          </a:fillRef>
-          <a:effectRef idx="2">
-            <a:schemeClr val="dk1"/>
-          </a:effectRef>
-          <a:fontRef idx="minor">
-            <a:schemeClr val="tx1"/>
-          </a:fontRef>
-        </p:style>
-      </p:cxnSp>
-      <p:sp>
-        <p:nvSpPr>
-          <p:cNvPr id="30" name="CaixaDeTexto 27">
-            <a:extLst>
-              <a:ext uri="{FF2B5EF4-FFF2-40B4-BE49-F238E27FC236}">
-                <a16:creationId xmlns:a16="http://schemas.microsoft.com/office/drawing/2014/main" id="{9648D665-33F2-44AC-B477-82A307357F5F}"/>
+            <a:r>
+              <a:rPr lang="pt-PT" sz="1600" dirty="0"/>
+              <a:t>Donation.cpp</a:t>
+            </a:r>
+            <a:endParaRPr lang="en-GB" dirty="0"/>
+          </a:p>
+        </p:txBody>
+      </p:sp>
+      <p:sp>
+        <p:nvSpPr>
+          <p:cNvPr id="8" name="CaixaDeTexto 7">
+            <a:extLst>
+              <a:ext uri="{FF2B5EF4-FFF2-40B4-BE49-F238E27FC236}">
+                <a16:creationId xmlns:a16="http://schemas.microsoft.com/office/drawing/2014/main" id="{3ED89957-E1F0-4F23-947A-1AB626AAD5DC}"/>
               </a:ext>
             </a:extLst>
           </p:cNvPr>
@@ -12296,8 +11856,8 @@
         </p:nvSpPr>
         <p:spPr>
           <a:xfrm>
-            <a:off x="7735341" y="3503999"/>
-            <a:ext cx="2038416" cy="707886"/>
+            <a:off x="1256829" y="4719738"/>
+            <a:ext cx="4634144" cy="923330"/>
           </a:xfrm>
           <a:prstGeom prst="rect">
             <a:avLst/>
@@ -12310,297 +11870,114 @@
           </a:bodyPr>
           <a:lstStyle/>
           <a:p>
-            <a:pPr algn="ctr"/>
-            <a:r>
-              <a:rPr lang="en-GB" sz="2000" dirty="0" err="1"/>
-              <a:t>Disponibilidade</a:t>
-            </a:r>
-            <a:r>
-              <a:rPr lang="en-GB" sz="2000" dirty="0"/>
-              <a:t> de </a:t>
-            </a:r>
-            <a:r>
-              <a:rPr lang="en-GB" sz="2000" dirty="0" err="1"/>
-              <a:t>compra</a:t>
-            </a:r>
-            <a:endParaRPr lang="en-GB" sz="2000" dirty="0"/>
-          </a:p>
-        </p:txBody>
-      </p:sp>
-      <p:sp>
-        <p:nvSpPr>
-          <p:cNvPr id="19" name="Oval 18">
-            <a:extLst>
-              <a:ext uri="{FF2B5EF4-FFF2-40B4-BE49-F238E27FC236}">
-                <a16:creationId xmlns:a16="http://schemas.microsoft.com/office/drawing/2014/main" id="{8E82B84A-90DD-40FB-8AC3-D787CEF2CEC8}"/>
-              </a:ext>
-            </a:extLst>
-          </p:cNvPr>
-          <p:cNvSpPr/>
+            <a:pPr marL="285750" indent="-285750">
+              <a:buClr>
+                <a:srgbClr val="8C2D19"/>
+              </a:buClr>
+              <a:buFont typeface="Arial" panose="020B0604020202020204" pitchFamily="34" charset="0"/>
+              <a:buChar char="•"/>
+            </a:pPr>
+            <a:r>
+              <a:rPr lang="pt-PT" dirty="0"/>
+              <a:t>Exceções continuam a ser usadas</a:t>
+            </a:r>
+          </a:p>
+          <a:p>
+            <a:pPr marL="285750" indent="-285750">
+              <a:buClr>
+                <a:srgbClr val="8C2D19"/>
+              </a:buClr>
+              <a:buFont typeface="Arial" panose="020B0604020202020204" pitchFamily="34" charset="0"/>
+              <a:buChar char="•"/>
+            </a:pPr>
+            <a:endParaRPr lang="pt-PT" dirty="0"/>
+          </a:p>
+          <a:p>
+            <a:pPr marL="285750" indent="-285750">
+              <a:buClr>
+                <a:srgbClr val="8C2D19"/>
+              </a:buClr>
+              <a:buFont typeface="Arial" panose="020B0604020202020204" pitchFamily="34" charset="0"/>
+              <a:buChar char="•"/>
+            </a:pPr>
+            <a:r>
+              <a:rPr lang="pt-PT" dirty="0"/>
+              <a:t>Novas exceções foram criadas </a:t>
+            </a:r>
+            <a:endParaRPr lang="en-GB" dirty="0"/>
+          </a:p>
+        </p:txBody>
+      </p:sp>
+      <p:pic>
+        <p:nvPicPr>
+          <p:cNvPr id="12" name="Imagem 11">
+            <a:extLst>
+              <a:ext uri="{FF2B5EF4-FFF2-40B4-BE49-F238E27FC236}">
+                <a16:creationId xmlns:a16="http://schemas.microsoft.com/office/drawing/2014/main" id="{532837BC-E28E-445B-A56E-75D20D22DA1B}"/>
+              </a:ext>
+            </a:extLst>
+          </p:cNvPr>
+          <p:cNvPicPr>
+            <a:picLocks noChangeAspect="1"/>
+          </p:cNvPicPr>
           <p:nvPr/>
-        </p:nvSpPr>
-        <p:spPr>
-          <a:xfrm>
-            <a:off x="4692956" y="4099739"/>
-            <a:ext cx="190026" cy="191292"/>
-          </a:xfrm>
-          <a:prstGeom prst="ellipse">
+        </p:nvPicPr>
+        <p:blipFill>
+          <a:blip r:embed="rId4"/>
+          <a:stretch>
+            <a:fillRect/>
+          </a:stretch>
+        </p:blipFill>
+        <p:spPr>
+          <a:xfrm>
+            <a:off x="834875" y="1840762"/>
+            <a:ext cx="5299001" cy="2386230"/>
+          </a:xfrm>
+          <a:prstGeom prst="rect">
+            <a:avLst/>
+          </a:prstGeom>
+        </p:spPr>
+      </p:pic>
+      <p:sp>
+        <p:nvSpPr>
+          <p:cNvPr id="17" name="CaixaDeTexto 28">
+            <a:extLst>
+              <a:ext uri="{FF2B5EF4-FFF2-40B4-BE49-F238E27FC236}">
+                <a16:creationId xmlns:a16="http://schemas.microsoft.com/office/drawing/2014/main" id="{71F058FB-9B4D-4B3B-9E73-A9432F5701DC}"/>
+              </a:ext>
+            </a:extLst>
+          </p:cNvPr>
+          <p:cNvSpPr txBox="1"/>
+          <p:nvPr/>
+        </p:nvSpPr>
+        <p:spPr>
+          <a:xfrm>
+            <a:off x="3781887" y="4192779"/>
+            <a:ext cx="2519142" cy="338554"/>
+          </a:xfrm>
+          <a:prstGeom prst="rect">
             <a:avLst/>
           </a:prstGeom>
           <a:noFill/>
-          <a:ln w="9525" cap="flat" cmpd="sng" algn="ctr">
-            <a:solidFill>
-              <a:srgbClr val="8C2D19"/>
-            </a:solidFill>
-            <a:prstDash val="solid"/>
-            <a:round/>
-            <a:headEnd type="none" w="med" len="med"/>
-            <a:tailEnd type="none" w="med" len="med"/>
-          </a:ln>
-        </p:spPr>
-        <p:style>
-          <a:lnRef idx="0">
-            <a:scrgbClr r="0" g="0" b="0"/>
-          </a:lnRef>
-          <a:fillRef idx="0">
-            <a:scrgbClr r="0" g="0" b="0"/>
-          </a:fillRef>
-          <a:effectRef idx="0">
-            <a:scrgbClr r="0" g="0" b="0"/>
-          </a:effectRef>
-          <a:fontRef idx="minor">
-            <a:schemeClr val="dk1"/>
-          </a:fontRef>
-        </p:style>
-        <p:txBody>
-          <a:bodyPr rtlCol="0" anchor="ctr"/>
-          <a:lstStyle/>
-          <a:p>
-            <a:pPr algn="ctr"/>
-            <a:endParaRPr lang="en-GB"/>
-          </a:p>
-        </p:txBody>
-      </p:sp>
-      <p:sp>
-        <p:nvSpPr>
-          <p:cNvPr id="20" name="Oval 19">
-            <a:extLst>
-              <a:ext uri="{FF2B5EF4-FFF2-40B4-BE49-F238E27FC236}">
-                <a16:creationId xmlns:a16="http://schemas.microsoft.com/office/drawing/2014/main" id="{121739CC-D0E9-4C85-B09C-0D94360D8FEF}"/>
-              </a:ext>
-            </a:extLst>
-          </p:cNvPr>
-          <p:cNvSpPr/>
-          <p:nvPr/>
-        </p:nvSpPr>
-        <p:spPr>
-          <a:xfrm>
-            <a:off x="4618507" y="4248990"/>
-            <a:ext cx="797169" cy="180425"/>
-          </a:xfrm>
-          <a:prstGeom prst="ellipse">
-            <a:avLst/>
-          </a:prstGeom>
-          <a:noFill/>
-          <a:ln w="9525" cap="flat" cmpd="sng" algn="ctr">
-            <a:solidFill>
-              <a:srgbClr val="8C2D19"/>
-            </a:solidFill>
-            <a:prstDash val="solid"/>
-            <a:round/>
-            <a:headEnd type="none" w="med" len="med"/>
-            <a:tailEnd type="none" w="med" len="med"/>
-          </a:ln>
-        </p:spPr>
-        <p:style>
-          <a:lnRef idx="0">
-            <a:scrgbClr r="0" g="0" b="0"/>
-          </a:lnRef>
-          <a:fillRef idx="0">
-            <a:scrgbClr r="0" g="0" b="0"/>
-          </a:fillRef>
-          <a:effectRef idx="0">
-            <a:scrgbClr r="0" g="0" b="0"/>
-          </a:effectRef>
-          <a:fontRef idx="minor">
-            <a:schemeClr val="dk1"/>
-          </a:fontRef>
-        </p:style>
-        <p:txBody>
-          <a:bodyPr rtlCol="0" anchor="ctr"/>
-          <a:lstStyle/>
-          <a:p>
-            <a:pPr algn="ctr"/>
-            <a:endParaRPr lang="en-GB"/>
-          </a:p>
-        </p:txBody>
-      </p:sp>
-      <p:sp>
-        <p:nvSpPr>
-          <p:cNvPr id="25" name="Oval 24">
-            <a:extLst>
-              <a:ext uri="{FF2B5EF4-FFF2-40B4-BE49-F238E27FC236}">
-                <a16:creationId xmlns:a16="http://schemas.microsoft.com/office/drawing/2014/main" id="{76AABEA6-AF0F-42C7-8A7A-31CB3C4E4891}"/>
-              </a:ext>
-            </a:extLst>
-          </p:cNvPr>
-          <p:cNvSpPr/>
-          <p:nvPr/>
-        </p:nvSpPr>
-        <p:spPr>
-          <a:xfrm>
-            <a:off x="5502440" y="4259099"/>
-            <a:ext cx="662061" cy="176828"/>
-          </a:xfrm>
-          <a:prstGeom prst="ellipse">
-            <a:avLst/>
-          </a:prstGeom>
-          <a:noFill/>
-          <a:ln w="9525" cap="flat" cmpd="sng" algn="ctr">
-            <a:solidFill>
-              <a:srgbClr val="8C2D19"/>
-            </a:solidFill>
-            <a:prstDash val="solid"/>
-            <a:round/>
-            <a:headEnd type="none" w="med" len="med"/>
-            <a:tailEnd type="none" w="med" len="med"/>
-          </a:ln>
-        </p:spPr>
-        <p:style>
-          <a:lnRef idx="0">
-            <a:scrgbClr r="0" g="0" b="0"/>
-          </a:lnRef>
-          <a:fillRef idx="0">
-            <a:scrgbClr r="0" g="0" b="0"/>
-          </a:fillRef>
-          <a:effectRef idx="0">
-            <a:scrgbClr r="0" g="0" b="0"/>
-          </a:effectRef>
-          <a:fontRef idx="minor">
-            <a:schemeClr val="dk1"/>
-          </a:fontRef>
-        </p:style>
-        <p:txBody>
-          <a:bodyPr rtlCol="0" anchor="ctr"/>
-          <a:lstStyle/>
-          <a:p>
-            <a:pPr algn="ctr"/>
-            <a:endParaRPr lang="en-GB"/>
-          </a:p>
-        </p:txBody>
-      </p:sp>
-      <p:sp>
-        <p:nvSpPr>
-          <p:cNvPr id="31" name="Oval 30">
-            <a:extLst>
-              <a:ext uri="{FF2B5EF4-FFF2-40B4-BE49-F238E27FC236}">
-                <a16:creationId xmlns:a16="http://schemas.microsoft.com/office/drawing/2014/main" id="{0215B8AF-C946-44E1-B6E0-B1EE9D547446}"/>
-              </a:ext>
-            </a:extLst>
-          </p:cNvPr>
-          <p:cNvSpPr/>
-          <p:nvPr/>
-        </p:nvSpPr>
-        <p:spPr>
-          <a:xfrm>
-            <a:off x="6231779" y="4240368"/>
-            <a:ext cx="185368" cy="214289"/>
-          </a:xfrm>
-          <a:prstGeom prst="ellipse">
-            <a:avLst/>
-          </a:prstGeom>
-          <a:noFill/>
-          <a:ln w="9525" cap="flat" cmpd="sng" algn="ctr">
-            <a:solidFill>
-              <a:srgbClr val="8C2D19"/>
-            </a:solidFill>
-            <a:prstDash val="solid"/>
-            <a:round/>
-            <a:headEnd type="none" w="med" len="med"/>
-            <a:tailEnd type="none" w="med" len="med"/>
-          </a:ln>
-        </p:spPr>
-        <p:style>
-          <a:lnRef idx="0">
-            <a:scrgbClr r="0" g="0" b="0"/>
-          </a:lnRef>
-          <a:fillRef idx="0">
-            <a:scrgbClr r="0" g="0" b="0"/>
-          </a:fillRef>
-          <a:effectRef idx="0">
-            <a:scrgbClr r="0" g="0" b="0"/>
-          </a:effectRef>
-          <a:fontRef idx="minor">
-            <a:schemeClr val="dk1"/>
-          </a:fontRef>
-        </p:style>
-        <p:txBody>
-          <a:bodyPr rtlCol="0" anchor="ctr"/>
-          <a:lstStyle/>
-          <a:p>
-            <a:pPr algn="ctr"/>
-            <a:endParaRPr lang="en-GB"/>
-          </a:p>
-        </p:txBody>
-      </p:sp>
-      <p:sp>
-        <p:nvSpPr>
-          <p:cNvPr id="32" name="Oval 31">
-            <a:extLst>
-              <a:ext uri="{FF2B5EF4-FFF2-40B4-BE49-F238E27FC236}">
-                <a16:creationId xmlns:a16="http://schemas.microsoft.com/office/drawing/2014/main" id="{5BC33D09-B4BD-4B57-AE33-48DA9AA78D39}"/>
-              </a:ext>
-            </a:extLst>
-          </p:cNvPr>
-          <p:cNvSpPr/>
-          <p:nvPr/>
-        </p:nvSpPr>
-        <p:spPr>
-          <a:xfrm>
-            <a:off x="6509754" y="4264687"/>
-            <a:ext cx="213217" cy="189970"/>
-          </a:xfrm>
-          <a:prstGeom prst="ellipse">
-            <a:avLst/>
-          </a:prstGeom>
-          <a:noFill/>
-          <a:ln w="9525" cap="flat" cmpd="sng" algn="ctr">
-            <a:solidFill>
-              <a:srgbClr val="8C2D19"/>
-            </a:solidFill>
-            <a:prstDash val="solid"/>
-            <a:round/>
-            <a:headEnd type="none" w="med" len="med"/>
-            <a:tailEnd type="none" w="med" len="med"/>
-          </a:ln>
-        </p:spPr>
-        <p:style>
-          <a:lnRef idx="0">
-            <a:scrgbClr r="0" g="0" b="0"/>
-          </a:lnRef>
-          <a:fillRef idx="0">
-            <a:scrgbClr r="0" g="0" b="0"/>
-          </a:fillRef>
-          <a:effectRef idx="0">
-            <a:scrgbClr r="0" g="0" b="0"/>
-          </a:effectRef>
-          <a:fontRef idx="minor">
-            <a:schemeClr val="dk1"/>
-          </a:fontRef>
-        </p:style>
-        <p:txBody>
-          <a:bodyPr rtlCol="0" anchor="ctr"/>
-          <a:lstStyle/>
-          <a:p>
-            <a:pPr algn="ctr"/>
-            <a:endParaRPr lang="en-GB"/>
+        </p:spPr>
+        <p:txBody>
+          <a:bodyPr wrap="square" rtlCol="0">
+            <a:spAutoFit/>
+          </a:bodyPr>
+          <a:lstStyle/>
+          <a:p>
+            <a:r>
+              <a:rPr lang="pt-PT" sz="1600" dirty="0"/>
+              <a:t>NoSuchOrderException.cpp</a:t>
+            </a:r>
+            <a:endParaRPr lang="en-GB" sz="1600" dirty="0"/>
           </a:p>
         </p:txBody>
       </p:sp>
     </p:spTree>
     <p:extLst>
       <p:ext uri="{BB962C8B-B14F-4D97-AF65-F5344CB8AC3E}">
-        <p14:creationId xmlns:p14="http://schemas.microsoft.com/office/powerpoint/2010/main" val="625000950"/>
+        <p14:creationId xmlns:p14="http://schemas.microsoft.com/office/powerpoint/2010/main" val="3082102471"/>
       </p:ext>
     </p:extLst>
   </p:cSld>
@@ -12629,10 +12006,10 @@
       </p:grpSpPr>
       <p:sp>
         <p:nvSpPr>
-          <p:cNvPr id="2" name="Título 1">
-            <a:extLst>
-              <a:ext uri="{FF2B5EF4-FFF2-40B4-BE49-F238E27FC236}">
-                <a16:creationId xmlns:a16="http://schemas.microsoft.com/office/drawing/2014/main" id="{E5F50155-6736-4DD4-81CA-AAC2F3DC7F40}"/>
+          <p:cNvPr id="5" name="Título 1">
+            <a:extLst>
+              <a:ext uri="{FF2B5EF4-FFF2-40B4-BE49-F238E27FC236}">
+                <a16:creationId xmlns:a16="http://schemas.microsoft.com/office/drawing/2014/main" id="{898F1F90-3438-44BB-BDC7-B70CFDD04994}"/>
               </a:ext>
             </a:extLst>
           </p:cNvPr>
@@ -12643,7 +12020,12 @@
             <p:ph type="title"/>
           </p:nvPr>
         </p:nvSpPr>
-        <p:spPr/>
+        <p:spPr>
+          <a:xfrm>
+            <a:off x="1097280" y="286603"/>
+            <a:ext cx="10058400" cy="1450757"/>
+          </a:xfrm>
+        </p:spPr>
         <p:txBody>
           <a:bodyPr/>
           <a:lstStyle/>
@@ -12659,7 +12041,7 @@
                 </a:solidFill>
                 <a:latin typeface="Bahnschrift SemiLight" panose="020B0502040204020203" pitchFamily="34" charset="0"/>
               </a:rPr>
-              <a:t>Exceções</a:t>
+              <a:t>Pesquisa</a:t>
             </a:r>
             <a:endParaRPr lang="en-GB" sz="6600" dirty="0">
               <a:solidFill>
@@ -12675,10 +12057,10 @@
       </p:sp>
       <p:cxnSp>
         <p:nvCxnSpPr>
-          <p:cNvPr id="5" name="Conexão reta 4">
-            <a:extLst>
-              <a:ext uri="{FF2B5EF4-FFF2-40B4-BE49-F238E27FC236}">
-                <a16:creationId xmlns:a16="http://schemas.microsoft.com/office/drawing/2014/main" id="{B58EAD8D-3885-47BC-929A-D0E531F5DFA6}"/>
+          <p:cNvPr id="7" name="Conexão reta 6">
+            <a:extLst>
+              <a:ext uri="{FF2B5EF4-FFF2-40B4-BE49-F238E27FC236}">
+                <a16:creationId xmlns:a16="http://schemas.microsoft.com/office/drawing/2014/main" id="{C2E4CA01-F82D-4D76-AE17-74CEFAFD29FF}"/>
               </a:ext>
             </a:extLst>
           </p:cNvPr>
@@ -12718,10 +12100,10 @@
       </p:cxnSp>
       <p:sp>
         <p:nvSpPr>
-          <p:cNvPr id="9" name="CaixaDeTexto 8">
-            <a:extLst>
-              <a:ext uri="{FF2B5EF4-FFF2-40B4-BE49-F238E27FC236}">
-                <a16:creationId xmlns:a16="http://schemas.microsoft.com/office/drawing/2014/main" id="{09A43886-A11B-4642-8430-534BA39D9336}"/>
+          <p:cNvPr id="13" name="CaixaDeTexto 12">
+            <a:extLst>
+              <a:ext uri="{FF2B5EF4-FFF2-40B4-BE49-F238E27FC236}">
+                <a16:creationId xmlns:a16="http://schemas.microsoft.com/office/drawing/2014/main" id="{7582186A-0E72-4556-B6E3-75E577AEAB3C}"/>
               </a:ext>
             </a:extLst>
           </p:cNvPr>
@@ -12730,8 +12112,8 @@
         </p:nvSpPr>
         <p:spPr>
           <a:xfrm>
-            <a:off x="8508989" y="2080607"/>
-            <a:ext cx="900717" cy="461665"/>
+            <a:off x="1189358" y="1905778"/>
+            <a:ext cx="5468893" cy="1754326"/>
           </a:xfrm>
           <a:prstGeom prst="rect">
             <a:avLst/>
@@ -12744,20 +12126,167 @@
           </a:bodyPr>
           <a:lstStyle/>
           <a:p>
-            <a:r>
-              <a:rPr lang="pt-PT" sz="2400" dirty="0" err="1"/>
-              <a:t>Users</a:t>
-            </a:r>
-            <a:endParaRPr lang="en-GB" sz="2400" dirty="0"/>
-          </a:p>
-        </p:txBody>
-      </p:sp>
-      <p:sp>
-        <p:nvSpPr>
-          <p:cNvPr id="49" name="CaixaDeTexto 48">
-            <a:extLst>
-              <a:ext uri="{FF2B5EF4-FFF2-40B4-BE49-F238E27FC236}">
-                <a16:creationId xmlns:a16="http://schemas.microsoft.com/office/drawing/2014/main" id="{4BBA540B-35F5-4D98-A9F2-7BD8D3D98EB7}"/>
+            <a:pPr marL="285750" indent="-285750">
+              <a:buClr>
+                <a:srgbClr val="8C2D19"/>
+              </a:buClr>
+              <a:buFont typeface="Arial" panose="020B0604020202020204" pitchFamily="34" charset="0"/>
+              <a:buChar char="•"/>
+            </a:pPr>
+            <a:r>
+              <a:rPr lang="pt-PT" dirty="0"/>
+              <a:t>Pesquisa da BST é feita através de </a:t>
+            </a:r>
+            <a:r>
+              <a:rPr lang="pt-PT" dirty="0" err="1"/>
+              <a:t>iteradores</a:t>
+            </a:r>
+            <a:r>
+              <a:rPr lang="pt-PT" dirty="0"/>
+              <a:t> em ordem, desta forma os elementos obtidos ficam devidamente organizados.</a:t>
+            </a:r>
+          </a:p>
+          <a:p>
+            <a:pPr marL="285750" indent="-285750">
+              <a:buClr>
+                <a:srgbClr val="8C2D19"/>
+              </a:buClr>
+              <a:buFont typeface="Arial" panose="020B0604020202020204" pitchFamily="34" charset="0"/>
+              <a:buChar char="•"/>
+            </a:pPr>
+            <a:r>
+              <a:rPr lang="en-GB" dirty="0"/>
+              <a:t>A </a:t>
+            </a:r>
+            <a:r>
+              <a:rPr lang="en-GB" dirty="0" err="1"/>
+              <a:t>informação</a:t>
+            </a:r>
+            <a:r>
+              <a:rPr lang="en-GB" dirty="0"/>
+              <a:t> </a:t>
+            </a:r>
+            <a:r>
+              <a:rPr lang="en-GB" dirty="0" err="1"/>
+              <a:t>relevante</a:t>
+            </a:r>
+            <a:r>
+              <a:rPr lang="en-GB" dirty="0"/>
+              <a:t> </a:t>
+            </a:r>
+            <a:r>
+              <a:rPr lang="en-GB" dirty="0" err="1"/>
+              <a:t>aos</a:t>
+            </a:r>
+            <a:r>
+              <a:rPr lang="en-GB" dirty="0"/>
+              <a:t> streamers </a:t>
+            </a:r>
+            <a:r>
+              <a:rPr lang="en-GB" dirty="0" err="1"/>
+              <a:t>foi</a:t>
+            </a:r>
+            <a:r>
+              <a:rPr lang="en-GB" dirty="0"/>
+              <a:t> </a:t>
+            </a:r>
+            <a:r>
+              <a:rPr lang="en-GB" dirty="0" err="1"/>
+              <a:t>movida</a:t>
+            </a:r>
+            <a:r>
+              <a:rPr lang="en-GB" dirty="0"/>
+              <a:t> para um </a:t>
+            </a:r>
+            <a:r>
+              <a:rPr lang="en-GB" dirty="0" err="1"/>
+              <a:t>unordered_set</a:t>
+            </a:r>
+            <a:r>
+              <a:rPr lang="en-GB" dirty="0"/>
+              <a:t>. </a:t>
+            </a:r>
+            <a:r>
+              <a:rPr lang="en-GB" dirty="0" err="1"/>
+              <a:t>Foi</a:t>
+            </a:r>
+            <a:r>
+              <a:rPr lang="en-GB" dirty="0"/>
+              <a:t> </a:t>
+            </a:r>
+            <a:r>
+              <a:rPr lang="en-GB" dirty="0" err="1"/>
+              <a:t>necessário</a:t>
+            </a:r>
+            <a:r>
+              <a:rPr lang="en-GB" dirty="0"/>
+              <a:t> </a:t>
+            </a:r>
+            <a:r>
+              <a:rPr lang="en-GB" dirty="0" err="1"/>
+              <a:t>modificar</a:t>
+            </a:r>
+            <a:r>
+              <a:rPr lang="en-GB" dirty="0"/>
+              <a:t> </a:t>
+            </a:r>
+            <a:r>
+              <a:rPr lang="en-GB" dirty="0" err="1"/>
+              <a:t>algumas</a:t>
+            </a:r>
+            <a:r>
+              <a:rPr lang="en-GB" dirty="0"/>
+              <a:t> </a:t>
+            </a:r>
+            <a:r>
+              <a:rPr lang="en-GB" dirty="0" err="1"/>
+              <a:t>funções</a:t>
+            </a:r>
+            <a:r>
+              <a:rPr lang="en-GB" dirty="0"/>
+              <a:t> para </a:t>
+            </a:r>
+            <a:r>
+              <a:rPr lang="en-GB" dirty="0" err="1"/>
+              <a:t>agir</a:t>
+            </a:r>
+            <a:r>
+              <a:rPr lang="en-GB" dirty="0"/>
+              <a:t> </a:t>
+            </a:r>
+            <a:r>
+              <a:rPr lang="en-GB" dirty="0" err="1"/>
+              <a:t>perante</a:t>
+            </a:r>
+            <a:r>
+              <a:rPr lang="en-GB" dirty="0"/>
+              <a:t> </a:t>
+            </a:r>
+            <a:r>
+              <a:rPr lang="en-GB" dirty="0" err="1"/>
+              <a:t>método</a:t>
+            </a:r>
+            <a:r>
+              <a:rPr lang="en-GB" dirty="0"/>
+              <a:t>.</a:t>
+            </a:r>
+            <a:endParaRPr lang="en-GB" dirty="0">
+              <a:solidFill>
+                <a:srgbClr val="FF0000"/>
+              </a:solidFill>
+              <a:highlight>
+                <a:srgbClr val="000080"/>
+              </a:highlight>
+            </a:endParaRPr>
+          </a:p>
+        </p:txBody>
+      </p:sp>
+      <p:sp>
+        <p:nvSpPr>
+          <p:cNvPr id="15" name="CaixaDeTexto 14">
+            <a:extLst>
+              <a:ext uri="{FF2B5EF4-FFF2-40B4-BE49-F238E27FC236}">
+                <a16:creationId xmlns:a16="http://schemas.microsoft.com/office/drawing/2014/main" id="{A81839B1-9541-4C3D-90BF-31A386C176B7}"/>
               </a:ext>
             </a:extLst>
           </p:cNvPr>
@@ -12766,8 +12295,8 @@
         </p:nvSpPr>
         <p:spPr>
           <a:xfrm>
-            <a:off x="7853924" y="2644482"/>
-            <a:ext cx="2372704" cy="923330"/>
+            <a:off x="10028464" y="2862896"/>
+            <a:ext cx="1127216" cy="338554"/>
           </a:xfrm>
           <a:prstGeom prst="rect">
             <a:avLst/>
@@ -12775,39 +12304,97 @@
           <a:noFill/>
         </p:spPr>
         <p:txBody>
-          <a:bodyPr wrap="square">
+          <a:bodyPr wrap="square" rtlCol="0">
             <a:spAutoFit/>
           </a:bodyPr>
           <a:lstStyle/>
           <a:p>
             <a:r>
-              <a:rPr lang="en-GB" dirty="0" err="1"/>
-              <a:t>NoSuchOrderException</a:t>
-            </a:r>
-            <a:endParaRPr lang="en-GB" dirty="0"/>
-          </a:p>
-          <a:p>
-            <a:r>
-              <a:rPr lang="en-GB" dirty="0" err="1"/>
-              <a:t>OrdersEmptyException</a:t>
-            </a:r>
-            <a:endParaRPr lang="en-GB" dirty="0"/>
-          </a:p>
-          <a:p>
-            <a:r>
-              <a:rPr lang="en-GB" dirty="0" err="1"/>
-              <a:t>OrdersFullException</a:t>
-            </a:r>
-            <a:endParaRPr lang="en-GB" dirty="0"/>
-          </a:p>
-        </p:txBody>
-      </p:sp>
-      <p:sp>
-        <p:nvSpPr>
-          <p:cNvPr id="3" name="Marcador de Posição do Rodapé 2">
-            <a:extLst>
-              <a:ext uri="{FF2B5EF4-FFF2-40B4-BE49-F238E27FC236}">
-                <a16:creationId xmlns:a16="http://schemas.microsoft.com/office/drawing/2014/main" id="{BDC108CA-1009-4F33-BA90-654A55918ED3}"/>
+              <a:rPr lang="pt-PT" sz="1600" dirty="0" err="1"/>
+              <a:t>DataBase.h</a:t>
+            </a:r>
+            <a:endParaRPr lang="en-GB" sz="1600" dirty="0"/>
+          </a:p>
+        </p:txBody>
+      </p:sp>
+      <p:sp>
+        <p:nvSpPr>
+          <p:cNvPr id="17" name="CaixaDeTexto 16">
+            <a:extLst>
+              <a:ext uri="{FF2B5EF4-FFF2-40B4-BE49-F238E27FC236}">
+                <a16:creationId xmlns:a16="http://schemas.microsoft.com/office/drawing/2014/main" id="{81CB8B24-77F1-4D2B-AD3D-68F6F9D049FA}"/>
+              </a:ext>
+            </a:extLst>
+          </p:cNvPr>
+          <p:cNvSpPr txBox="1"/>
+          <p:nvPr/>
+        </p:nvSpPr>
+        <p:spPr>
+          <a:xfrm>
+            <a:off x="9323511" y="5807790"/>
+            <a:ext cx="1832169" cy="338554"/>
+          </a:xfrm>
+          <a:prstGeom prst="rect">
+            <a:avLst/>
+          </a:prstGeom>
+          <a:noFill/>
+        </p:spPr>
+        <p:txBody>
+          <a:bodyPr wrap="square" rtlCol="0">
+            <a:spAutoFit/>
+          </a:bodyPr>
+          <a:lstStyle/>
+          <a:p>
+            <a:r>
+              <a:rPr lang="pt-PT" sz="1600" dirty="0"/>
+              <a:t>SearchManager.cpp</a:t>
+            </a:r>
+            <a:endParaRPr lang="en-GB" sz="1600" dirty="0"/>
+          </a:p>
+        </p:txBody>
+      </p:sp>
+      <p:sp>
+        <p:nvSpPr>
+          <p:cNvPr id="21" name="CaixaDeTexto 20">
+            <a:extLst>
+              <a:ext uri="{FF2B5EF4-FFF2-40B4-BE49-F238E27FC236}">
+                <a16:creationId xmlns:a16="http://schemas.microsoft.com/office/drawing/2014/main" id="{5F124F6A-0A21-4FD6-B5AE-F0E92890F0F9}"/>
+              </a:ext>
+            </a:extLst>
+          </p:cNvPr>
+          <p:cNvSpPr txBox="1"/>
+          <p:nvPr/>
+        </p:nvSpPr>
+        <p:spPr>
+          <a:xfrm>
+            <a:off x="3168566" y="5702218"/>
+            <a:ext cx="1035238" cy="338554"/>
+          </a:xfrm>
+          <a:prstGeom prst="rect">
+            <a:avLst/>
+          </a:prstGeom>
+          <a:noFill/>
+        </p:spPr>
+        <p:txBody>
+          <a:bodyPr wrap="square" rtlCol="0">
+            <a:spAutoFit/>
+          </a:bodyPr>
+          <a:lstStyle/>
+          <a:p>
+            <a:r>
+              <a:rPr lang="pt-PT" sz="1600" dirty="0" err="1"/>
+              <a:t>StreamZ.h</a:t>
+            </a:r>
+            <a:endParaRPr lang="en-GB" sz="1600" dirty="0"/>
+          </a:p>
+        </p:txBody>
+      </p:sp>
+      <p:sp>
+        <p:nvSpPr>
+          <p:cNvPr id="2" name="Marcador de Posição do Rodapé 1">
+            <a:extLst>
+              <a:ext uri="{FF2B5EF4-FFF2-40B4-BE49-F238E27FC236}">
+                <a16:creationId xmlns:a16="http://schemas.microsoft.com/office/drawing/2014/main" id="{AC9C9DC4-4A5E-473D-B162-15858523817F}"/>
               </a:ext>
             </a:extLst>
           </p:cNvPr>
@@ -12832,10 +12419,10 @@
       </p:sp>
       <p:sp>
         <p:nvSpPr>
-          <p:cNvPr id="4" name="Marcador de Posição do Número do Diapositivo 3">
-            <a:extLst>
-              <a:ext uri="{FF2B5EF4-FFF2-40B4-BE49-F238E27FC236}">
-                <a16:creationId xmlns:a16="http://schemas.microsoft.com/office/drawing/2014/main" id="{D3BE8DBB-2681-4EDA-A70E-FDD3F50D1646}"/>
+          <p:cNvPr id="3" name="Marcador de Posição do Número do Diapositivo 2">
+            <a:extLst>
+              <a:ext uri="{FF2B5EF4-FFF2-40B4-BE49-F238E27FC236}">
+                <a16:creationId xmlns:a16="http://schemas.microsoft.com/office/drawing/2014/main" id="{59E940EF-7100-4753-B4D6-8317706B5F39}"/>
               </a:ext>
             </a:extLst>
           </p:cNvPr>
@@ -12852,7 +12439,7 @@
           <a:lstStyle/>
           <a:p>
             <a:fld id="{75DB3F52-068C-4339-9FA6-06F9AAEB3337}" type="slidenum">
-              <a:rPr lang="en-GB" sz="2400" smtClean="0"/>
+              <a:rPr lang="en-GB" sz="2400"/>
               <a:t>8</a:t>
             </a:fld>
             <a:endParaRPr lang="en-GB" sz="2400" dirty="0"/>
@@ -12861,10 +12448,10 @@
       </p:sp>
       <p:pic>
         <p:nvPicPr>
-          <p:cNvPr id="27" name="Imagem 26">
-            <a:extLst>
-              <a:ext uri="{FF2B5EF4-FFF2-40B4-BE49-F238E27FC236}">
-                <a16:creationId xmlns:a16="http://schemas.microsoft.com/office/drawing/2014/main" id="{4B81C26A-46A2-487E-A5EE-7F6366169040}"/>
+          <p:cNvPr id="14" name="Imagem 13">
+            <a:extLst>
+              <a:ext uri="{FF2B5EF4-FFF2-40B4-BE49-F238E27FC236}">
+                <a16:creationId xmlns:a16="http://schemas.microsoft.com/office/drawing/2014/main" id="{C71CCF36-FC3F-4EBC-8464-434B110BC0A4}"/>
               </a:ext>
             </a:extLst>
           </p:cNvPr>
@@ -12896,10 +12483,10 @@
       </p:pic>
       <p:pic>
         <p:nvPicPr>
-          <p:cNvPr id="7" name="Imagem 6">
-            <a:extLst>
-              <a:ext uri="{FF2B5EF4-FFF2-40B4-BE49-F238E27FC236}">
-                <a16:creationId xmlns:a16="http://schemas.microsoft.com/office/drawing/2014/main" id="{7B521466-5F44-478A-8F9C-4BFAC561EDEB}"/>
+          <p:cNvPr id="10" name="Imagem 9">
+            <a:extLst>
+              <a:ext uri="{FF2B5EF4-FFF2-40B4-BE49-F238E27FC236}">
+                <a16:creationId xmlns:a16="http://schemas.microsoft.com/office/drawing/2014/main" id="{01983A3F-4BB4-4B05-B2F2-8B9FB3D3EE53}"/>
               </a:ext>
             </a:extLst>
           </p:cNvPr>
@@ -12916,122 +12503,20 @@
         </p:blipFill>
         <p:spPr>
           <a:xfrm>
-            <a:off x="5669094" y="4573390"/>
-            <a:ext cx="6163267" cy="1258083"/>
+            <a:off x="6717741" y="1925499"/>
+            <a:ext cx="4370470" cy="979481"/>
           </a:xfrm>
           <a:prstGeom prst="rect">
             <a:avLst/>
           </a:prstGeom>
         </p:spPr>
       </p:pic>
-      <p:sp>
-        <p:nvSpPr>
-          <p:cNvPr id="11" name="CaixaDeTexto 10">
-            <a:extLst>
-              <a:ext uri="{FF2B5EF4-FFF2-40B4-BE49-F238E27FC236}">
-                <a16:creationId xmlns:a16="http://schemas.microsoft.com/office/drawing/2014/main" id="{90EEAB0C-7182-4DAF-8A63-920827056988}"/>
-              </a:ext>
-            </a:extLst>
-          </p:cNvPr>
-          <p:cNvSpPr txBox="1"/>
-          <p:nvPr/>
-        </p:nvSpPr>
-        <p:spPr>
-          <a:xfrm>
-            <a:off x="10530130" y="5831473"/>
-            <a:ext cx="1302231" cy="338554"/>
-          </a:xfrm>
-          <a:prstGeom prst="rect">
-            <a:avLst/>
-          </a:prstGeom>
-          <a:noFill/>
-        </p:spPr>
-        <p:txBody>
-          <a:bodyPr wrap="square" rtlCol="0">
-            <a:spAutoFit/>
-          </a:bodyPr>
-          <a:lstStyle/>
-          <a:p>
-            <a:r>
-              <a:rPr lang="pt-PT" sz="1600" dirty="0"/>
-              <a:t>Donation.cpp</a:t>
-            </a:r>
-            <a:endParaRPr lang="en-GB" dirty="0"/>
-          </a:p>
-        </p:txBody>
-      </p:sp>
-      <p:sp>
-        <p:nvSpPr>
-          <p:cNvPr id="8" name="CaixaDeTexto 7">
-            <a:extLst>
-              <a:ext uri="{FF2B5EF4-FFF2-40B4-BE49-F238E27FC236}">
-                <a16:creationId xmlns:a16="http://schemas.microsoft.com/office/drawing/2014/main" id="{3ED89957-E1F0-4F23-947A-1AB626AAD5DC}"/>
-              </a:ext>
-            </a:extLst>
-          </p:cNvPr>
-          <p:cNvSpPr txBox="1"/>
-          <p:nvPr/>
-        </p:nvSpPr>
-        <p:spPr>
-          <a:xfrm>
-            <a:off x="1256829" y="4719738"/>
-            <a:ext cx="4634144" cy="923330"/>
-          </a:xfrm>
-          <a:prstGeom prst="rect">
-            <a:avLst/>
-          </a:prstGeom>
-          <a:noFill/>
-        </p:spPr>
-        <p:txBody>
-          <a:bodyPr wrap="square" rtlCol="0">
-            <a:spAutoFit/>
-          </a:bodyPr>
-          <a:lstStyle/>
-          <a:p>
-            <a:pPr marL="285750" indent="-285750">
-              <a:buClr>
-                <a:srgbClr val="8C2D19"/>
-              </a:buClr>
-              <a:buFont typeface="Arial" panose="020B0604020202020204" pitchFamily="34" charset="0"/>
-              <a:buChar char="•"/>
-            </a:pPr>
-            <a:r>
-              <a:rPr lang="pt-PT" dirty="0"/>
-              <a:t>Exceções continuam a ser usadas</a:t>
-            </a:r>
-          </a:p>
-          <a:p>
-            <a:pPr marL="285750" indent="-285750">
-              <a:buClr>
-                <a:srgbClr val="8C2D19"/>
-              </a:buClr>
-              <a:buFont typeface="Arial" panose="020B0604020202020204" pitchFamily="34" charset="0"/>
-              <a:buChar char="•"/>
-            </a:pPr>
-            <a:endParaRPr lang="pt-PT" dirty="0"/>
-          </a:p>
-          <a:p>
-            <a:pPr marL="285750" indent="-285750">
-              <a:buClr>
-                <a:srgbClr val="8C2D19"/>
-              </a:buClr>
-              <a:buFont typeface="Arial" panose="020B0604020202020204" pitchFamily="34" charset="0"/>
-              <a:buChar char="•"/>
-            </a:pPr>
-            <a:r>
-              <a:rPr lang="pt-PT" dirty="0"/>
-              <a:t>Novas exceções foram criadas </a:t>
-            </a:r>
-            <a:endParaRPr lang="en-GB" dirty="0"/>
-          </a:p>
-        </p:txBody>
-      </p:sp>
       <p:pic>
         <p:nvPicPr>
-          <p:cNvPr id="12" name="Imagem 11">
-            <a:extLst>
-              <a:ext uri="{FF2B5EF4-FFF2-40B4-BE49-F238E27FC236}">
-                <a16:creationId xmlns:a16="http://schemas.microsoft.com/office/drawing/2014/main" id="{532837BC-E28E-445B-A56E-75D20D22DA1B}"/>
+          <p:cNvPr id="6" name="Picture 5">
+            <a:extLst>
+              <a:ext uri="{FF2B5EF4-FFF2-40B4-BE49-F238E27FC236}">
+                <a16:creationId xmlns:a16="http://schemas.microsoft.com/office/drawing/2014/main" id="{734732CE-8093-4C2C-9310-00531976E575}"/>
               </a:ext>
             </a:extLst>
           </p:cNvPr>
@@ -13048,54 +12533,48 @@
         </p:blipFill>
         <p:spPr>
           <a:xfrm>
-            <a:off x="834875" y="1840762"/>
-            <a:ext cx="5299001" cy="2386230"/>
+            <a:off x="5552891" y="3594945"/>
+            <a:ext cx="5535320" cy="2231140"/>
           </a:xfrm>
           <a:prstGeom prst="rect">
             <a:avLst/>
           </a:prstGeom>
         </p:spPr>
       </p:pic>
-      <p:sp>
-        <p:nvSpPr>
-          <p:cNvPr id="17" name="CaixaDeTexto 28">
-            <a:extLst>
-              <a:ext uri="{FF2B5EF4-FFF2-40B4-BE49-F238E27FC236}">
-                <a16:creationId xmlns:a16="http://schemas.microsoft.com/office/drawing/2014/main" id="{71F058FB-9B4D-4B3B-9E73-A9432F5701DC}"/>
-              </a:ext>
-            </a:extLst>
-          </p:cNvPr>
-          <p:cNvSpPr txBox="1"/>
+      <p:pic>
+        <p:nvPicPr>
+          <p:cNvPr id="8" name="Imagem 7">
+            <a:extLst>
+              <a:ext uri="{FF2B5EF4-FFF2-40B4-BE49-F238E27FC236}">
+                <a16:creationId xmlns:a16="http://schemas.microsoft.com/office/drawing/2014/main" id="{E0D1E37E-282C-4B9D-80AC-5A813EF29532}"/>
+              </a:ext>
+            </a:extLst>
+          </p:cNvPr>
+          <p:cNvPicPr>
+            <a:picLocks noChangeAspect="1"/>
+          </p:cNvPicPr>
           <p:nvPr/>
-        </p:nvSpPr>
-        <p:spPr>
-          <a:xfrm>
-            <a:off x="3781887" y="4192779"/>
-            <a:ext cx="2519142" cy="338554"/>
+        </p:nvPicPr>
+        <p:blipFill>
+          <a:blip r:embed="rId5"/>
+          <a:stretch>
+            <a:fillRect/>
+          </a:stretch>
+        </p:blipFill>
+        <p:spPr>
+          <a:xfrm>
+            <a:off x="1188728" y="3862751"/>
+            <a:ext cx="3010161" cy="1806097"/>
           </a:xfrm>
           <a:prstGeom prst="rect">
             <a:avLst/>
           </a:prstGeom>
-          <a:noFill/>
-        </p:spPr>
-        <p:txBody>
-          <a:bodyPr wrap="square" rtlCol="0">
-            <a:spAutoFit/>
-          </a:bodyPr>
-          <a:lstStyle/>
-          <a:p>
-            <a:r>
-              <a:rPr lang="pt-PT" sz="1600" dirty="0"/>
-              <a:t>NoSuchOrderException.cpp</a:t>
-            </a:r>
-            <a:endParaRPr lang="en-GB" sz="1600" dirty="0"/>
-          </a:p>
-        </p:txBody>
-      </p:sp>
+        </p:spPr>
+      </p:pic>
     </p:spTree>
     <p:extLst>
       <p:ext uri="{BB962C8B-B14F-4D97-AF65-F5344CB8AC3E}">
-        <p14:creationId xmlns:p14="http://schemas.microsoft.com/office/powerpoint/2010/main" val="3082102471"/>
+        <p14:creationId xmlns:p14="http://schemas.microsoft.com/office/powerpoint/2010/main" val="1154785579"/>
       </p:ext>
     </p:extLst>
   </p:cSld>
@@ -13124,10 +12603,10 @@
       </p:grpSpPr>
       <p:sp>
         <p:nvSpPr>
-          <p:cNvPr id="5" name="Título 1">
-            <a:extLst>
-              <a:ext uri="{FF2B5EF4-FFF2-40B4-BE49-F238E27FC236}">
-                <a16:creationId xmlns:a16="http://schemas.microsoft.com/office/drawing/2014/main" id="{898F1F90-3438-44BB-BDC7-B70CFDD04994}"/>
+          <p:cNvPr id="2" name="Título 1">
+            <a:extLst>
+              <a:ext uri="{FF2B5EF4-FFF2-40B4-BE49-F238E27FC236}">
+                <a16:creationId xmlns:a16="http://schemas.microsoft.com/office/drawing/2014/main" id="{94156D41-8965-4403-A98B-D1E242421D46}"/>
               </a:ext>
             </a:extLst>
           </p:cNvPr>
@@ -13138,19 +12617,19 @@
             <p:ph type="title"/>
           </p:nvPr>
         </p:nvSpPr>
-        <p:spPr>
-          <a:xfrm>
-            <a:off x="1097280" y="286603"/>
-            <a:ext cx="10058400" cy="1450757"/>
-          </a:xfrm>
-        </p:spPr>
-        <p:txBody>
-          <a:bodyPr/>
+        <p:spPr/>
+        <p:txBody>
+          <a:bodyPr>
+            <a:normAutofit fontScale="90000"/>
+          </a:bodyPr>
           <a:lstStyle/>
           <a:p>
             <a:pPr algn="ctr"/>
-            <a:r>
-              <a:rPr lang="pt-PT" sz="6600" dirty="0">
+            <a:br>
+              <a:rPr lang="en-GB" sz="3600" dirty="0"/>
+            </a:br>
+            <a:r>
+              <a:rPr lang="en-GB" sz="7300" dirty="0" err="1">
                 <a:solidFill>
                   <a:schemeClr val="tx1">
                     <a:lumMod val="85000"/>
@@ -13159,9 +12638,45 @@
                 </a:solidFill>
                 <a:latin typeface="Bahnschrift SemiLight" panose="020B0502040204020203" pitchFamily="34" charset="0"/>
               </a:rPr>
-              <a:t>Pesquisa</a:t>
-            </a:r>
-            <a:endParaRPr lang="en-GB" sz="6600" dirty="0">
+              <a:t>Criar</a:t>
+            </a:r>
+            <a:r>
+              <a:rPr lang="en-GB" sz="7300" dirty="0">
+                <a:solidFill>
+                  <a:schemeClr val="tx1">
+                    <a:lumMod val="85000"/>
+                    <a:lumOff val="15000"/>
+                  </a:schemeClr>
+                </a:solidFill>
+                <a:latin typeface="Bahnschrift SemiLight" panose="020B0502040204020203" pitchFamily="34" charset="0"/>
+              </a:rPr>
+              <a:t>/</a:t>
+            </a:r>
+            <a:r>
+              <a:rPr lang="en-GB" sz="7300" dirty="0" err="1">
+                <a:solidFill>
+                  <a:schemeClr val="tx1">
+                    <a:lumMod val="85000"/>
+                    <a:lumOff val="15000"/>
+                  </a:schemeClr>
+                </a:solidFill>
+                <a:latin typeface="Bahnschrift SemiLight" panose="020B0502040204020203" pitchFamily="34" charset="0"/>
+              </a:rPr>
+              <a:t>Atualizar</a:t>
+            </a:r>
+            <a:r>
+              <a:rPr lang="en-GB" sz="7300" dirty="0">
+                <a:solidFill>
+                  <a:schemeClr val="tx1">
+                    <a:lumMod val="85000"/>
+                    <a:lumOff val="15000"/>
+                  </a:schemeClr>
+                </a:solidFill>
+                <a:latin typeface="Bahnschrift SemiLight" panose="020B0502040204020203" pitchFamily="34" charset="0"/>
+              </a:rPr>
+              <a:t>/ Remover</a:t>
+            </a:r>
+            <a:endParaRPr lang="pt-PT" sz="7300" dirty="0">
               <a:solidFill>
                 <a:schemeClr val="tx1">
                   <a:lumMod val="85000"/>
@@ -13175,10 +12690,10 @@
       </p:sp>
       <p:cxnSp>
         <p:nvCxnSpPr>
-          <p:cNvPr id="7" name="Conexão reta 6">
-            <a:extLst>
-              <a:ext uri="{FF2B5EF4-FFF2-40B4-BE49-F238E27FC236}">
-                <a16:creationId xmlns:a16="http://schemas.microsoft.com/office/drawing/2014/main" id="{C2E4CA01-F82D-4D76-AE17-74CEFAFD29FF}"/>
+          <p:cNvPr id="5" name="Conexão reta 4">
+            <a:extLst>
+              <a:ext uri="{FF2B5EF4-FFF2-40B4-BE49-F238E27FC236}">
+                <a16:creationId xmlns:a16="http://schemas.microsoft.com/office/drawing/2014/main" id="{CB2239A8-67DE-444E-AC2F-873CA9F188C9}"/>
               </a:ext>
             </a:extLst>
           </p:cNvPr>
@@ -13218,10 +12733,10 @@
       </p:cxnSp>
       <p:sp>
         <p:nvSpPr>
-          <p:cNvPr id="13" name="CaixaDeTexto 12">
-            <a:extLst>
-              <a:ext uri="{FF2B5EF4-FFF2-40B4-BE49-F238E27FC236}">
-                <a16:creationId xmlns:a16="http://schemas.microsoft.com/office/drawing/2014/main" id="{7582186A-0E72-4556-B6E3-75E577AEAB3C}"/>
+          <p:cNvPr id="23" name="CaixaDeTexto 22">
+            <a:extLst>
+              <a:ext uri="{FF2B5EF4-FFF2-40B4-BE49-F238E27FC236}">
+                <a16:creationId xmlns:a16="http://schemas.microsoft.com/office/drawing/2014/main" id="{3EDE5F5A-9157-40C4-9894-CDA1F597E236}"/>
               </a:ext>
             </a:extLst>
           </p:cNvPr>
@@ -13230,8 +12745,44 @@
         </p:nvSpPr>
         <p:spPr>
           <a:xfrm>
-            <a:off x="1189358" y="1905778"/>
-            <a:ext cx="5468893" cy="2031325"/>
+            <a:off x="9401461" y="5853878"/>
+            <a:ext cx="1953087" cy="338554"/>
+          </a:xfrm>
+          <a:prstGeom prst="rect">
+            <a:avLst/>
+          </a:prstGeom>
+          <a:noFill/>
+        </p:spPr>
+        <p:txBody>
+          <a:bodyPr wrap="square" rtlCol="0">
+            <a:spAutoFit/>
+          </a:bodyPr>
+          <a:lstStyle/>
+          <a:p>
+            <a:r>
+              <a:rPr lang="pt-PT" sz="1600" dirty="0"/>
+              <a:t>DonationManger.cpp</a:t>
+            </a:r>
+            <a:endParaRPr lang="en-GB" sz="1600" dirty="0"/>
+          </a:p>
+        </p:txBody>
+      </p:sp>
+      <p:sp>
+        <p:nvSpPr>
+          <p:cNvPr id="41" name="CaixaDeTexto 40">
+            <a:extLst>
+              <a:ext uri="{FF2B5EF4-FFF2-40B4-BE49-F238E27FC236}">
+                <a16:creationId xmlns:a16="http://schemas.microsoft.com/office/drawing/2014/main" id="{53A78830-F1D5-4288-A9BC-8C76AEB8D97D}"/>
+              </a:ext>
+            </a:extLst>
+          </p:cNvPr>
+          <p:cNvSpPr txBox="1"/>
+          <p:nvPr/>
+        </p:nvSpPr>
+        <p:spPr>
+          <a:xfrm>
+            <a:off x="1297720" y="1896645"/>
+            <a:ext cx="5689006" cy="2308324"/>
           </a:xfrm>
           <a:prstGeom prst="rect">
             <a:avLst/>
@@ -13253,15 +12804,23 @@
             </a:pPr>
             <a:r>
               <a:rPr lang="pt-PT" dirty="0"/>
-              <a:t>Pesquisa da BST é feita através de </a:t>
+              <a:t>Inserção e remoção de elementos na BST são feitos a partir dos métodos definidos em </a:t>
             </a:r>
             <a:r>
               <a:rPr lang="pt-PT" dirty="0" err="1"/>
-              <a:t>iteradores</a:t>
+              <a:t>BST.h</a:t>
             </a:r>
             <a:r>
               <a:rPr lang="pt-PT" dirty="0"/>
-              <a:t> em ordem, desta forma os elementos obtidos ficam devidamente organizados.</a:t>
+              <a:t>. São usados os algoritmos de </a:t>
+            </a:r>
+            <a:r>
+              <a:rPr lang="pt-PT" dirty="0" err="1"/>
+              <a:t>find</a:t>
+            </a:r>
+            <a:r>
+              <a:rPr lang="pt-PT" dirty="0"/>
+              <a:t> e remove da BST.</a:t>
             </a:r>
           </a:p>
           <a:p>
@@ -13273,355 +12832,68 @@
               <a:buChar char="•"/>
             </a:pPr>
             <a:r>
-              <a:rPr lang="en-GB" dirty="0"/>
-              <a:t>A </a:t>
-            </a:r>
-            <a:r>
-              <a:rPr lang="en-GB" dirty="0" err="1"/>
-              <a:t>informação</a:t>
-            </a:r>
-            <a:r>
-              <a:rPr lang="en-GB" dirty="0"/>
-              <a:t> </a:t>
-            </a:r>
-            <a:r>
-              <a:rPr lang="en-GB" dirty="0" err="1"/>
-              <a:t>relevante</a:t>
-            </a:r>
-            <a:r>
-              <a:rPr lang="en-GB" dirty="0"/>
-              <a:t> </a:t>
-            </a:r>
-            <a:r>
-              <a:rPr lang="en-GB" dirty="0" err="1"/>
-              <a:t>aos</a:t>
-            </a:r>
-            <a:r>
-              <a:rPr lang="en-GB" dirty="0"/>
-              <a:t> streamers </a:t>
-            </a:r>
-            <a:r>
-              <a:rPr lang="en-GB" dirty="0" err="1"/>
-              <a:t>foi</a:t>
-            </a:r>
-            <a:r>
-              <a:rPr lang="en-GB" dirty="0"/>
-              <a:t> </a:t>
-            </a:r>
-            <a:r>
-              <a:rPr lang="en-GB" dirty="0" err="1"/>
-              <a:t>movida</a:t>
-            </a:r>
-            <a:r>
-              <a:rPr lang="en-GB" dirty="0"/>
-              <a:t> para um </a:t>
-            </a:r>
-            <a:r>
-              <a:rPr lang="en-GB" dirty="0" err="1"/>
-              <a:t>unordered_set</a:t>
-            </a:r>
-            <a:r>
-              <a:rPr lang="en-GB" dirty="0"/>
-              <a:t>. </a:t>
-            </a:r>
-            <a:r>
-              <a:rPr lang="en-GB" u="sng" dirty="0" err="1"/>
-              <a:t>Foi</a:t>
-            </a:r>
-            <a:r>
-              <a:rPr lang="en-GB" u="sng" dirty="0"/>
-              <a:t> </a:t>
-            </a:r>
-            <a:r>
-              <a:rPr lang="en-GB" u="sng" dirty="0" err="1"/>
-              <a:t>necessário</a:t>
-            </a:r>
-            <a:r>
-              <a:rPr lang="en-GB" u="sng" dirty="0"/>
-              <a:t> </a:t>
-            </a:r>
-            <a:r>
-              <a:rPr lang="en-GB" u="sng" dirty="0" err="1"/>
-              <a:t>modificar</a:t>
-            </a:r>
-            <a:r>
-              <a:rPr lang="en-GB" u="sng" dirty="0"/>
-              <a:t> </a:t>
-            </a:r>
-            <a:r>
-              <a:rPr lang="en-GB" u="sng" dirty="0" err="1"/>
-              <a:t>algumas</a:t>
-            </a:r>
-            <a:r>
-              <a:rPr lang="en-GB" u="sng" dirty="0"/>
-              <a:t> </a:t>
-            </a:r>
-            <a:r>
-              <a:rPr lang="en-GB" u="sng" dirty="0" err="1"/>
-              <a:t>funções</a:t>
-            </a:r>
-            <a:r>
-              <a:rPr lang="en-GB" u="sng" dirty="0"/>
-              <a:t>. </a:t>
-            </a:r>
-            <a:r>
-              <a:rPr lang="en-GB" dirty="0" err="1">
-                <a:solidFill>
-                  <a:srgbClr val="FF0000"/>
-                </a:solidFill>
-              </a:rPr>
-              <a:t>Teve</a:t>
-            </a:r>
-            <a:r>
-              <a:rPr lang="en-GB" dirty="0">
-                <a:solidFill>
-                  <a:srgbClr val="FF0000"/>
-                </a:solidFill>
-              </a:rPr>
-              <a:t> de se </a:t>
-            </a:r>
-            <a:r>
-              <a:rPr lang="en-GB" dirty="0" err="1">
-                <a:solidFill>
-                  <a:srgbClr val="FF0000"/>
-                </a:solidFill>
-              </a:rPr>
-              <a:t>modificar</a:t>
-            </a:r>
-            <a:r>
-              <a:rPr lang="en-GB" dirty="0">
-                <a:solidFill>
-                  <a:srgbClr val="FF0000"/>
-                </a:solidFill>
-              </a:rPr>
-              <a:t> a </a:t>
-            </a:r>
-            <a:r>
-              <a:rPr lang="en-GB" dirty="0" err="1">
-                <a:solidFill>
-                  <a:srgbClr val="FF0000"/>
-                </a:solidFill>
-              </a:rPr>
-              <a:t>função</a:t>
-            </a:r>
-            <a:r>
-              <a:rPr lang="en-GB" dirty="0">
-                <a:solidFill>
-                  <a:srgbClr val="FF0000"/>
-                </a:solidFill>
-              </a:rPr>
-              <a:t> </a:t>
-            </a:r>
-            <a:r>
-              <a:rPr lang="en-GB" dirty="0" err="1">
-                <a:solidFill>
-                  <a:srgbClr val="FF0000"/>
-                </a:solidFill>
-              </a:rPr>
-              <a:t>getUser</a:t>
-            </a:r>
-            <a:r>
-              <a:rPr lang="en-GB" dirty="0">
-                <a:solidFill>
-                  <a:srgbClr val="FF0000"/>
-                </a:solidFill>
-              </a:rPr>
-              <a:t>. </a:t>
-            </a:r>
-            <a:r>
-              <a:rPr lang="en-GB" dirty="0">
-                <a:solidFill>
-                  <a:srgbClr val="FF0000"/>
-                </a:solidFill>
-                <a:highlight>
-                  <a:srgbClr val="000080"/>
-                </a:highlight>
-              </a:rPr>
-              <a:t>(</a:t>
-            </a:r>
-            <a:r>
-              <a:rPr lang="en-GB" dirty="0" err="1">
-                <a:solidFill>
-                  <a:srgbClr val="FF0000"/>
-                </a:solidFill>
-                <a:highlight>
-                  <a:srgbClr val="000080"/>
-                </a:highlight>
-              </a:rPr>
-              <a:t>Escolhe</a:t>
-            </a:r>
-            <a:r>
-              <a:rPr lang="en-GB" dirty="0">
-                <a:solidFill>
-                  <a:srgbClr val="FF0000"/>
-                </a:solidFill>
-                <a:highlight>
-                  <a:srgbClr val="000080"/>
-                </a:highlight>
-              </a:rPr>
-              <a:t> a </a:t>
-            </a:r>
-            <a:r>
-              <a:rPr lang="en-GB" dirty="0" err="1">
-                <a:solidFill>
-                  <a:srgbClr val="FF0000"/>
-                </a:solidFill>
-                <a:highlight>
-                  <a:srgbClr val="000080"/>
-                </a:highlight>
-              </a:rPr>
-              <a:t>maneira</a:t>
-            </a:r>
-            <a:r>
-              <a:rPr lang="en-GB" dirty="0">
-                <a:solidFill>
-                  <a:srgbClr val="FF0000"/>
-                </a:solidFill>
-                <a:highlight>
-                  <a:srgbClr val="000080"/>
-                </a:highlight>
-              </a:rPr>
-              <a:t> que </a:t>
-            </a:r>
-            <a:r>
-              <a:rPr lang="en-GB" dirty="0" err="1">
-                <a:solidFill>
-                  <a:srgbClr val="FF0000"/>
-                </a:solidFill>
-                <a:highlight>
-                  <a:srgbClr val="000080"/>
-                </a:highlight>
-              </a:rPr>
-              <a:t>preferes</a:t>
-            </a:r>
-            <a:r>
-              <a:rPr lang="en-GB" dirty="0">
-                <a:solidFill>
-                  <a:srgbClr val="FF0000"/>
-                </a:solidFill>
-                <a:highlight>
-                  <a:srgbClr val="000080"/>
-                </a:highlight>
-              </a:rPr>
-              <a:t>)</a:t>
-            </a:r>
-          </a:p>
-        </p:txBody>
-      </p:sp>
-      <p:sp>
-        <p:nvSpPr>
-          <p:cNvPr id="15" name="CaixaDeTexto 14">
-            <a:extLst>
-              <a:ext uri="{FF2B5EF4-FFF2-40B4-BE49-F238E27FC236}">
-                <a16:creationId xmlns:a16="http://schemas.microsoft.com/office/drawing/2014/main" id="{A81839B1-9541-4C3D-90BF-31A386C176B7}"/>
-              </a:ext>
-            </a:extLst>
-          </p:cNvPr>
-          <p:cNvSpPr txBox="1"/>
-          <p:nvPr/>
-        </p:nvSpPr>
-        <p:spPr>
-          <a:xfrm>
-            <a:off x="10028464" y="2862896"/>
-            <a:ext cx="1127216" cy="338554"/>
-          </a:xfrm>
-          <a:prstGeom prst="rect">
-            <a:avLst/>
-          </a:prstGeom>
-          <a:noFill/>
-        </p:spPr>
-        <p:txBody>
-          <a:bodyPr wrap="square" rtlCol="0">
-            <a:spAutoFit/>
-          </a:bodyPr>
-          <a:lstStyle/>
-          <a:p>
-            <a:r>
-              <a:rPr lang="pt-PT" sz="1600" dirty="0" err="1"/>
-              <a:t>DataBase.h</a:t>
-            </a:r>
-            <a:endParaRPr lang="en-GB" sz="1600" dirty="0"/>
-          </a:p>
-        </p:txBody>
-      </p:sp>
-      <p:sp>
-        <p:nvSpPr>
-          <p:cNvPr id="17" name="CaixaDeTexto 16">
-            <a:extLst>
-              <a:ext uri="{FF2B5EF4-FFF2-40B4-BE49-F238E27FC236}">
-                <a16:creationId xmlns:a16="http://schemas.microsoft.com/office/drawing/2014/main" id="{81CB8B24-77F1-4D2B-AD3D-68F6F9D049FA}"/>
-              </a:ext>
-            </a:extLst>
-          </p:cNvPr>
-          <p:cNvSpPr txBox="1"/>
-          <p:nvPr/>
-        </p:nvSpPr>
-        <p:spPr>
-          <a:xfrm>
-            <a:off x="9323511" y="5807790"/>
-            <a:ext cx="1832169" cy="338554"/>
-          </a:xfrm>
-          <a:prstGeom prst="rect">
-            <a:avLst/>
-          </a:prstGeom>
-          <a:noFill/>
-        </p:spPr>
-        <p:txBody>
-          <a:bodyPr wrap="square" rtlCol="0">
-            <a:spAutoFit/>
-          </a:bodyPr>
-          <a:lstStyle/>
-          <a:p>
-            <a:r>
-              <a:rPr lang="pt-PT" sz="1600" dirty="0"/>
-              <a:t>SearchManager.cpp</a:t>
-            </a:r>
-            <a:endParaRPr lang="en-GB" sz="1600" dirty="0"/>
-          </a:p>
-        </p:txBody>
-      </p:sp>
-      <p:sp>
-        <p:nvSpPr>
-          <p:cNvPr id="21" name="CaixaDeTexto 20">
-            <a:extLst>
-              <a:ext uri="{FF2B5EF4-FFF2-40B4-BE49-F238E27FC236}">
-                <a16:creationId xmlns:a16="http://schemas.microsoft.com/office/drawing/2014/main" id="{5F124F6A-0A21-4FD6-B5AE-F0E92890F0F9}"/>
-              </a:ext>
-            </a:extLst>
-          </p:cNvPr>
-          <p:cNvSpPr txBox="1"/>
-          <p:nvPr/>
-        </p:nvSpPr>
-        <p:spPr>
-          <a:xfrm>
-            <a:off x="3168566" y="5702218"/>
-            <a:ext cx="1035238" cy="338554"/>
-          </a:xfrm>
-          <a:prstGeom prst="rect">
-            <a:avLst/>
-          </a:prstGeom>
-          <a:noFill/>
-        </p:spPr>
-        <p:txBody>
-          <a:bodyPr wrap="square" rtlCol="0">
-            <a:spAutoFit/>
-          </a:bodyPr>
-          <a:lstStyle/>
-          <a:p>
-            <a:r>
-              <a:rPr lang="pt-PT" sz="1600" dirty="0" err="1"/>
-              <a:t>StreamZ.h</a:t>
-            </a:r>
-            <a:endParaRPr lang="en-GB" sz="1600" dirty="0"/>
-          </a:p>
-        </p:txBody>
-      </p:sp>
-      <p:sp>
-        <p:nvSpPr>
-          <p:cNvPr id="2" name="Marcador de Posição do Rodapé 1">
-            <a:extLst>
-              <a:ext uri="{FF2B5EF4-FFF2-40B4-BE49-F238E27FC236}">
-                <a16:creationId xmlns:a16="http://schemas.microsoft.com/office/drawing/2014/main" id="{AC9C9DC4-4A5E-473D-B162-15858523817F}"/>
+              <a:rPr lang="pt-PT" dirty="0"/>
+              <a:t>Opção de desativar a conta </a:t>
+            </a:r>
+            <a:r>
+              <a:rPr lang="pt-PT" dirty="0" err="1"/>
+              <a:t>streamer</a:t>
+            </a:r>
+            <a:r>
+              <a:rPr lang="pt-PT" dirty="0"/>
+              <a:t> e de apagar permanentemente. </a:t>
+            </a:r>
+          </a:p>
+          <a:p>
+            <a:pPr marL="285750" indent="-285750">
+              <a:buClr>
+                <a:srgbClr val="8C2D19"/>
+              </a:buClr>
+              <a:buFont typeface="Arial" panose="020B0604020202020204" pitchFamily="34" charset="0"/>
+              <a:buChar char="•"/>
+            </a:pPr>
+            <a:r>
+              <a:rPr lang="pt-PT" dirty="0"/>
+              <a:t>Pode ser alterado o nome e password do </a:t>
+            </a:r>
+            <a:r>
+              <a:rPr lang="pt-PT" dirty="0" err="1"/>
+              <a:t>streamer</a:t>
+            </a:r>
+            <a:r>
+              <a:rPr lang="pt-PT" dirty="0"/>
+              <a:t>.</a:t>
+            </a:r>
+          </a:p>
+          <a:p>
+            <a:pPr marL="285750" indent="-285750">
+              <a:buClr>
+                <a:srgbClr val="8C2D19"/>
+              </a:buClr>
+              <a:buFont typeface="Arial" panose="020B0604020202020204" pitchFamily="34" charset="0"/>
+              <a:buChar char="•"/>
+            </a:pPr>
+            <a:r>
+              <a:rPr lang="pt-PT" dirty="0"/>
+              <a:t>É possível eliminar </a:t>
+            </a:r>
+            <a:r>
+              <a:rPr lang="pt-PT" dirty="0" err="1"/>
+              <a:t>streams</a:t>
+            </a:r>
+            <a:r>
+              <a:rPr lang="pt-PT" dirty="0"/>
+              <a:t> através da conta de administrador.</a:t>
+            </a:r>
+          </a:p>
+        </p:txBody>
+      </p:sp>
+      <p:sp>
+        <p:nvSpPr>
+          <p:cNvPr id="3" name="Marcador de Posição do Rodapé 2">
+            <a:extLst>
+              <a:ext uri="{FF2B5EF4-FFF2-40B4-BE49-F238E27FC236}">
+                <a16:creationId xmlns:a16="http://schemas.microsoft.com/office/drawing/2014/main" id="{46E07225-AC96-4BE3-BF46-5D4E1E904945}"/>
               </a:ext>
             </a:extLst>
           </p:cNvPr>
@@ -13646,10 +12918,10 @@
       </p:sp>
       <p:sp>
         <p:nvSpPr>
-          <p:cNvPr id="3" name="Marcador de Posição do Número do Diapositivo 2">
-            <a:extLst>
-              <a:ext uri="{FF2B5EF4-FFF2-40B4-BE49-F238E27FC236}">
-                <a16:creationId xmlns:a16="http://schemas.microsoft.com/office/drawing/2014/main" id="{59E940EF-7100-4753-B4D6-8317706B5F39}"/>
+          <p:cNvPr id="6" name="Marcador de Posição do Número do Diapositivo 5">
+            <a:extLst>
+              <a:ext uri="{FF2B5EF4-FFF2-40B4-BE49-F238E27FC236}">
+                <a16:creationId xmlns:a16="http://schemas.microsoft.com/office/drawing/2014/main" id="{C2560148-6F83-4804-9A82-C924B2C63501}"/>
               </a:ext>
             </a:extLst>
           </p:cNvPr>
@@ -13675,10 +12947,10 @@
       </p:sp>
       <p:pic>
         <p:nvPicPr>
-          <p:cNvPr id="14" name="Imagem 13">
-            <a:extLst>
-              <a:ext uri="{FF2B5EF4-FFF2-40B4-BE49-F238E27FC236}">
-                <a16:creationId xmlns:a16="http://schemas.microsoft.com/office/drawing/2014/main" id="{C71CCF36-FC3F-4EBC-8464-434B110BC0A4}"/>
+          <p:cNvPr id="16" name="Imagem 15">
+            <a:extLst>
+              <a:ext uri="{FF2B5EF4-FFF2-40B4-BE49-F238E27FC236}">
+                <a16:creationId xmlns:a16="http://schemas.microsoft.com/office/drawing/2014/main" id="{5C7ABC6E-E6AE-4BFA-9C4B-2A3113750E53}"/>
               </a:ext>
             </a:extLst>
           </p:cNvPr>
@@ -13710,10 +12982,10 @@
       </p:pic>
       <p:pic>
         <p:nvPicPr>
-          <p:cNvPr id="10" name="Imagem 9">
-            <a:extLst>
-              <a:ext uri="{FF2B5EF4-FFF2-40B4-BE49-F238E27FC236}">
-                <a16:creationId xmlns:a16="http://schemas.microsoft.com/office/drawing/2014/main" id="{01983A3F-4BB4-4B05-B2F2-8B9FB3D3EE53}"/>
+          <p:cNvPr id="8" name="Imagem 7">
+            <a:extLst>
+              <a:ext uri="{FF2B5EF4-FFF2-40B4-BE49-F238E27FC236}">
+                <a16:creationId xmlns:a16="http://schemas.microsoft.com/office/drawing/2014/main" id="{6327B5A5-9081-4DF5-A64C-BB5D454133C5}"/>
               </a:ext>
             </a:extLst>
           </p:cNvPr>
@@ -13730,8 +13002,8 @@
         </p:blipFill>
         <p:spPr>
           <a:xfrm>
-            <a:off x="6717741" y="1925499"/>
-            <a:ext cx="4370470" cy="979481"/>
+            <a:off x="4330606" y="4014024"/>
+            <a:ext cx="6927703" cy="1896443"/>
           </a:xfrm>
           <a:prstGeom prst="rect">
             <a:avLst/>
@@ -13740,10 +13012,10 @@
       </p:pic>
       <p:pic>
         <p:nvPicPr>
-          <p:cNvPr id="6" name="Picture 5">
-            <a:extLst>
-              <a:ext uri="{FF2B5EF4-FFF2-40B4-BE49-F238E27FC236}">
-                <a16:creationId xmlns:a16="http://schemas.microsoft.com/office/drawing/2014/main" id="{734732CE-8093-4C2C-9310-00531976E575}"/>
+          <p:cNvPr id="7" name="Picture 6">
+            <a:extLst>
+              <a:ext uri="{FF2B5EF4-FFF2-40B4-BE49-F238E27FC236}">
+                <a16:creationId xmlns:a16="http://schemas.microsoft.com/office/drawing/2014/main" id="{D22DD839-59F8-4A2D-97B8-C7646621C030}"/>
               </a:ext>
             </a:extLst>
           </p:cNvPr>
@@ -13760,8 +13032,8 @@
         </p:blipFill>
         <p:spPr>
           <a:xfrm>
-            <a:off x="5552891" y="3594945"/>
-            <a:ext cx="5535320" cy="2231140"/>
+            <a:off x="7163938" y="1946099"/>
+            <a:ext cx="4026912" cy="435342"/>
           </a:xfrm>
           <a:prstGeom prst="rect">
             <a:avLst/>
@@ -13770,10 +13042,10 @@
       </p:pic>
       <p:pic>
         <p:nvPicPr>
-          <p:cNvPr id="8" name="Imagem 7">
-            <a:extLst>
-              <a:ext uri="{FF2B5EF4-FFF2-40B4-BE49-F238E27FC236}">
-                <a16:creationId xmlns:a16="http://schemas.microsoft.com/office/drawing/2014/main" id="{E0D1E37E-282C-4B9D-80AC-5A813EF29532}"/>
+          <p:cNvPr id="11" name="Picture 10">
+            <a:extLst>
+              <a:ext uri="{FF2B5EF4-FFF2-40B4-BE49-F238E27FC236}">
+                <a16:creationId xmlns:a16="http://schemas.microsoft.com/office/drawing/2014/main" id="{03BD7050-BFCC-4C94-8914-1EC2953248A2}"/>
               </a:ext>
             </a:extLst>
           </p:cNvPr>
@@ -13790,8 +13062,8 @@
         </p:blipFill>
         <p:spPr>
           <a:xfrm>
-            <a:off x="1188728" y="3862751"/>
-            <a:ext cx="3010161" cy="1806097"/>
+            <a:off x="7163938" y="2455202"/>
+            <a:ext cx="4026912" cy="1299555"/>
           </a:xfrm>
           <a:prstGeom prst="rect">
             <a:avLst/>
@@ -13801,7 +13073,7 @@
     </p:spTree>
     <p:extLst>
       <p:ext uri="{BB962C8B-B14F-4D97-AF65-F5344CB8AC3E}">
-        <p14:creationId xmlns:p14="http://schemas.microsoft.com/office/powerpoint/2010/main" val="1154785579"/>
+        <p14:creationId xmlns:p14="http://schemas.microsoft.com/office/powerpoint/2010/main" val="1811745654"/>
       </p:ext>
     </p:extLst>
   </p:cSld>

--- a/StreamZ__P2.pptx
+++ b/StreamZ__P2.pptx
@@ -371,7 +371,7 @@
           <a:p>
             <a:fld id="{B3BE95CB-A87E-409C-9CB9-073D81AF8FD7}" type="slidenum">
               <a:rPr lang="en-GB" smtClean="0"/>
-              <a:t>‹#›</a:t>
+              <a:t>‹nº›</a:t>
             </a:fld>
             <a:endParaRPr lang="en-GB"/>
           </a:p>
@@ -753,7 +753,7 @@
           <a:p>
             <a:fld id="{75DB3F52-068C-4339-9FA6-06F9AAEB3337}" type="slidenum">
               <a:rPr lang="en-GB" smtClean="0"/>
-              <a:t>‹#›</a:t>
+              <a:t>‹nº›</a:t>
             </a:fld>
             <a:endParaRPr lang="en-GB"/>
           </a:p>
@@ -964,7 +964,7 @@
           <a:p>
             <a:fld id="{75DB3F52-068C-4339-9FA6-06F9AAEB3337}" type="slidenum">
               <a:rPr lang="en-GB" smtClean="0"/>
-              <a:t>‹#›</a:t>
+              <a:t>‹nº›</a:t>
             </a:fld>
             <a:endParaRPr lang="en-GB"/>
           </a:p>
@@ -1225,7 +1225,7 @@
           <a:p>
             <a:fld id="{75DB3F52-068C-4339-9FA6-06F9AAEB3337}" type="slidenum">
               <a:rPr lang="en-GB" smtClean="0"/>
-              <a:t>‹#›</a:t>
+              <a:t>‹nº›</a:t>
             </a:fld>
             <a:endParaRPr lang="en-GB"/>
           </a:p>
@@ -1398,7 +1398,7 @@
           <a:p>
             <a:fld id="{75DB3F52-068C-4339-9FA6-06F9AAEB3337}" type="slidenum">
               <a:rPr lang="en-GB" smtClean="0"/>
-              <a:t>‹#›</a:t>
+              <a:t>‹nº›</a:t>
             </a:fld>
             <a:endParaRPr lang="en-GB"/>
           </a:p>
@@ -1738,7 +1738,7 @@
           <a:p>
             <a:fld id="{75DB3F52-068C-4339-9FA6-06F9AAEB3337}" type="slidenum">
               <a:rPr lang="en-GB" smtClean="0"/>
-              <a:t>‹#›</a:t>
+              <a:t>‹nº›</a:t>
             </a:fld>
             <a:endParaRPr lang="en-GB"/>
           </a:p>
@@ -2016,7 +2016,7 @@
           <a:p>
             <a:fld id="{75DB3F52-068C-4339-9FA6-06F9AAEB3337}" type="slidenum">
               <a:rPr lang="en-GB" smtClean="0"/>
-              <a:t>‹#›</a:t>
+              <a:t>‹nº›</a:t>
             </a:fld>
             <a:endParaRPr lang="en-GB"/>
           </a:p>
@@ -2402,7 +2402,7 @@
           <a:p>
             <a:fld id="{75DB3F52-068C-4339-9FA6-06F9AAEB3337}" type="slidenum">
               <a:rPr lang="en-GB" smtClean="0"/>
-              <a:t>‹#›</a:t>
+              <a:t>‹nº›</a:t>
             </a:fld>
             <a:endParaRPr lang="en-GB"/>
           </a:p>
@@ -2523,7 +2523,7 @@
           <a:p>
             <a:fld id="{75DB3F52-068C-4339-9FA6-06F9AAEB3337}" type="slidenum">
               <a:rPr lang="en-GB" smtClean="0"/>
-              <a:t>‹#›</a:t>
+              <a:t>‹nº›</a:t>
             </a:fld>
             <a:endParaRPr lang="en-GB"/>
           </a:p>
@@ -2707,7 +2707,7 @@
           <a:p>
             <a:fld id="{75DB3F52-068C-4339-9FA6-06F9AAEB3337}" type="slidenum">
               <a:rPr lang="en-GB" smtClean="0"/>
-              <a:t>‹#›</a:t>
+              <a:t>‹nº›</a:t>
             </a:fld>
             <a:endParaRPr lang="en-GB"/>
           </a:p>
@@ -3079,7 +3079,7 @@
           <a:p>
             <a:fld id="{75DB3F52-068C-4339-9FA6-06F9AAEB3337}" type="slidenum">
               <a:rPr lang="en-GB" smtClean="0"/>
-              <a:t>‹#›</a:t>
+              <a:t>‹nº›</a:t>
             </a:fld>
             <a:endParaRPr lang="en-GB"/>
           </a:p>
@@ -3425,7 +3425,7 @@
           <a:p>
             <a:fld id="{75DB3F52-068C-4339-9FA6-06F9AAEB3337}" type="slidenum">
               <a:rPr lang="en-GB" smtClean="0"/>
-              <a:t>‹#›</a:t>
+              <a:t>‹nº›</a:t>
             </a:fld>
             <a:endParaRPr lang="en-GB"/>
           </a:p>
@@ -3755,7 +3755,7 @@
           <a:p>
             <a:fld id="{75DB3F52-068C-4339-9FA6-06F9AAEB3337}" type="slidenum">
               <a:rPr lang="en-GB" smtClean="0"/>
-              <a:t>‹#›</a:t>
+              <a:t>‹nº›</a:t>
             </a:fld>
             <a:endParaRPr lang="en-GB"/>
           </a:p>
@@ -9082,7 +9082,7 @@
         <p:spPr>
           <a:xfrm>
             <a:off x="1190495" y="1841033"/>
-            <a:ext cx="9871969" cy="3693319"/>
+            <a:ext cx="9871969" cy="4247317"/>
           </a:xfrm>
           <a:prstGeom prst="rect">
             <a:avLst/>
@@ -9276,7 +9276,18 @@
             </a:r>
             <a:r>
               <a:rPr lang="pt-PT" dirty="0"/>
-              <a:t>. </a:t>
+              <a:t>.</a:t>
+            </a:r>
+          </a:p>
+          <a:p>
+            <a:pPr>
+              <a:buClr>
+                <a:srgbClr val="C00000"/>
+              </a:buClr>
+            </a:pPr>
+            <a:r>
+              <a:rPr lang="pt-PT" dirty="0"/>
+              <a:t> </a:t>
             </a:r>
           </a:p>
           <a:p>
@@ -9323,6 +9334,14 @@
               <a:rPr lang="pt-PT" dirty="0"/>
               <a:t>. </a:t>
             </a:r>
+          </a:p>
+          <a:p>
+            <a:pPr>
+              <a:buClr>
+                <a:srgbClr val="C00000"/>
+              </a:buClr>
+            </a:pPr>
+            <a:endParaRPr lang="pt-PT" dirty="0"/>
           </a:p>
           <a:p>
             <a:pPr marL="285750" indent="-285750">
@@ -10392,7 +10411,7 @@
         </p:blipFill>
         <p:spPr>
           <a:xfrm>
-            <a:off x="2516413" y="3708901"/>
+            <a:off x="1939766" y="3863646"/>
             <a:ext cx="2339543" cy="1417443"/>
           </a:xfrm>
           <a:prstGeom prst="rect">
@@ -10562,14 +10581,15 @@
           </p:cNvPr>
           <p:cNvCxnSpPr>
             <a:cxnSpLocks/>
+            <a:stCxn id="40" idx="0"/>
             <a:endCxn id="18" idx="2"/>
           </p:cNvCxnSpPr>
           <p:nvPr/>
         </p:nvCxnSpPr>
         <p:spPr>
           <a:xfrm flipH="1" flipV="1">
-            <a:off x="1740225" y="2802918"/>
-            <a:ext cx="1156628" cy="911687"/>
+            <a:off x="1025040" y="3410655"/>
+            <a:ext cx="1310790" cy="452990"/>
           </a:xfrm>
           <a:prstGeom prst="straightConnector1">
             <a:avLst/>
@@ -10610,8 +10630,8 @@
         </p:nvSpPr>
         <p:spPr>
           <a:xfrm>
-            <a:off x="856958" y="2402808"/>
-            <a:ext cx="1766533" cy="400110"/>
+            <a:off x="141773" y="2702769"/>
+            <a:ext cx="1766533" cy="707886"/>
           </a:xfrm>
           <a:prstGeom prst="rect">
             <a:avLst/>
@@ -10627,15 +10647,15 @@
             <a:pPr algn="ctr"/>
             <a:r>
               <a:rPr lang="pt-PT" sz="2000" dirty="0" err="1"/>
+              <a:t>Nick</a:t>
+            </a:r>
+            <a:r>
+              <a:rPr lang="pt-PT" sz="2000" dirty="0"/>
+              <a:t> do </a:t>
+            </a:r>
+            <a:r>
+              <a:rPr lang="pt-PT" sz="2000" dirty="0" err="1"/>
               <a:t>Streamer</a:t>
-            </a:r>
-            <a:r>
-              <a:rPr lang="pt-PT" sz="2000" dirty="0"/>
-              <a:t> </a:t>
-            </a:r>
-            <a:r>
-              <a:rPr lang="pt-PT" sz="2000" dirty="0" err="1"/>
-              <a:t>Nick</a:t>
             </a:r>
             <a:endParaRPr lang="en-GB" sz="2000" dirty="0"/>
           </a:p>
@@ -10658,8 +10678,8 @@
         </p:nvCxnSpPr>
         <p:spPr>
           <a:xfrm flipV="1">
-            <a:off x="3581471" y="3038522"/>
-            <a:ext cx="128202" cy="686165"/>
+            <a:off x="3004824" y="3193267"/>
+            <a:ext cx="128202" cy="686166"/>
           </a:xfrm>
           <a:prstGeom prst="straightConnector1">
             <a:avLst/>
@@ -10700,7 +10720,7 @@
         </p:nvSpPr>
         <p:spPr>
           <a:xfrm>
-            <a:off x="3029212" y="2330636"/>
+            <a:off x="2452565" y="2485381"/>
             <a:ext cx="1360922" cy="707886"/>
           </a:xfrm>
           <a:prstGeom prst="rect">
@@ -10716,16 +10736,8 @@
           <a:p>
             <a:pPr algn="ctr"/>
             <a:r>
-              <a:rPr lang="pt-PT" sz="2000" dirty="0" err="1"/>
-              <a:t>Amount</a:t>
-            </a:r>
-            <a:r>
               <a:rPr lang="pt-PT" sz="2000" dirty="0"/>
-              <a:t> </a:t>
-            </a:r>
-            <a:r>
-              <a:rPr lang="pt-PT" sz="2000" dirty="0" err="1"/>
-              <a:t>donated</a:t>
+              <a:t>Valor da doação</a:t>
             </a:r>
             <a:endParaRPr lang="en-GB" sz="2000" dirty="0"/>
           </a:p>
@@ -10742,14 +10754,15 @@
           </p:cNvPr>
           <p:cNvCxnSpPr>
             <a:cxnSpLocks/>
+            <a:stCxn id="45" idx="0"/>
             <a:endCxn id="28" idx="2"/>
           </p:cNvCxnSpPr>
           <p:nvPr/>
         </p:nvCxnSpPr>
         <p:spPr>
           <a:xfrm flipV="1">
-            <a:off x="3955141" y="2809593"/>
-            <a:ext cx="1245489" cy="913890"/>
+            <a:off x="3391585" y="3098158"/>
+            <a:ext cx="1196146" cy="765487"/>
           </a:xfrm>
           <a:prstGeom prst="straightConnector1">
             <a:avLst/>
@@ -10790,8 +10803,8 @@
         </p:nvSpPr>
         <p:spPr>
           <a:xfrm>
-            <a:off x="4570350" y="2440261"/>
-            <a:ext cx="1260559" cy="369332"/>
+            <a:off x="3957451" y="2698048"/>
+            <a:ext cx="1260559" cy="400110"/>
           </a:xfrm>
           <a:prstGeom prst="rect">
             <a:avLst/>
@@ -10806,10 +10819,10 @@
           <a:p>
             <a:pPr algn="ctr"/>
             <a:r>
-              <a:rPr lang="pt-PT" dirty="0" err="1"/>
-              <a:t>Evaluation</a:t>
-            </a:r>
-            <a:endParaRPr lang="en-GB" sz="2000" dirty="0"/>
+              <a:rPr lang="pt-PT" sz="2000" dirty="0"/>
+              <a:t>Avaliação</a:t>
+            </a:r>
+            <a:endParaRPr lang="en-GB" sz="2400" dirty="0"/>
           </a:p>
         </p:txBody>
       </p:sp>
@@ -10862,7 +10875,7 @@
         </p:nvSpPr>
         <p:spPr>
           <a:xfrm>
-            <a:off x="2513892" y="3708900"/>
+            <a:off x="1937245" y="3863645"/>
             <a:ext cx="797169" cy="180425"/>
           </a:xfrm>
           <a:prstGeom prst="ellipse">
@@ -10916,7 +10929,7 @@
         </p:nvSpPr>
         <p:spPr>
           <a:xfrm>
-            <a:off x="3440868" y="3708900"/>
+            <a:off x="2864221" y="3863645"/>
             <a:ext cx="273732" cy="180427"/>
           </a:xfrm>
           <a:prstGeom prst="ellipse">
@@ -10970,7 +10983,7 @@
         </p:nvSpPr>
         <p:spPr>
           <a:xfrm>
-            <a:off x="3889474" y="3708900"/>
+            <a:off x="3312827" y="3863645"/>
             <a:ext cx="157516" cy="180425"/>
           </a:xfrm>
           <a:prstGeom prst="ellipse">
@@ -11037,7 +11050,7 @@
         </p:blipFill>
         <p:spPr>
           <a:xfrm>
-            <a:off x="7156230" y="4445691"/>
+            <a:off x="7303745" y="4459387"/>
             <a:ext cx="2339543" cy="624356"/>
           </a:xfrm>
           <a:prstGeom prst="rect">
@@ -11056,14 +11069,15 @@
           </p:cNvPr>
           <p:cNvCxnSpPr>
             <a:cxnSpLocks/>
+            <a:stCxn id="31" idx="0"/>
             <a:endCxn id="37" idx="2"/>
           </p:cNvCxnSpPr>
           <p:nvPr/>
         </p:nvCxnSpPr>
         <p:spPr>
           <a:xfrm flipH="1" flipV="1">
-            <a:off x="6420658" y="3923829"/>
-            <a:ext cx="733674" cy="519435"/>
+            <a:off x="6568173" y="3937525"/>
+            <a:ext cx="810575" cy="526995"/>
           </a:xfrm>
           <a:prstGeom prst="straightConnector1">
             <a:avLst/>
@@ -11104,7 +11118,7 @@
         </p:nvSpPr>
         <p:spPr>
           <a:xfrm>
-            <a:off x="5257745" y="3215943"/>
+            <a:off x="5405260" y="3229639"/>
             <a:ext cx="2325826" cy="707886"/>
           </a:xfrm>
           <a:prstGeom prst="rect">
@@ -11138,14 +11152,15 @@
           </p:cNvPr>
           <p:cNvCxnSpPr>
             <a:cxnSpLocks/>
+            <a:stCxn id="30" idx="0"/>
             <a:endCxn id="39" idx="2"/>
           </p:cNvCxnSpPr>
           <p:nvPr/>
         </p:nvCxnSpPr>
         <p:spPr>
           <a:xfrm flipH="1" flipV="1">
-            <a:off x="8089442" y="3378769"/>
-            <a:ext cx="177871" cy="1226281"/>
+            <a:off x="8236957" y="3392465"/>
+            <a:ext cx="185010" cy="1241933"/>
           </a:xfrm>
           <a:prstGeom prst="straightConnector1">
             <a:avLst/>
@@ -11186,7 +11201,7 @@
         </p:nvSpPr>
         <p:spPr>
           <a:xfrm>
-            <a:off x="7405337" y="2670883"/>
+            <a:off x="7552852" y="2684579"/>
             <a:ext cx="1368209" cy="707886"/>
           </a:xfrm>
           <a:prstGeom prst="rect">
@@ -11224,14 +11239,15 @@
           </p:cNvPr>
           <p:cNvCxnSpPr>
             <a:cxnSpLocks/>
+            <a:stCxn id="49" idx="0"/>
             <a:endCxn id="42" idx="2"/>
           </p:cNvCxnSpPr>
           <p:nvPr/>
         </p:nvCxnSpPr>
         <p:spPr>
           <a:xfrm flipV="1">
-            <a:off x="8758305" y="3488394"/>
-            <a:ext cx="1318194" cy="1097925"/>
+            <a:off x="8920680" y="3502090"/>
+            <a:ext cx="1303334" cy="1130182"/>
           </a:xfrm>
           <a:prstGeom prst="straightConnector1">
             <a:avLst/>
@@ -11272,7 +11288,7 @@
         </p:nvSpPr>
         <p:spPr>
           <a:xfrm>
-            <a:off x="9210167" y="2780508"/>
+            <a:off x="9357682" y="2794204"/>
             <a:ext cx="1732664" cy="707886"/>
           </a:xfrm>
           <a:prstGeom prst="rect">
@@ -11314,14 +11330,15 @@
           </p:cNvPr>
           <p:cNvCxnSpPr>
             <a:cxnSpLocks/>
+            <a:stCxn id="32" idx="2"/>
             <a:endCxn id="46" idx="3"/>
           </p:cNvCxnSpPr>
           <p:nvPr/>
         </p:nvCxnSpPr>
         <p:spPr>
           <a:xfrm flipH="1">
-            <a:off x="6514500" y="4963808"/>
-            <a:ext cx="821546" cy="121371"/>
+            <a:off x="6768424" y="4716545"/>
+            <a:ext cx="471694" cy="96785"/>
           </a:xfrm>
           <a:prstGeom prst="straightConnector1">
             <a:avLst/>
@@ -11362,7 +11379,7 @@
         </p:nvSpPr>
         <p:spPr>
           <a:xfrm>
-            <a:off x="5146291" y="4731236"/>
+            <a:off x="5400215" y="4459387"/>
             <a:ext cx="1368209" cy="707886"/>
           </a:xfrm>
           <a:prstGeom prst="rect">
@@ -11400,14 +11417,15 @@
           </p:cNvPr>
           <p:cNvCxnSpPr>
             <a:cxnSpLocks/>
+            <a:stCxn id="51" idx="7"/>
             <a:endCxn id="48" idx="1"/>
           </p:cNvCxnSpPr>
           <p:nvPr/>
         </p:nvCxnSpPr>
         <p:spPr>
           <a:xfrm flipV="1">
-            <a:off x="9125588" y="4203893"/>
-            <a:ext cx="1043595" cy="434565"/>
+            <a:off x="9271902" y="4217589"/>
+            <a:ext cx="1044796" cy="428487"/>
           </a:xfrm>
           <a:prstGeom prst="straightConnector1">
             <a:avLst/>
@@ -11448,7 +11466,7 @@
         </p:nvSpPr>
         <p:spPr>
           <a:xfrm>
-            <a:off x="10169183" y="3849950"/>
+            <a:off x="10316698" y="3863646"/>
             <a:ext cx="2038416" cy="707886"/>
           </a:xfrm>
           <a:prstGeom prst="rect">
@@ -11476,6 +11494,348 @@
               <a:t>compra</a:t>
             </a:r>
             <a:endParaRPr lang="en-GB" sz="2000" dirty="0"/>
+          </a:p>
+        </p:txBody>
+      </p:sp>
+      <p:sp>
+        <p:nvSpPr>
+          <p:cNvPr id="30" name="Oval 29">
+            <a:extLst>
+              <a:ext uri="{FF2B5EF4-FFF2-40B4-BE49-F238E27FC236}">
+                <a16:creationId xmlns:a16="http://schemas.microsoft.com/office/drawing/2014/main" id="{6D07AB47-D19E-4FE9-B1EF-119C40405EC1}"/>
+              </a:ext>
+            </a:extLst>
+          </p:cNvPr>
+          <p:cNvSpPr/>
+          <p:nvPr/>
+        </p:nvSpPr>
+        <p:spPr>
+          <a:xfrm>
+            <a:off x="8151557" y="4634398"/>
+            <a:ext cx="540819" cy="147019"/>
+          </a:xfrm>
+          <a:prstGeom prst="ellipse">
+            <a:avLst/>
+          </a:prstGeom>
+          <a:noFill/>
+          <a:ln w="9525" cap="flat" cmpd="sng" algn="ctr">
+            <a:solidFill>
+              <a:srgbClr val="8C2D19"/>
+            </a:solidFill>
+            <a:prstDash val="solid"/>
+            <a:round/>
+            <a:headEnd type="none" w="med" len="med"/>
+            <a:tailEnd type="none" w="med" len="med"/>
+          </a:ln>
+        </p:spPr>
+        <p:style>
+          <a:lnRef idx="0">
+            <a:scrgbClr r="0" g="0" b="0"/>
+          </a:lnRef>
+          <a:fillRef idx="0">
+            <a:scrgbClr r="0" g="0" b="0"/>
+          </a:fillRef>
+          <a:effectRef idx="0">
+            <a:scrgbClr r="0" g="0" b="0"/>
+          </a:effectRef>
+          <a:fontRef idx="minor">
+            <a:schemeClr val="dk1"/>
+          </a:fontRef>
+        </p:style>
+        <p:txBody>
+          <a:bodyPr rtlCol="0" anchor="ctr"/>
+          <a:lstStyle/>
+          <a:p>
+            <a:pPr algn="ctr"/>
+            <a:endParaRPr lang="en-GB"/>
+          </a:p>
+        </p:txBody>
+      </p:sp>
+      <p:sp>
+        <p:nvSpPr>
+          <p:cNvPr id="31" name="Oval 30">
+            <a:extLst>
+              <a:ext uri="{FF2B5EF4-FFF2-40B4-BE49-F238E27FC236}">
+                <a16:creationId xmlns:a16="http://schemas.microsoft.com/office/drawing/2014/main" id="{0BEF2AE5-E5A4-492C-8353-CA0FBF230616}"/>
+              </a:ext>
+            </a:extLst>
+          </p:cNvPr>
+          <p:cNvSpPr/>
+          <p:nvPr/>
+        </p:nvSpPr>
+        <p:spPr>
+          <a:xfrm>
+            <a:off x="7282813" y="4464520"/>
+            <a:ext cx="191870" cy="162095"/>
+          </a:xfrm>
+          <a:prstGeom prst="ellipse">
+            <a:avLst/>
+          </a:prstGeom>
+          <a:noFill/>
+          <a:ln w="9525" cap="flat" cmpd="sng" algn="ctr">
+            <a:solidFill>
+              <a:srgbClr val="8C2D19"/>
+            </a:solidFill>
+            <a:prstDash val="solid"/>
+            <a:round/>
+            <a:headEnd type="none" w="med" len="med"/>
+            <a:tailEnd type="none" w="med" len="med"/>
+          </a:ln>
+        </p:spPr>
+        <p:style>
+          <a:lnRef idx="0">
+            <a:scrgbClr r="0" g="0" b="0"/>
+          </a:lnRef>
+          <a:fillRef idx="0">
+            <a:scrgbClr r="0" g="0" b="0"/>
+          </a:fillRef>
+          <a:effectRef idx="0">
+            <a:scrgbClr r="0" g="0" b="0"/>
+          </a:effectRef>
+          <a:fontRef idx="minor">
+            <a:schemeClr val="dk1"/>
+          </a:fontRef>
+        </p:style>
+        <p:txBody>
+          <a:bodyPr rtlCol="0" anchor="ctr"/>
+          <a:lstStyle/>
+          <a:p>
+            <a:pPr algn="ctr"/>
+            <a:endParaRPr lang="en-GB"/>
+          </a:p>
+        </p:txBody>
+      </p:sp>
+      <p:sp>
+        <p:nvSpPr>
+          <p:cNvPr id="32" name="Oval 31">
+            <a:extLst>
+              <a:ext uri="{FF2B5EF4-FFF2-40B4-BE49-F238E27FC236}">
+                <a16:creationId xmlns:a16="http://schemas.microsoft.com/office/drawing/2014/main" id="{FC838E87-A799-427A-A49F-1982E3AA1382}"/>
+              </a:ext>
+            </a:extLst>
+          </p:cNvPr>
+          <p:cNvSpPr/>
+          <p:nvPr/>
+        </p:nvSpPr>
+        <p:spPr>
+          <a:xfrm>
+            <a:off x="7240118" y="4623561"/>
+            <a:ext cx="726429" cy="185967"/>
+          </a:xfrm>
+          <a:prstGeom prst="ellipse">
+            <a:avLst/>
+          </a:prstGeom>
+          <a:noFill/>
+          <a:ln w="9525" cap="flat" cmpd="sng" algn="ctr">
+            <a:solidFill>
+              <a:srgbClr val="8C2D19"/>
+            </a:solidFill>
+            <a:prstDash val="solid"/>
+            <a:round/>
+            <a:headEnd type="none" w="med" len="med"/>
+            <a:tailEnd type="none" w="med" len="med"/>
+          </a:ln>
+        </p:spPr>
+        <p:style>
+          <a:lnRef idx="0">
+            <a:scrgbClr r="0" g="0" b="0"/>
+          </a:lnRef>
+          <a:fillRef idx="0">
+            <a:scrgbClr r="0" g="0" b="0"/>
+          </a:fillRef>
+          <a:effectRef idx="0">
+            <a:scrgbClr r="0" g="0" b="0"/>
+          </a:effectRef>
+          <a:fontRef idx="minor">
+            <a:schemeClr val="dk1"/>
+          </a:fontRef>
+        </p:style>
+        <p:txBody>
+          <a:bodyPr rtlCol="0" anchor="ctr"/>
+          <a:lstStyle/>
+          <a:p>
+            <a:pPr algn="ctr"/>
+            <a:endParaRPr lang="en-GB"/>
+          </a:p>
+        </p:txBody>
+      </p:sp>
+      <p:sp>
+        <p:nvSpPr>
+          <p:cNvPr id="49" name="Oval 48">
+            <a:extLst>
+              <a:ext uri="{FF2B5EF4-FFF2-40B4-BE49-F238E27FC236}">
+                <a16:creationId xmlns:a16="http://schemas.microsoft.com/office/drawing/2014/main" id="{9A5B8AC3-7C03-4F6C-BD00-A5BBF2BB29FF}"/>
+              </a:ext>
+            </a:extLst>
+          </p:cNvPr>
+          <p:cNvSpPr/>
+          <p:nvPr/>
+        </p:nvSpPr>
+        <p:spPr>
+          <a:xfrm>
+            <a:off x="8828969" y="4632272"/>
+            <a:ext cx="183421" cy="147020"/>
+          </a:xfrm>
+          <a:prstGeom prst="ellipse">
+            <a:avLst/>
+          </a:prstGeom>
+          <a:noFill/>
+          <a:ln w="9525" cap="flat" cmpd="sng" algn="ctr">
+            <a:solidFill>
+              <a:srgbClr val="8C2D19"/>
+            </a:solidFill>
+            <a:prstDash val="solid"/>
+            <a:round/>
+            <a:headEnd type="none" w="med" len="med"/>
+            <a:tailEnd type="none" w="med" len="med"/>
+          </a:ln>
+        </p:spPr>
+        <p:style>
+          <a:lnRef idx="0">
+            <a:scrgbClr r="0" g="0" b="0"/>
+          </a:lnRef>
+          <a:fillRef idx="0">
+            <a:scrgbClr r="0" g="0" b="0"/>
+          </a:fillRef>
+          <a:effectRef idx="0">
+            <a:scrgbClr r="0" g="0" b="0"/>
+          </a:effectRef>
+          <a:fontRef idx="minor">
+            <a:schemeClr val="dk1"/>
+          </a:fontRef>
+        </p:style>
+        <p:txBody>
+          <a:bodyPr rtlCol="0" anchor="ctr"/>
+          <a:lstStyle/>
+          <a:p>
+            <a:pPr algn="ctr"/>
+            <a:endParaRPr lang="en-GB"/>
+          </a:p>
+        </p:txBody>
+      </p:sp>
+      <p:sp>
+        <p:nvSpPr>
+          <p:cNvPr id="51" name="Oval 50">
+            <a:extLst>
+              <a:ext uri="{FF2B5EF4-FFF2-40B4-BE49-F238E27FC236}">
+                <a16:creationId xmlns:a16="http://schemas.microsoft.com/office/drawing/2014/main" id="{59487B50-395E-44D5-A06F-FE696747406E}"/>
+              </a:ext>
+            </a:extLst>
+          </p:cNvPr>
+          <p:cNvSpPr/>
+          <p:nvPr/>
+        </p:nvSpPr>
+        <p:spPr>
+          <a:xfrm>
+            <a:off x="9115342" y="4624545"/>
+            <a:ext cx="183421" cy="147020"/>
+          </a:xfrm>
+          <a:prstGeom prst="ellipse">
+            <a:avLst/>
+          </a:prstGeom>
+          <a:noFill/>
+          <a:ln w="9525" cap="flat" cmpd="sng" algn="ctr">
+            <a:solidFill>
+              <a:srgbClr val="8C2D19"/>
+            </a:solidFill>
+            <a:prstDash val="solid"/>
+            <a:round/>
+            <a:headEnd type="none" w="med" len="med"/>
+            <a:tailEnd type="none" w="med" len="med"/>
+          </a:ln>
+        </p:spPr>
+        <p:style>
+          <a:lnRef idx="0">
+            <a:scrgbClr r="0" g="0" b="0"/>
+          </a:lnRef>
+          <a:fillRef idx="0">
+            <a:scrgbClr r="0" g="0" b="0"/>
+          </a:fillRef>
+          <a:effectRef idx="0">
+            <a:scrgbClr r="0" g="0" b="0"/>
+          </a:effectRef>
+          <a:fontRef idx="minor">
+            <a:schemeClr val="dk1"/>
+          </a:fontRef>
+        </p:style>
+        <p:txBody>
+          <a:bodyPr rtlCol="0" anchor="ctr"/>
+          <a:lstStyle/>
+          <a:p>
+            <a:pPr algn="ctr"/>
+            <a:endParaRPr lang="en-GB"/>
+          </a:p>
+        </p:txBody>
+      </p:sp>
+      <p:sp>
+        <p:nvSpPr>
+          <p:cNvPr id="52" name="CaixaDeTexto 51">
+            <a:extLst>
+              <a:ext uri="{FF2B5EF4-FFF2-40B4-BE49-F238E27FC236}">
+                <a16:creationId xmlns:a16="http://schemas.microsoft.com/office/drawing/2014/main" id="{0F38352C-DC83-4F71-9F28-8748DE9B79D5}"/>
+              </a:ext>
+            </a:extLst>
+          </p:cNvPr>
+          <p:cNvSpPr txBox="1"/>
+          <p:nvPr/>
+        </p:nvSpPr>
+        <p:spPr>
+          <a:xfrm>
+            <a:off x="6885082" y="2046894"/>
+            <a:ext cx="3176867" cy="461665"/>
+          </a:xfrm>
+          <a:prstGeom prst="rect">
+            <a:avLst/>
+          </a:prstGeom>
+          <a:noFill/>
+        </p:spPr>
+        <p:txBody>
+          <a:bodyPr wrap="square" rtlCol="0">
+            <a:spAutoFit/>
+          </a:bodyPr>
+          <a:lstStyle/>
+          <a:p>
+            <a:r>
+              <a:rPr lang="pt-PT" sz="2400" dirty="0"/>
+              <a:t>Ficheiro-Merchandising </a:t>
+            </a:r>
+            <a:endParaRPr lang="en-GB" sz="2400" dirty="0"/>
+          </a:p>
+        </p:txBody>
+      </p:sp>
+      <p:sp>
+        <p:nvSpPr>
+          <p:cNvPr id="53" name="CaixaDeTexto 52">
+            <a:extLst>
+              <a:ext uri="{FF2B5EF4-FFF2-40B4-BE49-F238E27FC236}">
+                <a16:creationId xmlns:a16="http://schemas.microsoft.com/office/drawing/2014/main" id="{10BA35B1-C0F3-498E-A257-8D591135677A}"/>
+              </a:ext>
+            </a:extLst>
+          </p:cNvPr>
+          <p:cNvSpPr txBox="1"/>
+          <p:nvPr/>
+        </p:nvSpPr>
+        <p:spPr>
+          <a:xfrm>
+            <a:off x="2103964" y="1962068"/>
+            <a:ext cx="2417725" cy="461665"/>
+          </a:xfrm>
+          <a:prstGeom prst="rect">
+            <a:avLst/>
+          </a:prstGeom>
+          <a:noFill/>
+        </p:spPr>
+        <p:txBody>
+          <a:bodyPr wrap="square" rtlCol="0">
+            <a:spAutoFit/>
+          </a:bodyPr>
+          <a:lstStyle/>
+          <a:p>
+            <a:r>
+              <a:rPr lang="pt-PT" sz="2400" dirty="0"/>
+              <a:t>Ficheiro-Doações </a:t>
+            </a:r>
+            <a:endParaRPr lang="en-GB" sz="2400" dirty="0"/>
           </a:p>
         </p:txBody>
       </p:sp>
